--- a/UI.pptx
+++ b/UI.pptx
@@ -6,6 +6,7 @@
   </p:sldMasterIdLst>
   <p:sldIdLst>
     <p:sldId id="256" r:id="rId2"/>
+    <p:sldId id="257" r:id="rId3"/>
   </p:sldIdLst>
   <p:sldSz cx="12192000" cy="6858000"/>
   <p:notesSz cx="6858000" cy="9144000"/>
@@ -104,6 +105,11 @@
       </a:defRPr>
     </a:lvl9pPr>
   </p:defaultTextStyle>
+  <p:extLst>
+    <p:ext uri="{EFAFB233-063F-42B5-8137-9DF3F51BA10A}">
+      <p15:sldGuideLst xmlns:p15="http://schemas.microsoft.com/office/powerpoint/2012/main"/>
+    </p:ext>
+  </p:extLst>
 </p:presentation>
 </file>
 
@@ -254,7 +260,7 @@
           <a:p>
             <a:fld id="{B2C9DBA1-8D4A-4E57-AA66-EB41DF1E3A11}" type="datetimeFigureOut">
               <a:rPr lang="ko-KR" altLang="en-US" smtClean="0"/>
-              <a:t>2021-03-18</a:t>
+              <a:t>2021-03-23</a:t>
             </a:fld>
             <a:endParaRPr lang="ko-KR" altLang="en-US"/>
           </a:p>
@@ -452,7 +458,7 @@
           <a:p>
             <a:fld id="{B2C9DBA1-8D4A-4E57-AA66-EB41DF1E3A11}" type="datetimeFigureOut">
               <a:rPr lang="ko-KR" altLang="en-US" smtClean="0"/>
-              <a:t>2021-03-18</a:t>
+              <a:t>2021-03-23</a:t>
             </a:fld>
             <a:endParaRPr lang="ko-KR" altLang="en-US"/>
           </a:p>
@@ -660,7 +666,7 @@
           <a:p>
             <a:fld id="{B2C9DBA1-8D4A-4E57-AA66-EB41DF1E3A11}" type="datetimeFigureOut">
               <a:rPr lang="ko-KR" altLang="en-US" smtClean="0"/>
-              <a:t>2021-03-18</a:t>
+              <a:t>2021-03-23</a:t>
             </a:fld>
             <a:endParaRPr lang="ko-KR" altLang="en-US"/>
           </a:p>
@@ -858,7 +864,7 @@
           <a:p>
             <a:fld id="{B2C9DBA1-8D4A-4E57-AA66-EB41DF1E3A11}" type="datetimeFigureOut">
               <a:rPr lang="ko-KR" altLang="en-US" smtClean="0"/>
-              <a:t>2021-03-18</a:t>
+              <a:t>2021-03-23</a:t>
             </a:fld>
             <a:endParaRPr lang="ko-KR" altLang="en-US"/>
           </a:p>
@@ -1133,7 +1139,7 @@
           <a:p>
             <a:fld id="{B2C9DBA1-8D4A-4E57-AA66-EB41DF1E3A11}" type="datetimeFigureOut">
               <a:rPr lang="ko-KR" altLang="en-US" smtClean="0"/>
-              <a:t>2021-03-18</a:t>
+              <a:t>2021-03-23</a:t>
             </a:fld>
             <a:endParaRPr lang="ko-KR" altLang="en-US"/>
           </a:p>
@@ -1398,7 +1404,7 @@
           <a:p>
             <a:fld id="{B2C9DBA1-8D4A-4E57-AA66-EB41DF1E3A11}" type="datetimeFigureOut">
               <a:rPr lang="ko-KR" altLang="en-US" smtClean="0"/>
-              <a:t>2021-03-18</a:t>
+              <a:t>2021-03-23</a:t>
             </a:fld>
             <a:endParaRPr lang="ko-KR" altLang="en-US"/>
           </a:p>
@@ -1810,7 +1816,7 @@
           <a:p>
             <a:fld id="{B2C9DBA1-8D4A-4E57-AA66-EB41DF1E3A11}" type="datetimeFigureOut">
               <a:rPr lang="ko-KR" altLang="en-US" smtClean="0"/>
-              <a:t>2021-03-18</a:t>
+              <a:t>2021-03-23</a:t>
             </a:fld>
             <a:endParaRPr lang="ko-KR" altLang="en-US"/>
           </a:p>
@@ -1951,7 +1957,7 @@
           <a:p>
             <a:fld id="{B2C9DBA1-8D4A-4E57-AA66-EB41DF1E3A11}" type="datetimeFigureOut">
               <a:rPr lang="ko-KR" altLang="en-US" smtClean="0"/>
-              <a:t>2021-03-18</a:t>
+              <a:t>2021-03-23</a:t>
             </a:fld>
             <a:endParaRPr lang="ko-KR" altLang="en-US"/>
           </a:p>
@@ -2064,7 +2070,7 @@
           <a:p>
             <a:fld id="{B2C9DBA1-8D4A-4E57-AA66-EB41DF1E3A11}" type="datetimeFigureOut">
               <a:rPr lang="ko-KR" altLang="en-US" smtClean="0"/>
-              <a:t>2021-03-18</a:t>
+              <a:t>2021-03-23</a:t>
             </a:fld>
             <a:endParaRPr lang="ko-KR" altLang="en-US"/>
           </a:p>
@@ -2375,7 +2381,7 @@
           <a:p>
             <a:fld id="{B2C9DBA1-8D4A-4E57-AA66-EB41DF1E3A11}" type="datetimeFigureOut">
               <a:rPr lang="ko-KR" altLang="en-US" smtClean="0"/>
-              <a:t>2021-03-18</a:t>
+              <a:t>2021-03-23</a:t>
             </a:fld>
             <a:endParaRPr lang="ko-KR" altLang="en-US"/>
           </a:p>
@@ -2663,7 +2669,7 @@
           <a:p>
             <a:fld id="{B2C9DBA1-8D4A-4E57-AA66-EB41DF1E3A11}" type="datetimeFigureOut">
               <a:rPr lang="ko-KR" altLang="en-US" smtClean="0"/>
-              <a:t>2021-03-18</a:t>
+              <a:t>2021-03-23</a:t>
             </a:fld>
             <a:endParaRPr lang="ko-KR" altLang="en-US"/>
           </a:p>
@@ -2904,7 +2910,7 @@
           <a:p>
             <a:fld id="{B2C9DBA1-8D4A-4E57-AA66-EB41DF1E3A11}" type="datetimeFigureOut">
               <a:rPr lang="ko-KR" altLang="en-US" smtClean="0"/>
-              <a:t>2021-03-18</a:t>
+              <a:t>2021-03-23</a:t>
             </a:fld>
             <a:endParaRPr lang="ko-KR" altLang="en-US"/>
           </a:p>
@@ -7046,6 +7052,2042 @@
 </p:sld>
 </file>
 
+<file path=ppt/slides/slide2.xml><?xml version="1.0" encoding="utf-8"?>
+<p:sld xmlns:a="http://schemas.openxmlformats.org/drawingml/2006/main" xmlns:r="http://schemas.openxmlformats.org/officeDocument/2006/relationships" xmlns:p="http://schemas.openxmlformats.org/presentationml/2006/main">
+  <p:cSld>
+    <p:spTree>
+      <p:nvGrpSpPr>
+        <p:cNvPr id="1" name=""/>
+        <p:cNvGrpSpPr/>
+        <p:nvPr/>
+      </p:nvGrpSpPr>
+      <p:grpSpPr>
+        <a:xfrm>
+          <a:off x="0" y="0"/>
+          <a:ext cx="0" cy="0"/>
+          <a:chOff x="0" y="0"/>
+          <a:chExt cx="0" cy="0"/>
+        </a:xfrm>
+      </p:grpSpPr>
+      <p:grpSp>
+        <p:nvGrpSpPr>
+          <p:cNvPr id="4" name="Browser" descr="&lt;SmartSettings&gt;&lt;SmartResize enabled=&quot;True&quot; minWidth=&quot;140&quot; minHeight=&quot;50&quot; /&gt;&lt;/SmartSettings&gt;">
+            <a:extLst>
+              <a:ext uri="{FF2B5EF4-FFF2-40B4-BE49-F238E27FC236}">
+                <a16:creationId xmlns:a16="http://schemas.microsoft.com/office/drawing/2014/main" id="{59074261-2948-4FA3-8FEB-E4EC23A2AFFA}"/>
+              </a:ext>
+            </a:extLst>
+          </p:cNvPr>
+          <p:cNvGrpSpPr/>
+          <p:nvPr>
+            <p:custDataLst>
+              <p:tags r:id="rId1"/>
+            </p:custDataLst>
+          </p:nvPr>
+        </p:nvGrpSpPr>
+        <p:grpSpPr>
+          <a:xfrm>
+            <a:off x="1950948" y="218810"/>
+            <a:ext cx="8571458" cy="6420379"/>
+            <a:chOff x="595683" y="1261242"/>
+            <a:chExt cx="6668462" cy="4352543"/>
+          </a:xfrm>
+        </p:grpSpPr>
+        <p:sp>
+          <p:nvSpPr>
+            <p:cNvPr id="5" name="Window Body" descr="&lt;SmartSettings&gt;&lt;SmartResize anchorLeft=&quot;Absolute&quot; anchorTop=&quot;Absolute&quot; anchorRight=&quot;Absolute&quot; anchorBottom=&quot;Absolute&quot; /&gt;&lt;/SmartSettings&gt;">
+              <a:extLst>
+                <a:ext uri="{FF2B5EF4-FFF2-40B4-BE49-F238E27FC236}">
+                  <a16:creationId xmlns:a16="http://schemas.microsoft.com/office/drawing/2014/main" id="{89FC61BC-3F4A-4387-8E49-86DBE3C8A448}"/>
+                </a:ext>
+              </a:extLst>
+            </p:cNvPr>
+            <p:cNvSpPr/>
+            <p:nvPr>
+              <p:custDataLst>
+                <p:tags r:id="rId2"/>
+              </p:custDataLst>
+            </p:nvPr>
+          </p:nvSpPr>
+          <p:spPr>
+            <a:xfrm>
+              <a:off x="595683" y="1623921"/>
+              <a:ext cx="6668462" cy="3989864"/>
+            </a:xfrm>
+            <a:prstGeom prst="rect">
+              <a:avLst/>
+            </a:prstGeom>
+            <a:solidFill>
+              <a:srgbClr val="FFFFFF"/>
+            </a:solidFill>
+            <a:ln w="6350">
+              <a:solidFill>
+                <a:srgbClr val="808080"/>
+              </a:solidFill>
+            </a:ln>
+          </p:spPr>
+          <p:style>
+            <a:lnRef idx="2">
+              <a:schemeClr val="accent1">
+                <a:shade val="50000"/>
+              </a:schemeClr>
+            </a:lnRef>
+            <a:fillRef idx="1">
+              <a:schemeClr val="accent1"/>
+            </a:fillRef>
+            <a:effectRef idx="0">
+              <a:schemeClr val="accent1"/>
+            </a:effectRef>
+            <a:fontRef idx="minor">
+              <a:schemeClr val="lt1"/>
+            </a:fontRef>
+          </p:style>
+          <p:txBody>
+            <a:bodyPr rot="0" spcFirstLastPara="0" vert="horz" wrap="square" lIns="91440" tIns="45720" rIns="91440" bIns="45720" numCol="1" spcCol="0" rtlCol="0" fromWordArt="0" anchor="ctr" anchorCtr="0" forceAA="0" compatLnSpc="1">
+              <a:prstTxWarp prst="textNoShape">
+                <a:avLst/>
+              </a:prstTxWarp>
+              <a:noAutofit/>
+            </a:bodyPr>
+            <a:lstStyle>
+              <a:defPPr>
+                <a:defRPr lang="en-US"/>
+              </a:defPPr>
+              <a:lvl1pPr marL="0" algn="l" defTabSz="914400" rtl="0" eaLnBrk="1" latinLnBrk="0" hangingPunct="1">
+                <a:defRPr sz="1800" kern="1200">
+                  <a:solidFill>
+                    <a:schemeClr val="lt1"/>
+                  </a:solidFill>
+                  <a:latin typeface="+mn-lt"/>
+                  <a:ea typeface="+mn-ea"/>
+                  <a:cs typeface="+mn-cs"/>
+                </a:defRPr>
+              </a:lvl1pPr>
+              <a:lvl2pPr marL="457200" algn="l" defTabSz="914400" rtl="0" eaLnBrk="1" latinLnBrk="0" hangingPunct="1">
+                <a:defRPr sz="1800" kern="1200">
+                  <a:solidFill>
+                    <a:schemeClr val="lt1"/>
+                  </a:solidFill>
+                  <a:latin typeface="+mn-lt"/>
+                  <a:ea typeface="+mn-ea"/>
+                  <a:cs typeface="+mn-cs"/>
+                </a:defRPr>
+              </a:lvl2pPr>
+              <a:lvl3pPr marL="914400" algn="l" defTabSz="914400" rtl="0" eaLnBrk="1" latinLnBrk="0" hangingPunct="1">
+                <a:defRPr sz="1800" kern="1200">
+                  <a:solidFill>
+                    <a:schemeClr val="lt1"/>
+                  </a:solidFill>
+                  <a:latin typeface="+mn-lt"/>
+                  <a:ea typeface="+mn-ea"/>
+                  <a:cs typeface="+mn-cs"/>
+                </a:defRPr>
+              </a:lvl3pPr>
+              <a:lvl4pPr marL="1371600" algn="l" defTabSz="914400" rtl="0" eaLnBrk="1" latinLnBrk="0" hangingPunct="1">
+                <a:defRPr sz="1800" kern="1200">
+                  <a:solidFill>
+                    <a:schemeClr val="lt1"/>
+                  </a:solidFill>
+                  <a:latin typeface="+mn-lt"/>
+                  <a:ea typeface="+mn-ea"/>
+                  <a:cs typeface="+mn-cs"/>
+                </a:defRPr>
+              </a:lvl4pPr>
+              <a:lvl5pPr marL="1828800" algn="l" defTabSz="914400" rtl="0" eaLnBrk="1" latinLnBrk="0" hangingPunct="1">
+                <a:defRPr sz="1800" kern="1200">
+                  <a:solidFill>
+                    <a:schemeClr val="lt1"/>
+                  </a:solidFill>
+                  <a:latin typeface="+mn-lt"/>
+                  <a:ea typeface="+mn-ea"/>
+                  <a:cs typeface="+mn-cs"/>
+                </a:defRPr>
+              </a:lvl5pPr>
+              <a:lvl6pPr marL="2286000" algn="l" defTabSz="914400" rtl="0" eaLnBrk="1" latinLnBrk="0" hangingPunct="1">
+                <a:defRPr sz="1800" kern="1200">
+                  <a:solidFill>
+                    <a:schemeClr val="lt1"/>
+                  </a:solidFill>
+                  <a:latin typeface="+mn-lt"/>
+                  <a:ea typeface="+mn-ea"/>
+                  <a:cs typeface="+mn-cs"/>
+                </a:defRPr>
+              </a:lvl6pPr>
+              <a:lvl7pPr marL="2743200" algn="l" defTabSz="914400" rtl="0" eaLnBrk="1" latinLnBrk="0" hangingPunct="1">
+                <a:defRPr sz="1800" kern="1200">
+                  <a:solidFill>
+                    <a:schemeClr val="lt1"/>
+                  </a:solidFill>
+                  <a:latin typeface="+mn-lt"/>
+                  <a:ea typeface="+mn-ea"/>
+                  <a:cs typeface="+mn-cs"/>
+                </a:defRPr>
+              </a:lvl7pPr>
+              <a:lvl8pPr marL="3200400" algn="l" defTabSz="914400" rtl="0" eaLnBrk="1" latinLnBrk="0" hangingPunct="1">
+                <a:defRPr sz="1800" kern="1200">
+                  <a:solidFill>
+                    <a:schemeClr val="lt1"/>
+                  </a:solidFill>
+                  <a:latin typeface="+mn-lt"/>
+                  <a:ea typeface="+mn-ea"/>
+                  <a:cs typeface="+mn-cs"/>
+                </a:defRPr>
+              </a:lvl8pPr>
+              <a:lvl9pPr marL="3657600" algn="l" defTabSz="914400" rtl="0" eaLnBrk="1" latinLnBrk="0" hangingPunct="1">
+                <a:defRPr sz="1800" kern="1200">
+                  <a:solidFill>
+                    <a:schemeClr val="lt1"/>
+                  </a:solidFill>
+                  <a:latin typeface="+mn-lt"/>
+                  <a:ea typeface="+mn-ea"/>
+                  <a:cs typeface="+mn-cs"/>
+                </a:defRPr>
+              </a:lvl9pPr>
+            </a:lstStyle>
+            <a:p>
+              <a:pPr algn="ctr"/>
+              <a:endParaRPr lang="en-US" sz="900" dirty="0">
+                <a:solidFill>
+                  <a:srgbClr val="5F5F5F"/>
+                </a:solidFill>
+                <a:latin typeface="Segoe UI" panose="020B0502040204020203" pitchFamily="34" charset="0"/>
+                <a:cs typeface="Segoe UI" panose="020B0502040204020203" pitchFamily="34" charset="0"/>
+              </a:endParaRPr>
+            </a:p>
+          </p:txBody>
+        </p:sp>
+        <p:sp>
+          <p:nvSpPr>
+            <p:cNvPr id="6" name="Title Bar" descr="&lt;SmartSettings&gt;&lt;SmartResize anchorLeft=&quot;Absolute&quot; anchorTop=&quot;Absolute&quot; anchorRight=&quot;Absolute&quot; anchorBottom=&quot;None&quot; /&gt;&lt;/SmartSettings&gt;">
+              <a:extLst>
+                <a:ext uri="{FF2B5EF4-FFF2-40B4-BE49-F238E27FC236}">
+                  <a16:creationId xmlns:a16="http://schemas.microsoft.com/office/drawing/2014/main" id="{428812DA-A12A-40E6-A550-E92E4D0EDB8F}"/>
+                </a:ext>
+              </a:extLst>
+            </p:cNvPr>
+            <p:cNvSpPr/>
+            <p:nvPr>
+              <p:custDataLst>
+                <p:tags r:id="rId3"/>
+              </p:custDataLst>
+            </p:nvPr>
+          </p:nvSpPr>
+          <p:spPr>
+            <a:xfrm>
+              <a:off x="595684" y="1261242"/>
+              <a:ext cx="6668461" cy="364099"/>
+            </a:xfrm>
+            <a:prstGeom prst="rect">
+              <a:avLst/>
+            </a:prstGeom>
+            <a:solidFill>
+              <a:srgbClr val="FFFFFF"/>
+            </a:solidFill>
+            <a:ln w="6350">
+              <a:solidFill>
+                <a:srgbClr val="808080"/>
+              </a:solidFill>
+            </a:ln>
+          </p:spPr>
+          <p:style>
+            <a:lnRef idx="2">
+              <a:schemeClr val="accent1">
+                <a:shade val="50000"/>
+              </a:schemeClr>
+            </a:lnRef>
+            <a:fillRef idx="1">
+              <a:schemeClr val="accent1"/>
+            </a:fillRef>
+            <a:effectRef idx="0">
+              <a:schemeClr val="accent1"/>
+            </a:effectRef>
+            <a:fontRef idx="minor">
+              <a:schemeClr val="lt1"/>
+            </a:fontRef>
+          </p:style>
+          <p:txBody>
+            <a:bodyPr rot="0" spcFirstLastPara="0" vert="horz" wrap="square" lIns="91440" tIns="45720" rIns="228600" bIns="45720" numCol="1" spcCol="0" rtlCol="0" fromWordArt="0" anchor="t" anchorCtr="0" forceAA="0" compatLnSpc="1">
+              <a:prstTxWarp prst="textNoShape">
+                <a:avLst/>
+              </a:prstTxWarp>
+              <a:noAutofit/>
+            </a:bodyPr>
+            <a:lstStyle>
+              <a:defPPr>
+                <a:defRPr lang="en-US"/>
+              </a:defPPr>
+              <a:lvl1pPr marL="0" algn="l" defTabSz="914400" rtl="0" eaLnBrk="1" latinLnBrk="0" hangingPunct="1">
+                <a:defRPr sz="1800" kern="1200">
+                  <a:solidFill>
+                    <a:schemeClr val="lt1"/>
+                  </a:solidFill>
+                  <a:latin typeface="+mn-lt"/>
+                  <a:ea typeface="+mn-ea"/>
+                  <a:cs typeface="+mn-cs"/>
+                </a:defRPr>
+              </a:lvl1pPr>
+              <a:lvl2pPr marL="457200" algn="l" defTabSz="914400" rtl="0" eaLnBrk="1" latinLnBrk="0" hangingPunct="1">
+                <a:defRPr sz="1800" kern="1200">
+                  <a:solidFill>
+                    <a:schemeClr val="lt1"/>
+                  </a:solidFill>
+                  <a:latin typeface="+mn-lt"/>
+                  <a:ea typeface="+mn-ea"/>
+                  <a:cs typeface="+mn-cs"/>
+                </a:defRPr>
+              </a:lvl2pPr>
+              <a:lvl3pPr marL="914400" algn="l" defTabSz="914400" rtl="0" eaLnBrk="1" latinLnBrk="0" hangingPunct="1">
+                <a:defRPr sz="1800" kern="1200">
+                  <a:solidFill>
+                    <a:schemeClr val="lt1"/>
+                  </a:solidFill>
+                  <a:latin typeface="+mn-lt"/>
+                  <a:ea typeface="+mn-ea"/>
+                  <a:cs typeface="+mn-cs"/>
+                </a:defRPr>
+              </a:lvl3pPr>
+              <a:lvl4pPr marL="1371600" algn="l" defTabSz="914400" rtl="0" eaLnBrk="1" latinLnBrk="0" hangingPunct="1">
+                <a:defRPr sz="1800" kern="1200">
+                  <a:solidFill>
+                    <a:schemeClr val="lt1"/>
+                  </a:solidFill>
+                  <a:latin typeface="+mn-lt"/>
+                  <a:ea typeface="+mn-ea"/>
+                  <a:cs typeface="+mn-cs"/>
+                </a:defRPr>
+              </a:lvl4pPr>
+              <a:lvl5pPr marL="1828800" algn="l" defTabSz="914400" rtl="0" eaLnBrk="1" latinLnBrk="0" hangingPunct="1">
+                <a:defRPr sz="1800" kern="1200">
+                  <a:solidFill>
+                    <a:schemeClr val="lt1"/>
+                  </a:solidFill>
+                  <a:latin typeface="+mn-lt"/>
+                  <a:ea typeface="+mn-ea"/>
+                  <a:cs typeface="+mn-cs"/>
+                </a:defRPr>
+              </a:lvl5pPr>
+              <a:lvl6pPr marL="2286000" algn="l" defTabSz="914400" rtl="0" eaLnBrk="1" latinLnBrk="0" hangingPunct="1">
+                <a:defRPr sz="1800" kern="1200">
+                  <a:solidFill>
+                    <a:schemeClr val="lt1"/>
+                  </a:solidFill>
+                  <a:latin typeface="+mn-lt"/>
+                  <a:ea typeface="+mn-ea"/>
+                  <a:cs typeface="+mn-cs"/>
+                </a:defRPr>
+              </a:lvl6pPr>
+              <a:lvl7pPr marL="2743200" algn="l" defTabSz="914400" rtl="0" eaLnBrk="1" latinLnBrk="0" hangingPunct="1">
+                <a:defRPr sz="1800" kern="1200">
+                  <a:solidFill>
+                    <a:schemeClr val="lt1"/>
+                  </a:solidFill>
+                  <a:latin typeface="+mn-lt"/>
+                  <a:ea typeface="+mn-ea"/>
+                  <a:cs typeface="+mn-cs"/>
+                </a:defRPr>
+              </a:lvl7pPr>
+              <a:lvl8pPr marL="3200400" algn="l" defTabSz="914400" rtl="0" eaLnBrk="1" latinLnBrk="0" hangingPunct="1">
+                <a:defRPr sz="1800" kern="1200">
+                  <a:solidFill>
+                    <a:schemeClr val="lt1"/>
+                  </a:solidFill>
+                  <a:latin typeface="+mn-lt"/>
+                  <a:ea typeface="+mn-ea"/>
+                  <a:cs typeface="+mn-cs"/>
+                </a:defRPr>
+              </a:lvl8pPr>
+              <a:lvl9pPr marL="3657600" algn="l" defTabSz="914400" rtl="0" eaLnBrk="1" latinLnBrk="0" hangingPunct="1">
+                <a:defRPr sz="1800" kern="1200">
+                  <a:solidFill>
+                    <a:schemeClr val="lt1"/>
+                  </a:solidFill>
+                  <a:latin typeface="+mn-lt"/>
+                  <a:ea typeface="+mn-ea"/>
+                  <a:cs typeface="+mn-cs"/>
+                </a:defRPr>
+              </a:lvl9pPr>
+            </a:lstStyle>
+            <a:p>
+              <a:r>
+                <a:rPr lang="en-US" sz="900" dirty="0">
+                  <a:solidFill>
+                    <a:srgbClr val="5F5F5F"/>
+                  </a:solidFill>
+                  <a:latin typeface="Segoe UI" panose="020B0502040204020203" pitchFamily="34" charset="0"/>
+                  <a:cs typeface="Segoe UI" panose="020B0502040204020203" pitchFamily="34" charset="0"/>
+                </a:rPr>
+                <a:t>Browser</a:t>
+              </a:r>
+            </a:p>
+          </p:txBody>
+        </p:sp>
+        <p:sp>
+          <p:nvSpPr>
+            <p:cNvPr id="7" name="Menu Button" descr="&lt;SmartSettings&gt;&lt;SmartResize anchorLeft=&quot;None&quot; anchorTop=&quot;Absolute&quot; anchorRight=&quot;Absolute&quot; anchorBottom=&quot;None&quot; /&gt;&lt;/SmartSettings&gt;">
+              <a:extLst>
+                <a:ext uri="{FF2B5EF4-FFF2-40B4-BE49-F238E27FC236}">
+                  <a16:creationId xmlns:a16="http://schemas.microsoft.com/office/drawing/2014/main" id="{EB35F7EF-B88E-48F4-9F75-D031AEE987C3}"/>
+                </a:ext>
+              </a:extLst>
+            </p:cNvPr>
+            <p:cNvSpPr>
+              <a:spLocks noChangeAspect="1" noEditPoints="1"/>
+            </p:cNvSpPr>
+            <p:nvPr>
+              <p:custDataLst>
+                <p:tags r:id="rId4"/>
+              </p:custDataLst>
+            </p:nvPr>
+          </p:nvSpPr>
+          <p:spPr bwMode="auto">
+            <a:xfrm>
+              <a:off x="7079076" y="1469745"/>
+              <a:ext cx="116095" cy="76411"/>
+            </a:xfrm>
+            <a:custGeom>
+              <a:avLst/>
+              <a:gdLst>
+                <a:gd name="T0" fmla="*/ 0 w 415"/>
+                <a:gd name="T1" fmla="*/ 309 h 309"/>
+                <a:gd name="T2" fmla="*/ 415 w 415"/>
+                <a:gd name="T3" fmla="*/ 309 h 309"/>
+                <a:gd name="T4" fmla="*/ 0 w 415"/>
+                <a:gd name="T5" fmla="*/ 155 h 309"/>
+                <a:gd name="T6" fmla="*/ 415 w 415"/>
+                <a:gd name="T7" fmla="*/ 155 h 309"/>
+                <a:gd name="T8" fmla="*/ 0 w 415"/>
+                <a:gd name="T9" fmla="*/ 0 h 309"/>
+                <a:gd name="T10" fmla="*/ 415 w 415"/>
+                <a:gd name="T11" fmla="*/ 0 h 309"/>
+              </a:gdLst>
+              <a:ahLst/>
+              <a:cxnLst>
+                <a:cxn ang="0">
+                  <a:pos x="T0" y="T1"/>
+                </a:cxn>
+                <a:cxn ang="0">
+                  <a:pos x="T2" y="T3"/>
+                </a:cxn>
+                <a:cxn ang="0">
+                  <a:pos x="T4" y="T5"/>
+                </a:cxn>
+                <a:cxn ang="0">
+                  <a:pos x="T6" y="T7"/>
+                </a:cxn>
+                <a:cxn ang="0">
+                  <a:pos x="T8" y="T9"/>
+                </a:cxn>
+                <a:cxn ang="0">
+                  <a:pos x="T10" y="T11"/>
+                </a:cxn>
+              </a:cxnLst>
+              <a:rect l="0" t="0" r="r" b="b"/>
+              <a:pathLst>
+                <a:path w="415" h="309">
+                  <a:moveTo>
+                    <a:pt x="0" y="309"/>
+                  </a:moveTo>
+                  <a:lnTo>
+                    <a:pt x="415" y="309"/>
+                  </a:lnTo>
+                  <a:moveTo>
+                    <a:pt x="0" y="155"/>
+                  </a:moveTo>
+                  <a:lnTo>
+                    <a:pt x="415" y="155"/>
+                  </a:lnTo>
+                  <a:moveTo>
+                    <a:pt x="0" y="0"/>
+                  </a:moveTo>
+                  <a:lnTo>
+                    <a:pt x="415" y="0"/>
+                  </a:lnTo>
+                </a:path>
+              </a:pathLst>
+            </a:custGeom>
+            <a:noFill/>
+            <a:ln w="6350" cap="flat">
+              <a:solidFill>
+                <a:srgbClr val="808080"/>
+              </a:solidFill>
+              <a:prstDash val="solid"/>
+              <a:miter lim="800000"/>
+              <a:headEnd/>
+              <a:tailEnd/>
+            </a:ln>
+            <a:extLst>
+              <a:ext uri="{909E8E84-426E-40DD-AFC4-6F175D3DCCD1}">
+                <a14:hiddenFill xmlns:a14="http://schemas.microsoft.com/office/drawing/2010/main">
+                  <a:solidFill>
+                    <a:srgbClr val="FFFFFF"/>
+                  </a:solidFill>
+                </a14:hiddenFill>
+              </a:ext>
+            </a:extLst>
+          </p:spPr>
+          <p:txBody>
+            <a:bodyPr vert="horz" wrap="square" lIns="91440" tIns="45720" rIns="91440" bIns="45720" numCol="1" anchor="t" anchorCtr="0" compatLnSpc="1">
+              <a:prstTxWarp prst="textNoShape">
+                <a:avLst/>
+              </a:prstTxWarp>
+            </a:bodyPr>
+            <a:lstStyle>
+              <a:defPPr>
+                <a:defRPr lang="en-US"/>
+              </a:defPPr>
+              <a:lvl1pPr marL="0" algn="l" defTabSz="914400" rtl="0" eaLnBrk="1" latinLnBrk="0" hangingPunct="1">
+                <a:defRPr sz="1800" kern="1200">
+                  <a:solidFill>
+                    <a:schemeClr val="tx1"/>
+                  </a:solidFill>
+                  <a:latin typeface="+mn-lt"/>
+                  <a:ea typeface="+mn-ea"/>
+                  <a:cs typeface="+mn-cs"/>
+                </a:defRPr>
+              </a:lvl1pPr>
+              <a:lvl2pPr marL="457200" algn="l" defTabSz="914400" rtl="0" eaLnBrk="1" latinLnBrk="0" hangingPunct="1">
+                <a:defRPr sz="1800" kern="1200">
+                  <a:solidFill>
+                    <a:schemeClr val="tx1"/>
+                  </a:solidFill>
+                  <a:latin typeface="+mn-lt"/>
+                  <a:ea typeface="+mn-ea"/>
+                  <a:cs typeface="+mn-cs"/>
+                </a:defRPr>
+              </a:lvl2pPr>
+              <a:lvl3pPr marL="914400" algn="l" defTabSz="914400" rtl="0" eaLnBrk="1" latinLnBrk="0" hangingPunct="1">
+                <a:defRPr sz="1800" kern="1200">
+                  <a:solidFill>
+                    <a:schemeClr val="tx1"/>
+                  </a:solidFill>
+                  <a:latin typeface="+mn-lt"/>
+                  <a:ea typeface="+mn-ea"/>
+                  <a:cs typeface="+mn-cs"/>
+                </a:defRPr>
+              </a:lvl3pPr>
+              <a:lvl4pPr marL="1371600" algn="l" defTabSz="914400" rtl="0" eaLnBrk="1" latinLnBrk="0" hangingPunct="1">
+                <a:defRPr sz="1800" kern="1200">
+                  <a:solidFill>
+                    <a:schemeClr val="tx1"/>
+                  </a:solidFill>
+                  <a:latin typeface="+mn-lt"/>
+                  <a:ea typeface="+mn-ea"/>
+                  <a:cs typeface="+mn-cs"/>
+                </a:defRPr>
+              </a:lvl4pPr>
+              <a:lvl5pPr marL="1828800" algn="l" defTabSz="914400" rtl="0" eaLnBrk="1" latinLnBrk="0" hangingPunct="1">
+                <a:defRPr sz="1800" kern="1200">
+                  <a:solidFill>
+                    <a:schemeClr val="tx1"/>
+                  </a:solidFill>
+                  <a:latin typeface="+mn-lt"/>
+                  <a:ea typeface="+mn-ea"/>
+                  <a:cs typeface="+mn-cs"/>
+                </a:defRPr>
+              </a:lvl5pPr>
+              <a:lvl6pPr marL="2286000" algn="l" defTabSz="914400" rtl="0" eaLnBrk="1" latinLnBrk="0" hangingPunct="1">
+                <a:defRPr sz="1800" kern="1200">
+                  <a:solidFill>
+                    <a:schemeClr val="tx1"/>
+                  </a:solidFill>
+                  <a:latin typeface="+mn-lt"/>
+                  <a:ea typeface="+mn-ea"/>
+                  <a:cs typeface="+mn-cs"/>
+                </a:defRPr>
+              </a:lvl6pPr>
+              <a:lvl7pPr marL="2743200" algn="l" defTabSz="914400" rtl="0" eaLnBrk="1" latinLnBrk="0" hangingPunct="1">
+                <a:defRPr sz="1800" kern="1200">
+                  <a:solidFill>
+                    <a:schemeClr val="tx1"/>
+                  </a:solidFill>
+                  <a:latin typeface="+mn-lt"/>
+                  <a:ea typeface="+mn-ea"/>
+                  <a:cs typeface="+mn-cs"/>
+                </a:defRPr>
+              </a:lvl7pPr>
+              <a:lvl8pPr marL="3200400" algn="l" defTabSz="914400" rtl="0" eaLnBrk="1" latinLnBrk="0" hangingPunct="1">
+                <a:defRPr sz="1800" kern="1200">
+                  <a:solidFill>
+                    <a:schemeClr val="tx1"/>
+                  </a:solidFill>
+                  <a:latin typeface="+mn-lt"/>
+                  <a:ea typeface="+mn-ea"/>
+                  <a:cs typeface="+mn-cs"/>
+                </a:defRPr>
+              </a:lvl8pPr>
+              <a:lvl9pPr marL="3657600" algn="l" defTabSz="914400" rtl="0" eaLnBrk="1" latinLnBrk="0" hangingPunct="1">
+                <a:defRPr sz="1800" kern="1200">
+                  <a:solidFill>
+                    <a:schemeClr val="tx1"/>
+                  </a:solidFill>
+                  <a:latin typeface="+mn-lt"/>
+                  <a:ea typeface="+mn-ea"/>
+                  <a:cs typeface="+mn-cs"/>
+                </a:defRPr>
+              </a:lvl9pPr>
+            </a:lstStyle>
+            <a:p>
+              <a:endParaRPr lang="en-US">
+                <a:solidFill>
+                  <a:srgbClr val="5F5F5F"/>
+                </a:solidFill>
+                <a:latin typeface="Segoe UI" panose="020B0502040204020203" pitchFamily="34" charset="0"/>
+                <a:cs typeface="Segoe UI" panose="020B0502040204020203" pitchFamily="34" charset="0"/>
+              </a:endParaRPr>
+            </a:p>
+          </p:txBody>
+        </p:sp>
+        <p:sp>
+          <p:nvSpPr>
+            <p:cNvPr id="8" name="Close Button" descr="&lt;SmartSettings&gt;&lt;SmartResize anchorLeft=&quot;None&quot; anchorTop=&quot;Absolute&quot; anchorRight=&quot;Absolute&quot; anchorBottom=&quot;None&quot; /&gt;&lt;/SmartSettings&gt;">
+              <a:extLst>
+                <a:ext uri="{FF2B5EF4-FFF2-40B4-BE49-F238E27FC236}">
+                  <a16:creationId xmlns:a16="http://schemas.microsoft.com/office/drawing/2014/main" id="{6EB75456-0E8B-44FD-A966-A44B5DC7E05A}"/>
+                </a:ext>
+              </a:extLst>
+            </p:cNvPr>
+            <p:cNvSpPr>
+              <a:spLocks noEditPoints="1"/>
+            </p:cNvSpPr>
+            <p:nvPr>
+              <p:custDataLst>
+                <p:tags r:id="rId5"/>
+              </p:custDataLst>
+            </p:nvPr>
+          </p:nvSpPr>
+          <p:spPr bwMode="auto">
+            <a:xfrm>
+              <a:off x="7100081" y="1309542"/>
+              <a:ext cx="76573" cy="64572"/>
+            </a:xfrm>
+            <a:custGeom>
+              <a:avLst/>
+              <a:gdLst>
+                <a:gd name="T0" fmla="*/ 254 w 254"/>
+                <a:gd name="T1" fmla="*/ 0 h 254"/>
+                <a:gd name="T2" fmla="*/ 0 w 254"/>
+                <a:gd name="T3" fmla="*/ 254 h 254"/>
+                <a:gd name="T4" fmla="*/ 0 w 254"/>
+                <a:gd name="T5" fmla="*/ 0 h 254"/>
+                <a:gd name="T6" fmla="*/ 254 w 254"/>
+                <a:gd name="T7" fmla="*/ 254 h 254"/>
+              </a:gdLst>
+              <a:ahLst/>
+              <a:cxnLst>
+                <a:cxn ang="0">
+                  <a:pos x="T0" y="T1"/>
+                </a:cxn>
+                <a:cxn ang="0">
+                  <a:pos x="T2" y="T3"/>
+                </a:cxn>
+                <a:cxn ang="0">
+                  <a:pos x="T4" y="T5"/>
+                </a:cxn>
+                <a:cxn ang="0">
+                  <a:pos x="T6" y="T7"/>
+                </a:cxn>
+              </a:cxnLst>
+              <a:rect l="0" t="0" r="r" b="b"/>
+              <a:pathLst>
+                <a:path w="254" h="254">
+                  <a:moveTo>
+                    <a:pt x="254" y="0"/>
+                  </a:moveTo>
+                  <a:lnTo>
+                    <a:pt x="0" y="254"/>
+                  </a:lnTo>
+                  <a:moveTo>
+                    <a:pt x="0" y="0"/>
+                  </a:moveTo>
+                  <a:lnTo>
+                    <a:pt x="254" y="254"/>
+                  </a:lnTo>
+                </a:path>
+              </a:pathLst>
+            </a:custGeom>
+            <a:noFill/>
+            <a:ln w="9525" cap="flat">
+              <a:solidFill>
+                <a:srgbClr val="808080"/>
+              </a:solidFill>
+              <a:prstDash val="solid"/>
+              <a:miter lim="800000"/>
+              <a:headEnd/>
+              <a:tailEnd/>
+            </a:ln>
+            <a:extLst>
+              <a:ext uri="{909E8E84-426E-40DD-AFC4-6F175D3DCCD1}">
+                <a14:hiddenFill xmlns:a14="http://schemas.microsoft.com/office/drawing/2010/main">
+                  <a:solidFill>
+                    <a:srgbClr val="FFFFFF"/>
+                  </a:solidFill>
+                </a14:hiddenFill>
+              </a:ext>
+            </a:extLst>
+          </p:spPr>
+          <p:txBody>
+            <a:bodyPr vert="horz" wrap="square" lIns="91440" tIns="45720" rIns="91440" bIns="45720" numCol="1" anchor="t" anchorCtr="0" compatLnSpc="1">
+              <a:prstTxWarp prst="textNoShape">
+                <a:avLst/>
+              </a:prstTxWarp>
+            </a:bodyPr>
+            <a:lstStyle>
+              <a:defPPr>
+                <a:defRPr lang="en-US"/>
+              </a:defPPr>
+              <a:lvl1pPr marL="0" algn="l" defTabSz="914400" rtl="0" eaLnBrk="1" latinLnBrk="0" hangingPunct="1">
+                <a:defRPr sz="1800" kern="1200">
+                  <a:solidFill>
+                    <a:schemeClr val="tx1"/>
+                  </a:solidFill>
+                  <a:latin typeface="+mn-lt"/>
+                  <a:ea typeface="+mn-ea"/>
+                  <a:cs typeface="+mn-cs"/>
+                </a:defRPr>
+              </a:lvl1pPr>
+              <a:lvl2pPr marL="457200" algn="l" defTabSz="914400" rtl="0" eaLnBrk="1" latinLnBrk="0" hangingPunct="1">
+                <a:defRPr sz="1800" kern="1200">
+                  <a:solidFill>
+                    <a:schemeClr val="tx1"/>
+                  </a:solidFill>
+                  <a:latin typeface="+mn-lt"/>
+                  <a:ea typeface="+mn-ea"/>
+                  <a:cs typeface="+mn-cs"/>
+                </a:defRPr>
+              </a:lvl2pPr>
+              <a:lvl3pPr marL="914400" algn="l" defTabSz="914400" rtl="0" eaLnBrk="1" latinLnBrk="0" hangingPunct="1">
+                <a:defRPr sz="1800" kern="1200">
+                  <a:solidFill>
+                    <a:schemeClr val="tx1"/>
+                  </a:solidFill>
+                  <a:latin typeface="+mn-lt"/>
+                  <a:ea typeface="+mn-ea"/>
+                  <a:cs typeface="+mn-cs"/>
+                </a:defRPr>
+              </a:lvl3pPr>
+              <a:lvl4pPr marL="1371600" algn="l" defTabSz="914400" rtl="0" eaLnBrk="1" latinLnBrk="0" hangingPunct="1">
+                <a:defRPr sz="1800" kern="1200">
+                  <a:solidFill>
+                    <a:schemeClr val="tx1"/>
+                  </a:solidFill>
+                  <a:latin typeface="+mn-lt"/>
+                  <a:ea typeface="+mn-ea"/>
+                  <a:cs typeface="+mn-cs"/>
+                </a:defRPr>
+              </a:lvl4pPr>
+              <a:lvl5pPr marL="1828800" algn="l" defTabSz="914400" rtl="0" eaLnBrk="1" latinLnBrk="0" hangingPunct="1">
+                <a:defRPr sz="1800" kern="1200">
+                  <a:solidFill>
+                    <a:schemeClr val="tx1"/>
+                  </a:solidFill>
+                  <a:latin typeface="+mn-lt"/>
+                  <a:ea typeface="+mn-ea"/>
+                  <a:cs typeface="+mn-cs"/>
+                </a:defRPr>
+              </a:lvl5pPr>
+              <a:lvl6pPr marL="2286000" algn="l" defTabSz="914400" rtl="0" eaLnBrk="1" latinLnBrk="0" hangingPunct="1">
+                <a:defRPr sz="1800" kern="1200">
+                  <a:solidFill>
+                    <a:schemeClr val="tx1"/>
+                  </a:solidFill>
+                  <a:latin typeface="+mn-lt"/>
+                  <a:ea typeface="+mn-ea"/>
+                  <a:cs typeface="+mn-cs"/>
+                </a:defRPr>
+              </a:lvl6pPr>
+              <a:lvl7pPr marL="2743200" algn="l" defTabSz="914400" rtl="0" eaLnBrk="1" latinLnBrk="0" hangingPunct="1">
+                <a:defRPr sz="1800" kern="1200">
+                  <a:solidFill>
+                    <a:schemeClr val="tx1"/>
+                  </a:solidFill>
+                  <a:latin typeface="+mn-lt"/>
+                  <a:ea typeface="+mn-ea"/>
+                  <a:cs typeface="+mn-cs"/>
+                </a:defRPr>
+              </a:lvl7pPr>
+              <a:lvl8pPr marL="3200400" algn="l" defTabSz="914400" rtl="0" eaLnBrk="1" latinLnBrk="0" hangingPunct="1">
+                <a:defRPr sz="1800" kern="1200">
+                  <a:solidFill>
+                    <a:schemeClr val="tx1"/>
+                  </a:solidFill>
+                  <a:latin typeface="+mn-lt"/>
+                  <a:ea typeface="+mn-ea"/>
+                  <a:cs typeface="+mn-cs"/>
+                </a:defRPr>
+              </a:lvl8pPr>
+              <a:lvl9pPr marL="3657600" algn="l" defTabSz="914400" rtl="0" eaLnBrk="1" latinLnBrk="0" hangingPunct="1">
+                <a:defRPr sz="1800" kern="1200">
+                  <a:solidFill>
+                    <a:schemeClr val="tx1"/>
+                  </a:solidFill>
+                  <a:latin typeface="+mn-lt"/>
+                  <a:ea typeface="+mn-ea"/>
+                  <a:cs typeface="+mn-cs"/>
+                </a:defRPr>
+              </a:lvl9pPr>
+            </a:lstStyle>
+            <a:p>
+              <a:endParaRPr lang="en-US">
+                <a:solidFill>
+                  <a:srgbClr val="5F5F5F"/>
+                </a:solidFill>
+                <a:latin typeface="Segoe UI" panose="020B0502040204020203" pitchFamily="34" charset="0"/>
+                <a:cs typeface="Segoe UI" panose="020B0502040204020203" pitchFamily="34" charset="0"/>
+              </a:endParaRPr>
+            </a:p>
+          </p:txBody>
+        </p:sp>
+        <p:sp>
+          <p:nvSpPr>
+            <p:cNvPr id="9" name="Address Box" descr="&lt;SmartSettings&gt;&lt;SmartResize anchorLeft=&quot;Absolute&quot; anchorTop=&quot;Absolute&quot; anchorRight=&quot;Absolute&quot; anchorBottom=&quot;None&quot; /&gt;&lt;/SmartSettings&gt;">
+              <a:extLst>
+                <a:ext uri="{FF2B5EF4-FFF2-40B4-BE49-F238E27FC236}">
+                  <a16:creationId xmlns:a16="http://schemas.microsoft.com/office/drawing/2014/main" id="{0AD44259-25D0-45CB-8874-76349C377B50}"/>
+                </a:ext>
+              </a:extLst>
+            </p:cNvPr>
+            <p:cNvSpPr/>
+            <p:nvPr>
+              <p:custDataLst>
+                <p:tags r:id="rId6"/>
+              </p:custDataLst>
+            </p:nvPr>
+          </p:nvSpPr>
+          <p:spPr>
+            <a:xfrm>
+              <a:off x="1298138" y="1427364"/>
+              <a:ext cx="5711965" cy="161173"/>
+            </a:xfrm>
+            <a:prstGeom prst="rect">
+              <a:avLst/>
+            </a:prstGeom>
+            <a:solidFill>
+              <a:srgbClr val="FFFFFF"/>
+            </a:solidFill>
+            <a:ln w="6350">
+              <a:solidFill>
+                <a:srgbClr val="808080"/>
+              </a:solidFill>
+            </a:ln>
+          </p:spPr>
+          <p:style>
+            <a:lnRef idx="2">
+              <a:schemeClr val="accent1">
+                <a:shade val="50000"/>
+              </a:schemeClr>
+            </a:lnRef>
+            <a:fillRef idx="1">
+              <a:schemeClr val="accent1"/>
+            </a:fillRef>
+            <a:effectRef idx="0">
+              <a:schemeClr val="accent1"/>
+            </a:effectRef>
+            <a:fontRef idx="minor">
+              <a:schemeClr val="lt1"/>
+            </a:fontRef>
+          </p:style>
+          <p:txBody>
+            <a:bodyPr rot="0" spcFirstLastPara="0" vert="horz" wrap="square" lIns="237744" tIns="45720" rIns="91440" bIns="45720" numCol="1" spcCol="0" rtlCol="0" fromWordArt="0" anchor="ctr" anchorCtr="0" forceAA="0" compatLnSpc="1">
+              <a:prstTxWarp prst="textNoShape">
+                <a:avLst/>
+              </a:prstTxWarp>
+              <a:noAutofit/>
+            </a:bodyPr>
+            <a:lstStyle>
+              <a:defPPr>
+                <a:defRPr lang="en-US"/>
+              </a:defPPr>
+              <a:lvl1pPr marL="0" algn="l" defTabSz="914400" rtl="0" eaLnBrk="1" latinLnBrk="0" hangingPunct="1">
+                <a:defRPr sz="1800" kern="1200">
+                  <a:solidFill>
+                    <a:schemeClr val="lt1"/>
+                  </a:solidFill>
+                  <a:latin typeface="+mn-lt"/>
+                  <a:ea typeface="+mn-ea"/>
+                  <a:cs typeface="+mn-cs"/>
+                </a:defRPr>
+              </a:lvl1pPr>
+              <a:lvl2pPr marL="457200" algn="l" defTabSz="914400" rtl="0" eaLnBrk="1" latinLnBrk="0" hangingPunct="1">
+                <a:defRPr sz="1800" kern="1200">
+                  <a:solidFill>
+                    <a:schemeClr val="lt1"/>
+                  </a:solidFill>
+                  <a:latin typeface="+mn-lt"/>
+                  <a:ea typeface="+mn-ea"/>
+                  <a:cs typeface="+mn-cs"/>
+                </a:defRPr>
+              </a:lvl2pPr>
+              <a:lvl3pPr marL="914400" algn="l" defTabSz="914400" rtl="0" eaLnBrk="1" latinLnBrk="0" hangingPunct="1">
+                <a:defRPr sz="1800" kern="1200">
+                  <a:solidFill>
+                    <a:schemeClr val="lt1"/>
+                  </a:solidFill>
+                  <a:latin typeface="+mn-lt"/>
+                  <a:ea typeface="+mn-ea"/>
+                  <a:cs typeface="+mn-cs"/>
+                </a:defRPr>
+              </a:lvl3pPr>
+              <a:lvl4pPr marL="1371600" algn="l" defTabSz="914400" rtl="0" eaLnBrk="1" latinLnBrk="0" hangingPunct="1">
+                <a:defRPr sz="1800" kern="1200">
+                  <a:solidFill>
+                    <a:schemeClr val="lt1"/>
+                  </a:solidFill>
+                  <a:latin typeface="+mn-lt"/>
+                  <a:ea typeface="+mn-ea"/>
+                  <a:cs typeface="+mn-cs"/>
+                </a:defRPr>
+              </a:lvl4pPr>
+              <a:lvl5pPr marL="1828800" algn="l" defTabSz="914400" rtl="0" eaLnBrk="1" latinLnBrk="0" hangingPunct="1">
+                <a:defRPr sz="1800" kern="1200">
+                  <a:solidFill>
+                    <a:schemeClr val="lt1"/>
+                  </a:solidFill>
+                  <a:latin typeface="+mn-lt"/>
+                  <a:ea typeface="+mn-ea"/>
+                  <a:cs typeface="+mn-cs"/>
+                </a:defRPr>
+              </a:lvl5pPr>
+              <a:lvl6pPr marL="2286000" algn="l" defTabSz="914400" rtl="0" eaLnBrk="1" latinLnBrk="0" hangingPunct="1">
+                <a:defRPr sz="1800" kern="1200">
+                  <a:solidFill>
+                    <a:schemeClr val="lt1"/>
+                  </a:solidFill>
+                  <a:latin typeface="+mn-lt"/>
+                  <a:ea typeface="+mn-ea"/>
+                  <a:cs typeface="+mn-cs"/>
+                </a:defRPr>
+              </a:lvl6pPr>
+              <a:lvl7pPr marL="2743200" algn="l" defTabSz="914400" rtl="0" eaLnBrk="1" latinLnBrk="0" hangingPunct="1">
+                <a:defRPr sz="1800" kern="1200">
+                  <a:solidFill>
+                    <a:schemeClr val="lt1"/>
+                  </a:solidFill>
+                  <a:latin typeface="+mn-lt"/>
+                  <a:ea typeface="+mn-ea"/>
+                  <a:cs typeface="+mn-cs"/>
+                </a:defRPr>
+              </a:lvl7pPr>
+              <a:lvl8pPr marL="3200400" algn="l" defTabSz="914400" rtl="0" eaLnBrk="1" latinLnBrk="0" hangingPunct="1">
+                <a:defRPr sz="1800" kern="1200">
+                  <a:solidFill>
+                    <a:schemeClr val="lt1"/>
+                  </a:solidFill>
+                  <a:latin typeface="+mn-lt"/>
+                  <a:ea typeface="+mn-ea"/>
+                  <a:cs typeface="+mn-cs"/>
+                </a:defRPr>
+              </a:lvl8pPr>
+              <a:lvl9pPr marL="3657600" algn="l" defTabSz="914400" rtl="0" eaLnBrk="1" latinLnBrk="0" hangingPunct="1">
+                <a:defRPr sz="1800" kern="1200">
+                  <a:solidFill>
+                    <a:schemeClr val="lt1"/>
+                  </a:solidFill>
+                  <a:latin typeface="+mn-lt"/>
+                  <a:ea typeface="+mn-ea"/>
+                  <a:cs typeface="+mn-cs"/>
+                </a:defRPr>
+              </a:lvl9pPr>
+            </a:lstStyle>
+            <a:p>
+              <a:r>
+                <a:rPr lang="en-US" sz="900" noProof="1">
+                  <a:solidFill>
+                    <a:srgbClr val="5F5F5F"/>
+                  </a:solidFill>
+                  <a:latin typeface="Segoe UI" panose="020B0502040204020203" pitchFamily="34" charset="0"/>
+                  <a:cs typeface="Segoe UI" panose="020B0502040204020203" pitchFamily="34" charset="0"/>
+                </a:rPr>
+                <a:t>www.example.com</a:t>
+              </a:r>
+            </a:p>
+          </p:txBody>
+        </p:sp>
+        <p:sp>
+          <p:nvSpPr>
+            <p:cNvPr id="10" name="Document Icon" descr="&lt;SmartSettings&gt;&lt;SmartResize anchorLeft=&quot;Absolute&quot; anchorTop=&quot;Absolute&quot; anchorRight=&quot;None&quot; anchorBottom=&quot;None&quot; /&gt;&lt;/SmartSettings&gt;">
+              <a:extLst>
+                <a:ext uri="{FF2B5EF4-FFF2-40B4-BE49-F238E27FC236}">
+                  <a16:creationId xmlns:a16="http://schemas.microsoft.com/office/drawing/2014/main" id="{AAAFAE31-7749-4E69-93CC-B2D6512D93E1}"/>
+                </a:ext>
+              </a:extLst>
+            </p:cNvPr>
+            <p:cNvSpPr>
+              <a:spLocks noChangeAspect="1" noEditPoints="1"/>
+            </p:cNvSpPr>
+            <p:nvPr>
+              <p:custDataLst>
+                <p:tags r:id="rId7"/>
+              </p:custDataLst>
+            </p:nvPr>
+          </p:nvSpPr>
+          <p:spPr bwMode="auto">
+            <a:xfrm>
+              <a:off x="1357361" y="1462748"/>
+              <a:ext cx="72868" cy="90401"/>
+            </a:xfrm>
+            <a:custGeom>
+              <a:avLst/>
+              <a:gdLst>
+                <a:gd name="T0" fmla="*/ 153 w 260"/>
+                <a:gd name="T1" fmla="*/ 7 h 367"/>
+                <a:gd name="T2" fmla="*/ 153 w 260"/>
+                <a:gd name="T3" fmla="*/ 108 h 367"/>
+                <a:gd name="T4" fmla="*/ 253 w 260"/>
+                <a:gd name="T5" fmla="*/ 108 h 367"/>
+                <a:gd name="T6" fmla="*/ 0 w 260"/>
+                <a:gd name="T7" fmla="*/ 0 h 367"/>
+                <a:gd name="T8" fmla="*/ 0 w 260"/>
+                <a:gd name="T9" fmla="*/ 367 h 367"/>
+                <a:gd name="T10" fmla="*/ 260 w 260"/>
+                <a:gd name="T11" fmla="*/ 367 h 367"/>
+                <a:gd name="T12" fmla="*/ 260 w 260"/>
+                <a:gd name="T13" fmla="*/ 100 h 367"/>
+                <a:gd name="T14" fmla="*/ 161 w 260"/>
+                <a:gd name="T15" fmla="*/ 1 h 367"/>
+                <a:gd name="T16" fmla="*/ 0 w 260"/>
+                <a:gd name="T17" fmla="*/ 0 h 367"/>
+              </a:gdLst>
+              <a:ahLst/>
+              <a:cxnLst>
+                <a:cxn ang="0">
+                  <a:pos x="T0" y="T1"/>
+                </a:cxn>
+                <a:cxn ang="0">
+                  <a:pos x="T2" y="T3"/>
+                </a:cxn>
+                <a:cxn ang="0">
+                  <a:pos x="T4" y="T5"/>
+                </a:cxn>
+                <a:cxn ang="0">
+                  <a:pos x="T6" y="T7"/>
+                </a:cxn>
+                <a:cxn ang="0">
+                  <a:pos x="T8" y="T9"/>
+                </a:cxn>
+                <a:cxn ang="0">
+                  <a:pos x="T10" y="T11"/>
+                </a:cxn>
+                <a:cxn ang="0">
+                  <a:pos x="T12" y="T13"/>
+                </a:cxn>
+                <a:cxn ang="0">
+                  <a:pos x="T14" y="T15"/>
+                </a:cxn>
+                <a:cxn ang="0">
+                  <a:pos x="T16" y="T17"/>
+                </a:cxn>
+              </a:cxnLst>
+              <a:rect l="0" t="0" r="r" b="b"/>
+              <a:pathLst>
+                <a:path w="260" h="367">
+                  <a:moveTo>
+                    <a:pt x="153" y="7"/>
+                  </a:moveTo>
+                  <a:lnTo>
+                    <a:pt x="153" y="108"/>
+                  </a:lnTo>
+                  <a:lnTo>
+                    <a:pt x="253" y="108"/>
+                  </a:lnTo>
+                  <a:moveTo>
+                    <a:pt x="0" y="0"/>
+                  </a:moveTo>
+                  <a:lnTo>
+                    <a:pt x="0" y="367"/>
+                  </a:lnTo>
+                  <a:lnTo>
+                    <a:pt x="260" y="367"/>
+                  </a:lnTo>
+                  <a:lnTo>
+                    <a:pt x="260" y="100"/>
+                  </a:lnTo>
+                  <a:lnTo>
+                    <a:pt x="161" y="1"/>
+                  </a:lnTo>
+                  <a:lnTo>
+                    <a:pt x="0" y="0"/>
+                  </a:lnTo>
+                  <a:close/>
+                </a:path>
+              </a:pathLst>
+            </a:custGeom>
+            <a:noFill/>
+            <a:ln w="6350" cap="flat">
+              <a:solidFill>
+                <a:srgbClr val="808080"/>
+              </a:solidFill>
+              <a:prstDash val="solid"/>
+              <a:miter lim="800000"/>
+              <a:headEnd/>
+              <a:tailEnd/>
+            </a:ln>
+            <a:extLst>
+              <a:ext uri="{909E8E84-426E-40DD-AFC4-6F175D3DCCD1}">
+                <a14:hiddenFill xmlns:a14="http://schemas.microsoft.com/office/drawing/2010/main">
+                  <a:solidFill>
+                    <a:srgbClr val="FFFFFF"/>
+                  </a:solidFill>
+                </a14:hiddenFill>
+              </a:ext>
+            </a:extLst>
+          </p:spPr>
+          <p:txBody>
+            <a:bodyPr vert="horz" wrap="square" lIns="91440" tIns="45720" rIns="91440" bIns="45720" numCol="1" anchor="t" anchorCtr="0" compatLnSpc="1">
+              <a:prstTxWarp prst="textNoShape">
+                <a:avLst/>
+              </a:prstTxWarp>
+            </a:bodyPr>
+            <a:lstStyle>
+              <a:defPPr>
+                <a:defRPr lang="en-US"/>
+              </a:defPPr>
+              <a:lvl1pPr marL="0" algn="l" defTabSz="914400" rtl="0" eaLnBrk="1" latinLnBrk="0" hangingPunct="1">
+                <a:defRPr sz="1800" kern="1200">
+                  <a:solidFill>
+                    <a:schemeClr val="tx1"/>
+                  </a:solidFill>
+                  <a:latin typeface="+mn-lt"/>
+                  <a:ea typeface="+mn-ea"/>
+                  <a:cs typeface="+mn-cs"/>
+                </a:defRPr>
+              </a:lvl1pPr>
+              <a:lvl2pPr marL="457200" algn="l" defTabSz="914400" rtl="0" eaLnBrk="1" latinLnBrk="0" hangingPunct="1">
+                <a:defRPr sz="1800" kern="1200">
+                  <a:solidFill>
+                    <a:schemeClr val="tx1"/>
+                  </a:solidFill>
+                  <a:latin typeface="+mn-lt"/>
+                  <a:ea typeface="+mn-ea"/>
+                  <a:cs typeface="+mn-cs"/>
+                </a:defRPr>
+              </a:lvl2pPr>
+              <a:lvl3pPr marL="914400" algn="l" defTabSz="914400" rtl="0" eaLnBrk="1" latinLnBrk="0" hangingPunct="1">
+                <a:defRPr sz="1800" kern="1200">
+                  <a:solidFill>
+                    <a:schemeClr val="tx1"/>
+                  </a:solidFill>
+                  <a:latin typeface="+mn-lt"/>
+                  <a:ea typeface="+mn-ea"/>
+                  <a:cs typeface="+mn-cs"/>
+                </a:defRPr>
+              </a:lvl3pPr>
+              <a:lvl4pPr marL="1371600" algn="l" defTabSz="914400" rtl="0" eaLnBrk="1" latinLnBrk="0" hangingPunct="1">
+                <a:defRPr sz="1800" kern="1200">
+                  <a:solidFill>
+                    <a:schemeClr val="tx1"/>
+                  </a:solidFill>
+                  <a:latin typeface="+mn-lt"/>
+                  <a:ea typeface="+mn-ea"/>
+                  <a:cs typeface="+mn-cs"/>
+                </a:defRPr>
+              </a:lvl4pPr>
+              <a:lvl5pPr marL="1828800" algn="l" defTabSz="914400" rtl="0" eaLnBrk="1" latinLnBrk="0" hangingPunct="1">
+                <a:defRPr sz="1800" kern="1200">
+                  <a:solidFill>
+                    <a:schemeClr val="tx1"/>
+                  </a:solidFill>
+                  <a:latin typeface="+mn-lt"/>
+                  <a:ea typeface="+mn-ea"/>
+                  <a:cs typeface="+mn-cs"/>
+                </a:defRPr>
+              </a:lvl5pPr>
+              <a:lvl6pPr marL="2286000" algn="l" defTabSz="914400" rtl="0" eaLnBrk="1" latinLnBrk="0" hangingPunct="1">
+                <a:defRPr sz="1800" kern="1200">
+                  <a:solidFill>
+                    <a:schemeClr val="tx1"/>
+                  </a:solidFill>
+                  <a:latin typeface="+mn-lt"/>
+                  <a:ea typeface="+mn-ea"/>
+                  <a:cs typeface="+mn-cs"/>
+                </a:defRPr>
+              </a:lvl6pPr>
+              <a:lvl7pPr marL="2743200" algn="l" defTabSz="914400" rtl="0" eaLnBrk="1" latinLnBrk="0" hangingPunct="1">
+                <a:defRPr sz="1800" kern="1200">
+                  <a:solidFill>
+                    <a:schemeClr val="tx1"/>
+                  </a:solidFill>
+                  <a:latin typeface="+mn-lt"/>
+                  <a:ea typeface="+mn-ea"/>
+                  <a:cs typeface="+mn-cs"/>
+                </a:defRPr>
+              </a:lvl7pPr>
+              <a:lvl8pPr marL="3200400" algn="l" defTabSz="914400" rtl="0" eaLnBrk="1" latinLnBrk="0" hangingPunct="1">
+                <a:defRPr sz="1800" kern="1200">
+                  <a:solidFill>
+                    <a:schemeClr val="tx1"/>
+                  </a:solidFill>
+                  <a:latin typeface="+mn-lt"/>
+                  <a:ea typeface="+mn-ea"/>
+                  <a:cs typeface="+mn-cs"/>
+                </a:defRPr>
+              </a:lvl8pPr>
+              <a:lvl9pPr marL="3657600" algn="l" defTabSz="914400" rtl="0" eaLnBrk="1" latinLnBrk="0" hangingPunct="1">
+                <a:defRPr sz="1800" kern="1200">
+                  <a:solidFill>
+                    <a:schemeClr val="tx1"/>
+                  </a:solidFill>
+                  <a:latin typeface="+mn-lt"/>
+                  <a:ea typeface="+mn-ea"/>
+                  <a:cs typeface="+mn-cs"/>
+                </a:defRPr>
+              </a:lvl9pPr>
+            </a:lstStyle>
+            <a:p>
+              <a:endParaRPr lang="en-US">
+                <a:solidFill>
+                  <a:srgbClr val="5F5F5F"/>
+                </a:solidFill>
+                <a:latin typeface="Segoe UI" panose="020B0502040204020203" pitchFamily="34" charset="0"/>
+                <a:cs typeface="Segoe UI" panose="020B0502040204020203" pitchFamily="34" charset="0"/>
+              </a:endParaRPr>
+            </a:p>
+          </p:txBody>
+        </p:sp>
+        <p:grpSp>
+          <p:nvGrpSpPr>
+            <p:cNvPr id="11" name="Navigation Buttons">
+              <a:extLst>
+                <a:ext uri="{FF2B5EF4-FFF2-40B4-BE49-F238E27FC236}">
+                  <a16:creationId xmlns:a16="http://schemas.microsoft.com/office/drawing/2014/main" id="{777CDA36-9881-4290-B170-2874A82A4764}"/>
+                </a:ext>
+              </a:extLst>
+            </p:cNvPr>
+            <p:cNvGrpSpPr/>
+            <p:nvPr/>
+          </p:nvGrpSpPr>
+          <p:grpSpPr>
+            <a:xfrm>
+              <a:off x="693642" y="1449296"/>
+              <a:ext cx="498961" cy="117307"/>
+              <a:chOff x="693642" y="1449296"/>
+              <a:chExt cx="498961" cy="117307"/>
+            </a:xfrm>
+          </p:grpSpPr>
+          <p:sp>
+            <p:nvSpPr>
+              <p:cNvPr id="12" name="Back Button" descr="&lt;SmartSettings&gt;&lt;SmartResize anchorLeft=&quot;Absolute&quot; anchorTop=&quot;Absolute&quot; anchorRight=&quot;None&quot; anchorBottom=&quot;None&quot; /&gt;&lt;/SmartSettings&gt;">
+                <a:extLst>
+                  <a:ext uri="{FF2B5EF4-FFF2-40B4-BE49-F238E27FC236}">
+                    <a16:creationId xmlns:a16="http://schemas.microsoft.com/office/drawing/2014/main" id="{13B515DE-1AE4-47F1-8103-C557E9E8E357}"/>
+                  </a:ext>
+                </a:extLst>
+              </p:cNvPr>
+              <p:cNvSpPr>
+                <a:spLocks noChangeAspect="1" noEditPoints="1"/>
+              </p:cNvSpPr>
+              <p:nvPr>
+                <p:custDataLst>
+                  <p:tags r:id="rId8"/>
+                </p:custDataLst>
+              </p:nvPr>
+            </p:nvSpPr>
+            <p:spPr bwMode="auto">
+              <a:xfrm>
+                <a:off x="693642" y="1467054"/>
+                <a:ext cx="118565" cy="81792"/>
+              </a:xfrm>
+              <a:custGeom>
+                <a:avLst/>
+                <a:gdLst>
+                  <a:gd name="T0" fmla="*/ 159 w 423"/>
+                  <a:gd name="T1" fmla="*/ 332 h 332"/>
+                  <a:gd name="T2" fmla="*/ 0 w 423"/>
+                  <a:gd name="T3" fmla="*/ 166 h 332"/>
+                  <a:gd name="T4" fmla="*/ 159 w 423"/>
+                  <a:gd name="T5" fmla="*/ 0 h 332"/>
+                  <a:gd name="T6" fmla="*/ 15 w 423"/>
+                  <a:gd name="T7" fmla="*/ 166 h 332"/>
+                  <a:gd name="T8" fmla="*/ 423 w 423"/>
+                  <a:gd name="T9" fmla="*/ 166 h 332"/>
+                </a:gdLst>
+                <a:ahLst/>
+                <a:cxnLst>
+                  <a:cxn ang="0">
+                    <a:pos x="T0" y="T1"/>
+                  </a:cxn>
+                  <a:cxn ang="0">
+                    <a:pos x="T2" y="T3"/>
+                  </a:cxn>
+                  <a:cxn ang="0">
+                    <a:pos x="T4" y="T5"/>
+                  </a:cxn>
+                  <a:cxn ang="0">
+                    <a:pos x="T6" y="T7"/>
+                  </a:cxn>
+                  <a:cxn ang="0">
+                    <a:pos x="T8" y="T9"/>
+                  </a:cxn>
+                </a:cxnLst>
+                <a:rect l="0" t="0" r="r" b="b"/>
+                <a:pathLst>
+                  <a:path w="423" h="332">
+                    <a:moveTo>
+                      <a:pt x="159" y="332"/>
+                    </a:moveTo>
+                    <a:lnTo>
+                      <a:pt x="0" y="166"/>
+                    </a:lnTo>
+                    <a:lnTo>
+                      <a:pt x="159" y="0"/>
+                    </a:lnTo>
+                    <a:moveTo>
+                      <a:pt x="15" y="166"/>
+                    </a:moveTo>
+                    <a:lnTo>
+                      <a:pt x="423" y="166"/>
+                    </a:lnTo>
+                  </a:path>
+                </a:pathLst>
+              </a:custGeom>
+              <a:noFill/>
+              <a:ln w="6350" cap="sq">
+                <a:solidFill>
+                  <a:srgbClr val="808080"/>
+                </a:solidFill>
+                <a:prstDash val="solid"/>
+                <a:miter lim="800000"/>
+                <a:headEnd/>
+                <a:tailEnd/>
+              </a:ln>
+              <a:extLst>
+                <a:ext uri="{909E8E84-426E-40DD-AFC4-6F175D3DCCD1}">
+                  <a14:hiddenFill xmlns:a14="http://schemas.microsoft.com/office/drawing/2010/main">
+                    <a:solidFill>
+                      <a:srgbClr val="FFFFFF"/>
+                    </a:solidFill>
+                  </a14:hiddenFill>
+                </a:ext>
+              </a:extLst>
+            </p:spPr>
+            <p:txBody>
+              <a:bodyPr vert="horz" wrap="square" lIns="91440" tIns="45720" rIns="91440" bIns="45720" numCol="1" anchor="t" anchorCtr="0" compatLnSpc="1">
+                <a:prstTxWarp prst="textNoShape">
+                  <a:avLst/>
+                </a:prstTxWarp>
+              </a:bodyPr>
+              <a:lstStyle>
+                <a:defPPr>
+                  <a:defRPr lang="en-US"/>
+                </a:defPPr>
+                <a:lvl1pPr marL="0" algn="l" defTabSz="914400" rtl="0" eaLnBrk="1" latinLnBrk="0" hangingPunct="1">
+                  <a:defRPr sz="1800" kern="1200">
+                    <a:solidFill>
+                      <a:schemeClr val="tx1"/>
+                    </a:solidFill>
+                    <a:latin typeface="+mn-lt"/>
+                    <a:ea typeface="+mn-ea"/>
+                    <a:cs typeface="+mn-cs"/>
+                  </a:defRPr>
+                </a:lvl1pPr>
+                <a:lvl2pPr marL="457200" algn="l" defTabSz="914400" rtl="0" eaLnBrk="1" latinLnBrk="0" hangingPunct="1">
+                  <a:defRPr sz="1800" kern="1200">
+                    <a:solidFill>
+                      <a:schemeClr val="tx1"/>
+                    </a:solidFill>
+                    <a:latin typeface="+mn-lt"/>
+                    <a:ea typeface="+mn-ea"/>
+                    <a:cs typeface="+mn-cs"/>
+                  </a:defRPr>
+                </a:lvl2pPr>
+                <a:lvl3pPr marL="914400" algn="l" defTabSz="914400" rtl="0" eaLnBrk="1" latinLnBrk="0" hangingPunct="1">
+                  <a:defRPr sz="1800" kern="1200">
+                    <a:solidFill>
+                      <a:schemeClr val="tx1"/>
+                    </a:solidFill>
+                    <a:latin typeface="+mn-lt"/>
+                    <a:ea typeface="+mn-ea"/>
+                    <a:cs typeface="+mn-cs"/>
+                  </a:defRPr>
+                </a:lvl3pPr>
+                <a:lvl4pPr marL="1371600" algn="l" defTabSz="914400" rtl="0" eaLnBrk="1" latinLnBrk="0" hangingPunct="1">
+                  <a:defRPr sz="1800" kern="1200">
+                    <a:solidFill>
+                      <a:schemeClr val="tx1"/>
+                    </a:solidFill>
+                    <a:latin typeface="+mn-lt"/>
+                    <a:ea typeface="+mn-ea"/>
+                    <a:cs typeface="+mn-cs"/>
+                  </a:defRPr>
+                </a:lvl4pPr>
+                <a:lvl5pPr marL="1828800" algn="l" defTabSz="914400" rtl="0" eaLnBrk="1" latinLnBrk="0" hangingPunct="1">
+                  <a:defRPr sz="1800" kern="1200">
+                    <a:solidFill>
+                      <a:schemeClr val="tx1"/>
+                    </a:solidFill>
+                    <a:latin typeface="+mn-lt"/>
+                    <a:ea typeface="+mn-ea"/>
+                    <a:cs typeface="+mn-cs"/>
+                  </a:defRPr>
+                </a:lvl5pPr>
+                <a:lvl6pPr marL="2286000" algn="l" defTabSz="914400" rtl="0" eaLnBrk="1" latinLnBrk="0" hangingPunct="1">
+                  <a:defRPr sz="1800" kern="1200">
+                    <a:solidFill>
+                      <a:schemeClr val="tx1"/>
+                    </a:solidFill>
+                    <a:latin typeface="+mn-lt"/>
+                    <a:ea typeface="+mn-ea"/>
+                    <a:cs typeface="+mn-cs"/>
+                  </a:defRPr>
+                </a:lvl6pPr>
+                <a:lvl7pPr marL="2743200" algn="l" defTabSz="914400" rtl="0" eaLnBrk="1" latinLnBrk="0" hangingPunct="1">
+                  <a:defRPr sz="1800" kern="1200">
+                    <a:solidFill>
+                      <a:schemeClr val="tx1"/>
+                    </a:solidFill>
+                    <a:latin typeface="+mn-lt"/>
+                    <a:ea typeface="+mn-ea"/>
+                    <a:cs typeface="+mn-cs"/>
+                  </a:defRPr>
+                </a:lvl7pPr>
+                <a:lvl8pPr marL="3200400" algn="l" defTabSz="914400" rtl="0" eaLnBrk="1" latinLnBrk="0" hangingPunct="1">
+                  <a:defRPr sz="1800" kern="1200">
+                    <a:solidFill>
+                      <a:schemeClr val="tx1"/>
+                    </a:solidFill>
+                    <a:latin typeface="+mn-lt"/>
+                    <a:ea typeface="+mn-ea"/>
+                    <a:cs typeface="+mn-cs"/>
+                  </a:defRPr>
+                </a:lvl8pPr>
+                <a:lvl9pPr marL="3657600" algn="l" defTabSz="914400" rtl="0" eaLnBrk="1" latinLnBrk="0" hangingPunct="1">
+                  <a:defRPr sz="1800" kern="1200">
+                    <a:solidFill>
+                      <a:schemeClr val="tx1"/>
+                    </a:solidFill>
+                    <a:latin typeface="+mn-lt"/>
+                    <a:ea typeface="+mn-ea"/>
+                    <a:cs typeface="+mn-cs"/>
+                  </a:defRPr>
+                </a:lvl9pPr>
+              </a:lstStyle>
+              <a:p>
+                <a:endParaRPr lang="en-US">
+                  <a:solidFill>
+                    <a:srgbClr val="5F5F5F"/>
+                  </a:solidFill>
+                  <a:latin typeface="Segoe UI" panose="020B0502040204020203" pitchFamily="34" charset="0"/>
+                  <a:cs typeface="Segoe UI" panose="020B0502040204020203" pitchFamily="34" charset="0"/>
+                </a:endParaRPr>
+              </a:p>
+            </p:txBody>
+          </p:sp>
+          <p:sp>
+            <p:nvSpPr>
+              <p:cNvPr id="13" name="Forward Button" descr="&lt;SmartSettings&gt;&lt;SmartResize anchorLeft=&quot;Absolute&quot; anchorTop=&quot;Absolute&quot; anchorRight=&quot;None&quot; anchorBottom=&quot;None&quot; /&gt;&lt;/SmartSettings&gt;">
+                <a:extLst>
+                  <a:ext uri="{FF2B5EF4-FFF2-40B4-BE49-F238E27FC236}">
+                    <a16:creationId xmlns:a16="http://schemas.microsoft.com/office/drawing/2014/main" id="{3380B1A6-C917-46CA-BB78-3860E6FCD957}"/>
+                  </a:ext>
+                </a:extLst>
+              </p:cNvPr>
+              <p:cNvSpPr>
+                <a:spLocks noChangeAspect="1" noEditPoints="1"/>
+              </p:cNvSpPr>
+              <p:nvPr>
+                <p:custDataLst>
+                  <p:tags r:id="rId9"/>
+                </p:custDataLst>
+              </p:nvPr>
+            </p:nvSpPr>
+            <p:spPr bwMode="auto">
+              <a:xfrm>
+                <a:off x="881370" y="1467054"/>
+                <a:ext cx="118565" cy="81792"/>
+              </a:xfrm>
+              <a:custGeom>
+                <a:avLst/>
+                <a:gdLst>
+                  <a:gd name="T0" fmla="*/ 265 w 423"/>
+                  <a:gd name="T1" fmla="*/ 0 h 332"/>
+                  <a:gd name="T2" fmla="*/ 423 w 423"/>
+                  <a:gd name="T3" fmla="*/ 166 h 332"/>
+                  <a:gd name="T4" fmla="*/ 265 w 423"/>
+                  <a:gd name="T5" fmla="*/ 332 h 332"/>
+                  <a:gd name="T6" fmla="*/ 408 w 423"/>
+                  <a:gd name="T7" fmla="*/ 166 h 332"/>
+                  <a:gd name="T8" fmla="*/ 0 w 423"/>
+                  <a:gd name="T9" fmla="*/ 166 h 332"/>
+                </a:gdLst>
+                <a:ahLst/>
+                <a:cxnLst>
+                  <a:cxn ang="0">
+                    <a:pos x="T0" y="T1"/>
+                  </a:cxn>
+                  <a:cxn ang="0">
+                    <a:pos x="T2" y="T3"/>
+                  </a:cxn>
+                  <a:cxn ang="0">
+                    <a:pos x="T4" y="T5"/>
+                  </a:cxn>
+                  <a:cxn ang="0">
+                    <a:pos x="T6" y="T7"/>
+                  </a:cxn>
+                  <a:cxn ang="0">
+                    <a:pos x="T8" y="T9"/>
+                  </a:cxn>
+                </a:cxnLst>
+                <a:rect l="0" t="0" r="r" b="b"/>
+                <a:pathLst>
+                  <a:path w="423" h="332">
+                    <a:moveTo>
+                      <a:pt x="265" y="0"/>
+                    </a:moveTo>
+                    <a:lnTo>
+                      <a:pt x="423" y="166"/>
+                    </a:lnTo>
+                    <a:lnTo>
+                      <a:pt x="265" y="332"/>
+                    </a:lnTo>
+                    <a:moveTo>
+                      <a:pt x="408" y="166"/>
+                    </a:moveTo>
+                    <a:lnTo>
+                      <a:pt x="0" y="166"/>
+                    </a:lnTo>
+                  </a:path>
+                </a:pathLst>
+              </a:custGeom>
+              <a:noFill/>
+              <a:ln w="6350" cap="sq">
+                <a:solidFill>
+                  <a:srgbClr val="808080"/>
+                </a:solidFill>
+                <a:prstDash val="solid"/>
+                <a:miter lim="800000"/>
+                <a:headEnd/>
+                <a:tailEnd/>
+              </a:ln>
+              <a:extLst>
+                <a:ext uri="{909E8E84-426E-40DD-AFC4-6F175D3DCCD1}">
+                  <a14:hiddenFill xmlns:a14="http://schemas.microsoft.com/office/drawing/2010/main">
+                    <a:solidFill>
+                      <a:srgbClr val="FFFFFF"/>
+                    </a:solidFill>
+                  </a14:hiddenFill>
+                </a:ext>
+              </a:extLst>
+            </p:spPr>
+            <p:txBody>
+              <a:bodyPr vert="horz" wrap="square" lIns="91440" tIns="45720" rIns="91440" bIns="45720" numCol="1" anchor="t" anchorCtr="0" compatLnSpc="1">
+                <a:prstTxWarp prst="textNoShape">
+                  <a:avLst/>
+                </a:prstTxWarp>
+              </a:bodyPr>
+              <a:lstStyle>
+                <a:defPPr>
+                  <a:defRPr lang="en-US"/>
+                </a:defPPr>
+                <a:lvl1pPr marL="0" algn="l" defTabSz="914400" rtl="0" eaLnBrk="1" latinLnBrk="0" hangingPunct="1">
+                  <a:defRPr sz="1800" kern="1200">
+                    <a:solidFill>
+                      <a:schemeClr val="tx1"/>
+                    </a:solidFill>
+                    <a:latin typeface="+mn-lt"/>
+                    <a:ea typeface="+mn-ea"/>
+                    <a:cs typeface="+mn-cs"/>
+                  </a:defRPr>
+                </a:lvl1pPr>
+                <a:lvl2pPr marL="457200" algn="l" defTabSz="914400" rtl="0" eaLnBrk="1" latinLnBrk="0" hangingPunct="1">
+                  <a:defRPr sz="1800" kern="1200">
+                    <a:solidFill>
+                      <a:schemeClr val="tx1"/>
+                    </a:solidFill>
+                    <a:latin typeface="+mn-lt"/>
+                    <a:ea typeface="+mn-ea"/>
+                    <a:cs typeface="+mn-cs"/>
+                  </a:defRPr>
+                </a:lvl2pPr>
+                <a:lvl3pPr marL="914400" algn="l" defTabSz="914400" rtl="0" eaLnBrk="1" latinLnBrk="0" hangingPunct="1">
+                  <a:defRPr sz="1800" kern="1200">
+                    <a:solidFill>
+                      <a:schemeClr val="tx1"/>
+                    </a:solidFill>
+                    <a:latin typeface="+mn-lt"/>
+                    <a:ea typeface="+mn-ea"/>
+                    <a:cs typeface="+mn-cs"/>
+                  </a:defRPr>
+                </a:lvl3pPr>
+                <a:lvl4pPr marL="1371600" algn="l" defTabSz="914400" rtl="0" eaLnBrk="1" latinLnBrk="0" hangingPunct="1">
+                  <a:defRPr sz="1800" kern="1200">
+                    <a:solidFill>
+                      <a:schemeClr val="tx1"/>
+                    </a:solidFill>
+                    <a:latin typeface="+mn-lt"/>
+                    <a:ea typeface="+mn-ea"/>
+                    <a:cs typeface="+mn-cs"/>
+                  </a:defRPr>
+                </a:lvl4pPr>
+                <a:lvl5pPr marL="1828800" algn="l" defTabSz="914400" rtl="0" eaLnBrk="1" latinLnBrk="0" hangingPunct="1">
+                  <a:defRPr sz="1800" kern="1200">
+                    <a:solidFill>
+                      <a:schemeClr val="tx1"/>
+                    </a:solidFill>
+                    <a:latin typeface="+mn-lt"/>
+                    <a:ea typeface="+mn-ea"/>
+                    <a:cs typeface="+mn-cs"/>
+                  </a:defRPr>
+                </a:lvl5pPr>
+                <a:lvl6pPr marL="2286000" algn="l" defTabSz="914400" rtl="0" eaLnBrk="1" latinLnBrk="0" hangingPunct="1">
+                  <a:defRPr sz="1800" kern="1200">
+                    <a:solidFill>
+                      <a:schemeClr val="tx1"/>
+                    </a:solidFill>
+                    <a:latin typeface="+mn-lt"/>
+                    <a:ea typeface="+mn-ea"/>
+                    <a:cs typeface="+mn-cs"/>
+                  </a:defRPr>
+                </a:lvl6pPr>
+                <a:lvl7pPr marL="2743200" algn="l" defTabSz="914400" rtl="0" eaLnBrk="1" latinLnBrk="0" hangingPunct="1">
+                  <a:defRPr sz="1800" kern="1200">
+                    <a:solidFill>
+                      <a:schemeClr val="tx1"/>
+                    </a:solidFill>
+                    <a:latin typeface="+mn-lt"/>
+                    <a:ea typeface="+mn-ea"/>
+                    <a:cs typeface="+mn-cs"/>
+                  </a:defRPr>
+                </a:lvl7pPr>
+                <a:lvl8pPr marL="3200400" algn="l" defTabSz="914400" rtl="0" eaLnBrk="1" latinLnBrk="0" hangingPunct="1">
+                  <a:defRPr sz="1800" kern="1200">
+                    <a:solidFill>
+                      <a:schemeClr val="tx1"/>
+                    </a:solidFill>
+                    <a:latin typeface="+mn-lt"/>
+                    <a:ea typeface="+mn-ea"/>
+                    <a:cs typeface="+mn-cs"/>
+                  </a:defRPr>
+                </a:lvl8pPr>
+                <a:lvl9pPr marL="3657600" algn="l" defTabSz="914400" rtl="0" eaLnBrk="1" latinLnBrk="0" hangingPunct="1">
+                  <a:defRPr sz="1800" kern="1200">
+                    <a:solidFill>
+                      <a:schemeClr val="tx1"/>
+                    </a:solidFill>
+                    <a:latin typeface="+mn-lt"/>
+                    <a:ea typeface="+mn-ea"/>
+                    <a:cs typeface="+mn-cs"/>
+                  </a:defRPr>
+                </a:lvl9pPr>
+              </a:lstStyle>
+              <a:p>
+                <a:endParaRPr lang="en-US">
+                  <a:solidFill>
+                    <a:srgbClr val="5F5F5F"/>
+                  </a:solidFill>
+                  <a:latin typeface="Segoe UI" panose="020B0502040204020203" pitchFamily="34" charset="0"/>
+                  <a:cs typeface="Segoe UI" panose="020B0502040204020203" pitchFamily="34" charset="0"/>
+                </a:endParaRPr>
+              </a:p>
+            </p:txBody>
+          </p:sp>
+          <p:sp>
+            <p:nvSpPr>
+              <p:cNvPr id="14" name="Reload Button" descr="&lt;SmartSettings&gt;&lt;SmartResize anchorLeft=&quot;Absolute&quot; anchorTop=&quot;Absolute&quot; anchorRight=&quot;None&quot; anchorBottom=&quot;None&quot; /&gt;&lt;/SmartSettings&gt;">
+                <a:extLst>
+                  <a:ext uri="{FF2B5EF4-FFF2-40B4-BE49-F238E27FC236}">
+                    <a16:creationId xmlns:a16="http://schemas.microsoft.com/office/drawing/2014/main" id="{F8B5F53F-5916-4D77-AA23-BB3E30C5BAAE}"/>
+                  </a:ext>
+                </a:extLst>
+              </p:cNvPr>
+              <p:cNvSpPr>
+                <a:spLocks noChangeAspect="1" noEditPoints="1"/>
+              </p:cNvSpPr>
+              <p:nvPr>
+                <p:custDataLst>
+                  <p:tags r:id="rId10"/>
+                </p:custDataLst>
+              </p:nvPr>
+            </p:nvSpPr>
+            <p:spPr bwMode="auto">
+              <a:xfrm>
+                <a:off x="1069098" y="1449296"/>
+                <a:ext cx="123505" cy="117307"/>
+              </a:xfrm>
+              <a:custGeom>
+                <a:avLst/>
+                <a:gdLst>
+                  <a:gd name="T0" fmla="*/ 441 w 441"/>
+                  <a:gd name="T1" fmla="*/ 7 h 474"/>
+                  <a:gd name="T2" fmla="*/ 441 w 441"/>
+                  <a:gd name="T3" fmla="*/ 144 h 474"/>
+                  <a:gd name="T4" fmla="*/ 296 w 441"/>
+                  <a:gd name="T5" fmla="*/ 144 h 474"/>
+                  <a:gd name="T6" fmla="*/ 438 w 441"/>
+                  <a:gd name="T7" fmla="*/ 309 h 474"/>
+                  <a:gd name="T8" fmla="*/ 166 w 441"/>
+                  <a:gd name="T9" fmla="*/ 434 h 474"/>
+                  <a:gd name="T10" fmla="*/ 41 w 441"/>
+                  <a:gd name="T11" fmla="*/ 162 h 474"/>
+                  <a:gd name="T12" fmla="*/ 313 w 441"/>
+                  <a:gd name="T13" fmla="*/ 37 h 474"/>
+                  <a:gd name="T14" fmla="*/ 428 w 441"/>
+                  <a:gd name="T15" fmla="*/ 139 h 474"/>
+                </a:gdLst>
+                <a:ahLst/>
+                <a:cxnLst>
+                  <a:cxn ang="0">
+                    <a:pos x="T0" y="T1"/>
+                  </a:cxn>
+                  <a:cxn ang="0">
+                    <a:pos x="T2" y="T3"/>
+                  </a:cxn>
+                  <a:cxn ang="0">
+                    <a:pos x="T4" y="T5"/>
+                  </a:cxn>
+                  <a:cxn ang="0">
+                    <a:pos x="T6" y="T7"/>
+                  </a:cxn>
+                  <a:cxn ang="0">
+                    <a:pos x="T8" y="T9"/>
+                  </a:cxn>
+                  <a:cxn ang="0">
+                    <a:pos x="T10" y="T11"/>
+                  </a:cxn>
+                  <a:cxn ang="0">
+                    <a:pos x="T12" y="T13"/>
+                  </a:cxn>
+                  <a:cxn ang="0">
+                    <a:pos x="T14" y="T15"/>
+                  </a:cxn>
+                </a:cxnLst>
+                <a:rect l="0" t="0" r="r" b="b"/>
+                <a:pathLst>
+                  <a:path w="441" h="474">
+                    <a:moveTo>
+                      <a:pt x="441" y="7"/>
+                    </a:moveTo>
+                    <a:lnTo>
+                      <a:pt x="441" y="144"/>
+                    </a:lnTo>
+                    <a:lnTo>
+                      <a:pt x="296" y="144"/>
+                    </a:lnTo>
+                    <a:moveTo>
+                      <a:pt x="438" y="309"/>
+                    </a:moveTo>
+                    <a:cubicBezTo>
+                      <a:pt x="397" y="418"/>
+                      <a:pt x="276" y="474"/>
+                      <a:pt x="166" y="434"/>
+                    </a:cubicBezTo>
+                    <a:cubicBezTo>
+                      <a:pt x="56" y="393"/>
+                      <a:pt x="0" y="271"/>
+                      <a:pt x="41" y="162"/>
+                    </a:cubicBezTo>
+                    <a:cubicBezTo>
+                      <a:pt x="82" y="52"/>
+                      <a:pt x="202" y="0"/>
+                      <a:pt x="313" y="37"/>
+                    </a:cubicBezTo>
+                    <a:cubicBezTo>
+                      <a:pt x="357" y="51"/>
+                      <a:pt x="398" y="91"/>
+                      <a:pt x="428" y="139"/>
+                    </a:cubicBezTo>
+                  </a:path>
+                </a:pathLst>
+              </a:custGeom>
+              <a:noFill/>
+              <a:ln w="6350" cap="flat">
+                <a:solidFill>
+                  <a:srgbClr val="808080"/>
+                </a:solidFill>
+                <a:prstDash val="solid"/>
+                <a:miter lim="800000"/>
+                <a:headEnd/>
+                <a:tailEnd/>
+              </a:ln>
+              <a:extLst>
+                <a:ext uri="{909E8E84-426E-40DD-AFC4-6F175D3DCCD1}">
+                  <a14:hiddenFill xmlns:a14="http://schemas.microsoft.com/office/drawing/2010/main">
+                    <a:solidFill>
+                      <a:srgbClr val="FFFFFF"/>
+                    </a:solidFill>
+                  </a14:hiddenFill>
+                </a:ext>
+              </a:extLst>
+            </p:spPr>
+            <p:txBody>
+              <a:bodyPr vert="horz" wrap="square" lIns="91440" tIns="45720" rIns="91440" bIns="45720" numCol="1" anchor="t" anchorCtr="0" compatLnSpc="1">
+                <a:prstTxWarp prst="textNoShape">
+                  <a:avLst/>
+                </a:prstTxWarp>
+              </a:bodyPr>
+              <a:lstStyle>
+                <a:defPPr>
+                  <a:defRPr lang="en-US"/>
+                </a:defPPr>
+                <a:lvl1pPr marL="0" algn="l" defTabSz="914400" rtl="0" eaLnBrk="1" latinLnBrk="0" hangingPunct="1">
+                  <a:defRPr sz="1800" kern="1200">
+                    <a:solidFill>
+                      <a:schemeClr val="tx1"/>
+                    </a:solidFill>
+                    <a:latin typeface="+mn-lt"/>
+                    <a:ea typeface="+mn-ea"/>
+                    <a:cs typeface="+mn-cs"/>
+                  </a:defRPr>
+                </a:lvl1pPr>
+                <a:lvl2pPr marL="457200" algn="l" defTabSz="914400" rtl="0" eaLnBrk="1" latinLnBrk="0" hangingPunct="1">
+                  <a:defRPr sz="1800" kern="1200">
+                    <a:solidFill>
+                      <a:schemeClr val="tx1"/>
+                    </a:solidFill>
+                    <a:latin typeface="+mn-lt"/>
+                    <a:ea typeface="+mn-ea"/>
+                    <a:cs typeface="+mn-cs"/>
+                  </a:defRPr>
+                </a:lvl2pPr>
+                <a:lvl3pPr marL="914400" algn="l" defTabSz="914400" rtl="0" eaLnBrk="1" latinLnBrk="0" hangingPunct="1">
+                  <a:defRPr sz="1800" kern="1200">
+                    <a:solidFill>
+                      <a:schemeClr val="tx1"/>
+                    </a:solidFill>
+                    <a:latin typeface="+mn-lt"/>
+                    <a:ea typeface="+mn-ea"/>
+                    <a:cs typeface="+mn-cs"/>
+                  </a:defRPr>
+                </a:lvl3pPr>
+                <a:lvl4pPr marL="1371600" algn="l" defTabSz="914400" rtl="0" eaLnBrk="1" latinLnBrk="0" hangingPunct="1">
+                  <a:defRPr sz="1800" kern="1200">
+                    <a:solidFill>
+                      <a:schemeClr val="tx1"/>
+                    </a:solidFill>
+                    <a:latin typeface="+mn-lt"/>
+                    <a:ea typeface="+mn-ea"/>
+                    <a:cs typeface="+mn-cs"/>
+                  </a:defRPr>
+                </a:lvl4pPr>
+                <a:lvl5pPr marL="1828800" algn="l" defTabSz="914400" rtl="0" eaLnBrk="1" latinLnBrk="0" hangingPunct="1">
+                  <a:defRPr sz="1800" kern="1200">
+                    <a:solidFill>
+                      <a:schemeClr val="tx1"/>
+                    </a:solidFill>
+                    <a:latin typeface="+mn-lt"/>
+                    <a:ea typeface="+mn-ea"/>
+                    <a:cs typeface="+mn-cs"/>
+                  </a:defRPr>
+                </a:lvl5pPr>
+                <a:lvl6pPr marL="2286000" algn="l" defTabSz="914400" rtl="0" eaLnBrk="1" latinLnBrk="0" hangingPunct="1">
+                  <a:defRPr sz="1800" kern="1200">
+                    <a:solidFill>
+                      <a:schemeClr val="tx1"/>
+                    </a:solidFill>
+                    <a:latin typeface="+mn-lt"/>
+                    <a:ea typeface="+mn-ea"/>
+                    <a:cs typeface="+mn-cs"/>
+                  </a:defRPr>
+                </a:lvl6pPr>
+                <a:lvl7pPr marL="2743200" algn="l" defTabSz="914400" rtl="0" eaLnBrk="1" latinLnBrk="0" hangingPunct="1">
+                  <a:defRPr sz="1800" kern="1200">
+                    <a:solidFill>
+                      <a:schemeClr val="tx1"/>
+                    </a:solidFill>
+                    <a:latin typeface="+mn-lt"/>
+                    <a:ea typeface="+mn-ea"/>
+                    <a:cs typeface="+mn-cs"/>
+                  </a:defRPr>
+                </a:lvl7pPr>
+                <a:lvl8pPr marL="3200400" algn="l" defTabSz="914400" rtl="0" eaLnBrk="1" latinLnBrk="0" hangingPunct="1">
+                  <a:defRPr sz="1800" kern="1200">
+                    <a:solidFill>
+                      <a:schemeClr val="tx1"/>
+                    </a:solidFill>
+                    <a:latin typeface="+mn-lt"/>
+                    <a:ea typeface="+mn-ea"/>
+                    <a:cs typeface="+mn-cs"/>
+                  </a:defRPr>
+                </a:lvl8pPr>
+                <a:lvl9pPr marL="3657600" algn="l" defTabSz="914400" rtl="0" eaLnBrk="1" latinLnBrk="0" hangingPunct="1">
+                  <a:defRPr sz="1800" kern="1200">
+                    <a:solidFill>
+                      <a:schemeClr val="tx1"/>
+                    </a:solidFill>
+                    <a:latin typeface="+mn-lt"/>
+                    <a:ea typeface="+mn-ea"/>
+                    <a:cs typeface="+mn-cs"/>
+                  </a:defRPr>
+                </a:lvl9pPr>
+              </a:lstStyle>
+              <a:p>
+                <a:endParaRPr lang="en-US">
+                  <a:solidFill>
+                    <a:srgbClr val="5F5F5F"/>
+                  </a:solidFill>
+                  <a:latin typeface="Segoe UI" panose="020B0502040204020203" pitchFamily="34" charset="0"/>
+                  <a:cs typeface="Segoe UI" panose="020B0502040204020203" pitchFamily="34" charset="0"/>
+                </a:endParaRPr>
+              </a:p>
+            </p:txBody>
+          </p:sp>
+        </p:grpSp>
+      </p:grpSp>
+      <p:grpSp>
+        <p:nvGrpSpPr>
+          <p:cNvPr id="16" name="그룹 15">
+            <a:extLst>
+              <a:ext uri="{FF2B5EF4-FFF2-40B4-BE49-F238E27FC236}">
+                <a16:creationId xmlns:a16="http://schemas.microsoft.com/office/drawing/2014/main" id="{0A19EBCA-9192-4F64-AA65-0C818899B032}"/>
+              </a:ext>
+            </a:extLst>
+          </p:cNvPr>
+          <p:cNvGrpSpPr/>
+          <p:nvPr/>
+        </p:nvGrpSpPr>
+        <p:grpSpPr>
+          <a:xfrm>
+            <a:off x="3544277" y="2315632"/>
+            <a:ext cx="5384800" cy="4078514"/>
+            <a:chOff x="3439886" y="2017486"/>
+            <a:chExt cx="5384800" cy="4078514"/>
+          </a:xfrm>
+        </p:grpSpPr>
+        <p:pic>
+          <p:nvPicPr>
+            <p:cNvPr id="3" name="그래픽 2" descr="지구본: 아시아 및 오스트레일리아  단색으로 채워진">
+              <a:extLst>
+                <a:ext uri="{FF2B5EF4-FFF2-40B4-BE49-F238E27FC236}">
+                  <a16:creationId xmlns:a16="http://schemas.microsoft.com/office/drawing/2014/main" id="{CACCC4EF-D84E-4174-8628-35A113DD68BC}"/>
+                </a:ext>
+              </a:extLst>
+            </p:cNvPr>
+            <p:cNvPicPr>
+              <a:picLocks noChangeAspect="1"/>
+            </p:cNvPicPr>
+            <p:nvPr/>
+          </p:nvPicPr>
+          <p:blipFill>
+            <a:blip r:embed="rId12">
+              <a:extLst>
+                <a:ext uri="{28A0092B-C50C-407E-A947-70E740481C1C}">
+                  <a14:useLocalDpi xmlns:a14="http://schemas.microsoft.com/office/drawing/2010/main" val="0"/>
+                </a:ext>
+                <a:ext uri="{96DAC541-7B7A-43D3-8B79-37D633B846F1}">
+                  <asvg:svgBlip xmlns:asvg="http://schemas.microsoft.com/office/drawing/2016/SVG/main" r:embed="rId13"/>
+                </a:ext>
+              </a:extLst>
+            </a:blip>
+            <a:stretch>
+              <a:fillRect/>
+            </a:stretch>
+          </p:blipFill>
+          <p:spPr>
+            <a:xfrm>
+              <a:off x="4539343" y="2463800"/>
+              <a:ext cx="3185886" cy="3185886"/>
+            </a:xfrm>
+            <a:prstGeom prst="rect">
+              <a:avLst/>
+            </a:prstGeom>
+          </p:spPr>
+        </p:pic>
+        <p:sp>
+          <p:nvSpPr>
+            <p:cNvPr id="15" name="직사각형 14">
+              <a:extLst>
+                <a:ext uri="{FF2B5EF4-FFF2-40B4-BE49-F238E27FC236}">
+                  <a16:creationId xmlns:a16="http://schemas.microsoft.com/office/drawing/2014/main" id="{BE8265D0-908D-4AB7-9AE8-C59D580F2DE8}"/>
+                </a:ext>
+              </a:extLst>
+            </p:cNvPr>
+            <p:cNvSpPr/>
+            <p:nvPr/>
+          </p:nvSpPr>
+          <p:spPr>
+            <a:xfrm>
+              <a:off x="3439886" y="2017486"/>
+              <a:ext cx="5384800" cy="4078514"/>
+            </a:xfrm>
+            <a:prstGeom prst="rect">
+              <a:avLst/>
+            </a:prstGeom>
+            <a:noFill/>
+          </p:spPr>
+          <p:style>
+            <a:lnRef idx="2">
+              <a:schemeClr val="accent1">
+                <a:shade val="50000"/>
+              </a:schemeClr>
+            </a:lnRef>
+            <a:fillRef idx="1">
+              <a:schemeClr val="accent1"/>
+            </a:fillRef>
+            <a:effectRef idx="0">
+              <a:schemeClr val="accent1"/>
+            </a:effectRef>
+            <a:fontRef idx="minor">
+              <a:schemeClr val="lt1"/>
+            </a:fontRef>
+          </p:style>
+          <p:txBody>
+            <a:bodyPr rtlCol="0" anchor="ctr"/>
+            <a:lstStyle/>
+            <a:p>
+              <a:pPr algn="ctr"/>
+              <a:endParaRPr lang="ko-KR" altLang="en-US"/>
+            </a:p>
+          </p:txBody>
+        </p:sp>
+      </p:grpSp>
+      <p:sp>
+        <p:nvSpPr>
+          <p:cNvPr id="17" name="직사각형 16">
+            <a:extLst>
+              <a:ext uri="{FF2B5EF4-FFF2-40B4-BE49-F238E27FC236}">
+                <a16:creationId xmlns:a16="http://schemas.microsoft.com/office/drawing/2014/main" id="{43127543-9E39-461E-867B-8FCC38B62E28}"/>
+              </a:ext>
+            </a:extLst>
+          </p:cNvPr>
+          <p:cNvSpPr/>
+          <p:nvPr/>
+        </p:nvSpPr>
+        <p:spPr>
+          <a:xfrm>
+            <a:off x="4269991" y="1305140"/>
+            <a:ext cx="3933371" cy="260357"/>
+          </a:xfrm>
+          <a:prstGeom prst="rect">
+            <a:avLst/>
+          </a:prstGeom>
+          <a:noFill/>
+        </p:spPr>
+        <p:style>
+          <a:lnRef idx="2">
+            <a:schemeClr val="accent1">
+              <a:shade val="50000"/>
+            </a:schemeClr>
+          </a:lnRef>
+          <a:fillRef idx="1">
+            <a:schemeClr val="accent1"/>
+          </a:fillRef>
+          <a:effectRef idx="0">
+            <a:schemeClr val="accent1"/>
+          </a:effectRef>
+          <a:fontRef idx="minor">
+            <a:schemeClr val="lt1"/>
+          </a:fontRef>
+        </p:style>
+        <p:txBody>
+          <a:bodyPr rtlCol="0" anchor="ctr"/>
+          <a:lstStyle/>
+          <a:p>
+            <a:pPr algn="ctr"/>
+            <a:endParaRPr lang="ko-KR" altLang="en-US"/>
+          </a:p>
+        </p:txBody>
+      </p:sp>
+    </p:spTree>
+    <p:extLst>
+      <p:ext uri="{BB962C8B-B14F-4D97-AF65-F5344CB8AC3E}">
+        <p14:creationId xmlns:p14="http://schemas.microsoft.com/office/powerpoint/2010/main" val="2034771755"/>
+      </p:ext>
+    </p:extLst>
+  </p:cSld>
+  <p:clrMapOvr>
+    <a:masterClrMapping/>
+  </p:clrMapOvr>
+</p:sld>
+</file>
+
 <file path=ppt/tags/tag1.xml><?xml version="1.0" encoding="utf-8"?>
 <p:tagLst xmlns:a="http://schemas.openxmlformats.org/drawingml/2006/main" xmlns:r="http://schemas.openxmlformats.org/officeDocument/2006/relationships" xmlns:p="http://schemas.openxmlformats.org/presentationml/2006/main">
   <p:tag name="SMARTSETTINGSHASH" val="PWOa7bLCMN/NfWse0OkDrDXWtXjrMvC+/KEnGxnzoq0="/>
@@ -7136,9 +9178,69 @@
 </p:tagLst>
 </file>
 
+<file path=ppt/tags/tag23.xml><?xml version="1.0" encoding="utf-8"?>
+<p:tagLst xmlns:a="http://schemas.openxmlformats.org/drawingml/2006/main" xmlns:r="http://schemas.openxmlformats.org/officeDocument/2006/relationships" xmlns:p="http://schemas.openxmlformats.org/presentationml/2006/main">
+  <p:tag name="SMARTSETTINGSHASH" val="PWOa7bLCMN/NfWse0OkDrDXWtXjrMvC+/KEnGxnzoq0="/>
+</p:tagLst>
+</file>
+
+<file path=ppt/tags/tag24.xml><?xml version="1.0" encoding="utf-8"?>
+<p:tagLst xmlns:a="http://schemas.openxmlformats.org/drawingml/2006/main" xmlns:r="http://schemas.openxmlformats.org/officeDocument/2006/relationships" xmlns:p="http://schemas.openxmlformats.org/presentationml/2006/main">
+  <p:tag name="SMARTSETTINGSHASH" val="xZU/W0IqlvXPkJ37/hSWg5jSIFh0KZmI7sT1syyiYH8="/>
+</p:tagLst>
+</file>
+
+<file path=ppt/tags/tag25.xml><?xml version="1.0" encoding="utf-8"?>
+<p:tagLst xmlns:a="http://schemas.openxmlformats.org/drawingml/2006/main" xmlns:r="http://schemas.openxmlformats.org/officeDocument/2006/relationships" xmlns:p="http://schemas.openxmlformats.org/presentationml/2006/main">
+  <p:tag name="SMARTSETTINGSHASH" val="SB3bqgv5ghGJknk/m+/9EdPMDkanH9eNosaoBtCx42Q="/>
+</p:tagLst>
+</file>
+
+<file path=ppt/tags/tag26.xml><?xml version="1.0" encoding="utf-8"?>
+<p:tagLst xmlns:a="http://schemas.openxmlformats.org/drawingml/2006/main" xmlns:r="http://schemas.openxmlformats.org/officeDocument/2006/relationships" xmlns:p="http://schemas.openxmlformats.org/presentationml/2006/main">
+  <p:tag name="SMARTSETTINGSHASH" val="xscEFkRiZvbxLfN1YzQGPp4nKBgtuPrjp3QiTCcMWwM="/>
+</p:tagLst>
+</file>
+
+<file path=ppt/tags/tag27.xml><?xml version="1.0" encoding="utf-8"?>
+<p:tagLst xmlns:a="http://schemas.openxmlformats.org/drawingml/2006/main" xmlns:r="http://schemas.openxmlformats.org/officeDocument/2006/relationships" xmlns:p="http://schemas.openxmlformats.org/presentationml/2006/main">
+  <p:tag name="SMARTSETTINGSHASH" val="xscEFkRiZvbxLfN1YzQGPp4nKBgtuPrjp3QiTCcMWwM="/>
+</p:tagLst>
+</file>
+
+<file path=ppt/tags/tag28.xml><?xml version="1.0" encoding="utf-8"?>
+<p:tagLst xmlns:a="http://schemas.openxmlformats.org/drawingml/2006/main" xmlns:r="http://schemas.openxmlformats.org/officeDocument/2006/relationships" xmlns:p="http://schemas.openxmlformats.org/presentationml/2006/main">
+  <p:tag name="SMARTSETTINGSHASH" val="SB3bqgv5ghGJknk/m+/9EdPMDkanH9eNosaoBtCx42Q="/>
+</p:tagLst>
+</file>
+
+<file path=ppt/tags/tag29.xml><?xml version="1.0" encoding="utf-8"?>
+<p:tagLst xmlns:a="http://schemas.openxmlformats.org/drawingml/2006/main" xmlns:r="http://schemas.openxmlformats.org/officeDocument/2006/relationships" xmlns:p="http://schemas.openxmlformats.org/presentationml/2006/main">
+  <p:tag name="SMARTSETTINGSHASH" val="IDSg7uxH1Z/iSOkBSMZyie/SGkHlLE2okQSpqFhp1Ac="/>
+</p:tagLst>
+</file>
+
 <file path=ppt/tags/tag3.xml><?xml version="1.0" encoding="utf-8"?>
 <p:tagLst xmlns:a="http://schemas.openxmlformats.org/drawingml/2006/main" xmlns:r="http://schemas.openxmlformats.org/officeDocument/2006/relationships" xmlns:p="http://schemas.openxmlformats.org/presentationml/2006/main">
   <p:tag name="SMARTSETTINGSHASH" val="e2LyG275MKfvTp6do0okUjzBxgRCPw1IXGPe3BDSnOI="/>
+</p:tagLst>
+</file>
+
+<file path=ppt/tags/tag30.xml><?xml version="1.0" encoding="utf-8"?>
+<p:tagLst xmlns:a="http://schemas.openxmlformats.org/drawingml/2006/main" xmlns:r="http://schemas.openxmlformats.org/officeDocument/2006/relationships" xmlns:p="http://schemas.openxmlformats.org/presentationml/2006/main">
+  <p:tag name="SMARTSETTINGSHASH" val="IDSg7uxH1Z/iSOkBSMZyie/SGkHlLE2okQSpqFhp1Ac="/>
+</p:tagLst>
+</file>
+
+<file path=ppt/tags/tag31.xml><?xml version="1.0" encoding="utf-8"?>
+<p:tagLst xmlns:a="http://schemas.openxmlformats.org/drawingml/2006/main" xmlns:r="http://schemas.openxmlformats.org/officeDocument/2006/relationships" xmlns:p="http://schemas.openxmlformats.org/presentationml/2006/main">
+  <p:tag name="SMARTSETTINGSHASH" val="IDSg7uxH1Z/iSOkBSMZyie/SGkHlLE2okQSpqFhp1Ac="/>
+</p:tagLst>
+</file>
+
+<file path=ppt/tags/tag32.xml><?xml version="1.0" encoding="utf-8"?>
+<p:tagLst xmlns:a="http://schemas.openxmlformats.org/drawingml/2006/main" xmlns:r="http://schemas.openxmlformats.org/officeDocument/2006/relationships" xmlns:p="http://schemas.openxmlformats.org/presentationml/2006/main">
+  <p:tag name="SMARTSETTINGSHASH" val="IDSg7uxH1Z/iSOkBSMZyie/SGkHlLE2okQSpqFhp1Ac="/>
 </p:tagLst>
 </file>
 

--- a/UI.pptx
+++ b/UI.pptx
@@ -5,8 +5,8 @@
     <p:sldMasterId id="2147483648" r:id="rId1"/>
   </p:sldMasterIdLst>
   <p:sldIdLst>
-    <p:sldId id="256" r:id="rId2"/>
-    <p:sldId id="257" r:id="rId3"/>
+    <p:sldId id="257" r:id="rId2"/>
+    <p:sldId id="256" r:id="rId3"/>
   </p:sldIdLst>
   <p:sldSz cx="12192000" cy="6858000"/>
   <p:notesSz cx="6858000" cy="9144000"/>
@@ -260,7 +260,7 @@
           <a:p>
             <a:fld id="{B2C9DBA1-8D4A-4E57-AA66-EB41DF1E3A11}" type="datetimeFigureOut">
               <a:rPr lang="ko-KR" altLang="en-US" smtClean="0"/>
-              <a:t>2021-03-23</a:t>
+              <a:t>2021-03-25</a:t>
             </a:fld>
             <a:endParaRPr lang="ko-KR" altLang="en-US"/>
           </a:p>
@@ -458,7 +458,7 @@
           <a:p>
             <a:fld id="{B2C9DBA1-8D4A-4E57-AA66-EB41DF1E3A11}" type="datetimeFigureOut">
               <a:rPr lang="ko-KR" altLang="en-US" smtClean="0"/>
-              <a:t>2021-03-23</a:t>
+              <a:t>2021-03-25</a:t>
             </a:fld>
             <a:endParaRPr lang="ko-KR" altLang="en-US"/>
           </a:p>
@@ -666,7 +666,7 @@
           <a:p>
             <a:fld id="{B2C9DBA1-8D4A-4E57-AA66-EB41DF1E3A11}" type="datetimeFigureOut">
               <a:rPr lang="ko-KR" altLang="en-US" smtClean="0"/>
-              <a:t>2021-03-23</a:t>
+              <a:t>2021-03-25</a:t>
             </a:fld>
             <a:endParaRPr lang="ko-KR" altLang="en-US"/>
           </a:p>
@@ -864,7 +864,7 @@
           <a:p>
             <a:fld id="{B2C9DBA1-8D4A-4E57-AA66-EB41DF1E3A11}" type="datetimeFigureOut">
               <a:rPr lang="ko-KR" altLang="en-US" smtClean="0"/>
-              <a:t>2021-03-23</a:t>
+              <a:t>2021-03-25</a:t>
             </a:fld>
             <a:endParaRPr lang="ko-KR" altLang="en-US"/>
           </a:p>
@@ -1139,7 +1139,7 @@
           <a:p>
             <a:fld id="{B2C9DBA1-8D4A-4E57-AA66-EB41DF1E3A11}" type="datetimeFigureOut">
               <a:rPr lang="ko-KR" altLang="en-US" smtClean="0"/>
-              <a:t>2021-03-23</a:t>
+              <a:t>2021-03-25</a:t>
             </a:fld>
             <a:endParaRPr lang="ko-KR" altLang="en-US"/>
           </a:p>
@@ -1404,7 +1404,7 @@
           <a:p>
             <a:fld id="{B2C9DBA1-8D4A-4E57-AA66-EB41DF1E3A11}" type="datetimeFigureOut">
               <a:rPr lang="ko-KR" altLang="en-US" smtClean="0"/>
-              <a:t>2021-03-23</a:t>
+              <a:t>2021-03-25</a:t>
             </a:fld>
             <a:endParaRPr lang="ko-KR" altLang="en-US"/>
           </a:p>
@@ -1816,7 +1816,7 @@
           <a:p>
             <a:fld id="{B2C9DBA1-8D4A-4E57-AA66-EB41DF1E3A11}" type="datetimeFigureOut">
               <a:rPr lang="ko-KR" altLang="en-US" smtClean="0"/>
-              <a:t>2021-03-23</a:t>
+              <a:t>2021-03-25</a:t>
             </a:fld>
             <a:endParaRPr lang="ko-KR" altLang="en-US"/>
           </a:p>
@@ -1957,7 +1957,7 @@
           <a:p>
             <a:fld id="{B2C9DBA1-8D4A-4E57-AA66-EB41DF1E3A11}" type="datetimeFigureOut">
               <a:rPr lang="ko-KR" altLang="en-US" smtClean="0"/>
-              <a:t>2021-03-23</a:t>
+              <a:t>2021-03-25</a:t>
             </a:fld>
             <a:endParaRPr lang="ko-KR" altLang="en-US"/>
           </a:p>
@@ -2070,7 +2070,7 @@
           <a:p>
             <a:fld id="{B2C9DBA1-8D4A-4E57-AA66-EB41DF1E3A11}" type="datetimeFigureOut">
               <a:rPr lang="ko-KR" altLang="en-US" smtClean="0"/>
-              <a:t>2021-03-23</a:t>
+              <a:t>2021-03-25</a:t>
             </a:fld>
             <a:endParaRPr lang="ko-KR" altLang="en-US"/>
           </a:p>
@@ -2381,7 +2381,7 @@
           <a:p>
             <a:fld id="{B2C9DBA1-8D4A-4E57-AA66-EB41DF1E3A11}" type="datetimeFigureOut">
               <a:rPr lang="ko-KR" altLang="en-US" smtClean="0"/>
-              <a:t>2021-03-23</a:t>
+              <a:t>2021-03-25</a:t>
             </a:fld>
             <a:endParaRPr lang="ko-KR" altLang="en-US"/>
           </a:p>
@@ -2669,7 +2669,7 @@
           <a:p>
             <a:fld id="{B2C9DBA1-8D4A-4E57-AA66-EB41DF1E3A11}" type="datetimeFigureOut">
               <a:rPr lang="ko-KR" altLang="en-US" smtClean="0"/>
-              <a:t>2021-03-23</a:t>
+              <a:t>2021-03-25</a:t>
             </a:fld>
             <a:endParaRPr lang="ko-KR" altLang="en-US"/>
           </a:p>
@@ -2910,7 +2910,7 @@
           <a:p>
             <a:fld id="{B2C9DBA1-8D4A-4E57-AA66-EB41DF1E3A11}" type="datetimeFigureOut">
               <a:rPr lang="ko-KR" altLang="en-US" smtClean="0"/>
-              <a:t>2021-03-23</a:t>
+              <a:t>2021-03-25</a:t>
             </a:fld>
             <a:endParaRPr lang="ko-KR" altLang="en-US"/>
           </a:p>
@@ -3363,3748 +3363,6 @@
             <p:cNvSpPr/>
             <p:nvPr>
               <p:custDataLst>
-                <p:tags r:id="rId14"/>
-              </p:custDataLst>
-            </p:nvPr>
-          </p:nvSpPr>
-          <p:spPr>
-            <a:xfrm>
-              <a:off x="595683" y="1623921"/>
-              <a:ext cx="6668462" cy="3989864"/>
-            </a:xfrm>
-            <a:prstGeom prst="rect">
-              <a:avLst/>
-            </a:prstGeom>
-            <a:solidFill>
-              <a:srgbClr val="FFFFFF"/>
-            </a:solidFill>
-            <a:ln w="6350">
-              <a:solidFill>
-                <a:srgbClr val="808080"/>
-              </a:solidFill>
-            </a:ln>
-          </p:spPr>
-          <p:style>
-            <a:lnRef idx="2">
-              <a:schemeClr val="accent1">
-                <a:shade val="50000"/>
-              </a:schemeClr>
-            </a:lnRef>
-            <a:fillRef idx="1">
-              <a:schemeClr val="accent1"/>
-            </a:fillRef>
-            <a:effectRef idx="0">
-              <a:schemeClr val="accent1"/>
-            </a:effectRef>
-            <a:fontRef idx="minor">
-              <a:schemeClr val="lt1"/>
-            </a:fontRef>
-          </p:style>
-          <p:txBody>
-            <a:bodyPr rot="0" spcFirstLastPara="0" vert="horz" wrap="square" lIns="91440" tIns="45720" rIns="91440" bIns="45720" numCol="1" spcCol="0" rtlCol="0" fromWordArt="0" anchor="ctr" anchorCtr="0" forceAA="0" compatLnSpc="1">
-              <a:prstTxWarp prst="textNoShape">
-                <a:avLst/>
-              </a:prstTxWarp>
-              <a:noAutofit/>
-            </a:bodyPr>
-            <a:lstStyle>
-              <a:defPPr>
-                <a:defRPr lang="en-US"/>
-              </a:defPPr>
-              <a:lvl1pPr marL="0" algn="l" defTabSz="914400" rtl="0" eaLnBrk="1" latinLnBrk="0" hangingPunct="1">
-                <a:defRPr sz="1800" kern="1200">
-                  <a:solidFill>
-                    <a:schemeClr val="lt1"/>
-                  </a:solidFill>
-                  <a:latin typeface="+mn-lt"/>
-                  <a:ea typeface="+mn-ea"/>
-                  <a:cs typeface="+mn-cs"/>
-                </a:defRPr>
-              </a:lvl1pPr>
-              <a:lvl2pPr marL="457200" algn="l" defTabSz="914400" rtl="0" eaLnBrk="1" latinLnBrk="0" hangingPunct="1">
-                <a:defRPr sz="1800" kern="1200">
-                  <a:solidFill>
-                    <a:schemeClr val="lt1"/>
-                  </a:solidFill>
-                  <a:latin typeface="+mn-lt"/>
-                  <a:ea typeface="+mn-ea"/>
-                  <a:cs typeface="+mn-cs"/>
-                </a:defRPr>
-              </a:lvl2pPr>
-              <a:lvl3pPr marL="914400" algn="l" defTabSz="914400" rtl="0" eaLnBrk="1" latinLnBrk="0" hangingPunct="1">
-                <a:defRPr sz="1800" kern="1200">
-                  <a:solidFill>
-                    <a:schemeClr val="lt1"/>
-                  </a:solidFill>
-                  <a:latin typeface="+mn-lt"/>
-                  <a:ea typeface="+mn-ea"/>
-                  <a:cs typeface="+mn-cs"/>
-                </a:defRPr>
-              </a:lvl3pPr>
-              <a:lvl4pPr marL="1371600" algn="l" defTabSz="914400" rtl="0" eaLnBrk="1" latinLnBrk="0" hangingPunct="1">
-                <a:defRPr sz="1800" kern="1200">
-                  <a:solidFill>
-                    <a:schemeClr val="lt1"/>
-                  </a:solidFill>
-                  <a:latin typeface="+mn-lt"/>
-                  <a:ea typeface="+mn-ea"/>
-                  <a:cs typeface="+mn-cs"/>
-                </a:defRPr>
-              </a:lvl4pPr>
-              <a:lvl5pPr marL="1828800" algn="l" defTabSz="914400" rtl="0" eaLnBrk="1" latinLnBrk="0" hangingPunct="1">
-                <a:defRPr sz="1800" kern="1200">
-                  <a:solidFill>
-                    <a:schemeClr val="lt1"/>
-                  </a:solidFill>
-                  <a:latin typeface="+mn-lt"/>
-                  <a:ea typeface="+mn-ea"/>
-                  <a:cs typeface="+mn-cs"/>
-                </a:defRPr>
-              </a:lvl5pPr>
-              <a:lvl6pPr marL="2286000" algn="l" defTabSz="914400" rtl="0" eaLnBrk="1" latinLnBrk="0" hangingPunct="1">
-                <a:defRPr sz="1800" kern="1200">
-                  <a:solidFill>
-                    <a:schemeClr val="lt1"/>
-                  </a:solidFill>
-                  <a:latin typeface="+mn-lt"/>
-                  <a:ea typeface="+mn-ea"/>
-                  <a:cs typeface="+mn-cs"/>
-                </a:defRPr>
-              </a:lvl6pPr>
-              <a:lvl7pPr marL="2743200" algn="l" defTabSz="914400" rtl="0" eaLnBrk="1" latinLnBrk="0" hangingPunct="1">
-                <a:defRPr sz="1800" kern="1200">
-                  <a:solidFill>
-                    <a:schemeClr val="lt1"/>
-                  </a:solidFill>
-                  <a:latin typeface="+mn-lt"/>
-                  <a:ea typeface="+mn-ea"/>
-                  <a:cs typeface="+mn-cs"/>
-                </a:defRPr>
-              </a:lvl7pPr>
-              <a:lvl8pPr marL="3200400" algn="l" defTabSz="914400" rtl="0" eaLnBrk="1" latinLnBrk="0" hangingPunct="1">
-                <a:defRPr sz="1800" kern="1200">
-                  <a:solidFill>
-                    <a:schemeClr val="lt1"/>
-                  </a:solidFill>
-                  <a:latin typeface="+mn-lt"/>
-                  <a:ea typeface="+mn-ea"/>
-                  <a:cs typeface="+mn-cs"/>
-                </a:defRPr>
-              </a:lvl8pPr>
-              <a:lvl9pPr marL="3657600" algn="l" defTabSz="914400" rtl="0" eaLnBrk="1" latinLnBrk="0" hangingPunct="1">
-                <a:defRPr sz="1800" kern="1200">
-                  <a:solidFill>
-                    <a:schemeClr val="lt1"/>
-                  </a:solidFill>
-                  <a:latin typeface="+mn-lt"/>
-                  <a:ea typeface="+mn-ea"/>
-                  <a:cs typeface="+mn-cs"/>
-                </a:defRPr>
-              </a:lvl9pPr>
-            </a:lstStyle>
-            <a:p>
-              <a:pPr algn="ctr"/>
-              <a:endParaRPr lang="en-US" sz="900" dirty="0">
-                <a:solidFill>
-                  <a:srgbClr val="5F5F5F"/>
-                </a:solidFill>
-                <a:latin typeface="Segoe UI" panose="020B0502040204020203" pitchFamily="34" charset="0"/>
-                <a:cs typeface="Segoe UI" panose="020B0502040204020203" pitchFamily="34" charset="0"/>
-              </a:endParaRPr>
-            </a:p>
-          </p:txBody>
-        </p:sp>
-        <p:sp>
-          <p:nvSpPr>
-            <p:cNvPr id="6" name="Title Bar" descr="&lt;SmartSettings&gt;&lt;SmartResize anchorLeft=&quot;Absolute&quot; anchorTop=&quot;Absolute&quot; anchorRight=&quot;Absolute&quot; anchorBottom=&quot;None&quot; /&gt;&lt;/SmartSettings&gt;">
-              <a:extLst>
-                <a:ext uri="{FF2B5EF4-FFF2-40B4-BE49-F238E27FC236}">
-                  <a16:creationId xmlns:a16="http://schemas.microsoft.com/office/drawing/2014/main" id="{428812DA-A12A-40E6-A550-E92E4D0EDB8F}"/>
-                </a:ext>
-              </a:extLst>
-            </p:cNvPr>
-            <p:cNvSpPr/>
-            <p:nvPr>
-              <p:custDataLst>
-                <p:tags r:id="rId15"/>
-              </p:custDataLst>
-            </p:nvPr>
-          </p:nvSpPr>
-          <p:spPr>
-            <a:xfrm>
-              <a:off x="595684" y="1261242"/>
-              <a:ext cx="6668461" cy="364099"/>
-            </a:xfrm>
-            <a:prstGeom prst="rect">
-              <a:avLst/>
-            </a:prstGeom>
-            <a:solidFill>
-              <a:srgbClr val="FFFFFF"/>
-            </a:solidFill>
-            <a:ln w="6350">
-              <a:solidFill>
-                <a:srgbClr val="808080"/>
-              </a:solidFill>
-            </a:ln>
-          </p:spPr>
-          <p:style>
-            <a:lnRef idx="2">
-              <a:schemeClr val="accent1">
-                <a:shade val="50000"/>
-              </a:schemeClr>
-            </a:lnRef>
-            <a:fillRef idx="1">
-              <a:schemeClr val="accent1"/>
-            </a:fillRef>
-            <a:effectRef idx="0">
-              <a:schemeClr val="accent1"/>
-            </a:effectRef>
-            <a:fontRef idx="minor">
-              <a:schemeClr val="lt1"/>
-            </a:fontRef>
-          </p:style>
-          <p:txBody>
-            <a:bodyPr rot="0" spcFirstLastPara="0" vert="horz" wrap="square" lIns="91440" tIns="45720" rIns="228600" bIns="45720" numCol="1" spcCol="0" rtlCol="0" fromWordArt="0" anchor="t" anchorCtr="0" forceAA="0" compatLnSpc="1">
-              <a:prstTxWarp prst="textNoShape">
-                <a:avLst/>
-              </a:prstTxWarp>
-              <a:noAutofit/>
-            </a:bodyPr>
-            <a:lstStyle>
-              <a:defPPr>
-                <a:defRPr lang="en-US"/>
-              </a:defPPr>
-              <a:lvl1pPr marL="0" algn="l" defTabSz="914400" rtl="0" eaLnBrk="1" latinLnBrk="0" hangingPunct="1">
-                <a:defRPr sz="1800" kern="1200">
-                  <a:solidFill>
-                    <a:schemeClr val="lt1"/>
-                  </a:solidFill>
-                  <a:latin typeface="+mn-lt"/>
-                  <a:ea typeface="+mn-ea"/>
-                  <a:cs typeface="+mn-cs"/>
-                </a:defRPr>
-              </a:lvl1pPr>
-              <a:lvl2pPr marL="457200" algn="l" defTabSz="914400" rtl="0" eaLnBrk="1" latinLnBrk="0" hangingPunct="1">
-                <a:defRPr sz="1800" kern="1200">
-                  <a:solidFill>
-                    <a:schemeClr val="lt1"/>
-                  </a:solidFill>
-                  <a:latin typeface="+mn-lt"/>
-                  <a:ea typeface="+mn-ea"/>
-                  <a:cs typeface="+mn-cs"/>
-                </a:defRPr>
-              </a:lvl2pPr>
-              <a:lvl3pPr marL="914400" algn="l" defTabSz="914400" rtl="0" eaLnBrk="1" latinLnBrk="0" hangingPunct="1">
-                <a:defRPr sz="1800" kern="1200">
-                  <a:solidFill>
-                    <a:schemeClr val="lt1"/>
-                  </a:solidFill>
-                  <a:latin typeface="+mn-lt"/>
-                  <a:ea typeface="+mn-ea"/>
-                  <a:cs typeface="+mn-cs"/>
-                </a:defRPr>
-              </a:lvl3pPr>
-              <a:lvl4pPr marL="1371600" algn="l" defTabSz="914400" rtl="0" eaLnBrk="1" latinLnBrk="0" hangingPunct="1">
-                <a:defRPr sz="1800" kern="1200">
-                  <a:solidFill>
-                    <a:schemeClr val="lt1"/>
-                  </a:solidFill>
-                  <a:latin typeface="+mn-lt"/>
-                  <a:ea typeface="+mn-ea"/>
-                  <a:cs typeface="+mn-cs"/>
-                </a:defRPr>
-              </a:lvl4pPr>
-              <a:lvl5pPr marL="1828800" algn="l" defTabSz="914400" rtl="0" eaLnBrk="1" latinLnBrk="0" hangingPunct="1">
-                <a:defRPr sz="1800" kern="1200">
-                  <a:solidFill>
-                    <a:schemeClr val="lt1"/>
-                  </a:solidFill>
-                  <a:latin typeface="+mn-lt"/>
-                  <a:ea typeface="+mn-ea"/>
-                  <a:cs typeface="+mn-cs"/>
-                </a:defRPr>
-              </a:lvl5pPr>
-              <a:lvl6pPr marL="2286000" algn="l" defTabSz="914400" rtl="0" eaLnBrk="1" latinLnBrk="0" hangingPunct="1">
-                <a:defRPr sz="1800" kern="1200">
-                  <a:solidFill>
-                    <a:schemeClr val="lt1"/>
-                  </a:solidFill>
-                  <a:latin typeface="+mn-lt"/>
-                  <a:ea typeface="+mn-ea"/>
-                  <a:cs typeface="+mn-cs"/>
-                </a:defRPr>
-              </a:lvl6pPr>
-              <a:lvl7pPr marL="2743200" algn="l" defTabSz="914400" rtl="0" eaLnBrk="1" latinLnBrk="0" hangingPunct="1">
-                <a:defRPr sz="1800" kern="1200">
-                  <a:solidFill>
-                    <a:schemeClr val="lt1"/>
-                  </a:solidFill>
-                  <a:latin typeface="+mn-lt"/>
-                  <a:ea typeface="+mn-ea"/>
-                  <a:cs typeface="+mn-cs"/>
-                </a:defRPr>
-              </a:lvl7pPr>
-              <a:lvl8pPr marL="3200400" algn="l" defTabSz="914400" rtl="0" eaLnBrk="1" latinLnBrk="0" hangingPunct="1">
-                <a:defRPr sz="1800" kern="1200">
-                  <a:solidFill>
-                    <a:schemeClr val="lt1"/>
-                  </a:solidFill>
-                  <a:latin typeface="+mn-lt"/>
-                  <a:ea typeface="+mn-ea"/>
-                  <a:cs typeface="+mn-cs"/>
-                </a:defRPr>
-              </a:lvl8pPr>
-              <a:lvl9pPr marL="3657600" algn="l" defTabSz="914400" rtl="0" eaLnBrk="1" latinLnBrk="0" hangingPunct="1">
-                <a:defRPr sz="1800" kern="1200">
-                  <a:solidFill>
-                    <a:schemeClr val="lt1"/>
-                  </a:solidFill>
-                  <a:latin typeface="+mn-lt"/>
-                  <a:ea typeface="+mn-ea"/>
-                  <a:cs typeface="+mn-cs"/>
-                </a:defRPr>
-              </a:lvl9pPr>
-            </a:lstStyle>
-            <a:p>
-              <a:r>
-                <a:rPr lang="en-US" sz="900" dirty="0">
-                  <a:solidFill>
-                    <a:srgbClr val="5F5F5F"/>
-                  </a:solidFill>
-                  <a:latin typeface="Segoe UI" panose="020B0502040204020203" pitchFamily="34" charset="0"/>
-                  <a:cs typeface="Segoe UI" panose="020B0502040204020203" pitchFamily="34" charset="0"/>
-                </a:rPr>
-                <a:t>Browser</a:t>
-              </a:r>
-            </a:p>
-          </p:txBody>
-        </p:sp>
-        <p:sp>
-          <p:nvSpPr>
-            <p:cNvPr id="7" name="Menu Button" descr="&lt;SmartSettings&gt;&lt;SmartResize anchorLeft=&quot;None&quot; anchorTop=&quot;Absolute&quot; anchorRight=&quot;Absolute&quot; anchorBottom=&quot;None&quot; /&gt;&lt;/SmartSettings&gt;">
-              <a:extLst>
-                <a:ext uri="{FF2B5EF4-FFF2-40B4-BE49-F238E27FC236}">
-                  <a16:creationId xmlns:a16="http://schemas.microsoft.com/office/drawing/2014/main" id="{EB35F7EF-B88E-48F4-9F75-D031AEE987C3}"/>
-                </a:ext>
-              </a:extLst>
-            </p:cNvPr>
-            <p:cNvSpPr>
-              <a:spLocks noChangeAspect="1" noEditPoints="1"/>
-            </p:cNvSpPr>
-            <p:nvPr>
-              <p:custDataLst>
-                <p:tags r:id="rId16"/>
-              </p:custDataLst>
-            </p:nvPr>
-          </p:nvSpPr>
-          <p:spPr bwMode="auto">
-            <a:xfrm>
-              <a:off x="7079076" y="1469745"/>
-              <a:ext cx="116095" cy="76411"/>
-            </a:xfrm>
-            <a:custGeom>
-              <a:avLst/>
-              <a:gdLst>
-                <a:gd name="T0" fmla="*/ 0 w 415"/>
-                <a:gd name="T1" fmla="*/ 309 h 309"/>
-                <a:gd name="T2" fmla="*/ 415 w 415"/>
-                <a:gd name="T3" fmla="*/ 309 h 309"/>
-                <a:gd name="T4" fmla="*/ 0 w 415"/>
-                <a:gd name="T5" fmla="*/ 155 h 309"/>
-                <a:gd name="T6" fmla="*/ 415 w 415"/>
-                <a:gd name="T7" fmla="*/ 155 h 309"/>
-                <a:gd name="T8" fmla="*/ 0 w 415"/>
-                <a:gd name="T9" fmla="*/ 0 h 309"/>
-                <a:gd name="T10" fmla="*/ 415 w 415"/>
-                <a:gd name="T11" fmla="*/ 0 h 309"/>
-              </a:gdLst>
-              <a:ahLst/>
-              <a:cxnLst>
-                <a:cxn ang="0">
-                  <a:pos x="T0" y="T1"/>
-                </a:cxn>
-                <a:cxn ang="0">
-                  <a:pos x="T2" y="T3"/>
-                </a:cxn>
-                <a:cxn ang="0">
-                  <a:pos x="T4" y="T5"/>
-                </a:cxn>
-                <a:cxn ang="0">
-                  <a:pos x="T6" y="T7"/>
-                </a:cxn>
-                <a:cxn ang="0">
-                  <a:pos x="T8" y="T9"/>
-                </a:cxn>
-                <a:cxn ang="0">
-                  <a:pos x="T10" y="T11"/>
-                </a:cxn>
-              </a:cxnLst>
-              <a:rect l="0" t="0" r="r" b="b"/>
-              <a:pathLst>
-                <a:path w="415" h="309">
-                  <a:moveTo>
-                    <a:pt x="0" y="309"/>
-                  </a:moveTo>
-                  <a:lnTo>
-                    <a:pt x="415" y="309"/>
-                  </a:lnTo>
-                  <a:moveTo>
-                    <a:pt x="0" y="155"/>
-                  </a:moveTo>
-                  <a:lnTo>
-                    <a:pt x="415" y="155"/>
-                  </a:lnTo>
-                  <a:moveTo>
-                    <a:pt x="0" y="0"/>
-                  </a:moveTo>
-                  <a:lnTo>
-                    <a:pt x="415" y="0"/>
-                  </a:lnTo>
-                </a:path>
-              </a:pathLst>
-            </a:custGeom>
-            <a:noFill/>
-            <a:ln w="6350" cap="flat">
-              <a:solidFill>
-                <a:srgbClr val="808080"/>
-              </a:solidFill>
-              <a:prstDash val="solid"/>
-              <a:miter lim="800000"/>
-              <a:headEnd/>
-              <a:tailEnd/>
-            </a:ln>
-            <a:extLst>
-              <a:ext uri="{909E8E84-426E-40DD-AFC4-6F175D3DCCD1}">
-                <a14:hiddenFill xmlns:a14="http://schemas.microsoft.com/office/drawing/2010/main">
-                  <a:solidFill>
-                    <a:srgbClr val="FFFFFF"/>
-                  </a:solidFill>
-                </a14:hiddenFill>
-              </a:ext>
-            </a:extLst>
-          </p:spPr>
-          <p:txBody>
-            <a:bodyPr vert="horz" wrap="square" lIns="91440" tIns="45720" rIns="91440" bIns="45720" numCol="1" anchor="t" anchorCtr="0" compatLnSpc="1">
-              <a:prstTxWarp prst="textNoShape">
-                <a:avLst/>
-              </a:prstTxWarp>
-            </a:bodyPr>
-            <a:lstStyle>
-              <a:defPPr>
-                <a:defRPr lang="en-US"/>
-              </a:defPPr>
-              <a:lvl1pPr marL="0" algn="l" defTabSz="914400" rtl="0" eaLnBrk="1" latinLnBrk="0" hangingPunct="1">
-                <a:defRPr sz="1800" kern="1200">
-                  <a:solidFill>
-                    <a:schemeClr val="tx1"/>
-                  </a:solidFill>
-                  <a:latin typeface="+mn-lt"/>
-                  <a:ea typeface="+mn-ea"/>
-                  <a:cs typeface="+mn-cs"/>
-                </a:defRPr>
-              </a:lvl1pPr>
-              <a:lvl2pPr marL="457200" algn="l" defTabSz="914400" rtl="0" eaLnBrk="1" latinLnBrk="0" hangingPunct="1">
-                <a:defRPr sz="1800" kern="1200">
-                  <a:solidFill>
-                    <a:schemeClr val="tx1"/>
-                  </a:solidFill>
-                  <a:latin typeface="+mn-lt"/>
-                  <a:ea typeface="+mn-ea"/>
-                  <a:cs typeface="+mn-cs"/>
-                </a:defRPr>
-              </a:lvl2pPr>
-              <a:lvl3pPr marL="914400" algn="l" defTabSz="914400" rtl="0" eaLnBrk="1" latinLnBrk="0" hangingPunct="1">
-                <a:defRPr sz="1800" kern="1200">
-                  <a:solidFill>
-                    <a:schemeClr val="tx1"/>
-                  </a:solidFill>
-                  <a:latin typeface="+mn-lt"/>
-                  <a:ea typeface="+mn-ea"/>
-                  <a:cs typeface="+mn-cs"/>
-                </a:defRPr>
-              </a:lvl3pPr>
-              <a:lvl4pPr marL="1371600" algn="l" defTabSz="914400" rtl="0" eaLnBrk="1" latinLnBrk="0" hangingPunct="1">
-                <a:defRPr sz="1800" kern="1200">
-                  <a:solidFill>
-                    <a:schemeClr val="tx1"/>
-                  </a:solidFill>
-                  <a:latin typeface="+mn-lt"/>
-                  <a:ea typeface="+mn-ea"/>
-                  <a:cs typeface="+mn-cs"/>
-                </a:defRPr>
-              </a:lvl4pPr>
-              <a:lvl5pPr marL="1828800" algn="l" defTabSz="914400" rtl="0" eaLnBrk="1" latinLnBrk="0" hangingPunct="1">
-                <a:defRPr sz="1800" kern="1200">
-                  <a:solidFill>
-                    <a:schemeClr val="tx1"/>
-                  </a:solidFill>
-                  <a:latin typeface="+mn-lt"/>
-                  <a:ea typeface="+mn-ea"/>
-                  <a:cs typeface="+mn-cs"/>
-                </a:defRPr>
-              </a:lvl5pPr>
-              <a:lvl6pPr marL="2286000" algn="l" defTabSz="914400" rtl="0" eaLnBrk="1" latinLnBrk="0" hangingPunct="1">
-                <a:defRPr sz="1800" kern="1200">
-                  <a:solidFill>
-                    <a:schemeClr val="tx1"/>
-                  </a:solidFill>
-                  <a:latin typeface="+mn-lt"/>
-                  <a:ea typeface="+mn-ea"/>
-                  <a:cs typeface="+mn-cs"/>
-                </a:defRPr>
-              </a:lvl6pPr>
-              <a:lvl7pPr marL="2743200" algn="l" defTabSz="914400" rtl="0" eaLnBrk="1" latinLnBrk="0" hangingPunct="1">
-                <a:defRPr sz="1800" kern="1200">
-                  <a:solidFill>
-                    <a:schemeClr val="tx1"/>
-                  </a:solidFill>
-                  <a:latin typeface="+mn-lt"/>
-                  <a:ea typeface="+mn-ea"/>
-                  <a:cs typeface="+mn-cs"/>
-                </a:defRPr>
-              </a:lvl7pPr>
-              <a:lvl8pPr marL="3200400" algn="l" defTabSz="914400" rtl="0" eaLnBrk="1" latinLnBrk="0" hangingPunct="1">
-                <a:defRPr sz="1800" kern="1200">
-                  <a:solidFill>
-                    <a:schemeClr val="tx1"/>
-                  </a:solidFill>
-                  <a:latin typeface="+mn-lt"/>
-                  <a:ea typeface="+mn-ea"/>
-                  <a:cs typeface="+mn-cs"/>
-                </a:defRPr>
-              </a:lvl8pPr>
-              <a:lvl9pPr marL="3657600" algn="l" defTabSz="914400" rtl="0" eaLnBrk="1" latinLnBrk="0" hangingPunct="1">
-                <a:defRPr sz="1800" kern="1200">
-                  <a:solidFill>
-                    <a:schemeClr val="tx1"/>
-                  </a:solidFill>
-                  <a:latin typeface="+mn-lt"/>
-                  <a:ea typeface="+mn-ea"/>
-                  <a:cs typeface="+mn-cs"/>
-                </a:defRPr>
-              </a:lvl9pPr>
-            </a:lstStyle>
-            <a:p>
-              <a:endParaRPr lang="en-US">
-                <a:solidFill>
-                  <a:srgbClr val="5F5F5F"/>
-                </a:solidFill>
-                <a:latin typeface="Segoe UI" panose="020B0502040204020203" pitchFamily="34" charset="0"/>
-                <a:cs typeface="Segoe UI" panose="020B0502040204020203" pitchFamily="34" charset="0"/>
-              </a:endParaRPr>
-            </a:p>
-          </p:txBody>
-        </p:sp>
-        <p:sp>
-          <p:nvSpPr>
-            <p:cNvPr id="8" name="Close Button" descr="&lt;SmartSettings&gt;&lt;SmartResize anchorLeft=&quot;None&quot; anchorTop=&quot;Absolute&quot; anchorRight=&quot;Absolute&quot; anchorBottom=&quot;None&quot; /&gt;&lt;/SmartSettings&gt;">
-              <a:extLst>
-                <a:ext uri="{FF2B5EF4-FFF2-40B4-BE49-F238E27FC236}">
-                  <a16:creationId xmlns:a16="http://schemas.microsoft.com/office/drawing/2014/main" id="{6EB75456-0E8B-44FD-A966-A44B5DC7E05A}"/>
-                </a:ext>
-              </a:extLst>
-            </p:cNvPr>
-            <p:cNvSpPr>
-              <a:spLocks noEditPoints="1"/>
-            </p:cNvSpPr>
-            <p:nvPr>
-              <p:custDataLst>
-                <p:tags r:id="rId17"/>
-              </p:custDataLst>
-            </p:nvPr>
-          </p:nvSpPr>
-          <p:spPr bwMode="auto">
-            <a:xfrm>
-              <a:off x="7100081" y="1309542"/>
-              <a:ext cx="76573" cy="64572"/>
-            </a:xfrm>
-            <a:custGeom>
-              <a:avLst/>
-              <a:gdLst>
-                <a:gd name="T0" fmla="*/ 254 w 254"/>
-                <a:gd name="T1" fmla="*/ 0 h 254"/>
-                <a:gd name="T2" fmla="*/ 0 w 254"/>
-                <a:gd name="T3" fmla="*/ 254 h 254"/>
-                <a:gd name="T4" fmla="*/ 0 w 254"/>
-                <a:gd name="T5" fmla="*/ 0 h 254"/>
-                <a:gd name="T6" fmla="*/ 254 w 254"/>
-                <a:gd name="T7" fmla="*/ 254 h 254"/>
-              </a:gdLst>
-              <a:ahLst/>
-              <a:cxnLst>
-                <a:cxn ang="0">
-                  <a:pos x="T0" y="T1"/>
-                </a:cxn>
-                <a:cxn ang="0">
-                  <a:pos x="T2" y="T3"/>
-                </a:cxn>
-                <a:cxn ang="0">
-                  <a:pos x="T4" y="T5"/>
-                </a:cxn>
-                <a:cxn ang="0">
-                  <a:pos x="T6" y="T7"/>
-                </a:cxn>
-              </a:cxnLst>
-              <a:rect l="0" t="0" r="r" b="b"/>
-              <a:pathLst>
-                <a:path w="254" h="254">
-                  <a:moveTo>
-                    <a:pt x="254" y="0"/>
-                  </a:moveTo>
-                  <a:lnTo>
-                    <a:pt x="0" y="254"/>
-                  </a:lnTo>
-                  <a:moveTo>
-                    <a:pt x="0" y="0"/>
-                  </a:moveTo>
-                  <a:lnTo>
-                    <a:pt x="254" y="254"/>
-                  </a:lnTo>
-                </a:path>
-              </a:pathLst>
-            </a:custGeom>
-            <a:noFill/>
-            <a:ln w="9525" cap="flat">
-              <a:solidFill>
-                <a:srgbClr val="808080"/>
-              </a:solidFill>
-              <a:prstDash val="solid"/>
-              <a:miter lim="800000"/>
-              <a:headEnd/>
-              <a:tailEnd/>
-            </a:ln>
-            <a:extLst>
-              <a:ext uri="{909E8E84-426E-40DD-AFC4-6F175D3DCCD1}">
-                <a14:hiddenFill xmlns:a14="http://schemas.microsoft.com/office/drawing/2010/main">
-                  <a:solidFill>
-                    <a:srgbClr val="FFFFFF"/>
-                  </a:solidFill>
-                </a14:hiddenFill>
-              </a:ext>
-            </a:extLst>
-          </p:spPr>
-          <p:txBody>
-            <a:bodyPr vert="horz" wrap="square" lIns="91440" tIns="45720" rIns="91440" bIns="45720" numCol="1" anchor="t" anchorCtr="0" compatLnSpc="1">
-              <a:prstTxWarp prst="textNoShape">
-                <a:avLst/>
-              </a:prstTxWarp>
-            </a:bodyPr>
-            <a:lstStyle>
-              <a:defPPr>
-                <a:defRPr lang="en-US"/>
-              </a:defPPr>
-              <a:lvl1pPr marL="0" algn="l" defTabSz="914400" rtl="0" eaLnBrk="1" latinLnBrk="0" hangingPunct="1">
-                <a:defRPr sz="1800" kern="1200">
-                  <a:solidFill>
-                    <a:schemeClr val="tx1"/>
-                  </a:solidFill>
-                  <a:latin typeface="+mn-lt"/>
-                  <a:ea typeface="+mn-ea"/>
-                  <a:cs typeface="+mn-cs"/>
-                </a:defRPr>
-              </a:lvl1pPr>
-              <a:lvl2pPr marL="457200" algn="l" defTabSz="914400" rtl="0" eaLnBrk="1" latinLnBrk="0" hangingPunct="1">
-                <a:defRPr sz="1800" kern="1200">
-                  <a:solidFill>
-                    <a:schemeClr val="tx1"/>
-                  </a:solidFill>
-                  <a:latin typeface="+mn-lt"/>
-                  <a:ea typeface="+mn-ea"/>
-                  <a:cs typeface="+mn-cs"/>
-                </a:defRPr>
-              </a:lvl2pPr>
-              <a:lvl3pPr marL="914400" algn="l" defTabSz="914400" rtl="0" eaLnBrk="1" latinLnBrk="0" hangingPunct="1">
-                <a:defRPr sz="1800" kern="1200">
-                  <a:solidFill>
-                    <a:schemeClr val="tx1"/>
-                  </a:solidFill>
-                  <a:latin typeface="+mn-lt"/>
-                  <a:ea typeface="+mn-ea"/>
-                  <a:cs typeface="+mn-cs"/>
-                </a:defRPr>
-              </a:lvl3pPr>
-              <a:lvl4pPr marL="1371600" algn="l" defTabSz="914400" rtl="0" eaLnBrk="1" latinLnBrk="0" hangingPunct="1">
-                <a:defRPr sz="1800" kern="1200">
-                  <a:solidFill>
-                    <a:schemeClr val="tx1"/>
-                  </a:solidFill>
-                  <a:latin typeface="+mn-lt"/>
-                  <a:ea typeface="+mn-ea"/>
-                  <a:cs typeface="+mn-cs"/>
-                </a:defRPr>
-              </a:lvl4pPr>
-              <a:lvl5pPr marL="1828800" algn="l" defTabSz="914400" rtl="0" eaLnBrk="1" latinLnBrk="0" hangingPunct="1">
-                <a:defRPr sz="1800" kern="1200">
-                  <a:solidFill>
-                    <a:schemeClr val="tx1"/>
-                  </a:solidFill>
-                  <a:latin typeface="+mn-lt"/>
-                  <a:ea typeface="+mn-ea"/>
-                  <a:cs typeface="+mn-cs"/>
-                </a:defRPr>
-              </a:lvl5pPr>
-              <a:lvl6pPr marL="2286000" algn="l" defTabSz="914400" rtl="0" eaLnBrk="1" latinLnBrk="0" hangingPunct="1">
-                <a:defRPr sz="1800" kern="1200">
-                  <a:solidFill>
-                    <a:schemeClr val="tx1"/>
-                  </a:solidFill>
-                  <a:latin typeface="+mn-lt"/>
-                  <a:ea typeface="+mn-ea"/>
-                  <a:cs typeface="+mn-cs"/>
-                </a:defRPr>
-              </a:lvl6pPr>
-              <a:lvl7pPr marL="2743200" algn="l" defTabSz="914400" rtl="0" eaLnBrk="1" latinLnBrk="0" hangingPunct="1">
-                <a:defRPr sz="1800" kern="1200">
-                  <a:solidFill>
-                    <a:schemeClr val="tx1"/>
-                  </a:solidFill>
-                  <a:latin typeface="+mn-lt"/>
-                  <a:ea typeface="+mn-ea"/>
-                  <a:cs typeface="+mn-cs"/>
-                </a:defRPr>
-              </a:lvl7pPr>
-              <a:lvl8pPr marL="3200400" algn="l" defTabSz="914400" rtl="0" eaLnBrk="1" latinLnBrk="0" hangingPunct="1">
-                <a:defRPr sz="1800" kern="1200">
-                  <a:solidFill>
-                    <a:schemeClr val="tx1"/>
-                  </a:solidFill>
-                  <a:latin typeface="+mn-lt"/>
-                  <a:ea typeface="+mn-ea"/>
-                  <a:cs typeface="+mn-cs"/>
-                </a:defRPr>
-              </a:lvl8pPr>
-              <a:lvl9pPr marL="3657600" algn="l" defTabSz="914400" rtl="0" eaLnBrk="1" latinLnBrk="0" hangingPunct="1">
-                <a:defRPr sz="1800" kern="1200">
-                  <a:solidFill>
-                    <a:schemeClr val="tx1"/>
-                  </a:solidFill>
-                  <a:latin typeface="+mn-lt"/>
-                  <a:ea typeface="+mn-ea"/>
-                  <a:cs typeface="+mn-cs"/>
-                </a:defRPr>
-              </a:lvl9pPr>
-            </a:lstStyle>
-            <a:p>
-              <a:endParaRPr lang="en-US">
-                <a:solidFill>
-                  <a:srgbClr val="5F5F5F"/>
-                </a:solidFill>
-                <a:latin typeface="Segoe UI" panose="020B0502040204020203" pitchFamily="34" charset="0"/>
-                <a:cs typeface="Segoe UI" panose="020B0502040204020203" pitchFamily="34" charset="0"/>
-              </a:endParaRPr>
-            </a:p>
-          </p:txBody>
-        </p:sp>
-        <p:sp>
-          <p:nvSpPr>
-            <p:cNvPr id="9" name="Address Box" descr="&lt;SmartSettings&gt;&lt;SmartResize anchorLeft=&quot;Absolute&quot; anchorTop=&quot;Absolute&quot; anchorRight=&quot;Absolute&quot; anchorBottom=&quot;None&quot; /&gt;&lt;/SmartSettings&gt;">
-              <a:extLst>
-                <a:ext uri="{FF2B5EF4-FFF2-40B4-BE49-F238E27FC236}">
-                  <a16:creationId xmlns:a16="http://schemas.microsoft.com/office/drawing/2014/main" id="{0AD44259-25D0-45CB-8874-76349C377B50}"/>
-                </a:ext>
-              </a:extLst>
-            </p:cNvPr>
-            <p:cNvSpPr/>
-            <p:nvPr>
-              <p:custDataLst>
-                <p:tags r:id="rId18"/>
-              </p:custDataLst>
-            </p:nvPr>
-          </p:nvSpPr>
-          <p:spPr>
-            <a:xfrm>
-              <a:off x="1298138" y="1427364"/>
-              <a:ext cx="5711965" cy="161173"/>
-            </a:xfrm>
-            <a:prstGeom prst="rect">
-              <a:avLst/>
-            </a:prstGeom>
-            <a:solidFill>
-              <a:srgbClr val="FFFFFF"/>
-            </a:solidFill>
-            <a:ln w="6350">
-              <a:solidFill>
-                <a:srgbClr val="808080"/>
-              </a:solidFill>
-            </a:ln>
-          </p:spPr>
-          <p:style>
-            <a:lnRef idx="2">
-              <a:schemeClr val="accent1">
-                <a:shade val="50000"/>
-              </a:schemeClr>
-            </a:lnRef>
-            <a:fillRef idx="1">
-              <a:schemeClr val="accent1"/>
-            </a:fillRef>
-            <a:effectRef idx="0">
-              <a:schemeClr val="accent1"/>
-            </a:effectRef>
-            <a:fontRef idx="minor">
-              <a:schemeClr val="lt1"/>
-            </a:fontRef>
-          </p:style>
-          <p:txBody>
-            <a:bodyPr rot="0" spcFirstLastPara="0" vert="horz" wrap="square" lIns="237744" tIns="45720" rIns="91440" bIns="45720" numCol="1" spcCol="0" rtlCol="0" fromWordArt="0" anchor="ctr" anchorCtr="0" forceAA="0" compatLnSpc="1">
-              <a:prstTxWarp prst="textNoShape">
-                <a:avLst/>
-              </a:prstTxWarp>
-              <a:noAutofit/>
-            </a:bodyPr>
-            <a:lstStyle>
-              <a:defPPr>
-                <a:defRPr lang="en-US"/>
-              </a:defPPr>
-              <a:lvl1pPr marL="0" algn="l" defTabSz="914400" rtl="0" eaLnBrk="1" latinLnBrk="0" hangingPunct="1">
-                <a:defRPr sz="1800" kern="1200">
-                  <a:solidFill>
-                    <a:schemeClr val="lt1"/>
-                  </a:solidFill>
-                  <a:latin typeface="+mn-lt"/>
-                  <a:ea typeface="+mn-ea"/>
-                  <a:cs typeface="+mn-cs"/>
-                </a:defRPr>
-              </a:lvl1pPr>
-              <a:lvl2pPr marL="457200" algn="l" defTabSz="914400" rtl="0" eaLnBrk="1" latinLnBrk="0" hangingPunct="1">
-                <a:defRPr sz="1800" kern="1200">
-                  <a:solidFill>
-                    <a:schemeClr val="lt1"/>
-                  </a:solidFill>
-                  <a:latin typeface="+mn-lt"/>
-                  <a:ea typeface="+mn-ea"/>
-                  <a:cs typeface="+mn-cs"/>
-                </a:defRPr>
-              </a:lvl2pPr>
-              <a:lvl3pPr marL="914400" algn="l" defTabSz="914400" rtl="0" eaLnBrk="1" latinLnBrk="0" hangingPunct="1">
-                <a:defRPr sz="1800" kern="1200">
-                  <a:solidFill>
-                    <a:schemeClr val="lt1"/>
-                  </a:solidFill>
-                  <a:latin typeface="+mn-lt"/>
-                  <a:ea typeface="+mn-ea"/>
-                  <a:cs typeface="+mn-cs"/>
-                </a:defRPr>
-              </a:lvl3pPr>
-              <a:lvl4pPr marL="1371600" algn="l" defTabSz="914400" rtl="0" eaLnBrk="1" latinLnBrk="0" hangingPunct="1">
-                <a:defRPr sz="1800" kern="1200">
-                  <a:solidFill>
-                    <a:schemeClr val="lt1"/>
-                  </a:solidFill>
-                  <a:latin typeface="+mn-lt"/>
-                  <a:ea typeface="+mn-ea"/>
-                  <a:cs typeface="+mn-cs"/>
-                </a:defRPr>
-              </a:lvl4pPr>
-              <a:lvl5pPr marL="1828800" algn="l" defTabSz="914400" rtl="0" eaLnBrk="1" latinLnBrk="0" hangingPunct="1">
-                <a:defRPr sz="1800" kern="1200">
-                  <a:solidFill>
-                    <a:schemeClr val="lt1"/>
-                  </a:solidFill>
-                  <a:latin typeface="+mn-lt"/>
-                  <a:ea typeface="+mn-ea"/>
-                  <a:cs typeface="+mn-cs"/>
-                </a:defRPr>
-              </a:lvl5pPr>
-              <a:lvl6pPr marL="2286000" algn="l" defTabSz="914400" rtl="0" eaLnBrk="1" latinLnBrk="0" hangingPunct="1">
-                <a:defRPr sz="1800" kern="1200">
-                  <a:solidFill>
-                    <a:schemeClr val="lt1"/>
-                  </a:solidFill>
-                  <a:latin typeface="+mn-lt"/>
-                  <a:ea typeface="+mn-ea"/>
-                  <a:cs typeface="+mn-cs"/>
-                </a:defRPr>
-              </a:lvl6pPr>
-              <a:lvl7pPr marL="2743200" algn="l" defTabSz="914400" rtl="0" eaLnBrk="1" latinLnBrk="0" hangingPunct="1">
-                <a:defRPr sz="1800" kern="1200">
-                  <a:solidFill>
-                    <a:schemeClr val="lt1"/>
-                  </a:solidFill>
-                  <a:latin typeface="+mn-lt"/>
-                  <a:ea typeface="+mn-ea"/>
-                  <a:cs typeface="+mn-cs"/>
-                </a:defRPr>
-              </a:lvl7pPr>
-              <a:lvl8pPr marL="3200400" algn="l" defTabSz="914400" rtl="0" eaLnBrk="1" latinLnBrk="0" hangingPunct="1">
-                <a:defRPr sz="1800" kern="1200">
-                  <a:solidFill>
-                    <a:schemeClr val="lt1"/>
-                  </a:solidFill>
-                  <a:latin typeface="+mn-lt"/>
-                  <a:ea typeface="+mn-ea"/>
-                  <a:cs typeface="+mn-cs"/>
-                </a:defRPr>
-              </a:lvl8pPr>
-              <a:lvl9pPr marL="3657600" algn="l" defTabSz="914400" rtl="0" eaLnBrk="1" latinLnBrk="0" hangingPunct="1">
-                <a:defRPr sz="1800" kern="1200">
-                  <a:solidFill>
-                    <a:schemeClr val="lt1"/>
-                  </a:solidFill>
-                  <a:latin typeface="+mn-lt"/>
-                  <a:ea typeface="+mn-ea"/>
-                  <a:cs typeface="+mn-cs"/>
-                </a:defRPr>
-              </a:lvl9pPr>
-            </a:lstStyle>
-            <a:p>
-              <a:r>
-                <a:rPr lang="en-US" sz="900" noProof="1">
-                  <a:solidFill>
-                    <a:srgbClr val="5F5F5F"/>
-                  </a:solidFill>
-                  <a:latin typeface="Segoe UI" panose="020B0502040204020203" pitchFamily="34" charset="0"/>
-                  <a:cs typeface="Segoe UI" panose="020B0502040204020203" pitchFamily="34" charset="0"/>
-                </a:rPr>
-                <a:t>www.example.com</a:t>
-              </a:r>
-            </a:p>
-          </p:txBody>
-        </p:sp>
-        <p:sp>
-          <p:nvSpPr>
-            <p:cNvPr id="10" name="Document Icon" descr="&lt;SmartSettings&gt;&lt;SmartResize anchorLeft=&quot;Absolute&quot; anchorTop=&quot;Absolute&quot; anchorRight=&quot;None&quot; anchorBottom=&quot;None&quot; /&gt;&lt;/SmartSettings&gt;">
-              <a:extLst>
-                <a:ext uri="{FF2B5EF4-FFF2-40B4-BE49-F238E27FC236}">
-                  <a16:creationId xmlns:a16="http://schemas.microsoft.com/office/drawing/2014/main" id="{AAAFAE31-7749-4E69-93CC-B2D6512D93E1}"/>
-                </a:ext>
-              </a:extLst>
-            </p:cNvPr>
-            <p:cNvSpPr>
-              <a:spLocks noChangeAspect="1" noEditPoints="1"/>
-            </p:cNvSpPr>
-            <p:nvPr>
-              <p:custDataLst>
-                <p:tags r:id="rId19"/>
-              </p:custDataLst>
-            </p:nvPr>
-          </p:nvSpPr>
-          <p:spPr bwMode="auto">
-            <a:xfrm>
-              <a:off x="1357361" y="1462748"/>
-              <a:ext cx="72868" cy="90401"/>
-            </a:xfrm>
-            <a:custGeom>
-              <a:avLst/>
-              <a:gdLst>
-                <a:gd name="T0" fmla="*/ 153 w 260"/>
-                <a:gd name="T1" fmla="*/ 7 h 367"/>
-                <a:gd name="T2" fmla="*/ 153 w 260"/>
-                <a:gd name="T3" fmla="*/ 108 h 367"/>
-                <a:gd name="T4" fmla="*/ 253 w 260"/>
-                <a:gd name="T5" fmla="*/ 108 h 367"/>
-                <a:gd name="T6" fmla="*/ 0 w 260"/>
-                <a:gd name="T7" fmla="*/ 0 h 367"/>
-                <a:gd name="T8" fmla="*/ 0 w 260"/>
-                <a:gd name="T9" fmla="*/ 367 h 367"/>
-                <a:gd name="T10" fmla="*/ 260 w 260"/>
-                <a:gd name="T11" fmla="*/ 367 h 367"/>
-                <a:gd name="T12" fmla="*/ 260 w 260"/>
-                <a:gd name="T13" fmla="*/ 100 h 367"/>
-                <a:gd name="T14" fmla="*/ 161 w 260"/>
-                <a:gd name="T15" fmla="*/ 1 h 367"/>
-                <a:gd name="T16" fmla="*/ 0 w 260"/>
-                <a:gd name="T17" fmla="*/ 0 h 367"/>
-              </a:gdLst>
-              <a:ahLst/>
-              <a:cxnLst>
-                <a:cxn ang="0">
-                  <a:pos x="T0" y="T1"/>
-                </a:cxn>
-                <a:cxn ang="0">
-                  <a:pos x="T2" y="T3"/>
-                </a:cxn>
-                <a:cxn ang="0">
-                  <a:pos x="T4" y="T5"/>
-                </a:cxn>
-                <a:cxn ang="0">
-                  <a:pos x="T6" y="T7"/>
-                </a:cxn>
-                <a:cxn ang="0">
-                  <a:pos x="T8" y="T9"/>
-                </a:cxn>
-                <a:cxn ang="0">
-                  <a:pos x="T10" y="T11"/>
-                </a:cxn>
-                <a:cxn ang="0">
-                  <a:pos x="T12" y="T13"/>
-                </a:cxn>
-                <a:cxn ang="0">
-                  <a:pos x="T14" y="T15"/>
-                </a:cxn>
-                <a:cxn ang="0">
-                  <a:pos x="T16" y="T17"/>
-                </a:cxn>
-              </a:cxnLst>
-              <a:rect l="0" t="0" r="r" b="b"/>
-              <a:pathLst>
-                <a:path w="260" h="367">
-                  <a:moveTo>
-                    <a:pt x="153" y="7"/>
-                  </a:moveTo>
-                  <a:lnTo>
-                    <a:pt x="153" y="108"/>
-                  </a:lnTo>
-                  <a:lnTo>
-                    <a:pt x="253" y="108"/>
-                  </a:lnTo>
-                  <a:moveTo>
-                    <a:pt x="0" y="0"/>
-                  </a:moveTo>
-                  <a:lnTo>
-                    <a:pt x="0" y="367"/>
-                  </a:lnTo>
-                  <a:lnTo>
-                    <a:pt x="260" y="367"/>
-                  </a:lnTo>
-                  <a:lnTo>
-                    <a:pt x="260" y="100"/>
-                  </a:lnTo>
-                  <a:lnTo>
-                    <a:pt x="161" y="1"/>
-                  </a:lnTo>
-                  <a:lnTo>
-                    <a:pt x="0" y="0"/>
-                  </a:lnTo>
-                  <a:close/>
-                </a:path>
-              </a:pathLst>
-            </a:custGeom>
-            <a:noFill/>
-            <a:ln w="6350" cap="flat">
-              <a:solidFill>
-                <a:srgbClr val="808080"/>
-              </a:solidFill>
-              <a:prstDash val="solid"/>
-              <a:miter lim="800000"/>
-              <a:headEnd/>
-              <a:tailEnd/>
-            </a:ln>
-            <a:extLst>
-              <a:ext uri="{909E8E84-426E-40DD-AFC4-6F175D3DCCD1}">
-                <a14:hiddenFill xmlns:a14="http://schemas.microsoft.com/office/drawing/2010/main">
-                  <a:solidFill>
-                    <a:srgbClr val="FFFFFF"/>
-                  </a:solidFill>
-                </a14:hiddenFill>
-              </a:ext>
-            </a:extLst>
-          </p:spPr>
-          <p:txBody>
-            <a:bodyPr vert="horz" wrap="square" lIns="91440" tIns="45720" rIns="91440" bIns="45720" numCol="1" anchor="t" anchorCtr="0" compatLnSpc="1">
-              <a:prstTxWarp prst="textNoShape">
-                <a:avLst/>
-              </a:prstTxWarp>
-            </a:bodyPr>
-            <a:lstStyle>
-              <a:defPPr>
-                <a:defRPr lang="en-US"/>
-              </a:defPPr>
-              <a:lvl1pPr marL="0" algn="l" defTabSz="914400" rtl="0" eaLnBrk="1" latinLnBrk="0" hangingPunct="1">
-                <a:defRPr sz="1800" kern="1200">
-                  <a:solidFill>
-                    <a:schemeClr val="tx1"/>
-                  </a:solidFill>
-                  <a:latin typeface="+mn-lt"/>
-                  <a:ea typeface="+mn-ea"/>
-                  <a:cs typeface="+mn-cs"/>
-                </a:defRPr>
-              </a:lvl1pPr>
-              <a:lvl2pPr marL="457200" algn="l" defTabSz="914400" rtl="0" eaLnBrk="1" latinLnBrk="0" hangingPunct="1">
-                <a:defRPr sz="1800" kern="1200">
-                  <a:solidFill>
-                    <a:schemeClr val="tx1"/>
-                  </a:solidFill>
-                  <a:latin typeface="+mn-lt"/>
-                  <a:ea typeface="+mn-ea"/>
-                  <a:cs typeface="+mn-cs"/>
-                </a:defRPr>
-              </a:lvl2pPr>
-              <a:lvl3pPr marL="914400" algn="l" defTabSz="914400" rtl="0" eaLnBrk="1" latinLnBrk="0" hangingPunct="1">
-                <a:defRPr sz="1800" kern="1200">
-                  <a:solidFill>
-                    <a:schemeClr val="tx1"/>
-                  </a:solidFill>
-                  <a:latin typeface="+mn-lt"/>
-                  <a:ea typeface="+mn-ea"/>
-                  <a:cs typeface="+mn-cs"/>
-                </a:defRPr>
-              </a:lvl3pPr>
-              <a:lvl4pPr marL="1371600" algn="l" defTabSz="914400" rtl="0" eaLnBrk="1" latinLnBrk="0" hangingPunct="1">
-                <a:defRPr sz="1800" kern="1200">
-                  <a:solidFill>
-                    <a:schemeClr val="tx1"/>
-                  </a:solidFill>
-                  <a:latin typeface="+mn-lt"/>
-                  <a:ea typeface="+mn-ea"/>
-                  <a:cs typeface="+mn-cs"/>
-                </a:defRPr>
-              </a:lvl4pPr>
-              <a:lvl5pPr marL="1828800" algn="l" defTabSz="914400" rtl="0" eaLnBrk="1" latinLnBrk="0" hangingPunct="1">
-                <a:defRPr sz="1800" kern="1200">
-                  <a:solidFill>
-                    <a:schemeClr val="tx1"/>
-                  </a:solidFill>
-                  <a:latin typeface="+mn-lt"/>
-                  <a:ea typeface="+mn-ea"/>
-                  <a:cs typeface="+mn-cs"/>
-                </a:defRPr>
-              </a:lvl5pPr>
-              <a:lvl6pPr marL="2286000" algn="l" defTabSz="914400" rtl="0" eaLnBrk="1" latinLnBrk="0" hangingPunct="1">
-                <a:defRPr sz="1800" kern="1200">
-                  <a:solidFill>
-                    <a:schemeClr val="tx1"/>
-                  </a:solidFill>
-                  <a:latin typeface="+mn-lt"/>
-                  <a:ea typeface="+mn-ea"/>
-                  <a:cs typeface="+mn-cs"/>
-                </a:defRPr>
-              </a:lvl6pPr>
-              <a:lvl7pPr marL="2743200" algn="l" defTabSz="914400" rtl="0" eaLnBrk="1" latinLnBrk="0" hangingPunct="1">
-                <a:defRPr sz="1800" kern="1200">
-                  <a:solidFill>
-                    <a:schemeClr val="tx1"/>
-                  </a:solidFill>
-                  <a:latin typeface="+mn-lt"/>
-                  <a:ea typeface="+mn-ea"/>
-                  <a:cs typeface="+mn-cs"/>
-                </a:defRPr>
-              </a:lvl7pPr>
-              <a:lvl8pPr marL="3200400" algn="l" defTabSz="914400" rtl="0" eaLnBrk="1" latinLnBrk="0" hangingPunct="1">
-                <a:defRPr sz="1800" kern="1200">
-                  <a:solidFill>
-                    <a:schemeClr val="tx1"/>
-                  </a:solidFill>
-                  <a:latin typeface="+mn-lt"/>
-                  <a:ea typeface="+mn-ea"/>
-                  <a:cs typeface="+mn-cs"/>
-                </a:defRPr>
-              </a:lvl8pPr>
-              <a:lvl9pPr marL="3657600" algn="l" defTabSz="914400" rtl="0" eaLnBrk="1" latinLnBrk="0" hangingPunct="1">
-                <a:defRPr sz="1800" kern="1200">
-                  <a:solidFill>
-                    <a:schemeClr val="tx1"/>
-                  </a:solidFill>
-                  <a:latin typeface="+mn-lt"/>
-                  <a:ea typeface="+mn-ea"/>
-                  <a:cs typeface="+mn-cs"/>
-                </a:defRPr>
-              </a:lvl9pPr>
-            </a:lstStyle>
-            <a:p>
-              <a:endParaRPr lang="en-US">
-                <a:solidFill>
-                  <a:srgbClr val="5F5F5F"/>
-                </a:solidFill>
-                <a:latin typeface="Segoe UI" panose="020B0502040204020203" pitchFamily="34" charset="0"/>
-                <a:cs typeface="Segoe UI" panose="020B0502040204020203" pitchFamily="34" charset="0"/>
-              </a:endParaRPr>
-            </a:p>
-          </p:txBody>
-        </p:sp>
-        <p:grpSp>
-          <p:nvGrpSpPr>
-            <p:cNvPr id="11" name="Navigation Buttons">
-              <a:extLst>
-                <a:ext uri="{FF2B5EF4-FFF2-40B4-BE49-F238E27FC236}">
-                  <a16:creationId xmlns:a16="http://schemas.microsoft.com/office/drawing/2014/main" id="{777CDA36-9881-4290-B170-2874A82A4764}"/>
-                </a:ext>
-              </a:extLst>
-            </p:cNvPr>
-            <p:cNvGrpSpPr/>
-            <p:nvPr/>
-          </p:nvGrpSpPr>
-          <p:grpSpPr>
-            <a:xfrm>
-              <a:off x="693642" y="1449296"/>
-              <a:ext cx="498961" cy="117307"/>
-              <a:chOff x="693642" y="1449296"/>
-              <a:chExt cx="498961" cy="117307"/>
-            </a:xfrm>
-          </p:grpSpPr>
-          <p:sp>
-            <p:nvSpPr>
-              <p:cNvPr id="12" name="Back Button" descr="&lt;SmartSettings&gt;&lt;SmartResize anchorLeft=&quot;Absolute&quot; anchorTop=&quot;Absolute&quot; anchorRight=&quot;None&quot; anchorBottom=&quot;None&quot; /&gt;&lt;/SmartSettings&gt;">
-                <a:extLst>
-                  <a:ext uri="{FF2B5EF4-FFF2-40B4-BE49-F238E27FC236}">
-                    <a16:creationId xmlns:a16="http://schemas.microsoft.com/office/drawing/2014/main" id="{13B515DE-1AE4-47F1-8103-C557E9E8E357}"/>
-                  </a:ext>
-                </a:extLst>
-              </p:cNvPr>
-              <p:cNvSpPr>
-                <a:spLocks noChangeAspect="1" noEditPoints="1"/>
-              </p:cNvSpPr>
-              <p:nvPr>
-                <p:custDataLst>
-                  <p:tags r:id="rId20"/>
-                </p:custDataLst>
-              </p:nvPr>
-            </p:nvSpPr>
-            <p:spPr bwMode="auto">
-              <a:xfrm>
-                <a:off x="693642" y="1467054"/>
-                <a:ext cx="118565" cy="81792"/>
-              </a:xfrm>
-              <a:custGeom>
-                <a:avLst/>
-                <a:gdLst>
-                  <a:gd name="T0" fmla="*/ 159 w 423"/>
-                  <a:gd name="T1" fmla="*/ 332 h 332"/>
-                  <a:gd name="T2" fmla="*/ 0 w 423"/>
-                  <a:gd name="T3" fmla="*/ 166 h 332"/>
-                  <a:gd name="T4" fmla="*/ 159 w 423"/>
-                  <a:gd name="T5" fmla="*/ 0 h 332"/>
-                  <a:gd name="T6" fmla="*/ 15 w 423"/>
-                  <a:gd name="T7" fmla="*/ 166 h 332"/>
-                  <a:gd name="T8" fmla="*/ 423 w 423"/>
-                  <a:gd name="T9" fmla="*/ 166 h 332"/>
-                </a:gdLst>
-                <a:ahLst/>
-                <a:cxnLst>
-                  <a:cxn ang="0">
-                    <a:pos x="T0" y="T1"/>
-                  </a:cxn>
-                  <a:cxn ang="0">
-                    <a:pos x="T2" y="T3"/>
-                  </a:cxn>
-                  <a:cxn ang="0">
-                    <a:pos x="T4" y="T5"/>
-                  </a:cxn>
-                  <a:cxn ang="0">
-                    <a:pos x="T6" y="T7"/>
-                  </a:cxn>
-                  <a:cxn ang="0">
-                    <a:pos x="T8" y="T9"/>
-                  </a:cxn>
-                </a:cxnLst>
-                <a:rect l="0" t="0" r="r" b="b"/>
-                <a:pathLst>
-                  <a:path w="423" h="332">
-                    <a:moveTo>
-                      <a:pt x="159" y="332"/>
-                    </a:moveTo>
-                    <a:lnTo>
-                      <a:pt x="0" y="166"/>
-                    </a:lnTo>
-                    <a:lnTo>
-                      <a:pt x="159" y="0"/>
-                    </a:lnTo>
-                    <a:moveTo>
-                      <a:pt x="15" y="166"/>
-                    </a:moveTo>
-                    <a:lnTo>
-                      <a:pt x="423" y="166"/>
-                    </a:lnTo>
-                  </a:path>
-                </a:pathLst>
-              </a:custGeom>
-              <a:noFill/>
-              <a:ln w="6350" cap="sq">
-                <a:solidFill>
-                  <a:srgbClr val="808080"/>
-                </a:solidFill>
-                <a:prstDash val="solid"/>
-                <a:miter lim="800000"/>
-                <a:headEnd/>
-                <a:tailEnd/>
-              </a:ln>
-              <a:extLst>
-                <a:ext uri="{909E8E84-426E-40DD-AFC4-6F175D3DCCD1}">
-                  <a14:hiddenFill xmlns:a14="http://schemas.microsoft.com/office/drawing/2010/main">
-                    <a:solidFill>
-                      <a:srgbClr val="FFFFFF"/>
-                    </a:solidFill>
-                  </a14:hiddenFill>
-                </a:ext>
-              </a:extLst>
-            </p:spPr>
-            <p:txBody>
-              <a:bodyPr vert="horz" wrap="square" lIns="91440" tIns="45720" rIns="91440" bIns="45720" numCol="1" anchor="t" anchorCtr="0" compatLnSpc="1">
-                <a:prstTxWarp prst="textNoShape">
-                  <a:avLst/>
-                </a:prstTxWarp>
-              </a:bodyPr>
-              <a:lstStyle>
-                <a:defPPr>
-                  <a:defRPr lang="en-US"/>
-                </a:defPPr>
-                <a:lvl1pPr marL="0" algn="l" defTabSz="914400" rtl="0" eaLnBrk="1" latinLnBrk="0" hangingPunct="1">
-                  <a:defRPr sz="1800" kern="1200">
-                    <a:solidFill>
-                      <a:schemeClr val="tx1"/>
-                    </a:solidFill>
-                    <a:latin typeface="+mn-lt"/>
-                    <a:ea typeface="+mn-ea"/>
-                    <a:cs typeface="+mn-cs"/>
-                  </a:defRPr>
-                </a:lvl1pPr>
-                <a:lvl2pPr marL="457200" algn="l" defTabSz="914400" rtl="0" eaLnBrk="1" latinLnBrk="0" hangingPunct="1">
-                  <a:defRPr sz="1800" kern="1200">
-                    <a:solidFill>
-                      <a:schemeClr val="tx1"/>
-                    </a:solidFill>
-                    <a:latin typeface="+mn-lt"/>
-                    <a:ea typeface="+mn-ea"/>
-                    <a:cs typeface="+mn-cs"/>
-                  </a:defRPr>
-                </a:lvl2pPr>
-                <a:lvl3pPr marL="914400" algn="l" defTabSz="914400" rtl="0" eaLnBrk="1" latinLnBrk="0" hangingPunct="1">
-                  <a:defRPr sz="1800" kern="1200">
-                    <a:solidFill>
-                      <a:schemeClr val="tx1"/>
-                    </a:solidFill>
-                    <a:latin typeface="+mn-lt"/>
-                    <a:ea typeface="+mn-ea"/>
-                    <a:cs typeface="+mn-cs"/>
-                  </a:defRPr>
-                </a:lvl3pPr>
-                <a:lvl4pPr marL="1371600" algn="l" defTabSz="914400" rtl="0" eaLnBrk="1" latinLnBrk="0" hangingPunct="1">
-                  <a:defRPr sz="1800" kern="1200">
-                    <a:solidFill>
-                      <a:schemeClr val="tx1"/>
-                    </a:solidFill>
-                    <a:latin typeface="+mn-lt"/>
-                    <a:ea typeface="+mn-ea"/>
-                    <a:cs typeface="+mn-cs"/>
-                  </a:defRPr>
-                </a:lvl4pPr>
-                <a:lvl5pPr marL="1828800" algn="l" defTabSz="914400" rtl="0" eaLnBrk="1" latinLnBrk="0" hangingPunct="1">
-                  <a:defRPr sz="1800" kern="1200">
-                    <a:solidFill>
-                      <a:schemeClr val="tx1"/>
-                    </a:solidFill>
-                    <a:latin typeface="+mn-lt"/>
-                    <a:ea typeface="+mn-ea"/>
-                    <a:cs typeface="+mn-cs"/>
-                  </a:defRPr>
-                </a:lvl5pPr>
-                <a:lvl6pPr marL="2286000" algn="l" defTabSz="914400" rtl="0" eaLnBrk="1" latinLnBrk="0" hangingPunct="1">
-                  <a:defRPr sz="1800" kern="1200">
-                    <a:solidFill>
-                      <a:schemeClr val="tx1"/>
-                    </a:solidFill>
-                    <a:latin typeface="+mn-lt"/>
-                    <a:ea typeface="+mn-ea"/>
-                    <a:cs typeface="+mn-cs"/>
-                  </a:defRPr>
-                </a:lvl6pPr>
-                <a:lvl7pPr marL="2743200" algn="l" defTabSz="914400" rtl="0" eaLnBrk="1" latinLnBrk="0" hangingPunct="1">
-                  <a:defRPr sz="1800" kern="1200">
-                    <a:solidFill>
-                      <a:schemeClr val="tx1"/>
-                    </a:solidFill>
-                    <a:latin typeface="+mn-lt"/>
-                    <a:ea typeface="+mn-ea"/>
-                    <a:cs typeface="+mn-cs"/>
-                  </a:defRPr>
-                </a:lvl7pPr>
-                <a:lvl8pPr marL="3200400" algn="l" defTabSz="914400" rtl="0" eaLnBrk="1" latinLnBrk="0" hangingPunct="1">
-                  <a:defRPr sz="1800" kern="1200">
-                    <a:solidFill>
-                      <a:schemeClr val="tx1"/>
-                    </a:solidFill>
-                    <a:latin typeface="+mn-lt"/>
-                    <a:ea typeface="+mn-ea"/>
-                    <a:cs typeface="+mn-cs"/>
-                  </a:defRPr>
-                </a:lvl8pPr>
-                <a:lvl9pPr marL="3657600" algn="l" defTabSz="914400" rtl="0" eaLnBrk="1" latinLnBrk="0" hangingPunct="1">
-                  <a:defRPr sz="1800" kern="1200">
-                    <a:solidFill>
-                      <a:schemeClr val="tx1"/>
-                    </a:solidFill>
-                    <a:latin typeface="+mn-lt"/>
-                    <a:ea typeface="+mn-ea"/>
-                    <a:cs typeface="+mn-cs"/>
-                  </a:defRPr>
-                </a:lvl9pPr>
-              </a:lstStyle>
-              <a:p>
-                <a:endParaRPr lang="en-US">
-                  <a:solidFill>
-                    <a:srgbClr val="5F5F5F"/>
-                  </a:solidFill>
-                  <a:latin typeface="Segoe UI" panose="020B0502040204020203" pitchFamily="34" charset="0"/>
-                  <a:cs typeface="Segoe UI" panose="020B0502040204020203" pitchFamily="34" charset="0"/>
-                </a:endParaRPr>
-              </a:p>
-            </p:txBody>
-          </p:sp>
-          <p:sp>
-            <p:nvSpPr>
-              <p:cNvPr id="13" name="Forward Button" descr="&lt;SmartSettings&gt;&lt;SmartResize anchorLeft=&quot;Absolute&quot; anchorTop=&quot;Absolute&quot; anchorRight=&quot;None&quot; anchorBottom=&quot;None&quot; /&gt;&lt;/SmartSettings&gt;">
-                <a:extLst>
-                  <a:ext uri="{FF2B5EF4-FFF2-40B4-BE49-F238E27FC236}">
-                    <a16:creationId xmlns:a16="http://schemas.microsoft.com/office/drawing/2014/main" id="{3380B1A6-C917-46CA-BB78-3860E6FCD957}"/>
-                  </a:ext>
-                </a:extLst>
-              </p:cNvPr>
-              <p:cNvSpPr>
-                <a:spLocks noChangeAspect="1" noEditPoints="1"/>
-              </p:cNvSpPr>
-              <p:nvPr>
-                <p:custDataLst>
-                  <p:tags r:id="rId21"/>
-                </p:custDataLst>
-              </p:nvPr>
-            </p:nvSpPr>
-            <p:spPr bwMode="auto">
-              <a:xfrm>
-                <a:off x="881370" y="1467054"/>
-                <a:ext cx="118565" cy="81792"/>
-              </a:xfrm>
-              <a:custGeom>
-                <a:avLst/>
-                <a:gdLst>
-                  <a:gd name="T0" fmla="*/ 265 w 423"/>
-                  <a:gd name="T1" fmla="*/ 0 h 332"/>
-                  <a:gd name="T2" fmla="*/ 423 w 423"/>
-                  <a:gd name="T3" fmla="*/ 166 h 332"/>
-                  <a:gd name="T4" fmla="*/ 265 w 423"/>
-                  <a:gd name="T5" fmla="*/ 332 h 332"/>
-                  <a:gd name="T6" fmla="*/ 408 w 423"/>
-                  <a:gd name="T7" fmla="*/ 166 h 332"/>
-                  <a:gd name="T8" fmla="*/ 0 w 423"/>
-                  <a:gd name="T9" fmla="*/ 166 h 332"/>
-                </a:gdLst>
-                <a:ahLst/>
-                <a:cxnLst>
-                  <a:cxn ang="0">
-                    <a:pos x="T0" y="T1"/>
-                  </a:cxn>
-                  <a:cxn ang="0">
-                    <a:pos x="T2" y="T3"/>
-                  </a:cxn>
-                  <a:cxn ang="0">
-                    <a:pos x="T4" y="T5"/>
-                  </a:cxn>
-                  <a:cxn ang="0">
-                    <a:pos x="T6" y="T7"/>
-                  </a:cxn>
-                  <a:cxn ang="0">
-                    <a:pos x="T8" y="T9"/>
-                  </a:cxn>
-                </a:cxnLst>
-                <a:rect l="0" t="0" r="r" b="b"/>
-                <a:pathLst>
-                  <a:path w="423" h="332">
-                    <a:moveTo>
-                      <a:pt x="265" y="0"/>
-                    </a:moveTo>
-                    <a:lnTo>
-                      <a:pt x="423" y="166"/>
-                    </a:lnTo>
-                    <a:lnTo>
-                      <a:pt x="265" y="332"/>
-                    </a:lnTo>
-                    <a:moveTo>
-                      <a:pt x="408" y="166"/>
-                    </a:moveTo>
-                    <a:lnTo>
-                      <a:pt x="0" y="166"/>
-                    </a:lnTo>
-                  </a:path>
-                </a:pathLst>
-              </a:custGeom>
-              <a:noFill/>
-              <a:ln w="6350" cap="sq">
-                <a:solidFill>
-                  <a:srgbClr val="808080"/>
-                </a:solidFill>
-                <a:prstDash val="solid"/>
-                <a:miter lim="800000"/>
-                <a:headEnd/>
-                <a:tailEnd/>
-              </a:ln>
-              <a:extLst>
-                <a:ext uri="{909E8E84-426E-40DD-AFC4-6F175D3DCCD1}">
-                  <a14:hiddenFill xmlns:a14="http://schemas.microsoft.com/office/drawing/2010/main">
-                    <a:solidFill>
-                      <a:srgbClr val="FFFFFF"/>
-                    </a:solidFill>
-                  </a14:hiddenFill>
-                </a:ext>
-              </a:extLst>
-            </p:spPr>
-            <p:txBody>
-              <a:bodyPr vert="horz" wrap="square" lIns="91440" tIns="45720" rIns="91440" bIns="45720" numCol="1" anchor="t" anchorCtr="0" compatLnSpc="1">
-                <a:prstTxWarp prst="textNoShape">
-                  <a:avLst/>
-                </a:prstTxWarp>
-              </a:bodyPr>
-              <a:lstStyle>
-                <a:defPPr>
-                  <a:defRPr lang="en-US"/>
-                </a:defPPr>
-                <a:lvl1pPr marL="0" algn="l" defTabSz="914400" rtl="0" eaLnBrk="1" latinLnBrk="0" hangingPunct="1">
-                  <a:defRPr sz="1800" kern="1200">
-                    <a:solidFill>
-                      <a:schemeClr val="tx1"/>
-                    </a:solidFill>
-                    <a:latin typeface="+mn-lt"/>
-                    <a:ea typeface="+mn-ea"/>
-                    <a:cs typeface="+mn-cs"/>
-                  </a:defRPr>
-                </a:lvl1pPr>
-                <a:lvl2pPr marL="457200" algn="l" defTabSz="914400" rtl="0" eaLnBrk="1" latinLnBrk="0" hangingPunct="1">
-                  <a:defRPr sz="1800" kern="1200">
-                    <a:solidFill>
-                      <a:schemeClr val="tx1"/>
-                    </a:solidFill>
-                    <a:latin typeface="+mn-lt"/>
-                    <a:ea typeface="+mn-ea"/>
-                    <a:cs typeface="+mn-cs"/>
-                  </a:defRPr>
-                </a:lvl2pPr>
-                <a:lvl3pPr marL="914400" algn="l" defTabSz="914400" rtl="0" eaLnBrk="1" latinLnBrk="0" hangingPunct="1">
-                  <a:defRPr sz="1800" kern="1200">
-                    <a:solidFill>
-                      <a:schemeClr val="tx1"/>
-                    </a:solidFill>
-                    <a:latin typeface="+mn-lt"/>
-                    <a:ea typeface="+mn-ea"/>
-                    <a:cs typeface="+mn-cs"/>
-                  </a:defRPr>
-                </a:lvl3pPr>
-                <a:lvl4pPr marL="1371600" algn="l" defTabSz="914400" rtl="0" eaLnBrk="1" latinLnBrk="0" hangingPunct="1">
-                  <a:defRPr sz="1800" kern="1200">
-                    <a:solidFill>
-                      <a:schemeClr val="tx1"/>
-                    </a:solidFill>
-                    <a:latin typeface="+mn-lt"/>
-                    <a:ea typeface="+mn-ea"/>
-                    <a:cs typeface="+mn-cs"/>
-                  </a:defRPr>
-                </a:lvl4pPr>
-                <a:lvl5pPr marL="1828800" algn="l" defTabSz="914400" rtl="0" eaLnBrk="1" latinLnBrk="0" hangingPunct="1">
-                  <a:defRPr sz="1800" kern="1200">
-                    <a:solidFill>
-                      <a:schemeClr val="tx1"/>
-                    </a:solidFill>
-                    <a:latin typeface="+mn-lt"/>
-                    <a:ea typeface="+mn-ea"/>
-                    <a:cs typeface="+mn-cs"/>
-                  </a:defRPr>
-                </a:lvl5pPr>
-                <a:lvl6pPr marL="2286000" algn="l" defTabSz="914400" rtl="0" eaLnBrk="1" latinLnBrk="0" hangingPunct="1">
-                  <a:defRPr sz="1800" kern="1200">
-                    <a:solidFill>
-                      <a:schemeClr val="tx1"/>
-                    </a:solidFill>
-                    <a:latin typeface="+mn-lt"/>
-                    <a:ea typeface="+mn-ea"/>
-                    <a:cs typeface="+mn-cs"/>
-                  </a:defRPr>
-                </a:lvl6pPr>
-                <a:lvl7pPr marL="2743200" algn="l" defTabSz="914400" rtl="0" eaLnBrk="1" latinLnBrk="0" hangingPunct="1">
-                  <a:defRPr sz="1800" kern="1200">
-                    <a:solidFill>
-                      <a:schemeClr val="tx1"/>
-                    </a:solidFill>
-                    <a:latin typeface="+mn-lt"/>
-                    <a:ea typeface="+mn-ea"/>
-                    <a:cs typeface="+mn-cs"/>
-                  </a:defRPr>
-                </a:lvl7pPr>
-                <a:lvl8pPr marL="3200400" algn="l" defTabSz="914400" rtl="0" eaLnBrk="1" latinLnBrk="0" hangingPunct="1">
-                  <a:defRPr sz="1800" kern="1200">
-                    <a:solidFill>
-                      <a:schemeClr val="tx1"/>
-                    </a:solidFill>
-                    <a:latin typeface="+mn-lt"/>
-                    <a:ea typeface="+mn-ea"/>
-                    <a:cs typeface="+mn-cs"/>
-                  </a:defRPr>
-                </a:lvl8pPr>
-                <a:lvl9pPr marL="3657600" algn="l" defTabSz="914400" rtl="0" eaLnBrk="1" latinLnBrk="0" hangingPunct="1">
-                  <a:defRPr sz="1800" kern="1200">
-                    <a:solidFill>
-                      <a:schemeClr val="tx1"/>
-                    </a:solidFill>
-                    <a:latin typeface="+mn-lt"/>
-                    <a:ea typeface="+mn-ea"/>
-                    <a:cs typeface="+mn-cs"/>
-                  </a:defRPr>
-                </a:lvl9pPr>
-              </a:lstStyle>
-              <a:p>
-                <a:endParaRPr lang="en-US">
-                  <a:solidFill>
-                    <a:srgbClr val="5F5F5F"/>
-                  </a:solidFill>
-                  <a:latin typeface="Segoe UI" panose="020B0502040204020203" pitchFamily="34" charset="0"/>
-                  <a:cs typeface="Segoe UI" panose="020B0502040204020203" pitchFamily="34" charset="0"/>
-                </a:endParaRPr>
-              </a:p>
-            </p:txBody>
-          </p:sp>
-          <p:sp>
-            <p:nvSpPr>
-              <p:cNvPr id="14" name="Reload Button" descr="&lt;SmartSettings&gt;&lt;SmartResize anchorLeft=&quot;Absolute&quot; anchorTop=&quot;Absolute&quot; anchorRight=&quot;None&quot; anchorBottom=&quot;None&quot; /&gt;&lt;/SmartSettings&gt;">
-                <a:extLst>
-                  <a:ext uri="{FF2B5EF4-FFF2-40B4-BE49-F238E27FC236}">
-                    <a16:creationId xmlns:a16="http://schemas.microsoft.com/office/drawing/2014/main" id="{F8B5F53F-5916-4D77-AA23-BB3E30C5BAAE}"/>
-                  </a:ext>
-                </a:extLst>
-              </p:cNvPr>
-              <p:cNvSpPr>
-                <a:spLocks noChangeAspect="1" noEditPoints="1"/>
-              </p:cNvSpPr>
-              <p:nvPr>
-                <p:custDataLst>
-                  <p:tags r:id="rId22"/>
-                </p:custDataLst>
-              </p:nvPr>
-            </p:nvSpPr>
-            <p:spPr bwMode="auto">
-              <a:xfrm>
-                <a:off x="1069098" y="1449296"/>
-                <a:ext cx="123505" cy="117307"/>
-              </a:xfrm>
-              <a:custGeom>
-                <a:avLst/>
-                <a:gdLst>
-                  <a:gd name="T0" fmla="*/ 441 w 441"/>
-                  <a:gd name="T1" fmla="*/ 7 h 474"/>
-                  <a:gd name="T2" fmla="*/ 441 w 441"/>
-                  <a:gd name="T3" fmla="*/ 144 h 474"/>
-                  <a:gd name="T4" fmla="*/ 296 w 441"/>
-                  <a:gd name="T5" fmla="*/ 144 h 474"/>
-                  <a:gd name="T6" fmla="*/ 438 w 441"/>
-                  <a:gd name="T7" fmla="*/ 309 h 474"/>
-                  <a:gd name="T8" fmla="*/ 166 w 441"/>
-                  <a:gd name="T9" fmla="*/ 434 h 474"/>
-                  <a:gd name="T10" fmla="*/ 41 w 441"/>
-                  <a:gd name="T11" fmla="*/ 162 h 474"/>
-                  <a:gd name="T12" fmla="*/ 313 w 441"/>
-                  <a:gd name="T13" fmla="*/ 37 h 474"/>
-                  <a:gd name="T14" fmla="*/ 428 w 441"/>
-                  <a:gd name="T15" fmla="*/ 139 h 474"/>
-                </a:gdLst>
-                <a:ahLst/>
-                <a:cxnLst>
-                  <a:cxn ang="0">
-                    <a:pos x="T0" y="T1"/>
-                  </a:cxn>
-                  <a:cxn ang="0">
-                    <a:pos x="T2" y="T3"/>
-                  </a:cxn>
-                  <a:cxn ang="0">
-                    <a:pos x="T4" y="T5"/>
-                  </a:cxn>
-                  <a:cxn ang="0">
-                    <a:pos x="T6" y="T7"/>
-                  </a:cxn>
-                  <a:cxn ang="0">
-                    <a:pos x="T8" y="T9"/>
-                  </a:cxn>
-                  <a:cxn ang="0">
-                    <a:pos x="T10" y="T11"/>
-                  </a:cxn>
-                  <a:cxn ang="0">
-                    <a:pos x="T12" y="T13"/>
-                  </a:cxn>
-                  <a:cxn ang="0">
-                    <a:pos x="T14" y="T15"/>
-                  </a:cxn>
-                </a:cxnLst>
-                <a:rect l="0" t="0" r="r" b="b"/>
-                <a:pathLst>
-                  <a:path w="441" h="474">
-                    <a:moveTo>
-                      <a:pt x="441" y="7"/>
-                    </a:moveTo>
-                    <a:lnTo>
-                      <a:pt x="441" y="144"/>
-                    </a:lnTo>
-                    <a:lnTo>
-                      <a:pt x="296" y="144"/>
-                    </a:lnTo>
-                    <a:moveTo>
-                      <a:pt x="438" y="309"/>
-                    </a:moveTo>
-                    <a:cubicBezTo>
-                      <a:pt x="397" y="418"/>
-                      <a:pt x="276" y="474"/>
-                      <a:pt x="166" y="434"/>
-                    </a:cubicBezTo>
-                    <a:cubicBezTo>
-                      <a:pt x="56" y="393"/>
-                      <a:pt x="0" y="271"/>
-                      <a:pt x="41" y="162"/>
-                    </a:cubicBezTo>
-                    <a:cubicBezTo>
-                      <a:pt x="82" y="52"/>
-                      <a:pt x="202" y="0"/>
-                      <a:pt x="313" y="37"/>
-                    </a:cubicBezTo>
-                    <a:cubicBezTo>
-                      <a:pt x="357" y="51"/>
-                      <a:pt x="398" y="91"/>
-                      <a:pt x="428" y="139"/>
-                    </a:cubicBezTo>
-                  </a:path>
-                </a:pathLst>
-              </a:custGeom>
-              <a:noFill/>
-              <a:ln w="6350" cap="flat">
-                <a:solidFill>
-                  <a:srgbClr val="808080"/>
-                </a:solidFill>
-                <a:prstDash val="solid"/>
-                <a:miter lim="800000"/>
-                <a:headEnd/>
-                <a:tailEnd/>
-              </a:ln>
-              <a:extLst>
-                <a:ext uri="{909E8E84-426E-40DD-AFC4-6F175D3DCCD1}">
-                  <a14:hiddenFill xmlns:a14="http://schemas.microsoft.com/office/drawing/2010/main">
-                    <a:solidFill>
-                      <a:srgbClr val="FFFFFF"/>
-                    </a:solidFill>
-                  </a14:hiddenFill>
-                </a:ext>
-              </a:extLst>
-            </p:spPr>
-            <p:txBody>
-              <a:bodyPr vert="horz" wrap="square" lIns="91440" tIns="45720" rIns="91440" bIns="45720" numCol="1" anchor="t" anchorCtr="0" compatLnSpc="1">
-                <a:prstTxWarp prst="textNoShape">
-                  <a:avLst/>
-                </a:prstTxWarp>
-              </a:bodyPr>
-              <a:lstStyle>
-                <a:defPPr>
-                  <a:defRPr lang="en-US"/>
-                </a:defPPr>
-                <a:lvl1pPr marL="0" algn="l" defTabSz="914400" rtl="0" eaLnBrk="1" latinLnBrk="0" hangingPunct="1">
-                  <a:defRPr sz="1800" kern="1200">
-                    <a:solidFill>
-                      <a:schemeClr val="tx1"/>
-                    </a:solidFill>
-                    <a:latin typeface="+mn-lt"/>
-                    <a:ea typeface="+mn-ea"/>
-                    <a:cs typeface="+mn-cs"/>
-                  </a:defRPr>
-                </a:lvl1pPr>
-                <a:lvl2pPr marL="457200" algn="l" defTabSz="914400" rtl="0" eaLnBrk="1" latinLnBrk="0" hangingPunct="1">
-                  <a:defRPr sz="1800" kern="1200">
-                    <a:solidFill>
-                      <a:schemeClr val="tx1"/>
-                    </a:solidFill>
-                    <a:latin typeface="+mn-lt"/>
-                    <a:ea typeface="+mn-ea"/>
-                    <a:cs typeface="+mn-cs"/>
-                  </a:defRPr>
-                </a:lvl2pPr>
-                <a:lvl3pPr marL="914400" algn="l" defTabSz="914400" rtl="0" eaLnBrk="1" latinLnBrk="0" hangingPunct="1">
-                  <a:defRPr sz="1800" kern="1200">
-                    <a:solidFill>
-                      <a:schemeClr val="tx1"/>
-                    </a:solidFill>
-                    <a:latin typeface="+mn-lt"/>
-                    <a:ea typeface="+mn-ea"/>
-                    <a:cs typeface="+mn-cs"/>
-                  </a:defRPr>
-                </a:lvl3pPr>
-                <a:lvl4pPr marL="1371600" algn="l" defTabSz="914400" rtl="0" eaLnBrk="1" latinLnBrk="0" hangingPunct="1">
-                  <a:defRPr sz="1800" kern="1200">
-                    <a:solidFill>
-                      <a:schemeClr val="tx1"/>
-                    </a:solidFill>
-                    <a:latin typeface="+mn-lt"/>
-                    <a:ea typeface="+mn-ea"/>
-                    <a:cs typeface="+mn-cs"/>
-                  </a:defRPr>
-                </a:lvl4pPr>
-                <a:lvl5pPr marL="1828800" algn="l" defTabSz="914400" rtl="0" eaLnBrk="1" latinLnBrk="0" hangingPunct="1">
-                  <a:defRPr sz="1800" kern="1200">
-                    <a:solidFill>
-                      <a:schemeClr val="tx1"/>
-                    </a:solidFill>
-                    <a:latin typeface="+mn-lt"/>
-                    <a:ea typeface="+mn-ea"/>
-                    <a:cs typeface="+mn-cs"/>
-                  </a:defRPr>
-                </a:lvl5pPr>
-                <a:lvl6pPr marL="2286000" algn="l" defTabSz="914400" rtl="0" eaLnBrk="1" latinLnBrk="0" hangingPunct="1">
-                  <a:defRPr sz="1800" kern="1200">
-                    <a:solidFill>
-                      <a:schemeClr val="tx1"/>
-                    </a:solidFill>
-                    <a:latin typeface="+mn-lt"/>
-                    <a:ea typeface="+mn-ea"/>
-                    <a:cs typeface="+mn-cs"/>
-                  </a:defRPr>
-                </a:lvl6pPr>
-                <a:lvl7pPr marL="2743200" algn="l" defTabSz="914400" rtl="0" eaLnBrk="1" latinLnBrk="0" hangingPunct="1">
-                  <a:defRPr sz="1800" kern="1200">
-                    <a:solidFill>
-                      <a:schemeClr val="tx1"/>
-                    </a:solidFill>
-                    <a:latin typeface="+mn-lt"/>
-                    <a:ea typeface="+mn-ea"/>
-                    <a:cs typeface="+mn-cs"/>
-                  </a:defRPr>
-                </a:lvl7pPr>
-                <a:lvl8pPr marL="3200400" algn="l" defTabSz="914400" rtl="0" eaLnBrk="1" latinLnBrk="0" hangingPunct="1">
-                  <a:defRPr sz="1800" kern="1200">
-                    <a:solidFill>
-                      <a:schemeClr val="tx1"/>
-                    </a:solidFill>
-                    <a:latin typeface="+mn-lt"/>
-                    <a:ea typeface="+mn-ea"/>
-                    <a:cs typeface="+mn-cs"/>
-                  </a:defRPr>
-                </a:lvl8pPr>
-                <a:lvl9pPr marL="3657600" algn="l" defTabSz="914400" rtl="0" eaLnBrk="1" latinLnBrk="0" hangingPunct="1">
-                  <a:defRPr sz="1800" kern="1200">
-                    <a:solidFill>
-                      <a:schemeClr val="tx1"/>
-                    </a:solidFill>
-                    <a:latin typeface="+mn-lt"/>
-                    <a:ea typeface="+mn-ea"/>
-                    <a:cs typeface="+mn-cs"/>
-                  </a:defRPr>
-                </a:lvl9pPr>
-              </a:lstStyle>
-              <a:p>
-                <a:endParaRPr lang="en-US">
-                  <a:solidFill>
-                    <a:srgbClr val="5F5F5F"/>
-                  </a:solidFill>
-                  <a:latin typeface="Segoe UI" panose="020B0502040204020203" pitchFamily="34" charset="0"/>
-                  <a:cs typeface="Segoe UI" panose="020B0502040204020203" pitchFamily="34" charset="0"/>
-                </a:endParaRPr>
-              </a:p>
-            </p:txBody>
-          </p:sp>
-        </p:grpSp>
-      </p:grpSp>
-      <p:grpSp>
-        <p:nvGrpSpPr>
-          <p:cNvPr id="18" name="Group Box" descr="&lt;SmartSettings&gt;&lt;SmartResize enabled=&quot;True&quot; minWidth=&quot;60&quot; minHeight=&quot;22&quot; /&gt;&lt;/SmartSettings&gt;">
-            <a:extLst>
-              <a:ext uri="{FF2B5EF4-FFF2-40B4-BE49-F238E27FC236}">
-                <a16:creationId xmlns:a16="http://schemas.microsoft.com/office/drawing/2014/main" id="{676BD0D1-5C61-4AE1-A5A7-646E388328D6}"/>
-              </a:ext>
-            </a:extLst>
-          </p:cNvPr>
-          <p:cNvGrpSpPr/>
-          <p:nvPr>
-            <p:custDataLst>
-              <p:tags r:id="rId2"/>
-            </p:custDataLst>
-          </p:nvPr>
-        </p:nvGrpSpPr>
-        <p:grpSpPr>
-          <a:xfrm>
-            <a:off x="4196124" y="946641"/>
-            <a:ext cx="4080517" cy="1455508"/>
-            <a:chOff x="648510" y="1293962"/>
-            <a:chExt cx="1828800" cy="1128939"/>
-          </a:xfrm>
-        </p:grpSpPr>
-        <p:sp>
-          <p:nvSpPr>
-            <p:cNvPr id="19" name="Panel" descr="&lt;SmartSettings&gt;&lt;SmartResize anchorLeft=&quot;Relative&quot; anchorTop=&quot;Absolute&quot; anchorRight=&quot;Relative&quot; anchorBottom=&quot;Relative&quot; /&gt;&lt;/SmartSettings&gt;">
-              <a:extLst>
-                <a:ext uri="{FF2B5EF4-FFF2-40B4-BE49-F238E27FC236}">
-                  <a16:creationId xmlns:a16="http://schemas.microsoft.com/office/drawing/2014/main" id="{453622ED-399D-4031-BEA6-58213302FC7E}"/>
-                </a:ext>
-              </a:extLst>
-            </p:cNvPr>
-            <p:cNvSpPr/>
-            <p:nvPr>
-              <p:custDataLst>
-                <p:tags r:id="rId12"/>
-              </p:custDataLst>
-            </p:nvPr>
-          </p:nvSpPr>
-          <p:spPr>
-            <a:xfrm>
-              <a:off x="648510" y="1345820"/>
-              <a:ext cx="1828800" cy="1077081"/>
-            </a:xfrm>
-            <a:prstGeom prst="rect">
-              <a:avLst/>
-            </a:prstGeom>
-            <a:solidFill>
-              <a:srgbClr val="FFFFFF"/>
-            </a:solidFill>
-            <a:ln w="6350">
-              <a:solidFill>
-                <a:srgbClr val="808080"/>
-              </a:solidFill>
-            </a:ln>
-          </p:spPr>
-          <p:style>
-            <a:lnRef idx="2">
-              <a:schemeClr val="accent1">
-                <a:shade val="50000"/>
-              </a:schemeClr>
-            </a:lnRef>
-            <a:fillRef idx="1">
-              <a:schemeClr val="accent1"/>
-            </a:fillRef>
-            <a:effectRef idx="0">
-              <a:schemeClr val="accent1"/>
-            </a:effectRef>
-            <a:fontRef idx="minor">
-              <a:schemeClr val="lt1"/>
-            </a:fontRef>
-          </p:style>
-          <p:txBody>
-            <a:bodyPr rot="0" spcFirstLastPara="0" vert="horz" wrap="square" lIns="91440" tIns="45720" rIns="91440" bIns="45720" numCol="1" spcCol="0" rtlCol="0" fromWordArt="0" anchor="ctr" anchorCtr="0" forceAA="0" compatLnSpc="1">
-              <a:prstTxWarp prst="textNoShape">
-                <a:avLst/>
-              </a:prstTxWarp>
-              <a:noAutofit/>
-            </a:bodyPr>
-            <a:lstStyle>
-              <a:defPPr>
-                <a:defRPr lang="en-US"/>
-              </a:defPPr>
-              <a:lvl1pPr marL="0" algn="l" defTabSz="914400" rtl="0" eaLnBrk="1" latinLnBrk="0" hangingPunct="1">
-                <a:defRPr sz="1800" kern="1200">
-                  <a:solidFill>
-                    <a:schemeClr val="lt1"/>
-                  </a:solidFill>
-                  <a:latin typeface="+mn-lt"/>
-                  <a:ea typeface="+mn-ea"/>
-                  <a:cs typeface="+mn-cs"/>
-                </a:defRPr>
-              </a:lvl1pPr>
-              <a:lvl2pPr marL="457200" algn="l" defTabSz="914400" rtl="0" eaLnBrk="1" latinLnBrk="0" hangingPunct="1">
-                <a:defRPr sz="1800" kern="1200">
-                  <a:solidFill>
-                    <a:schemeClr val="lt1"/>
-                  </a:solidFill>
-                  <a:latin typeface="+mn-lt"/>
-                  <a:ea typeface="+mn-ea"/>
-                  <a:cs typeface="+mn-cs"/>
-                </a:defRPr>
-              </a:lvl2pPr>
-              <a:lvl3pPr marL="914400" algn="l" defTabSz="914400" rtl="0" eaLnBrk="1" latinLnBrk="0" hangingPunct="1">
-                <a:defRPr sz="1800" kern="1200">
-                  <a:solidFill>
-                    <a:schemeClr val="lt1"/>
-                  </a:solidFill>
-                  <a:latin typeface="+mn-lt"/>
-                  <a:ea typeface="+mn-ea"/>
-                  <a:cs typeface="+mn-cs"/>
-                </a:defRPr>
-              </a:lvl3pPr>
-              <a:lvl4pPr marL="1371600" algn="l" defTabSz="914400" rtl="0" eaLnBrk="1" latinLnBrk="0" hangingPunct="1">
-                <a:defRPr sz="1800" kern="1200">
-                  <a:solidFill>
-                    <a:schemeClr val="lt1"/>
-                  </a:solidFill>
-                  <a:latin typeface="+mn-lt"/>
-                  <a:ea typeface="+mn-ea"/>
-                  <a:cs typeface="+mn-cs"/>
-                </a:defRPr>
-              </a:lvl4pPr>
-              <a:lvl5pPr marL="1828800" algn="l" defTabSz="914400" rtl="0" eaLnBrk="1" latinLnBrk="0" hangingPunct="1">
-                <a:defRPr sz="1800" kern="1200">
-                  <a:solidFill>
-                    <a:schemeClr val="lt1"/>
-                  </a:solidFill>
-                  <a:latin typeface="+mn-lt"/>
-                  <a:ea typeface="+mn-ea"/>
-                  <a:cs typeface="+mn-cs"/>
-                </a:defRPr>
-              </a:lvl5pPr>
-              <a:lvl6pPr marL="2286000" algn="l" defTabSz="914400" rtl="0" eaLnBrk="1" latinLnBrk="0" hangingPunct="1">
-                <a:defRPr sz="1800" kern="1200">
-                  <a:solidFill>
-                    <a:schemeClr val="lt1"/>
-                  </a:solidFill>
-                  <a:latin typeface="+mn-lt"/>
-                  <a:ea typeface="+mn-ea"/>
-                  <a:cs typeface="+mn-cs"/>
-                </a:defRPr>
-              </a:lvl6pPr>
-              <a:lvl7pPr marL="2743200" algn="l" defTabSz="914400" rtl="0" eaLnBrk="1" latinLnBrk="0" hangingPunct="1">
-                <a:defRPr sz="1800" kern="1200">
-                  <a:solidFill>
-                    <a:schemeClr val="lt1"/>
-                  </a:solidFill>
-                  <a:latin typeface="+mn-lt"/>
-                  <a:ea typeface="+mn-ea"/>
-                  <a:cs typeface="+mn-cs"/>
-                </a:defRPr>
-              </a:lvl7pPr>
-              <a:lvl8pPr marL="3200400" algn="l" defTabSz="914400" rtl="0" eaLnBrk="1" latinLnBrk="0" hangingPunct="1">
-                <a:defRPr sz="1800" kern="1200">
-                  <a:solidFill>
-                    <a:schemeClr val="lt1"/>
-                  </a:solidFill>
-                  <a:latin typeface="+mn-lt"/>
-                  <a:ea typeface="+mn-ea"/>
-                  <a:cs typeface="+mn-cs"/>
-                </a:defRPr>
-              </a:lvl8pPr>
-              <a:lvl9pPr marL="3657600" algn="l" defTabSz="914400" rtl="0" eaLnBrk="1" latinLnBrk="0" hangingPunct="1">
-                <a:defRPr sz="1800" kern="1200">
-                  <a:solidFill>
-                    <a:schemeClr val="lt1"/>
-                  </a:solidFill>
-                  <a:latin typeface="+mn-lt"/>
-                  <a:ea typeface="+mn-ea"/>
-                  <a:cs typeface="+mn-cs"/>
-                </a:defRPr>
-              </a:lvl9pPr>
-            </a:lstStyle>
-            <a:p>
-              <a:endParaRPr lang="en-US" altLang="ko-KR" sz="900" dirty="0">
-                <a:solidFill>
-                  <a:srgbClr val="5F5F5F"/>
-                </a:solidFill>
-                <a:latin typeface="Segoe UI" panose="020B0502040204020203" pitchFamily="34" charset="0"/>
-                <a:cs typeface="Segoe UI" panose="020B0502040204020203" pitchFamily="34" charset="0"/>
-              </a:endParaRPr>
-            </a:p>
-            <a:p>
-              <a:r>
-                <a:rPr lang="ko-KR" altLang="en-US" sz="2000" b="1" dirty="0" err="1">
-                  <a:solidFill>
-                    <a:srgbClr val="5F5F5F"/>
-                  </a:solidFill>
-                  <a:latin typeface="Segoe UI" panose="020B0502040204020203" pitchFamily="34" charset="0"/>
-                  <a:cs typeface="Segoe UI" panose="020B0502040204020203" pitchFamily="34" charset="0"/>
-                </a:rPr>
-                <a:t>업소명</a:t>
-              </a:r>
-              <a:r>
-                <a:rPr lang="ko-KR" altLang="en-US" sz="2000" b="1" dirty="0">
-                  <a:solidFill>
-                    <a:srgbClr val="5F5F5F"/>
-                  </a:solidFill>
-                  <a:latin typeface="Segoe UI" panose="020B0502040204020203" pitchFamily="34" charset="0"/>
-                  <a:cs typeface="Segoe UI" panose="020B0502040204020203" pitchFamily="34" charset="0"/>
-                </a:rPr>
-                <a:t> </a:t>
-              </a:r>
-              <a:r>
-                <a:rPr lang="en-US" altLang="ko-KR" sz="2000" b="1" dirty="0">
-                  <a:solidFill>
-                    <a:srgbClr val="5F5F5F"/>
-                  </a:solidFill>
-                  <a:latin typeface="Segoe UI" panose="020B0502040204020203" pitchFamily="34" charset="0"/>
-                  <a:cs typeface="Segoe UI" panose="020B0502040204020203" pitchFamily="34" charset="0"/>
-                </a:rPr>
-                <a:t>[</a:t>
-              </a:r>
-              <a:r>
-                <a:rPr lang="ko-KR" altLang="en-US" sz="2000" b="1" dirty="0" err="1">
-                  <a:solidFill>
-                    <a:srgbClr val="5F5F5F"/>
-                  </a:solidFill>
-                  <a:latin typeface="Segoe UI" panose="020B0502040204020203" pitchFamily="34" charset="0"/>
-                  <a:cs typeface="Segoe UI" panose="020B0502040204020203" pitchFamily="34" charset="0"/>
-                </a:rPr>
-                <a:t>별점</a:t>
-              </a:r>
-              <a:r>
-                <a:rPr lang="en-US" altLang="ko-KR" sz="2000" b="1" dirty="0">
-                  <a:solidFill>
-                    <a:srgbClr val="5F5F5F"/>
-                  </a:solidFill>
-                  <a:latin typeface="Segoe UI" panose="020B0502040204020203" pitchFamily="34" charset="0"/>
-                  <a:cs typeface="Segoe UI" panose="020B0502040204020203" pitchFamily="34" charset="0"/>
-                </a:rPr>
-                <a:t>]</a:t>
-              </a:r>
-            </a:p>
-            <a:p>
-              <a:endParaRPr lang="en-US" altLang="ko-KR" sz="900" dirty="0">
-                <a:solidFill>
-                  <a:srgbClr val="5F5F5F"/>
-                </a:solidFill>
-                <a:latin typeface="Segoe UI" panose="020B0502040204020203" pitchFamily="34" charset="0"/>
-                <a:cs typeface="Segoe UI" panose="020B0502040204020203" pitchFamily="34" charset="0"/>
-              </a:endParaRPr>
-            </a:p>
-            <a:p>
-              <a:r>
-                <a:rPr lang="ko-KR" altLang="en-US" sz="900" dirty="0">
-                  <a:solidFill>
-                    <a:srgbClr val="5F5F5F"/>
-                  </a:solidFill>
-                  <a:latin typeface="Segoe UI" panose="020B0502040204020203" pitchFamily="34" charset="0"/>
-                  <a:cs typeface="Segoe UI" panose="020B0502040204020203" pitchFamily="34" charset="0"/>
-                </a:rPr>
-                <a:t>주소정보</a:t>
-              </a:r>
-              <a:endParaRPr lang="en-US" altLang="ko-KR" sz="900" dirty="0">
-                <a:solidFill>
-                  <a:srgbClr val="5F5F5F"/>
-                </a:solidFill>
-                <a:latin typeface="Segoe UI" panose="020B0502040204020203" pitchFamily="34" charset="0"/>
-                <a:cs typeface="Segoe UI" panose="020B0502040204020203" pitchFamily="34" charset="0"/>
-              </a:endParaRPr>
-            </a:p>
-            <a:p>
-              <a:r>
-                <a:rPr lang="ko-KR" altLang="en-US" sz="900" dirty="0">
-                  <a:solidFill>
-                    <a:srgbClr val="5F5F5F"/>
-                  </a:solidFill>
-                  <a:latin typeface="Segoe UI" panose="020B0502040204020203" pitchFamily="34" charset="0"/>
-                  <a:cs typeface="Segoe UI" panose="020B0502040204020203" pitchFamily="34" charset="0"/>
-                </a:rPr>
-                <a:t>전화번호</a:t>
-              </a:r>
-              <a:endParaRPr lang="en-US" altLang="ko-KR" sz="900" dirty="0">
-                <a:solidFill>
-                  <a:srgbClr val="5F5F5F"/>
-                </a:solidFill>
-                <a:latin typeface="Segoe UI" panose="020B0502040204020203" pitchFamily="34" charset="0"/>
-                <a:cs typeface="Segoe UI" panose="020B0502040204020203" pitchFamily="34" charset="0"/>
-              </a:endParaRPr>
-            </a:p>
-            <a:p>
-              <a:endParaRPr lang="en-US" altLang="ko-KR" sz="900" dirty="0">
-                <a:solidFill>
-                  <a:srgbClr val="5F5F5F"/>
-                </a:solidFill>
-                <a:latin typeface="Segoe UI" panose="020B0502040204020203" pitchFamily="34" charset="0"/>
-                <a:cs typeface="Segoe UI" panose="020B0502040204020203" pitchFamily="34" charset="0"/>
-              </a:endParaRPr>
-            </a:p>
-            <a:p>
-              <a:r>
-                <a:rPr lang="en-US" altLang="ko-KR" sz="900" dirty="0">
-                  <a:solidFill>
-                    <a:srgbClr val="5F5F5F"/>
-                  </a:solidFill>
-                  <a:latin typeface="Segoe UI" panose="020B0502040204020203" pitchFamily="34" charset="0"/>
-                  <a:cs typeface="Segoe UI" panose="020B0502040204020203" pitchFamily="34" charset="0"/>
-                </a:rPr>
-                <a:t>#</a:t>
-              </a:r>
-              <a:r>
-                <a:rPr lang="ko-KR" altLang="en-US" sz="900" dirty="0">
-                  <a:solidFill>
-                    <a:srgbClr val="5F5F5F"/>
-                  </a:solidFill>
-                  <a:latin typeface="Segoe UI" panose="020B0502040204020203" pitchFamily="34" charset="0"/>
-                  <a:cs typeface="Segoe UI" panose="020B0502040204020203" pitchFamily="34" charset="0"/>
-                </a:rPr>
-                <a:t>태그</a:t>
-              </a:r>
-              <a:r>
-                <a:rPr lang="en-US" altLang="ko-KR" sz="900" dirty="0">
-                  <a:solidFill>
-                    <a:srgbClr val="5F5F5F"/>
-                  </a:solidFill>
-                  <a:latin typeface="Segoe UI" panose="020B0502040204020203" pitchFamily="34" charset="0"/>
-                  <a:cs typeface="Segoe UI" panose="020B0502040204020203" pitchFamily="34" charset="0"/>
-                </a:rPr>
-                <a:t> #</a:t>
-              </a:r>
-              <a:r>
-                <a:rPr lang="ko-KR" altLang="en-US" sz="900" dirty="0">
-                  <a:solidFill>
-                    <a:srgbClr val="5F5F5F"/>
-                  </a:solidFill>
-                  <a:latin typeface="Segoe UI" panose="020B0502040204020203" pitchFamily="34" charset="0"/>
-                  <a:cs typeface="Segoe UI" panose="020B0502040204020203" pitchFamily="34" charset="0"/>
-                </a:rPr>
-                <a:t>태그</a:t>
-              </a:r>
-              <a:r>
-                <a:rPr lang="en-US" altLang="ko-KR" sz="900" dirty="0">
-                  <a:solidFill>
-                    <a:srgbClr val="5F5F5F"/>
-                  </a:solidFill>
-                  <a:latin typeface="Segoe UI" panose="020B0502040204020203" pitchFamily="34" charset="0"/>
-                  <a:cs typeface="Segoe UI" panose="020B0502040204020203" pitchFamily="34" charset="0"/>
-                </a:rPr>
-                <a:t> #</a:t>
-              </a:r>
-              <a:r>
-                <a:rPr lang="ko-KR" altLang="en-US" sz="900" dirty="0">
-                  <a:solidFill>
-                    <a:srgbClr val="5F5F5F"/>
-                  </a:solidFill>
-                  <a:latin typeface="Segoe UI" panose="020B0502040204020203" pitchFamily="34" charset="0"/>
-                  <a:cs typeface="Segoe UI" panose="020B0502040204020203" pitchFamily="34" charset="0"/>
-                </a:rPr>
-                <a:t>태그 </a:t>
-              </a:r>
-              <a:r>
-                <a:rPr lang="en-US" altLang="ko-KR" sz="900" dirty="0">
-                  <a:solidFill>
-                    <a:srgbClr val="5F5F5F"/>
-                  </a:solidFill>
-                  <a:latin typeface="Segoe UI" panose="020B0502040204020203" pitchFamily="34" charset="0"/>
-                  <a:cs typeface="Segoe UI" panose="020B0502040204020203" pitchFamily="34" charset="0"/>
-                </a:rPr>
-                <a:t>#</a:t>
-              </a:r>
-              <a:r>
-                <a:rPr lang="ko-KR" altLang="en-US" sz="900" dirty="0">
-                  <a:solidFill>
-                    <a:srgbClr val="5F5F5F"/>
-                  </a:solidFill>
-                  <a:latin typeface="Segoe UI" panose="020B0502040204020203" pitchFamily="34" charset="0"/>
-                  <a:cs typeface="Segoe UI" panose="020B0502040204020203" pitchFamily="34" charset="0"/>
-                </a:rPr>
-                <a:t>태그</a:t>
-              </a:r>
-              <a:endParaRPr lang="en-US" altLang="ko-KR" sz="900" dirty="0">
-                <a:solidFill>
-                  <a:srgbClr val="5F5F5F"/>
-                </a:solidFill>
-                <a:latin typeface="Segoe UI" panose="020B0502040204020203" pitchFamily="34" charset="0"/>
-                <a:cs typeface="Segoe UI" panose="020B0502040204020203" pitchFamily="34" charset="0"/>
-              </a:endParaRPr>
-            </a:p>
-          </p:txBody>
-        </p:sp>
-        <p:sp>
-          <p:nvSpPr>
-            <p:cNvPr id="20" name="Label" descr="&lt;SmartSettings&gt;&lt;SmartResize anchorLeft=&quot;Absolute&quot; anchorTop=&quot;Absolute&quot; anchorRight=&quot;None&quot; anchorBottom=&quot;None&quot; /&gt;&lt;/SmartSettings&gt;">
-              <a:extLst>
-                <a:ext uri="{FF2B5EF4-FFF2-40B4-BE49-F238E27FC236}">
-                  <a16:creationId xmlns:a16="http://schemas.microsoft.com/office/drawing/2014/main" id="{A3A32327-2A2A-4209-8452-D07F5DACBFF3}"/>
-                </a:ext>
-              </a:extLst>
-            </p:cNvPr>
-            <p:cNvSpPr txBox="1"/>
-            <p:nvPr>
-              <p:custDataLst>
-                <p:tags r:id="rId13"/>
-              </p:custDataLst>
-            </p:nvPr>
-          </p:nvSpPr>
-          <p:spPr>
-            <a:xfrm>
-              <a:off x="685742" y="1293962"/>
-              <a:ext cx="254382" cy="121748"/>
-            </a:xfrm>
-            <a:prstGeom prst="rect">
-              <a:avLst/>
-            </a:prstGeom>
-            <a:solidFill>
-              <a:srgbClr val="FFFFFF"/>
-            </a:solidFill>
-          </p:spPr>
-          <p:txBody>
-            <a:bodyPr wrap="none" lIns="36576" tIns="9144" rIns="36576" bIns="9144" rtlCol="0">
-              <a:spAutoFit/>
-            </a:bodyPr>
-            <a:lstStyle>
-              <a:defPPr>
-                <a:defRPr lang="en-US"/>
-              </a:defPPr>
-              <a:lvl1pPr marL="0" algn="l" defTabSz="914400" rtl="0" eaLnBrk="1" latinLnBrk="0" hangingPunct="1">
-                <a:defRPr sz="1800" kern="1200">
-                  <a:solidFill>
-                    <a:schemeClr val="tx1"/>
-                  </a:solidFill>
-                  <a:latin typeface="+mn-lt"/>
-                  <a:ea typeface="+mn-ea"/>
-                  <a:cs typeface="+mn-cs"/>
-                </a:defRPr>
-              </a:lvl1pPr>
-              <a:lvl2pPr marL="457200" algn="l" defTabSz="914400" rtl="0" eaLnBrk="1" latinLnBrk="0" hangingPunct="1">
-                <a:defRPr sz="1800" kern="1200">
-                  <a:solidFill>
-                    <a:schemeClr val="tx1"/>
-                  </a:solidFill>
-                  <a:latin typeface="+mn-lt"/>
-                  <a:ea typeface="+mn-ea"/>
-                  <a:cs typeface="+mn-cs"/>
-                </a:defRPr>
-              </a:lvl2pPr>
-              <a:lvl3pPr marL="914400" algn="l" defTabSz="914400" rtl="0" eaLnBrk="1" latinLnBrk="0" hangingPunct="1">
-                <a:defRPr sz="1800" kern="1200">
-                  <a:solidFill>
-                    <a:schemeClr val="tx1"/>
-                  </a:solidFill>
-                  <a:latin typeface="+mn-lt"/>
-                  <a:ea typeface="+mn-ea"/>
-                  <a:cs typeface="+mn-cs"/>
-                </a:defRPr>
-              </a:lvl3pPr>
-              <a:lvl4pPr marL="1371600" algn="l" defTabSz="914400" rtl="0" eaLnBrk="1" latinLnBrk="0" hangingPunct="1">
-                <a:defRPr sz="1800" kern="1200">
-                  <a:solidFill>
-                    <a:schemeClr val="tx1"/>
-                  </a:solidFill>
-                  <a:latin typeface="+mn-lt"/>
-                  <a:ea typeface="+mn-ea"/>
-                  <a:cs typeface="+mn-cs"/>
-                </a:defRPr>
-              </a:lvl4pPr>
-              <a:lvl5pPr marL="1828800" algn="l" defTabSz="914400" rtl="0" eaLnBrk="1" latinLnBrk="0" hangingPunct="1">
-                <a:defRPr sz="1800" kern="1200">
-                  <a:solidFill>
-                    <a:schemeClr val="tx1"/>
-                  </a:solidFill>
-                  <a:latin typeface="+mn-lt"/>
-                  <a:ea typeface="+mn-ea"/>
-                  <a:cs typeface="+mn-cs"/>
-                </a:defRPr>
-              </a:lvl5pPr>
-              <a:lvl6pPr marL="2286000" algn="l" defTabSz="914400" rtl="0" eaLnBrk="1" latinLnBrk="0" hangingPunct="1">
-                <a:defRPr sz="1800" kern="1200">
-                  <a:solidFill>
-                    <a:schemeClr val="tx1"/>
-                  </a:solidFill>
-                  <a:latin typeface="+mn-lt"/>
-                  <a:ea typeface="+mn-ea"/>
-                  <a:cs typeface="+mn-cs"/>
-                </a:defRPr>
-              </a:lvl6pPr>
-              <a:lvl7pPr marL="2743200" algn="l" defTabSz="914400" rtl="0" eaLnBrk="1" latinLnBrk="0" hangingPunct="1">
-                <a:defRPr sz="1800" kern="1200">
-                  <a:solidFill>
-                    <a:schemeClr val="tx1"/>
-                  </a:solidFill>
-                  <a:latin typeface="+mn-lt"/>
-                  <a:ea typeface="+mn-ea"/>
-                  <a:cs typeface="+mn-cs"/>
-                </a:defRPr>
-              </a:lvl7pPr>
-              <a:lvl8pPr marL="3200400" algn="l" defTabSz="914400" rtl="0" eaLnBrk="1" latinLnBrk="0" hangingPunct="1">
-                <a:defRPr sz="1800" kern="1200">
-                  <a:solidFill>
-                    <a:schemeClr val="tx1"/>
-                  </a:solidFill>
-                  <a:latin typeface="+mn-lt"/>
-                  <a:ea typeface="+mn-ea"/>
-                  <a:cs typeface="+mn-cs"/>
-                </a:defRPr>
-              </a:lvl8pPr>
-              <a:lvl9pPr marL="3657600" algn="l" defTabSz="914400" rtl="0" eaLnBrk="1" latinLnBrk="0" hangingPunct="1">
-                <a:defRPr sz="1800" kern="1200">
-                  <a:solidFill>
-                    <a:schemeClr val="tx1"/>
-                  </a:solidFill>
-                  <a:latin typeface="+mn-lt"/>
-                  <a:ea typeface="+mn-ea"/>
-                  <a:cs typeface="+mn-cs"/>
-                </a:defRPr>
-              </a:lvl9pPr>
-            </a:lstStyle>
-            <a:p>
-              <a:r>
-                <a:rPr lang="ko-KR" altLang="en-US" sz="900" dirty="0">
-                  <a:solidFill>
-                    <a:srgbClr val="5F5F5F"/>
-                  </a:solidFill>
-                  <a:latin typeface="Segoe UI" panose="020B0502040204020203" pitchFamily="34" charset="0"/>
-                  <a:cs typeface="Segoe UI" panose="020B0502040204020203" pitchFamily="34" charset="0"/>
-                </a:rPr>
-                <a:t>업소 정보</a:t>
-              </a:r>
-              <a:endParaRPr lang="en-US" altLang="ko-KR" sz="900" dirty="0">
-                <a:solidFill>
-                  <a:srgbClr val="5F5F5F"/>
-                </a:solidFill>
-                <a:latin typeface="Segoe UI" panose="020B0502040204020203" pitchFamily="34" charset="0"/>
-                <a:cs typeface="Segoe UI" panose="020B0502040204020203" pitchFamily="34" charset="0"/>
-              </a:endParaRPr>
-            </a:p>
-          </p:txBody>
-        </p:sp>
-      </p:grpSp>
-      <p:grpSp>
-        <p:nvGrpSpPr>
-          <p:cNvPr id="21" name="Group Box" descr="&lt;SmartSettings&gt;&lt;SmartResize enabled=&quot;True&quot; minWidth=&quot;60&quot; minHeight=&quot;22&quot; /&gt;&lt;/SmartSettings&gt;">
-            <a:extLst>
-              <a:ext uri="{FF2B5EF4-FFF2-40B4-BE49-F238E27FC236}">
-                <a16:creationId xmlns:a16="http://schemas.microsoft.com/office/drawing/2014/main" id="{005A4208-7D72-4F25-B066-67724977CEF6}"/>
-              </a:ext>
-            </a:extLst>
-          </p:cNvPr>
-          <p:cNvGrpSpPr/>
-          <p:nvPr>
-            <p:custDataLst>
-              <p:tags r:id="rId3"/>
-            </p:custDataLst>
-          </p:nvPr>
-        </p:nvGrpSpPr>
-        <p:grpSpPr>
-          <a:xfrm>
-            <a:off x="4196124" y="2549277"/>
-            <a:ext cx="4080516" cy="1334327"/>
-            <a:chOff x="603401" y="1184134"/>
-            <a:chExt cx="1828800" cy="1748781"/>
-          </a:xfrm>
-        </p:grpSpPr>
-        <p:sp>
-          <p:nvSpPr>
-            <p:cNvPr id="22" name="Panel" descr="&lt;SmartSettings&gt;&lt;SmartResize anchorLeft=&quot;Relative&quot; anchorTop=&quot;Absolute&quot; anchorRight=&quot;Relative&quot; anchorBottom=&quot;Relative&quot; /&gt;&lt;/SmartSettings&gt;">
-              <a:extLst>
-                <a:ext uri="{FF2B5EF4-FFF2-40B4-BE49-F238E27FC236}">
-                  <a16:creationId xmlns:a16="http://schemas.microsoft.com/office/drawing/2014/main" id="{5E96E630-BFAE-485C-A1A6-FDE0CDA16AE8}"/>
-                </a:ext>
-              </a:extLst>
-            </p:cNvPr>
-            <p:cNvSpPr/>
-            <p:nvPr>
-              <p:custDataLst>
-                <p:tags r:id="rId10"/>
-              </p:custDataLst>
-            </p:nvPr>
-          </p:nvSpPr>
-          <p:spPr>
-            <a:xfrm>
-              <a:off x="603401" y="1286996"/>
-              <a:ext cx="1828800" cy="1645919"/>
-            </a:xfrm>
-            <a:prstGeom prst="rect">
-              <a:avLst/>
-            </a:prstGeom>
-            <a:solidFill>
-              <a:srgbClr val="FFFFFF"/>
-            </a:solidFill>
-            <a:ln w="6350">
-              <a:solidFill>
-                <a:srgbClr val="808080"/>
-              </a:solidFill>
-            </a:ln>
-          </p:spPr>
-          <p:style>
-            <a:lnRef idx="2">
-              <a:schemeClr val="accent1">
-                <a:shade val="50000"/>
-              </a:schemeClr>
-            </a:lnRef>
-            <a:fillRef idx="1">
-              <a:schemeClr val="accent1"/>
-            </a:fillRef>
-            <a:effectRef idx="0">
-              <a:schemeClr val="accent1"/>
-            </a:effectRef>
-            <a:fontRef idx="minor">
-              <a:schemeClr val="lt1"/>
-            </a:fontRef>
-          </p:style>
-          <p:txBody>
-            <a:bodyPr rot="0" spcFirstLastPara="0" vert="horz" wrap="square" lIns="91440" tIns="45720" rIns="91440" bIns="45720" numCol="1" spcCol="0" rtlCol="0" fromWordArt="0" anchor="ctr" anchorCtr="0" forceAA="0" compatLnSpc="1">
-              <a:prstTxWarp prst="textNoShape">
-                <a:avLst/>
-              </a:prstTxWarp>
-              <a:noAutofit/>
-            </a:bodyPr>
-            <a:lstStyle>
-              <a:defPPr>
-                <a:defRPr lang="en-US"/>
-              </a:defPPr>
-              <a:lvl1pPr marL="0" algn="l" defTabSz="914400" rtl="0" eaLnBrk="1" latinLnBrk="0" hangingPunct="1">
-                <a:defRPr sz="1800" kern="1200">
-                  <a:solidFill>
-                    <a:schemeClr val="lt1"/>
-                  </a:solidFill>
-                  <a:latin typeface="+mn-lt"/>
-                  <a:ea typeface="+mn-ea"/>
-                  <a:cs typeface="+mn-cs"/>
-                </a:defRPr>
-              </a:lvl1pPr>
-              <a:lvl2pPr marL="457200" algn="l" defTabSz="914400" rtl="0" eaLnBrk="1" latinLnBrk="0" hangingPunct="1">
-                <a:defRPr sz="1800" kern="1200">
-                  <a:solidFill>
-                    <a:schemeClr val="lt1"/>
-                  </a:solidFill>
-                  <a:latin typeface="+mn-lt"/>
-                  <a:ea typeface="+mn-ea"/>
-                  <a:cs typeface="+mn-cs"/>
-                </a:defRPr>
-              </a:lvl2pPr>
-              <a:lvl3pPr marL="914400" algn="l" defTabSz="914400" rtl="0" eaLnBrk="1" latinLnBrk="0" hangingPunct="1">
-                <a:defRPr sz="1800" kern="1200">
-                  <a:solidFill>
-                    <a:schemeClr val="lt1"/>
-                  </a:solidFill>
-                  <a:latin typeface="+mn-lt"/>
-                  <a:ea typeface="+mn-ea"/>
-                  <a:cs typeface="+mn-cs"/>
-                </a:defRPr>
-              </a:lvl3pPr>
-              <a:lvl4pPr marL="1371600" algn="l" defTabSz="914400" rtl="0" eaLnBrk="1" latinLnBrk="0" hangingPunct="1">
-                <a:defRPr sz="1800" kern="1200">
-                  <a:solidFill>
-                    <a:schemeClr val="lt1"/>
-                  </a:solidFill>
-                  <a:latin typeface="+mn-lt"/>
-                  <a:ea typeface="+mn-ea"/>
-                  <a:cs typeface="+mn-cs"/>
-                </a:defRPr>
-              </a:lvl4pPr>
-              <a:lvl5pPr marL="1828800" algn="l" defTabSz="914400" rtl="0" eaLnBrk="1" latinLnBrk="0" hangingPunct="1">
-                <a:defRPr sz="1800" kern="1200">
-                  <a:solidFill>
-                    <a:schemeClr val="lt1"/>
-                  </a:solidFill>
-                  <a:latin typeface="+mn-lt"/>
-                  <a:ea typeface="+mn-ea"/>
-                  <a:cs typeface="+mn-cs"/>
-                </a:defRPr>
-              </a:lvl5pPr>
-              <a:lvl6pPr marL="2286000" algn="l" defTabSz="914400" rtl="0" eaLnBrk="1" latinLnBrk="0" hangingPunct="1">
-                <a:defRPr sz="1800" kern="1200">
-                  <a:solidFill>
-                    <a:schemeClr val="lt1"/>
-                  </a:solidFill>
-                  <a:latin typeface="+mn-lt"/>
-                  <a:ea typeface="+mn-ea"/>
-                  <a:cs typeface="+mn-cs"/>
-                </a:defRPr>
-              </a:lvl6pPr>
-              <a:lvl7pPr marL="2743200" algn="l" defTabSz="914400" rtl="0" eaLnBrk="1" latinLnBrk="0" hangingPunct="1">
-                <a:defRPr sz="1800" kern="1200">
-                  <a:solidFill>
-                    <a:schemeClr val="lt1"/>
-                  </a:solidFill>
-                  <a:latin typeface="+mn-lt"/>
-                  <a:ea typeface="+mn-ea"/>
-                  <a:cs typeface="+mn-cs"/>
-                </a:defRPr>
-              </a:lvl7pPr>
-              <a:lvl8pPr marL="3200400" algn="l" defTabSz="914400" rtl="0" eaLnBrk="1" latinLnBrk="0" hangingPunct="1">
-                <a:defRPr sz="1800" kern="1200">
-                  <a:solidFill>
-                    <a:schemeClr val="lt1"/>
-                  </a:solidFill>
-                  <a:latin typeface="+mn-lt"/>
-                  <a:ea typeface="+mn-ea"/>
-                  <a:cs typeface="+mn-cs"/>
-                </a:defRPr>
-              </a:lvl8pPr>
-              <a:lvl9pPr marL="3657600" algn="l" defTabSz="914400" rtl="0" eaLnBrk="1" latinLnBrk="0" hangingPunct="1">
-                <a:defRPr sz="1800" kern="1200">
-                  <a:solidFill>
-                    <a:schemeClr val="lt1"/>
-                  </a:solidFill>
-                  <a:latin typeface="+mn-lt"/>
-                  <a:ea typeface="+mn-ea"/>
-                  <a:cs typeface="+mn-cs"/>
-                </a:defRPr>
-              </a:lvl9pPr>
-            </a:lstStyle>
-            <a:p>
-              <a:r>
-                <a:rPr lang="ko-KR" altLang="en-US" sz="900" dirty="0" err="1">
-                  <a:solidFill>
-                    <a:srgbClr val="5F5F5F"/>
-                  </a:solidFill>
-                  <a:latin typeface="Segoe UI" panose="020B0502040204020203" pitchFamily="34" charset="0"/>
-                  <a:cs typeface="Segoe UI" panose="020B0502040204020203" pitchFamily="34" charset="0"/>
-                </a:rPr>
-                <a:t>메뉴명</a:t>
-              </a:r>
-              <a:r>
-                <a:rPr lang="en-US" altLang="ko-KR" sz="900" dirty="0">
-                  <a:solidFill>
-                    <a:srgbClr val="5F5F5F"/>
-                  </a:solidFill>
-                  <a:latin typeface="Segoe UI" panose="020B0502040204020203" pitchFamily="34" charset="0"/>
-                  <a:cs typeface="Segoe UI" panose="020B0502040204020203" pitchFamily="34" charset="0"/>
-                </a:rPr>
-                <a:t> – </a:t>
-              </a:r>
-              <a:r>
-                <a:rPr lang="ko-KR" altLang="en-US" sz="900" dirty="0">
-                  <a:solidFill>
-                    <a:srgbClr val="5F5F5F"/>
-                  </a:solidFill>
-                  <a:latin typeface="Segoe UI" panose="020B0502040204020203" pitchFamily="34" charset="0"/>
-                  <a:cs typeface="Segoe UI" panose="020B0502040204020203" pitchFamily="34" charset="0"/>
-                </a:rPr>
-                <a:t>가격</a:t>
-              </a:r>
-              <a:endParaRPr lang="en-US" altLang="ko-KR" sz="900" dirty="0">
-                <a:solidFill>
-                  <a:srgbClr val="5F5F5F"/>
-                </a:solidFill>
-                <a:latin typeface="Segoe UI" panose="020B0502040204020203" pitchFamily="34" charset="0"/>
-                <a:cs typeface="Segoe UI" panose="020B0502040204020203" pitchFamily="34" charset="0"/>
-              </a:endParaRPr>
-            </a:p>
-            <a:p>
-              <a:r>
-                <a:rPr lang="ko-KR" altLang="en-US" sz="900" dirty="0">
-                  <a:solidFill>
-                    <a:srgbClr val="5F5F5F"/>
-                  </a:solidFill>
-                  <a:latin typeface="Segoe UI" panose="020B0502040204020203" pitchFamily="34" charset="0"/>
-                  <a:cs typeface="Segoe UI" panose="020B0502040204020203" pitchFamily="34" charset="0"/>
-                </a:rPr>
-                <a:t>설명</a:t>
-              </a:r>
-              <a:endParaRPr lang="en-US" altLang="ko-KR" sz="900" dirty="0">
-                <a:solidFill>
-                  <a:srgbClr val="5F5F5F"/>
-                </a:solidFill>
-                <a:latin typeface="Segoe UI" panose="020B0502040204020203" pitchFamily="34" charset="0"/>
-                <a:cs typeface="Segoe UI" panose="020B0502040204020203" pitchFamily="34" charset="0"/>
-              </a:endParaRPr>
-            </a:p>
-          </p:txBody>
-        </p:sp>
-        <p:sp>
-          <p:nvSpPr>
-            <p:cNvPr id="23" name="Label" descr="&lt;SmartSettings&gt;&lt;SmartResize anchorLeft=&quot;Absolute&quot; anchorTop=&quot;Absolute&quot; anchorRight=&quot;None&quot; anchorBottom=&quot;None&quot; /&gt;&lt;/SmartSettings&gt;">
-              <a:extLst>
-                <a:ext uri="{FF2B5EF4-FFF2-40B4-BE49-F238E27FC236}">
-                  <a16:creationId xmlns:a16="http://schemas.microsoft.com/office/drawing/2014/main" id="{C0AFD6E8-8DA3-4FF9-9977-483481E652AD}"/>
-                </a:ext>
-              </a:extLst>
-            </p:cNvPr>
-            <p:cNvSpPr txBox="1"/>
-            <p:nvPr>
-              <p:custDataLst>
-                <p:tags r:id="rId11"/>
-              </p:custDataLst>
-            </p:nvPr>
-          </p:nvSpPr>
-          <p:spPr>
-            <a:xfrm>
-              <a:off x="640633" y="1184134"/>
-              <a:ext cx="240013" cy="205721"/>
-            </a:xfrm>
-            <a:prstGeom prst="rect">
-              <a:avLst/>
-            </a:prstGeom>
-            <a:solidFill>
-              <a:srgbClr val="FFFFFF"/>
-            </a:solidFill>
-          </p:spPr>
-          <p:txBody>
-            <a:bodyPr wrap="none" lIns="36576" tIns="9144" rIns="36576" bIns="9144" rtlCol="0">
-              <a:spAutoFit/>
-            </a:bodyPr>
-            <a:lstStyle>
-              <a:defPPr>
-                <a:defRPr lang="en-US"/>
-              </a:defPPr>
-              <a:lvl1pPr marL="0" algn="l" defTabSz="914400" rtl="0" eaLnBrk="1" latinLnBrk="0" hangingPunct="1">
-                <a:defRPr sz="1800" kern="1200">
-                  <a:solidFill>
-                    <a:schemeClr val="tx1"/>
-                  </a:solidFill>
-                  <a:latin typeface="+mn-lt"/>
-                  <a:ea typeface="+mn-ea"/>
-                  <a:cs typeface="+mn-cs"/>
-                </a:defRPr>
-              </a:lvl1pPr>
-              <a:lvl2pPr marL="457200" algn="l" defTabSz="914400" rtl="0" eaLnBrk="1" latinLnBrk="0" hangingPunct="1">
-                <a:defRPr sz="1800" kern="1200">
-                  <a:solidFill>
-                    <a:schemeClr val="tx1"/>
-                  </a:solidFill>
-                  <a:latin typeface="+mn-lt"/>
-                  <a:ea typeface="+mn-ea"/>
-                  <a:cs typeface="+mn-cs"/>
-                </a:defRPr>
-              </a:lvl2pPr>
-              <a:lvl3pPr marL="914400" algn="l" defTabSz="914400" rtl="0" eaLnBrk="1" latinLnBrk="0" hangingPunct="1">
-                <a:defRPr sz="1800" kern="1200">
-                  <a:solidFill>
-                    <a:schemeClr val="tx1"/>
-                  </a:solidFill>
-                  <a:latin typeface="+mn-lt"/>
-                  <a:ea typeface="+mn-ea"/>
-                  <a:cs typeface="+mn-cs"/>
-                </a:defRPr>
-              </a:lvl3pPr>
-              <a:lvl4pPr marL="1371600" algn="l" defTabSz="914400" rtl="0" eaLnBrk="1" latinLnBrk="0" hangingPunct="1">
-                <a:defRPr sz="1800" kern="1200">
-                  <a:solidFill>
-                    <a:schemeClr val="tx1"/>
-                  </a:solidFill>
-                  <a:latin typeface="+mn-lt"/>
-                  <a:ea typeface="+mn-ea"/>
-                  <a:cs typeface="+mn-cs"/>
-                </a:defRPr>
-              </a:lvl4pPr>
-              <a:lvl5pPr marL="1828800" algn="l" defTabSz="914400" rtl="0" eaLnBrk="1" latinLnBrk="0" hangingPunct="1">
-                <a:defRPr sz="1800" kern="1200">
-                  <a:solidFill>
-                    <a:schemeClr val="tx1"/>
-                  </a:solidFill>
-                  <a:latin typeface="+mn-lt"/>
-                  <a:ea typeface="+mn-ea"/>
-                  <a:cs typeface="+mn-cs"/>
-                </a:defRPr>
-              </a:lvl5pPr>
-              <a:lvl6pPr marL="2286000" algn="l" defTabSz="914400" rtl="0" eaLnBrk="1" latinLnBrk="0" hangingPunct="1">
-                <a:defRPr sz="1800" kern="1200">
-                  <a:solidFill>
-                    <a:schemeClr val="tx1"/>
-                  </a:solidFill>
-                  <a:latin typeface="+mn-lt"/>
-                  <a:ea typeface="+mn-ea"/>
-                  <a:cs typeface="+mn-cs"/>
-                </a:defRPr>
-              </a:lvl6pPr>
-              <a:lvl7pPr marL="2743200" algn="l" defTabSz="914400" rtl="0" eaLnBrk="1" latinLnBrk="0" hangingPunct="1">
-                <a:defRPr sz="1800" kern="1200">
-                  <a:solidFill>
-                    <a:schemeClr val="tx1"/>
-                  </a:solidFill>
-                  <a:latin typeface="+mn-lt"/>
-                  <a:ea typeface="+mn-ea"/>
-                  <a:cs typeface="+mn-cs"/>
-                </a:defRPr>
-              </a:lvl7pPr>
-              <a:lvl8pPr marL="3200400" algn="l" defTabSz="914400" rtl="0" eaLnBrk="1" latinLnBrk="0" hangingPunct="1">
-                <a:defRPr sz="1800" kern="1200">
-                  <a:solidFill>
-                    <a:schemeClr val="tx1"/>
-                  </a:solidFill>
-                  <a:latin typeface="+mn-lt"/>
-                  <a:ea typeface="+mn-ea"/>
-                  <a:cs typeface="+mn-cs"/>
-                </a:defRPr>
-              </a:lvl8pPr>
-              <a:lvl9pPr marL="3657600" algn="l" defTabSz="914400" rtl="0" eaLnBrk="1" latinLnBrk="0" hangingPunct="1">
-                <a:defRPr sz="1800" kern="1200">
-                  <a:solidFill>
-                    <a:schemeClr val="tx1"/>
-                  </a:solidFill>
-                  <a:latin typeface="+mn-lt"/>
-                  <a:ea typeface="+mn-ea"/>
-                  <a:cs typeface="+mn-cs"/>
-                </a:defRPr>
-              </a:lvl9pPr>
-            </a:lstStyle>
-            <a:p>
-              <a:r>
-                <a:rPr lang="ko-KR" altLang="en-US" sz="900" dirty="0">
-                  <a:solidFill>
-                    <a:srgbClr val="5F5F5F"/>
-                  </a:solidFill>
-                  <a:latin typeface="Segoe UI" panose="020B0502040204020203" pitchFamily="34" charset="0"/>
-                  <a:cs typeface="Segoe UI" panose="020B0502040204020203" pitchFamily="34" charset="0"/>
-                </a:rPr>
-                <a:t>메뉴정보</a:t>
-              </a:r>
-              <a:endParaRPr lang="en-US" sz="900" dirty="0">
-                <a:solidFill>
-                  <a:srgbClr val="5F5F5F"/>
-                </a:solidFill>
-                <a:latin typeface="Segoe UI" panose="020B0502040204020203" pitchFamily="34" charset="0"/>
-                <a:cs typeface="Segoe UI" panose="020B0502040204020203" pitchFamily="34" charset="0"/>
-              </a:endParaRPr>
-            </a:p>
-          </p:txBody>
-        </p:sp>
-      </p:grpSp>
-      <p:grpSp>
-        <p:nvGrpSpPr>
-          <p:cNvPr id="31" name="그룹 30">
-            <a:extLst>
-              <a:ext uri="{FF2B5EF4-FFF2-40B4-BE49-F238E27FC236}">
-                <a16:creationId xmlns:a16="http://schemas.microsoft.com/office/drawing/2014/main" id="{4263DFF7-0817-4711-901F-F2A1697294C3}"/>
-              </a:ext>
-            </a:extLst>
-          </p:cNvPr>
-          <p:cNvGrpSpPr/>
-          <p:nvPr/>
-        </p:nvGrpSpPr>
-        <p:grpSpPr>
-          <a:xfrm>
-            <a:off x="4195534" y="4164996"/>
-            <a:ext cx="4081106" cy="2229150"/>
-            <a:chOff x="2229260" y="3253422"/>
-            <a:chExt cx="4081106" cy="2229150"/>
-          </a:xfrm>
-        </p:grpSpPr>
-        <p:grpSp>
-          <p:nvGrpSpPr>
-            <p:cNvPr id="24" name="Group Box" descr="&lt;SmartSettings&gt;&lt;SmartResize enabled=&quot;True&quot; minWidth=&quot;60&quot; minHeight=&quot;22&quot; /&gt;&lt;/SmartSettings&gt;">
-              <a:extLst>
-                <a:ext uri="{FF2B5EF4-FFF2-40B4-BE49-F238E27FC236}">
-                  <a16:creationId xmlns:a16="http://schemas.microsoft.com/office/drawing/2014/main" id="{FA5838C8-D6DA-4C85-82A0-D0059B251427}"/>
-                </a:ext>
-              </a:extLst>
-            </p:cNvPr>
-            <p:cNvGrpSpPr/>
-            <p:nvPr>
-              <p:custDataLst>
-                <p:tags r:id="rId4"/>
-              </p:custDataLst>
-            </p:nvPr>
-          </p:nvGrpSpPr>
-          <p:grpSpPr>
-            <a:xfrm>
-              <a:off x="2229261" y="3253422"/>
-              <a:ext cx="4081105" cy="901640"/>
-              <a:chOff x="643604" y="1190833"/>
-              <a:chExt cx="1828800" cy="753886"/>
-            </a:xfrm>
-          </p:grpSpPr>
-          <p:sp>
-            <p:nvSpPr>
-              <p:cNvPr id="25" name="Panel" descr="&lt;SmartSettings&gt;&lt;SmartResize anchorLeft=&quot;Relative&quot; anchorTop=&quot;Absolute&quot; anchorRight=&quot;Relative&quot; anchorBottom=&quot;Relative&quot; /&gt;&lt;/SmartSettings&gt;">
-                <a:extLst>
-                  <a:ext uri="{FF2B5EF4-FFF2-40B4-BE49-F238E27FC236}">
-                    <a16:creationId xmlns:a16="http://schemas.microsoft.com/office/drawing/2014/main" id="{1FFD48C6-4F30-48AC-89CB-7C9C4A08AAB1}"/>
-                  </a:ext>
-                </a:extLst>
-              </p:cNvPr>
-              <p:cNvSpPr/>
-              <p:nvPr>
-                <p:custDataLst>
-                  <p:tags r:id="rId8"/>
-                </p:custDataLst>
-              </p:nvPr>
-            </p:nvSpPr>
-            <p:spPr>
-              <a:xfrm>
-                <a:off x="643604" y="1250853"/>
-                <a:ext cx="1828800" cy="693866"/>
-              </a:xfrm>
-              <a:prstGeom prst="rect">
-                <a:avLst/>
-              </a:prstGeom>
-              <a:solidFill>
-                <a:srgbClr val="FFFFFF"/>
-              </a:solidFill>
-              <a:ln w="6350">
-                <a:solidFill>
-                  <a:srgbClr val="808080"/>
-                </a:solidFill>
-              </a:ln>
-            </p:spPr>
-            <p:style>
-              <a:lnRef idx="2">
-                <a:schemeClr val="accent1">
-                  <a:shade val="50000"/>
-                </a:schemeClr>
-              </a:lnRef>
-              <a:fillRef idx="1">
-                <a:schemeClr val="accent1"/>
-              </a:fillRef>
-              <a:effectRef idx="0">
-                <a:schemeClr val="accent1"/>
-              </a:effectRef>
-              <a:fontRef idx="minor">
-                <a:schemeClr val="lt1"/>
-              </a:fontRef>
-            </p:style>
-            <p:txBody>
-              <a:bodyPr rot="0" spcFirstLastPara="0" vert="horz" wrap="square" lIns="91440" tIns="45720" rIns="91440" bIns="45720" numCol="1" spcCol="0" rtlCol="0" fromWordArt="0" anchor="ctr" anchorCtr="0" forceAA="0" compatLnSpc="1">
-                <a:prstTxWarp prst="textNoShape">
-                  <a:avLst/>
-                </a:prstTxWarp>
-                <a:noAutofit/>
-              </a:bodyPr>
-              <a:lstStyle>
-                <a:defPPr>
-                  <a:defRPr lang="en-US"/>
-                </a:defPPr>
-                <a:lvl1pPr marL="0" algn="l" defTabSz="914400" rtl="0" eaLnBrk="1" latinLnBrk="0" hangingPunct="1">
-                  <a:defRPr sz="1800" kern="1200">
-                    <a:solidFill>
-                      <a:schemeClr val="lt1"/>
-                    </a:solidFill>
-                    <a:latin typeface="+mn-lt"/>
-                    <a:ea typeface="+mn-ea"/>
-                    <a:cs typeface="+mn-cs"/>
-                  </a:defRPr>
-                </a:lvl1pPr>
-                <a:lvl2pPr marL="457200" algn="l" defTabSz="914400" rtl="0" eaLnBrk="1" latinLnBrk="0" hangingPunct="1">
-                  <a:defRPr sz="1800" kern="1200">
-                    <a:solidFill>
-                      <a:schemeClr val="lt1"/>
-                    </a:solidFill>
-                    <a:latin typeface="+mn-lt"/>
-                    <a:ea typeface="+mn-ea"/>
-                    <a:cs typeface="+mn-cs"/>
-                  </a:defRPr>
-                </a:lvl2pPr>
-                <a:lvl3pPr marL="914400" algn="l" defTabSz="914400" rtl="0" eaLnBrk="1" latinLnBrk="0" hangingPunct="1">
-                  <a:defRPr sz="1800" kern="1200">
-                    <a:solidFill>
-                      <a:schemeClr val="lt1"/>
-                    </a:solidFill>
-                    <a:latin typeface="+mn-lt"/>
-                    <a:ea typeface="+mn-ea"/>
-                    <a:cs typeface="+mn-cs"/>
-                  </a:defRPr>
-                </a:lvl3pPr>
-                <a:lvl4pPr marL="1371600" algn="l" defTabSz="914400" rtl="0" eaLnBrk="1" latinLnBrk="0" hangingPunct="1">
-                  <a:defRPr sz="1800" kern="1200">
-                    <a:solidFill>
-                      <a:schemeClr val="lt1"/>
-                    </a:solidFill>
-                    <a:latin typeface="+mn-lt"/>
-                    <a:ea typeface="+mn-ea"/>
-                    <a:cs typeface="+mn-cs"/>
-                  </a:defRPr>
-                </a:lvl4pPr>
-                <a:lvl5pPr marL="1828800" algn="l" defTabSz="914400" rtl="0" eaLnBrk="1" latinLnBrk="0" hangingPunct="1">
-                  <a:defRPr sz="1800" kern="1200">
-                    <a:solidFill>
-                      <a:schemeClr val="lt1"/>
-                    </a:solidFill>
-                    <a:latin typeface="+mn-lt"/>
-                    <a:ea typeface="+mn-ea"/>
-                    <a:cs typeface="+mn-cs"/>
-                  </a:defRPr>
-                </a:lvl5pPr>
-                <a:lvl6pPr marL="2286000" algn="l" defTabSz="914400" rtl="0" eaLnBrk="1" latinLnBrk="0" hangingPunct="1">
-                  <a:defRPr sz="1800" kern="1200">
-                    <a:solidFill>
-                      <a:schemeClr val="lt1"/>
-                    </a:solidFill>
-                    <a:latin typeface="+mn-lt"/>
-                    <a:ea typeface="+mn-ea"/>
-                    <a:cs typeface="+mn-cs"/>
-                  </a:defRPr>
-                </a:lvl6pPr>
-                <a:lvl7pPr marL="2743200" algn="l" defTabSz="914400" rtl="0" eaLnBrk="1" latinLnBrk="0" hangingPunct="1">
-                  <a:defRPr sz="1800" kern="1200">
-                    <a:solidFill>
-                      <a:schemeClr val="lt1"/>
-                    </a:solidFill>
-                    <a:latin typeface="+mn-lt"/>
-                    <a:ea typeface="+mn-ea"/>
-                    <a:cs typeface="+mn-cs"/>
-                  </a:defRPr>
-                </a:lvl7pPr>
-                <a:lvl8pPr marL="3200400" algn="l" defTabSz="914400" rtl="0" eaLnBrk="1" latinLnBrk="0" hangingPunct="1">
-                  <a:defRPr sz="1800" kern="1200">
-                    <a:solidFill>
-                      <a:schemeClr val="lt1"/>
-                    </a:solidFill>
-                    <a:latin typeface="+mn-lt"/>
-                    <a:ea typeface="+mn-ea"/>
-                    <a:cs typeface="+mn-cs"/>
-                  </a:defRPr>
-                </a:lvl8pPr>
-                <a:lvl9pPr marL="3657600" algn="l" defTabSz="914400" rtl="0" eaLnBrk="1" latinLnBrk="0" hangingPunct="1">
-                  <a:defRPr sz="1800" kern="1200">
-                    <a:solidFill>
-                      <a:schemeClr val="lt1"/>
-                    </a:solidFill>
-                    <a:latin typeface="+mn-lt"/>
-                    <a:ea typeface="+mn-ea"/>
-                    <a:cs typeface="+mn-cs"/>
-                  </a:defRPr>
-                </a:lvl9pPr>
-              </a:lstStyle>
-              <a:p>
-                <a:r>
-                  <a:rPr lang="ko-KR" altLang="en-US" sz="900" dirty="0">
-                    <a:solidFill>
-                      <a:srgbClr val="5F5F5F"/>
-                    </a:solidFill>
-                    <a:latin typeface="Segoe UI" panose="020B0502040204020203" pitchFamily="34" charset="0"/>
-                    <a:cs typeface="Segoe UI" panose="020B0502040204020203" pitchFamily="34" charset="0"/>
-                  </a:rPr>
-                  <a:t>닉네임</a:t>
-                </a:r>
-                <a:r>
-                  <a:rPr lang="en-US" altLang="ko-KR" sz="900" dirty="0">
-                    <a:solidFill>
-                      <a:srgbClr val="5F5F5F"/>
-                    </a:solidFill>
-                    <a:latin typeface="Segoe UI" panose="020B0502040204020203" pitchFamily="34" charset="0"/>
-                    <a:cs typeface="Segoe UI" panose="020B0502040204020203" pitchFamily="34" charset="0"/>
-                  </a:rPr>
-                  <a:t>(ID) </a:t>
-                </a:r>
-                <a:r>
-                  <a:rPr lang="ko-KR" altLang="en-US" sz="900" dirty="0">
-                    <a:solidFill>
-                      <a:srgbClr val="5F5F5F"/>
-                    </a:solidFill>
-                    <a:latin typeface="Segoe UI" panose="020B0502040204020203" pitchFamily="34" charset="0"/>
-                    <a:cs typeface="Segoe UI" panose="020B0502040204020203" pitchFamily="34" charset="0"/>
-                  </a:rPr>
-                  <a:t>등록일</a:t>
-                </a:r>
-                <a:endParaRPr lang="en-US" sz="900" dirty="0">
-                  <a:solidFill>
-                    <a:srgbClr val="5F5F5F"/>
-                  </a:solidFill>
-                  <a:latin typeface="Segoe UI" panose="020B0502040204020203" pitchFamily="34" charset="0"/>
-                  <a:cs typeface="Segoe UI" panose="020B0502040204020203" pitchFamily="34" charset="0"/>
-                </a:endParaRPr>
-              </a:p>
-              <a:p>
-                <a:endParaRPr lang="en-US" altLang="ko-KR" sz="900" dirty="0">
-                  <a:solidFill>
-                    <a:srgbClr val="5F5F5F"/>
-                  </a:solidFill>
-                  <a:latin typeface="Segoe UI" panose="020B0502040204020203" pitchFamily="34" charset="0"/>
-                  <a:cs typeface="Segoe UI" panose="020B0502040204020203" pitchFamily="34" charset="0"/>
-                </a:endParaRPr>
-              </a:p>
-              <a:p>
-                <a:r>
-                  <a:rPr lang="en-US" altLang="ko-KR" sz="900" dirty="0">
-                    <a:solidFill>
-                      <a:srgbClr val="5F5F5F"/>
-                    </a:solidFill>
-                    <a:latin typeface="Segoe UI" panose="020B0502040204020203" pitchFamily="34" charset="0"/>
-                    <a:cs typeface="Segoe UI" panose="020B0502040204020203" pitchFamily="34" charset="0"/>
-                  </a:rPr>
-                  <a:t>- </a:t>
-                </a:r>
-                <a:r>
-                  <a:rPr lang="ko-KR" altLang="en-US" sz="900" dirty="0">
-                    <a:solidFill>
-                      <a:srgbClr val="5F5F5F"/>
-                    </a:solidFill>
-                    <a:latin typeface="Segoe UI" panose="020B0502040204020203" pitchFamily="34" charset="0"/>
-                    <a:cs typeface="Segoe UI" panose="020B0502040204020203" pitchFamily="34" charset="0"/>
-                  </a:rPr>
-                  <a:t>댓글내용</a:t>
-                </a:r>
-                <a:endParaRPr lang="en-US" sz="900" dirty="0">
-                  <a:solidFill>
-                    <a:srgbClr val="5F5F5F"/>
-                  </a:solidFill>
-                  <a:latin typeface="Segoe UI" panose="020B0502040204020203" pitchFamily="34" charset="0"/>
-                  <a:cs typeface="Segoe UI" panose="020B0502040204020203" pitchFamily="34" charset="0"/>
-                </a:endParaRPr>
-              </a:p>
-            </p:txBody>
-          </p:sp>
-          <p:sp>
-            <p:nvSpPr>
-              <p:cNvPr id="26" name="Label" descr="&lt;SmartSettings&gt;&lt;SmartResize anchorLeft=&quot;Absolute&quot; anchorTop=&quot;Absolute&quot; anchorRight=&quot;None&quot; anchorBottom=&quot;None&quot; /&gt;&lt;/SmartSettings&gt;">
-                <a:extLst>
-                  <a:ext uri="{FF2B5EF4-FFF2-40B4-BE49-F238E27FC236}">
-                    <a16:creationId xmlns:a16="http://schemas.microsoft.com/office/drawing/2014/main" id="{D5169D4C-6C10-4840-906F-B291EB7AADC9}"/>
-                  </a:ext>
-                </a:extLst>
-              </p:cNvPr>
-              <p:cNvSpPr txBox="1"/>
-              <p:nvPr>
-                <p:custDataLst>
-                  <p:tags r:id="rId9"/>
-                </p:custDataLst>
-              </p:nvPr>
-            </p:nvSpPr>
-            <p:spPr>
-              <a:xfrm>
-                <a:off x="664399" y="1190833"/>
-                <a:ext cx="254345" cy="131244"/>
-              </a:xfrm>
-              <a:prstGeom prst="rect">
-                <a:avLst/>
-              </a:prstGeom>
-              <a:solidFill>
-                <a:srgbClr val="FFFFFF"/>
-              </a:solidFill>
-            </p:spPr>
-            <p:txBody>
-              <a:bodyPr wrap="none" lIns="36576" tIns="9144" rIns="36576" bIns="9144" rtlCol="0">
-                <a:spAutoFit/>
-              </a:bodyPr>
-              <a:lstStyle>
-                <a:defPPr>
-                  <a:defRPr lang="en-US"/>
-                </a:defPPr>
-                <a:lvl1pPr marL="0" algn="l" defTabSz="914400" rtl="0" eaLnBrk="1" latinLnBrk="0" hangingPunct="1">
-                  <a:defRPr sz="1800" kern="1200">
-                    <a:solidFill>
-                      <a:schemeClr val="tx1"/>
-                    </a:solidFill>
-                    <a:latin typeface="+mn-lt"/>
-                    <a:ea typeface="+mn-ea"/>
-                    <a:cs typeface="+mn-cs"/>
-                  </a:defRPr>
-                </a:lvl1pPr>
-                <a:lvl2pPr marL="457200" algn="l" defTabSz="914400" rtl="0" eaLnBrk="1" latinLnBrk="0" hangingPunct="1">
-                  <a:defRPr sz="1800" kern="1200">
-                    <a:solidFill>
-                      <a:schemeClr val="tx1"/>
-                    </a:solidFill>
-                    <a:latin typeface="+mn-lt"/>
-                    <a:ea typeface="+mn-ea"/>
-                    <a:cs typeface="+mn-cs"/>
-                  </a:defRPr>
-                </a:lvl2pPr>
-                <a:lvl3pPr marL="914400" algn="l" defTabSz="914400" rtl="0" eaLnBrk="1" latinLnBrk="0" hangingPunct="1">
-                  <a:defRPr sz="1800" kern="1200">
-                    <a:solidFill>
-                      <a:schemeClr val="tx1"/>
-                    </a:solidFill>
-                    <a:latin typeface="+mn-lt"/>
-                    <a:ea typeface="+mn-ea"/>
-                    <a:cs typeface="+mn-cs"/>
-                  </a:defRPr>
-                </a:lvl3pPr>
-                <a:lvl4pPr marL="1371600" algn="l" defTabSz="914400" rtl="0" eaLnBrk="1" latinLnBrk="0" hangingPunct="1">
-                  <a:defRPr sz="1800" kern="1200">
-                    <a:solidFill>
-                      <a:schemeClr val="tx1"/>
-                    </a:solidFill>
-                    <a:latin typeface="+mn-lt"/>
-                    <a:ea typeface="+mn-ea"/>
-                    <a:cs typeface="+mn-cs"/>
-                  </a:defRPr>
-                </a:lvl4pPr>
-                <a:lvl5pPr marL="1828800" algn="l" defTabSz="914400" rtl="0" eaLnBrk="1" latinLnBrk="0" hangingPunct="1">
-                  <a:defRPr sz="1800" kern="1200">
-                    <a:solidFill>
-                      <a:schemeClr val="tx1"/>
-                    </a:solidFill>
-                    <a:latin typeface="+mn-lt"/>
-                    <a:ea typeface="+mn-ea"/>
-                    <a:cs typeface="+mn-cs"/>
-                  </a:defRPr>
-                </a:lvl5pPr>
-                <a:lvl6pPr marL="2286000" algn="l" defTabSz="914400" rtl="0" eaLnBrk="1" latinLnBrk="0" hangingPunct="1">
-                  <a:defRPr sz="1800" kern="1200">
-                    <a:solidFill>
-                      <a:schemeClr val="tx1"/>
-                    </a:solidFill>
-                    <a:latin typeface="+mn-lt"/>
-                    <a:ea typeface="+mn-ea"/>
-                    <a:cs typeface="+mn-cs"/>
-                  </a:defRPr>
-                </a:lvl6pPr>
-                <a:lvl7pPr marL="2743200" algn="l" defTabSz="914400" rtl="0" eaLnBrk="1" latinLnBrk="0" hangingPunct="1">
-                  <a:defRPr sz="1800" kern="1200">
-                    <a:solidFill>
-                      <a:schemeClr val="tx1"/>
-                    </a:solidFill>
-                    <a:latin typeface="+mn-lt"/>
-                    <a:ea typeface="+mn-ea"/>
-                    <a:cs typeface="+mn-cs"/>
-                  </a:defRPr>
-                </a:lvl7pPr>
-                <a:lvl8pPr marL="3200400" algn="l" defTabSz="914400" rtl="0" eaLnBrk="1" latinLnBrk="0" hangingPunct="1">
-                  <a:defRPr sz="1800" kern="1200">
-                    <a:solidFill>
-                      <a:schemeClr val="tx1"/>
-                    </a:solidFill>
-                    <a:latin typeface="+mn-lt"/>
-                    <a:ea typeface="+mn-ea"/>
-                    <a:cs typeface="+mn-cs"/>
-                  </a:defRPr>
-                </a:lvl8pPr>
-                <a:lvl9pPr marL="3657600" algn="l" defTabSz="914400" rtl="0" eaLnBrk="1" latinLnBrk="0" hangingPunct="1">
-                  <a:defRPr sz="1800" kern="1200">
-                    <a:solidFill>
-                      <a:schemeClr val="tx1"/>
-                    </a:solidFill>
-                    <a:latin typeface="+mn-lt"/>
-                    <a:ea typeface="+mn-ea"/>
-                    <a:cs typeface="+mn-cs"/>
-                  </a:defRPr>
-                </a:lvl9pPr>
-              </a:lstStyle>
-              <a:p>
-                <a:r>
-                  <a:rPr lang="ko-KR" altLang="en-US" sz="900" dirty="0">
-                    <a:solidFill>
-                      <a:srgbClr val="5F5F5F"/>
-                    </a:solidFill>
-                    <a:latin typeface="Segoe UI" panose="020B0502040204020203" pitchFamily="34" charset="0"/>
-                    <a:cs typeface="Segoe UI" panose="020B0502040204020203" pitchFamily="34" charset="0"/>
-                  </a:rPr>
-                  <a:t>댓글 정보</a:t>
-                </a:r>
-                <a:endParaRPr lang="en-US" sz="900" dirty="0">
-                  <a:solidFill>
-                    <a:srgbClr val="5F5F5F"/>
-                  </a:solidFill>
-                  <a:latin typeface="Segoe UI" panose="020B0502040204020203" pitchFamily="34" charset="0"/>
-                  <a:cs typeface="Segoe UI" panose="020B0502040204020203" pitchFamily="34" charset="0"/>
-                </a:endParaRPr>
-              </a:p>
-            </p:txBody>
-          </p:sp>
-        </p:grpSp>
-        <p:grpSp>
-          <p:nvGrpSpPr>
-            <p:cNvPr id="27" name="Group Box" descr="&lt;SmartSettings&gt;&lt;SmartResize enabled=&quot;True&quot; minWidth=&quot;60&quot; minHeight=&quot;22&quot; /&gt;&lt;/SmartSettings&gt;">
-              <a:extLst>
-                <a:ext uri="{FF2B5EF4-FFF2-40B4-BE49-F238E27FC236}">
-                  <a16:creationId xmlns:a16="http://schemas.microsoft.com/office/drawing/2014/main" id="{E7E92BA8-B1F6-472C-B38F-168D9CB7E9CD}"/>
-                </a:ext>
-              </a:extLst>
-            </p:cNvPr>
-            <p:cNvGrpSpPr/>
-            <p:nvPr>
-              <p:custDataLst>
-                <p:tags r:id="rId5"/>
-              </p:custDataLst>
-            </p:nvPr>
-          </p:nvGrpSpPr>
-          <p:grpSpPr>
-            <a:xfrm>
-              <a:off x="2229260" y="4269758"/>
-              <a:ext cx="4081106" cy="893710"/>
-              <a:chOff x="595686" y="1184134"/>
-              <a:chExt cx="1828800" cy="1801339"/>
-            </a:xfrm>
-          </p:grpSpPr>
-          <p:sp>
-            <p:nvSpPr>
-              <p:cNvPr id="28" name="Panel" descr="&lt;SmartSettings&gt;&lt;SmartResize anchorLeft=&quot;Relative&quot; anchorTop=&quot;Absolute&quot; anchorRight=&quot;Relative&quot; anchorBottom=&quot;Relative&quot; /&gt;&lt;/SmartSettings&gt;">
-                <a:extLst>
-                  <a:ext uri="{FF2B5EF4-FFF2-40B4-BE49-F238E27FC236}">
-                    <a16:creationId xmlns:a16="http://schemas.microsoft.com/office/drawing/2014/main" id="{B858AD39-676B-483D-9343-DD6DF8591BCA}"/>
-                  </a:ext>
-                </a:extLst>
-              </p:cNvPr>
-              <p:cNvSpPr/>
-              <p:nvPr>
-                <p:custDataLst>
-                  <p:tags r:id="rId6"/>
-                </p:custDataLst>
-              </p:nvPr>
-            </p:nvSpPr>
-            <p:spPr>
-              <a:xfrm>
-                <a:off x="595686" y="1339553"/>
-                <a:ext cx="1828800" cy="1645920"/>
-              </a:xfrm>
-              <a:prstGeom prst="rect">
-                <a:avLst/>
-              </a:prstGeom>
-              <a:solidFill>
-                <a:srgbClr val="FFFFFF"/>
-              </a:solidFill>
-              <a:ln w="6350">
-                <a:solidFill>
-                  <a:srgbClr val="808080"/>
-                </a:solidFill>
-              </a:ln>
-            </p:spPr>
-            <p:style>
-              <a:lnRef idx="2">
-                <a:schemeClr val="accent1">
-                  <a:shade val="50000"/>
-                </a:schemeClr>
-              </a:lnRef>
-              <a:fillRef idx="1">
-                <a:schemeClr val="accent1"/>
-              </a:fillRef>
-              <a:effectRef idx="0">
-                <a:schemeClr val="accent1"/>
-              </a:effectRef>
-              <a:fontRef idx="minor">
-                <a:schemeClr val="lt1"/>
-              </a:fontRef>
-            </p:style>
-            <p:txBody>
-              <a:bodyPr rot="0" spcFirstLastPara="0" vert="horz" wrap="square" lIns="91440" tIns="45720" rIns="91440" bIns="45720" numCol="1" spcCol="0" rtlCol="0" fromWordArt="0" anchor="ctr" anchorCtr="0" forceAA="0" compatLnSpc="1">
-                <a:prstTxWarp prst="textNoShape">
-                  <a:avLst/>
-                </a:prstTxWarp>
-                <a:noAutofit/>
-              </a:bodyPr>
-              <a:lstStyle>
-                <a:defPPr>
-                  <a:defRPr lang="en-US"/>
-                </a:defPPr>
-                <a:lvl1pPr marL="0" algn="l" defTabSz="914400" rtl="0" eaLnBrk="1" latinLnBrk="0" hangingPunct="1">
-                  <a:defRPr sz="1800" kern="1200">
-                    <a:solidFill>
-                      <a:schemeClr val="lt1"/>
-                    </a:solidFill>
-                    <a:latin typeface="+mn-lt"/>
-                    <a:ea typeface="+mn-ea"/>
-                    <a:cs typeface="+mn-cs"/>
-                  </a:defRPr>
-                </a:lvl1pPr>
-                <a:lvl2pPr marL="457200" algn="l" defTabSz="914400" rtl="0" eaLnBrk="1" latinLnBrk="0" hangingPunct="1">
-                  <a:defRPr sz="1800" kern="1200">
-                    <a:solidFill>
-                      <a:schemeClr val="lt1"/>
-                    </a:solidFill>
-                    <a:latin typeface="+mn-lt"/>
-                    <a:ea typeface="+mn-ea"/>
-                    <a:cs typeface="+mn-cs"/>
-                  </a:defRPr>
-                </a:lvl2pPr>
-                <a:lvl3pPr marL="914400" algn="l" defTabSz="914400" rtl="0" eaLnBrk="1" latinLnBrk="0" hangingPunct="1">
-                  <a:defRPr sz="1800" kern="1200">
-                    <a:solidFill>
-                      <a:schemeClr val="lt1"/>
-                    </a:solidFill>
-                    <a:latin typeface="+mn-lt"/>
-                    <a:ea typeface="+mn-ea"/>
-                    <a:cs typeface="+mn-cs"/>
-                  </a:defRPr>
-                </a:lvl3pPr>
-                <a:lvl4pPr marL="1371600" algn="l" defTabSz="914400" rtl="0" eaLnBrk="1" latinLnBrk="0" hangingPunct="1">
-                  <a:defRPr sz="1800" kern="1200">
-                    <a:solidFill>
-                      <a:schemeClr val="lt1"/>
-                    </a:solidFill>
-                    <a:latin typeface="+mn-lt"/>
-                    <a:ea typeface="+mn-ea"/>
-                    <a:cs typeface="+mn-cs"/>
-                  </a:defRPr>
-                </a:lvl4pPr>
-                <a:lvl5pPr marL="1828800" algn="l" defTabSz="914400" rtl="0" eaLnBrk="1" latinLnBrk="0" hangingPunct="1">
-                  <a:defRPr sz="1800" kern="1200">
-                    <a:solidFill>
-                      <a:schemeClr val="lt1"/>
-                    </a:solidFill>
-                    <a:latin typeface="+mn-lt"/>
-                    <a:ea typeface="+mn-ea"/>
-                    <a:cs typeface="+mn-cs"/>
-                  </a:defRPr>
-                </a:lvl5pPr>
-                <a:lvl6pPr marL="2286000" algn="l" defTabSz="914400" rtl="0" eaLnBrk="1" latinLnBrk="0" hangingPunct="1">
-                  <a:defRPr sz="1800" kern="1200">
-                    <a:solidFill>
-                      <a:schemeClr val="lt1"/>
-                    </a:solidFill>
-                    <a:latin typeface="+mn-lt"/>
-                    <a:ea typeface="+mn-ea"/>
-                    <a:cs typeface="+mn-cs"/>
-                  </a:defRPr>
-                </a:lvl6pPr>
-                <a:lvl7pPr marL="2743200" algn="l" defTabSz="914400" rtl="0" eaLnBrk="1" latinLnBrk="0" hangingPunct="1">
-                  <a:defRPr sz="1800" kern="1200">
-                    <a:solidFill>
-                      <a:schemeClr val="lt1"/>
-                    </a:solidFill>
-                    <a:latin typeface="+mn-lt"/>
-                    <a:ea typeface="+mn-ea"/>
-                    <a:cs typeface="+mn-cs"/>
-                  </a:defRPr>
-                </a:lvl7pPr>
-                <a:lvl8pPr marL="3200400" algn="l" defTabSz="914400" rtl="0" eaLnBrk="1" latinLnBrk="0" hangingPunct="1">
-                  <a:defRPr sz="1800" kern="1200">
-                    <a:solidFill>
-                      <a:schemeClr val="lt1"/>
-                    </a:solidFill>
-                    <a:latin typeface="+mn-lt"/>
-                    <a:ea typeface="+mn-ea"/>
-                    <a:cs typeface="+mn-cs"/>
-                  </a:defRPr>
-                </a:lvl8pPr>
-                <a:lvl9pPr marL="3657600" algn="l" defTabSz="914400" rtl="0" eaLnBrk="1" latinLnBrk="0" hangingPunct="1">
-                  <a:defRPr sz="1800" kern="1200">
-                    <a:solidFill>
-                      <a:schemeClr val="lt1"/>
-                    </a:solidFill>
-                    <a:latin typeface="+mn-lt"/>
-                    <a:ea typeface="+mn-ea"/>
-                    <a:cs typeface="+mn-cs"/>
-                  </a:defRPr>
-                </a:lvl9pPr>
-              </a:lstStyle>
-              <a:p>
-                <a:pPr algn="ctr"/>
-                <a:endParaRPr lang="en-US" sz="900" dirty="0">
-                  <a:solidFill>
-                    <a:srgbClr val="5F5F5F"/>
-                  </a:solidFill>
-                  <a:latin typeface="Segoe UI" panose="020B0502040204020203" pitchFamily="34" charset="0"/>
-                  <a:cs typeface="Segoe UI" panose="020B0502040204020203" pitchFamily="34" charset="0"/>
-                </a:endParaRPr>
-              </a:p>
-            </p:txBody>
-          </p:sp>
-          <p:sp>
-            <p:nvSpPr>
-              <p:cNvPr id="29" name="Label" descr="&lt;SmartSettings&gt;&lt;SmartResize anchorLeft=&quot;Absolute&quot; anchorTop=&quot;Absolute&quot; anchorRight=&quot;None&quot; anchorBottom=&quot;None&quot; /&gt;&lt;/SmartSettings&gt;">
-                <a:extLst>
-                  <a:ext uri="{FF2B5EF4-FFF2-40B4-BE49-F238E27FC236}">
-                    <a16:creationId xmlns:a16="http://schemas.microsoft.com/office/drawing/2014/main" id="{D53CB7B3-008A-48D2-96A0-782393846383}"/>
-                  </a:ext>
-                </a:extLst>
-              </p:cNvPr>
-              <p:cNvSpPr txBox="1"/>
-              <p:nvPr>
-                <p:custDataLst>
-                  <p:tags r:id="rId7"/>
-                </p:custDataLst>
-              </p:nvPr>
-            </p:nvSpPr>
-            <p:spPr>
-              <a:xfrm>
-                <a:off x="619358" y="1184134"/>
-                <a:ext cx="306065" cy="316377"/>
-              </a:xfrm>
-              <a:prstGeom prst="rect">
-                <a:avLst/>
-              </a:prstGeom>
-              <a:solidFill>
-                <a:srgbClr val="FFFFFF"/>
-              </a:solidFill>
-            </p:spPr>
-            <p:txBody>
-              <a:bodyPr wrap="none" lIns="36576" tIns="9144" rIns="36576" bIns="9144" rtlCol="0">
-                <a:spAutoFit/>
-              </a:bodyPr>
-              <a:lstStyle>
-                <a:defPPr>
-                  <a:defRPr lang="en-US"/>
-                </a:defPPr>
-                <a:lvl1pPr marL="0" algn="l" defTabSz="914400" rtl="0" eaLnBrk="1" latinLnBrk="0" hangingPunct="1">
-                  <a:defRPr sz="1800" kern="1200">
-                    <a:solidFill>
-                      <a:schemeClr val="tx1"/>
-                    </a:solidFill>
-                    <a:latin typeface="+mn-lt"/>
-                    <a:ea typeface="+mn-ea"/>
-                    <a:cs typeface="+mn-cs"/>
-                  </a:defRPr>
-                </a:lvl1pPr>
-                <a:lvl2pPr marL="457200" algn="l" defTabSz="914400" rtl="0" eaLnBrk="1" latinLnBrk="0" hangingPunct="1">
-                  <a:defRPr sz="1800" kern="1200">
-                    <a:solidFill>
-                      <a:schemeClr val="tx1"/>
-                    </a:solidFill>
-                    <a:latin typeface="+mn-lt"/>
-                    <a:ea typeface="+mn-ea"/>
-                    <a:cs typeface="+mn-cs"/>
-                  </a:defRPr>
-                </a:lvl2pPr>
-                <a:lvl3pPr marL="914400" algn="l" defTabSz="914400" rtl="0" eaLnBrk="1" latinLnBrk="0" hangingPunct="1">
-                  <a:defRPr sz="1800" kern="1200">
-                    <a:solidFill>
-                      <a:schemeClr val="tx1"/>
-                    </a:solidFill>
-                    <a:latin typeface="+mn-lt"/>
-                    <a:ea typeface="+mn-ea"/>
-                    <a:cs typeface="+mn-cs"/>
-                  </a:defRPr>
-                </a:lvl3pPr>
-                <a:lvl4pPr marL="1371600" algn="l" defTabSz="914400" rtl="0" eaLnBrk="1" latinLnBrk="0" hangingPunct="1">
-                  <a:defRPr sz="1800" kern="1200">
-                    <a:solidFill>
-                      <a:schemeClr val="tx1"/>
-                    </a:solidFill>
-                    <a:latin typeface="+mn-lt"/>
-                    <a:ea typeface="+mn-ea"/>
-                    <a:cs typeface="+mn-cs"/>
-                  </a:defRPr>
-                </a:lvl4pPr>
-                <a:lvl5pPr marL="1828800" algn="l" defTabSz="914400" rtl="0" eaLnBrk="1" latinLnBrk="0" hangingPunct="1">
-                  <a:defRPr sz="1800" kern="1200">
-                    <a:solidFill>
-                      <a:schemeClr val="tx1"/>
-                    </a:solidFill>
-                    <a:latin typeface="+mn-lt"/>
-                    <a:ea typeface="+mn-ea"/>
-                    <a:cs typeface="+mn-cs"/>
-                  </a:defRPr>
-                </a:lvl5pPr>
-                <a:lvl6pPr marL="2286000" algn="l" defTabSz="914400" rtl="0" eaLnBrk="1" latinLnBrk="0" hangingPunct="1">
-                  <a:defRPr sz="1800" kern="1200">
-                    <a:solidFill>
-                      <a:schemeClr val="tx1"/>
-                    </a:solidFill>
-                    <a:latin typeface="+mn-lt"/>
-                    <a:ea typeface="+mn-ea"/>
-                    <a:cs typeface="+mn-cs"/>
-                  </a:defRPr>
-                </a:lvl6pPr>
-                <a:lvl7pPr marL="2743200" algn="l" defTabSz="914400" rtl="0" eaLnBrk="1" latinLnBrk="0" hangingPunct="1">
-                  <a:defRPr sz="1800" kern="1200">
-                    <a:solidFill>
-                      <a:schemeClr val="tx1"/>
-                    </a:solidFill>
-                    <a:latin typeface="+mn-lt"/>
-                    <a:ea typeface="+mn-ea"/>
-                    <a:cs typeface="+mn-cs"/>
-                  </a:defRPr>
-                </a:lvl7pPr>
-                <a:lvl8pPr marL="3200400" algn="l" defTabSz="914400" rtl="0" eaLnBrk="1" latinLnBrk="0" hangingPunct="1">
-                  <a:defRPr sz="1800" kern="1200">
-                    <a:solidFill>
-                      <a:schemeClr val="tx1"/>
-                    </a:solidFill>
-                    <a:latin typeface="+mn-lt"/>
-                    <a:ea typeface="+mn-ea"/>
-                    <a:cs typeface="+mn-cs"/>
-                  </a:defRPr>
-                </a:lvl8pPr>
-                <a:lvl9pPr marL="3657600" algn="l" defTabSz="914400" rtl="0" eaLnBrk="1" latinLnBrk="0" hangingPunct="1">
-                  <a:defRPr sz="1800" kern="1200">
-                    <a:solidFill>
-                      <a:schemeClr val="tx1"/>
-                    </a:solidFill>
-                    <a:latin typeface="+mn-lt"/>
-                    <a:ea typeface="+mn-ea"/>
-                    <a:cs typeface="+mn-cs"/>
-                  </a:defRPr>
-                </a:lvl9pPr>
-              </a:lstStyle>
-              <a:p>
-                <a:r>
-                  <a:rPr lang="ko-KR" altLang="en-US" sz="900" dirty="0">
-                    <a:solidFill>
-                      <a:srgbClr val="5F5F5F"/>
-                    </a:solidFill>
-                    <a:latin typeface="Segoe UI" panose="020B0502040204020203" pitchFamily="34" charset="0"/>
-                    <a:cs typeface="Segoe UI" panose="020B0502040204020203" pitchFamily="34" charset="0"/>
-                  </a:rPr>
-                  <a:t>댓글 </a:t>
-                </a:r>
-                <a:r>
-                  <a:rPr lang="ko-KR" altLang="en-US" sz="900" dirty="0" err="1">
-                    <a:solidFill>
-                      <a:srgbClr val="5F5F5F"/>
-                    </a:solidFill>
-                    <a:latin typeface="Segoe UI" panose="020B0502040204020203" pitchFamily="34" charset="0"/>
-                    <a:cs typeface="Segoe UI" panose="020B0502040204020203" pitchFamily="34" charset="0"/>
-                  </a:rPr>
-                  <a:t>등록란</a:t>
-                </a:r>
-                <a:endParaRPr lang="en-US" sz="900" dirty="0">
-                  <a:solidFill>
-                    <a:srgbClr val="5F5F5F"/>
-                  </a:solidFill>
-                  <a:latin typeface="Segoe UI" panose="020B0502040204020203" pitchFamily="34" charset="0"/>
-                  <a:cs typeface="Segoe UI" panose="020B0502040204020203" pitchFamily="34" charset="0"/>
-                </a:endParaRPr>
-              </a:p>
-            </p:txBody>
-          </p:sp>
-        </p:grpSp>
-        <p:sp>
-          <p:nvSpPr>
-            <p:cNvPr id="30" name="Button">
-              <a:extLst>
-                <a:ext uri="{FF2B5EF4-FFF2-40B4-BE49-F238E27FC236}">
-                  <a16:creationId xmlns:a16="http://schemas.microsoft.com/office/drawing/2014/main" id="{448E1BB9-588D-4C4A-BAA3-B457A028FF5A}"/>
-                </a:ext>
-              </a:extLst>
-            </p:cNvPr>
-            <p:cNvSpPr>
-              <a:spLocks/>
-            </p:cNvSpPr>
-            <p:nvPr/>
-          </p:nvSpPr>
-          <p:spPr bwMode="auto">
-            <a:xfrm>
-              <a:off x="5882223" y="5240577"/>
-              <a:ext cx="427553" cy="241995"/>
-            </a:xfrm>
-            <a:prstGeom prst="roundRect">
-              <a:avLst>
-                <a:gd name="adj" fmla="val 8776"/>
-              </a:avLst>
-            </a:prstGeom>
-            <a:solidFill>
-              <a:srgbClr val="FFFFFF"/>
-            </a:solidFill>
-            <a:ln w="6350" cap="flat" cmpd="sng" algn="ctr">
-              <a:solidFill>
-                <a:srgbClr val="808080"/>
-              </a:solidFill>
-              <a:prstDash val="solid"/>
-              <a:round/>
-              <a:headEnd type="none" w="med" len="med"/>
-              <a:tailEnd type="none" w="med" len="med"/>
-            </a:ln>
-            <a:effectLst/>
-          </p:spPr>
-          <p:style>
-            <a:lnRef idx="2">
-              <a:schemeClr val="accent1">
-                <a:shade val="50000"/>
-              </a:schemeClr>
-            </a:lnRef>
-            <a:fillRef idx="1">
-              <a:schemeClr val="accent1"/>
-            </a:fillRef>
-            <a:effectRef idx="0">
-              <a:schemeClr val="accent1"/>
-            </a:effectRef>
-            <a:fontRef idx="minor">
-              <a:schemeClr val="lt1"/>
-            </a:fontRef>
-          </p:style>
-          <p:txBody>
-            <a:bodyPr wrap="square" rtlCol="0" anchor="ctr">
-              <a:spAutoFit/>
-            </a:bodyPr>
-            <a:lstStyle>
-              <a:defPPr>
-                <a:defRPr lang="en-US"/>
-              </a:defPPr>
-              <a:lvl1pPr marL="0" algn="l" defTabSz="914400" rtl="0" eaLnBrk="1" latinLnBrk="0" hangingPunct="1">
-                <a:defRPr sz="1800" kern="1200">
-                  <a:solidFill>
-                    <a:schemeClr val="lt1"/>
-                  </a:solidFill>
-                  <a:latin typeface="+mn-lt"/>
-                  <a:ea typeface="+mn-ea"/>
-                  <a:cs typeface="+mn-cs"/>
-                </a:defRPr>
-              </a:lvl1pPr>
-              <a:lvl2pPr marL="457200" algn="l" defTabSz="914400" rtl="0" eaLnBrk="1" latinLnBrk="0" hangingPunct="1">
-                <a:defRPr sz="1800" kern="1200">
-                  <a:solidFill>
-                    <a:schemeClr val="lt1"/>
-                  </a:solidFill>
-                  <a:latin typeface="+mn-lt"/>
-                  <a:ea typeface="+mn-ea"/>
-                  <a:cs typeface="+mn-cs"/>
-                </a:defRPr>
-              </a:lvl2pPr>
-              <a:lvl3pPr marL="914400" algn="l" defTabSz="914400" rtl="0" eaLnBrk="1" latinLnBrk="0" hangingPunct="1">
-                <a:defRPr sz="1800" kern="1200">
-                  <a:solidFill>
-                    <a:schemeClr val="lt1"/>
-                  </a:solidFill>
-                  <a:latin typeface="+mn-lt"/>
-                  <a:ea typeface="+mn-ea"/>
-                  <a:cs typeface="+mn-cs"/>
-                </a:defRPr>
-              </a:lvl3pPr>
-              <a:lvl4pPr marL="1371600" algn="l" defTabSz="914400" rtl="0" eaLnBrk="1" latinLnBrk="0" hangingPunct="1">
-                <a:defRPr sz="1800" kern="1200">
-                  <a:solidFill>
-                    <a:schemeClr val="lt1"/>
-                  </a:solidFill>
-                  <a:latin typeface="+mn-lt"/>
-                  <a:ea typeface="+mn-ea"/>
-                  <a:cs typeface="+mn-cs"/>
-                </a:defRPr>
-              </a:lvl4pPr>
-              <a:lvl5pPr marL="1828800" algn="l" defTabSz="914400" rtl="0" eaLnBrk="1" latinLnBrk="0" hangingPunct="1">
-                <a:defRPr sz="1800" kern="1200">
-                  <a:solidFill>
-                    <a:schemeClr val="lt1"/>
-                  </a:solidFill>
-                  <a:latin typeface="+mn-lt"/>
-                  <a:ea typeface="+mn-ea"/>
-                  <a:cs typeface="+mn-cs"/>
-                </a:defRPr>
-              </a:lvl5pPr>
-              <a:lvl6pPr marL="2286000" algn="l" defTabSz="914400" rtl="0" eaLnBrk="1" latinLnBrk="0" hangingPunct="1">
-                <a:defRPr sz="1800" kern="1200">
-                  <a:solidFill>
-                    <a:schemeClr val="lt1"/>
-                  </a:solidFill>
-                  <a:latin typeface="+mn-lt"/>
-                  <a:ea typeface="+mn-ea"/>
-                  <a:cs typeface="+mn-cs"/>
-                </a:defRPr>
-              </a:lvl6pPr>
-              <a:lvl7pPr marL="2743200" algn="l" defTabSz="914400" rtl="0" eaLnBrk="1" latinLnBrk="0" hangingPunct="1">
-                <a:defRPr sz="1800" kern="1200">
-                  <a:solidFill>
-                    <a:schemeClr val="lt1"/>
-                  </a:solidFill>
-                  <a:latin typeface="+mn-lt"/>
-                  <a:ea typeface="+mn-ea"/>
-                  <a:cs typeface="+mn-cs"/>
-                </a:defRPr>
-              </a:lvl7pPr>
-              <a:lvl8pPr marL="3200400" algn="l" defTabSz="914400" rtl="0" eaLnBrk="1" latinLnBrk="0" hangingPunct="1">
-                <a:defRPr sz="1800" kern="1200">
-                  <a:solidFill>
-                    <a:schemeClr val="lt1"/>
-                  </a:solidFill>
-                  <a:latin typeface="+mn-lt"/>
-                  <a:ea typeface="+mn-ea"/>
-                  <a:cs typeface="+mn-cs"/>
-                </a:defRPr>
-              </a:lvl8pPr>
-              <a:lvl9pPr marL="3657600" algn="l" defTabSz="914400" rtl="0" eaLnBrk="1" latinLnBrk="0" hangingPunct="1">
-                <a:defRPr sz="1800" kern="1200">
-                  <a:solidFill>
-                    <a:schemeClr val="lt1"/>
-                  </a:solidFill>
-                  <a:latin typeface="+mn-lt"/>
-                  <a:ea typeface="+mn-ea"/>
-                  <a:cs typeface="+mn-cs"/>
-                </a:defRPr>
-              </a:lvl9pPr>
-            </a:lstStyle>
-            <a:p>
-              <a:r>
-                <a:rPr lang="ko-KR" altLang="en-US" sz="900" dirty="0">
-                  <a:solidFill>
-                    <a:srgbClr val="5F5F5F"/>
-                  </a:solidFill>
-                  <a:latin typeface="Segoe UI" panose="020B0502040204020203" pitchFamily="34" charset="0"/>
-                  <a:cs typeface="Segoe UI" panose="020B0502040204020203" pitchFamily="34" charset="0"/>
-                </a:rPr>
-                <a:t>등록</a:t>
-              </a:r>
-              <a:endParaRPr lang="en-US" sz="900" dirty="0">
-                <a:solidFill>
-                  <a:srgbClr val="5F5F5F"/>
-                </a:solidFill>
-                <a:latin typeface="Segoe UI" panose="020B0502040204020203" pitchFamily="34" charset="0"/>
-                <a:cs typeface="Segoe UI" panose="020B0502040204020203" pitchFamily="34" charset="0"/>
-              </a:endParaRPr>
-            </a:p>
-          </p:txBody>
-        </p:sp>
-      </p:grpSp>
-    </p:spTree>
-    <p:extLst>
-      <p:ext uri="{BB962C8B-B14F-4D97-AF65-F5344CB8AC3E}">
-        <p14:creationId xmlns:p14="http://schemas.microsoft.com/office/powerpoint/2010/main" val="4195160070"/>
-      </p:ext>
-    </p:extLst>
-  </p:cSld>
-  <p:clrMapOvr>
-    <a:masterClrMapping/>
-  </p:clrMapOvr>
-</p:sld>
-</file>
-
-<file path=ppt/slides/slide2.xml><?xml version="1.0" encoding="utf-8"?>
-<p:sld xmlns:a="http://schemas.openxmlformats.org/drawingml/2006/main" xmlns:r="http://schemas.openxmlformats.org/officeDocument/2006/relationships" xmlns:p="http://schemas.openxmlformats.org/presentationml/2006/main">
-  <p:cSld>
-    <p:spTree>
-      <p:nvGrpSpPr>
-        <p:cNvPr id="1" name=""/>
-        <p:cNvGrpSpPr/>
-        <p:nvPr/>
-      </p:nvGrpSpPr>
-      <p:grpSpPr>
-        <a:xfrm>
-          <a:off x="0" y="0"/>
-          <a:ext cx="0" cy="0"/>
-          <a:chOff x="0" y="0"/>
-          <a:chExt cx="0" cy="0"/>
-        </a:xfrm>
-      </p:grpSpPr>
-      <p:grpSp>
-        <p:nvGrpSpPr>
-          <p:cNvPr id="4" name="Browser" descr="&lt;SmartSettings&gt;&lt;SmartResize enabled=&quot;True&quot; minWidth=&quot;140&quot; minHeight=&quot;50&quot; /&gt;&lt;/SmartSettings&gt;">
-            <a:extLst>
-              <a:ext uri="{FF2B5EF4-FFF2-40B4-BE49-F238E27FC236}">
-                <a16:creationId xmlns:a16="http://schemas.microsoft.com/office/drawing/2014/main" id="{59074261-2948-4FA3-8FEB-E4EC23A2AFFA}"/>
-              </a:ext>
-            </a:extLst>
-          </p:cNvPr>
-          <p:cNvGrpSpPr/>
-          <p:nvPr>
-            <p:custDataLst>
-              <p:tags r:id="rId1"/>
-            </p:custDataLst>
-          </p:nvPr>
-        </p:nvGrpSpPr>
-        <p:grpSpPr>
-          <a:xfrm>
-            <a:off x="1950948" y="218810"/>
-            <a:ext cx="8571458" cy="6420379"/>
-            <a:chOff x="595683" y="1261242"/>
-            <a:chExt cx="6668462" cy="4352543"/>
-          </a:xfrm>
-        </p:grpSpPr>
-        <p:sp>
-          <p:nvSpPr>
-            <p:cNvPr id="5" name="Window Body" descr="&lt;SmartSettings&gt;&lt;SmartResize anchorLeft=&quot;Absolute&quot; anchorTop=&quot;Absolute&quot; anchorRight=&quot;Absolute&quot; anchorBottom=&quot;Absolute&quot; /&gt;&lt;/SmartSettings&gt;">
-              <a:extLst>
-                <a:ext uri="{FF2B5EF4-FFF2-40B4-BE49-F238E27FC236}">
-                  <a16:creationId xmlns:a16="http://schemas.microsoft.com/office/drawing/2014/main" id="{89FC61BC-3F4A-4387-8E49-86DBE3C8A448}"/>
-                </a:ext>
-              </a:extLst>
-            </p:cNvPr>
-            <p:cNvSpPr/>
-            <p:nvPr>
-              <p:custDataLst>
                 <p:tags r:id="rId2"/>
               </p:custDataLst>
             </p:nvPr>
@@ -9088,6 +5346,3748 @@
 </p:sld>
 </file>
 
+<file path=ppt/slides/slide2.xml><?xml version="1.0" encoding="utf-8"?>
+<p:sld xmlns:a="http://schemas.openxmlformats.org/drawingml/2006/main" xmlns:r="http://schemas.openxmlformats.org/officeDocument/2006/relationships" xmlns:p="http://schemas.openxmlformats.org/presentationml/2006/main">
+  <p:cSld>
+    <p:spTree>
+      <p:nvGrpSpPr>
+        <p:cNvPr id="1" name=""/>
+        <p:cNvGrpSpPr/>
+        <p:nvPr/>
+      </p:nvGrpSpPr>
+      <p:grpSpPr>
+        <a:xfrm>
+          <a:off x="0" y="0"/>
+          <a:ext cx="0" cy="0"/>
+          <a:chOff x="0" y="0"/>
+          <a:chExt cx="0" cy="0"/>
+        </a:xfrm>
+      </p:grpSpPr>
+      <p:grpSp>
+        <p:nvGrpSpPr>
+          <p:cNvPr id="4" name="Browser" descr="&lt;SmartSettings&gt;&lt;SmartResize enabled=&quot;True&quot; minWidth=&quot;140&quot; minHeight=&quot;50&quot; /&gt;&lt;/SmartSettings&gt;">
+            <a:extLst>
+              <a:ext uri="{FF2B5EF4-FFF2-40B4-BE49-F238E27FC236}">
+                <a16:creationId xmlns:a16="http://schemas.microsoft.com/office/drawing/2014/main" id="{59074261-2948-4FA3-8FEB-E4EC23A2AFFA}"/>
+              </a:ext>
+            </a:extLst>
+          </p:cNvPr>
+          <p:cNvGrpSpPr/>
+          <p:nvPr>
+            <p:custDataLst>
+              <p:tags r:id="rId1"/>
+            </p:custDataLst>
+          </p:nvPr>
+        </p:nvGrpSpPr>
+        <p:grpSpPr>
+          <a:xfrm>
+            <a:off x="1950948" y="218810"/>
+            <a:ext cx="8571458" cy="6420379"/>
+            <a:chOff x="595683" y="1261242"/>
+            <a:chExt cx="6668462" cy="4352543"/>
+          </a:xfrm>
+        </p:grpSpPr>
+        <p:sp>
+          <p:nvSpPr>
+            <p:cNvPr id="5" name="Window Body" descr="&lt;SmartSettings&gt;&lt;SmartResize anchorLeft=&quot;Absolute&quot; anchorTop=&quot;Absolute&quot; anchorRight=&quot;Absolute&quot; anchorBottom=&quot;Absolute&quot; /&gt;&lt;/SmartSettings&gt;">
+              <a:extLst>
+                <a:ext uri="{FF2B5EF4-FFF2-40B4-BE49-F238E27FC236}">
+                  <a16:creationId xmlns:a16="http://schemas.microsoft.com/office/drawing/2014/main" id="{89FC61BC-3F4A-4387-8E49-86DBE3C8A448}"/>
+                </a:ext>
+              </a:extLst>
+            </p:cNvPr>
+            <p:cNvSpPr/>
+            <p:nvPr>
+              <p:custDataLst>
+                <p:tags r:id="rId14"/>
+              </p:custDataLst>
+            </p:nvPr>
+          </p:nvSpPr>
+          <p:spPr>
+            <a:xfrm>
+              <a:off x="595683" y="1623921"/>
+              <a:ext cx="6668462" cy="3989864"/>
+            </a:xfrm>
+            <a:prstGeom prst="rect">
+              <a:avLst/>
+            </a:prstGeom>
+            <a:solidFill>
+              <a:srgbClr val="FFFFFF"/>
+            </a:solidFill>
+            <a:ln w="6350">
+              <a:solidFill>
+                <a:srgbClr val="808080"/>
+              </a:solidFill>
+            </a:ln>
+          </p:spPr>
+          <p:style>
+            <a:lnRef idx="2">
+              <a:schemeClr val="accent1">
+                <a:shade val="50000"/>
+              </a:schemeClr>
+            </a:lnRef>
+            <a:fillRef idx="1">
+              <a:schemeClr val="accent1"/>
+            </a:fillRef>
+            <a:effectRef idx="0">
+              <a:schemeClr val="accent1"/>
+            </a:effectRef>
+            <a:fontRef idx="minor">
+              <a:schemeClr val="lt1"/>
+            </a:fontRef>
+          </p:style>
+          <p:txBody>
+            <a:bodyPr rot="0" spcFirstLastPara="0" vert="horz" wrap="square" lIns="91440" tIns="45720" rIns="91440" bIns="45720" numCol="1" spcCol="0" rtlCol="0" fromWordArt="0" anchor="ctr" anchorCtr="0" forceAA="0" compatLnSpc="1">
+              <a:prstTxWarp prst="textNoShape">
+                <a:avLst/>
+              </a:prstTxWarp>
+              <a:noAutofit/>
+            </a:bodyPr>
+            <a:lstStyle>
+              <a:defPPr>
+                <a:defRPr lang="en-US"/>
+              </a:defPPr>
+              <a:lvl1pPr marL="0" algn="l" defTabSz="914400" rtl="0" eaLnBrk="1" latinLnBrk="0" hangingPunct="1">
+                <a:defRPr sz="1800" kern="1200">
+                  <a:solidFill>
+                    <a:schemeClr val="lt1"/>
+                  </a:solidFill>
+                  <a:latin typeface="+mn-lt"/>
+                  <a:ea typeface="+mn-ea"/>
+                  <a:cs typeface="+mn-cs"/>
+                </a:defRPr>
+              </a:lvl1pPr>
+              <a:lvl2pPr marL="457200" algn="l" defTabSz="914400" rtl="0" eaLnBrk="1" latinLnBrk="0" hangingPunct="1">
+                <a:defRPr sz="1800" kern="1200">
+                  <a:solidFill>
+                    <a:schemeClr val="lt1"/>
+                  </a:solidFill>
+                  <a:latin typeface="+mn-lt"/>
+                  <a:ea typeface="+mn-ea"/>
+                  <a:cs typeface="+mn-cs"/>
+                </a:defRPr>
+              </a:lvl2pPr>
+              <a:lvl3pPr marL="914400" algn="l" defTabSz="914400" rtl="0" eaLnBrk="1" latinLnBrk="0" hangingPunct="1">
+                <a:defRPr sz="1800" kern="1200">
+                  <a:solidFill>
+                    <a:schemeClr val="lt1"/>
+                  </a:solidFill>
+                  <a:latin typeface="+mn-lt"/>
+                  <a:ea typeface="+mn-ea"/>
+                  <a:cs typeface="+mn-cs"/>
+                </a:defRPr>
+              </a:lvl3pPr>
+              <a:lvl4pPr marL="1371600" algn="l" defTabSz="914400" rtl="0" eaLnBrk="1" latinLnBrk="0" hangingPunct="1">
+                <a:defRPr sz="1800" kern="1200">
+                  <a:solidFill>
+                    <a:schemeClr val="lt1"/>
+                  </a:solidFill>
+                  <a:latin typeface="+mn-lt"/>
+                  <a:ea typeface="+mn-ea"/>
+                  <a:cs typeface="+mn-cs"/>
+                </a:defRPr>
+              </a:lvl4pPr>
+              <a:lvl5pPr marL="1828800" algn="l" defTabSz="914400" rtl="0" eaLnBrk="1" latinLnBrk="0" hangingPunct="1">
+                <a:defRPr sz="1800" kern="1200">
+                  <a:solidFill>
+                    <a:schemeClr val="lt1"/>
+                  </a:solidFill>
+                  <a:latin typeface="+mn-lt"/>
+                  <a:ea typeface="+mn-ea"/>
+                  <a:cs typeface="+mn-cs"/>
+                </a:defRPr>
+              </a:lvl5pPr>
+              <a:lvl6pPr marL="2286000" algn="l" defTabSz="914400" rtl="0" eaLnBrk="1" latinLnBrk="0" hangingPunct="1">
+                <a:defRPr sz="1800" kern="1200">
+                  <a:solidFill>
+                    <a:schemeClr val="lt1"/>
+                  </a:solidFill>
+                  <a:latin typeface="+mn-lt"/>
+                  <a:ea typeface="+mn-ea"/>
+                  <a:cs typeface="+mn-cs"/>
+                </a:defRPr>
+              </a:lvl6pPr>
+              <a:lvl7pPr marL="2743200" algn="l" defTabSz="914400" rtl="0" eaLnBrk="1" latinLnBrk="0" hangingPunct="1">
+                <a:defRPr sz="1800" kern="1200">
+                  <a:solidFill>
+                    <a:schemeClr val="lt1"/>
+                  </a:solidFill>
+                  <a:latin typeface="+mn-lt"/>
+                  <a:ea typeface="+mn-ea"/>
+                  <a:cs typeface="+mn-cs"/>
+                </a:defRPr>
+              </a:lvl7pPr>
+              <a:lvl8pPr marL="3200400" algn="l" defTabSz="914400" rtl="0" eaLnBrk="1" latinLnBrk="0" hangingPunct="1">
+                <a:defRPr sz="1800" kern="1200">
+                  <a:solidFill>
+                    <a:schemeClr val="lt1"/>
+                  </a:solidFill>
+                  <a:latin typeface="+mn-lt"/>
+                  <a:ea typeface="+mn-ea"/>
+                  <a:cs typeface="+mn-cs"/>
+                </a:defRPr>
+              </a:lvl8pPr>
+              <a:lvl9pPr marL="3657600" algn="l" defTabSz="914400" rtl="0" eaLnBrk="1" latinLnBrk="0" hangingPunct="1">
+                <a:defRPr sz="1800" kern="1200">
+                  <a:solidFill>
+                    <a:schemeClr val="lt1"/>
+                  </a:solidFill>
+                  <a:latin typeface="+mn-lt"/>
+                  <a:ea typeface="+mn-ea"/>
+                  <a:cs typeface="+mn-cs"/>
+                </a:defRPr>
+              </a:lvl9pPr>
+            </a:lstStyle>
+            <a:p>
+              <a:pPr algn="ctr"/>
+              <a:endParaRPr lang="en-US" sz="900" dirty="0">
+                <a:solidFill>
+                  <a:srgbClr val="5F5F5F"/>
+                </a:solidFill>
+                <a:latin typeface="Segoe UI" panose="020B0502040204020203" pitchFamily="34" charset="0"/>
+                <a:cs typeface="Segoe UI" panose="020B0502040204020203" pitchFamily="34" charset="0"/>
+              </a:endParaRPr>
+            </a:p>
+          </p:txBody>
+        </p:sp>
+        <p:sp>
+          <p:nvSpPr>
+            <p:cNvPr id="6" name="Title Bar" descr="&lt;SmartSettings&gt;&lt;SmartResize anchorLeft=&quot;Absolute&quot; anchorTop=&quot;Absolute&quot; anchorRight=&quot;Absolute&quot; anchorBottom=&quot;None&quot; /&gt;&lt;/SmartSettings&gt;">
+              <a:extLst>
+                <a:ext uri="{FF2B5EF4-FFF2-40B4-BE49-F238E27FC236}">
+                  <a16:creationId xmlns:a16="http://schemas.microsoft.com/office/drawing/2014/main" id="{428812DA-A12A-40E6-A550-E92E4D0EDB8F}"/>
+                </a:ext>
+              </a:extLst>
+            </p:cNvPr>
+            <p:cNvSpPr/>
+            <p:nvPr>
+              <p:custDataLst>
+                <p:tags r:id="rId15"/>
+              </p:custDataLst>
+            </p:nvPr>
+          </p:nvSpPr>
+          <p:spPr>
+            <a:xfrm>
+              <a:off x="595684" y="1261242"/>
+              <a:ext cx="6668461" cy="364099"/>
+            </a:xfrm>
+            <a:prstGeom prst="rect">
+              <a:avLst/>
+            </a:prstGeom>
+            <a:solidFill>
+              <a:srgbClr val="FFFFFF"/>
+            </a:solidFill>
+            <a:ln w="6350">
+              <a:solidFill>
+                <a:srgbClr val="808080"/>
+              </a:solidFill>
+            </a:ln>
+          </p:spPr>
+          <p:style>
+            <a:lnRef idx="2">
+              <a:schemeClr val="accent1">
+                <a:shade val="50000"/>
+              </a:schemeClr>
+            </a:lnRef>
+            <a:fillRef idx="1">
+              <a:schemeClr val="accent1"/>
+            </a:fillRef>
+            <a:effectRef idx="0">
+              <a:schemeClr val="accent1"/>
+            </a:effectRef>
+            <a:fontRef idx="minor">
+              <a:schemeClr val="lt1"/>
+            </a:fontRef>
+          </p:style>
+          <p:txBody>
+            <a:bodyPr rot="0" spcFirstLastPara="0" vert="horz" wrap="square" lIns="91440" tIns="45720" rIns="228600" bIns="45720" numCol="1" spcCol="0" rtlCol="0" fromWordArt="0" anchor="t" anchorCtr="0" forceAA="0" compatLnSpc="1">
+              <a:prstTxWarp prst="textNoShape">
+                <a:avLst/>
+              </a:prstTxWarp>
+              <a:noAutofit/>
+            </a:bodyPr>
+            <a:lstStyle>
+              <a:defPPr>
+                <a:defRPr lang="en-US"/>
+              </a:defPPr>
+              <a:lvl1pPr marL="0" algn="l" defTabSz="914400" rtl="0" eaLnBrk="1" latinLnBrk="0" hangingPunct="1">
+                <a:defRPr sz="1800" kern="1200">
+                  <a:solidFill>
+                    <a:schemeClr val="lt1"/>
+                  </a:solidFill>
+                  <a:latin typeface="+mn-lt"/>
+                  <a:ea typeface="+mn-ea"/>
+                  <a:cs typeface="+mn-cs"/>
+                </a:defRPr>
+              </a:lvl1pPr>
+              <a:lvl2pPr marL="457200" algn="l" defTabSz="914400" rtl="0" eaLnBrk="1" latinLnBrk="0" hangingPunct="1">
+                <a:defRPr sz="1800" kern="1200">
+                  <a:solidFill>
+                    <a:schemeClr val="lt1"/>
+                  </a:solidFill>
+                  <a:latin typeface="+mn-lt"/>
+                  <a:ea typeface="+mn-ea"/>
+                  <a:cs typeface="+mn-cs"/>
+                </a:defRPr>
+              </a:lvl2pPr>
+              <a:lvl3pPr marL="914400" algn="l" defTabSz="914400" rtl="0" eaLnBrk="1" latinLnBrk="0" hangingPunct="1">
+                <a:defRPr sz="1800" kern="1200">
+                  <a:solidFill>
+                    <a:schemeClr val="lt1"/>
+                  </a:solidFill>
+                  <a:latin typeface="+mn-lt"/>
+                  <a:ea typeface="+mn-ea"/>
+                  <a:cs typeface="+mn-cs"/>
+                </a:defRPr>
+              </a:lvl3pPr>
+              <a:lvl4pPr marL="1371600" algn="l" defTabSz="914400" rtl="0" eaLnBrk="1" latinLnBrk="0" hangingPunct="1">
+                <a:defRPr sz="1800" kern="1200">
+                  <a:solidFill>
+                    <a:schemeClr val="lt1"/>
+                  </a:solidFill>
+                  <a:latin typeface="+mn-lt"/>
+                  <a:ea typeface="+mn-ea"/>
+                  <a:cs typeface="+mn-cs"/>
+                </a:defRPr>
+              </a:lvl4pPr>
+              <a:lvl5pPr marL="1828800" algn="l" defTabSz="914400" rtl="0" eaLnBrk="1" latinLnBrk="0" hangingPunct="1">
+                <a:defRPr sz="1800" kern="1200">
+                  <a:solidFill>
+                    <a:schemeClr val="lt1"/>
+                  </a:solidFill>
+                  <a:latin typeface="+mn-lt"/>
+                  <a:ea typeface="+mn-ea"/>
+                  <a:cs typeface="+mn-cs"/>
+                </a:defRPr>
+              </a:lvl5pPr>
+              <a:lvl6pPr marL="2286000" algn="l" defTabSz="914400" rtl="0" eaLnBrk="1" latinLnBrk="0" hangingPunct="1">
+                <a:defRPr sz="1800" kern="1200">
+                  <a:solidFill>
+                    <a:schemeClr val="lt1"/>
+                  </a:solidFill>
+                  <a:latin typeface="+mn-lt"/>
+                  <a:ea typeface="+mn-ea"/>
+                  <a:cs typeface="+mn-cs"/>
+                </a:defRPr>
+              </a:lvl6pPr>
+              <a:lvl7pPr marL="2743200" algn="l" defTabSz="914400" rtl="0" eaLnBrk="1" latinLnBrk="0" hangingPunct="1">
+                <a:defRPr sz="1800" kern="1200">
+                  <a:solidFill>
+                    <a:schemeClr val="lt1"/>
+                  </a:solidFill>
+                  <a:latin typeface="+mn-lt"/>
+                  <a:ea typeface="+mn-ea"/>
+                  <a:cs typeface="+mn-cs"/>
+                </a:defRPr>
+              </a:lvl7pPr>
+              <a:lvl8pPr marL="3200400" algn="l" defTabSz="914400" rtl="0" eaLnBrk="1" latinLnBrk="0" hangingPunct="1">
+                <a:defRPr sz="1800" kern="1200">
+                  <a:solidFill>
+                    <a:schemeClr val="lt1"/>
+                  </a:solidFill>
+                  <a:latin typeface="+mn-lt"/>
+                  <a:ea typeface="+mn-ea"/>
+                  <a:cs typeface="+mn-cs"/>
+                </a:defRPr>
+              </a:lvl8pPr>
+              <a:lvl9pPr marL="3657600" algn="l" defTabSz="914400" rtl="0" eaLnBrk="1" latinLnBrk="0" hangingPunct="1">
+                <a:defRPr sz="1800" kern="1200">
+                  <a:solidFill>
+                    <a:schemeClr val="lt1"/>
+                  </a:solidFill>
+                  <a:latin typeface="+mn-lt"/>
+                  <a:ea typeface="+mn-ea"/>
+                  <a:cs typeface="+mn-cs"/>
+                </a:defRPr>
+              </a:lvl9pPr>
+            </a:lstStyle>
+            <a:p>
+              <a:r>
+                <a:rPr lang="en-US" sz="900" dirty="0">
+                  <a:solidFill>
+                    <a:srgbClr val="5F5F5F"/>
+                  </a:solidFill>
+                  <a:latin typeface="Segoe UI" panose="020B0502040204020203" pitchFamily="34" charset="0"/>
+                  <a:cs typeface="Segoe UI" panose="020B0502040204020203" pitchFamily="34" charset="0"/>
+                </a:rPr>
+                <a:t>Browser</a:t>
+              </a:r>
+            </a:p>
+          </p:txBody>
+        </p:sp>
+        <p:sp>
+          <p:nvSpPr>
+            <p:cNvPr id="7" name="Menu Button" descr="&lt;SmartSettings&gt;&lt;SmartResize anchorLeft=&quot;None&quot; anchorTop=&quot;Absolute&quot; anchorRight=&quot;Absolute&quot; anchorBottom=&quot;None&quot; /&gt;&lt;/SmartSettings&gt;">
+              <a:extLst>
+                <a:ext uri="{FF2B5EF4-FFF2-40B4-BE49-F238E27FC236}">
+                  <a16:creationId xmlns:a16="http://schemas.microsoft.com/office/drawing/2014/main" id="{EB35F7EF-B88E-48F4-9F75-D031AEE987C3}"/>
+                </a:ext>
+              </a:extLst>
+            </p:cNvPr>
+            <p:cNvSpPr>
+              <a:spLocks noChangeAspect="1" noEditPoints="1"/>
+            </p:cNvSpPr>
+            <p:nvPr>
+              <p:custDataLst>
+                <p:tags r:id="rId16"/>
+              </p:custDataLst>
+            </p:nvPr>
+          </p:nvSpPr>
+          <p:spPr bwMode="auto">
+            <a:xfrm>
+              <a:off x="7079076" y="1469745"/>
+              <a:ext cx="116095" cy="76411"/>
+            </a:xfrm>
+            <a:custGeom>
+              <a:avLst/>
+              <a:gdLst>
+                <a:gd name="T0" fmla="*/ 0 w 415"/>
+                <a:gd name="T1" fmla="*/ 309 h 309"/>
+                <a:gd name="T2" fmla="*/ 415 w 415"/>
+                <a:gd name="T3" fmla="*/ 309 h 309"/>
+                <a:gd name="T4" fmla="*/ 0 w 415"/>
+                <a:gd name="T5" fmla="*/ 155 h 309"/>
+                <a:gd name="T6" fmla="*/ 415 w 415"/>
+                <a:gd name="T7" fmla="*/ 155 h 309"/>
+                <a:gd name="T8" fmla="*/ 0 w 415"/>
+                <a:gd name="T9" fmla="*/ 0 h 309"/>
+                <a:gd name="T10" fmla="*/ 415 w 415"/>
+                <a:gd name="T11" fmla="*/ 0 h 309"/>
+              </a:gdLst>
+              <a:ahLst/>
+              <a:cxnLst>
+                <a:cxn ang="0">
+                  <a:pos x="T0" y="T1"/>
+                </a:cxn>
+                <a:cxn ang="0">
+                  <a:pos x="T2" y="T3"/>
+                </a:cxn>
+                <a:cxn ang="0">
+                  <a:pos x="T4" y="T5"/>
+                </a:cxn>
+                <a:cxn ang="0">
+                  <a:pos x="T6" y="T7"/>
+                </a:cxn>
+                <a:cxn ang="0">
+                  <a:pos x="T8" y="T9"/>
+                </a:cxn>
+                <a:cxn ang="0">
+                  <a:pos x="T10" y="T11"/>
+                </a:cxn>
+              </a:cxnLst>
+              <a:rect l="0" t="0" r="r" b="b"/>
+              <a:pathLst>
+                <a:path w="415" h="309">
+                  <a:moveTo>
+                    <a:pt x="0" y="309"/>
+                  </a:moveTo>
+                  <a:lnTo>
+                    <a:pt x="415" y="309"/>
+                  </a:lnTo>
+                  <a:moveTo>
+                    <a:pt x="0" y="155"/>
+                  </a:moveTo>
+                  <a:lnTo>
+                    <a:pt x="415" y="155"/>
+                  </a:lnTo>
+                  <a:moveTo>
+                    <a:pt x="0" y="0"/>
+                  </a:moveTo>
+                  <a:lnTo>
+                    <a:pt x="415" y="0"/>
+                  </a:lnTo>
+                </a:path>
+              </a:pathLst>
+            </a:custGeom>
+            <a:noFill/>
+            <a:ln w="6350" cap="flat">
+              <a:solidFill>
+                <a:srgbClr val="808080"/>
+              </a:solidFill>
+              <a:prstDash val="solid"/>
+              <a:miter lim="800000"/>
+              <a:headEnd/>
+              <a:tailEnd/>
+            </a:ln>
+            <a:extLst>
+              <a:ext uri="{909E8E84-426E-40DD-AFC4-6F175D3DCCD1}">
+                <a14:hiddenFill xmlns:a14="http://schemas.microsoft.com/office/drawing/2010/main">
+                  <a:solidFill>
+                    <a:srgbClr val="FFFFFF"/>
+                  </a:solidFill>
+                </a14:hiddenFill>
+              </a:ext>
+            </a:extLst>
+          </p:spPr>
+          <p:txBody>
+            <a:bodyPr vert="horz" wrap="square" lIns="91440" tIns="45720" rIns="91440" bIns="45720" numCol="1" anchor="t" anchorCtr="0" compatLnSpc="1">
+              <a:prstTxWarp prst="textNoShape">
+                <a:avLst/>
+              </a:prstTxWarp>
+            </a:bodyPr>
+            <a:lstStyle>
+              <a:defPPr>
+                <a:defRPr lang="en-US"/>
+              </a:defPPr>
+              <a:lvl1pPr marL="0" algn="l" defTabSz="914400" rtl="0" eaLnBrk="1" latinLnBrk="0" hangingPunct="1">
+                <a:defRPr sz="1800" kern="1200">
+                  <a:solidFill>
+                    <a:schemeClr val="tx1"/>
+                  </a:solidFill>
+                  <a:latin typeface="+mn-lt"/>
+                  <a:ea typeface="+mn-ea"/>
+                  <a:cs typeface="+mn-cs"/>
+                </a:defRPr>
+              </a:lvl1pPr>
+              <a:lvl2pPr marL="457200" algn="l" defTabSz="914400" rtl="0" eaLnBrk="1" latinLnBrk="0" hangingPunct="1">
+                <a:defRPr sz="1800" kern="1200">
+                  <a:solidFill>
+                    <a:schemeClr val="tx1"/>
+                  </a:solidFill>
+                  <a:latin typeface="+mn-lt"/>
+                  <a:ea typeface="+mn-ea"/>
+                  <a:cs typeface="+mn-cs"/>
+                </a:defRPr>
+              </a:lvl2pPr>
+              <a:lvl3pPr marL="914400" algn="l" defTabSz="914400" rtl="0" eaLnBrk="1" latinLnBrk="0" hangingPunct="1">
+                <a:defRPr sz="1800" kern="1200">
+                  <a:solidFill>
+                    <a:schemeClr val="tx1"/>
+                  </a:solidFill>
+                  <a:latin typeface="+mn-lt"/>
+                  <a:ea typeface="+mn-ea"/>
+                  <a:cs typeface="+mn-cs"/>
+                </a:defRPr>
+              </a:lvl3pPr>
+              <a:lvl4pPr marL="1371600" algn="l" defTabSz="914400" rtl="0" eaLnBrk="1" latinLnBrk="0" hangingPunct="1">
+                <a:defRPr sz="1800" kern="1200">
+                  <a:solidFill>
+                    <a:schemeClr val="tx1"/>
+                  </a:solidFill>
+                  <a:latin typeface="+mn-lt"/>
+                  <a:ea typeface="+mn-ea"/>
+                  <a:cs typeface="+mn-cs"/>
+                </a:defRPr>
+              </a:lvl4pPr>
+              <a:lvl5pPr marL="1828800" algn="l" defTabSz="914400" rtl="0" eaLnBrk="1" latinLnBrk="0" hangingPunct="1">
+                <a:defRPr sz="1800" kern="1200">
+                  <a:solidFill>
+                    <a:schemeClr val="tx1"/>
+                  </a:solidFill>
+                  <a:latin typeface="+mn-lt"/>
+                  <a:ea typeface="+mn-ea"/>
+                  <a:cs typeface="+mn-cs"/>
+                </a:defRPr>
+              </a:lvl5pPr>
+              <a:lvl6pPr marL="2286000" algn="l" defTabSz="914400" rtl="0" eaLnBrk="1" latinLnBrk="0" hangingPunct="1">
+                <a:defRPr sz="1800" kern="1200">
+                  <a:solidFill>
+                    <a:schemeClr val="tx1"/>
+                  </a:solidFill>
+                  <a:latin typeface="+mn-lt"/>
+                  <a:ea typeface="+mn-ea"/>
+                  <a:cs typeface="+mn-cs"/>
+                </a:defRPr>
+              </a:lvl6pPr>
+              <a:lvl7pPr marL="2743200" algn="l" defTabSz="914400" rtl="0" eaLnBrk="1" latinLnBrk="0" hangingPunct="1">
+                <a:defRPr sz="1800" kern="1200">
+                  <a:solidFill>
+                    <a:schemeClr val="tx1"/>
+                  </a:solidFill>
+                  <a:latin typeface="+mn-lt"/>
+                  <a:ea typeface="+mn-ea"/>
+                  <a:cs typeface="+mn-cs"/>
+                </a:defRPr>
+              </a:lvl7pPr>
+              <a:lvl8pPr marL="3200400" algn="l" defTabSz="914400" rtl="0" eaLnBrk="1" latinLnBrk="0" hangingPunct="1">
+                <a:defRPr sz="1800" kern="1200">
+                  <a:solidFill>
+                    <a:schemeClr val="tx1"/>
+                  </a:solidFill>
+                  <a:latin typeface="+mn-lt"/>
+                  <a:ea typeface="+mn-ea"/>
+                  <a:cs typeface="+mn-cs"/>
+                </a:defRPr>
+              </a:lvl8pPr>
+              <a:lvl9pPr marL="3657600" algn="l" defTabSz="914400" rtl="0" eaLnBrk="1" latinLnBrk="0" hangingPunct="1">
+                <a:defRPr sz="1800" kern="1200">
+                  <a:solidFill>
+                    <a:schemeClr val="tx1"/>
+                  </a:solidFill>
+                  <a:latin typeface="+mn-lt"/>
+                  <a:ea typeface="+mn-ea"/>
+                  <a:cs typeface="+mn-cs"/>
+                </a:defRPr>
+              </a:lvl9pPr>
+            </a:lstStyle>
+            <a:p>
+              <a:endParaRPr lang="en-US">
+                <a:solidFill>
+                  <a:srgbClr val="5F5F5F"/>
+                </a:solidFill>
+                <a:latin typeface="Segoe UI" panose="020B0502040204020203" pitchFamily="34" charset="0"/>
+                <a:cs typeface="Segoe UI" panose="020B0502040204020203" pitchFamily="34" charset="0"/>
+              </a:endParaRPr>
+            </a:p>
+          </p:txBody>
+        </p:sp>
+        <p:sp>
+          <p:nvSpPr>
+            <p:cNvPr id="8" name="Close Button" descr="&lt;SmartSettings&gt;&lt;SmartResize anchorLeft=&quot;None&quot; anchorTop=&quot;Absolute&quot; anchorRight=&quot;Absolute&quot; anchorBottom=&quot;None&quot; /&gt;&lt;/SmartSettings&gt;">
+              <a:extLst>
+                <a:ext uri="{FF2B5EF4-FFF2-40B4-BE49-F238E27FC236}">
+                  <a16:creationId xmlns:a16="http://schemas.microsoft.com/office/drawing/2014/main" id="{6EB75456-0E8B-44FD-A966-A44B5DC7E05A}"/>
+                </a:ext>
+              </a:extLst>
+            </p:cNvPr>
+            <p:cNvSpPr>
+              <a:spLocks noEditPoints="1"/>
+            </p:cNvSpPr>
+            <p:nvPr>
+              <p:custDataLst>
+                <p:tags r:id="rId17"/>
+              </p:custDataLst>
+            </p:nvPr>
+          </p:nvSpPr>
+          <p:spPr bwMode="auto">
+            <a:xfrm>
+              <a:off x="7100081" y="1309542"/>
+              <a:ext cx="76573" cy="64572"/>
+            </a:xfrm>
+            <a:custGeom>
+              <a:avLst/>
+              <a:gdLst>
+                <a:gd name="T0" fmla="*/ 254 w 254"/>
+                <a:gd name="T1" fmla="*/ 0 h 254"/>
+                <a:gd name="T2" fmla="*/ 0 w 254"/>
+                <a:gd name="T3" fmla="*/ 254 h 254"/>
+                <a:gd name="T4" fmla="*/ 0 w 254"/>
+                <a:gd name="T5" fmla="*/ 0 h 254"/>
+                <a:gd name="T6" fmla="*/ 254 w 254"/>
+                <a:gd name="T7" fmla="*/ 254 h 254"/>
+              </a:gdLst>
+              <a:ahLst/>
+              <a:cxnLst>
+                <a:cxn ang="0">
+                  <a:pos x="T0" y="T1"/>
+                </a:cxn>
+                <a:cxn ang="0">
+                  <a:pos x="T2" y="T3"/>
+                </a:cxn>
+                <a:cxn ang="0">
+                  <a:pos x="T4" y="T5"/>
+                </a:cxn>
+                <a:cxn ang="0">
+                  <a:pos x="T6" y="T7"/>
+                </a:cxn>
+              </a:cxnLst>
+              <a:rect l="0" t="0" r="r" b="b"/>
+              <a:pathLst>
+                <a:path w="254" h="254">
+                  <a:moveTo>
+                    <a:pt x="254" y="0"/>
+                  </a:moveTo>
+                  <a:lnTo>
+                    <a:pt x="0" y="254"/>
+                  </a:lnTo>
+                  <a:moveTo>
+                    <a:pt x="0" y="0"/>
+                  </a:moveTo>
+                  <a:lnTo>
+                    <a:pt x="254" y="254"/>
+                  </a:lnTo>
+                </a:path>
+              </a:pathLst>
+            </a:custGeom>
+            <a:noFill/>
+            <a:ln w="9525" cap="flat">
+              <a:solidFill>
+                <a:srgbClr val="808080"/>
+              </a:solidFill>
+              <a:prstDash val="solid"/>
+              <a:miter lim="800000"/>
+              <a:headEnd/>
+              <a:tailEnd/>
+            </a:ln>
+            <a:extLst>
+              <a:ext uri="{909E8E84-426E-40DD-AFC4-6F175D3DCCD1}">
+                <a14:hiddenFill xmlns:a14="http://schemas.microsoft.com/office/drawing/2010/main">
+                  <a:solidFill>
+                    <a:srgbClr val="FFFFFF"/>
+                  </a:solidFill>
+                </a14:hiddenFill>
+              </a:ext>
+            </a:extLst>
+          </p:spPr>
+          <p:txBody>
+            <a:bodyPr vert="horz" wrap="square" lIns="91440" tIns="45720" rIns="91440" bIns="45720" numCol="1" anchor="t" anchorCtr="0" compatLnSpc="1">
+              <a:prstTxWarp prst="textNoShape">
+                <a:avLst/>
+              </a:prstTxWarp>
+            </a:bodyPr>
+            <a:lstStyle>
+              <a:defPPr>
+                <a:defRPr lang="en-US"/>
+              </a:defPPr>
+              <a:lvl1pPr marL="0" algn="l" defTabSz="914400" rtl="0" eaLnBrk="1" latinLnBrk="0" hangingPunct="1">
+                <a:defRPr sz="1800" kern="1200">
+                  <a:solidFill>
+                    <a:schemeClr val="tx1"/>
+                  </a:solidFill>
+                  <a:latin typeface="+mn-lt"/>
+                  <a:ea typeface="+mn-ea"/>
+                  <a:cs typeface="+mn-cs"/>
+                </a:defRPr>
+              </a:lvl1pPr>
+              <a:lvl2pPr marL="457200" algn="l" defTabSz="914400" rtl="0" eaLnBrk="1" latinLnBrk="0" hangingPunct="1">
+                <a:defRPr sz="1800" kern="1200">
+                  <a:solidFill>
+                    <a:schemeClr val="tx1"/>
+                  </a:solidFill>
+                  <a:latin typeface="+mn-lt"/>
+                  <a:ea typeface="+mn-ea"/>
+                  <a:cs typeface="+mn-cs"/>
+                </a:defRPr>
+              </a:lvl2pPr>
+              <a:lvl3pPr marL="914400" algn="l" defTabSz="914400" rtl="0" eaLnBrk="1" latinLnBrk="0" hangingPunct="1">
+                <a:defRPr sz="1800" kern="1200">
+                  <a:solidFill>
+                    <a:schemeClr val="tx1"/>
+                  </a:solidFill>
+                  <a:latin typeface="+mn-lt"/>
+                  <a:ea typeface="+mn-ea"/>
+                  <a:cs typeface="+mn-cs"/>
+                </a:defRPr>
+              </a:lvl3pPr>
+              <a:lvl4pPr marL="1371600" algn="l" defTabSz="914400" rtl="0" eaLnBrk="1" latinLnBrk="0" hangingPunct="1">
+                <a:defRPr sz="1800" kern="1200">
+                  <a:solidFill>
+                    <a:schemeClr val="tx1"/>
+                  </a:solidFill>
+                  <a:latin typeface="+mn-lt"/>
+                  <a:ea typeface="+mn-ea"/>
+                  <a:cs typeface="+mn-cs"/>
+                </a:defRPr>
+              </a:lvl4pPr>
+              <a:lvl5pPr marL="1828800" algn="l" defTabSz="914400" rtl="0" eaLnBrk="1" latinLnBrk="0" hangingPunct="1">
+                <a:defRPr sz="1800" kern="1200">
+                  <a:solidFill>
+                    <a:schemeClr val="tx1"/>
+                  </a:solidFill>
+                  <a:latin typeface="+mn-lt"/>
+                  <a:ea typeface="+mn-ea"/>
+                  <a:cs typeface="+mn-cs"/>
+                </a:defRPr>
+              </a:lvl5pPr>
+              <a:lvl6pPr marL="2286000" algn="l" defTabSz="914400" rtl="0" eaLnBrk="1" latinLnBrk="0" hangingPunct="1">
+                <a:defRPr sz="1800" kern="1200">
+                  <a:solidFill>
+                    <a:schemeClr val="tx1"/>
+                  </a:solidFill>
+                  <a:latin typeface="+mn-lt"/>
+                  <a:ea typeface="+mn-ea"/>
+                  <a:cs typeface="+mn-cs"/>
+                </a:defRPr>
+              </a:lvl6pPr>
+              <a:lvl7pPr marL="2743200" algn="l" defTabSz="914400" rtl="0" eaLnBrk="1" latinLnBrk="0" hangingPunct="1">
+                <a:defRPr sz="1800" kern="1200">
+                  <a:solidFill>
+                    <a:schemeClr val="tx1"/>
+                  </a:solidFill>
+                  <a:latin typeface="+mn-lt"/>
+                  <a:ea typeface="+mn-ea"/>
+                  <a:cs typeface="+mn-cs"/>
+                </a:defRPr>
+              </a:lvl7pPr>
+              <a:lvl8pPr marL="3200400" algn="l" defTabSz="914400" rtl="0" eaLnBrk="1" latinLnBrk="0" hangingPunct="1">
+                <a:defRPr sz="1800" kern="1200">
+                  <a:solidFill>
+                    <a:schemeClr val="tx1"/>
+                  </a:solidFill>
+                  <a:latin typeface="+mn-lt"/>
+                  <a:ea typeface="+mn-ea"/>
+                  <a:cs typeface="+mn-cs"/>
+                </a:defRPr>
+              </a:lvl8pPr>
+              <a:lvl9pPr marL="3657600" algn="l" defTabSz="914400" rtl="0" eaLnBrk="1" latinLnBrk="0" hangingPunct="1">
+                <a:defRPr sz="1800" kern="1200">
+                  <a:solidFill>
+                    <a:schemeClr val="tx1"/>
+                  </a:solidFill>
+                  <a:latin typeface="+mn-lt"/>
+                  <a:ea typeface="+mn-ea"/>
+                  <a:cs typeface="+mn-cs"/>
+                </a:defRPr>
+              </a:lvl9pPr>
+            </a:lstStyle>
+            <a:p>
+              <a:endParaRPr lang="en-US">
+                <a:solidFill>
+                  <a:srgbClr val="5F5F5F"/>
+                </a:solidFill>
+                <a:latin typeface="Segoe UI" panose="020B0502040204020203" pitchFamily="34" charset="0"/>
+                <a:cs typeface="Segoe UI" panose="020B0502040204020203" pitchFamily="34" charset="0"/>
+              </a:endParaRPr>
+            </a:p>
+          </p:txBody>
+        </p:sp>
+        <p:sp>
+          <p:nvSpPr>
+            <p:cNvPr id="9" name="Address Box" descr="&lt;SmartSettings&gt;&lt;SmartResize anchorLeft=&quot;Absolute&quot; anchorTop=&quot;Absolute&quot; anchorRight=&quot;Absolute&quot; anchorBottom=&quot;None&quot; /&gt;&lt;/SmartSettings&gt;">
+              <a:extLst>
+                <a:ext uri="{FF2B5EF4-FFF2-40B4-BE49-F238E27FC236}">
+                  <a16:creationId xmlns:a16="http://schemas.microsoft.com/office/drawing/2014/main" id="{0AD44259-25D0-45CB-8874-76349C377B50}"/>
+                </a:ext>
+              </a:extLst>
+            </p:cNvPr>
+            <p:cNvSpPr/>
+            <p:nvPr>
+              <p:custDataLst>
+                <p:tags r:id="rId18"/>
+              </p:custDataLst>
+            </p:nvPr>
+          </p:nvSpPr>
+          <p:spPr>
+            <a:xfrm>
+              <a:off x="1298138" y="1427364"/>
+              <a:ext cx="5711965" cy="161173"/>
+            </a:xfrm>
+            <a:prstGeom prst="rect">
+              <a:avLst/>
+            </a:prstGeom>
+            <a:solidFill>
+              <a:srgbClr val="FFFFFF"/>
+            </a:solidFill>
+            <a:ln w="6350">
+              <a:solidFill>
+                <a:srgbClr val="808080"/>
+              </a:solidFill>
+            </a:ln>
+          </p:spPr>
+          <p:style>
+            <a:lnRef idx="2">
+              <a:schemeClr val="accent1">
+                <a:shade val="50000"/>
+              </a:schemeClr>
+            </a:lnRef>
+            <a:fillRef idx="1">
+              <a:schemeClr val="accent1"/>
+            </a:fillRef>
+            <a:effectRef idx="0">
+              <a:schemeClr val="accent1"/>
+            </a:effectRef>
+            <a:fontRef idx="minor">
+              <a:schemeClr val="lt1"/>
+            </a:fontRef>
+          </p:style>
+          <p:txBody>
+            <a:bodyPr rot="0" spcFirstLastPara="0" vert="horz" wrap="square" lIns="237744" tIns="45720" rIns="91440" bIns="45720" numCol="1" spcCol="0" rtlCol="0" fromWordArt="0" anchor="ctr" anchorCtr="0" forceAA="0" compatLnSpc="1">
+              <a:prstTxWarp prst="textNoShape">
+                <a:avLst/>
+              </a:prstTxWarp>
+              <a:noAutofit/>
+            </a:bodyPr>
+            <a:lstStyle>
+              <a:defPPr>
+                <a:defRPr lang="en-US"/>
+              </a:defPPr>
+              <a:lvl1pPr marL="0" algn="l" defTabSz="914400" rtl="0" eaLnBrk="1" latinLnBrk="0" hangingPunct="1">
+                <a:defRPr sz="1800" kern="1200">
+                  <a:solidFill>
+                    <a:schemeClr val="lt1"/>
+                  </a:solidFill>
+                  <a:latin typeface="+mn-lt"/>
+                  <a:ea typeface="+mn-ea"/>
+                  <a:cs typeface="+mn-cs"/>
+                </a:defRPr>
+              </a:lvl1pPr>
+              <a:lvl2pPr marL="457200" algn="l" defTabSz="914400" rtl="0" eaLnBrk="1" latinLnBrk="0" hangingPunct="1">
+                <a:defRPr sz="1800" kern="1200">
+                  <a:solidFill>
+                    <a:schemeClr val="lt1"/>
+                  </a:solidFill>
+                  <a:latin typeface="+mn-lt"/>
+                  <a:ea typeface="+mn-ea"/>
+                  <a:cs typeface="+mn-cs"/>
+                </a:defRPr>
+              </a:lvl2pPr>
+              <a:lvl3pPr marL="914400" algn="l" defTabSz="914400" rtl="0" eaLnBrk="1" latinLnBrk="0" hangingPunct="1">
+                <a:defRPr sz="1800" kern="1200">
+                  <a:solidFill>
+                    <a:schemeClr val="lt1"/>
+                  </a:solidFill>
+                  <a:latin typeface="+mn-lt"/>
+                  <a:ea typeface="+mn-ea"/>
+                  <a:cs typeface="+mn-cs"/>
+                </a:defRPr>
+              </a:lvl3pPr>
+              <a:lvl4pPr marL="1371600" algn="l" defTabSz="914400" rtl="0" eaLnBrk="1" latinLnBrk="0" hangingPunct="1">
+                <a:defRPr sz="1800" kern="1200">
+                  <a:solidFill>
+                    <a:schemeClr val="lt1"/>
+                  </a:solidFill>
+                  <a:latin typeface="+mn-lt"/>
+                  <a:ea typeface="+mn-ea"/>
+                  <a:cs typeface="+mn-cs"/>
+                </a:defRPr>
+              </a:lvl4pPr>
+              <a:lvl5pPr marL="1828800" algn="l" defTabSz="914400" rtl="0" eaLnBrk="1" latinLnBrk="0" hangingPunct="1">
+                <a:defRPr sz="1800" kern="1200">
+                  <a:solidFill>
+                    <a:schemeClr val="lt1"/>
+                  </a:solidFill>
+                  <a:latin typeface="+mn-lt"/>
+                  <a:ea typeface="+mn-ea"/>
+                  <a:cs typeface="+mn-cs"/>
+                </a:defRPr>
+              </a:lvl5pPr>
+              <a:lvl6pPr marL="2286000" algn="l" defTabSz="914400" rtl="0" eaLnBrk="1" latinLnBrk="0" hangingPunct="1">
+                <a:defRPr sz="1800" kern="1200">
+                  <a:solidFill>
+                    <a:schemeClr val="lt1"/>
+                  </a:solidFill>
+                  <a:latin typeface="+mn-lt"/>
+                  <a:ea typeface="+mn-ea"/>
+                  <a:cs typeface="+mn-cs"/>
+                </a:defRPr>
+              </a:lvl6pPr>
+              <a:lvl7pPr marL="2743200" algn="l" defTabSz="914400" rtl="0" eaLnBrk="1" latinLnBrk="0" hangingPunct="1">
+                <a:defRPr sz="1800" kern="1200">
+                  <a:solidFill>
+                    <a:schemeClr val="lt1"/>
+                  </a:solidFill>
+                  <a:latin typeface="+mn-lt"/>
+                  <a:ea typeface="+mn-ea"/>
+                  <a:cs typeface="+mn-cs"/>
+                </a:defRPr>
+              </a:lvl7pPr>
+              <a:lvl8pPr marL="3200400" algn="l" defTabSz="914400" rtl="0" eaLnBrk="1" latinLnBrk="0" hangingPunct="1">
+                <a:defRPr sz="1800" kern="1200">
+                  <a:solidFill>
+                    <a:schemeClr val="lt1"/>
+                  </a:solidFill>
+                  <a:latin typeface="+mn-lt"/>
+                  <a:ea typeface="+mn-ea"/>
+                  <a:cs typeface="+mn-cs"/>
+                </a:defRPr>
+              </a:lvl8pPr>
+              <a:lvl9pPr marL="3657600" algn="l" defTabSz="914400" rtl="0" eaLnBrk="1" latinLnBrk="0" hangingPunct="1">
+                <a:defRPr sz="1800" kern="1200">
+                  <a:solidFill>
+                    <a:schemeClr val="lt1"/>
+                  </a:solidFill>
+                  <a:latin typeface="+mn-lt"/>
+                  <a:ea typeface="+mn-ea"/>
+                  <a:cs typeface="+mn-cs"/>
+                </a:defRPr>
+              </a:lvl9pPr>
+            </a:lstStyle>
+            <a:p>
+              <a:r>
+                <a:rPr lang="en-US" sz="900" noProof="1">
+                  <a:solidFill>
+                    <a:srgbClr val="5F5F5F"/>
+                  </a:solidFill>
+                  <a:latin typeface="Segoe UI" panose="020B0502040204020203" pitchFamily="34" charset="0"/>
+                  <a:cs typeface="Segoe UI" panose="020B0502040204020203" pitchFamily="34" charset="0"/>
+                </a:rPr>
+                <a:t>www.example.com</a:t>
+              </a:r>
+            </a:p>
+          </p:txBody>
+        </p:sp>
+        <p:sp>
+          <p:nvSpPr>
+            <p:cNvPr id="10" name="Document Icon" descr="&lt;SmartSettings&gt;&lt;SmartResize anchorLeft=&quot;Absolute&quot; anchorTop=&quot;Absolute&quot; anchorRight=&quot;None&quot; anchorBottom=&quot;None&quot; /&gt;&lt;/SmartSettings&gt;">
+              <a:extLst>
+                <a:ext uri="{FF2B5EF4-FFF2-40B4-BE49-F238E27FC236}">
+                  <a16:creationId xmlns:a16="http://schemas.microsoft.com/office/drawing/2014/main" id="{AAAFAE31-7749-4E69-93CC-B2D6512D93E1}"/>
+                </a:ext>
+              </a:extLst>
+            </p:cNvPr>
+            <p:cNvSpPr>
+              <a:spLocks noChangeAspect="1" noEditPoints="1"/>
+            </p:cNvSpPr>
+            <p:nvPr>
+              <p:custDataLst>
+                <p:tags r:id="rId19"/>
+              </p:custDataLst>
+            </p:nvPr>
+          </p:nvSpPr>
+          <p:spPr bwMode="auto">
+            <a:xfrm>
+              <a:off x="1357361" y="1462748"/>
+              <a:ext cx="72868" cy="90401"/>
+            </a:xfrm>
+            <a:custGeom>
+              <a:avLst/>
+              <a:gdLst>
+                <a:gd name="T0" fmla="*/ 153 w 260"/>
+                <a:gd name="T1" fmla="*/ 7 h 367"/>
+                <a:gd name="T2" fmla="*/ 153 w 260"/>
+                <a:gd name="T3" fmla="*/ 108 h 367"/>
+                <a:gd name="T4" fmla="*/ 253 w 260"/>
+                <a:gd name="T5" fmla="*/ 108 h 367"/>
+                <a:gd name="T6" fmla="*/ 0 w 260"/>
+                <a:gd name="T7" fmla="*/ 0 h 367"/>
+                <a:gd name="T8" fmla="*/ 0 w 260"/>
+                <a:gd name="T9" fmla="*/ 367 h 367"/>
+                <a:gd name="T10" fmla="*/ 260 w 260"/>
+                <a:gd name="T11" fmla="*/ 367 h 367"/>
+                <a:gd name="T12" fmla="*/ 260 w 260"/>
+                <a:gd name="T13" fmla="*/ 100 h 367"/>
+                <a:gd name="T14" fmla="*/ 161 w 260"/>
+                <a:gd name="T15" fmla="*/ 1 h 367"/>
+                <a:gd name="T16" fmla="*/ 0 w 260"/>
+                <a:gd name="T17" fmla="*/ 0 h 367"/>
+              </a:gdLst>
+              <a:ahLst/>
+              <a:cxnLst>
+                <a:cxn ang="0">
+                  <a:pos x="T0" y="T1"/>
+                </a:cxn>
+                <a:cxn ang="0">
+                  <a:pos x="T2" y="T3"/>
+                </a:cxn>
+                <a:cxn ang="0">
+                  <a:pos x="T4" y="T5"/>
+                </a:cxn>
+                <a:cxn ang="0">
+                  <a:pos x="T6" y="T7"/>
+                </a:cxn>
+                <a:cxn ang="0">
+                  <a:pos x="T8" y="T9"/>
+                </a:cxn>
+                <a:cxn ang="0">
+                  <a:pos x="T10" y="T11"/>
+                </a:cxn>
+                <a:cxn ang="0">
+                  <a:pos x="T12" y="T13"/>
+                </a:cxn>
+                <a:cxn ang="0">
+                  <a:pos x="T14" y="T15"/>
+                </a:cxn>
+                <a:cxn ang="0">
+                  <a:pos x="T16" y="T17"/>
+                </a:cxn>
+              </a:cxnLst>
+              <a:rect l="0" t="0" r="r" b="b"/>
+              <a:pathLst>
+                <a:path w="260" h="367">
+                  <a:moveTo>
+                    <a:pt x="153" y="7"/>
+                  </a:moveTo>
+                  <a:lnTo>
+                    <a:pt x="153" y="108"/>
+                  </a:lnTo>
+                  <a:lnTo>
+                    <a:pt x="253" y="108"/>
+                  </a:lnTo>
+                  <a:moveTo>
+                    <a:pt x="0" y="0"/>
+                  </a:moveTo>
+                  <a:lnTo>
+                    <a:pt x="0" y="367"/>
+                  </a:lnTo>
+                  <a:lnTo>
+                    <a:pt x="260" y="367"/>
+                  </a:lnTo>
+                  <a:lnTo>
+                    <a:pt x="260" y="100"/>
+                  </a:lnTo>
+                  <a:lnTo>
+                    <a:pt x="161" y="1"/>
+                  </a:lnTo>
+                  <a:lnTo>
+                    <a:pt x="0" y="0"/>
+                  </a:lnTo>
+                  <a:close/>
+                </a:path>
+              </a:pathLst>
+            </a:custGeom>
+            <a:noFill/>
+            <a:ln w="6350" cap="flat">
+              <a:solidFill>
+                <a:srgbClr val="808080"/>
+              </a:solidFill>
+              <a:prstDash val="solid"/>
+              <a:miter lim="800000"/>
+              <a:headEnd/>
+              <a:tailEnd/>
+            </a:ln>
+            <a:extLst>
+              <a:ext uri="{909E8E84-426E-40DD-AFC4-6F175D3DCCD1}">
+                <a14:hiddenFill xmlns:a14="http://schemas.microsoft.com/office/drawing/2010/main">
+                  <a:solidFill>
+                    <a:srgbClr val="FFFFFF"/>
+                  </a:solidFill>
+                </a14:hiddenFill>
+              </a:ext>
+            </a:extLst>
+          </p:spPr>
+          <p:txBody>
+            <a:bodyPr vert="horz" wrap="square" lIns="91440" tIns="45720" rIns="91440" bIns="45720" numCol="1" anchor="t" anchorCtr="0" compatLnSpc="1">
+              <a:prstTxWarp prst="textNoShape">
+                <a:avLst/>
+              </a:prstTxWarp>
+            </a:bodyPr>
+            <a:lstStyle>
+              <a:defPPr>
+                <a:defRPr lang="en-US"/>
+              </a:defPPr>
+              <a:lvl1pPr marL="0" algn="l" defTabSz="914400" rtl="0" eaLnBrk="1" latinLnBrk="0" hangingPunct="1">
+                <a:defRPr sz="1800" kern="1200">
+                  <a:solidFill>
+                    <a:schemeClr val="tx1"/>
+                  </a:solidFill>
+                  <a:latin typeface="+mn-lt"/>
+                  <a:ea typeface="+mn-ea"/>
+                  <a:cs typeface="+mn-cs"/>
+                </a:defRPr>
+              </a:lvl1pPr>
+              <a:lvl2pPr marL="457200" algn="l" defTabSz="914400" rtl="0" eaLnBrk="1" latinLnBrk="0" hangingPunct="1">
+                <a:defRPr sz="1800" kern="1200">
+                  <a:solidFill>
+                    <a:schemeClr val="tx1"/>
+                  </a:solidFill>
+                  <a:latin typeface="+mn-lt"/>
+                  <a:ea typeface="+mn-ea"/>
+                  <a:cs typeface="+mn-cs"/>
+                </a:defRPr>
+              </a:lvl2pPr>
+              <a:lvl3pPr marL="914400" algn="l" defTabSz="914400" rtl="0" eaLnBrk="1" latinLnBrk="0" hangingPunct="1">
+                <a:defRPr sz="1800" kern="1200">
+                  <a:solidFill>
+                    <a:schemeClr val="tx1"/>
+                  </a:solidFill>
+                  <a:latin typeface="+mn-lt"/>
+                  <a:ea typeface="+mn-ea"/>
+                  <a:cs typeface="+mn-cs"/>
+                </a:defRPr>
+              </a:lvl3pPr>
+              <a:lvl4pPr marL="1371600" algn="l" defTabSz="914400" rtl="0" eaLnBrk="1" latinLnBrk="0" hangingPunct="1">
+                <a:defRPr sz="1800" kern="1200">
+                  <a:solidFill>
+                    <a:schemeClr val="tx1"/>
+                  </a:solidFill>
+                  <a:latin typeface="+mn-lt"/>
+                  <a:ea typeface="+mn-ea"/>
+                  <a:cs typeface="+mn-cs"/>
+                </a:defRPr>
+              </a:lvl4pPr>
+              <a:lvl5pPr marL="1828800" algn="l" defTabSz="914400" rtl="0" eaLnBrk="1" latinLnBrk="0" hangingPunct="1">
+                <a:defRPr sz="1800" kern="1200">
+                  <a:solidFill>
+                    <a:schemeClr val="tx1"/>
+                  </a:solidFill>
+                  <a:latin typeface="+mn-lt"/>
+                  <a:ea typeface="+mn-ea"/>
+                  <a:cs typeface="+mn-cs"/>
+                </a:defRPr>
+              </a:lvl5pPr>
+              <a:lvl6pPr marL="2286000" algn="l" defTabSz="914400" rtl="0" eaLnBrk="1" latinLnBrk="0" hangingPunct="1">
+                <a:defRPr sz="1800" kern="1200">
+                  <a:solidFill>
+                    <a:schemeClr val="tx1"/>
+                  </a:solidFill>
+                  <a:latin typeface="+mn-lt"/>
+                  <a:ea typeface="+mn-ea"/>
+                  <a:cs typeface="+mn-cs"/>
+                </a:defRPr>
+              </a:lvl6pPr>
+              <a:lvl7pPr marL="2743200" algn="l" defTabSz="914400" rtl="0" eaLnBrk="1" latinLnBrk="0" hangingPunct="1">
+                <a:defRPr sz="1800" kern="1200">
+                  <a:solidFill>
+                    <a:schemeClr val="tx1"/>
+                  </a:solidFill>
+                  <a:latin typeface="+mn-lt"/>
+                  <a:ea typeface="+mn-ea"/>
+                  <a:cs typeface="+mn-cs"/>
+                </a:defRPr>
+              </a:lvl7pPr>
+              <a:lvl8pPr marL="3200400" algn="l" defTabSz="914400" rtl="0" eaLnBrk="1" latinLnBrk="0" hangingPunct="1">
+                <a:defRPr sz="1800" kern="1200">
+                  <a:solidFill>
+                    <a:schemeClr val="tx1"/>
+                  </a:solidFill>
+                  <a:latin typeface="+mn-lt"/>
+                  <a:ea typeface="+mn-ea"/>
+                  <a:cs typeface="+mn-cs"/>
+                </a:defRPr>
+              </a:lvl8pPr>
+              <a:lvl9pPr marL="3657600" algn="l" defTabSz="914400" rtl="0" eaLnBrk="1" latinLnBrk="0" hangingPunct="1">
+                <a:defRPr sz="1800" kern="1200">
+                  <a:solidFill>
+                    <a:schemeClr val="tx1"/>
+                  </a:solidFill>
+                  <a:latin typeface="+mn-lt"/>
+                  <a:ea typeface="+mn-ea"/>
+                  <a:cs typeface="+mn-cs"/>
+                </a:defRPr>
+              </a:lvl9pPr>
+            </a:lstStyle>
+            <a:p>
+              <a:endParaRPr lang="en-US">
+                <a:solidFill>
+                  <a:srgbClr val="5F5F5F"/>
+                </a:solidFill>
+                <a:latin typeface="Segoe UI" panose="020B0502040204020203" pitchFamily="34" charset="0"/>
+                <a:cs typeface="Segoe UI" panose="020B0502040204020203" pitchFamily="34" charset="0"/>
+              </a:endParaRPr>
+            </a:p>
+          </p:txBody>
+        </p:sp>
+        <p:grpSp>
+          <p:nvGrpSpPr>
+            <p:cNvPr id="11" name="Navigation Buttons">
+              <a:extLst>
+                <a:ext uri="{FF2B5EF4-FFF2-40B4-BE49-F238E27FC236}">
+                  <a16:creationId xmlns:a16="http://schemas.microsoft.com/office/drawing/2014/main" id="{777CDA36-9881-4290-B170-2874A82A4764}"/>
+                </a:ext>
+              </a:extLst>
+            </p:cNvPr>
+            <p:cNvGrpSpPr/>
+            <p:nvPr/>
+          </p:nvGrpSpPr>
+          <p:grpSpPr>
+            <a:xfrm>
+              <a:off x="693642" y="1449296"/>
+              <a:ext cx="498961" cy="117307"/>
+              <a:chOff x="693642" y="1449296"/>
+              <a:chExt cx="498961" cy="117307"/>
+            </a:xfrm>
+          </p:grpSpPr>
+          <p:sp>
+            <p:nvSpPr>
+              <p:cNvPr id="12" name="Back Button" descr="&lt;SmartSettings&gt;&lt;SmartResize anchorLeft=&quot;Absolute&quot; anchorTop=&quot;Absolute&quot; anchorRight=&quot;None&quot; anchorBottom=&quot;None&quot; /&gt;&lt;/SmartSettings&gt;">
+                <a:extLst>
+                  <a:ext uri="{FF2B5EF4-FFF2-40B4-BE49-F238E27FC236}">
+                    <a16:creationId xmlns:a16="http://schemas.microsoft.com/office/drawing/2014/main" id="{13B515DE-1AE4-47F1-8103-C557E9E8E357}"/>
+                  </a:ext>
+                </a:extLst>
+              </p:cNvPr>
+              <p:cNvSpPr>
+                <a:spLocks noChangeAspect="1" noEditPoints="1"/>
+              </p:cNvSpPr>
+              <p:nvPr>
+                <p:custDataLst>
+                  <p:tags r:id="rId20"/>
+                </p:custDataLst>
+              </p:nvPr>
+            </p:nvSpPr>
+            <p:spPr bwMode="auto">
+              <a:xfrm>
+                <a:off x="693642" y="1467054"/>
+                <a:ext cx="118565" cy="81792"/>
+              </a:xfrm>
+              <a:custGeom>
+                <a:avLst/>
+                <a:gdLst>
+                  <a:gd name="T0" fmla="*/ 159 w 423"/>
+                  <a:gd name="T1" fmla="*/ 332 h 332"/>
+                  <a:gd name="T2" fmla="*/ 0 w 423"/>
+                  <a:gd name="T3" fmla="*/ 166 h 332"/>
+                  <a:gd name="T4" fmla="*/ 159 w 423"/>
+                  <a:gd name="T5" fmla="*/ 0 h 332"/>
+                  <a:gd name="T6" fmla="*/ 15 w 423"/>
+                  <a:gd name="T7" fmla="*/ 166 h 332"/>
+                  <a:gd name="T8" fmla="*/ 423 w 423"/>
+                  <a:gd name="T9" fmla="*/ 166 h 332"/>
+                </a:gdLst>
+                <a:ahLst/>
+                <a:cxnLst>
+                  <a:cxn ang="0">
+                    <a:pos x="T0" y="T1"/>
+                  </a:cxn>
+                  <a:cxn ang="0">
+                    <a:pos x="T2" y="T3"/>
+                  </a:cxn>
+                  <a:cxn ang="0">
+                    <a:pos x="T4" y="T5"/>
+                  </a:cxn>
+                  <a:cxn ang="0">
+                    <a:pos x="T6" y="T7"/>
+                  </a:cxn>
+                  <a:cxn ang="0">
+                    <a:pos x="T8" y="T9"/>
+                  </a:cxn>
+                </a:cxnLst>
+                <a:rect l="0" t="0" r="r" b="b"/>
+                <a:pathLst>
+                  <a:path w="423" h="332">
+                    <a:moveTo>
+                      <a:pt x="159" y="332"/>
+                    </a:moveTo>
+                    <a:lnTo>
+                      <a:pt x="0" y="166"/>
+                    </a:lnTo>
+                    <a:lnTo>
+                      <a:pt x="159" y="0"/>
+                    </a:lnTo>
+                    <a:moveTo>
+                      <a:pt x="15" y="166"/>
+                    </a:moveTo>
+                    <a:lnTo>
+                      <a:pt x="423" y="166"/>
+                    </a:lnTo>
+                  </a:path>
+                </a:pathLst>
+              </a:custGeom>
+              <a:noFill/>
+              <a:ln w="6350" cap="sq">
+                <a:solidFill>
+                  <a:srgbClr val="808080"/>
+                </a:solidFill>
+                <a:prstDash val="solid"/>
+                <a:miter lim="800000"/>
+                <a:headEnd/>
+                <a:tailEnd/>
+              </a:ln>
+              <a:extLst>
+                <a:ext uri="{909E8E84-426E-40DD-AFC4-6F175D3DCCD1}">
+                  <a14:hiddenFill xmlns:a14="http://schemas.microsoft.com/office/drawing/2010/main">
+                    <a:solidFill>
+                      <a:srgbClr val="FFFFFF"/>
+                    </a:solidFill>
+                  </a14:hiddenFill>
+                </a:ext>
+              </a:extLst>
+            </p:spPr>
+            <p:txBody>
+              <a:bodyPr vert="horz" wrap="square" lIns="91440" tIns="45720" rIns="91440" bIns="45720" numCol="1" anchor="t" anchorCtr="0" compatLnSpc="1">
+                <a:prstTxWarp prst="textNoShape">
+                  <a:avLst/>
+                </a:prstTxWarp>
+              </a:bodyPr>
+              <a:lstStyle>
+                <a:defPPr>
+                  <a:defRPr lang="en-US"/>
+                </a:defPPr>
+                <a:lvl1pPr marL="0" algn="l" defTabSz="914400" rtl="0" eaLnBrk="1" latinLnBrk="0" hangingPunct="1">
+                  <a:defRPr sz="1800" kern="1200">
+                    <a:solidFill>
+                      <a:schemeClr val="tx1"/>
+                    </a:solidFill>
+                    <a:latin typeface="+mn-lt"/>
+                    <a:ea typeface="+mn-ea"/>
+                    <a:cs typeface="+mn-cs"/>
+                  </a:defRPr>
+                </a:lvl1pPr>
+                <a:lvl2pPr marL="457200" algn="l" defTabSz="914400" rtl="0" eaLnBrk="1" latinLnBrk="0" hangingPunct="1">
+                  <a:defRPr sz="1800" kern="1200">
+                    <a:solidFill>
+                      <a:schemeClr val="tx1"/>
+                    </a:solidFill>
+                    <a:latin typeface="+mn-lt"/>
+                    <a:ea typeface="+mn-ea"/>
+                    <a:cs typeface="+mn-cs"/>
+                  </a:defRPr>
+                </a:lvl2pPr>
+                <a:lvl3pPr marL="914400" algn="l" defTabSz="914400" rtl="0" eaLnBrk="1" latinLnBrk="0" hangingPunct="1">
+                  <a:defRPr sz="1800" kern="1200">
+                    <a:solidFill>
+                      <a:schemeClr val="tx1"/>
+                    </a:solidFill>
+                    <a:latin typeface="+mn-lt"/>
+                    <a:ea typeface="+mn-ea"/>
+                    <a:cs typeface="+mn-cs"/>
+                  </a:defRPr>
+                </a:lvl3pPr>
+                <a:lvl4pPr marL="1371600" algn="l" defTabSz="914400" rtl="0" eaLnBrk="1" latinLnBrk="0" hangingPunct="1">
+                  <a:defRPr sz="1800" kern="1200">
+                    <a:solidFill>
+                      <a:schemeClr val="tx1"/>
+                    </a:solidFill>
+                    <a:latin typeface="+mn-lt"/>
+                    <a:ea typeface="+mn-ea"/>
+                    <a:cs typeface="+mn-cs"/>
+                  </a:defRPr>
+                </a:lvl4pPr>
+                <a:lvl5pPr marL="1828800" algn="l" defTabSz="914400" rtl="0" eaLnBrk="1" latinLnBrk="0" hangingPunct="1">
+                  <a:defRPr sz="1800" kern="1200">
+                    <a:solidFill>
+                      <a:schemeClr val="tx1"/>
+                    </a:solidFill>
+                    <a:latin typeface="+mn-lt"/>
+                    <a:ea typeface="+mn-ea"/>
+                    <a:cs typeface="+mn-cs"/>
+                  </a:defRPr>
+                </a:lvl5pPr>
+                <a:lvl6pPr marL="2286000" algn="l" defTabSz="914400" rtl="0" eaLnBrk="1" latinLnBrk="0" hangingPunct="1">
+                  <a:defRPr sz="1800" kern="1200">
+                    <a:solidFill>
+                      <a:schemeClr val="tx1"/>
+                    </a:solidFill>
+                    <a:latin typeface="+mn-lt"/>
+                    <a:ea typeface="+mn-ea"/>
+                    <a:cs typeface="+mn-cs"/>
+                  </a:defRPr>
+                </a:lvl6pPr>
+                <a:lvl7pPr marL="2743200" algn="l" defTabSz="914400" rtl="0" eaLnBrk="1" latinLnBrk="0" hangingPunct="1">
+                  <a:defRPr sz="1800" kern="1200">
+                    <a:solidFill>
+                      <a:schemeClr val="tx1"/>
+                    </a:solidFill>
+                    <a:latin typeface="+mn-lt"/>
+                    <a:ea typeface="+mn-ea"/>
+                    <a:cs typeface="+mn-cs"/>
+                  </a:defRPr>
+                </a:lvl7pPr>
+                <a:lvl8pPr marL="3200400" algn="l" defTabSz="914400" rtl="0" eaLnBrk="1" latinLnBrk="0" hangingPunct="1">
+                  <a:defRPr sz="1800" kern="1200">
+                    <a:solidFill>
+                      <a:schemeClr val="tx1"/>
+                    </a:solidFill>
+                    <a:latin typeface="+mn-lt"/>
+                    <a:ea typeface="+mn-ea"/>
+                    <a:cs typeface="+mn-cs"/>
+                  </a:defRPr>
+                </a:lvl8pPr>
+                <a:lvl9pPr marL="3657600" algn="l" defTabSz="914400" rtl="0" eaLnBrk="1" latinLnBrk="0" hangingPunct="1">
+                  <a:defRPr sz="1800" kern="1200">
+                    <a:solidFill>
+                      <a:schemeClr val="tx1"/>
+                    </a:solidFill>
+                    <a:latin typeface="+mn-lt"/>
+                    <a:ea typeface="+mn-ea"/>
+                    <a:cs typeface="+mn-cs"/>
+                  </a:defRPr>
+                </a:lvl9pPr>
+              </a:lstStyle>
+              <a:p>
+                <a:endParaRPr lang="en-US">
+                  <a:solidFill>
+                    <a:srgbClr val="5F5F5F"/>
+                  </a:solidFill>
+                  <a:latin typeface="Segoe UI" panose="020B0502040204020203" pitchFamily="34" charset="0"/>
+                  <a:cs typeface="Segoe UI" panose="020B0502040204020203" pitchFamily="34" charset="0"/>
+                </a:endParaRPr>
+              </a:p>
+            </p:txBody>
+          </p:sp>
+          <p:sp>
+            <p:nvSpPr>
+              <p:cNvPr id="13" name="Forward Button" descr="&lt;SmartSettings&gt;&lt;SmartResize anchorLeft=&quot;Absolute&quot; anchorTop=&quot;Absolute&quot; anchorRight=&quot;None&quot; anchorBottom=&quot;None&quot; /&gt;&lt;/SmartSettings&gt;">
+                <a:extLst>
+                  <a:ext uri="{FF2B5EF4-FFF2-40B4-BE49-F238E27FC236}">
+                    <a16:creationId xmlns:a16="http://schemas.microsoft.com/office/drawing/2014/main" id="{3380B1A6-C917-46CA-BB78-3860E6FCD957}"/>
+                  </a:ext>
+                </a:extLst>
+              </p:cNvPr>
+              <p:cNvSpPr>
+                <a:spLocks noChangeAspect="1" noEditPoints="1"/>
+              </p:cNvSpPr>
+              <p:nvPr>
+                <p:custDataLst>
+                  <p:tags r:id="rId21"/>
+                </p:custDataLst>
+              </p:nvPr>
+            </p:nvSpPr>
+            <p:spPr bwMode="auto">
+              <a:xfrm>
+                <a:off x="881370" y="1467054"/>
+                <a:ext cx="118565" cy="81792"/>
+              </a:xfrm>
+              <a:custGeom>
+                <a:avLst/>
+                <a:gdLst>
+                  <a:gd name="T0" fmla="*/ 265 w 423"/>
+                  <a:gd name="T1" fmla="*/ 0 h 332"/>
+                  <a:gd name="T2" fmla="*/ 423 w 423"/>
+                  <a:gd name="T3" fmla="*/ 166 h 332"/>
+                  <a:gd name="T4" fmla="*/ 265 w 423"/>
+                  <a:gd name="T5" fmla="*/ 332 h 332"/>
+                  <a:gd name="T6" fmla="*/ 408 w 423"/>
+                  <a:gd name="T7" fmla="*/ 166 h 332"/>
+                  <a:gd name="T8" fmla="*/ 0 w 423"/>
+                  <a:gd name="T9" fmla="*/ 166 h 332"/>
+                </a:gdLst>
+                <a:ahLst/>
+                <a:cxnLst>
+                  <a:cxn ang="0">
+                    <a:pos x="T0" y="T1"/>
+                  </a:cxn>
+                  <a:cxn ang="0">
+                    <a:pos x="T2" y="T3"/>
+                  </a:cxn>
+                  <a:cxn ang="0">
+                    <a:pos x="T4" y="T5"/>
+                  </a:cxn>
+                  <a:cxn ang="0">
+                    <a:pos x="T6" y="T7"/>
+                  </a:cxn>
+                  <a:cxn ang="0">
+                    <a:pos x="T8" y="T9"/>
+                  </a:cxn>
+                </a:cxnLst>
+                <a:rect l="0" t="0" r="r" b="b"/>
+                <a:pathLst>
+                  <a:path w="423" h="332">
+                    <a:moveTo>
+                      <a:pt x="265" y="0"/>
+                    </a:moveTo>
+                    <a:lnTo>
+                      <a:pt x="423" y="166"/>
+                    </a:lnTo>
+                    <a:lnTo>
+                      <a:pt x="265" y="332"/>
+                    </a:lnTo>
+                    <a:moveTo>
+                      <a:pt x="408" y="166"/>
+                    </a:moveTo>
+                    <a:lnTo>
+                      <a:pt x="0" y="166"/>
+                    </a:lnTo>
+                  </a:path>
+                </a:pathLst>
+              </a:custGeom>
+              <a:noFill/>
+              <a:ln w="6350" cap="sq">
+                <a:solidFill>
+                  <a:srgbClr val="808080"/>
+                </a:solidFill>
+                <a:prstDash val="solid"/>
+                <a:miter lim="800000"/>
+                <a:headEnd/>
+                <a:tailEnd/>
+              </a:ln>
+              <a:extLst>
+                <a:ext uri="{909E8E84-426E-40DD-AFC4-6F175D3DCCD1}">
+                  <a14:hiddenFill xmlns:a14="http://schemas.microsoft.com/office/drawing/2010/main">
+                    <a:solidFill>
+                      <a:srgbClr val="FFFFFF"/>
+                    </a:solidFill>
+                  </a14:hiddenFill>
+                </a:ext>
+              </a:extLst>
+            </p:spPr>
+            <p:txBody>
+              <a:bodyPr vert="horz" wrap="square" lIns="91440" tIns="45720" rIns="91440" bIns="45720" numCol="1" anchor="t" anchorCtr="0" compatLnSpc="1">
+                <a:prstTxWarp prst="textNoShape">
+                  <a:avLst/>
+                </a:prstTxWarp>
+              </a:bodyPr>
+              <a:lstStyle>
+                <a:defPPr>
+                  <a:defRPr lang="en-US"/>
+                </a:defPPr>
+                <a:lvl1pPr marL="0" algn="l" defTabSz="914400" rtl="0" eaLnBrk="1" latinLnBrk="0" hangingPunct="1">
+                  <a:defRPr sz="1800" kern="1200">
+                    <a:solidFill>
+                      <a:schemeClr val="tx1"/>
+                    </a:solidFill>
+                    <a:latin typeface="+mn-lt"/>
+                    <a:ea typeface="+mn-ea"/>
+                    <a:cs typeface="+mn-cs"/>
+                  </a:defRPr>
+                </a:lvl1pPr>
+                <a:lvl2pPr marL="457200" algn="l" defTabSz="914400" rtl="0" eaLnBrk="1" latinLnBrk="0" hangingPunct="1">
+                  <a:defRPr sz="1800" kern="1200">
+                    <a:solidFill>
+                      <a:schemeClr val="tx1"/>
+                    </a:solidFill>
+                    <a:latin typeface="+mn-lt"/>
+                    <a:ea typeface="+mn-ea"/>
+                    <a:cs typeface="+mn-cs"/>
+                  </a:defRPr>
+                </a:lvl2pPr>
+                <a:lvl3pPr marL="914400" algn="l" defTabSz="914400" rtl="0" eaLnBrk="1" latinLnBrk="0" hangingPunct="1">
+                  <a:defRPr sz="1800" kern="1200">
+                    <a:solidFill>
+                      <a:schemeClr val="tx1"/>
+                    </a:solidFill>
+                    <a:latin typeface="+mn-lt"/>
+                    <a:ea typeface="+mn-ea"/>
+                    <a:cs typeface="+mn-cs"/>
+                  </a:defRPr>
+                </a:lvl3pPr>
+                <a:lvl4pPr marL="1371600" algn="l" defTabSz="914400" rtl="0" eaLnBrk="1" latinLnBrk="0" hangingPunct="1">
+                  <a:defRPr sz="1800" kern="1200">
+                    <a:solidFill>
+                      <a:schemeClr val="tx1"/>
+                    </a:solidFill>
+                    <a:latin typeface="+mn-lt"/>
+                    <a:ea typeface="+mn-ea"/>
+                    <a:cs typeface="+mn-cs"/>
+                  </a:defRPr>
+                </a:lvl4pPr>
+                <a:lvl5pPr marL="1828800" algn="l" defTabSz="914400" rtl="0" eaLnBrk="1" latinLnBrk="0" hangingPunct="1">
+                  <a:defRPr sz="1800" kern="1200">
+                    <a:solidFill>
+                      <a:schemeClr val="tx1"/>
+                    </a:solidFill>
+                    <a:latin typeface="+mn-lt"/>
+                    <a:ea typeface="+mn-ea"/>
+                    <a:cs typeface="+mn-cs"/>
+                  </a:defRPr>
+                </a:lvl5pPr>
+                <a:lvl6pPr marL="2286000" algn="l" defTabSz="914400" rtl="0" eaLnBrk="1" latinLnBrk="0" hangingPunct="1">
+                  <a:defRPr sz="1800" kern="1200">
+                    <a:solidFill>
+                      <a:schemeClr val="tx1"/>
+                    </a:solidFill>
+                    <a:latin typeface="+mn-lt"/>
+                    <a:ea typeface="+mn-ea"/>
+                    <a:cs typeface="+mn-cs"/>
+                  </a:defRPr>
+                </a:lvl6pPr>
+                <a:lvl7pPr marL="2743200" algn="l" defTabSz="914400" rtl="0" eaLnBrk="1" latinLnBrk="0" hangingPunct="1">
+                  <a:defRPr sz="1800" kern="1200">
+                    <a:solidFill>
+                      <a:schemeClr val="tx1"/>
+                    </a:solidFill>
+                    <a:latin typeface="+mn-lt"/>
+                    <a:ea typeface="+mn-ea"/>
+                    <a:cs typeface="+mn-cs"/>
+                  </a:defRPr>
+                </a:lvl7pPr>
+                <a:lvl8pPr marL="3200400" algn="l" defTabSz="914400" rtl="0" eaLnBrk="1" latinLnBrk="0" hangingPunct="1">
+                  <a:defRPr sz="1800" kern="1200">
+                    <a:solidFill>
+                      <a:schemeClr val="tx1"/>
+                    </a:solidFill>
+                    <a:latin typeface="+mn-lt"/>
+                    <a:ea typeface="+mn-ea"/>
+                    <a:cs typeface="+mn-cs"/>
+                  </a:defRPr>
+                </a:lvl8pPr>
+                <a:lvl9pPr marL="3657600" algn="l" defTabSz="914400" rtl="0" eaLnBrk="1" latinLnBrk="0" hangingPunct="1">
+                  <a:defRPr sz="1800" kern="1200">
+                    <a:solidFill>
+                      <a:schemeClr val="tx1"/>
+                    </a:solidFill>
+                    <a:latin typeface="+mn-lt"/>
+                    <a:ea typeface="+mn-ea"/>
+                    <a:cs typeface="+mn-cs"/>
+                  </a:defRPr>
+                </a:lvl9pPr>
+              </a:lstStyle>
+              <a:p>
+                <a:endParaRPr lang="en-US">
+                  <a:solidFill>
+                    <a:srgbClr val="5F5F5F"/>
+                  </a:solidFill>
+                  <a:latin typeface="Segoe UI" panose="020B0502040204020203" pitchFamily="34" charset="0"/>
+                  <a:cs typeface="Segoe UI" panose="020B0502040204020203" pitchFamily="34" charset="0"/>
+                </a:endParaRPr>
+              </a:p>
+            </p:txBody>
+          </p:sp>
+          <p:sp>
+            <p:nvSpPr>
+              <p:cNvPr id="14" name="Reload Button" descr="&lt;SmartSettings&gt;&lt;SmartResize anchorLeft=&quot;Absolute&quot; anchorTop=&quot;Absolute&quot; anchorRight=&quot;None&quot; anchorBottom=&quot;None&quot; /&gt;&lt;/SmartSettings&gt;">
+                <a:extLst>
+                  <a:ext uri="{FF2B5EF4-FFF2-40B4-BE49-F238E27FC236}">
+                    <a16:creationId xmlns:a16="http://schemas.microsoft.com/office/drawing/2014/main" id="{F8B5F53F-5916-4D77-AA23-BB3E30C5BAAE}"/>
+                  </a:ext>
+                </a:extLst>
+              </p:cNvPr>
+              <p:cNvSpPr>
+                <a:spLocks noChangeAspect="1" noEditPoints="1"/>
+              </p:cNvSpPr>
+              <p:nvPr>
+                <p:custDataLst>
+                  <p:tags r:id="rId22"/>
+                </p:custDataLst>
+              </p:nvPr>
+            </p:nvSpPr>
+            <p:spPr bwMode="auto">
+              <a:xfrm>
+                <a:off x="1069098" y="1449296"/>
+                <a:ext cx="123505" cy="117307"/>
+              </a:xfrm>
+              <a:custGeom>
+                <a:avLst/>
+                <a:gdLst>
+                  <a:gd name="T0" fmla="*/ 441 w 441"/>
+                  <a:gd name="T1" fmla="*/ 7 h 474"/>
+                  <a:gd name="T2" fmla="*/ 441 w 441"/>
+                  <a:gd name="T3" fmla="*/ 144 h 474"/>
+                  <a:gd name="T4" fmla="*/ 296 w 441"/>
+                  <a:gd name="T5" fmla="*/ 144 h 474"/>
+                  <a:gd name="T6" fmla="*/ 438 w 441"/>
+                  <a:gd name="T7" fmla="*/ 309 h 474"/>
+                  <a:gd name="T8" fmla="*/ 166 w 441"/>
+                  <a:gd name="T9" fmla="*/ 434 h 474"/>
+                  <a:gd name="T10" fmla="*/ 41 w 441"/>
+                  <a:gd name="T11" fmla="*/ 162 h 474"/>
+                  <a:gd name="T12" fmla="*/ 313 w 441"/>
+                  <a:gd name="T13" fmla="*/ 37 h 474"/>
+                  <a:gd name="T14" fmla="*/ 428 w 441"/>
+                  <a:gd name="T15" fmla="*/ 139 h 474"/>
+                </a:gdLst>
+                <a:ahLst/>
+                <a:cxnLst>
+                  <a:cxn ang="0">
+                    <a:pos x="T0" y="T1"/>
+                  </a:cxn>
+                  <a:cxn ang="0">
+                    <a:pos x="T2" y="T3"/>
+                  </a:cxn>
+                  <a:cxn ang="0">
+                    <a:pos x="T4" y="T5"/>
+                  </a:cxn>
+                  <a:cxn ang="0">
+                    <a:pos x="T6" y="T7"/>
+                  </a:cxn>
+                  <a:cxn ang="0">
+                    <a:pos x="T8" y="T9"/>
+                  </a:cxn>
+                  <a:cxn ang="0">
+                    <a:pos x="T10" y="T11"/>
+                  </a:cxn>
+                  <a:cxn ang="0">
+                    <a:pos x="T12" y="T13"/>
+                  </a:cxn>
+                  <a:cxn ang="0">
+                    <a:pos x="T14" y="T15"/>
+                  </a:cxn>
+                </a:cxnLst>
+                <a:rect l="0" t="0" r="r" b="b"/>
+                <a:pathLst>
+                  <a:path w="441" h="474">
+                    <a:moveTo>
+                      <a:pt x="441" y="7"/>
+                    </a:moveTo>
+                    <a:lnTo>
+                      <a:pt x="441" y="144"/>
+                    </a:lnTo>
+                    <a:lnTo>
+                      <a:pt x="296" y="144"/>
+                    </a:lnTo>
+                    <a:moveTo>
+                      <a:pt x="438" y="309"/>
+                    </a:moveTo>
+                    <a:cubicBezTo>
+                      <a:pt x="397" y="418"/>
+                      <a:pt x="276" y="474"/>
+                      <a:pt x="166" y="434"/>
+                    </a:cubicBezTo>
+                    <a:cubicBezTo>
+                      <a:pt x="56" y="393"/>
+                      <a:pt x="0" y="271"/>
+                      <a:pt x="41" y="162"/>
+                    </a:cubicBezTo>
+                    <a:cubicBezTo>
+                      <a:pt x="82" y="52"/>
+                      <a:pt x="202" y="0"/>
+                      <a:pt x="313" y="37"/>
+                    </a:cubicBezTo>
+                    <a:cubicBezTo>
+                      <a:pt x="357" y="51"/>
+                      <a:pt x="398" y="91"/>
+                      <a:pt x="428" y="139"/>
+                    </a:cubicBezTo>
+                  </a:path>
+                </a:pathLst>
+              </a:custGeom>
+              <a:noFill/>
+              <a:ln w="6350" cap="flat">
+                <a:solidFill>
+                  <a:srgbClr val="808080"/>
+                </a:solidFill>
+                <a:prstDash val="solid"/>
+                <a:miter lim="800000"/>
+                <a:headEnd/>
+                <a:tailEnd/>
+              </a:ln>
+              <a:extLst>
+                <a:ext uri="{909E8E84-426E-40DD-AFC4-6F175D3DCCD1}">
+                  <a14:hiddenFill xmlns:a14="http://schemas.microsoft.com/office/drawing/2010/main">
+                    <a:solidFill>
+                      <a:srgbClr val="FFFFFF"/>
+                    </a:solidFill>
+                  </a14:hiddenFill>
+                </a:ext>
+              </a:extLst>
+            </p:spPr>
+            <p:txBody>
+              <a:bodyPr vert="horz" wrap="square" lIns="91440" tIns="45720" rIns="91440" bIns="45720" numCol="1" anchor="t" anchorCtr="0" compatLnSpc="1">
+                <a:prstTxWarp prst="textNoShape">
+                  <a:avLst/>
+                </a:prstTxWarp>
+              </a:bodyPr>
+              <a:lstStyle>
+                <a:defPPr>
+                  <a:defRPr lang="en-US"/>
+                </a:defPPr>
+                <a:lvl1pPr marL="0" algn="l" defTabSz="914400" rtl="0" eaLnBrk="1" latinLnBrk="0" hangingPunct="1">
+                  <a:defRPr sz="1800" kern="1200">
+                    <a:solidFill>
+                      <a:schemeClr val="tx1"/>
+                    </a:solidFill>
+                    <a:latin typeface="+mn-lt"/>
+                    <a:ea typeface="+mn-ea"/>
+                    <a:cs typeface="+mn-cs"/>
+                  </a:defRPr>
+                </a:lvl1pPr>
+                <a:lvl2pPr marL="457200" algn="l" defTabSz="914400" rtl="0" eaLnBrk="1" latinLnBrk="0" hangingPunct="1">
+                  <a:defRPr sz="1800" kern="1200">
+                    <a:solidFill>
+                      <a:schemeClr val="tx1"/>
+                    </a:solidFill>
+                    <a:latin typeface="+mn-lt"/>
+                    <a:ea typeface="+mn-ea"/>
+                    <a:cs typeface="+mn-cs"/>
+                  </a:defRPr>
+                </a:lvl2pPr>
+                <a:lvl3pPr marL="914400" algn="l" defTabSz="914400" rtl="0" eaLnBrk="1" latinLnBrk="0" hangingPunct="1">
+                  <a:defRPr sz="1800" kern="1200">
+                    <a:solidFill>
+                      <a:schemeClr val="tx1"/>
+                    </a:solidFill>
+                    <a:latin typeface="+mn-lt"/>
+                    <a:ea typeface="+mn-ea"/>
+                    <a:cs typeface="+mn-cs"/>
+                  </a:defRPr>
+                </a:lvl3pPr>
+                <a:lvl4pPr marL="1371600" algn="l" defTabSz="914400" rtl="0" eaLnBrk="1" latinLnBrk="0" hangingPunct="1">
+                  <a:defRPr sz="1800" kern="1200">
+                    <a:solidFill>
+                      <a:schemeClr val="tx1"/>
+                    </a:solidFill>
+                    <a:latin typeface="+mn-lt"/>
+                    <a:ea typeface="+mn-ea"/>
+                    <a:cs typeface="+mn-cs"/>
+                  </a:defRPr>
+                </a:lvl4pPr>
+                <a:lvl5pPr marL="1828800" algn="l" defTabSz="914400" rtl="0" eaLnBrk="1" latinLnBrk="0" hangingPunct="1">
+                  <a:defRPr sz="1800" kern="1200">
+                    <a:solidFill>
+                      <a:schemeClr val="tx1"/>
+                    </a:solidFill>
+                    <a:latin typeface="+mn-lt"/>
+                    <a:ea typeface="+mn-ea"/>
+                    <a:cs typeface="+mn-cs"/>
+                  </a:defRPr>
+                </a:lvl5pPr>
+                <a:lvl6pPr marL="2286000" algn="l" defTabSz="914400" rtl="0" eaLnBrk="1" latinLnBrk="0" hangingPunct="1">
+                  <a:defRPr sz="1800" kern="1200">
+                    <a:solidFill>
+                      <a:schemeClr val="tx1"/>
+                    </a:solidFill>
+                    <a:latin typeface="+mn-lt"/>
+                    <a:ea typeface="+mn-ea"/>
+                    <a:cs typeface="+mn-cs"/>
+                  </a:defRPr>
+                </a:lvl6pPr>
+                <a:lvl7pPr marL="2743200" algn="l" defTabSz="914400" rtl="0" eaLnBrk="1" latinLnBrk="0" hangingPunct="1">
+                  <a:defRPr sz="1800" kern="1200">
+                    <a:solidFill>
+                      <a:schemeClr val="tx1"/>
+                    </a:solidFill>
+                    <a:latin typeface="+mn-lt"/>
+                    <a:ea typeface="+mn-ea"/>
+                    <a:cs typeface="+mn-cs"/>
+                  </a:defRPr>
+                </a:lvl7pPr>
+                <a:lvl8pPr marL="3200400" algn="l" defTabSz="914400" rtl="0" eaLnBrk="1" latinLnBrk="0" hangingPunct="1">
+                  <a:defRPr sz="1800" kern="1200">
+                    <a:solidFill>
+                      <a:schemeClr val="tx1"/>
+                    </a:solidFill>
+                    <a:latin typeface="+mn-lt"/>
+                    <a:ea typeface="+mn-ea"/>
+                    <a:cs typeface="+mn-cs"/>
+                  </a:defRPr>
+                </a:lvl8pPr>
+                <a:lvl9pPr marL="3657600" algn="l" defTabSz="914400" rtl="0" eaLnBrk="1" latinLnBrk="0" hangingPunct="1">
+                  <a:defRPr sz="1800" kern="1200">
+                    <a:solidFill>
+                      <a:schemeClr val="tx1"/>
+                    </a:solidFill>
+                    <a:latin typeface="+mn-lt"/>
+                    <a:ea typeface="+mn-ea"/>
+                    <a:cs typeface="+mn-cs"/>
+                  </a:defRPr>
+                </a:lvl9pPr>
+              </a:lstStyle>
+              <a:p>
+                <a:endParaRPr lang="en-US">
+                  <a:solidFill>
+                    <a:srgbClr val="5F5F5F"/>
+                  </a:solidFill>
+                  <a:latin typeface="Segoe UI" panose="020B0502040204020203" pitchFamily="34" charset="0"/>
+                  <a:cs typeface="Segoe UI" panose="020B0502040204020203" pitchFamily="34" charset="0"/>
+                </a:endParaRPr>
+              </a:p>
+            </p:txBody>
+          </p:sp>
+        </p:grpSp>
+      </p:grpSp>
+      <p:grpSp>
+        <p:nvGrpSpPr>
+          <p:cNvPr id="18" name="Group Box" descr="&lt;SmartSettings&gt;&lt;SmartResize enabled=&quot;True&quot; minWidth=&quot;60&quot; minHeight=&quot;22&quot; /&gt;&lt;/SmartSettings&gt;">
+            <a:extLst>
+              <a:ext uri="{FF2B5EF4-FFF2-40B4-BE49-F238E27FC236}">
+                <a16:creationId xmlns:a16="http://schemas.microsoft.com/office/drawing/2014/main" id="{676BD0D1-5C61-4AE1-A5A7-646E388328D6}"/>
+              </a:ext>
+            </a:extLst>
+          </p:cNvPr>
+          <p:cNvGrpSpPr/>
+          <p:nvPr>
+            <p:custDataLst>
+              <p:tags r:id="rId2"/>
+            </p:custDataLst>
+          </p:nvPr>
+        </p:nvGrpSpPr>
+        <p:grpSpPr>
+          <a:xfrm>
+            <a:off x="4196124" y="946641"/>
+            <a:ext cx="4080517" cy="1455508"/>
+            <a:chOff x="648510" y="1293962"/>
+            <a:chExt cx="1828800" cy="1128939"/>
+          </a:xfrm>
+        </p:grpSpPr>
+        <p:sp>
+          <p:nvSpPr>
+            <p:cNvPr id="19" name="Panel" descr="&lt;SmartSettings&gt;&lt;SmartResize anchorLeft=&quot;Relative&quot; anchorTop=&quot;Absolute&quot; anchorRight=&quot;Relative&quot; anchorBottom=&quot;Relative&quot; /&gt;&lt;/SmartSettings&gt;">
+              <a:extLst>
+                <a:ext uri="{FF2B5EF4-FFF2-40B4-BE49-F238E27FC236}">
+                  <a16:creationId xmlns:a16="http://schemas.microsoft.com/office/drawing/2014/main" id="{453622ED-399D-4031-BEA6-58213302FC7E}"/>
+                </a:ext>
+              </a:extLst>
+            </p:cNvPr>
+            <p:cNvSpPr/>
+            <p:nvPr>
+              <p:custDataLst>
+                <p:tags r:id="rId12"/>
+              </p:custDataLst>
+            </p:nvPr>
+          </p:nvSpPr>
+          <p:spPr>
+            <a:xfrm>
+              <a:off x="648510" y="1345820"/>
+              <a:ext cx="1828800" cy="1077081"/>
+            </a:xfrm>
+            <a:prstGeom prst="rect">
+              <a:avLst/>
+            </a:prstGeom>
+            <a:solidFill>
+              <a:srgbClr val="FFFFFF"/>
+            </a:solidFill>
+            <a:ln w="6350">
+              <a:solidFill>
+                <a:srgbClr val="808080"/>
+              </a:solidFill>
+            </a:ln>
+          </p:spPr>
+          <p:style>
+            <a:lnRef idx="2">
+              <a:schemeClr val="accent1">
+                <a:shade val="50000"/>
+              </a:schemeClr>
+            </a:lnRef>
+            <a:fillRef idx="1">
+              <a:schemeClr val="accent1"/>
+            </a:fillRef>
+            <a:effectRef idx="0">
+              <a:schemeClr val="accent1"/>
+            </a:effectRef>
+            <a:fontRef idx="minor">
+              <a:schemeClr val="lt1"/>
+            </a:fontRef>
+          </p:style>
+          <p:txBody>
+            <a:bodyPr rot="0" spcFirstLastPara="0" vert="horz" wrap="square" lIns="91440" tIns="45720" rIns="91440" bIns="45720" numCol="1" spcCol="0" rtlCol="0" fromWordArt="0" anchor="ctr" anchorCtr="0" forceAA="0" compatLnSpc="1">
+              <a:prstTxWarp prst="textNoShape">
+                <a:avLst/>
+              </a:prstTxWarp>
+              <a:noAutofit/>
+            </a:bodyPr>
+            <a:lstStyle>
+              <a:defPPr>
+                <a:defRPr lang="en-US"/>
+              </a:defPPr>
+              <a:lvl1pPr marL="0" algn="l" defTabSz="914400" rtl="0" eaLnBrk="1" latinLnBrk="0" hangingPunct="1">
+                <a:defRPr sz="1800" kern="1200">
+                  <a:solidFill>
+                    <a:schemeClr val="lt1"/>
+                  </a:solidFill>
+                  <a:latin typeface="+mn-lt"/>
+                  <a:ea typeface="+mn-ea"/>
+                  <a:cs typeface="+mn-cs"/>
+                </a:defRPr>
+              </a:lvl1pPr>
+              <a:lvl2pPr marL="457200" algn="l" defTabSz="914400" rtl="0" eaLnBrk="1" latinLnBrk="0" hangingPunct="1">
+                <a:defRPr sz="1800" kern="1200">
+                  <a:solidFill>
+                    <a:schemeClr val="lt1"/>
+                  </a:solidFill>
+                  <a:latin typeface="+mn-lt"/>
+                  <a:ea typeface="+mn-ea"/>
+                  <a:cs typeface="+mn-cs"/>
+                </a:defRPr>
+              </a:lvl2pPr>
+              <a:lvl3pPr marL="914400" algn="l" defTabSz="914400" rtl="0" eaLnBrk="1" latinLnBrk="0" hangingPunct="1">
+                <a:defRPr sz="1800" kern="1200">
+                  <a:solidFill>
+                    <a:schemeClr val="lt1"/>
+                  </a:solidFill>
+                  <a:latin typeface="+mn-lt"/>
+                  <a:ea typeface="+mn-ea"/>
+                  <a:cs typeface="+mn-cs"/>
+                </a:defRPr>
+              </a:lvl3pPr>
+              <a:lvl4pPr marL="1371600" algn="l" defTabSz="914400" rtl="0" eaLnBrk="1" latinLnBrk="0" hangingPunct="1">
+                <a:defRPr sz="1800" kern="1200">
+                  <a:solidFill>
+                    <a:schemeClr val="lt1"/>
+                  </a:solidFill>
+                  <a:latin typeface="+mn-lt"/>
+                  <a:ea typeface="+mn-ea"/>
+                  <a:cs typeface="+mn-cs"/>
+                </a:defRPr>
+              </a:lvl4pPr>
+              <a:lvl5pPr marL="1828800" algn="l" defTabSz="914400" rtl="0" eaLnBrk="1" latinLnBrk="0" hangingPunct="1">
+                <a:defRPr sz="1800" kern="1200">
+                  <a:solidFill>
+                    <a:schemeClr val="lt1"/>
+                  </a:solidFill>
+                  <a:latin typeface="+mn-lt"/>
+                  <a:ea typeface="+mn-ea"/>
+                  <a:cs typeface="+mn-cs"/>
+                </a:defRPr>
+              </a:lvl5pPr>
+              <a:lvl6pPr marL="2286000" algn="l" defTabSz="914400" rtl="0" eaLnBrk="1" latinLnBrk="0" hangingPunct="1">
+                <a:defRPr sz="1800" kern="1200">
+                  <a:solidFill>
+                    <a:schemeClr val="lt1"/>
+                  </a:solidFill>
+                  <a:latin typeface="+mn-lt"/>
+                  <a:ea typeface="+mn-ea"/>
+                  <a:cs typeface="+mn-cs"/>
+                </a:defRPr>
+              </a:lvl6pPr>
+              <a:lvl7pPr marL="2743200" algn="l" defTabSz="914400" rtl="0" eaLnBrk="1" latinLnBrk="0" hangingPunct="1">
+                <a:defRPr sz="1800" kern="1200">
+                  <a:solidFill>
+                    <a:schemeClr val="lt1"/>
+                  </a:solidFill>
+                  <a:latin typeface="+mn-lt"/>
+                  <a:ea typeface="+mn-ea"/>
+                  <a:cs typeface="+mn-cs"/>
+                </a:defRPr>
+              </a:lvl7pPr>
+              <a:lvl8pPr marL="3200400" algn="l" defTabSz="914400" rtl="0" eaLnBrk="1" latinLnBrk="0" hangingPunct="1">
+                <a:defRPr sz="1800" kern="1200">
+                  <a:solidFill>
+                    <a:schemeClr val="lt1"/>
+                  </a:solidFill>
+                  <a:latin typeface="+mn-lt"/>
+                  <a:ea typeface="+mn-ea"/>
+                  <a:cs typeface="+mn-cs"/>
+                </a:defRPr>
+              </a:lvl8pPr>
+              <a:lvl9pPr marL="3657600" algn="l" defTabSz="914400" rtl="0" eaLnBrk="1" latinLnBrk="0" hangingPunct="1">
+                <a:defRPr sz="1800" kern="1200">
+                  <a:solidFill>
+                    <a:schemeClr val="lt1"/>
+                  </a:solidFill>
+                  <a:latin typeface="+mn-lt"/>
+                  <a:ea typeface="+mn-ea"/>
+                  <a:cs typeface="+mn-cs"/>
+                </a:defRPr>
+              </a:lvl9pPr>
+            </a:lstStyle>
+            <a:p>
+              <a:endParaRPr lang="en-US" altLang="ko-KR" sz="900" dirty="0">
+                <a:solidFill>
+                  <a:srgbClr val="5F5F5F"/>
+                </a:solidFill>
+                <a:latin typeface="Segoe UI" panose="020B0502040204020203" pitchFamily="34" charset="0"/>
+                <a:cs typeface="Segoe UI" panose="020B0502040204020203" pitchFamily="34" charset="0"/>
+              </a:endParaRPr>
+            </a:p>
+            <a:p>
+              <a:r>
+                <a:rPr lang="ko-KR" altLang="en-US" sz="2000" b="1" dirty="0" err="1">
+                  <a:solidFill>
+                    <a:srgbClr val="5F5F5F"/>
+                  </a:solidFill>
+                  <a:latin typeface="Segoe UI" panose="020B0502040204020203" pitchFamily="34" charset="0"/>
+                  <a:cs typeface="Segoe UI" panose="020B0502040204020203" pitchFamily="34" charset="0"/>
+                </a:rPr>
+                <a:t>업소명</a:t>
+              </a:r>
+              <a:r>
+                <a:rPr lang="ko-KR" altLang="en-US" sz="2000" b="1" dirty="0">
+                  <a:solidFill>
+                    <a:srgbClr val="5F5F5F"/>
+                  </a:solidFill>
+                  <a:latin typeface="Segoe UI" panose="020B0502040204020203" pitchFamily="34" charset="0"/>
+                  <a:cs typeface="Segoe UI" panose="020B0502040204020203" pitchFamily="34" charset="0"/>
+                </a:rPr>
+                <a:t> </a:t>
+              </a:r>
+              <a:r>
+                <a:rPr lang="en-US" altLang="ko-KR" sz="2000" b="1" dirty="0">
+                  <a:solidFill>
+                    <a:srgbClr val="5F5F5F"/>
+                  </a:solidFill>
+                  <a:latin typeface="Segoe UI" panose="020B0502040204020203" pitchFamily="34" charset="0"/>
+                  <a:cs typeface="Segoe UI" panose="020B0502040204020203" pitchFamily="34" charset="0"/>
+                </a:rPr>
+                <a:t>[</a:t>
+              </a:r>
+              <a:r>
+                <a:rPr lang="ko-KR" altLang="en-US" sz="2000" b="1" dirty="0" err="1">
+                  <a:solidFill>
+                    <a:srgbClr val="5F5F5F"/>
+                  </a:solidFill>
+                  <a:latin typeface="Segoe UI" panose="020B0502040204020203" pitchFamily="34" charset="0"/>
+                  <a:cs typeface="Segoe UI" panose="020B0502040204020203" pitchFamily="34" charset="0"/>
+                </a:rPr>
+                <a:t>별점</a:t>
+              </a:r>
+              <a:r>
+                <a:rPr lang="en-US" altLang="ko-KR" sz="2000" b="1" dirty="0">
+                  <a:solidFill>
+                    <a:srgbClr val="5F5F5F"/>
+                  </a:solidFill>
+                  <a:latin typeface="Segoe UI" panose="020B0502040204020203" pitchFamily="34" charset="0"/>
+                  <a:cs typeface="Segoe UI" panose="020B0502040204020203" pitchFamily="34" charset="0"/>
+                </a:rPr>
+                <a:t>]</a:t>
+              </a:r>
+            </a:p>
+            <a:p>
+              <a:endParaRPr lang="en-US" altLang="ko-KR" sz="900" dirty="0">
+                <a:solidFill>
+                  <a:srgbClr val="5F5F5F"/>
+                </a:solidFill>
+                <a:latin typeface="Segoe UI" panose="020B0502040204020203" pitchFamily="34" charset="0"/>
+                <a:cs typeface="Segoe UI" panose="020B0502040204020203" pitchFamily="34" charset="0"/>
+              </a:endParaRPr>
+            </a:p>
+            <a:p>
+              <a:r>
+                <a:rPr lang="ko-KR" altLang="en-US" sz="900" dirty="0">
+                  <a:solidFill>
+                    <a:srgbClr val="5F5F5F"/>
+                  </a:solidFill>
+                  <a:latin typeface="Segoe UI" panose="020B0502040204020203" pitchFamily="34" charset="0"/>
+                  <a:cs typeface="Segoe UI" panose="020B0502040204020203" pitchFamily="34" charset="0"/>
+                </a:rPr>
+                <a:t>주소정보</a:t>
+              </a:r>
+              <a:endParaRPr lang="en-US" altLang="ko-KR" sz="900" dirty="0">
+                <a:solidFill>
+                  <a:srgbClr val="5F5F5F"/>
+                </a:solidFill>
+                <a:latin typeface="Segoe UI" panose="020B0502040204020203" pitchFamily="34" charset="0"/>
+                <a:cs typeface="Segoe UI" panose="020B0502040204020203" pitchFamily="34" charset="0"/>
+              </a:endParaRPr>
+            </a:p>
+            <a:p>
+              <a:r>
+                <a:rPr lang="ko-KR" altLang="en-US" sz="900" dirty="0">
+                  <a:solidFill>
+                    <a:srgbClr val="5F5F5F"/>
+                  </a:solidFill>
+                  <a:latin typeface="Segoe UI" panose="020B0502040204020203" pitchFamily="34" charset="0"/>
+                  <a:cs typeface="Segoe UI" panose="020B0502040204020203" pitchFamily="34" charset="0"/>
+                </a:rPr>
+                <a:t>전화번호</a:t>
+              </a:r>
+              <a:endParaRPr lang="en-US" altLang="ko-KR" sz="900" dirty="0">
+                <a:solidFill>
+                  <a:srgbClr val="5F5F5F"/>
+                </a:solidFill>
+                <a:latin typeface="Segoe UI" panose="020B0502040204020203" pitchFamily="34" charset="0"/>
+                <a:cs typeface="Segoe UI" panose="020B0502040204020203" pitchFamily="34" charset="0"/>
+              </a:endParaRPr>
+            </a:p>
+            <a:p>
+              <a:endParaRPr lang="en-US" altLang="ko-KR" sz="900" dirty="0">
+                <a:solidFill>
+                  <a:srgbClr val="5F5F5F"/>
+                </a:solidFill>
+                <a:latin typeface="Segoe UI" panose="020B0502040204020203" pitchFamily="34" charset="0"/>
+                <a:cs typeface="Segoe UI" panose="020B0502040204020203" pitchFamily="34" charset="0"/>
+              </a:endParaRPr>
+            </a:p>
+            <a:p>
+              <a:r>
+                <a:rPr lang="en-US" altLang="ko-KR" sz="900" dirty="0">
+                  <a:solidFill>
+                    <a:srgbClr val="5F5F5F"/>
+                  </a:solidFill>
+                  <a:latin typeface="Segoe UI" panose="020B0502040204020203" pitchFamily="34" charset="0"/>
+                  <a:cs typeface="Segoe UI" panose="020B0502040204020203" pitchFamily="34" charset="0"/>
+                </a:rPr>
+                <a:t>#</a:t>
+              </a:r>
+              <a:r>
+                <a:rPr lang="ko-KR" altLang="en-US" sz="900" dirty="0">
+                  <a:solidFill>
+                    <a:srgbClr val="5F5F5F"/>
+                  </a:solidFill>
+                  <a:latin typeface="Segoe UI" panose="020B0502040204020203" pitchFamily="34" charset="0"/>
+                  <a:cs typeface="Segoe UI" panose="020B0502040204020203" pitchFamily="34" charset="0"/>
+                </a:rPr>
+                <a:t>태그</a:t>
+              </a:r>
+              <a:r>
+                <a:rPr lang="en-US" altLang="ko-KR" sz="900" dirty="0">
+                  <a:solidFill>
+                    <a:srgbClr val="5F5F5F"/>
+                  </a:solidFill>
+                  <a:latin typeface="Segoe UI" panose="020B0502040204020203" pitchFamily="34" charset="0"/>
+                  <a:cs typeface="Segoe UI" panose="020B0502040204020203" pitchFamily="34" charset="0"/>
+                </a:rPr>
+                <a:t> #</a:t>
+              </a:r>
+              <a:r>
+                <a:rPr lang="ko-KR" altLang="en-US" sz="900" dirty="0">
+                  <a:solidFill>
+                    <a:srgbClr val="5F5F5F"/>
+                  </a:solidFill>
+                  <a:latin typeface="Segoe UI" panose="020B0502040204020203" pitchFamily="34" charset="0"/>
+                  <a:cs typeface="Segoe UI" panose="020B0502040204020203" pitchFamily="34" charset="0"/>
+                </a:rPr>
+                <a:t>태그</a:t>
+              </a:r>
+              <a:r>
+                <a:rPr lang="en-US" altLang="ko-KR" sz="900" dirty="0">
+                  <a:solidFill>
+                    <a:srgbClr val="5F5F5F"/>
+                  </a:solidFill>
+                  <a:latin typeface="Segoe UI" panose="020B0502040204020203" pitchFamily="34" charset="0"/>
+                  <a:cs typeface="Segoe UI" panose="020B0502040204020203" pitchFamily="34" charset="0"/>
+                </a:rPr>
+                <a:t> #</a:t>
+              </a:r>
+              <a:r>
+                <a:rPr lang="ko-KR" altLang="en-US" sz="900" dirty="0">
+                  <a:solidFill>
+                    <a:srgbClr val="5F5F5F"/>
+                  </a:solidFill>
+                  <a:latin typeface="Segoe UI" panose="020B0502040204020203" pitchFamily="34" charset="0"/>
+                  <a:cs typeface="Segoe UI" panose="020B0502040204020203" pitchFamily="34" charset="0"/>
+                </a:rPr>
+                <a:t>태그 </a:t>
+              </a:r>
+              <a:r>
+                <a:rPr lang="en-US" altLang="ko-KR" sz="900" dirty="0">
+                  <a:solidFill>
+                    <a:srgbClr val="5F5F5F"/>
+                  </a:solidFill>
+                  <a:latin typeface="Segoe UI" panose="020B0502040204020203" pitchFamily="34" charset="0"/>
+                  <a:cs typeface="Segoe UI" panose="020B0502040204020203" pitchFamily="34" charset="0"/>
+                </a:rPr>
+                <a:t>#</a:t>
+              </a:r>
+              <a:r>
+                <a:rPr lang="ko-KR" altLang="en-US" sz="900" dirty="0">
+                  <a:solidFill>
+                    <a:srgbClr val="5F5F5F"/>
+                  </a:solidFill>
+                  <a:latin typeface="Segoe UI" panose="020B0502040204020203" pitchFamily="34" charset="0"/>
+                  <a:cs typeface="Segoe UI" panose="020B0502040204020203" pitchFamily="34" charset="0"/>
+                </a:rPr>
+                <a:t>태그</a:t>
+              </a:r>
+              <a:endParaRPr lang="en-US" altLang="ko-KR" sz="900" dirty="0">
+                <a:solidFill>
+                  <a:srgbClr val="5F5F5F"/>
+                </a:solidFill>
+                <a:latin typeface="Segoe UI" panose="020B0502040204020203" pitchFamily="34" charset="0"/>
+                <a:cs typeface="Segoe UI" panose="020B0502040204020203" pitchFamily="34" charset="0"/>
+              </a:endParaRPr>
+            </a:p>
+          </p:txBody>
+        </p:sp>
+        <p:sp>
+          <p:nvSpPr>
+            <p:cNvPr id="20" name="Label" descr="&lt;SmartSettings&gt;&lt;SmartResize anchorLeft=&quot;Absolute&quot; anchorTop=&quot;Absolute&quot; anchorRight=&quot;None&quot; anchorBottom=&quot;None&quot; /&gt;&lt;/SmartSettings&gt;">
+              <a:extLst>
+                <a:ext uri="{FF2B5EF4-FFF2-40B4-BE49-F238E27FC236}">
+                  <a16:creationId xmlns:a16="http://schemas.microsoft.com/office/drawing/2014/main" id="{A3A32327-2A2A-4209-8452-D07F5DACBFF3}"/>
+                </a:ext>
+              </a:extLst>
+            </p:cNvPr>
+            <p:cNvSpPr txBox="1"/>
+            <p:nvPr>
+              <p:custDataLst>
+                <p:tags r:id="rId13"/>
+              </p:custDataLst>
+            </p:nvPr>
+          </p:nvSpPr>
+          <p:spPr>
+            <a:xfrm>
+              <a:off x="685742" y="1293962"/>
+              <a:ext cx="254382" cy="121748"/>
+            </a:xfrm>
+            <a:prstGeom prst="rect">
+              <a:avLst/>
+            </a:prstGeom>
+            <a:solidFill>
+              <a:srgbClr val="FFFFFF"/>
+            </a:solidFill>
+          </p:spPr>
+          <p:txBody>
+            <a:bodyPr wrap="none" lIns="36576" tIns="9144" rIns="36576" bIns="9144" rtlCol="0">
+              <a:spAutoFit/>
+            </a:bodyPr>
+            <a:lstStyle>
+              <a:defPPr>
+                <a:defRPr lang="en-US"/>
+              </a:defPPr>
+              <a:lvl1pPr marL="0" algn="l" defTabSz="914400" rtl="0" eaLnBrk="1" latinLnBrk="0" hangingPunct="1">
+                <a:defRPr sz="1800" kern="1200">
+                  <a:solidFill>
+                    <a:schemeClr val="tx1"/>
+                  </a:solidFill>
+                  <a:latin typeface="+mn-lt"/>
+                  <a:ea typeface="+mn-ea"/>
+                  <a:cs typeface="+mn-cs"/>
+                </a:defRPr>
+              </a:lvl1pPr>
+              <a:lvl2pPr marL="457200" algn="l" defTabSz="914400" rtl="0" eaLnBrk="1" latinLnBrk="0" hangingPunct="1">
+                <a:defRPr sz="1800" kern="1200">
+                  <a:solidFill>
+                    <a:schemeClr val="tx1"/>
+                  </a:solidFill>
+                  <a:latin typeface="+mn-lt"/>
+                  <a:ea typeface="+mn-ea"/>
+                  <a:cs typeface="+mn-cs"/>
+                </a:defRPr>
+              </a:lvl2pPr>
+              <a:lvl3pPr marL="914400" algn="l" defTabSz="914400" rtl="0" eaLnBrk="1" latinLnBrk="0" hangingPunct="1">
+                <a:defRPr sz="1800" kern="1200">
+                  <a:solidFill>
+                    <a:schemeClr val="tx1"/>
+                  </a:solidFill>
+                  <a:latin typeface="+mn-lt"/>
+                  <a:ea typeface="+mn-ea"/>
+                  <a:cs typeface="+mn-cs"/>
+                </a:defRPr>
+              </a:lvl3pPr>
+              <a:lvl4pPr marL="1371600" algn="l" defTabSz="914400" rtl="0" eaLnBrk="1" latinLnBrk="0" hangingPunct="1">
+                <a:defRPr sz="1800" kern="1200">
+                  <a:solidFill>
+                    <a:schemeClr val="tx1"/>
+                  </a:solidFill>
+                  <a:latin typeface="+mn-lt"/>
+                  <a:ea typeface="+mn-ea"/>
+                  <a:cs typeface="+mn-cs"/>
+                </a:defRPr>
+              </a:lvl4pPr>
+              <a:lvl5pPr marL="1828800" algn="l" defTabSz="914400" rtl="0" eaLnBrk="1" latinLnBrk="0" hangingPunct="1">
+                <a:defRPr sz="1800" kern="1200">
+                  <a:solidFill>
+                    <a:schemeClr val="tx1"/>
+                  </a:solidFill>
+                  <a:latin typeface="+mn-lt"/>
+                  <a:ea typeface="+mn-ea"/>
+                  <a:cs typeface="+mn-cs"/>
+                </a:defRPr>
+              </a:lvl5pPr>
+              <a:lvl6pPr marL="2286000" algn="l" defTabSz="914400" rtl="0" eaLnBrk="1" latinLnBrk="0" hangingPunct="1">
+                <a:defRPr sz="1800" kern="1200">
+                  <a:solidFill>
+                    <a:schemeClr val="tx1"/>
+                  </a:solidFill>
+                  <a:latin typeface="+mn-lt"/>
+                  <a:ea typeface="+mn-ea"/>
+                  <a:cs typeface="+mn-cs"/>
+                </a:defRPr>
+              </a:lvl6pPr>
+              <a:lvl7pPr marL="2743200" algn="l" defTabSz="914400" rtl="0" eaLnBrk="1" latinLnBrk="0" hangingPunct="1">
+                <a:defRPr sz="1800" kern="1200">
+                  <a:solidFill>
+                    <a:schemeClr val="tx1"/>
+                  </a:solidFill>
+                  <a:latin typeface="+mn-lt"/>
+                  <a:ea typeface="+mn-ea"/>
+                  <a:cs typeface="+mn-cs"/>
+                </a:defRPr>
+              </a:lvl7pPr>
+              <a:lvl8pPr marL="3200400" algn="l" defTabSz="914400" rtl="0" eaLnBrk="1" latinLnBrk="0" hangingPunct="1">
+                <a:defRPr sz="1800" kern="1200">
+                  <a:solidFill>
+                    <a:schemeClr val="tx1"/>
+                  </a:solidFill>
+                  <a:latin typeface="+mn-lt"/>
+                  <a:ea typeface="+mn-ea"/>
+                  <a:cs typeface="+mn-cs"/>
+                </a:defRPr>
+              </a:lvl8pPr>
+              <a:lvl9pPr marL="3657600" algn="l" defTabSz="914400" rtl="0" eaLnBrk="1" latinLnBrk="0" hangingPunct="1">
+                <a:defRPr sz="1800" kern="1200">
+                  <a:solidFill>
+                    <a:schemeClr val="tx1"/>
+                  </a:solidFill>
+                  <a:latin typeface="+mn-lt"/>
+                  <a:ea typeface="+mn-ea"/>
+                  <a:cs typeface="+mn-cs"/>
+                </a:defRPr>
+              </a:lvl9pPr>
+            </a:lstStyle>
+            <a:p>
+              <a:r>
+                <a:rPr lang="ko-KR" altLang="en-US" sz="900" dirty="0">
+                  <a:solidFill>
+                    <a:srgbClr val="5F5F5F"/>
+                  </a:solidFill>
+                  <a:latin typeface="Segoe UI" panose="020B0502040204020203" pitchFamily="34" charset="0"/>
+                  <a:cs typeface="Segoe UI" panose="020B0502040204020203" pitchFamily="34" charset="0"/>
+                </a:rPr>
+                <a:t>업소 정보</a:t>
+              </a:r>
+              <a:endParaRPr lang="en-US" altLang="ko-KR" sz="900" dirty="0">
+                <a:solidFill>
+                  <a:srgbClr val="5F5F5F"/>
+                </a:solidFill>
+                <a:latin typeface="Segoe UI" panose="020B0502040204020203" pitchFamily="34" charset="0"/>
+                <a:cs typeface="Segoe UI" panose="020B0502040204020203" pitchFamily="34" charset="0"/>
+              </a:endParaRPr>
+            </a:p>
+          </p:txBody>
+        </p:sp>
+      </p:grpSp>
+      <p:grpSp>
+        <p:nvGrpSpPr>
+          <p:cNvPr id="21" name="Group Box" descr="&lt;SmartSettings&gt;&lt;SmartResize enabled=&quot;True&quot; minWidth=&quot;60&quot; minHeight=&quot;22&quot; /&gt;&lt;/SmartSettings&gt;">
+            <a:extLst>
+              <a:ext uri="{FF2B5EF4-FFF2-40B4-BE49-F238E27FC236}">
+                <a16:creationId xmlns:a16="http://schemas.microsoft.com/office/drawing/2014/main" id="{005A4208-7D72-4F25-B066-67724977CEF6}"/>
+              </a:ext>
+            </a:extLst>
+          </p:cNvPr>
+          <p:cNvGrpSpPr/>
+          <p:nvPr>
+            <p:custDataLst>
+              <p:tags r:id="rId3"/>
+            </p:custDataLst>
+          </p:nvPr>
+        </p:nvGrpSpPr>
+        <p:grpSpPr>
+          <a:xfrm>
+            <a:off x="4196124" y="2549277"/>
+            <a:ext cx="4080516" cy="1334327"/>
+            <a:chOff x="603401" y="1184134"/>
+            <a:chExt cx="1828800" cy="1748781"/>
+          </a:xfrm>
+        </p:grpSpPr>
+        <p:sp>
+          <p:nvSpPr>
+            <p:cNvPr id="22" name="Panel" descr="&lt;SmartSettings&gt;&lt;SmartResize anchorLeft=&quot;Relative&quot; anchorTop=&quot;Absolute&quot; anchorRight=&quot;Relative&quot; anchorBottom=&quot;Relative&quot; /&gt;&lt;/SmartSettings&gt;">
+              <a:extLst>
+                <a:ext uri="{FF2B5EF4-FFF2-40B4-BE49-F238E27FC236}">
+                  <a16:creationId xmlns:a16="http://schemas.microsoft.com/office/drawing/2014/main" id="{5E96E630-BFAE-485C-A1A6-FDE0CDA16AE8}"/>
+                </a:ext>
+              </a:extLst>
+            </p:cNvPr>
+            <p:cNvSpPr/>
+            <p:nvPr>
+              <p:custDataLst>
+                <p:tags r:id="rId10"/>
+              </p:custDataLst>
+            </p:nvPr>
+          </p:nvSpPr>
+          <p:spPr>
+            <a:xfrm>
+              <a:off x="603401" y="1286996"/>
+              <a:ext cx="1828800" cy="1645919"/>
+            </a:xfrm>
+            <a:prstGeom prst="rect">
+              <a:avLst/>
+            </a:prstGeom>
+            <a:solidFill>
+              <a:srgbClr val="FFFFFF"/>
+            </a:solidFill>
+            <a:ln w="6350">
+              <a:solidFill>
+                <a:srgbClr val="808080"/>
+              </a:solidFill>
+            </a:ln>
+          </p:spPr>
+          <p:style>
+            <a:lnRef idx="2">
+              <a:schemeClr val="accent1">
+                <a:shade val="50000"/>
+              </a:schemeClr>
+            </a:lnRef>
+            <a:fillRef idx="1">
+              <a:schemeClr val="accent1"/>
+            </a:fillRef>
+            <a:effectRef idx="0">
+              <a:schemeClr val="accent1"/>
+            </a:effectRef>
+            <a:fontRef idx="minor">
+              <a:schemeClr val="lt1"/>
+            </a:fontRef>
+          </p:style>
+          <p:txBody>
+            <a:bodyPr rot="0" spcFirstLastPara="0" vert="horz" wrap="square" lIns="91440" tIns="45720" rIns="91440" bIns="45720" numCol="1" spcCol="0" rtlCol="0" fromWordArt="0" anchor="ctr" anchorCtr="0" forceAA="0" compatLnSpc="1">
+              <a:prstTxWarp prst="textNoShape">
+                <a:avLst/>
+              </a:prstTxWarp>
+              <a:noAutofit/>
+            </a:bodyPr>
+            <a:lstStyle>
+              <a:defPPr>
+                <a:defRPr lang="en-US"/>
+              </a:defPPr>
+              <a:lvl1pPr marL="0" algn="l" defTabSz="914400" rtl="0" eaLnBrk="1" latinLnBrk="0" hangingPunct="1">
+                <a:defRPr sz="1800" kern="1200">
+                  <a:solidFill>
+                    <a:schemeClr val="lt1"/>
+                  </a:solidFill>
+                  <a:latin typeface="+mn-lt"/>
+                  <a:ea typeface="+mn-ea"/>
+                  <a:cs typeface="+mn-cs"/>
+                </a:defRPr>
+              </a:lvl1pPr>
+              <a:lvl2pPr marL="457200" algn="l" defTabSz="914400" rtl="0" eaLnBrk="1" latinLnBrk="0" hangingPunct="1">
+                <a:defRPr sz="1800" kern="1200">
+                  <a:solidFill>
+                    <a:schemeClr val="lt1"/>
+                  </a:solidFill>
+                  <a:latin typeface="+mn-lt"/>
+                  <a:ea typeface="+mn-ea"/>
+                  <a:cs typeface="+mn-cs"/>
+                </a:defRPr>
+              </a:lvl2pPr>
+              <a:lvl3pPr marL="914400" algn="l" defTabSz="914400" rtl="0" eaLnBrk="1" latinLnBrk="0" hangingPunct="1">
+                <a:defRPr sz="1800" kern="1200">
+                  <a:solidFill>
+                    <a:schemeClr val="lt1"/>
+                  </a:solidFill>
+                  <a:latin typeface="+mn-lt"/>
+                  <a:ea typeface="+mn-ea"/>
+                  <a:cs typeface="+mn-cs"/>
+                </a:defRPr>
+              </a:lvl3pPr>
+              <a:lvl4pPr marL="1371600" algn="l" defTabSz="914400" rtl="0" eaLnBrk="1" latinLnBrk="0" hangingPunct="1">
+                <a:defRPr sz="1800" kern="1200">
+                  <a:solidFill>
+                    <a:schemeClr val="lt1"/>
+                  </a:solidFill>
+                  <a:latin typeface="+mn-lt"/>
+                  <a:ea typeface="+mn-ea"/>
+                  <a:cs typeface="+mn-cs"/>
+                </a:defRPr>
+              </a:lvl4pPr>
+              <a:lvl5pPr marL="1828800" algn="l" defTabSz="914400" rtl="0" eaLnBrk="1" latinLnBrk="0" hangingPunct="1">
+                <a:defRPr sz="1800" kern="1200">
+                  <a:solidFill>
+                    <a:schemeClr val="lt1"/>
+                  </a:solidFill>
+                  <a:latin typeface="+mn-lt"/>
+                  <a:ea typeface="+mn-ea"/>
+                  <a:cs typeface="+mn-cs"/>
+                </a:defRPr>
+              </a:lvl5pPr>
+              <a:lvl6pPr marL="2286000" algn="l" defTabSz="914400" rtl="0" eaLnBrk="1" latinLnBrk="0" hangingPunct="1">
+                <a:defRPr sz="1800" kern="1200">
+                  <a:solidFill>
+                    <a:schemeClr val="lt1"/>
+                  </a:solidFill>
+                  <a:latin typeface="+mn-lt"/>
+                  <a:ea typeface="+mn-ea"/>
+                  <a:cs typeface="+mn-cs"/>
+                </a:defRPr>
+              </a:lvl6pPr>
+              <a:lvl7pPr marL="2743200" algn="l" defTabSz="914400" rtl="0" eaLnBrk="1" latinLnBrk="0" hangingPunct="1">
+                <a:defRPr sz="1800" kern="1200">
+                  <a:solidFill>
+                    <a:schemeClr val="lt1"/>
+                  </a:solidFill>
+                  <a:latin typeface="+mn-lt"/>
+                  <a:ea typeface="+mn-ea"/>
+                  <a:cs typeface="+mn-cs"/>
+                </a:defRPr>
+              </a:lvl7pPr>
+              <a:lvl8pPr marL="3200400" algn="l" defTabSz="914400" rtl="0" eaLnBrk="1" latinLnBrk="0" hangingPunct="1">
+                <a:defRPr sz="1800" kern="1200">
+                  <a:solidFill>
+                    <a:schemeClr val="lt1"/>
+                  </a:solidFill>
+                  <a:latin typeface="+mn-lt"/>
+                  <a:ea typeface="+mn-ea"/>
+                  <a:cs typeface="+mn-cs"/>
+                </a:defRPr>
+              </a:lvl8pPr>
+              <a:lvl9pPr marL="3657600" algn="l" defTabSz="914400" rtl="0" eaLnBrk="1" latinLnBrk="0" hangingPunct="1">
+                <a:defRPr sz="1800" kern="1200">
+                  <a:solidFill>
+                    <a:schemeClr val="lt1"/>
+                  </a:solidFill>
+                  <a:latin typeface="+mn-lt"/>
+                  <a:ea typeface="+mn-ea"/>
+                  <a:cs typeface="+mn-cs"/>
+                </a:defRPr>
+              </a:lvl9pPr>
+            </a:lstStyle>
+            <a:p>
+              <a:r>
+                <a:rPr lang="ko-KR" altLang="en-US" sz="900" dirty="0" err="1">
+                  <a:solidFill>
+                    <a:srgbClr val="5F5F5F"/>
+                  </a:solidFill>
+                  <a:latin typeface="Segoe UI" panose="020B0502040204020203" pitchFamily="34" charset="0"/>
+                  <a:cs typeface="Segoe UI" panose="020B0502040204020203" pitchFamily="34" charset="0"/>
+                </a:rPr>
+                <a:t>메뉴명</a:t>
+              </a:r>
+              <a:r>
+                <a:rPr lang="en-US" altLang="ko-KR" sz="900" dirty="0">
+                  <a:solidFill>
+                    <a:srgbClr val="5F5F5F"/>
+                  </a:solidFill>
+                  <a:latin typeface="Segoe UI" panose="020B0502040204020203" pitchFamily="34" charset="0"/>
+                  <a:cs typeface="Segoe UI" panose="020B0502040204020203" pitchFamily="34" charset="0"/>
+                </a:rPr>
+                <a:t> – </a:t>
+              </a:r>
+              <a:r>
+                <a:rPr lang="ko-KR" altLang="en-US" sz="900" dirty="0">
+                  <a:solidFill>
+                    <a:srgbClr val="5F5F5F"/>
+                  </a:solidFill>
+                  <a:latin typeface="Segoe UI" panose="020B0502040204020203" pitchFamily="34" charset="0"/>
+                  <a:cs typeface="Segoe UI" panose="020B0502040204020203" pitchFamily="34" charset="0"/>
+                </a:rPr>
+                <a:t>가격</a:t>
+              </a:r>
+              <a:endParaRPr lang="en-US" altLang="ko-KR" sz="900" dirty="0">
+                <a:solidFill>
+                  <a:srgbClr val="5F5F5F"/>
+                </a:solidFill>
+                <a:latin typeface="Segoe UI" panose="020B0502040204020203" pitchFamily="34" charset="0"/>
+                <a:cs typeface="Segoe UI" panose="020B0502040204020203" pitchFamily="34" charset="0"/>
+              </a:endParaRPr>
+            </a:p>
+            <a:p>
+              <a:r>
+                <a:rPr lang="ko-KR" altLang="en-US" sz="900" dirty="0">
+                  <a:solidFill>
+                    <a:srgbClr val="5F5F5F"/>
+                  </a:solidFill>
+                  <a:latin typeface="Segoe UI" panose="020B0502040204020203" pitchFamily="34" charset="0"/>
+                  <a:cs typeface="Segoe UI" panose="020B0502040204020203" pitchFamily="34" charset="0"/>
+                </a:rPr>
+                <a:t>설명</a:t>
+              </a:r>
+              <a:endParaRPr lang="en-US" altLang="ko-KR" sz="900" dirty="0">
+                <a:solidFill>
+                  <a:srgbClr val="5F5F5F"/>
+                </a:solidFill>
+                <a:latin typeface="Segoe UI" panose="020B0502040204020203" pitchFamily="34" charset="0"/>
+                <a:cs typeface="Segoe UI" panose="020B0502040204020203" pitchFamily="34" charset="0"/>
+              </a:endParaRPr>
+            </a:p>
+          </p:txBody>
+        </p:sp>
+        <p:sp>
+          <p:nvSpPr>
+            <p:cNvPr id="23" name="Label" descr="&lt;SmartSettings&gt;&lt;SmartResize anchorLeft=&quot;Absolute&quot; anchorTop=&quot;Absolute&quot; anchorRight=&quot;None&quot; anchorBottom=&quot;None&quot; /&gt;&lt;/SmartSettings&gt;">
+              <a:extLst>
+                <a:ext uri="{FF2B5EF4-FFF2-40B4-BE49-F238E27FC236}">
+                  <a16:creationId xmlns:a16="http://schemas.microsoft.com/office/drawing/2014/main" id="{C0AFD6E8-8DA3-4FF9-9977-483481E652AD}"/>
+                </a:ext>
+              </a:extLst>
+            </p:cNvPr>
+            <p:cNvSpPr txBox="1"/>
+            <p:nvPr>
+              <p:custDataLst>
+                <p:tags r:id="rId11"/>
+              </p:custDataLst>
+            </p:nvPr>
+          </p:nvSpPr>
+          <p:spPr>
+            <a:xfrm>
+              <a:off x="640633" y="1184134"/>
+              <a:ext cx="240013" cy="205721"/>
+            </a:xfrm>
+            <a:prstGeom prst="rect">
+              <a:avLst/>
+            </a:prstGeom>
+            <a:solidFill>
+              <a:srgbClr val="FFFFFF"/>
+            </a:solidFill>
+          </p:spPr>
+          <p:txBody>
+            <a:bodyPr wrap="none" lIns="36576" tIns="9144" rIns="36576" bIns="9144" rtlCol="0">
+              <a:spAutoFit/>
+            </a:bodyPr>
+            <a:lstStyle>
+              <a:defPPr>
+                <a:defRPr lang="en-US"/>
+              </a:defPPr>
+              <a:lvl1pPr marL="0" algn="l" defTabSz="914400" rtl="0" eaLnBrk="1" latinLnBrk="0" hangingPunct="1">
+                <a:defRPr sz="1800" kern="1200">
+                  <a:solidFill>
+                    <a:schemeClr val="tx1"/>
+                  </a:solidFill>
+                  <a:latin typeface="+mn-lt"/>
+                  <a:ea typeface="+mn-ea"/>
+                  <a:cs typeface="+mn-cs"/>
+                </a:defRPr>
+              </a:lvl1pPr>
+              <a:lvl2pPr marL="457200" algn="l" defTabSz="914400" rtl="0" eaLnBrk="1" latinLnBrk="0" hangingPunct="1">
+                <a:defRPr sz="1800" kern="1200">
+                  <a:solidFill>
+                    <a:schemeClr val="tx1"/>
+                  </a:solidFill>
+                  <a:latin typeface="+mn-lt"/>
+                  <a:ea typeface="+mn-ea"/>
+                  <a:cs typeface="+mn-cs"/>
+                </a:defRPr>
+              </a:lvl2pPr>
+              <a:lvl3pPr marL="914400" algn="l" defTabSz="914400" rtl="0" eaLnBrk="1" latinLnBrk="0" hangingPunct="1">
+                <a:defRPr sz="1800" kern="1200">
+                  <a:solidFill>
+                    <a:schemeClr val="tx1"/>
+                  </a:solidFill>
+                  <a:latin typeface="+mn-lt"/>
+                  <a:ea typeface="+mn-ea"/>
+                  <a:cs typeface="+mn-cs"/>
+                </a:defRPr>
+              </a:lvl3pPr>
+              <a:lvl4pPr marL="1371600" algn="l" defTabSz="914400" rtl="0" eaLnBrk="1" latinLnBrk="0" hangingPunct="1">
+                <a:defRPr sz="1800" kern="1200">
+                  <a:solidFill>
+                    <a:schemeClr val="tx1"/>
+                  </a:solidFill>
+                  <a:latin typeface="+mn-lt"/>
+                  <a:ea typeface="+mn-ea"/>
+                  <a:cs typeface="+mn-cs"/>
+                </a:defRPr>
+              </a:lvl4pPr>
+              <a:lvl5pPr marL="1828800" algn="l" defTabSz="914400" rtl="0" eaLnBrk="1" latinLnBrk="0" hangingPunct="1">
+                <a:defRPr sz="1800" kern="1200">
+                  <a:solidFill>
+                    <a:schemeClr val="tx1"/>
+                  </a:solidFill>
+                  <a:latin typeface="+mn-lt"/>
+                  <a:ea typeface="+mn-ea"/>
+                  <a:cs typeface="+mn-cs"/>
+                </a:defRPr>
+              </a:lvl5pPr>
+              <a:lvl6pPr marL="2286000" algn="l" defTabSz="914400" rtl="0" eaLnBrk="1" latinLnBrk="0" hangingPunct="1">
+                <a:defRPr sz="1800" kern="1200">
+                  <a:solidFill>
+                    <a:schemeClr val="tx1"/>
+                  </a:solidFill>
+                  <a:latin typeface="+mn-lt"/>
+                  <a:ea typeface="+mn-ea"/>
+                  <a:cs typeface="+mn-cs"/>
+                </a:defRPr>
+              </a:lvl6pPr>
+              <a:lvl7pPr marL="2743200" algn="l" defTabSz="914400" rtl="0" eaLnBrk="1" latinLnBrk="0" hangingPunct="1">
+                <a:defRPr sz="1800" kern="1200">
+                  <a:solidFill>
+                    <a:schemeClr val="tx1"/>
+                  </a:solidFill>
+                  <a:latin typeface="+mn-lt"/>
+                  <a:ea typeface="+mn-ea"/>
+                  <a:cs typeface="+mn-cs"/>
+                </a:defRPr>
+              </a:lvl7pPr>
+              <a:lvl8pPr marL="3200400" algn="l" defTabSz="914400" rtl="0" eaLnBrk="1" latinLnBrk="0" hangingPunct="1">
+                <a:defRPr sz="1800" kern="1200">
+                  <a:solidFill>
+                    <a:schemeClr val="tx1"/>
+                  </a:solidFill>
+                  <a:latin typeface="+mn-lt"/>
+                  <a:ea typeface="+mn-ea"/>
+                  <a:cs typeface="+mn-cs"/>
+                </a:defRPr>
+              </a:lvl8pPr>
+              <a:lvl9pPr marL="3657600" algn="l" defTabSz="914400" rtl="0" eaLnBrk="1" latinLnBrk="0" hangingPunct="1">
+                <a:defRPr sz="1800" kern="1200">
+                  <a:solidFill>
+                    <a:schemeClr val="tx1"/>
+                  </a:solidFill>
+                  <a:latin typeface="+mn-lt"/>
+                  <a:ea typeface="+mn-ea"/>
+                  <a:cs typeface="+mn-cs"/>
+                </a:defRPr>
+              </a:lvl9pPr>
+            </a:lstStyle>
+            <a:p>
+              <a:r>
+                <a:rPr lang="ko-KR" altLang="en-US" sz="900" dirty="0">
+                  <a:solidFill>
+                    <a:srgbClr val="5F5F5F"/>
+                  </a:solidFill>
+                  <a:latin typeface="Segoe UI" panose="020B0502040204020203" pitchFamily="34" charset="0"/>
+                  <a:cs typeface="Segoe UI" panose="020B0502040204020203" pitchFamily="34" charset="0"/>
+                </a:rPr>
+                <a:t>메뉴정보</a:t>
+              </a:r>
+              <a:endParaRPr lang="en-US" sz="900" dirty="0">
+                <a:solidFill>
+                  <a:srgbClr val="5F5F5F"/>
+                </a:solidFill>
+                <a:latin typeface="Segoe UI" panose="020B0502040204020203" pitchFamily="34" charset="0"/>
+                <a:cs typeface="Segoe UI" panose="020B0502040204020203" pitchFamily="34" charset="0"/>
+              </a:endParaRPr>
+            </a:p>
+          </p:txBody>
+        </p:sp>
+      </p:grpSp>
+      <p:grpSp>
+        <p:nvGrpSpPr>
+          <p:cNvPr id="31" name="그룹 30">
+            <a:extLst>
+              <a:ext uri="{FF2B5EF4-FFF2-40B4-BE49-F238E27FC236}">
+                <a16:creationId xmlns:a16="http://schemas.microsoft.com/office/drawing/2014/main" id="{4263DFF7-0817-4711-901F-F2A1697294C3}"/>
+              </a:ext>
+            </a:extLst>
+          </p:cNvPr>
+          <p:cNvGrpSpPr/>
+          <p:nvPr/>
+        </p:nvGrpSpPr>
+        <p:grpSpPr>
+          <a:xfrm>
+            <a:off x="4195534" y="4164996"/>
+            <a:ext cx="4081106" cy="2229150"/>
+            <a:chOff x="2229260" y="3253422"/>
+            <a:chExt cx="4081106" cy="2229150"/>
+          </a:xfrm>
+        </p:grpSpPr>
+        <p:grpSp>
+          <p:nvGrpSpPr>
+            <p:cNvPr id="24" name="Group Box" descr="&lt;SmartSettings&gt;&lt;SmartResize enabled=&quot;True&quot; minWidth=&quot;60&quot; minHeight=&quot;22&quot; /&gt;&lt;/SmartSettings&gt;">
+              <a:extLst>
+                <a:ext uri="{FF2B5EF4-FFF2-40B4-BE49-F238E27FC236}">
+                  <a16:creationId xmlns:a16="http://schemas.microsoft.com/office/drawing/2014/main" id="{FA5838C8-D6DA-4C85-82A0-D0059B251427}"/>
+                </a:ext>
+              </a:extLst>
+            </p:cNvPr>
+            <p:cNvGrpSpPr/>
+            <p:nvPr>
+              <p:custDataLst>
+                <p:tags r:id="rId4"/>
+              </p:custDataLst>
+            </p:nvPr>
+          </p:nvGrpSpPr>
+          <p:grpSpPr>
+            <a:xfrm>
+              <a:off x="2229261" y="3253422"/>
+              <a:ext cx="4081105" cy="901640"/>
+              <a:chOff x="643604" y="1190833"/>
+              <a:chExt cx="1828800" cy="753886"/>
+            </a:xfrm>
+          </p:grpSpPr>
+          <p:sp>
+            <p:nvSpPr>
+              <p:cNvPr id="25" name="Panel" descr="&lt;SmartSettings&gt;&lt;SmartResize anchorLeft=&quot;Relative&quot; anchorTop=&quot;Absolute&quot; anchorRight=&quot;Relative&quot; anchorBottom=&quot;Relative&quot; /&gt;&lt;/SmartSettings&gt;">
+                <a:extLst>
+                  <a:ext uri="{FF2B5EF4-FFF2-40B4-BE49-F238E27FC236}">
+                    <a16:creationId xmlns:a16="http://schemas.microsoft.com/office/drawing/2014/main" id="{1FFD48C6-4F30-48AC-89CB-7C9C4A08AAB1}"/>
+                  </a:ext>
+                </a:extLst>
+              </p:cNvPr>
+              <p:cNvSpPr/>
+              <p:nvPr>
+                <p:custDataLst>
+                  <p:tags r:id="rId8"/>
+                </p:custDataLst>
+              </p:nvPr>
+            </p:nvSpPr>
+            <p:spPr>
+              <a:xfrm>
+                <a:off x="643604" y="1250853"/>
+                <a:ext cx="1828800" cy="693866"/>
+              </a:xfrm>
+              <a:prstGeom prst="rect">
+                <a:avLst/>
+              </a:prstGeom>
+              <a:solidFill>
+                <a:srgbClr val="FFFFFF"/>
+              </a:solidFill>
+              <a:ln w="6350">
+                <a:solidFill>
+                  <a:srgbClr val="808080"/>
+                </a:solidFill>
+              </a:ln>
+            </p:spPr>
+            <p:style>
+              <a:lnRef idx="2">
+                <a:schemeClr val="accent1">
+                  <a:shade val="50000"/>
+                </a:schemeClr>
+              </a:lnRef>
+              <a:fillRef idx="1">
+                <a:schemeClr val="accent1"/>
+              </a:fillRef>
+              <a:effectRef idx="0">
+                <a:schemeClr val="accent1"/>
+              </a:effectRef>
+              <a:fontRef idx="minor">
+                <a:schemeClr val="lt1"/>
+              </a:fontRef>
+            </p:style>
+            <p:txBody>
+              <a:bodyPr rot="0" spcFirstLastPara="0" vert="horz" wrap="square" lIns="91440" tIns="45720" rIns="91440" bIns="45720" numCol="1" spcCol="0" rtlCol="0" fromWordArt="0" anchor="ctr" anchorCtr="0" forceAA="0" compatLnSpc="1">
+                <a:prstTxWarp prst="textNoShape">
+                  <a:avLst/>
+                </a:prstTxWarp>
+                <a:noAutofit/>
+              </a:bodyPr>
+              <a:lstStyle>
+                <a:defPPr>
+                  <a:defRPr lang="en-US"/>
+                </a:defPPr>
+                <a:lvl1pPr marL="0" algn="l" defTabSz="914400" rtl="0" eaLnBrk="1" latinLnBrk="0" hangingPunct="1">
+                  <a:defRPr sz="1800" kern="1200">
+                    <a:solidFill>
+                      <a:schemeClr val="lt1"/>
+                    </a:solidFill>
+                    <a:latin typeface="+mn-lt"/>
+                    <a:ea typeface="+mn-ea"/>
+                    <a:cs typeface="+mn-cs"/>
+                  </a:defRPr>
+                </a:lvl1pPr>
+                <a:lvl2pPr marL="457200" algn="l" defTabSz="914400" rtl="0" eaLnBrk="1" latinLnBrk="0" hangingPunct="1">
+                  <a:defRPr sz="1800" kern="1200">
+                    <a:solidFill>
+                      <a:schemeClr val="lt1"/>
+                    </a:solidFill>
+                    <a:latin typeface="+mn-lt"/>
+                    <a:ea typeface="+mn-ea"/>
+                    <a:cs typeface="+mn-cs"/>
+                  </a:defRPr>
+                </a:lvl2pPr>
+                <a:lvl3pPr marL="914400" algn="l" defTabSz="914400" rtl="0" eaLnBrk="1" latinLnBrk="0" hangingPunct="1">
+                  <a:defRPr sz="1800" kern="1200">
+                    <a:solidFill>
+                      <a:schemeClr val="lt1"/>
+                    </a:solidFill>
+                    <a:latin typeface="+mn-lt"/>
+                    <a:ea typeface="+mn-ea"/>
+                    <a:cs typeface="+mn-cs"/>
+                  </a:defRPr>
+                </a:lvl3pPr>
+                <a:lvl4pPr marL="1371600" algn="l" defTabSz="914400" rtl="0" eaLnBrk="1" latinLnBrk="0" hangingPunct="1">
+                  <a:defRPr sz="1800" kern="1200">
+                    <a:solidFill>
+                      <a:schemeClr val="lt1"/>
+                    </a:solidFill>
+                    <a:latin typeface="+mn-lt"/>
+                    <a:ea typeface="+mn-ea"/>
+                    <a:cs typeface="+mn-cs"/>
+                  </a:defRPr>
+                </a:lvl4pPr>
+                <a:lvl5pPr marL="1828800" algn="l" defTabSz="914400" rtl="0" eaLnBrk="1" latinLnBrk="0" hangingPunct="1">
+                  <a:defRPr sz="1800" kern="1200">
+                    <a:solidFill>
+                      <a:schemeClr val="lt1"/>
+                    </a:solidFill>
+                    <a:latin typeface="+mn-lt"/>
+                    <a:ea typeface="+mn-ea"/>
+                    <a:cs typeface="+mn-cs"/>
+                  </a:defRPr>
+                </a:lvl5pPr>
+                <a:lvl6pPr marL="2286000" algn="l" defTabSz="914400" rtl="0" eaLnBrk="1" latinLnBrk="0" hangingPunct="1">
+                  <a:defRPr sz="1800" kern="1200">
+                    <a:solidFill>
+                      <a:schemeClr val="lt1"/>
+                    </a:solidFill>
+                    <a:latin typeface="+mn-lt"/>
+                    <a:ea typeface="+mn-ea"/>
+                    <a:cs typeface="+mn-cs"/>
+                  </a:defRPr>
+                </a:lvl6pPr>
+                <a:lvl7pPr marL="2743200" algn="l" defTabSz="914400" rtl="0" eaLnBrk="1" latinLnBrk="0" hangingPunct="1">
+                  <a:defRPr sz="1800" kern="1200">
+                    <a:solidFill>
+                      <a:schemeClr val="lt1"/>
+                    </a:solidFill>
+                    <a:latin typeface="+mn-lt"/>
+                    <a:ea typeface="+mn-ea"/>
+                    <a:cs typeface="+mn-cs"/>
+                  </a:defRPr>
+                </a:lvl7pPr>
+                <a:lvl8pPr marL="3200400" algn="l" defTabSz="914400" rtl="0" eaLnBrk="1" latinLnBrk="0" hangingPunct="1">
+                  <a:defRPr sz="1800" kern="1200">
+                    <a:solidFill>
+                      <a:schemeClr val="lt1"/>
+                    </a:solidFill>
+                    <a:latin typeface="+mn-lt"/>
+                    <a:ea typeface="+mn-ea"/>
+                    <a:cs typeface="+mn-cs"/>
+                  </a:defRPr>
+                </a:lvl8pPr>
+                <a:lvl9pPr marL="3657600" algn="l" defTabSz="914400" rtl="0" eaLnBrk="1" latinLnBrk="0" hangingPunct="1">
+                  <a:defRPr sz="1800" kern="1200">
+                    <a:solidFill>
+                      <a:schemeClr val="lt1"/>
+                    </a:solidFill>
+                    <a:latin typeface="+mn-lt"/>
+                    <a:ea typeface="+mn-ea"/>
+                    <a:cs typeface="+mn-cs"/>
+                  </a:defRPr>
+                </a:lvl9pPr>
+              </a:lstStyle>
+              <a:p>
+                <a:r>
+                  <a:rPr lang="ko-KR" altLang="en-US" sz="900" dirty="0">
+                    <a:solidFill>
+                      <a:srgbClr val="5F5F5F"/>
+                    </a:solidFill>
+                    <a:latin typeface="Segoe UI" panose="020B0502040204020203" pitchFamily="34" charset="0"/>
+                    <a:cs typeface="Segoe UI" panose="020B0502040204020203" pitchFamily="34" charset="0"/>
+                  </a:rPr>
+                  <a:t>닉네임</a:t>
+                </a:r>
+                <a:r>
+                  <a:rPr lang="en-US" altLang="ko-KR" sz="900" dirty="0">
+                    <a:solidFill>
+                      <a:srgbClr val="5F5F5F"/>
+                    </a:solidFill>
+                    <a:latin typeface="Segoe UI" panose="020B0502040204020203" pitchFamily="34" charset="0"/>
+                    <a:cs typeface="Segoe UI" panose="020B0502040204020203" pitchFamily="34" charset="0"/>
+                  </a:rPr>
+                  <a:t>(ID) </a:t>
+                </a:r>
+                <a:r>
+                  <a:rPr lang="ko-KR" altLang="en-US" sz="900" dirty="0">
+                    <a:solidFill>
+                      <a:srgbClr val="5F5F5F"/>
+                    </a:solidFill>
+                    <a:latin typeface="Segoe UI" panose="020B0502040204020203" pitchFamily="34" charset="0"/>
+                    <a:cs typeface="Segoe UI" panose="020B0502040204020203" pitchFamily="34" charset="0"/>
+                  </a:rPr>
+                  <a:t>등록일</a:t>
+                </a:r>
+                <a:endParaRPr lang="en-US" sz="900" dirty="0">
+                  <a:solidFill>
+                    <a:srgbClr val="5F5F5F"/>
+                  </a:solidFill>
+                  <a:latin typeface="Segoe UI" panose="020B0502040204020203" pitchFamily="34" charset="0"/>
+                  <a:cs typeface="Segoe UI" panose="020B0502040204020203" pitchFamily="34" charset="0"/>
+                </a:endParaRPr>
+              </a:p>
+              <a:p>
+                <a:endParaRPr lang="en-US" altLang="ko-KR" sz="900" dirty="0">
+                  <a:solidFill>
+                    <a:srgbClr val="5F5F5F"/>
+                  </a:solidFill>
+                  <a:latin typeface="Segoe UI" panose="020B0502040204020203" pitchFamily="34" charset="0"/>
+                  <a:cs typeface="Segoe UI" panose="020B0502040204020203" pitchFamily="34" charset="0"/>
+                </a:endParaRPr>
+              </a:p>
+              <a:p>
+                <a:r>
+                  <a:rPr lang="en-US" altLang="ko-KR" sz="900" dirty="0">
+                    <a:solidFill>
+                      <a:srgbClr val="5F5F5F"/>
+                    </a:solidFill>
+                    <a:latin typeface="Segoe UI" panose="020B0502040204020203" pitchFamily="34" charset="0"/>
+                    <a:cs typeface="Segoe UI" panose="020B0502040204020203" pitchFamily="34" charset="0"/>
+                  </a:rPr>
+                  <a:t>- </a:t>
+                </a:r>
+                <a:r>
+                  <a:rPr lang="ko-KR" altLang="en-US" sz="900" dirty="0">
+                    <a:solidFill>
+                      <a:srgbClr val="5F5F5F"/>
+                    </a:solidFill>
+                    <a:latin typeface="Segoe UI" panose="020B0502040204020203" pitchFamily="34" charset="0"/>
+                    <a:cs typeface="Segoe UI" panose="020B0502040204020203" pitchFamily="34" charset="0"/>
+                  </a:rPr>
+                  <a:t>댓글내용</a:t>
+                </a:r>
+                <a:endParaRPr lang="en-US" sz="900" dirty="0">
+                  <a:solidFill>
+                    <a:srgbClr val="5F5F5F"/>
+                  </a:solidFill>
+                  <a:latin typeface="Segoe UI" panose="020B0502040204020203" pitchFamily="34" charset="0"/>
+                  <a:cs typeface="Segoe UI" panose="020B0502040204020203" pitchFamily="34" charset="0"/>
+                </a:endParaRPr>
+              </a:p>
+            </p:txBody>
+          </p:sp>
+          <p:sp>
+            <p:nvSpPr>
+              <p:cNvPr id="26" name="Label" descr="&lt;SmartSettings&gt;&lt;SmartResize anchorLeft=&quot;Absolute&quot; anchorTop=&quot;Absolute&quot; anchorRight=&quot;None&quot; anchorBottom=&quot;None&quot; /&gt;&lt;/SmartSettings&gt;">
+                <a:extLst>
+                  <a:ext uri="{FF2B5EF4-FFF2-40B4-BE49-F238E27FC236}">
+                    <a16:creationId xmlns:a16="http://schemas.microsoft.com/office/drawing/2014/main" id="{D5169D4C-6C10-4840-906F-B291EB7AADC9}"/>
+                  </a:ext>
+                </a:extLst>
+              </p:cNvPr>
+              <p:cNvSpPr txBox="1"/>
+              <p:nvPr>
+                <p:custDataLst>
+                  <p:tags r:id="rId9"/>
+                </p:custDataLst>
+              </p:nvPr>
+            </p:nvSpPr>
+            <p:spPr>
+              <a:xfrm>
+                <a:off x="664399" y="1190833"/>
+                <a:ext cx="254345" cy="131244"/>
+              </a:xfrm>
+              <a:prstGeom prst="rect">
+                <a:avLst/>
+              </a:prstGeom>
+              <a:solidFill>
+                <a:srgbClr val="FFFFFF"/>
+              </a:solidFill>
+            </p:spPr>
+            <p:txBody>
+              <a:bodyPr wrap="none" lIns="36576" tIns="9144" rIns="36576" bIns="9144" rtlCol="0">
+                <a:spAutoFit/>
+              </a:bodyPr>
+              <a:lstStyle>
+                <a:defPPr>
+                  <a:defRPr lang="en-US"/>
+                </a:defPPr>
+                <a:lvl1pPr marL="0" algn="l" defTabSz="914400" rtl="0" eaLnBrk="1" latinLnBrk="0" hangingPunct="1">
+                  <a:defRPr sz="1800" kern="1200">
+                    <a:solidFill>
+                      <a:schemeClr val="tx1"/>
+                    </a:solidFill>
+                    <a:latin typeface="+mn-lt"/>
+                    <a:ea typeface="+mn-ea"/>
+                    <a:cs typeface="+mn-cs"/>
+                  </a:defRPr>
+                </a:lvl1pPr>
+                <a:lvl2pPr marL="457200" algn="l" defTabSz="914400" rtl="0" eaLnBrk="1" latinLnBrk="0" hangingPunct="1">
+                  <a:defRPr sz="1800" kern="1200">
+                    <a:solidFill>
+                      <a:schemeClr val="tx1"/>
+                    </a:solidFill>
+                    <a:latin typeface="+mn-lt"/>
+                    <a:ea typeface="+mn-ea"/>
+                    <a:cs typeface="+mn-cs"/>
+                  </a:defRPr>
+                </a:lvl2pPr>
+                <a:lvl3pPr marL="914400" algn="l" defTabSz="914400" rtl="0" eaLnBrk="1" latinLnBrk="0" hangingPunct="1">
+                  <a:defRPr sz="1800" kern="1200">
+                    <a:solidFill>
+                      <a:schemeClr val="tx1"/>
+                    </a:solidFill>
+                    <a:latin typeface="+mn-lt"/>
+                    <a:ea typeface="+mn-ea"/>
+                    <a:cs typeface="+mn-cs"/>
+                  </a:defRPr>
+                </a:lvl3pPr>
+                <a:lvl4pPr marL="1371600" algn="l" defTabSz="914400" rtl="0" eaLnBrk="1" latinLnBrk="0" hangingPunct="1">
+                  <a:defRPr sz="1800" kern="1200">
+                    <a:solidFill>
+                      <a:schemeClr val="tx1"/>
+                    </a:solidFill>
+                    <a:latin typeface="+mn-lt"/>
+                    <a:ea typeface="+mn-ea"/>
+                    <a:cs typeface="+mn-cs"/>
+                  </a:defRPr>
+                </a:lvl4pPr>
+                <a:lvl5pPr marL="1828800" algn="l" defTabSz="914400" rtl="0" eaLnBrk="1" latinLnBrk="0" hangingPunct="1">
+                  <a:defRPr sz="1800" kern="1200">
+                    <a:solidFill>
+                      <a:schemeClr val="tx1"/>
+                    </a:solidFill>
+                    <a:latin typeface="+mn-lt"/>
+                    <a:ea typeface="+mn-ea"/>
+                    <a:cs typeface="+mn-cs"/>
+                  </a:defRPr>
+                </a:lvl5pPr>
+                <a:lvl6pPr marL="2286000" algn="l" defTabSz="914400" rtl="0" eaLnBrk="1" latinLnBrk="0" hangingPunct="1">
+                  <a:defRPr sz="1800" kern="1200">
+                    <a:solidFill>
+                      <a:schemeClr val="tx1"/>
+                    </a:solidFill>
+                    <a:latin typeface="+mn-lt"/>
+                    <a:ea typeface="+mn-ea"/>
+                    <a:cs typeface="+mn-cs"/>
+                  </a:defRPr>
+                </a:lvl6pPr>
+                <a:lvl7pPr marL="2743200" algn="l" defTabSz="914400" rtl="0" eaLnBrk="1" latinLnBrk="0" hangingPunct="1">
+                  <a:defRPr sz="1800" kern="1200">
+                    <a:solidFill>
+                      <a:schemeClr val="tx1"/>
+                    </a:solidFill>
+                    <a:latin typeface="+mn-lt"/>
+                    <a:ea typeface="+mn-ea"/>
+                    <a:cs typeface="+mn-cs"/>
+                  </a:defRPr>
+                </a:lvl7pPr>
+                <a:lvl8pPr marL="3200400" algn="l" defTabSz="914400" rtl="0" eaLnBrk="1" latinLnBrk="0" hangingPunct="1">
+                  <a:defRPr sz="1800" kern="1200">
+                    <a:solidFill>
+                      <a:schemeClr val="tx1"/>
+                    </a:solidFill>
+                    <a:latin typeface="+mn-lt"/>
+                    <a:ea typeface="+mn-ea"/>
+                    <a:cs typeface="+mn-cs"/>
+                  </a:defRPr>
+                </a:lvl8pPr>
+                <a:lvl9pPr marL="3657600" algn="l" defTabSz="914400" rtl="0" eaLnBrk="1" latinLnBrk="0" hangingPunct="1">
+                  <a:defRPr sz="1800" kern="1200">
+                    <a:solidFill>
+                      <a:schemeClr val="tx1"/>
+                    </a:solidFill>
+                    <a:latin typeface="+mn-lt"/>
+                    <a:ea typeface="+mn-ea"/>
+                    <a:cs typeface="+mn-cs"/>
+                  </a:defRPr>
+                </a:lvl9pPr>
+              </a:lstStyle>
+              <a:p>
+                <a:r>
+                  <a:rPr lang="ko-KR" altLang="en-US" sz="900" dirty="0">
+                    <a:solidFill>
+                      <a:srgbClr val="5F5F5F"/>
+                    </a:solidFill>
+                    <a:latin typeface="Segoe UI" panose="020B0502040204020203" pitchFamily="34" charset="0"/>
+                    <a:cs typeface="Segoe UI" panose="020B0502040204020203" pitchFamily="34" charset="0"/>
+                  </a:rPr>
+                  <a:t>댓글 정보</a:t>
+                </a:r>
+                <a:endParaRPr lang="en-US" sz="900" dirty="0">
+                  <a:solidFill>
+                    <a:srgbClr val="5F5F5F"/>
+                  </a:solidFill>
+                  <a:latin typeface="Segoe UI" panose="020B0502040204020203" pitchFamily="34" charset="0"/>
+                  <a:cs typeface="Segoe UI" panose="020B0502040204020203" pitchFamily="34" charset="0"/>
+                </a:endParaRPr>
+              </a:p>
+            </p:txBody>
+          </p:sp>
+        </p:grpSp>
+        <p:grpSp>
+          <p:nvGrpSpPr>
+            <p:cNvPr id="27" name="Group Box" descr="&lt;SmartSettings&gt;&lt;SmartResize enabled=&quot;True&quot; minWidth=&quot;60&quot; minHeight=&quot;22&quot; /&gt;&lt;/SmartSettings&gt;">
+              <a:extLst>
+                <a:ext uri="{FF2B5EF4-FFF2-40B4-BE49-F238E27FC236}">
+                  <a16:creationId xmlns:a16="http://schemas.microsoft.com/office/drawing/2014/main" id="{E7E92BA8-B1F6-472C-B38F-168D9CB7E9CD}"/>
+                </a:ext>
+              </a:extLst>
+            </p:cNvPr>
+            <p:cNvGrpSpPr/>
+            <p:nvPr>
+              <p:custDataLst>
+                <p:tags r:id="rId5"/>
+              </p:custDataLst>
+            </p:nvPr>
+          </p:nvGrpSpPr>
+          <p:grpSpPr>
+            <a:xfrm>
+              <a:off x="2229260" y="4269758"/>
+              <a:ext cx="4081106" cy="893710"/>
+              <a:chOff x="595686" y="1184134"/>
+              <a:chExt cx="1828800" cy="1801339"/>
+            </a:xfrm>
+          </p:grpSpPr>
+          <p:sp>
+            <p:nvSpPr>
+              <p:cNvPr id="28" name="Panel" descr="&lt;SmartSettings&gt;&lt;SmartResize anchorLeft=&quot;Relative&quot; anchorTop=&quot;Absolute&quot; anchorRight=&quot;Relative&quot; anchorBottom=&quot;Relative&quot; /&gt;&lt;/SmartSettings&gt;">
+                <a:extLst>
+                  <a:ext uri="{FF2B5EF4-FFF2-40B4-BE49-F238E27FC236}">
+                    <a16:creationId xmlns:a16="http://schemas.microsoft.com/office/drawing/2014/main" id="{B858AD39-676B-483D-9343-DD6DF8591BCA}"/>
+                  </a:ext>
+                </a:extLst>
+              </p:cNvPr>
+              <p:cNvSpPr/>
+              <p:nvPr>
+                <p:custDataLst>
+                  <p:tags r:id="rId6"/>
+                </p:custDataLst>
+              </p:nvPr>
+            </p:nvSpPr>
+            <p:spPr>
+              <a:xfrm>
+                <a:off x="595686" y="1339553"/>
+                <a:ext cx="1828800" cy="1645920"/>
+              </a:xfrm>
+              <a:prstGeom prst="rect">
+                <a:avLst/>
+              </a:prstGeom>
+              <a:solidFill>
+                <a:srgbClr val="FFFFFF"/>
+              </a:solidFill>
+              <a:ln w="6350">
+                <a:solidFill>
+                  <a:srgbClr val="808080"/>
+                </a:solidFill>
+              </a:ln>
+            </p:spPr>
+            <p:style>
+              <a:lnRef idx="2">
+                <a:schemeClr val="accent1">
+                  <a:shade val="50000"/>
+                </a:schemeClr>
+              </a:lnRef>
+              <a:fillRef idx="1">
+                <a:schemeClr val="accent1"/>
+              </a:fillRef>
+              <a:effectRef idx="0">
+                <a:schemeClr val="accent1"/>
+              </a:effectRef>
+              <a:fontRef idx="minor">
+                <a:schemeClr val="lt1"/>
+              </a:fontRef>
+            </p:style>
+            <p:txBody>
+              <a:bodyPr rot="0" spcFirstLastPara="0" vert="horz" wrap="square" lIns="91440" tIns="45720" rIns="91440" bIns="45720" numCol="1" spcCol="0" rtlCol="0" fromWordArt="0" anchor="ctr" anchorCtr="0" forceAA="0" compatLnSpc="1">
+                <a:prstTxWarp prst="textNoShape">
+                  <a:avLst/>
+                </a:prstTxWarp>
+                <a:noAutofit/>
+              </a:bodyPr>
+              <a:lstStyle>
+                <a:defPPr>
+                  <a:defRPr lang="en-US"/>
+                </a:defPPr>
+                <a:lvl1pPr marL="0" algn="l" defTabSz="914400" rtl="0" eaLnBrk="1" latinLnBrk="0" hangingPunct="1">
+                  <a:defRPr sz="1800" kern="1200">
+                    <a:solidFill>
+                      <a:schemeClr val="lt1"/>
+                    </a:solidFill>
+                    <a:latin typeface="+mn-lt"/>
+                    <a:ea typeface="+mn-ea"/>
+                    <a:cs typeface="+mn-cs"/>
+                  </a:defRPr>
+                </a:lvl1pPr>
+                <a:lvl2pPr marL="457200" algn="l" defTabSz="914400" rtl="0" eaLnBrk="1" latinLnBrk="0" hangingPunct="1">
+                  <a:defRPr sz="1800" kern="1200">
+                    <a:solidFill>
+                      <a:schemeClr val="lt1"/>
+                    </a:solidFill>
+                    <a:latin typeface="+mn-lt"/>
+                    <a:ea typeface="+mn-ea"/>
+                    <a:cs typeface="+mn-cs"/>
+                  </a:defRPr>
+                </a:lvl2pPr>
+                <a:lvl3pPr marL="914400" algn="l" defTabSz="914400" rtl="0" eaLnBrk="1" latinLnBrk="0" hangingPunct="1">
+                  <a:defRPr sz="1800" kern="1200">
+                    <a:solidFill>
+                      <a:schemeClr val="lt1"/>
+                    </a:solidFill>
+                    <a:latin typeface="+mn-lt"/>
+                    <a:ea typeface="+mn-ea"/>
+                    <a:cs typeface="+mn-cs"/>
+                  </a:defRPr>
+                </a:lvl3pPr>
+                <a:lvl4pPr marL="1371600" algn="l" defTabSz="914400" rtl="0" eaLnBrk="1" latinLnBrk="0" hangingPunct="1">
+                  <a:defRPr sz="1800" kern="1200">
+                    <a:solidFill>
+                      <a:schemeClr val="lt1"/>
+                    </a:solidFill>
+                    <a:latin typeface="+mn-lt"/>
+                    <a:ea typeface="+mn-ea"/>
+                    <a:cs typeface="+mn-cs"/>
+                  </a:defRPr>
+                </a:lvl4pPr>
+                <a:lvl5pPr marL="1828800" algn="l" defTabSz="914400" rtl="0" eaLnBrk="1" latinLnBrk="0" hangingPunct="1">
+                  <a:defRPr sz="1800" kern="1200">
+                    <a:solidFill>
+                      <a:schemeClr val="lt1"/>
+                    </a:solidFill>
+                    <a:latin typeface="+mn-lt"/>
+                    <a:ea typeface="+mn-ea"/>
+                    <a:cs typeface="+mn-cs"/>
+                  </a:defRPr>
+                </a:lvl5pPr>
+                <a:lvl6pPr marL="2286000" algn="l" defTabSz="914400" rtl="0" eaLnBrk="1" latinLnBrk="0" hangingPunct="1">
+                  <a:defRPr sz="1800" kern="1200">
+                    <a:solidFill>
+                      <a:schemeClr val="lt1"/>
+                    </a:solidFill>
+                    <a:latin typeface="+mn-lt"/>
+                    <a:ea typeface="+mn-ea"/>
+                    <a:cs typeface="+mn-cs"/>
+                  </a:defRPr>
+                </a:lvl6pPr>
+                <a:lvl7pPr marL="2743200" algn="l" defTabSz="914400" rtl="0" eaLnBrk="1" latinLnBrk="0" hangingPunct="1">
+                  <a:defRPr sz="1800" kern="1200">
+                    <a:solidFill>
+                      <a:schemeClr val="lt1"/>
+                    </a:solidFill>
+                    <a:latin typeface="+mn-lt"/>
+                    <a:ea typeface="+mn-ea"/>
+                    <a:cs typeface="+mn-cs"/>
+                  </a:defRPr>
+                </a:lvl7pPr>
+                <a:lvl8pPr marL="3200400" algn="l" defTabSz="914400" rtl="0" eaLnBrk="1" latinLnBrk="0" hangingPunct="1">
+                  <a:defRPr sz="1800" kern="1200">
+                    <a:solidFill>
+                      <a:schemeClr val="lt1"/>
+                    </a:solidFill>
+                    <a:latin typeface="+mn-lt"/>
+                    <a:ea typeface="+mn-ea"/>
+                    <a:cs typeface="+mn-cs"/>
+                  </a:defRPr>
+                </a:lvl8pPr>
+                <a:lvl9pPr marL="3657600" algn="l" defTabSz="914400" rtl="0" eaLnBrk="1" latinLnBrk="0" hangingPunct="1">
+                  <a:defRPr sz="1800" kern="1200">
+                    <a:solidFill>
+                      <a:schemeClr val="lt1"/>
+                    </a:solidFill>
+                    <a:latin typeface="+mn-lt"/>
+                    <a:ea typeface="+mn-ea"/>
+                    <a:cs typeface="+mn-cs"/>
+                  </a:defRPr>
+                </a:lvl9pPr>
+              </a:lstStyle>
+              <a:p>
+                <a:pPr algn="ctr"/>
+                <a:endParaRPr lang="en-US" sz="900" dirty="0">
+                  <a:solidFill>
+                    <a:srgbClr val="5F5F5F"/>
+                  </a:solidFill>
+                  <a:latin typeface="Segoe UI" panose="020B0502040204020203" pitchFamily="34" charset="0"/>
+                  <a:cs typeface="Segoe UI" panose="020B0502040204020203" pitchFamily="34" charset="0"/>
+                </a:endParaRPr>
+              </a:p>
+            </p:txBody>
+          </p:sp>
+          <p:sp>
+            <p:nvSpPr>
+              <p:cNvPr id="29" name="Label" descr="&lt;SmartSettings&gt;&lt;SmartResize anchorLeft=&quot;Absolute&quot; anchorTop=&quot;Absolute&quot; anchorRight=&quot;None&quot; anchorBottom=&quot;None&quot; /&gt;&lt;/SmartSettings&gt;">
+                <a:extLst>
+                  <a:ext uri="{FF2B5EF4-FFF2-40B4-BE49-F238E27FC236}">
+                    <a16:creationId xmlns:a16="http://schemas.microsoft.com/office/drawing/2014/main" id="{D53CB7B3-008A-48D2-96A0-782393846383}"/>
+                  </a:ext>
+                </a:extLst>
+              </p:cNvPr>
+              <p:cNvSpPr txBox="1"/>
+              <p:nvPr>
+                <p:custDataLst>
+                  <p:tags r:id="rId7"/>
+                </p:custDataLst>
+              </p:nvPr>
+            </p:nvSpPr>
+            <p:spPr>
+              <a:xfrm>
+                <a:off x="619358" y="1184134"/>
+                <a:ext cx="306065" cy="316377"/>
+              </a:xfrm>
+              <a:prstGeom prst="rect">
+                <a:avLst/>
+              </a:prstGeom>
+              <a:solidFill>
+                <a:srgbClr val="FFFFFF"/>
+              </a:solidFill>
+            </p:spPr>
+            <p:txBody>
+              <a:bodyPr wrap="none" lIns="36576" tIns="9144" rIns="36576" bIns="9144" rtlCol="0">
+                <a:spAutoFit/>
+              </a:bodyPr>
+              <a:lstStyle>
+                <a:defPPr>
+                  <a:defRPr lang="en-US"/>
+                </a:defPPr>
+                <a:lvl1pPr marL="0" algn="l" defTabSz="914400" rtl="0" eaLnBrk="1" latinLnBrk="0" hangingPunct="1">
+                  <a:defRPr sz="1800" kern="1200">
+                    <a:solidFill>
+                      <a:schemeClr val="tx1"/>
+                    </a:solidFill>
+                    <a:latin typeface="+mn-lt"/>
+                    <a:ea typeface="+mn-ea"/>
+                    <a:cs typeface="+mn-cs"/>
+                  </a:defRPr>
+                </a:lvl1pPr>
+                <a:lvl2pPr marL="457200" algn="l" defTabSz="914400" rtl="0" eaLnBrk="1" latinLnBrk="0" hangingPunct="1">
+                  <a:defRPr sz="1800" kern="1200">
+                    <a:solidFill>
+                      <a:schemeClr val="tx1"/>
+                    </a:solidFill>
+                    <a:latin typeface="+mn-lt"/>
+                    <a:ea typeface="+mn-ea"/>
+                    <a:cs typeface="+mn-cs"/>
+                  </a:defRPr>
+                </a:lvl2pPr>
+                <a:lvl3pPr marL="914400" algn="l" defTabSz="914400" rtl="0" eaLnBrk="1" latinLnBrk="0" hangingPunct="1">
+                  <a:defRPr sz="1800" kern="1200">
+                    <a:solidFill>
+                      <a:schemeClr val="tx1"/>
+                    </a:solidFill>
+                    <a:latin typeface="+mn-lt"/>
+                    <a:ea typeface="+mn-ea"/>
+                    <a:cs typeface="+mn-cs"/>
+                  </a:defRPr>
+                </a:lvl3pPr>
+                <a:lvl4pPr marL="1371600" algn="l" defTabSz="914400" rtl="0" eaLnBrk="1" latinLnBrk="0" hangingPunct="1">
+                  <a:defRPr sz="1800" kern="1200">
+                    <a:solidFill>
+                      <a:schemeClr val="tx1"/>
+                    </a:solidFill>
+                    <a:latin typeface="+mn-lt"/>
+                    <a:ea typeface="+mn-ea"/>
+                    <a:cs typeface="+mn-cs"/>
+                  </a:defRPr>
+                </a:lvl4pPr>
+                <a:lvl5pPr marL="1828800" algn="l" defTabSz="914400" rtl="0" eaLnBrk="1" latinLnBrk="0" hangingPunct="1">
+                  <a:defRPr sz="1800" kern="1200">
+                    <a:solidFill>
+                      <a:schemeClr val="tx1"/>
+                    </a:solidFill>
+                    <a:latin typeface="+mn-lt"/>
+                    <a:ea typeface="+mn-ea"/>
+                    <a:cs typeface="+mn-cs"/>
+                  </a:defRPr>
+                </a:lvl5pPr>
+                <a:lvl6pPr marL="2286000" algn="l" defTabSz="914400" rtl="0" eaLnBrk="1" latinLnBrk="0" hangingPunct="1">
+                  <a:defRPr sz="1800" kern="1200">
+                    <a:solidFill>
+                      <a:schemeClr val="tx1"/>
+                    </a:solidFill>
+                    <a:latin typeface="+mn-lt"/>
+                    <a:ea typeface="+mn-ea"/>
+                    <a:cs typeface="+mn-cs"/>
+                  </a:defRPr>
+                </a:lvl6pPr>
+                <a:lvl7pPr marL="2743200" algn="l" defTabSz="914400" rtl="0" eaLnBrk="1" latinLnBrk="0" hangingPunct="1">
+                  <a:defRPr sz="1800" kern="1200">
+                    <a:solidFill>
+                      <a:schemeClr val="tx1"/>
+                    </a:solidFill>
+                    <a:latin typeface="+mn-lt"/>
+                    <a:ea typeface="+mn-ea"/>
+                    <a:cs typeface="+mn-cs"/>
+                  </a:defRPr>
+                </a:lvl7pPr>
+                <a:lvl8pPr marL="3200400" algn="l" defTabSz="914400" rtl="0" eaLnBrk="1" latinLnBrk="0" hangingPunct="1">
+                  <a:defRPr sz="1800" kern="1200">
+                    <a:solidFill>
+                      <a:schemeClr val="tx1"/>
+                    </a:solidFill>
+                    <a:latin typeface="+mn-lt"/>
+                    <a:ea typeface="+mn-ea"/>
+                    <a:cs typeface="+mn-cs"/>
+                  </a:defRPr>
+                </a:lvl8pPr>
+                <a:lvl9pPr marL="3657600" algn="l" defTabSz="914400" rtl="0" eaLnBrk="1" latinLnBrk="0" hangingPunct="1">
+                  <a:defRPr sz="1800" kern="1200">
+                    <a:solidFill>
+                      <a:schemeClr val="tx1"/>
+                    </a:solidFill>
+                    <a:latin typeface="+mn-lt"/>
+                    <a:ea typeface="+mn-ea"/>
+                    <a:cs typeface="+mn-cs"/>
+                  </a:defRPr>
+                </a:lvl9pPr>
+              </a:lstStyle>
+              <a:p>
+                <a:r>
+                  <a:rPr lang="ko-KR" altLang="en-US" sz="900" dirty="0">
+                    <a:solidFill>
+                      <a:srgbClr val="5F5F5F"/>
+                    </a:solidFill>
+                    <a:latin typeface="Segoe UI" panose="020B0502040204020203" pitchFamily="34" charset="0"/>
+                    <a:cs typeface="Segoe UI" panose="020B0502040204020203" pitchFamily="34" charset="0"/>
+                  </a:rPr>
+                  <a:t>댓글 </a:t>
+                </a:r>
+                <a:r>
+                  <a:rPr lang="ko-KR" altLang="en-US" sz="900" dirty="0" err="1">
+                    <a:solidFill>
+                      <a:srgbClr val="5F5F5F"/>
+                    </a:solidFill>
+                    <a:latin typeface="Segoe UI" panose="020B0502040204020203" pitchFamily="34" charset="0"/>
+                    <a:cs typeface="Segoe UI" panose="020B0502040204020203" pitchFamily="34" charset="0"/>
+                  </a:rPr>
+                  <a:t>등록란</a:t>
+                </a:r>
+                <a:endParaRPr lang="en-US" sz="900" dirty="0">
+                  <a:solidFill>
+                    <a:srgbClr val="5F5F5F"/>
+                  </a:solidFill>
+                  <a:latin typeface="Segoe UI" panose="020B0502040204020203" pitchFamily="34" charset="0"/>
+                  <a:cs typeface="Segoe UI" panose="020B0502040204020203" pitchFamily="34" charset="0"/>
+                </a:endParaRPr>
+              </a:p>
+            </p:txBody>
+          </p:sp>
+        </p:grpSp>
+        <p:sp>
+          <p:nvSpPr>
+            <p:cNvPr id="30" name="Button">
+              <a:extLst>
+                <a:ext uri="{FF2B5EF4-FFF2-40B4-BE49-F238E27FC236}">
+                  <a16:creationId xmlns:a16="http://schemas.microsoft.com/office/drawing/2014/main" id="{448E1BB9-588D-4C4A-BAA3-B457A028FF5A}"/>
+                </a:ext>
+              </a:extLst>
+            </p:cNvPr>
+            <p:cNvSpPr>
+              <a:spLocks/>
+            </p:cNvSpPr>
+            <p:nvPr/>
+          </p:nvSpPr>
+          <p:spPr bwMode="auto">
+            <a:xfrm>
+              <a:off x="5882223" y="5240577"/>
+              <a:ext cx="427553" cy="241995"/>
+            </a:xfrm>
+            <a:prstGeom prst="roundRect">
+              <a:avLst>
+                <a:gd name="adj" fmla="val 8776"/>
+              </a:avLst>
+            </a:prstGeom>
+            <a:solidFill>
+              <a:srgbClr val="FFFFFF"/>
+            </a:solidFill>
+            <a:ln w="6350" cap="flat" cmpd="sng" algn="ctr">
+              <a:solidFill>
+                <a:srgbClr val="808080"/>
+              </a:solidFill>
+              <a:prstDash val="solid"/>
+              <a:round/>
+              <a:headEnd type="none" w="med" len="med"/>
+              <a:tailEnd type="none" w="med" len="med"/>
+            </a:ln>
+            <a:effectLst/>
+          </p:spPr>
+          <p:style>
+            <a:lnRef idx="2">
+              <a:schemeClr val="accent1">
+                <a:shade val="50000"/>
+              </a:schemeClr>
+            </a:lnRef>
+            <a:fillRef idx="1">
+              <a:schemeClr val="accent1"/>
+            </a:fillRef>
+            <a:effectRef idx="0">
+              <a:schemeClr val="accent1"/>
+            </a:effectRef>
+            <a:fontRef idx="minor">
+              <a:schemeClr val="lt1"/>
+            </a:fontRef>
+          </p:style>
+          <p:txBody>
+            <a:bodyPr wrap="square" rtlCol="0" anchor="ctr">
+              <a:spAutoFit/>
+            </a:bodyPr>
+            <a:lstStyle>
+              <a:defPPr>
+                <a:defRPr lang="en-US"/>
+              </a:defPPr>
+              <a:lvl1pPr marL="0" algn="l" defTabSz="914400" rtl="0" eaLnBrk="1" latinLnBrk="0" hangingPunct="1">
+                <a:defRPr sz="1800" kern="1200">
+                  <a:solidFill>
+                    <a:schemeClr val="lt1"/>
+                  </a:solidFill>
+                  <a:latin typeface="+mn-lt"/>
+                  <a:ea typeface="+mn-ea"/>
+                  <a:cs typeface="+mn-cs"/>
+                </a:defRPr>
+              </a:lvl1pPr>
+              <a:lvl2pPr marL="457200" algn="l" defTabSz="914400" rtl="0" eaLnBrk="1" latinLnBrk="0" hangingPunct="1">
+                <a:defRPr sz="1800" kern="1200">
+                  <a:solidFill>
+                    <a:schemeClr val="lt1"/>
+                  </a:solidFill>
+                  <a:latin typeface="+mn-lt"/>
+                  <a:ea typeface="+mn-ea"/>
+                  <a:cs typeface="+mn-cs"/>
+                </a:defRPr>
+              </a:lvl2pPr>
+              <a:lvl3pPr marL="914400" algn="l" defTabSz="914400" rtl="0" eaLnBrk="1" latinLnBrk="0" hangingPunct="1">
+                <a:defRPr sz="1800" kern="1200">
+                  <a:solidFill>
+                    <a:schemeClr val="lt1"/>
+                  </a:solidFill>
+                  <a:latin typeface="+mn-lt"/>
+                  <a:ea typeface="+mn-ea"/>
+                  <a:cs typeface="+mn-cs"/>
+                </a:defRPr>
+              </a:lvl3pPr>
+              <a:lvl4pPr marL="1371600" algn="l" defTabSz="914400" rtl="0" eaLnBrk="1" latinLnBrk="0" hangingPunct="1">
+                <a:defRPr sz="1800" kern="1200">
+                  <a:solidFill>
+                    <a:schemeClr val="lt1"/>
+                  </a:solidFill>
+                  <a:latin typeface="+mn-lt"/>
+                  <a:ea typeface="+mn-ea"/>
+                  <a:cs typeface="+mn-cs"/>
+                </a:defRPr>
+              </a:lvl4pPr>
+              <a:lvl5pPr marL="1828800" algn="l" defTabSz="914400" rtl="0" eaLnBrk="1" latinLnBrk="0" hangingPunct="1">
+                <a:defRPr sz="1800" kern="1200">
+                  <a:solidFill>
+                    <a:schemeClr val="lt1"/>
+                  </a:solidFill>
+                  <a:latin typeface="+mn-lt"/>
+                  <a:ea typeface="+mn-ea"/>
+                  <a:cs typeface="+mn-cs"/>
+                </a:defRPr>
+              </a:lvl5pPr>
+              <a:lvl6pPr marL="2286000" algn="l" defTabSz="914400" rtl="0" eaLnBrk="1" latinLnBrk="0" hangingPunct="1">
+                <a:defRPr sz="1800" kern="1200">
+                  <a:solidFill>
+                    <a:schemeClr val="lt1"/>
+                  </a:solidFill>
+                  <a:latin typeface="+mn-lt"/>
+                  <a:ea typeface="+mn-ea"/>
+                  <a:cs typeface="+mn-cs"/>
+                </a:defRPr>
+              </a:lvl6pPr>
+              <a:lvl7pPr marL="2743200" algn="l" defTabSz="914400" rtl="0" eaLnBrk="1" latinLnBrk="0" hangingPunct="1">
+                <a:defRPr sz="1800" kern="1200">
+                  <a:solidFill>
+                    <a:schemeClr val="lt1"/>
+                  </a:solidFill>
+                  <a:latin typeface="+mn-lt"/>
+                  <a:ea typeface="+mn-ea"/>
+                  <a:cs typeface="+mn-cs"/>
+                </a:defRPr>
+              </a:lvl7pPr>
+              <a:lvl8pPr marL="3200400" algn="l" defTabSz="914400" rtl="0" eaLnBrk="1" latinLnBrk="0" hangingPunct="1">
+                <a:defRPr sz="1800" kern="1200">
+                  <a:solidFill>
+                    <a:schemeClr val="lt1"/>
+                  </a:solidFill>
+                  <a:latin typeface="+mn-lt"/>
+                  <a:ea typeface="+mn-ea"/>
+                  <a:cs typeface="+mn-cs"/>
+                </a:defRPr>
+              </a:lvl8pPr>
+              <a:lvl9pPr marL="3657600" algn="l" defTabSz="914400" rtl="0" eaLnBrk="1" latinLnBrk="0" hangingPunct="1">
+                <a:defRPr sz="1800" kern="1200">
+                  <a:solidFill>
+                    <a:schemeClr val="lt1"/>
+                  </a:solidFill>
+                  <a:latin typeface="+mn-lt"/>
+                  <a:ea typeface="+mn-ea"/>
+                  <a:cs typeface="+mn-cs"/>
+                </a:defRPr>
+              </a:lvl9pPr>
+            </a:lstStyle>
+            <a:p>
+              <a:r>
+                <a:rPr lang="ko-KR" altLang="en-US" sz="900" dirty="0">
+                  <a:solidFill>
+                    <a:srgbClr val="5F5F5F"/>
+                  </a:solidFill>
+                  <a:latin typeface="Segoe UI" panose="020B0502040204020203" pitchFamily="34" charset="0"/>
+                  <a:cs typeface="Segoe UI" panose="020B0502040204020203" pitchFamily="34" charset="0"/>
+                </a:rPr>
+                <a:t>등록</a:t>
+              </a:r>
+              <a:endParaRPr lang="en-US" sz="900" dirty="0">
+                <a:solidFill>
+                  <a:srgbClr val="5F5F5F"/>
+                </a:solidFill>
+                <a:latin typeface="Segoe UI" panose="020B0502040204020203" pitchFamily="34" charset="0"/>
+                <a:cs typeface="Segoe UI" panose="020B0502040204020203" pitchFamily="34" charset="0"/>
+              </a:endParaRPr>
+            </a:p>
+          </p:txBody>
+        </p:sp>
+      </p:grpSp>
+    </p:spTree>
+    <p:extLst>
+      <p:ext uri="{BB962C8B-B14F-4D97-AF65-F5344CB8AC3E}">
+        <p14:creationId xmlns:p14="http://schemas.microsoft.com/office/powerpoint/2010/main" val="4195160070"/>
+      </p:ext>
+    </p:extLst>
+  </p:cSld>
+  <p:clrMapOvr>
+    <a:masterClrMapping/>
+  </p:clrMapOvr>
+</p:sld>
+</file>
+
 <file path=ppt/tags/tag1.xml><?xml version="1.0" encoding="utf-8"?>
 <p:tagLst xmlns:a="http://schemas.openxmlformats.org/drawingml/2006/main" xmlns:r="http://schemas.openxmlformats.org/officeDocument/2006/relationships" xmlns:p="http://schemas.openxmlformats.org/presentationml/2006/main">
   <p:tag name="SMARTSETTINGSHASH" val="PWOa7bLCMN/NfWse0OkDrDXWtXjrMvC+/KEnGxnzoq0="/>
@@ -9096,55 +9096,55 @@
 
 <file path=ppt/tags/tag10.xml><?xml version="1.0" encoding="utf-8"?>
 <p:tagLst xmlns:a="http://schemas.openxmlformats.org/drawingml/2006/main" xmlns:r="http://schemas.openxmlformats.org/officeDocument/2006/relationships" xmlns:p="http://schemas.openxmlformats.org/presentationml/2006/main">
-  <p:tag name="SMARTSETTINGSHASH" val="lw1Lkg7svXXN48WtUrnV1gJLkLzszgILIZBTyELyfMw="/>
+  <p:tag name="SMARTSETTINGSHASH" val="IDSg7uxH1Z/iSOkBSMZyie/SGkHlLE2okQSpqFhp1Ac="/>
 </p:tagLst>
 </file>
 
 <file path=ppt/tags/tag11.xml><?xml version="1.0" encoding="utf-8"?>
 <p:tagLst xmlns:a="http://schemas.openxmlformats.org/drawingml/2006/main" xmlns:r="http://schemas.openxmlformats.org/officeDocument/2006/relationships" xmlns:p="http://schemas.openxmlformats.org/presentationml/2006/main">
-  <p:tag name="SMARTSETTINGSHASH" val="IDSg7uxH1Z/iSOkBSMZyie/SGkHlLE2okQSpqFhp1Ac="/>
+  <p:tag name="SMARTSETTINGSHASH" val="PWOa7bLCMN/NfWse0OkDrDXWtXjrMvC+/KEnGxnzoq0="/>
 </p:tagLst>
 </file>
 
 <file path=ppt/tags/tag12.xml><?xml version="1.0" encoding="utf-8"?>
 <p:tagLst xmlns:a="http://schemas.openxmlformats.org/drawingml/2006/main" xmlns:r="http://schemas.openxmlformats.org/officeDocument/2006/relationships" xmlns:p="http://schemas.openxmlformats.org/presentationml/2006/main">
-  <p:tag name="SMARTSETTINGSHASH" val="lw1Lkg7svXXN48WtUrnV1gJLkLzszgILIZBTyELyfMw="/>
+  <p:tag name="SMARTSETTINGSHASH" val="e2LyG275MKfvTp6do0okUjzBxgRCPw1IXGPe3BDSnOI="/>
 </p:tagLst>
 </file>
 
 <file path=ppt/tags/tag13.xml><?xml version="1.0" encoding="utf-8"?>
 <p:tagLst xmlns:a="http://schemas.openxmlformats.org/drawingml/2006/main" xmlns:r="http://schemas.openxmlformats.org/officeDocument/2006/relationships" xmlns:p="http://schemas.openxmlformats.org/presentationml/2006/main">
-  <p:tag name="SMARTSETTINGSHASH" val="IDSg7uxH1Z/iSOkBSMZyie/SGkHlLE2okQSpqFhp1Ac="/>
+  <p:tag name="SMARTSETTINGSHASH" val="e2LyG275MKfvTp6do0okUjzBxgRCPw1IXGPe3BDSnOI="/>
 </p:tagLst>
 </file>
 
 <file path=ppt/tags/tag14.xml><?xml version="1.0" encoding="utf-8"?>
 <p:tagLst xmlns:a="http://schemas.openxmlformats.org/drawingml/2006/main" xmlns:r="http://schemas.openxmlformats.org/officeDocument/2006/relationships" xmlns:p="http://schemas.openxmlformats.org/presentationml/2006/main">
-  <p:tag name="SMARTSETTINGSHASH" val="xZU/W0IqlvXPkJ37/hSWg5jSIFh0KZmI7sT1syyiYH8="/>
+  <p:tag name="SMARTSETTINGSHASH" val="e2LyG275MKfvTp6do0okUjzBxgRCPw1IXGPe3BDSnOI="/>
 </p:tagLst>
 </file>
 
 <file path=ppt/tags/tag15.xml><?xml version="1.0" encoding="utf-8"?>
 <p:tagLst xmlns:a="http://schemas.openxmlformats.org/drawingml/2006/main" xmlns:r="http://schemas.openxmlformats.org/officeDocument/2006/relationships" xmlns:p="http://schemas.openxmlformats.org/presentationml/2006/main">
-  <p:tag name="SMARTSETTINGSHASH" val="SB3bqgv5ghGJknk/m+/9EdPMDkanH9eNosaoBtCx42Q="/>
+  <p:tag name="SMARTSETTINGSHASH" val="e2LyG275MKfvTp6do0okUjzBxgRCPw1IXGPe3BDSnOI="/>
 </p:tagLst>
 </file>
 
 <file path=ppt/tags/tag16.xml><?xml version="1.0" encoding="utf-8"?>
 <p:tagLst xmlns:a="http://schemas.openxmlformats.org/drawingml/2006/main" xmlns:r="http://schemas.openxmlformats.org/officeDocument/2006/relationships" xmlns:p="http://schemas.openxmlformats.org/presentationml/2006/main">
-  <p:tag name="SMARTSETTINGSHASH" val="xscEFkRiZvbxLfN1YzQGPp4nKBgtuPrjp3QiTCcMWwM="/>
+  <p:tag name="SMARTSETTINGSHASH" val="lw1Lkg7svXXN48WtUrnV1gJLkLzszgILIZBTyELyfMw="/>
 </p:tagLst>
 </file>
 
 <file path=ppt/tags/tag17.xml><?xml version="1.0" encoding="utf-8"?>
 <p:tagLst xmlns:a="http://schemas.openxmlformats.org/drawingml/2006/main" xmlns:r="http://schemas.openxmlformats.org/officeDocument/2006/relationships" xmlns:p="http://schemas.openxmlformats.org/presentationml/2006/main">
-  <p:tag name="SMARTSETTINGSHASH" val="xscEFkRiZvbxLfN1YzQGPp4nKBgtuPrjp3QiTCcMWwM="/>
+  <p:tag name="SMARTSETTINGSHASH" val="IDSg7uxH1Z/iSOkBSMZyie/SGkHlLE2okQSpqFhp1Ac="/>
 </p:tagLst>
 </file>
 
 <file path=ppt/tags/tag18.xml><?xml version="1.0" encoding="utf-8"?>
 <p:tagLst xmlns:a="http://schemas.openxmlformats.org/drawingml/2006/main" xmlns:r="http://schemas.openxmlformats.org/officeDocument/2006/relationships" xmlns:p="http://schemas.openxmlformats.org/presentationml/2006/main">
-  <p:tag name="SMARTSETTINGSHASH" val="SB3bqgv5ghGJknk/m+/9EdPMDkanH9eNosaoBtCx42Q="/>
+  <p:tag name="SMARTSETTINGSHASH" val="lw1Lkg7svXXN48WtUrnV1gJLkLzszgILIZBTyELyfMw="/>
 </p:tagLst>
 </file>
 
@@ -9156,13 +9156,13 @@
 
 <file path=ppt/tags/tag2.xml><?xml version="1.0" encoding="utf-8"?>
 <p:tagLst xmlns:a="http://schemas.openxmlformats.org/drawingml/2006/main" xmlns:r="http://schemas.openxmlformats.org/officeDocument/2006/relationships" xmlns:p="http://schemas.openxmlformats.org/presentationml/2006/main">
-  <p:tag name="SMARTSETTINGSHASH" val="e2LyG275MKfvTp6do0okUjzBxgRCPw1IXGPe3BDSnOI="/>
+  <p:tag name="SMARTSETTINGSHASH" val="xZU/W0IqlvXPkJ37/hSWg5jSIFh0KZmI7sT1syyiYH8="/>
 </p:tagLst>
 </file>
 
 <file path=ppt/tags/tag20.xml><?xml version="1.0" encoding="utf-8"?>
 <p:tagLst xmlns:a="http://schemas.openxmlformats.org/drawingml/2006/main" xmlns:r="http://schemas.openxmlformats.org/officeDocument/2006/relationships" xmlns:p="http://schemas.openxmlformats.org/presentationml/2006/main">
-  <p:tag name="SMARTSETTINGSHASH" val="IDSg7uxH1Z/iSOkBSMZyie/SGkHlLE2okQSpqFhp1Ac="/>
+  <p:tag name="SMARTSETTINGSHASH" val="lw1Lkg7svXXN48WtUrnV1gJLkLzszgILIZBTyELyfMw="/>
 </p:tagLst>
 </file>
 
@@ -9174,13 +9174,13 @@
 
 <file path=ppt/tags/tag22.xml><?xml version="1.0" encoding="utf-8"?>
 <p:tagLst xmlns:a="http://schemas.openxmlformats.org/drawingml/2006/main" xmlns:r="http://schemas.openxmlformats.org/officeDocument/2006/relationships" xmlns:p="http://schemas.openxmlformats.org/presentationml/2006/main">
-  <p:tag name="SMARTSETTINGSHASH" val="IDSg7uxH1Z/iSOkBSMZyie/SGkHlLE2okQSpqFhp1Ac="/>
+  <p:tag name="SMARTSETTINGSHASH" val="lw1Lkg7svXXN48WtUrnV1gJLkLzszgILIZBTyELyfMw="/>
 </p:tagLst>
 </file>
 
 <file path=ppt/tags/tag23.xml><?xml version="1.0" encoding="utf-8"?>
 <p:tagLst xmlns:a="http://schemas.openxmlformats.org/drawingml/2006/main" xmlns:r="http://schemas.openxmlformats.org/officeDocument/2006/relationships" xmlns:p="http://schemas.openxmlformats.org/presentationml/2006/main">
-  <p:tag name="SMARTSETTINGSHASH" val="PWOa7bLCMN/NfWse0OkDrDXWtXjrMvC+/KEnGxnzoq0="/>
+  <p:tag name="SMARTSETTINGSHASH" val="IDSg7uxH1Z/iSOkBSMZyie/SGkHlLE2okQSpqFhp1Ac="/>
 </p:tagLst>
 </file>
 
@@ -9222,7 +9222,7 @@
 
 <file path=ppt/tags/tag3.xml><?xml version="1.0" encoding="utf-8"?>
 <p:tagLst xmlns:a="http://schemas.openxmlformats.org/drawingml/2006/main" xmlns:r="http://schemas.openxmlformats.org/officeDocument/2006/relationships" xmlns:p="http://schemas.openxmlformats.org/presentationml/2006/main">
-  <p:tag name="SMARTSETTINGSHASH" val="e2LyG275MKfvTp6do0okUjzBxgRCPw1IXGPe3BDSnOI="/>
+  <p:tag name="SMARTSETTINGSHASH" val="SB3bqgv5ghGJknk/m+/9EdPMDkanH9eNosaoBtCx42Q="/>
 </p:tagLst>
 </file>
 
@@ -9246,19 +9246,19 @@
 
 <file path=ppt/tags/tag4.xml><?xml version="1.0" encoding="utf-8"?>
 <p:tagLst xmlns:a="http://schemas.openxmlformats.org/drawingml/2006/main" xmlns:r="http://schemas.openxmlformats.org/officeDocument/2006/relationships" xmlns:p="http://schemas.openxmlformats.org/presentationml/2006/main">
-  <p:tag name="SMARTSETTINGSHASH" val="e2LyG275MKfvTp6do0okUjzBxgRCPw1IXGPe3BDSnOI="/>
+  <p:tag name="SMARTSETTINGSHASH" val="xscEFkRiZvbxLfN1YzQGPp4nKBgtuPrjp3QiTCcMWwM="/>
 </p:tagLst>
 </file>
 
 <file path=ppt/tags/tag5.xml><?xml version="1.0" encoding="utf-8"?>
 <p:tagLst xmlns:a="http://schemas.openxmlformats.org/drawingml/2006/main" xmlns:r="http://schemas.openxmlformats.org/officeDocument/2006/relationships" xmlns:p="http://schemas.openxmlformats.org/presentationml/2006/main">
-  <p:tag name="SMARTSETTINGSHASH" val="e2LyG275MKfvTp6do0okUjzBxgRCPw1IXGPe3BDSnOI="/>
+  <p:tag name="SMARTSETTINGSHASH" val="xscEFkRiZvbxLfN1YzQGPp4nKBgtuPrjp3QiTCcMWwM="/>
 </p:tagLst>
 </file>
 
 <file path=ppt/tags/tag6.xml><?xml version="1.0" encoding="utf-8"?>
 <p:tagLst xmlns:a="http://schemas.openxmlformats.org/drawingml/2006/main" xmlns:r="http://schemas.openxmlformats.org/officeDocument/2006/relationships" xmlns:p="http://schemas.openxmlformats.org/presentationml/2006/main">
-  <p:tag name="SMARTSETTINGSHASH" val="lw1Lkg7svXXN48WtUrnV1gJLkLzszgILIZBTyELyfMw="/>
+  <p:tag name="SMARTSETTINGSHASH" val="SB3bqgv5ghGJknk/m+/9EdPMDkanH9eNosaoBtCx42Q="/>
 </p:tagLst>
 </file>
 
@@ -9270,7 +9270,7 @@
 
 <file path=ppt/tags/tag8.xml><?xml version="1.0" encoding="utf-8"?>
 <p:tagLst xmlns:a="http://schemas.openxmlformats.org/drawingml/2006/main" xmlns:r="http://schemas.openxmlformats.org/officeDocument/2006/relationships" xmlns:p="http://schemas.openxmlformats.org/presentationml/2006/main">
-  <p:tag name="SMARTSETTINGSHASH" val="lw1Lkg7svXXN48WtUrnV1gJLkLzszgILIZBTyELyfMw="/>
+  <p:tag name="SMARTSETTINGSHASH" val="IDSg7uxH1Z/iSOkBSMZyie/SGkHlLE2okQSpqFhp1Ac="/>
 </p:tagLst>
 </file>
 

--- a/UI.pptx
+++ b/UI.pptx
@@ -9,6 +9,7 @@
     <p:sldId id="256" r:id="rId3"/>
     <p:sldId id="258" r:id="rId4"/>
     <p:sldId id="259" r:id="rId5"/>
+    <p:sldId id="260" r:id="rId6"/>
   </p:sldIdLst>
   <p:sldSz cx="12192000" cy="6858000"/>
   <p:notesSz cx="6858000" cy="9144000"/>
@@ -262,7 +263,7 @@
           <a:p>
             <a:fld id="{B2C9DBA1-8D4A-4E57-AA66-EB41DF1E3A11}" type="datetimeFigureOut">
               <a:rPr lang="ko-KR" altLang="en-US" smtClean="0"/>
-              <a:t>2021-04-20</a:t>
+              <a:t>2021-04-27</a:t>
             </a:fld>
             <a:endParaRPr lang="ko-KR" altLang="en-US"/>
           </a:p>
@@ -460,7 +461,7 @@
           <a:p>
             <a:fld id="{B2C9DBA1-8D4A-4E57-AA66-EB41DF1E3A11}" type="datetimeFigureOut">
               <a:rPr lang="ko-KR" altLang="en-US" smtClean="0"/>
-              <a:t>2021-04-20</a:t>
+              <a:t>2021-04-27</a:t>
             </a:fld>
             <a:endParaRPr lang="ko-KR" altLang="en-US"/>
           </a:p>
@@ -668,7 +669,7 @@
           <a:p>
             <a:fld id="{B2C9DBA1-8D4A-4E57-AA66-EB41DF1E3A11}" type="datetimeFigureOut">
               <a:rPr lang="ko-KR" altLang="en-US" smtClean="0"/>
-              <a:t>2021-04-20</a:t>
+              <a:t>2021-04-27</a:t>
             </a:fld>
             <a:endParaRPr lang="ko-KR" altLang="en-US"/>
           </a:p>
@@ -866,7 +867,7 @@
           <a:p>
             <a:fld id="{B2C9DBA1-8D4A-4E57-AA66-EB41DF1E3A11}" type="datetimeFigureOut">
               <a:rPr lang="ko-KR" altLang="en-US" smtClean="0"/>
-              <a:t>2021-04-20</a:t>
+              <a:t>2021-04-27</a:t>
             </a:fld>
             <a:endParaRPr lang="ko-KR" altLang="en-US"/>
           </a:p>
@@ -1141,7 +1142,7 @@
           <a:p>
             <a:fld id="{B2C9DBA1-8D4A-4E57-AA66-EB41DF1E3A11}" type="datetimeFigureOut">
               <a:rPr lang="ko-KR" altLang="en-US" smtClean="0"/>
-              <a:t>2021-04-20</a:t>
+              <a:t>2021-04-27</a:t>
             </a:fld>
             <a:endParaRPr lang="ko-KR" altLang="en-US"/>
           </a:p>
@@ -1406,7 +1407,7 @@
           <a:p>
             <a:fld id="{B2C9DBA1-8D4A-4E57-AA66-EB41DF1E3A11}" type="datetimeFigureOut">
               <a:rPr lang="ko-KR" altLang="en-US" smtClean="0"/>
-              <a:t>2021-04-20</a:t>
+              <a:t>2021-04-27</a:t>
             </a:fld>
             <a:endParaRPr lang="ko-KR" altLang="en-US"/>
           </a:p>
@@ -1818,7 +1819,7 @@
           <a:p>
             <a:fld id="{B2C9DBA1-8D4A-4E57-AA66-EB41DF1E3A11}" type="datetimeFigureOut">
               <a:rPr lang="ko-KR" altLang="en-US" smtClean="0"/>
-              <a:t>2021-04-20</a:t>
+              <a:t>2021-04-27</a:t>
             </a:fld>
             <a:endParaRPr lang="ko-KR" altLang="en-US"/>
           </a:p>
@@ -1959,7 +1960,7 @@
           <a:p>
             <a:fld id="{B2C9DBA1-8D4A-4E57-AA66-EB41DF1E3A11}" type="datetimeFigureOut">
               <a:rPr lang="ko-KR" altLang="en-US" smtClean="0"/>
-              <a:t>2021-04-20</a:t>
+              <a:t>2021-04-27</a:t>
             </a:fld>
             <a:endParaRPr lang="ko-KR" altLang="en-US"/>
           </a:p>
@@ -2072,7 +2073,7 @@
           <a:p>
             <a:fld id="{B2C9DBA1-8D4A-4E57-AA66-EB41DF1E3A11}" type="datetimeFigureOut">
               <a:rPr lang="ko-KR" altLang="en-US" smtClean="0"/>
-              <a:t>2021-04-20</a:t>
+              <a:t>2021-04-27</a:t>
             </a:fld>
             <a:endParaRPr lang="ko-KR" altLang="en-US"/>
           </a:p>
@@ -2383,7 +2384,7 @@
           <a:p>
             <a:fld id="{B2C9DBA1-8D4A-4E57-AA66-EB41DF1E3A11}" type="datetimeFigureOut">
               <a:rPr lang="ko-KR" altLang="en-US" smtClean="0"/>
-              <a:t>2021-04-20</a:t>
+              <a:t>2021-04-27</a:t>
             </a:fld>
             <a:endParaRPr lang="ko-KR" altLang="en-US"/>
           </a:p>
@@ -2671,7 +2672,7 @@
           <a:p>
             <a:fld id="{B2C9DBA1-8D4A-4E57-AA66-EB41DF1E3A11}" type="datetimeFigureOut">
               <a:rPr lang="ko-KR" altLang="en-US" smtClean="0"/>
-              <a:t>2021-04-20</a:t>
+              <a:t>2021-04-27</a:t>
             </a:fld>
             <a:endParaRPr lang="ko-KR" altLang="en-US"/>
           </a:p>
@@ -2912,7 +2913,7 @@
           <a:p>
             <a:fld id="{B2C9DBA1-8D4A-4E57-AA66-EB41DF1E3A11}" type="datetimeFigureOut">
               <a:rPr lang="ko-KR" altLang="en-US" smtClean="0"/>
-              <a:t>2021-04-20</a:t>
+              <a:t>2021-04-27</a:t>
             </a:fld>
             <a:endParaRPr lang="ko-KR" altLang="en-US"/>
           </a:p>
@@ -33753,6 +33754,6020 @@
 </p:sld>
 </file>
 
+<file path=ppt/slides/slide5.xml><?xml version="1.0" encoding="utf-8"?>
+<p:sld xmlns:a="http://schemas.openxmlformats.org/drawingml/2006/main" xmlns:r="http://schemas.openxmlformats.org/officeDocument/2006/relationships" xmlns:p="http://schemas.openxmlformats.org/presentationml/2006/main">
+  <p:cSld>
+    <p:spTree>
+      <p:nvGrpSpPr>
+        <p:cNvPr id="1" name=""/>
+        <p:cNvGrpSpPr/>
+        <p:nvPr/>
+      </p:nvGrpSpPr>
+      <p:grpSpPr>
+        <a:xfrm>
+          <a:off x="0" y="0"/>
+          <a:ext cx="0" cy="0"/>
+          <a:chOff x="0" y="0"/>
+          <a:chExt cx="0" cy="0"/>
+        </a:xfrm>
+      </p:grpSpPr>
+      <p:grpSp>
+        <p:nvGrpSpPr>
+          <p:cNvPr id="4" name="Browser" descr="&lt;SmartSettings&gt;&lt;SmartResize enabled=&quot;True&quot; minWidth=&quot;140&quot; minHeight=&quot;50&quot; /&gt;&lt;/SmartSettings&gt;">
+            <a:extLst>
+              <a:ext uri="{FF2B5EF4-FFF2-40B4-BE49-F238E27FC236}">
+                <a16:creationId xmlns:a16="http://schemas.microsoft.com/office/drawing/2014/main" id="{59074261-2948-4FA3-8FEB-E4EC23A2AFFA}"/>
+              </a:ext>
+            </a:extLst>
+          </p:cNvPr>
+          <p:cNvGrpSpPr/>
+          <p:nvPr>
+            <p:custDataLst>
+              <p:tags r:id="rId1"/>
+            </p:custDataLst>
+          </p:nvPr>
+        </p:nvGrpSpPr>
+        <p:grpSpPr>
+          <a:xfrm>
+            <a:off x="1950948" y="218810"/>
+            <a:ext cx="8571458" cy="6420379"/>
+            <a:chOff x="595683" y="1261242"/>
+            <a:chExt cx="6668462" cy="4352543"/>
+          </a:xfrm>
+        </p:grpSpPr>
+        <p:sp>
+          <p:nvSpPr>
+            <p:cNvPr id="5" name="Window Body" descr="&lt;SmartSettings&gt;&lt;SmartResize anchorLeft=&quot;Absolute&quot; anchorTop=&quot;Absolute&quot; anchorRight=&quot;Absolute&quot; anchorBottom=&quot;Absolute&quot; /&gt;&lt;/SmartSettings&gt;">
+              <a:extLst>
+                <a:ext uri="{FF2B5EF4-FFF2-40B4-BE49-F238E27FC236}">
+                  <a16:creationId xmlns:a16="http://schemas.microsoft.com/office/drawing/2014/main" id="{89FC61BC-3F4A-4387-8E49-86DBE3C8A448}"/>
+                </a:ext>
+              </a:extLst>
+            </p:cNvPr>
+            <p:cNvSpPr/>
+            <p:nvPr>
+              <p:custDataLst>
+                <p:tags r:id="rId14"/>
+              </p:custDataLst>
+            </p:nvPr>
+          </p:nvSpPr>
+          <p:spPr>
+            <a:xfrm>
+              <a:off x="595683" y="1623921"/>
+              <a:ext cx="6668462" cy="3989864"/>
+            </a:xfrm>
+            <a:prstGeom prst="rect">
+              <a:avLst/>
+            </a:prstGeom>
+            <a:solidFill>
+              <a:srgbClr val="FFFFFF"/>
+            </a:solidFill>
+            <a:ln w="6350">
+              <a:solidFill>
+                <a:srgbClr val="808080"/>
+              </a:solidFill>
+            </a:ln>
+          </p:spPr>
+          <p:style>
+            <a:lnRef idx="2">
+              <a:schemeClr val="accent1">
+                <a:shade val="50000"/>
+              </a:schemeClr>
+            </a:lnRef>
+            <a:fillRef idx="1">
+              <a:schemeClr val="accent1"/>
+            </a:fillRef>
+            <a:effectRef idx="0">
+              <a:schemeClr val="accent1"/>
+            </a:effectRef>
+            <a:fontRef idx="minor">
+              <a:schemeClr val="lt1"/>
+            </a:fontRef>
+          </p:style>
+          <p:txBody>
+            <a:bodyPr rot="0" spcFirstLastPara="0" vert="horz" wrap="square" lIns="91440" tIns="45720" rIns="91440" bIns="45720" numCol="1" spcCol="0" rtlCol="0" fromWordArt="0" anchor="ctr" anchorCtr="0" forceAA="0" compatLnSpc="1">
+              <a:prstTxWarp prst="textNoShape">
+                <a:avLst/>
+              </a:prstTxWarp>
+              <a:noAutofit/>
+            </a:bodyPr>
+            <a:lstStyle>
+              <a:defPPr>
+                <a:defRPr lang="en-US"/>
+              </a:defPPr>
+              <a:lvl1pPr marL="0" algn="l" defTabSz="914400" rtl="0" eaLnBrk="1" latinLnBrk="0" hangingPunct="1">
+                <a:defRPr sz="1800" kern="1200">
+                  <a:solidFill>
+                    <a:schemeClr val="lt1"/>
+                  </a:solidFill>
+                  <a:latin typeface="+mn-lt"/>
+                  <a:ea typeface="+mn-ea"/>
+                  <a:cs typeface="+mn-cs"/>
+                </a:defRPr>
+              </a:lvl1pPr>
+              <a:lvl2pPr marL="457200" algn="l" defTabSz="914400" rtl="0" eaLnBrk="1" latinLnBrk="0" hangingPunct="1">
+                <a:defRPr sz="1800" kern="1200">
+                  <a:solidFill>
+                    <a:schemeClr val="lt1"/>
+                  </a:solidFill>
+                  <a:latin typeface="+mn-lt"/>
+                  <a:ea typeface="+mn-ea"/>
+                  <a:cs typeface="+mn-cs"/>
+                </a:defRPr>
+              </a:lvl2pPr>
+              <a:lvl3pPr marL="914400" algn="l" defTabSz="914400" rtl="0" eaLnBrk="1" latinLnBrk="0" hangingPunct="1">
+                <a:defRPr sz="1800" kern="1200">
+                  <a:solidFill>
+                    <a:schemeClr val="lt1"/>
+                  </a:solidFill>
+                  <a:latin typeface="+mn-lt"/>
+                  <a:ea typeface="+mn-ea"/>
+                  <a:cs typeface="+mn-cs"/>
+                </a:defRPr>
+              </a:lvl3pPr>
+              <a:lvl4pPr marL="1371600" algn="l" defTabSz="914400" rtl="0" eaLnBrk="1" latinLnBrk="0" hangingPunct="1">
+                <a:defRPr sz="1800" kern="1200">
+                  <a:solidFill>
+                    <a:schemeClr val="lt1"/>
+                  </a:solidFill>
+                  <a:latin typeface="+mn-lt"/>
+                  <a:ea typeface="+mn-ea"/>
+                  <a:cs typeface="+mn-cs"/>
+                </a:defRPr>
+              </a:lvl4pPr>
+              <a:lvl5pPr marL="1828800" algn="l" defTabSz="914400" rtl="0" eaLnBrk="1" latinLnBrk="0" hangingPunct="1">
+                <a:defRPr sz="1800" kern="1200">
+                  <a:solidFill>
+                    <a:schemeClr val="lt1"/>
+                  </a:solidFill>
+                  <a:latin typeface="+mn-lt"/>
+                  <a:ea typeface="+mn-ea"/>
+                  <a:cs typeface="+mn-cs"/>
+                </a:defRPr>
+              </a:lvl5pPr>
+              <a:lvl6pPr marL="2286000" algn="l" defTabSz="914400" rtl="0" eaLnBrk="1" latinLnBrk="0" hangingPunct="1">
+                <a:defRPr sz="1800" kern="1200">
+                  <a:solidFill>
+                    <a:schemeClr val="lt1"/>
+                  </a:solidFill>
+                  <a:latin typeface="+mn-lt"/>
+                  <a:ea typeface="+mn-ea"/>
+                  <a:cs typeface="+mn-cs"/>
+                </a:defRPr>
+              </a:lvl6pPr>
+              <a:lvl7pPr marL="2743200" algn="l" defTabSz="914400" rtl="0" eaLnBrk="1" latinLnBrk="0" hangingPunct="1">
+                <a:defRPr sz="1800" kern="1200">
+                  <a:solidFill>
+                    <a:schemeClr val="lt1"/>
+                  </a:solidFill>
+                  <a:latin typeface="+mn-lt"/>
+                  <a:ea typeface="+mn-ea"/>
+                  <a:cs typeface="+mn-cs"/>
+                </a:defRPr>
+              </a:lvl7pPr>
+              <a:lvl8pPr marL="3200400" algn="l" defTabSz="914400" rtl="0" eaLnBrk="1" latinLnBrk="0" hangingPunct="1">
+                <a:defRPr sz="1800" kern="1200">
+                  <a:solidFill>
+                    <a:schemeClr val="lt1"/>
+                  </a:solidFill>
+                  <a:latin typeface="+mn-lt"/>
+                  <a:ea typeface="+mn-ea"/>
+                  <a:cs typeface="+mn-cs"/>
+                </a:defRPr>
+              </a:lvl8pPr>
+              <a:lvl9pPr marL="3657600" algn="l" defTabSz="914400" rtl="0" eaLnBrk="1" latinLnBrk="0" hangingPunct="1">
+                <a:defRPr sz="1800" kern="1200">
+                  <a:solidFill>
+                    <a:schemeClr val="lt1"/>
+                  </a:solidFill>
+                  <a:latin typeface="+mn-lt"/>
+                  <a:ea typeface="+mn-ea"/>
+                  <a:cs typeface="+mn-cs"/>
+                </a:defRPr>
+              </a:lvl9pPr>
+            </a:lstStyle>
+            <a:p>
+              <a:pPr algn="ctr"/>
+              <a:endParaRPr lang="en-US" sz="900" dirty="0">
+                <a:solidFill>
+                  <a:srgbClr val="5F5F5F"/>
+                </a:solidFill>
+                <a:latin typeface="Segoe UI" panose="020B0502040204020203" pitchFamily="34" charset="0"/>
+                <a:cs typeface="Segoe UI" panose="020B0502040204020203" pitchFamily="34" charset="0"/>
+              </a:endParaRPr>
+            </a:p>
+          </p:txBody>
+        </p:sp>
+        <p:sp>
+          <p:nvSpPr>
+            <p:cNvPr id="6" name="Title Bar" descr="&lt;SmartSettings&gt;&lt;SmartResize anchorLeft=&quot;Absolute&quot; anchorTop=&quot;Absolute&quot; anchorRight=&quot;Absolute&quot; anchorBottom=&quot;None&quot; /&gt;&lt;/SmartSettings&gt;">
+              <a:extLst>
+                <a:ext uri="{FF2B5EF4-FFF2-40B4-BE49-F238E27FC236}">
+                  <a16:creationId xmlns:a16="http://schemas.microsoft.com/office/drawing/2014/main" id="{428812DA-A12A-40E6-A550-E92E4D0EDB8F}"/>
+                </a:ext>
+              </a:extLst>
+            </p:cNvPr>
+            <p:cNvSpPr/>
+            <p:nvPr>
+              <p:custDataLst>
+                <p:tags r:id="rId15"/>
+              </p:custDataLst>
+            </p:nvPr>
+          </p:nvSpPr>
+          <p:spPr>
+            <a:xfrm>
+              <a:off x="595684" y="1261242"/>
+              <a:ext cx="6668461" cy="364099"/>
+            </a:xfrm>
+            <a:prstGeom prst="rect">
+              <a:avLst/>
+            </a:prstGeom>
+            <a:solidFill>
+              <a:srgbClr val="FFFFFF"/>
+            </a:solidFill>
+            <a:ln w="6350">
+              <a:solidFill>
+                <a:srgbClr val="808080"/>
+              </a:solidFill>
+            </a:ln>
+          </p:spPr>
+          <p:style>
+            <a:lnRef idx="2">
+              <a:schemeClr val="accent1">
+                <a:shade val="50000"/>
+              </a:schemeClr>
+            </a:lnRef>
+            <a:fillRef idx="1">
+              <a:schemeClr val="accent1"/>
+            </a:fillRef>
+            <a:effectRef idx="0">
+              <a:schemeClr val="accent1"/>
+            </a:effectRef>
+            <a:fontRef idx="minor">
+              <a:schemeClr val="lt1"/>
+            </a:fontRef>
+          </p:style>
+          <p:txBody>
+            <a:bodyPr rot="0" spcFirstLastPara="0" vert="horz" wrap="square" lIns="91440" tIns="45720" rIns="228600" bIns="45720" numCol="1" spcCol="0" rtlCol="0" fromWordArt="0" anchor="t" anchorCtr="0" forceAA="0" compatLnSpc="1">
+              <a:prstTxWarp prst="textNoShape">
+                <a:avLst/>
+              </a:prstTxWarp>
+              <a:noAutofit/>
+            </a:bodyPr>
+            <a:lstStyle>
+              <a:defPPr>
+                <a:defRPr lang="en-US"/>
+              </a:defPPr>
+              <a:lvl1pPr marL="0" algn="l" defTabSz="914400" rtl="0" eaLnBrk="1" latinLnBrk="0" hangingPunct="1">
+                <a:defRPr sz="1800" kern="1200">
+                  <a:solidFill>
+                    <a:schemeClr val="lt1"/>
+                  </a:solidFill>
+                  <a:latin typeface="+mn-lt"/>
+                  <a:ea typeface="+mn-ea"/>
+                  <a:cs typeface="+mn-cs"/>
+                </a:defRPr>
+              </a:lvl1pPr>
+              <a:lvl2pPr marL="457200" algn="l" defTabSz="914400" rtl="0" eaLnBrk="1" latinLnBrk="0" hangingPunct="1">
+                <a:defRPr sz="1800" kern="1200">
+                  <a:solidFill>
+                    <a:schemeClr val="lt1"/>
+                  </a:solidFill>
+                  <a:latin typeface="+mn-lt"/>
+                  <a:ea typeface="+mn-ea"/>
+                  <a:cs typeface="+mn-cs"/>
+                </a:defRPr>
+              </a:lvl2pPr>
+              <a:lvl3pPr marL="914400" algn="l" defTabSz="914400" rtl="0" eaLnBrk="1" latinLnBrk="0" hangingPunct="1">
+                <a:defRPr sz="1800" kern="1200">
+                  <a:solidFill>
+                    <a:schemeClr val="lt1"/>
+                  </a:solidFill>
+                  <a:latin typeface="+mn-lt"/>
+                  <a:ea typeface="+mn-ea"/>
+                  <a:cs typeface="+mn-cs"/>
+                </a:defRPr>
+              </a:lvl3pPr>
+              <a:lvl4pPr marL="1371600" algn="l" defTabSz="914400" rtl="0" eaLnBrk="1" latinLnBrk="0" hangingPunct="1">
+                <a:defRPr sz="1800" kern="1200">
+                  <a:solidFill>
+                    <a:schemeClr val="lt1"/>
+                  </a:solidFill>
+                  <a:latin typeface="+mn-lt"/>
+                  <a:ea typeface="+mn-ea"/>
+                  <a:cs typeface="+mn-cs"/>
+                </a:defRPr>
+              </a:lvl4pPr>
+              <a:lvl5pPr marL="1828800" algn="l" defTabSz="914400" rtl="0" eaLnBrk="1" latinLnBrk="0" hangingPunct="1">
+                <a:defRPr sz="1800" kern="1200">
+                  <a:solidFill>
+                    <a:schemeClr val="lt1"/>
+                  </a:solidFill>
+                  <a:latin typeface="+mn-lt"/>
+                  <a:ea typeface="+mn-ea"/>
+                  <a:cs typeface="+mn-cs"/>
+                </a:defRPr>
+              </a:lvl5pPr>
+              <a:lvl6pPr marL="2286000" algn="l" defTabSz="914400" rtl="0" eaLnBrk="1" latinLnBrk="0" hangingPunct="1">
+                <a:defRPr sz="1800" kern="1200">
+                  <a:solidFill>
+                    <a:schemeClr val="lt1"/>
+                  </a:solidFill>
+                  <a:latin typeface="+mn-lt"/>
+                  <a:ea typeface="+mn-ea"/>
+                  <a:cs typeface="+mn-cs"/>
+                </a:defRPr>
+              </a:lvl6pPr>
+              <a:lvl7pPr marL="2743200" algn="l" defTabSz="914400" rtl="0" eaLnBrk="1" latinLnBrk="0" hangingPunct="1">
+                <a:defRPr sz="1800" kern="1200">
+                  <a:solidFill>
+                    <a:schemeClr val="lt1"/>
+                  </a:solidFill>
+                  <a:latin typeface="+mn-lt"/>
+                  <a:ea typeface="+mn-ea"/>
+                  <a:cs typeface="+mn-cs"/>
+                </a:defRPr>
+              </a:lvl7pPr>
+              <a:lvl8pPr marL="3200400" algn="l" defTabSz="914400" rtl="0" eaLnBrk="1" latinLnBrk="0" hangingPunct="1">
+                <a:defRPr sz="1800" kern="1200">
+                  <a:solidFill>
+                    <a:schemeClr val="lt1"/>
+                  </a:solidFill>
+                  <a:latin typeface="+mn-lt"/>
+                  <a:ea typeface="+mn-ea"/>
+                  <a:cs typeface="+mn-cs"/>
+                </a:defRPr>
+              </a:lvl8pPr>
+              <a:lvl9pPr marL="3657600" algn="l" defTabSz="914400" rtl="0" eaLnBrk="1" latinLnBrk="0" hangingPunct="1">
+                <a:defRPr sz="1800" kern="1200">
+                  <a:solidFill>
+                    <a:schemeClr val="lt1"/>
+                  </a:solidFill>
+                  <a:latin typeface="+mn-lt"/>
+                  <a:ea typeface="+mn-ea"/>
+                  <a:cs typeface="+mn-cs"/>
+                </a:defRPr>
+              </a:lvl9pPr>
+            </a:lstStyle>
+            <a:p>
+              <a:r>
+                <a:rPr lang="en-US" sz="900" dirty="0">
+                  <a:solidFill>
+                    <a:srgbClr val="5F5F5F"/>
+                  </a:solidFill>
+                  <a:latin typeface="Segoe UI" panose="020B0502040204020203" pitchFamily="34" charset="0"/>
+                  <a:cs typeface="Segoe UI" panose="020B0502040204020203" pitchFamily="34" charset="0"/>
+                </a:rPr>
+                <a:t>Browser</a:t>
+              </a:r>
+            </a:p>
+          </p:txBody>
+        </p:sp>
+        <p:sp>
+          <p:nvSpPr>
+            <p:cNvPr id="7" name="Menu Button" descr="&lt;SmartSettings&gt;&lt;SmartResize anchorLeft=&quot;None&quot; anchorTop=&quot;Absolute&quot; anchorRight=&quot;Absolute&quot; anchorBottom=&quot;None&quot; /&gt;&lt;/SmartSettings&gt;">
+              <a:extLst>
+                <a:ext uri="{FF2B5EF4-FFF2-40B4-BE49-F238E27FC236}">
+                  <a16:creationId xmlns:a16="http://schemas.microsoft.com/office/drawing/2014/main" id="{EB35F7EF-B88E-48F4-9F75-D031AEE987C3}"/>
+                </a:ext>
+              </a:extLst>
+            </p:cNvPr>
+            <p:cNvSpPr>
+              <a:spLocks noChangeAspect="1" noEditPoints="1"/>
+            </p:cNvSpPr>
+            <p:nvPr>
+              <p:custDataLst>
+                <p:tags r:id="rId16"/>
+              </p:custDataLst>
+            </p:nvPr>
+          </p:nvSpPr>
+          <p:spPr bwMode="auto">
+            <a:xfrm>
+              <a:off x="7079076" y="1469745"/>
+              <a:ext cx="116095" cy="76411"/>
+            </a:xfrm>
+            <a:custGeom>
+              <a:avLst/>
+              <a:gdLst>
+                <a:gd name="T0" fmla="*/ 0 w 415"/>
+                <a:gd name="T1" fmla="*/ 309 h 309"/>
+                <a:gd name="T2" fmla="*/ 415 w 415"/>
+                <a:gd name="T3" fmla="*/ 309 h 309"/>
+                <a:gd name="T4" fmla="*/ 0 w 415"/>
+                <a:gd name="T5" fmla="*/ 155 h 309"/>
+                <a:gd name="T6" fmla="*/ 415 w 415"/>
+                <a:gd name="T7" fmla="*/ 155 h 309"/>
+                <a:gd name="T8" fmla="*/ 0 w 415"/>
+                <a:gd name="T9" fmla="*/ 0 h 309"/>
+                <a:gd name="T10" fmla="*/ 415 w 415"/>
+                <a:gd name="T11" fmla="*/ 0 h 309"/>
+              </a:gdLst>
+              <a:ahLst/>
+              <a:cxnLst>
+                <a:cxn ang="0">
+                  <a:pos x="T0" y="T1"/>
+                </a:cxn>
+                <a:cxn ang="0">
+                  <a:pos x="T2" y="T3"/>
+                </a:cxn>
+                <a:cxn ang="0">
+                  <a:pos x="T4" y="T5"/>
+                </a:cxn>
+                <a:cxn ang="0">
+                  <a:pos x="T6" y="T7"/>
+                </a:cxn>
+                <a:cxn ang="0">
+                  <a:pos x="T8" y="T9"/>
+                </a:cxn>
+                <a:cxn ang="0">
+                  <a:pos x="T10" y="T11"/>
+                </a:cxn>
+              </a:cxnLst>
+              <a:rect l="0" t="0" r="r" b="b"/>
+              <a:pathLst>
+                <a:path w="415" h="309">
+                  <a:moveTo>
+                    <a:pt x="0" y="309"/>
+                  </a:moveTo>
+                  <a:lnTo>
+                    <a:pt x="415" y="309"/>
+                  </a:lnTo>
+                  <a:moveTo>
+                    <a:pt x="0" y="155"/>
+                  </a:moveTo>
+                  <a:lnTo>
+                    <a:pt x="415" y="155"/>
+                  </a:lnTo>
+                  <a:moveTo>
+                    <a:pt x="0" y="0"/>
+                  </a:moveTo>
+                  <a:lnTo>
+                    <a:pt x="415" y="0"/>
+                  </a:lnTo>
+                </a:path>
+              </a:pathLst>
+            </a:custGeom>
+            <a:noFill/>
+            <a:ln w="6350" cap="flat">
+              <a:solidFill>
+                <a:srgbClr val="808080"/>
+              </a:solidFill>
+              <a:prstDash val="solid"/>
+              <a:miter lim="800000"/>
+              <a:headEnd/>
+              <a:tailEnd/>
+            </a:ln>
+            <a:extLst>
+              <a:ext uri="{909E8E84-426E-40DD-AFC4-6F175D3DCCD1}">
+                <a14:hiddenFill xmlns:a14="http://schemas.microsoft.com/office/drawing/2010/main">
+                  <a:solidFill>
+                    <a:srgbClr val="FFFFFF"/>
+                  </a:solidFill>
+                </a14:hiddenFill>
+              </a:ext>
+            </a:extLst>
+          </p:spPr>
+          <p:txBody>
+            <a:bodyPr vert="horz" wrap="square" lIns="91440" tIns="45720" rIns="91440" bIns="45720" numCol="1" anchor="t" anchorCtr="0" compatLnSpc="1">
+              <a:prstTxWarp prst="textNoShape">
+                <a:avLst/>
+              </a:prstTxWarp>
+            </a:bodyPr>
+            <a:lstStyle>
+              <a:defPPr>
+                <a:defRPr lang="en-US"/>
+              </a:defPPr>
+              <a:lvl1pPr marL="0" algn="l" defTabSz="914400" rtl="0" eaLnBrk="1" latinLnBrk="0" hangingPunct="1">
+                <a:defRPr sz="1800" kern="1200">
+                  <a:solidFill>
+                    <a:schemeClr val="tx1"/>
+                  </a:solidFill>
+                  <a:latin typeface="+mn-lt"/>
+                  <a:ea typeface="+mn-ea"/>
+                  <a:cs typeface="+mn-cs"/>
+                </a:defRPr>
+              </a:lvl1pPr>
+              <a:lvl2pPr marL="457200" algn="l" defTabSz="914400" rtl="0" eaLnBrk="1" latinLnBrk="0" hangingPunct="1">
+                <a:defRPr sz="1800" kern="1200">
+                  <a:solidFill>
+                    <a:schemeClr val="tx1"/>
+                  </a:solidFill>
+                  <a:latin typeface="+mn-lt"/>
+                  <a:ea typeface="+mn-ea"/>
+                  <a:cs typeface="+mn-cs"/>
+                </a:defRPr>
+              </a:lvl2pPr>
+              <a:lvl3pPr marL="914400" algn="l" defTabSz="914400" rtl="0" eaLnBrk="1" latinLnBrk="0" hangingPunct="1">
+                <a:defRPr sz="1800" kern="1200">
+                  <a:solidFill>
+                    <a:schemeClr val="tx1"/>
+                  </a:solidFill>
+                  <a:latin typeface="+mn-lt"/>
+                  <a:ea typeface="+mn-ea"/>
+                  <a:cs typeface="+mn-cs"/>
+                </a:defRPr>
+              </a:lvl3pPr>
+              <a:lvl4pPr marL="1371600" algn="l" defTabSz="914400" rtl="0" eaLnBrk="1" latinLnBrk="0" hangingPunct="1">
+                <a:defRPr sz="1800" kern="1200">
+                  <a:solidFill>
+                    <a:schemeClr val="tx1"/>
+                  </a:solidFill>
+                  <a:latin typeface="+mn-lt"/>
+                  <a:ea typeface="+mn-ea"/>
+                  <a:cs typeface="+mn-cs"/>
+                </a:defRPr>
+              </a:lvl4pPr>
+              <a:lvl5pPr marL="1828800" algn="l" defTabSz="914400" rtl="0" eaLnBrk="1" latinLnBrk="0" hangingPunct="1">
+                <a:defRPr sz="1800" kern="1200">
+                  <a:solidFill>
+                    <a:schemeClr val="tx1"/>
+                  </a:solidFill>
+                  <a:latin typeface="+mn-lt"/>
+                  <a:ea typeface="+mn-ea"/>
+                  <a:cs typeface="+mn-cs"/>
+                </a:defRPr>
+              </a:lvl5pPr>
+              <a:lvl6pPr marL="2286000" algn="l" defTabSz="914400" rtl="0" eaLnBrk="1" latinLnBrk="0" hangingPunct="1">
+                <a:defRPr sz="1800" kern="1200">
+                  <a:solidFill>
+                    <a:schemeClr val="tx1"/>
+                  </a:solidFill>
+                  <a:latin typeface="+mn-lt"/>
+                  <a:ea typeface="+mn-ea"/>
+                  <a:cs typeface="+mn-cs"/>
+                </a:defRPr>
+              </a:lvl6pPr>
+              <a:lvl7pPr marL="2743200" algn="l" defTabSz="914400" rtl="0" eaLnBrk="1" latinLnBrk="0" hangingPunct="1">
+                <a:defRPr sz="1800" kern="1200">
+                  <a:solidFill>
+                    <a:schemeClr val="tx1"/>
+                  </a:solidFill>
+                  <a:latin typeface="+mn-lt"/>
+                  <a:ea typeface="+mn-ea"/>
+                  <a:cs typeface="+mn-cs"/>
+                </a:defRPr>
+              </a:lvl7pPr>
+              <a:lvl8pPr marL="3200400" algn="l" defTabSz="914400" rtl="0" eaLnBrk="1" latinLnBrk="0" hangingPunct="1">
+                <a:defRPr sz="1800" kern="1200">
+                  <a:solidFill>
+                    <a:schemeClr val="tx1"/>
+                  </a:solidFill>
+                  <a:latin typeface="+mn-lt"/>
+                  <a:ea typeface="+mn-ea"/>
+                  <a:cs typeface="+mn-cs"/>
+                </a:defRPr>
+              </a:lvl8pPr>
+              <a:lvl9pPr marL="3657600" algn="l" defTabSz="914400" rtl="0" eaLnBrk="1" latinLnBrk="0" hangingPunct="1">
+                <a:defRPr sz="1800" kern="1200">
+                  <a:solidFill>
+                    <a:schemeClr val="tx1"/>
+                  </a:solidFill>
+                  <a:latin typeface="+mn-lt"/>
+                  <a:ea typeface="+mn-ea"/>
+                  <a:cs typeface="+mn-cs"/>
+                </a:defRPr>
+              </a:lvl9pPr>
+            </a:lstStyle>
+            <a:p>
+              <a:endParaRPr lang="en-US">
+                <a:solidFill>
+                  <a:srgbClr val="5F5F5F"/>
+                </a:solidFill>
+                <a:latin typeface="Segoe UI" panose="020B0502040204020203" pitchFamily="34" charset="0"/>
+                <a:cs typeface="Segoe UI" panose="020B0502040204020203" pitchFamily="34" charset="0"/>
+              </a:endParaRPr>
+            </a:p>
+          </p:txBody>
+        </p:sp>
+        <p:sp>
+          <p:nvSpPr>
+            <p:cNvPr id="8" name="Close Button" descr="&lt;SmartSettings&gt;&lt;SmartResize anchorLeft=&quot;None&quot; anchorTop=&quot;Absolute&quot; anchorRight=&quot;Absolute&quot; anchorBottom=&quot;None&quot; /&gt;&lt;/SmartSettings&gt;">
+              <a:extLst>
+                <a:ext uri="{FF2B5EF4-FFF2-40B4-BE49-F238E27FC236}">
+                  <a16:creationId xmlns:a16="http://schemas.microsoft.com/office/drawing/2014/main" id="{6EB75456-0E8B-44FD-A966-A44B5DC7E05A}"/>
+                </a:ext>
+              </a:extLst>
+            </p:cNvPr>
+            <p:cNvSpPr>
+              <a:spLocks noEditPoints="1"/>
+            </p:cNvSpPr>
+            <p:nvPr>
+              <p:custDataLst>
+                <p:tags r:id="rId17"/>
+              </p:custDataLst>
+            </p:nvPr>
+          </p:nvSpPr>
+          <p:spPr bwMode="auto">
+            <a:xfrm>
+              <a:off x="7100081" y="1309542"/>
+              <a:ext cx="76573" cy="64572"/>
+            </a:xfrm>
+            <a:custGeom>
+              <a:avLst/>
+              <a:gdLst>
+                <a:gd name="T0" fmla="*/ 254 w 254"/>
+                <a:gd name="T1" fmla="*/ 0 h 254"/>
+                <a:gd name="T2" fmla="*/ 0 w 254"/>
+                <a:gd name="T3" fmla="*/ 254 h 254"/>
+                <a:gd name="T4" fmla="*/ 0 w 254"/>
+                <a:gd name="T5" fmla="*/ 0 h 254"/>
+                <a:gd name="T6" fmla="*/ 254 w 254"/>
+                <a:gd name="T7" fmla="*/ 254 h 254"/>
+              </a:gdLst>
+              <a:ahLst/>
+              <a:cxnLst>
+                <a:cxn ang="0">
+                  <a:pos x="T0" y="T1"/>
+                </a:cxn>
+                <a:cxn ang="0">
+                  <a:pos x="T2" y="T3"/>
+                </a:cxn>
+                <a:cxn ang="0">
+                  <a:pos x="T4" y="T5"/>
+                </a:cxn>
+                <a:cxn ang="0">
+                  <a:pos x="T6" y="T7"/>
+                </a:cxn>
+              </a:cxnLst>
+              <a:rect l="0" t="0" r="r" b="b"/>
+              <a:pathLst>
+                <a:path w="254" h="254">
+                  <a:moveTo>
+                    <a:pt x="254" y="0"/>
+                  </a:moveTo>
+                  <a:lnTo>
+                    <a:pt x="0" y="254"/>
+                  </a:lnTo>
+                  <a:moveTo>
+                    <a:pt x="0" y="0"/>
+                  </a:moveTo>
+                  <a:lnTo>
+                    <a:pt x="254" y="254"/>
+                  </a:lnTo>
+                </a:path>
+              </a:pathLst>
+            </a:custGeom>
+            <a:noFill/>
+            <a:ln w="9525" cap="flat">
+              <a:solidFill>
+                <a:srgbClr val="808080"/>
+              </a:solidFill>
+              <a:prstDash val="solid"/>
+              <a:miter lim="800000"/>
+              <a:headEnd/>
+              <a:tailEnd/>
+            </a:ln>
+            <a:extLst>
+              <a:ext uri="{909E8E84-426E-40DD-AFC4-6F175D3DCCD1}">
+                <a14:hiddenFill xmlns:a14="http://schemas.microsoft.com/office/drawing/2010/main">
+                  <a:solidFill>
+                    <a:srgbClr val="FFFFFF"/>
+                  </a:solidFill>
+                </a14:hiddenFill>
+              </a:ext>
+            </a:extLst>
+          </p:spPr>
+          <p:txBody>
+            <a:bodyPr vert="horz" wrap="square" lIns="91440" tIns="45720" rIns="91440" bIns="45720" numCol="1" anchor="t" anchorCtr="0" compatLnSpc="1">
+              <a:prstTxWarp prst="textNoShape">
+                <a:avLst/>
+              </a:prstTxWarp>
+            </a:bodyPr>
+            <a:lstStyle>
+              <a:defPPr>
+                <a:defRPr lang="en-US"/>
+              </a:defPPr>
+              <a:lvl1pPr marL="0" algn="l" defTabSz="914400" rtl="0" eaLnBrk="1" latinLnBrk="0" hangingPunct="1">
+                <a:defRPr sz="1800" kern="1200">
+                  <a:solidFill>
+                    <a:schemeClr val="tx1"/>
+                  </a:solidFill>
+                  <a:latin typeface="+mn-lt"/>
+                  <a:ea typeface="+mn-ea"/>
+                  <a:cs typeface="+mn-cs"/>
+                </a:defRPr>
+              </a:lvl1pPr>
+              <a:lvl2pPr marL="457200" algn="l" defTabSz="914400" rtl="0" eaLnBrk="1" latinLnBrk="0" hangingPunct="1">
+                <a:defRPr sz="1800" kern="1200">
+                  <a:solidFill>
+                    <a:schemeClr val="tx1"/>
+                  </a:solidFill>
+                  <a:latin typeface="+mn-lt"/>
+                  <a:ea typeface="+mn-ea"/>
+                  <a:cs typeface="+mn-cs"/>
+                </a:defRPr>
+              </a:lvl2pPr>
+              <a:lvl3pPr marL="914400" algn="l" defTabSz="914400" rtl="0" eaLnBrk="1" latinLnBrk="0" hangingPunct="1">
+                <a:defRPr sz="1800" kern="1200">
+                  <a:solidFill>
+                    <a:schemeClr val="tx1"/>
+                  </a:solidFill>
+                  <a:latin typeface="+mn-lt"/>
+                  <a:ea typeface="+mn-ea"/>
+                  <a:cs typeface="+mn-cs"/>
+                </a:defRPr>
+              </a:lvl3pPr>
+              <a:lvl4pPr marL="1371600" algn="l" defTabSz="914400" rtl="0" eaLnBrk="1" latinLnBrk="0" hangingPunct="1">
+                <a:defRPr sz="1800" kern="1200">
+                  <a:solidFill>
+                    <a:schemeClr val="tx1"/>
+                  </a:solidFill>
+                  <a:latin typeface="+mn-lt"/>
+                  <a:ea typeface="+mn-ea"/>
+                  <a:cs typeface="+mn-cs"/>
+                </a:defRPr>
+              </a:lvl4pPr>
+              <a:lvl5pPr marL="1828800" algn="l" defTabSz="914400" rtl="0" eaLnBrk="1" latinLnBrk="0" hangingPunct="1">
+                <a:defRPr sz="1800" kern="1200">
+                  <a:solidFill>
+                    <a:schemeClr val="tx1"/>
+                  </a:solidFill>
+                  <a:latin typeface="+mn-lt"/>
+                  <a:ea typeface="+mn-ea"/>
+                  <a:cs typeface="+mn-cs"/>
+                </a:defRPr>
+              </a:lvl5pPr>
+              <a:lvl6pPr marL="2286000" algn="l" defTabSz="914400" rtl="0" eaLnBrk="1" latinLnBrk="0" hangingPunct="1">
+                <a:defRPr sz="1800" kern="1200">
+                  <a:solidFill>
+                    <a:schemeClr val="tx1"/>
+                  </a:solidFill>
+                  <a:latin typeface="+mn-lt"/>
+                  <a:ea typeface="+mn-ea"/>
+                  <a:cs typeface="+mn-cs"/>
+                </a:defRPr>
+              </a:lvl6pPr>
+              <a:lvl7pPr marL="2743200" algn="l" defTabSz="914400" rtl="0" eaLnBrk="1" latinLnBrk="0" hangingPunct="1">
+                <a:defRPr sz="1800" kern="1200">
+                  <a:solidFill>
+                    <a:schemeClr val="tx1"/>
+                  </a:solidFill>
+                  <a:latin typeface="+mn-lt"/>
+                  <a:ea typeface="+mn-ea"/>
+                  <a:cs typeface="+mn-cs"/>
+                </a:defRPr>
+              </a:lvl7pPr>
+              <a:lvl8pPr marL="3200400" algn="l" defTabSz="914400" rtl="0" eaLnBrk="1" latinLnBrk="0" hangingPunct="1">
+                <a:defRPr sz="1800" kern="1200">
+                  <a:solidFill>
+                    <a:schemeClr val="tx1"/>
+                  </a:solidFill>
+                  <a:latin typeface="+mn-lt"/>
+                  <a:ea typeface="+mn-ea"/>
+                  <a:cs typeface="+mn-cs"/>
+                </a:defRPr>
+              </a:lvl8pPr>
+              <a:lvl9pPr marL="3657600" algn="l" defTabSz="914400" rtl="0" eaLnBrk="1" latinLnBrk="0" hangingPunct="1">
+                <a:defRPr sz="1800" kern="1200">
+                  <a:solidFill>
+                    <a:schemeClr val="tx1"/>
+                  </a:solidFill>
+                  <a:latin typeface="+mn-lt"/>
+                  <a:ea typeface="+mn-ea"/>
+                  <a:cs typeface="+mn-cs"/>
+                </a:defRPr>
+              </a:lvl9pPr>
+            </a:lstStyle>
+            <a:p>
+              <a:endParaRPr lang="en-US">
+                <a:solidFill>
+                  <a:srgbClr val="5F5F5F"/>
+                </a:solidFill>
+                <a:latin typeface="Segoe UI" panose="020B0502040204020203" pitchFamily="34" charset="0"/>
+                <a:cs typeface="Segoe UI" panose="020B0502040204020203" pitchFamily="34" charset="0"/>
+              </a:endParaRPr>
+            </a:p>
+          </p:txBody>
+        </p:sp>
+        <p:sp>
+          <p:nvSpPr>
+            <p:cNvPr id="9" name="Address Box" descr="&lt;SmartSettings&gt;&lt;SmartResize anchorLeft=&quot;Absolute&quot; anchorTop=&quot;Absolute&quot; anchorRight=&quot;Absolute&quot; anchorBottom=&quot;None&quot; /&gt;&lt;/SmartSettings&gt;">
+              <a:extLst>
+                <a:ext uri="{FF2B5EF4-FFF2-40B4-BE49-F238E27FC236}">
+                  <a16:creationId xmlns:a16="http://schemas.microsoft.com/office/drawing/2014/main" id="{0AD44259-25D0-45CB-8874-76349C377B50}"/>
+                </a:ext>
+              </a:extLst>
+            </p:cNvPr>
+            <p:cNvSpPr/>
+            <p:nvPr>
+              <p:custDataLst>
+                <p:tags r:id="rId18"/>
+              </p:custDataLst>
+            </p:nvPr>
+          </p:nvSpPr>
+          <p:spPr>
+            <a:xfrm>
+              <a:off x="1298138" y="1427364"/>
+              <a:ext cx="5711965" cy="161173"/>
+            </a:xfrm>
+            <a:prstGeom prst="rect">
+              <a:avLst/>
+            </a:prstGeom>
+            <a:solidFill>
+              <a:srgbClr val="FFFFFF"/>
+            </a:solidFill>
+            <a:ln w="6350">
+              <a:solidFill>
+                <a:srgbClr val="808080"/>
+              </a:solidFill>
+            </a:ln>
+          </p:spPr>
+          <p:style>
+            <a:lnRef idx="2">
+              <a:schemeClr val="accent1">
+                <a:shade val="50000"/>
+              </a:schemeClr>
+            </a:lnRef>
+            <a:fillRef idx="1">
+              <a:schemeClr val="accent1"/>
+            </a:fillRef>
+            <a:effectRef idx="0">
+              <a:schemeClr val="accent1"/>
+            </a:effectRef>
+            <a:fontRef idx="minor">
+              <a:schemeClr val="lt1"/>
+            </a:fontRef>
+          </p:style>
+          <p:txBody>
+            <a:bodyPr rot="0" spcFirstLastPara="0" vert="horz" wrap="square" lIns="237744" tIns="45720" rIns="91440" bIns="45720" numCol="1" spcCol="0" rtlCol="0" fromWordArt="0" anchor="ctr" anchorCtr="0" forceAA="0" compatLnSpc="1">
+              <a:prstTxWarp prst="textNoShape">
+                <a:avLst/>
+              </a:prstTxWarp>
+              <a:noAutofit/>
+            </a:bodyPr>
+            <a:lstStyle>
+              <a:defPPr>
+                <a:defRPr lang="en-US"/>
+              </a:defPPr>
+              <a:lvl1pPr marL="0" algn="l" defTabSz="914400" rtl="0" eaLnBrk="1" latinLnBrk="0" hangingPunct="1">
+                <a:defRPr sz="1800" kern="1200">
+                  <a:solidFill>
+                    <a:schemeClr val="lt1"/>
+                  </a:solidFill>
+                  <a:latin typeface="+mn-lt"/>
+                  <a:ea typeface="+mn-ea"/>
+                  <a:cs typeface="+mn-cs"/>
+                </a:defRPr>
+              </a:lvl1pPr>
+              <a:lvl2pPr marL="457200" algn="l" defTabSz="914400" rtl="0" eaLnBrk="1" latinLnBrk="0" hangingPunct="1">
+                <a:defRPr sz="1800" kern="1200">
+                  <a:solidFill>
+                    <a:schemeClr val="lt1"/>
+                  </a:solidFill>
+                  <a:latin typeface="+mn-lt"/>
+                  <a:ea typeface="+mn-ea"/>
+                  <a:cs typeface="+mn-cs"/>
+                </a:defRPr>
+              </a:lvl2pPr>
+              <a:lvl3pPr marL="914400" algn="l" defTabSz="914400" rtl="0" eaLnBrk="1" latinLnBrk="0" hangingPunct="1">
+                <a:defRPr sz="1800" kern="1200">
+                  <a:solidFill>
+                    <a:schemeClr val="lt1"/>
+                  </a:solidFill>
+                  <a:latin typeface="+mn-lt"/>
+                  <a:ea typeface="+mn-ea"/>
+                  <a:cs typeface="+mn-cs"/>
+                </a:defRPr>
+              </a:lvl3pPr>
+              <a:lvl4pPr marL="1371600" algn="l" defTabSz="914400" rtl="0" eaLnBrk="1" latinLnBrk="0" hangingPunct="1">
+                <a:defRPr sz="1800" kern="1200">
+                  <a:solidFill>
+                    <a:schemeClr val="lt1"/>
+                  </a:solidFill>
+                  <a:latin typeface="+mn-lt"/>
+                  <a:ea typeface="+mn-ea"/>
+                  <a:cs typeface="+mn-cs"/>
+                </a:defRPr>
+              </a:lvl4pPr>
+              <a:lvl5pPr marL="1828800" algn="l" defTabSz="914400" rtl="0" eaLnBrk="1" latinLnBrk="0" hangingPunct="1">
+                <a:defRPr sz="1800" kern="1200">
+                  <a:solidFill>
+                    <a:schemeClr val="lt1"/>
+                  </a:solidFill>
+                  <a:latin typeface="+mn-lt"/>
+                  <a:ea typeface="+mn-ea"/>
+                  <a:cs typeface="+mn-cs"/>
+                </a:defRPr>
+              </a:lvl5pPr>
+              <a:lvl6pPr marL="2286000" algn="l" defTabSz="914400" rtl="0" eaLnBrk="1" latinLnBrk="0" hangingPunct="1">
+                <a:defRPr sz="1800" kern="1200">
+                  <a:solidFill>
+                    <a:schemeClr val="lt1"/>
+                  </a:solidFill>
+                  <a:latin typeface="+mn-lt"/>
+                  <a:ea typeface="+mn-ea"/>
+                  <a:cs typeface="+mn-cs"/>
+                </a:defRPr>
+              </a:lvl6pPr>
+              <a:lvl7pPr marL="2743200" algn="l" defTabSz="914400" rtl="0" eaLnBrk="1" latinLnBrk="0" hangingPunct="1">
+                <a:defRPr sz="1800" kern="1200">
+                  <a:solidFill>
+                    <a:schemeClr val="lt1"/>
+                  </a:solidFill>
+                  <a:latin typeface="+mn-lt"/>
+                  <a:ea typeface="+mn-ea"/>
+                  <a:cs typeface="+mn-cs"/>
+                </a:defRPr>
+              </a:lvl7pPr>
+              <a:lvl8pPr marL="3200400" algn="l" defTabSz="914400" rtl="0" eaLnBrk="1" latinLnBrk="0" hangingPunct="1">
+                <a:defRPr sz="1800" kern="1200">
+                  <a:solidFill>
+                    <a:schemeClr val="lt1"/>
+                  </a:solidFill>
+                  <a:latin typeface="+mn-lt"/>
+                  <a:ea typeface="+mn-ea"/>
+                  <a:cs typeface="+mn-cs"/>
+                </a:defRPr>
+              </a:lvl8pPr>
+              <a:lvl9pPr marL="3657600" algn="l" defTabSz="914400" rtl="0" eaLnBrk="1" latinLnBrk="0" hangingPunct="1">
+                <a:defRPr sz="1800" kern="1200">
+                  <a:solidFill>
+                    <a:schemeClr val="lt1"/>
+                  </a:solidFill>
+                  <a:latin typeface="+mn-lt"/>
+                  <a:ea typeface="+mn-ea"/>
+                  <a:cs typeface="+mn-cs"/>
+                </a:defRPr>
+              </a:lvl9pPr>
+            </a:lstStyle>
+            <a:p>
+              <a:r>
+                <a:rPr lang="en-US" sz="900" noProof="1">
+                  <a:solidFill>
+                    <a:srgbClr val="5F5F5F"/>
+                  </a:solidFill>
+                  <a:latin typeface="Segoe UI" panose="020B0502040204020203" pitchFamily="34" charset="0"/>
+                  <a:cs typeface="Segoe UI" panose="020B0502040204020203" pitchFamily="34" charset="0"/>
+                </a:rPr>
+                <a:t>www.example.com</a:t>
+              </a:r>
+            </a:p>
+          </p:txBody>
+        </p:sp>
+        <p:sp>
+          <p:nvSpPr>
+            <p:cNvPr id="10" name="Document Icon" descr="&lt;SmartSettings&gt;&lt;SmartResize anchorLeft=&quot;Absolute&quot; anchorTop=&quot;Absolute&quot; anchorRight=&quot;None&quot; anchorBottom=&quot;None&quot; /&gt;&lt;/SmartSettings&gt;">
+              <a:extLst>
+                <a:ext uri="{FF2B5EF4-FFF2-40B4-BE49-F238E27FC236}">
+                  <a16:creationId xmlns:a16="http://schemas.microsoft.com/office/drawing/2014/main" id="{AAAFAE31-7749-4E69-93CC-B2D6512D93E1}"/>
+                </a:ext>
+              </a:extLst>
+            </p:cNvPr>
+            <p:cNvSpPr>
+              <a:spLocks noChangeAspect="1" noEditPoints="1"/>
+            </p:cNvSpPr>
+            <p:nvPr>
+              <p:custDataLst>
+                <p:tags r:id="rId19"/>
+              </p:custDataLst>
+            </p:nvPr>
+          </p:nvSpPr>
+          <p:spPr bwMode="auto">
+            <a:xfrm>
+              <a:off x="1357361" y="1462748"/>
+              <a:ext cx="72868" cy="90401"/>
+            </a:xfrm>
+            <a:custGeom>
+              <a:avLst/>
+              <a:gdLst>
+                <a:gd name="T0" fmla="*/ 153 w 260"/>
+                <a:gd name="T1" fmla="*/ 7 h 367"/>
+                <a:gd name="T2" fmla="*/ 153 w 260"/>
+                <a:gd name="T3" fmla="*/ 108 h 367"/>
+                <a:gd name="T4" fmla="*/ 253 w 260"/>
+                <a:gd name="T5" fmla="*/ 108 h 367"/>
+                <a:gd name="T6" fmla="*/ 0 w 260"/>
+                <a:gd name="T7" fmla="*/ 0 h 367"/>
+                <a:gd name="T8" fmla="*/ 0 w 260"/>
+                <a:gd name="T9" fmla="*/ 367 h 367"/>
+                <a:gd name="T10" fmla="*/ 260 w 260"/>
+                <a:gd name="T11" fmla="*/ 367 h 367"/>
+                <a:gd name="T12" fmla="*/ 260 w 260"/>
+                <a:gd name="T13" fmla="*/ 100 h 367"/>
+                <a:gd name="T14" fmla="*/ 161 w 260"/>
+                <a:gd name="T15" fmla="*/ 1 h 367"/>
+                <a:gd name="T16" fmla="*/ 0 w 260"/>
+                <a:gd name="T17" fmla="*/ 0 h 367"/>
+              </a:gdLst>
+              <a:ahLst/>
+              <a:cxnLst>
+                <a:cxn ang="0">
+                  <a:pos x="T0" y="T1"/>
+                </a:cxn>
+                <a:cxn ang="0">
+                  <a:pos x="T2" y="T3"/>
+                </a:cxn>
+                <a:cxn ang="0">
+                  <a:pos x="T4" y="T5"/>
+                </a:cxn>
+                <a:cxn ang="0">
+                  <a:pos x="T6" y="T7"/>
+                </a:cxn>
+                <a:cxn ang="0">
+                  <a:pos x="T8" y="T9"/>
+                </a:cxn>
+                <a:cxn ang="0">
+                  <a:pos x="T10" y="T11"/>
+                </a:cxn>
+                <a:cxn ang="0">
+                  <a:pos x="T12" y="T13"/>
+                </a:cxn>
+                <a:cxn ang="0">
+                  <a:pos x="T14" y="T15"/>
+                </a:cxn>
+                <a:cxn ang="0">
+                  <a:pos x="T16" y="T17"/>
+                </a:cxn>
+              </a:cxnLst>
+              <a:rect l="0" t="0" r="r" b="b"/>
+              <a:pathLst>
+                <a:path w="260" h="367">
+                  <a:moveTo>
+                    <a:pt x="153" y="7"/>
+                  </a:moveTo>
+                  <a:lnTo>
+                    <a:pt x="153" y="108"/>
+                  </a:lnTo>
+                  <a:lnTo>
+                    <a:pt x="253" y="108"/>
+                  </a:lnTo>
+                  <a:moveTo>
+                    <a:pt x="0" y="0"/>
+                  </a:moveTo>
+                  <a:lnTo>
+                    <a:pt x="0" y="367"/>
+                  </a:lnTo>
+                  <a:lnTo>
+                    <a:pt x="260" y="367"/>
+                  </a:lnTo>
+                  <a:lnTo>
+                    <a:pt x="260" y="100"/>
+                  </a:lnTo>
+                  <a:lnTo>
+                    <a:pt x="161" y="1"/>
+                  </a:lnTo>
+                  <a:lnTo>
+                    <a:pt x="0" y="0"/>
+                  </a:lnTo>
+                  <a:close/>
+                </a:path>
+              </a:pathLst>
+            </a:custGeom>
+            <a:noFill/>
+            <a:ln w="6350" cap="flat">
+              <a:solidFill>
+                <a:srgbClr val="808080"/>
+              </a:solidFill>
+              <a:prstDash val="solid"/>
+              <a:miter lim="800000"/>
+              <a:headEnd/>
+              <a:tailEnd/>
+            </a:ln>
+            <a:extLst>
+              <a:ext uri="{909E8E84-426E-40DD-AFC4-6F175D3DCCD1}">
+                <a14:hiddenFill xmlns:a14="http://schemas.microsoft.com/office/drawing/2010/main">
+                  <a:solidFill>
+                    <a:srgbClr val="FFFFFF"/>
+                  </a:solidFill>
+                </a14:hiddenFill>
+              </a:ext>
+            </a:extLst>
+          </p:spPr>
+          <p:txBody>
+            <a:bodyPr vert="horz" wrap="square" lIns="91440" tIns="45720" rIns="91440" bIns="45720" numCol="1" anchor="t" anchorCtr="0" compatLnSpc="1">
+              <a:prstTxWarp prst="textNoShape">
+                <a:avLst/>
+              </a:prstTxWarp>
+            </a:bodyPr>
+            <a:lstStyle>
+              <a:defPPr>
+                <a:defRPr lang="en-US"/>
+              </a:defPPr>
+              <a:lvl1pPr marL="0" algn="l" defTabSz="914400" rtl="0" eaLnBrk="1" latinLnBrk="0" hangingPunct="1">
+                <a:defRPr sz="1800" kern="1200">
+                  <a:solidFill>
+                    <a:schemeClr val="tx1"/>
+                  </a:solidFill>
+                  <a:latin typeface="+mn-lt"/>
+                  <a:ea typeface="+mn-ea"/>
+                  <a:cs typeface="+mn-cs"/>
+                </a:defRPr>
+              </a:lvl1pPr>
+              <a:lvl2pPr marL="457200" algn="l" defTabSz="914400" rtl="0" eaLnBrk="1" latinLnBrk="0" hangingPunct="1">
+                <a:defRPr sz="1800" kern="1200">
+                  <a:solidFill>
+                    <a:schemeClr val="tx1"/>
+                  </a:solidFill>
+                  <a:latin typeface="+mn-lt"/>
+                  <a:ea typeface="+mn-ea"/>
+                  <a:cs typeface="+mn-cs"/>
+                </a:defRPr>
+              </a:lvl2pPr>
+              <a:lvl3pPr marL="914400" algn="l" defTabSz="914400" rtl="0" eaLnBrk="1" latinLnBrk="0" hangingPunct="1">
+                <a:defRPr sz="1800" kern="1200">
+                  <a:solidFill>
+                    <a:schemeClr val="tx1"/>
+                  </a:solidFill>
+                  <a:latin typeface="+mn-lt"/>
+                  <a:ea typeface="+mn-ea"/>
+                  <a:cs typeface="+mn-cs"/>
+                </a:defRPr>
+              </a:lvl3pPr>
+              <a:lvl4pPr marL="1371600" algn="l" defTabSz="914400" rtl="0" eaLnBrk="1" latinLnBrk="0" hangingPunct="1">
+                <a:defRPr sz="1800" kern="1200">
+                  <a:solidFill>
+                    <a:schemeClr val="tx1"/>
+                  </a:solidFill>
+                  <a:latin typeface="+mn-lt"/>
+                  <a:ea typeface="+mn-ea"/>
+                  <a:cs typeface="+mn-cs"/>
+                </a:defRPr>
+              </a:lvl4pPr>
+              <a:lvl5pPr marL="1828800" algn="l" defTabSz="914400" rtl="0" eaLnBrk="1" latinLnBrk="0" hangingPunct="1">
+                <a:defRPr sz="1800" kern="1200">
+                  <a:solidFill>
+                    <a:schemeClr val="tx1"/>
+                  </a:solidFill>
+                  <a:latin typeface="+mn-lt"/>
+                  <a:ea typeface="+mn-ea"/>
+                  <a:cs typeface="+mn-cs"/>
+                </a:defRPr>
+              </a:lvl5pPr>
+              <a:lvl6pPr marL="2286000" algn="l" defTabSz="914400" rtl="0" eaLnBrk="1" latinLnBrk="0" hangingPunct="1">
+                <a:defRPr sz="1800" kern="1200">
+                  <a:solidFill>
+                    <a:schemeClr val="tx1"/>
+                  </a:solidFill>
+                  <a:latin typeface="+mn-lt"/>
+                  <a:ea typeface="+mn-ea"/>
+                  <a:cs typeface="+mn-cs"/>
+                </a:defRPr>
+              </a:lvl6pPr>
+              <a:lvl7pPr marL="2743200" algn="l" defTabSz="914400" rtl="0" eaLnBrk="1" latinLnBrk="0" hangingPunct="1">
+                <a:defRPr sz="1800" kern="1200">
+                  <a:solidFill>
+                    <a:schemeClr val="tx1"/>
+                  </a:solidFill>
+                  <a:latin typeface="+mn-lt"/>
+                  <a:ea typeface="+mn-ea"/>
+                  <a:cs typeface="+mn-cs"/>
+                </a:defRPr>
+              </a:lvl7pPr>
+              <a:lvl8pPr marL="3200400" algn="l" defTabSz="914400" rtl="0" eaLnBrk="1" latinLnBrk="0" hangingPunct="1">
+                <a:defRPr sz="1800" kern="1200">
+                  <a:solidFill>
+                    <a:schemeClr val="tx1"/>
+                  </a:solidFill>
+                  <a:latin typeface="+mn-lt"/>
+                  <a:ea typeface="+mn-ea"/>
+                  <a:cs typeface="+mn-cs"/>
+                </a:defRPr>
+              </a:lvl8pPr>
+              <a:lvl9pPr marL="3657600" algn="l" defTabSz="914400" rtl="0" eaLnBrk="1" latinLnBrk="0" hangingPunct="1">
+                <a:defRPr sz="1800" kern="1200">
+                  <a:solidFill>
+                    <a:schemeClr val="tx1"/>
+                  </a:solidFill>
+                  <a:latin typeface="+mn-lt"/>
+                  <a:ea typeface="+mn-ea"/>
+                  <a:cs typeface="+mn-cs"/>
+                </a:defRPr>
+              </a:lvl9pPr>
+            </a:lstStyle>
+            <a:p>
+              <a:endParaRPr lang="en-US">
+                <a:solidFill>
+                  <a:srgbClr val="5F5F5F"/>
+                </a:solidFill>
+                <a:latin typeface="Segoe UI" panose="020B0502040204020203" pitchFamily="34" charset="0"/>
+                <a:cs typeface="Segoe UI" panose="020B0502040204020203" pitchFamily="34" charset="0"/>
+              </a:endParaRPr>
+            </a:p>
+          </p:txBody>
+        </p:sp>
+        <p:grpSp>
+          <p:nvGrpSpPr>
+            <p:cNvPr id="11" name="Navigation Buttons">
+              <a:extLst>
+                <a:ext uri="{FF2B5EF4-FFF2-40B4-BE49-F238E27FC236}">
+                  <a16:creationId xmlns:a16="http://schemas.microsoft.com/office/drawing/2014/main" id="{777CDA36-9881-4290-B170-2874A82A4764}"/>
+                </a:ext>
+              </a:extLst>
+            </p:cNvPr>
+            <p:cNvGrpSpPr/>
+            <p:nvPr/>
+          </p:nvGrpSpPr>
+          <p:grpSpPr>
+            <a:xfrm>
+              <a:off x="693642" y="1449296"/>
+              <a:ext cx="498961" cy="117307"/>
+              <a:chOff x="693642" y="1449296"/>
+              <a:chExt cx="498961" cy="117307"/>
+            </a:xfrm>
+          </p:grpSpPr>
+          <p:sp>
+            <p:nvSpPr>
+              <p:cNvPr id="12" name="Back Button" descr="&lt;SmartSettings&gt;&lt;SmartResize anchorLeft=&quot;Absolute&quot; anchorTop=&quot;Absolute&quot; anchorRight=&quot;None&quot; anchorBottom=&quot;None&quot; /&gt;&lt;/SmartSettings&gt;">
+                <a:extLst>
+                  <a:ext uri="{FF2B5EF4-FFF2-40B4-BE49-F238E27FC236}">
+                    <a16:creationId xmlns:a16="http://schemas.microsoft.com/office/drawing/2014/main" id="{13B515DE-1AE4-47F1-8103-C557E9E8E357}"/>
+                  </a:ext>
+                </a:extLst>
+              </p:cNvPr>
+              <p:cNvSpPr>
+                <a:spLocks noChangeAspect="1" noEditPoints="1"/>
+              </p:cNvSpPr>
+              <p:nvPr>
+                <p:custDataLst>
+                  <p:tags r:id="rId20"/>
+                </p:custDataLst>
+              </p:nvPr>
+            </p:nvSpPr>
+            <p:spPr bwMode="auto">
+              <a:xfrm>
+                <a:off x="693642" y="1467054"/>
+                <a:ext cx="118565" cy="81792"/>
+              </a:xfrm>
+              <a:custGeom>
+                <a:avLst/>
+                <a:gdLst>
+                  <a:gd name="T0" fmla="*/ 159 w 423"/>
+                  <a:gd name="T1" fmla="*/ 332 h 332"/>
+                  <a:gd name="T2" fmla="*/ 0 w 423"/>
+                  <a:gd name="T3" fmla="*/ 166 h 332"/>
+                  <a:gd name="T4" fmla="*/ 159 w 423"/>
+                  <a:gd name="T5" fmla="*/ 0 h 332"/>
+                  <a:gd name="T6" fmla="*/ 15 w 423"/>
+                  <a:gd name="T7" fmla="*/ 166 h 332"/>
+                  <a:gd name="T8" fmla="*/ 423 w 423"/>
+                  <a:gd name="T9" fmla="*/ 166 h 332"/>
+                </a:gdLst>
+                <a:ahLst/>
+                <a:cxnLst>
+                  <a:cxn ang="0">
+                    <a:pos x="T0" y="T1"/>
+                  </a:cxn>
+                  <a:cxn ang="0">
+                    <a:pos x="T2" y="T3"/>
+                  </a:cxn>
+                  <a:cxn ang="0">
+                    <a:pos x="T4" y="T5"/>
+                  </a:cxn>
+                  <a:cxn ang="0">
+                    <a:pos x="T6" y="T7"/>
+                  </a:cxn>
+                  <a:cxn ang="0">
+                    <a:pos x="T8" y="T9"/>
+                  </a:cxn>
+                </a:cxnLst>
+                <a:rect l="0" t="0" r="r" b="b"/>
+                <a:pathLst>
+                  <a:path w="423" h="332">
+                    <a:moveTo>
+                      <a:pt x="159" y="332"/>
+                    </a:moveTo>
+                    <a:lnTo>
+                      <a:pt x="0" y="166"/>
+                    </a:lnTo>
+                    <a:lnTo>
+                      <a:pt x="159" y="0"/>
+                    </a:lnTo>
+                    <a:moveTo>
+                      <a:pt x="15" y="166"/>
+                    </a:moveTo>
+                    <a:lnTo>
+                      <a:pt x="423" y="166"/>
+                    </a:lnTo>
+                  </a:path>
+                </a:pathLst>
+              </a:custGeom>
+              <a:noFill/>
+              <a:ln w="6350" cap="sq">
+                <a:solidFill>
+                  <a:srgbClr val="808080"/>
+                </a:solidFill>
+                <a:prstDash val="solid"/>
+                <a:miter lim="800000"/>
+                <a:headEnd/>
+                <a:tailEnd/>
+              </a:ln>
+              <a:extLst>
+                <a:ext uri="{909E8E84-426E-40DD-AFC4-6F175D3DCCD1}">
+                  <a14:hiddenFill xmlns:a14="http://schemas.microsoft.com/office/drawing/2010/main">
+                    <a:solidFill>
+                      <a:srgbClr val="FFFFFF"/>
+                    </a:solidFill>
+                  </a14:hiddenFill>
+                </a:ext>
+              </a:extLst>
+            </p:spPr>
+            <p:txBody>
+              <a:bodyPr vert="horz" wrap="square" lIns="91440" tIns="45720" rIns="91440" bIns="45720" numCol="1" anchor="t" anchorCtr="0" compatLnSpc="1">
+                <a:prstTxWarp prst="textNoShape">
+                  <a:avLst/>
+                </a:prstTxWarp>
+              </a:bodyPr>
+              <a:lstStyle>
+                <a:defPPr>
+                  <a:defRPr lang="en-US"/>
+                </a:defPPr>
+                <a:lvl1pPr marL="0" algn="l" defTabSz="914400" rtl="0" eaLnBrk="1" latinLnBrk="0" hangingPunct="1">
+                  <a:defRPr sz="1800" kern="1200">
+                    <a:solidFill>
+                      <a:schemeClr val="tx1"/>
+                    </a:solidFill>
+                    <a:latin typeface="+mn-lt"/>
+                    <a:ea typeface="+mn-ea"/>
+                    <a:cs typeface="+mn-cs"/>
+                  </a:defRPr>
+                </a:lvl1pPr>
+                <a:lvl2pPr marL="457200" algn="l" defTabSz="914400" rtl="0" eaLnBrk="1" latinLnBrk="0" hangingPunct="1">
+                  <a:defRPr sz="1800" kern="1200">
+                    <a:solidFill>
+                      <a:schemeClr val="tx1"/>
+                    </a:solidFill>
+                    <a:latin typeface="+mn-lt"/>
+                    <a:ea typeface="+mn-ea"/>
+                    <a:cs typeface="+mn-cs"/>
+                  </a:defRPr>
+                </a:lvl2pPr>
+                <a:lvl3pPr marL="914400" algn="l" defTabSz="914400" rtl="0" eaLnBrk="1" latinLnBrk="0" hangingPunct="1">
+                  <a:defRPr sz="1800" kern="1200">
+                    <a:solidFill>
+                      <a:schemeClr val="tx1"/>
+                    </a:solidFill>
+                    <a:latin typeface="+mn-lt"/>
+                    <a:ea typeface="+mn-ea"/>
+                    <a:cs typeface="+mn-cs"/>
+                  </a:defRPr>
+                </a:lvl3pPr>
+                <a:lvl4pPr marL="1371600" algn="l" defTabSz="914400" rtl="0" eaLnBrk="1" latinLnBrk="0" hangingPunct="1">
+                  <a:defRPr sz="1800" kern="1200">
+                    <a:solidFill>
+                      <a:schemeClr val="tx1"/>
+                    </a:solidFill>
+                    <a:latin typeface="+mn-lt"/>
+                    <a:ea typeface="+mn-ea"/>
+                    <a:cs typeface="+mn-cs"/>
+                  </a:defRPr>
+                </a:lvl4pPr>
+                <a:lvl5pPr marL="1828800" algn="l" defTabSz="914400" rtl="0" eaLnBrk="1" latinLnBrk="0" hangingPunct="1">
+                  <a:defRPr sz="1800" kern="1200">
+                    <a:solidFill>
+                      <a:schemeClr val="tx1"/>
+                    </a:solidFill>
+                    <a:latin typeface="+mn-lt"/>
+                    <a:ea typeface="+mn-ea"/>
+                    <a:cs typeface="+mn-cs"/>
+                  </a:defRPr>
+                </a:lvl5pPr>
+                <a:lvl6pPr marL="2286000" algn="l" defTabSz="914400" rtl="0" eaLnBrk="1" latinLnBrk="0" hangingPunct="1">
+                  <a:defRPr sz="1800" kern="1200">
+                    <a:solidFill>
+                      <a:schemeClr val="tx1"/>
+                    </a:solidFill>
+                    <a:latin typeface="+mn-lt"/>
+                    <a:ea typeface="+mn-ea"/>
+                    <a:cs typeface="+mn-cs"/>
+                  </a:defRPr>
+                </a:lvl6pPr>
+                <a:lvl7pPr marL="2743200" algn="l" defTabSz="914400" rtl="0" eaLnBrk="1" latinLnBrk="0" hangingPunct="1">
+                  <a:defRPr sz="1800" kern="1200">
+                    <a:solidFill>
+                      <a:schemeClr val="tx1"/>
+                    </a:solidFill>
+                    <a:latin typeface="+mn-lt"/>
+                    <a:ea typeface="+mn-ea"/>
+                    <a:cs typeface="+mn-cs"/>
+                  </a:defRPr>
+                </a:lvl7pPr>
+                <a:lvl8pPr marL="3200400" algn="l" defTabSz="914400" rtl="0" eaLnBrk="1" latinLnBrk="0" hangingPunct="1">
+                  <a:defRPr sz="1800" kern="1200">
+                    <a:solidFill>
+                      <a:schemeClr val="tx1"/>
+                    </a:solidFill>
+                    <a:latin typeface="+mn-lt"/>
+                    <a:ea typeface="+mn-ea"/>
+                    <a:cs typeface="+mn-cs"/>
+                  </a:defRPr>
+                </a:lvl8pPr>
+                <a:lvl9pPr marL="3657600" algn="l" defTabSz="914400" rtl="0" eaLnBrk="1" latinLnBrk="0" hangingPunct="1">
+                  <a:defRPr sz="1800" kern="1200">
+                    <a:solidFill>
+                      <a:schemeClr val="tx1"/>
+                    </a:solidFill>
+                    <a:latin typeface="+mn-lt"/>
+                    <a:ea typeface="+mn-ea"/>
+                    <a:cs typeface="+mn-cs"/>
+                  </a:defRPr>
+                </a:lvl9pPr>
+              </a:lstStyle>
+              <a:p>
+                <a:endParaRPr lang="en-US">
+                  <a:solidFill>
+                    <a:srgbClr val="5F5F5F"/>
+                  </a:solidFill>
+                  <a:latin typeface="Segoe UI" panose="020B0502040204020203" pitchFamily="34" charset="0"/>
+                  <a:cs typeface="Segoe UI" panose="020B0502040204020203" pitchFamily="34" charset="0"/>
+                </a:endParaRPr>
+              </a:p>
+            </p:txBody>
+          </p:sp>
+          <p:sp>
+            <p:nvSpPr>
+              <p:cNvPr id="13" name="Forward Button" descr="&lt;SmartSettings&gt;&lt;SmartResize anchorLeft=&quot;Absolute&quot; anchorTop=&quot;Absolute&quot; anchorRight=&quot;None&quot; anchorBottom=&quot;None&quot; /&gt;&lt;/SmartSettings&gt;">
+                <a:extLst>
+                  <a:ext uri="{FF2B5EF4-FFF2-40B4-BE49-F238E27FC236}">
+                    <a16:creationId xmlns:a16="http://schemas.microsoft.com/office/drawing/2014/main" id="{3380B1A6-C917-46CA-BB78-3860E6FCD957}"/>
+                  </a:ext>
+                </a:extLst>
+              </p:cNvPr>
+              <p:cNvSpPr>
+                <a:spLocks noChangeAspect="1" noEditPoints="1"/>
+              </p:cNvSpPr>
+              <p:nvPr>
+                <p:custDataLst>
+                  <p:tags r:id="rId21"/>
+                </p:custDataLst>
+              </p:nvPr>
+            </p:nvSpPr>
+            <p:spPr bwMode="auto">
+              <a:xfrm>
+                <a:off x="881370" y="1467054"/>
+                <a:ext cx="118565" cy="81792"/>
+              </a:xfrm>
+              <a:custGeom>
+                <a:avLst/>
+                <a:gdLst>
+                  <a:gd name="T0" fmla="*/ 265 w 423"/>
+                  <a:gd name="T1" fmla="*/ 0 h 332"/>
+                  <a:gd name="T2" fmla="*/ 423 w 423"/>
+                  <a:gd name="T3" fmla="*/ 166 h 332"/>
+                  <a:gd name="T4" fmla="*/ 265 w 423"/>
+                  <a:gd name="T5" fmla="*/ 332 h 332"/>
+                  <a:gd name="T6" fmla="*/ 408 w 423"/>
+                  <a:gd name="T7" fmla="*/ 166 h 332"/>
+                  <a:gd name="T8" fmla="*/ 0 w 423"/>
+                  <a:gd name="T9" fmla="*/ 166 h 332"/>
+                </a:gdLst>
+                <a:ahLst/>
+                <a:cxnLst>
+                  <a:cxn ang="0">
+                    <a:pos x="T0" y="T1"/>
+                  </a:cxn>
+                  <a:cxn ang="0">
+                    <a:pos x="T2" y="T3"/>
+                  </a:cxn>
+                  <a:cxn ang="0">
+                    <a:pos x="T4" y="T5"/>
+                  </a:cxn>
+                  <a:cxn ang="0">
+                    <a:pos x="T6" y="T7"/>
+                  </a:cxn>
+                  <a:cxn ang="0">
+                    <a:pos x="T8" y="T9"/>
+                  </a:cxn>
+                </a:cxnLst>
+                <a:rect l="0" t="0" r="r" b="b"/>
+                <a:pathLst>
+                  <a:path w="423" h="332">
+                    <a:moveTo>
+                      <a:pt x="265" y="0"/>
+                    </a:moveTo>
+                    <a:lnTo>
+                      <a:pt x="423" y="166"/>
+                    </a:lnTo>
+                    <a:lnTo>
+                      <a:pt x="265" y="332"/>
+                    </a:lnTo>
+                    <a:moveTo>
+                      <a:pt x="408" y="166"/>
+                    </a:moveTo>
+                    <a:lnTo>
+                      <a:pt x="0" y="166"/>
+                    </a:lnTo>
+                  </a:path>
+                </a:pathLst>
+              </a:custGeom>
+              <a:noFill/>
+              <a:ln w="6350" cap="sq">
+                <a:solidFill>
+                  <a:srgbClr val="808080"/>
+                </a:solidFill>
+                <a:prstDash val="solid"/>
+                <a:miter lim="800000"/>
+                <a:headEnd/>
+                <a:tailEnd/>
+              </a:ln>
+              <a:extLst>
+                <a:ext uri="{909E8E84-426E-40DD-AFC4-6F175D3DCCD1}">
+                  <a14:hiddenFill xmlns:a14="http://schemas.microsoft.com/office/drawing/2010/main">
+                    <a:solidFill>
+                      <a:srgbClr val="FFFFFF"/>
+                    </a:solidFill>
+                  </a14:hiddenFill>
+                </a:ext>
+              </a:extLst>
+            </p:spPr>
+            <p:txBody>
+              <a:bodyPr vert="horz" wrap="square" lIns="91440" tIns="45720" rIns="91440" bIns="45720" numCol="1" anchor="t" anchorCtr="0" compatLnSpc="1">
+                <a:prstTxWarp prst="textNoShape">
+                  <a:avLst/>
+                </a:prstTxWarp>
+              </a:bodyPr>
+              <a:lstStyle>
+                <a:defPPr>
+                  <a:defRPr lang="en-US"/>
+                </a:defPPr>
+                <a:lvl1pPr marL="0" algn="l" defTabSz="914400" rtl="0" eaLnBrk="1" latinLnBrk="0" hangingPunct="1">
+                  <a:defRPr sz="1800" kern="1200">
+                    <a:solidFill>
+                      <a:schemeClr val="tx1"/>
+                    </a:solidFill>
+                    <a:latin typeface="+mn-lt"/>
+                    <a:ea typeface="+mn-ea"/>
+                    <a:cs typeface="+mn-cs"/>
+                  </a:defRPr>
+                </a:lvl1pPr>
+                <a:lvl2pPr marL="457200" algn="l" defTabSz="914400" rtl="0" eaLnBrk="1" latinLnBrk="0" hangingPunct="1">
+                  <a:defRPr sz="1800" kern="1200">
+                    <a:solidFill>
+                      <a:schemeClr val="tx1"/>
+                    </a:solidFill>
+                    <a:latin typeface="+mn-lt"/>
+                    <a:ea typeface="+mn-ea"/>
+                    <a:cs typeface="+mn-cs"/>
+                  </a:defRPr>
+                </a:lvl2pPr>
+                <a:lvl3pPr marL="914400" algn="l" defTabSz="914400" rtl="0" eaLnBrk="1" latinLnBrk="0" hangingPunct="1">
+                  <a:defRPr sz="1800" kern="1200">
+                    <a:solidFill>
+                      <a:schemeClr val="tx1"/>
+                    </a:solidFill>
+                    <a:latin typeface="+mn-lt"/>
+                    <a:ea typeface="+mn-ea"/>
+                    <a:cs typeface="+mn-cs"/>
+                  </a:defRPr>
+                </a:lvl3pPr>
+                <a:lvl4pPr marL="1371600" algn="l" defTabSz="914400" rtl="0" eaLnBrk="1" latinLnBrk="0" hangingPunct="1">
+                  <a:defRPr sz="1800" kern="1200">
+                    <a:solidFill>
+                      <a:schemeClr val="tx1"/>
+                    </a:solidFill>
+                    <a:latin typeface="+mn-lt"/>
+                    <a:ea typeface="+mn-ea"/>
+                    <a:cs typeface="+mn-cs"/>
+                  </a:defRPr>
+                </a:lvl4pPr>
+                <a:lvl5pPr marL="1828800" algn="l" defTabSz="914400" rtl="0" eaLnBrk="1" latinLnBrk="0" hangingPunct="1">
+                  <a:defRPr sz="1800" kern="1200">
+                    <a:solidFill>
+                      <a:schemeClr val="tx1"/>
+                    </a:solidFill>
+                    <a:latin typeface="+mn-lt"/>
+                    <a:ea typeface="+mn-ea"/>
+                    <a:cs typeface="+mn-cs"/>
+                  </a:defRPr>
+                </a:lvl5pPr>
+                <a:lvl6pPr marL="2286000" algn="l" defTabSz="914400" rtl="0" eaLnBrk="1" latinLnBrk="0" hangingPunct="1">
+                  <a:defRPr sz="1800" kern="1200">
+                    <a:solidFill>
+                      <a:schemeClr val="tx1"/>
+                    </a:solidFill>
+                    <a:latin typeface="+mn-lt"/>
+                    <a:ea typeface="+mn-ea"/>
+                    <a:cs typeface="+mn-cs"/>
+                  </a:defRPr>
+                </a:lvl6pPr>
+                <a:lvl7pPr marL="2743200" algn="l" defTabSz="914400" rtl="0" eaLnBrk="1" latinLnBrk="0" hangingPunct="1">
+                  <a:defRPr sz="1800" kern="1200">
+                    <a:solidFill>
+                      <a:schemeClr val="tx1"/>
+                    </a:solidFill>
+                    <a:latin typeface="+mn-lt"/>
+                    <a:ea typeface="+mn-ea"/>
+                    <a:cs typeface="+mn-cs"/>
+                  </a:defRPr>
+                </a:lvl7pPr>
+                <a:lvl8pPr marL="3200400" algn="l" defTabSz="914400" rtl="0" eaLnBrk="1" latinLnBrk="0" hangingPunct="1">
+                  <a:defRPr sz="1800" kern="1200">
+                    <a:solidFill>
+                      <a:schemeClr val="tx1"/>
+                    </a:solidFill>
+                    <a:latin typeface="+mn-lt"/>
+                    <a:ea typeface="+mn-ea"/>
+                    <a:cs typeface="+mn-cs"/>
+                  </a:defRPr>
+                </a:lvl8pPr>
+                <a:lvl9pPr marL="3657600" algn="l" defTabSz="914400" rtl="0" eaLnBrk="1" latinLnBrk="0" hangingPunct="1">
+                  <a:defRPr sz="1800" kern="1200">
+                    <a:solidFill>
+                      <a:schemeClr val="tx1"/>
+                    </a:solidFill>
+                    <a:latin typeface="+mn-lt"/>
+                    <a:ea typeface="+mn-ea"/>
+                    <a:cs typeface="+mn-cs"/>
+                  </a:defRPr>
+                </a:lvl9pPr>
+              </a:lstStyle>
+              <a:p>
+                <a:endParaRPr lang="en-US">
+                  <a:solidFill>
+                    <a:srgbClr val="5F5F5F"/>
+                  </a:solidFill>
+                  <a:latin typeface="Segoe UI" panose="020B0502040204020203" pitchFamily="34" charset="0"/>
+                  <a:cs typeface="Segoe UI" panose="020B0502040204020203" pitchFamily="34" charset="0"/>
+                </a:endParaRPr>
+              </a:p>
+            </p:txBody>
+          </p:sp>
+          <p:sp>
+            <p:nvSpPr>
+              <p:cNvPr id="14" name="Reload Button" descr="&lt;SmartSettings&gt;&lt;SmartResize anchorLeft=&quot;Absolute&quot; anchorTop=&quot;Absolute&quot; anchorRight=&quot;None&quot; anchorBottom=&quot;None&quot; /&gt;&lt;/SmartSettings&gt;">
+                <a:extLst>
+                  <a:ext uri="{FF2B5EF4-FFF2-40B4-BE49-F238E27FC236}">
+                    <a16:creationId xmlns:a16="http://schemas.microsoft.com/office/drawing/2014/main" id="{F8B5F53F-5916-4D77-AA23-BB3E30C5BAAE}"/>
+                  </a:ext>
+                </a:extLst>
+              </p:cNvPr>
+              <p:cNvSpPr>
+                <a:spLocks noChangeAspect="1" noEditPoints="1"/>
+              </p:cNvSpPr>
+              <p:nvPr>
+                <p:custDataLst>
+                  <p:tags r:id="rId22"/>
+                </p:custDataLst>
+              </p:nvPr>
+            </p:nvSpPr>
+            <p:spPr bwMode="auto">
+              <a:xfrm>
+                <a:off x="1069098" y="1449296"/>
+                <a:ext cx="123505" cy="117307"/>
+              </a:xfrm>
+              <a:custGeom>
+                <a:avLst/>
+                <a:gdLst>
+                  <a:gd name="T0" fmla="*/ 441 w 441"/>
+                  <a:gd name="T1" fmla="*/ 7 h 474"/>
+                  <a:gd name="T2" fmla="*/ 441 w 441"/>
+                  <a:gd name="T3" fmla="*/ 144 h 474"/>
+                  <a:gd name="T4" fmla="*/ 296 w 441"/>
+                  <a:gd name="T5" fmla="*/ 144 h 474"/>
+                  <a:gd name="T6" fmla="*/ 438 w 441"/>
+                  <a:gd name="T7" fmla="*/ 309 h 474"/>
+                  <a:gd name="T8" fmla="*/ 166 w 441"/>
+                  <a:gd name="T9" fmla="*/ 434 h 474"/>
+                  <a:gd name="T10" fmla="*/ 41 w 441"/>
+                  <a:gd name="T11" fmla="*/ 162 h 474"/>
+                  <a:gd name="T12" fmla="*/ 313 w 441"/>
+                  <a:gd name="T13" fmla="*/ 37 h 474"/>
+                  <a:gd name="T14" fmla="*/ 428 w 441"/>
+                  <a:gd name="T15" fmla="*/ 139 h 474"/>
+                </a:gdLst>
+                <a:ahLst/>
+                <a:cxnLst>
+                  <a:cxn ang="0">
+                    <a:pos x="T0" y="T1"/>
+                  </a:cxn>
+                  <a:cxn ang="0">
+                    <a:pos x="T2" y="T3"/>
+                  </a:cxn>
+                  <a:cxn ang="0">
+                    <a:pos x="T4" y="T5"/>
+                  </a:cxn>
+                  <a:cxn ang="0">
+                    <a:pos x="T6" y="T7"/>
+                  </a:cxn>
+                  <a:cxn ang="0">
+                    <a:pos x="T8" y="T9"/>
+                  </a:cxn>
+                  <a:cxn ang="0">
+                    <a:pos x="T10" y="T11"/>
+                  </a:cxn>
+                  <a:cxn ang="0">
+                    <a:pos x="T12" y="T13"/>
+                  </a:cxn>
+                  <a:cxn ang="0">
+                    <a:pos x="T14" y="T15"/>
+                  </a:cxn>
+                </a:cxnLst>
+                <a:rect l="0" t="0" r="r" b="b"/>
+                <a:pathLst>
+                  <a:path w="441" h="474">
+                    <a:moveTo>
+                      <a:pt x="441" y="7"/>
+                    </a:moveTo>
+                    <a:lnTo>
+                      <a:pt x="441" y="144"/>
+                    </a:lnTo>
+                    <a:lnTo>
+                      <a:pt x="296" y="144"/>
+                    </a:lnTo>
+                    <a:moveTo>
+                      <a:pt x="438" y="309"/>
+                    </a:moveTo>
+                    <a:cubicBezTo>
+                      <a:pt x="397" y="418"/>
+                      <a:pt x="276" y="474"/>
+                      <a:pt x="166" y="434"/>
+                    </a:cubicBezTo>
+                    <a:cubicBezTo>
+                      <a:pt x="56" y="393"/>
+                      <a:pt x="0" y="271"/>
+                      <a:pt x="41" y="162"/>
+                    </a:cubicBezTo>
+                    <a:cubicBezTo>
+                      <a:pt x="82" y="52"/>
+                      <a:pt x="202" y="0"/>
+                      <a:pt x="313" y="37"/>
+                    </a:cubicBezTo>
+                    <a:cubicBezTo>
+                      <a:pt x="357" y="51"/>
+                      <a:pt x="398" y="91"/>
+                      <a:pt x="428" y="139"/>
+                    </a:cubicBezTo>
+                  </a:path>
+                </a:pathLst>
+              </a:custGeom>
+              <a:noFill/>
+              <a:ln w="6350" cap="flat">
+                <a:solidFill>
+                  <a:srgbClr val="808080"/>
+                </a:solidFill>
+                <a:prstDash val="solid"/>
+                <a:miter lim="800000"/>
+                <a:headEnd/>
+                <a:tailEnd/>
+              </a:ln>
+              <a:extLst>
+                <a:ext uri="{909E8E84-426E-40DD-AFC4-6F175D3DCCD1}">
+                  <a14:hiddenFill xmlns:a14="http://schemas.microsoft.com/office/drawing/2010/main">
+                    <a:solidFill>
+                      <a:srgbClr val="FFFFFF"/>
+                    </a:solidFill>
+                  </a14:hiddenFill>
+                </a:ext>
+              </a:extLst>
+            </p:spPr>
+            <p:txBody>
+              <a:bodyPr vert="horz" wrap="square" lIns="91440" tIns="45720" rIns="91440" bIns="45720" numCol="1" anchor="t" anchorCtr="0" compatLnSpc="1">
+                <a:prstTxWarp prst="textNoShape">
+                  <a:avLst/>
+                </a:prstTxWarp>
+              </a:bodyPr>
+              <a:lstStyle>
+                <a:defPPr>
+                  <a:defRPr lang="en-US"/>
+                </a:defPPr>
+                <a:lvl1pPr marL="0" algn="l" defTabSz="914400" rtl="0" eaLnBrk="1" latinLnBrk="0" hangingPunct="1">
+                  <a:defRPr sz="1800" kern="1200">
+                    <a:solidFill>
+                      <a:schemeClr val="tx1"/>
+                    </a:solidFill>
+                    <a:latin typeface="+mn-lt"/>
+                    <a:ea typeface="+mn-ea"/>
+                    <a:cs typeface="+mn-cs"/>
+                  </a:defRPr>
+                </a:lvl1pPr>
+                <a:lvl2pPr marL="457200" algn="l" defTabSz="914400" rtl="0" eaLnBrk="1" latinLnBrk="0" hangingPunct="1">
+                  <a:defRPr sz="1800" kern="1200">
+                    <a:solidFill>
+                      <a:schemeClr val="tx1"/>
+                    </a:solidFill>
+                    <a:latin typeface="+mn-lt"/>
+                    <a:ea typeface="+mn-ea"/>
+                    <a:cs typeface="+mn-cs"/>
+                  </a:defRPr>
+                </a:lvl2pPr>
+                <a:lvl3pPr marL="914400" algn="l" defTabSz="914400" rtl="0" eaLnBrk="1" latinLnBrk="0" hangingPunct="1">
+                  <a:defRPr sz="1800" kern="1200">
+                    <a:solidFill>
+                      <a:schemeClr val="tx1"/>
+                    </a:solidFill>
+                    <a:latin typeface="+mn-lt"/>
+                    <a:ea typeface="+mn-ea"/>
+                    <a:cs typeface="+mn-cs"/>
+                  </a:defRPr>
+                </a:lvl3pPr>
+                <a:lvl4pPr marL="1371600" algn="l" defTabSz="914400" rtl="0" eaLnBrk="1" latinLnBrk="0" hangingPunct="1">
+                  <a:defRPr sz="1800" kern="1200">
+                    <a:solidFill>
+                      <a:schemeClr val="tx1"/>
+                    </a:solidFill>
+                    <a:latin typeface="+mn-lt"/>
+                    <a:ea typeface="+mn-ea"/>
+                    <a:cs typeface="+mn-cs"/>
+                  </a:defRPr>
+                </a:lvl4pPr>
+                <a:lvl5pPr marL="1828800" algn="l" defTabSz="914400" rtl="0" eaLnBrk="1" latinLnBrk="0" hangingPunct="1">
+                  <a:defRPr sz="1800" kern="1200">
+                    <a:solidFill>
+                      <a:schemeClr val="tx1"/>
+                    </a:solidFill>
+                    <a:latin typeface="+mn-lt"/>
+                    <a:ea typeface="+mn-ea"/>
+                    <a:cs typeface="+mn-cs"/>
+                  </a:defRPr>
+                </a:lvl5pPr>
+                <a:lvl6pPr marL="2286000" algn="l" defTabSz="914400" rtl="0" eaLnBrk="1" latinLnBrk="0" hangingPunct="1">
+                  <a:defRPr sz="1800" kern="1200">
+                    <a:solidFill>
+                      <a:schemeClr val="tx1"/>
+                    </a:solidFill>
+                    <a:latin typeface="+mn-lt"/>
+                    <a:ea typeface="+mn-ea"/>
+                    <a:cs typeface="+mn-cs"/>
+                  </a:defRPr>
+                </a:lvl6pPr>
+                <a:lvl7pPr marL="2743200" algn="l" defTabSz="914400" rtl="0" eaLnBrk="1" latinLnBrk="0" hangingPunct="1">
+                  <a:defRPr sz="1800" kern="1200">
+                    <a:solidFill>
+                      <a:schemeClr val="tx1"/>
+                    </a:solidFill>
+                    <a:latin typeface="+mn-lt"/>
+                    <a:ea typeface="+mn-ea"/>
+                    <a:cs typeface="+mn-cs"/>
+                  </a:defRPr>
+                </a:lvl7pPr>
+                <a:lvl8pPr marL="3200400" algn="l" defTabSz="914400" rtl="0" eaLnBrk="1" latinLnBrk="0" hangingPunct="1">
+                  <a:defRPr sz="1800" kern="1200">
+                    <a:solidFill>
+                      <a:schemeClr val="tx1"/>
+                    </a:solidFill>
+                    <a:latin typeface="+mn-lt"/>
+                    <a:ea typeface="+mn-ea"/>
+                    <a:cs typeface="+mn-cs"/>
+                  </a:defRPr>
+                </a:lvl8pPr>
+                <a:lvl9pPr marL="3657600" algn="l" defTabSz="914400" rtl="0" eaLnBrk="1" latinLnBrk="0" hangingPunct="1">
+                  <a:defRPr sz="1800" kern="1200">
+                    <a:solidFill>
+                      <a:schemeClr val="tx1"/>
+                    </a:solidFill>
+                    <a:latin typeface="+mn-lt"/>
+                    <a:ea typeface="+mn-ea"/>
+                    <a:cs typeface="+mn-cs"/>
+                  </a:defRPr>
+                </a:lvl9pPr>
+              </a:lstStyle>
+              <a:p>
+                <a:endParaRPr lang="en-US">
+                  <a:solidFill>
+                    <a:srgbClr val="5F5F5F"/>
+                  </a:solidFill>
+                  <a:latin typeface="Segoe UI" panose="020B0502040204020203" pitchFamily="34" charset="0"/>
+                  <a:cs typeface="Segoe UI" panose="020B0502040204020203" pitchFamily="34" charset="0"/>
+                </a:endParaRPr>
+              </a:p>
+            </p:txBody>
+          </p:sp>
+        </p:grpSp>
+      </p:grpSp>
+      <p:sp>
+        <p:nvSpPr>
+          <p:cNvPr id="246" name="Panel" descr="&lt;SmartSettings&gt;&lt;SmartResize anchorLeft=&quot;Relative&quot; anchorTop=&quot;Absolute&quot; anchorRight=&quot;Relative&quot; anchorBottom=&quot;Relative&quot; /&gt;&lt;/SmartSettings&gt;">
+            <a:extLst>
+              <a:ext uri="{FF2B5EF4-FFF2-40B4-BE49-F238E27FC236}">
+                <a16:creationId xmlns:a16="http://schemas.microsoft.com/office/drawing/2014/main" id="{611BDA28-807E-4F1F-8658-6A758CD023C1}"/>
+              </a:ext>
+            </a:extLst>
+          </p:cNvPr>
+          <p:cNvSpPr/>
+          <p:nvPr>
+            <p:custDataLst>
+              <p:tags r:id="rId2"/>
+            </p:custDataLst>
+          </p:nvPr>
+        </p:nvSpPr>
+        <p:spPr>
+          <a:xfrm>
+            <a:off x="3333491" y="3313517"/>
+            <a:ext cx="5806372" cy="3325672"/>
+          </a:xfrm>
+          <a:prstGeom prst="rect">
+            <a:avLst/>
+          </a:prstGeom>
+          <a:solidFill>
+            <a:srgbClr val="FFFFFF"/>
+          </a:solidFill>
+          <a:ln w="6350">
+            <a:solidFill>
+              <a:srgbClr val="808080"/>
+            </a:solidFill>
+          </a:ln>
+        </p:spPr>
+        <p:style>
+          <a:lnRef idx="2">
+            <a:schemeClr val="accent1">
+              <a:shade val="50000"/>
+            </a:schemeClr>
+          </a:lnRef>
+          <a:fillRef idx="1">
+            <a:schemeClr val="accent1"/>
+          </a:fillRef>
+          <a:effectRef idx="0">
+            <a:schemeClr val="accent1"/>
+          </a:effectRef>
+          <a:fontRef idx="minor">
+            <a:schemeClr val="lt1"/>
+          </a:fontRef>
+        </p:style>
+        <p:txBody>
+          <a:bodyPr rot="0" spcFirstLastPara="0" vert="horz" wrap="square" lIns="91440" tIns="45720" rIns="91440" bIns="45720" numCol="1" spcCol="0" rtlCol="0" fromWordArt="0" anchor="ctr" anchorCtr="0" forceAA="0" compatLnSpc="1">
+            <a:prstTxWarp prst="textNoShape">
+              <a:avLst/>
+            </a:prstTxWarp>
+            <a:noAutofit/>
+          </a:bodyPr>
+          <a:lstStyle>
+            <a:defPPr>
+              <a:defRPr lang="en-US"/>
+            </a:defPPr>
+            <a:lvl1pPr marL="0" algn="l" defTabSz="914400" rtl="0" eaLnBrk="1" latinLnBrk="0" hangingPunct="1">
+              <a:defRPr sz="1800" kern="1200">
+                <a:solidFill>
+                  <a:schemeClr val="lt1"/>
+                </a:solidFill>
+                <a:latin typeface="+mn-lt"/>
+                <a:ea typeface="+mn-ea"/>
+                <a:cs typeface="+mn-cs"/>
+              </a:defRPr>
+            </a:lvl1pPr>
+            <a:lvl2pPr marL="457200" algn="l" defTabSz="914400" rtl="0" eaLnBrk="1" latinLnBrk="0" hangingPunct="1">
+              <a:defRPr sz="1800" kern="1200">
+                <a:solidFill>
+                  <a:schemeClr val="lt1"/>
+                </a:solidFill>
+                <a:latin typeface="+mn-lt"/>
+                <a:ea typeface="+mn-ea"/>
+                <a:cs typeface="+mn-cs"/>
+              </a:defRPr>
+            </a:lvl2pPr>
+            <a:lvl3pPr marL="914400" algn="l" defTabSz="914400" rtl="0" eaLnBrk="1" latinLnBrk="0" hangingPunct="1">
+              <a:defRPr sz="1800" kern="1200">
+                <a:solidFill>
+                  <a:schemeClr val="lt1"/>
+                </a:solidFill>
+                <a:latin typeface="+mn-lt"/>
+                <a:ea typeface="+mn-ea"/>
+                <a:cs typeface="+mn-cs"/>
+              </a:defRPr>
+            </a:lvl3pPr>
+            <a:lvl4pPr marL="1371600" algn="l" defTabSz="914400" rtl="0" eaLnBrk="1" latinLnBrk="0" hangingPunct="1">
+              <a:defRPr sz="1800" kern="1200">
+                <a:solidFill>
+                  <a:schemeClr val="lt1"/>
+                </a:solidFill>
+                <a:latin typeface="+mn-lt"/>
+                <a:ea typeface="+mn-ea"/>
+                <a:cs typeface="+mn-cs"/>
+              </a:defRPr>
+            </a:lvl4pPr>
+            <a:lvl5pPr marL="1828800" algn="l" defTabSz="914400" rtl="0" eaLnBrk="1" latinLnBrk="0" hangingPunct="1">
+              <a:defRPr sz="1800" kern="1200">
+                <a:solidFill>
+                  <a:schemeClr val="lt1"/>
+                </a:solidFill>
+                <a:latin typeface="+mn-lt"/>
+                <a:ea typeface="+mn-ea"/>
+                <a:cs typeface="+mn-cs"/>
+              </a:defRPr>
+            </a:lvl5pPr>
+            <a:lvl6pPr marL="2286000" algn="l" defTabSz="914400" rtl="0" eaLnBrk="1" latinLnBrk="0" hangingPunct="1">
+              <a:defRPr sz="1800" kern="1200">
+                <a:solidFill>
+                  <a:schemeClr val="lt1"/>
+                </a:solidFill>
+                <a:latin typeface="+mn-lt"/>
+                <a:ea typeface="+mn-ea"/>
+                <a:cs typeface="+mn-cs"/>
+              </a:defRPr>
+            </a:lvl6pPr>
+            <a:lvl7pPr marL="2743200" algn="l" defTabSz="914400" rtl="0" eaLnBrk="1" latinLnBrk="0" hangingPunct="1">
+              <a:defRPr sz="1800" kern="1200">
+                <a:solidFill>
+                  <a:schemeClr val="lt1"/>
+                </a:solidFill>
+                <a:latin typeface="+mn-lt"/>
+                <a:ea typeface="+mn-ea"/>
+                <a:cs typeface="+mn-cs"/>
+              </a:defRPr>
+            </a:lvl7pPr>
+            <a:lvl8pPr marL="3200400" algn="l" defTabSz="914400" rtl="0" eaLnBrk="1" latinLnBrk="0" hangingPunct="1">
+              <a:defRPr sz="1800" kern="1200">
+                <a:solidFill>
+                  <a:schemeClr val="lt1"/>
+                </a:solidFill>
+                <a:latin typeface="+mn-lt"/>
+                <a:ea typeface="+mn-ea"/>
+                <a:cs typeface="+mn-cs"/>
+              </a:defRPr>
+            </a:lvl8pPr>
+            <a:lvl9pPr marL="3657600" algn="l" defTabSz="914400" rtl="0" eaLnBrk="1" latinLnBrk="0" hangingPunct="1">
+              <a:defRPr sz="1800" kern="1200">
+                <a:solidFill>
+                  <a:schemeClr val="lt1"/>
+                </a:solidFill>
+                <a:latin typeface="+mn-lt"/>
+                <a:ea typeface="+mn-ea"/>
+                <a:cs typeface="+mn-cs"/>
+              </a:defRPr>
+            </a:lvl9pPr>
+          </a:lstStyle>
+          <a:p>
+            <a:endParaRPr lang="en-US" altLang="ko-KR" sz="1000" dirty="0">
+              <a:solidFill>
+                <a:srgbClr val="5F5F5F"/>
+              </a:solidFill>
+              <a:latin typeface="Segoe UI" panose="020B0502040204020203" pitchFamily="34" charset="0"/>
+              <a:cs typeface="Segoe UI" panose="020B0502040204020203" pitchFamily="34" charset="0"/>
+            </a:endParaRPr>
+          </a:p>
+        </p:txBody>
+      </p:sp>
+      <p:sp>
+        <p:nvSpPr>
+          <p:cNvPr id="226" name="Button">
+            <a:extLst>
+              <a:ext uri="{FF2B5EF4-FFF2-40B4-BE49-F238E27FC236}">
+                <a16:creationId xmlns:a16="http://schemas.microsoft.com/office/drawing/2014/main" id="{4E74F83B-94CD-44E4-BB73-54928F049B86}"/>
+              </a:ext>
+            </a:extLst>
+          </p:cNvPr>
+          <p:cNvSpPr/>
+          <p:nvPr/>
+        </p:nvSpPr>
+        <p:spPr>
+          <a:xfrm>
+            <a:off x="9791923" y="850344"/>
+            <a:ext cx="661570" cy="285893"/>
+          </a:xfrm>
+          <a:prstGeom prst="roundRect">
+            <a:avLst>
+              <a:gd name="adj" fmla="val 11182"/>
+            </a:avLst>
+          </a:prstGeom>
+          <a:solidFill>
+            <a:srgbClr val="FFFFFF"/>
+          </a:solidFill>
+          <a:ln w="6350">
+            <a:solidFill>
+              <a:srgbClr val="808080"/>
+            </a:solidFill>
+          </a:ln>
+        </p:spPr>
+        <p:style>
+          <a:lnRef idx="2">
+            <a:schemeClr val="accent1">
+              <a:shade val="50000"/>
+            </a:schemeClr>
+          </a:lnRef>
+          <a:fillRef idx="1">
+            <a:schemeClr val="accent1"/>
+          </a:fillRef>
+          <a:effectRef idx="0">
+            <a:schemeClr val="accent1"/>
+          </a:effectRef>
+          <a:fontRef idx="minor">
+            <a:schemeClr val="lt1"/>
+          </a:fontRef>
+        </p:style>
+        <p:txBody>
+          <a:bodyPr rot="0" spcFirstLastPara="0" vert="horz" wrap="square" lIns="91440" tIns="64008" rIns="91440" bIns="64008" numCol="1" spcCol="0" rtlCol="0" fromWordArt="0" anchor="ctr" anchorCtr="0" forceAA="0" compatLnSpc="1">
+            <a:prstTxWarp prst="textNoShape">
+              <a:avLst/>
+            </a:prstTxWarp>
+            <a:spAutoFit/>
+          </a:bodyPr>
+          <a:lstStyle>
+            <a:defPPr>
+              <a:defRPr lang="en-US"/>
+            </a:defPPr>
+            <a:lvl1pPr marL="0" algn="l" defTabSz="914400" rtl="0" eaLnBrk="1" latinLnBrk="0" hangingPunct="1">
+              <a:defRPr sz="1800" kern="1200">
+                <a:solidFill>
+                  <a:schemeClr val="lt1"/>
+                </a:solidFill>
+                <a:latin typeface="+mn-lt"/>
+                <a:ea typeface="+mn-ea"/>
+                <a:cs typeface="+mn-cs"/>
+              </a:defRPr>
+            </a:lvl1pPr>
+            <a:lvl2pPr marL="457200" algn="l" defTabSz="914400" rtl="0" eaLnBrk="1" latinLnBrk="0" hangingPunct="1">
+              <a:defRPr sz="1800" kern="1200">
+                <a:solidFill>
+                  <a:schemeClr val="lt1"/>
+                </a:solidFill>
+                <a:latin typeface="+mn-lt"/>
+                <a:ea typeface="+mn-ea"/>
+                <a:cs typeface="+mn-cs"/>
+              </a:defRPr>
+            </a:lvl2pPr>
+            <a:lvl3pPr marL="914400" algn="l" defTabSz="914400" rtl="0" eaLnBrk="1" latinLnBrk="0" hangingPunct="1">
+              <a:defRPr sz="1800" kern="1200">
+                <a:solidFill>
+                  <a:schemeClr val="lt1"/>
+                </a:solidFill>
+                <a:latin typeface="+mn-lt"/>
+                <a:ea typeface="+mn-ea"/>
+                <a:cs typeface="+mn-cs"/>
+              </a:defRPr>
+            </a:lvl3pPr>
+            <a:lvl4pPr marL="1371600" algn="l" defTabSz="914400" rtl="0" eaLnBrk="1" latinLnBrk="0" hangingPunct="1">
+              <a:defRPr sz="1800" kern="1200">
+                <a:solidFill>
+                  <a:schemeClr val="lt1"/>
+                </a:solidFill>
+                <a:latin typeface="+mn-lt"/>
+                <a:ea typeface="+mn-ea"/>
+                <a:cs typeface="+mn-cs"/>
+              </a:defRPr>
+            </a:lvl4pPr>
+            <a:lvl5pPr marL="1828800" algn="l" defTabSz="914400" rtl="0" eaLnBrk="1" latinLnBrk="0" hangingPunct="1">
+              <a:defRPr sz="1800" kern="1200">
+                <a:solidFill>
+                  <a:schemeClr val="lt1"/>
+                </a:solidFill>
+                <a:latin typeface="+mn-lt"/>
+                <a:ea typeface="+mn-ea"/>
+                <a:cs typeface="+mn-cs"/>
+              </a:defRPr>
+            </a:lvl5pPr>
+            <a:lvl6pPr marL="2286000" algn="l" defTabSz="914400" rtl="0" eaLnBrk="1" latinLnBrk="0" hangingPunct="1">
+              <a:defRPr sz="1800" kern="1200">
+                <a:solidFill>
+                  <a:schemeClr val="lt1"/>
+                </a:solidFill>
+                <a:latin typeface="+mn-lt"/>
+                <a:ea typeface="+mn-ea"/>
+                <a:cs typeface="+mn-cs"/>
+              </a:defRPr>
+            </a:lvl6pPr>
+            <a:lvl7pPr marL="2743200" algn="l" defTabSz="914400" rtl="0" eaLnBrk="1" latinLnBrk="0" hangingPunct="1">
+              <a:defRPr sz="1800" kern="1200">
+                <a:solidFill>
+                  <a:schemeClr val="lt1"/>
+                </a:solidFill>
+                <a:latin typeface="+mn-lt"/>
+                <a:ea typeface="+mn-ea"/>
+                <a:cs typeface="+mn-cs"/>
+              </a:defRPr>
+            </a:lvl7pPr>
+            <a:lvl8pPr marL="3200400" algn="l" defTabSz="914400" rtl="0" eaLnBrk="1" latinLnBrk="0" hangingPunct="1">
+              <a:defRPr sz="1800" kern="1200">
+                <a:solidFill>
+                  <a:schemeClr val="lt1"/>
+                </a:solidFill>
+                <a:latin typeface="+mn-lt"/>
+                <a:ea typeface="+mn-ea"/>
+                <a:cs typeface="+mn-cs"/>
+              </a:defRPr>
+            </a:lvl8pPr>
+            <a:lvl9pPr marL="3657600" algn="l" defTabSz="914400" rtl="0" eaLnBrk="1" latinLnBrk="0" hangingPunct="1">
+              <a:defRPr sz="1800" kern="1200">
+                <a:solidFill>
+                  <a:schemeClr val="lt1"/>
+                </a:solidFill>
+                <a:latin typeface="+mn-lt"/>
+                <a:ea typeface="+mn-ea"/>
+                <a:cs typeface="+mn-cs"/>
+              </a:defRPr>
+            </a:lvl9pPr>
+          </a:lstStyle>
+          <a:p>
+            <a:r>
+              <a:rPr lang="en-US" sz="900" dirty="0">
+                <a:solidFill>
+                  <a:srgbClr val="5F5F5F"/>
+                </a:solidFill>
+                <a:latin typeface="Segoe UI" panose="020B0502040204020203" pitchFamily="34" charset="0"/>
+                <a:cs typeface="Segoe UI" panose="020B0502040204020203" pitchFamily="34" charset="0"/>
+              </a:rPr>
+              <a:t>LOGOUT</a:t>
+            </a:r>
+            <a:endParaRPr lang="en-US" sz="1050" dirty="0">
+              <a:solidFill>
+                <a:srgbClr val="5F5F5F"/>
+              </a:solidFill>
+              <a:latin typeface="Segoe UI" panose="020B0502040204020203" pitchFamily="34" charset="0"/>
+              <a:cs typeface="Segoe UI" panose="020B0502040204020203" pitchFamily="34" charset="0"/>
+            </a:endParaRPr>
+          </a:p>
+        </p:txBody>
+      </p:sp>
+      <p:sp>
+        <p:nvSpPr>
+          <p:cNvPr id="227" name="Input">
+            <a:extLst>
+              <a:ext uri="{FF2B5EF4-FFF2-40B4-BE49-F238E27FC236}">
+                <a16:creationId xmlns:a16="http://schemas.microsoft.com/office/drawing/2014/main" id="{15D2ED79-4DF0-4B84-8FD4-7D4260FB46D5}"/>
+              </a:ext>
+            </a:extLst>
+          </p:cNvPr>
+          <p:cNvSpPr/>
+          <p:nvPr/>
+        </p:nvSpPr>
+        <p:spPr>
+          <a:xfrm>
+            <a:off x="4843650" y="946642"/>
+            <a:ext cx="2504700" cy="307726"/>
+          </a:xfrm>
+          <a:prstGeom prst="roundRect">
+            <a:avLst>
+              <a:gd name="adj" fmla="val 10785"/>
+            </a:avLst>
+          </a:prstGeom>
+          <a:solidFill>
+            <a:srgbClr val="FFFFFF"/>
+          </a:solidFill>
+          <a:ln w="6350">
+            <a:solidFill>
+              <a:srgbClr val="808080"/>
+            </a:solidFill>
+          </a:ln>
+        </p:spPr>
+        <p:style>
+          <a:lnRef idx="2">
+            <a:schemeClr val="accent1">
+              <a:shade val="50000"/>
+            </a:schemeClr>
+          </a:lnRef>
+          <a:fillRef idx="1">
+            <a:schemeClr val="accent1"/>
+          </a:fillRef>
+          <a:effectRef idx="0">
+            <a:schemeClr val="accent1"/>
+          </a:effectRef>
+          <a:fontRef idx="minor">
+            <a:schemeClr val="lt1"/>
+          </a:fontRef>
+        </p:style>
+        <p:txBody>
+          <a:bodyPr rot="0" spcFirstLastPara="0" vert="horz" wrap="square" lIns="100584" tIns="64008" rIns="100584" bIns="64008" numCol="1" spcCol="0" rtlCol="0" fromWordArt="0" anchor="ctr" anchorCtr="0" forceAA="0" compatLnSpc="1">
+            <a:prstTxWarp prst="textNoShape">
+              <a:avLst/>
+            </a:prstTxWarp>
+            <a:spAutoFit/>
+          </a:bodyPr>
+          <a:lstStyle>
+            <a:defPPr>
+              <a:defRPr lang="en-US"/>
+            </a:defPPr>
+            <a:lvl1pPr marL="0" algn="l" defTabSz="914400" rtl="0" eaLnBrk="1" latinLnBrk="0" hangingPunct="1">
+              <a:defRPr sz="1800" kern="1200">
+                <a:solidFill>
+                  <a:schemeClr val="lt1"/>
+                </a:solidFill>
+                <a:latin typeface="+mn-lt"/>
+                <a:ea typeface="+mn-ea"/>
+                <a:cs typeface="+mn-cs"/>
+              </a:defRPr>
+            </a:lvl1pPr>
+            <a:lvl2pPr marL="457200" algn="l" defTabSz="914400" rtl="0" eaLnBrk="1" latinLnBrk="0" hangingPunct="1">
+              <a:defRPr sz="1800" kern="1200">
+                <a:solidFill>
+                  <a:schemeClr val="lt1"/>
+                </a:solidFill>
+                <a:latin typeface="+mn-lt"/>
+                <a:ea typeface="+mn-ea"/>
+                <a:cs typeface="+mn-cs"/>
+              </a:defRPr>
+            </a:lvl2pPr>
+            <a:lvl3pPr marL="914400" algn="l" defTabSz="914400" rtl="0" eaLnBrk="1" latinLnBrk="0" hangingPunct="1">
+              <a:defRPr sz="1800" kern="1200">
+                <a:solidFill>
+                  <a:schemeClr val="lt1"/>
+                </a:solidFill>
+                <a:latin typeface="+mn-lt"/>
+                <a:ea typeface="+mn-ea"/>
+                <a:cs typeface="+mn-cs"/>
+              </a:defRPr>
+            </a:lvl3pPr>
+            <a:lvl4pPr marL="1371600" algn="l" defTabSz="914400" rtl="0" eaLnBrk="1" latinLnBrk="0" hangingPunct="1">
+              <a:defRPr sz="1800" kern="1200">
+                <a:solidFill>
+                  <a:schemeClr val="lt1"/>
+                </a:solidFill>
+                <a:latin typeface="+mn-lt"/>
+                <a:ea typeface="+mn-ea"/>
+                <a:cs typeface="+mn-cs"/>
+              </a:defRPr>
+            </a:lvl4pPr>
+            <a:lvl5pPr marL="1828800" algn="l" defTabSz="914400" rtl="0" eaLnBrk="1" latinLnBrk="0" hangingPunct="1">
+              <a:defRPr sz="1800" kern="1200">
+                <a:solidFill>
+                  <a:schemeClr val="lt1"/>
+                </a:solidFill>
+                <a:latin typeface="+mn-lt"/>
+                <a:ea typeface="+mn-ea"/>
+                <a:cs typeface="+mn-cs"/>
+              </a:defRPr>
+            </a:lvl5pPr>
+            <a:lvl6pPr marL="2286000" algn="l" defTabSz="914400" rtl="0" eaLnBrk="1" latinLnBrk="0" hangingPunct="1">
+              <a:defRPr sz="1800" kern="1200">
+                <a:solidFill>
+                  <a:schemeClr val="lt1"/>
+                </a:solidFill>
+                <a:latin typeface="+mn-lt"/>
+                <a:ea typeface="+mn-ea"/>
+                <a:cs typeface="+mn-cs"/>
+              </a:defRPr>
+            </a:lvl6pPr>
+            <a:lvl7pPr marL="2743200" algn="l" defTabSz="914400" rtl="0" eaLnBrk="1" latinLnBrk="0" hangingPunct="1">
+              <a:defRPr sz="1800" kern="1200">
+                <a:solidFill>
+                  <a:schemeClr val="lt1"/>
+                </a:solidFill>
+                <a:latin typeface="+mn-lt"/>
+                <a:ea typeface="+mn-ea"/>
+                <a:cs typeface="+mn-cs"/>
+              </a:defRPr>
+            </a:lvl7pPr>
+            <a:lvl8pPr marL="3200400" algn="l" defTabSz="914400" rtl="0" eaLnBrk="1" latinLnBrk="0" hangingPunct="1">
+              <a:defRPr sz="1800" kern="1200">
+                <a:solidFill>
+                  <a:schemeClr val="lt1"/>
+                </a:solidFill>
+                <a:latin typeface="+mn-lt"/>
+                <a:ea typeface="+mn-ea"/>
+                <a:cs typeface="+mn-cs"/>
+              </a:defRPr>
+            </a:lvl8pPr>
+            <a:lvl9pPr marL="3657600" algn="l" defTabSz="914400" rtl="0" eaLnBrk="1" latinLnBrk="0" hangingPunct="1">
+              <a:defRPr sz="1800" kern="1200">
+                <a:solidFill>
+                  <a:schemeClr val="lt1"/>
+                </a:solidFill>
+                <a:latin typeface="+mn-lt"/>
+                <a:ea typeface="+mn-ea"/>
+                <a:cs typeface="+mn-cs"/>
+              </a:defRPr>
+            </a:lvl9pPr>
+          </a:lstStyle>
+          <a:p>
+            <a:r>
+              <a:rPr lang="en-US" sz="1050" dirty="0">
+                <a:solidFill>
+                  <a:srgbClr val="5F5F5F"/>
+                </a:solidFill>
+                <a:latin typeface="Segoe UI" panose="020B0502040204020203" pitchFamily="34" charset="0"/>
+                <a:cs typeface="Segoe UI" panose="020B0502040204020203" pitchFamily="34" charset="0"/>
+              </a:rPr>
+              <a:t>#</a:t>
+            </a:r>
+            <a:r>
+              <a:rPr lang="ko-KR" altLang="en-US" sz="1050" dirty="0">
+                <a:solidFill>
+                  <a:srgbClr val="5F5F5F"/>
+                </a:solidFill>
+                <a:latin typeface="Segoe UI" panose="020B0502040204020203" pitchFamily="34" charset="0"/>
+                <a:cs typeface="Segoe UI" panose="020B0502040204020203" pitchFamily="34" charset="0"/>
+              </a:rPr>
+              <a:t>북구</a:t>
+            </a:r>
+            <a:r>
+              <a:rPr lang="en-US" altLang="ko-KR" sz="1050" dirty="0">
+                <a:solidFill>
+                  <a:srgbClr val="5F5F5F"/>
+                </a:solidFill>
+                <a:latin typeface="Segoe UI" panose="020B0502040204020203" pitchFamily="34" charset="0"/>
+                <a:cs typeface="Segoe UI" panose="020B0502040204020203" pitchFamily="34" charset="0"/>
+              </a:rPr>
+              <a:t>,</a:t>
+            </a:r>
+            <a:r>
+              <a:rPr lang="ko-KR" altLang="en-US" sz="1050" dirty="0">
+                <a:solidFill>
+                  <a:srgbClr val="5F5F5F"/>
+                </a:solidFill>
+                <a:latin typeface="Segoe UI" panose="020B0502040204020203" pitchFamily="34" charset="0"/>
+                <a:cs typeface="Segoe UI" panose="020B0502040204020203" pitchFamily="34" charset="0"/>
+              </a:rPr>
+              <a:t> </a:t>
+            </a:r>
+            <a:r>
+              <a:rPr lang="en-US" altLang="ko-KR" sz="1050" dirty="0">
+                <a:solidFill>
+                  <a:srgbClr val="5F5F5F"/>
+                </a:solidFill>
+                <a:latin typeface="Segoe UI" panose="020B0502040204020203" pitchFamily="34" charset="0"/>
+                <a:cs typeface="Segoe UI" panose="020B0502040204020203" pitchFamily="34" charset="0"/>
+              </a:rPr>
+              <a:t>#</a:t>
+            </a:r>
+            <a:r>
+              <a:rPr lang="ko-KR" altLang="en-US" sz="1050" dirty="0">
+                <a:solidFill>
+                  <a:srgbClr val="5F5F5F"/>
+                </a:solidFill>
+                <a:latin typeface="Segoe UI" panose="020B0502040204020203" pitchFamily="34" charset="0"/>
+                <a:cs typeface="Segoe UI" panose="020B0502040204020203" pitchFamily="34" charset="0"/>
+              </a:rPr>
+              <a:t>북구</a:t>
+            </a:r>
+            <a:r>
+              <a:rPr lang="en-US" altLang="ko-KR" sz="1050" dirty="0">
+                <a:solidFill>
+                  <a:srgbClr val="5F5F5F"/>
+                </a:solidFill>
+                <a:latin typeface="Segoe UI" panose="020B0502040204020203" pitchFamily="34" charset="0"/>
+                <a:cs typeface="Segoe UI" panose="020B0502040204020203" pitchFamily="34" charset="0"/>
+              </a:rPr>
+              <a:t>, #</a:t>
+            </a:r>
+            <a:r>
+              <a:rPr lang="ko-KR" altLang="en-US" sz="1050" dirty="0">
+                <a:solidFill>
+                  <a:srgbClr val="5F5F5F"/>
+                </a:solidFill>
+                <a:latin typeface="Segoe UI" panose="020B0502040204020203" pitchFamily="34" charset="0"/>
+                <a:cs typeface="Segoe UI" panose="020B0502040204020203" pitchFamily="34" charset="0"/>
+              </a:rPr>
+              <a:t>북구 </a:t>
+            </a:r>
+            <a:endParaRPr lang="en-US" sz="1050" dirty="0">
+              <a:solidFill>
+                <a:srgbClr val="5F5F5F"/>
+              </a:solidFill>
+              <a:latin typeface="Segoe UI" panose="020B0502040204020203" pitchFamily="34" charset="0"/>
+              <a:cs typeface="Segoe UI" panose="020B0502040204020203" pitchFamily="34" charset="0"/>
+            </a:endParaRPr>
+          </a:p>
+        </p:txBody>
+      </p:sp>
+      <p:sp>
+        <p:nvSpPr>
+          <p:cNvPr id="228" name="Button">
+            <a:extLst>
+              <a:ext uri="{FF2B5EF4-FFF2-40B4-BE49-F238E27FC236}">
+                <a16:creationId xmlns:a16="http://schemas.microsoft.com/office/drawing/2014/main" id="{C7A50E90-5F35-4A65-AD9E-8CF387CED76C}"/>
+              </a:ext>
+            </a:extLst>
+          </p:cNvPr>
+          <p:cNvSpPr/>
+          <p:nvPr/>
+        </p:nvSpPr>
+        <p:spPr>
+          <a:xfrm>
+            <a:off x="7239278" y="946705"/>
+            <a:ext cx="403956" cy="310539"/>
+          </a:xfrm>
+          <a:prstGeom prst="roundRect">
+            <a:avLst>
+              <a:gd name="adj" fmla="val 11182"/>
+            </a:avLst>
+          </a:prstGeom>
+          <a:solidFill>
+            <a:srgbClr val="FFFFFF"/>
+          </a:solidFill>
+          <a:ln w="6350">
+            <a:solidFill>
+              <a:srgbClr val="808080"/>
+            </a:solidFill>
+          </a:ln>
+        </p:spPr>
+        <p:style>
+          <a:lnRef idx="2">
+            <a:schemeClr val="accent1">
+              <a:shade val="50000"/>
+            </a:schemeClr>
+          </a:lnRef>
+          <a:fillRef idx="1">
+            <a:schemeClr val="accent1"/>
+          </a:fillRef>
+          <a:effectRef idx="0">
+            <a:schemeClr val="accent1"/>
+          </a:effectRef>
+          <a:fontRef idx="minor">
+            <a:schemeClr val="lt1"/>
+          </a:fontRef>
+        </p:style>
+        <p:txBody>
+          <a:bodyPr rot="0" spcFirstLastPara="0" vert="horz" wrap="square" lIns="91440" tIns="64008" rIns="91440" bIns="64008" numCol="1" spcCol="0" rtlCol="0" fromWordArt="0" anchor="ctr" anchorCtr="0" forceAA="0" compatLnSpc="1">
+            <a:prstTxWarp prst="textNoShape">
+              <a:avLst/>
+            </a:prstTxWarp>
+            <a:spAutoFit/>
+          </a:bodyPr>
+          <a:lstStyle>
+            <a:defPPr>
+              <a:defRPr lang="en-US"/>
+            </a:defPPr>
+            <a:lvl1pPr marL="0" algn="l" defTabSz="914400" rtl="0" eaLnBrk="1" latinLnBrk="0" hangingPunct="1">
+              <a:defRPr sz="1800" kern="1200">
+                <a:solidFill>
+                  <a:schemeClr val="lt1"/>
+                </a:solidFill>
+                <a:latin typeface="+mn-lt"/>
+                <a:ea typeface="+mn-ea"/>
+                <a:cs typeface="+mn-cs"/>
+              </a:defRPr>
+            </a:lvl1pPr>
+            <a:lvl2pPr marL="457200" algn="l" defTabSz="914400" rtl="0" eaLnBrk="1" latinLnBrk="0" hangingPunct="1">
+              <a:defRPr sz="1800" kern="1200">
+                <a:solidFill>
+                  <a:schemeClr val="lt1"/>
+                </a:solidFill>
+                <a:latin typeface="+mn-lt"/>
+                <a:ea typeface="+mn-ea"/>
+                <a:cs typeface="+mn-cs"/>
+              </a:defRPr>
+            </a:lvl2pPr>
+            <a:lvl3pPr marL="914400" algn="l" defTabSz="914400" rtl="0" eaLnBrk="1" latinLnBrk="0" hangingPunct="1">
+              <a:defRPr sz="1800" kern="1200">
+                <a:solidFill>
+                  <a:schemeClr val="lt1"/>
+                </a:solidFill>
+                <a:latin typeface="+mn-lt"/>
+                <a:ea typeface="+mn-ea"/>
+                <a:cs typeface="+mn-cs"/>
+              </a:defRPr>
+            </a:lvl3pPr>
+            <a:lvl4pPr marL="1371600" algn="l" defTabSz="914400" rtl="0" eaLnBrk="1" latinLnBrk="0" hangingPunct="1">
+              <a:defRPr sz="1800" kern="1200">
+                <a:solidFill>
+                  <a:schemeClr val="lt1"/>
+                </a:solidFill>
+                <a:latin typeface="+mn-lt"/>
+                <a:ea typeface="+mn-ea"/>
+                <a:cs typeface="+mn-cs"/>
+              </a:defRPr>
+            </a:lvl4pPr>
+            <a:lvl5pPr marL="1828800" algn="l" defTabSz="914400" rtl="0" eaLnBrk="1" latinLnBrk="0" hangingPunct="1">
+              <a:defRPr sz="1800" kern="1200">
+                <a:solidFill>
+                  <a:schemeClr val="lt1"/>
+                </a:solidFill>
+                <a:latin typeface="+mn-lt"/>
+                <a:ea typeface="+mn-ea"/>
+                <a:cs typeface="+mn-cs"/>
+              </a:defRPr>
+            </a:lvl5pPr>
+            <a:lvl6pPr marL="2286000" algn="l" defTabSz="914400" rtl="0" eaLnBrk="1" latinLnBrk="0" hangingPunct="1">
+              <a:defRPr sz="1800" kern="1200">
+                <a:solidFill>
+                  <a:schemeClr val="lt1"/>
+                </a:solidFill>
+                <a:latin typeface="+mn-lt"/>
+                <a:ea typeface="+mn-ea"/>
+                <a:cs typeface="+mn-cs"/>
+              </a:defRPr>
+            </a:lvl6pPr>
+            <a:lvl7pPr marL="2743200" algn="l" defTabSz="914400" rtl="0" eaLnBrk="1" latinLnBrk="0" hangingPunct="1">
+              <a:defRPr sz="1800" kern="1200">
+                <a:solidFill>
+                  <a:schemeClr val="lt1"/>
+                </a:solidFill>
+                <a:latin typeface="+mn-lt"/>
+                <a:ea typeface="+mn-ea"/>
+                <a:cs typeface="+mn-cs"/>
+              </a:defRPr>
+            </a:lvl7pPr>
+            <a:lvl8pPr marL="3200400" algn="l" defTabSz="914400" rtl="0" eaLnBrk="1" latinLnBrk="0" hangingPunct="1">
+              <a:defRPr sz="1800" kern="1200">
+                <a:solidFill>
+                  <a:schemeClr val="lt1"/>
+                </a:solidFill>
+                <a:latin typeface="+mn-lt"/>
+                <a:ea typeface="+mn-ea"/>
+                <a:cs typeface="+mn-cs"/>
+              </a:defRPr>
+            </a:lvl8pPr>
+            <a:lvl9pPr marL="3657600" algn="l" defTabSz="914400" rtl="0" eaLnBrk="1" latinLnBrk="0" hangingPunct="1">
+              <a:defRPr sz="1800" kern="1200">
+                <a:solidFill>
+                  <a:schemeClr val="lt1"/>
+                </a:solidFill>
+                <a:latin typeface="+mn-lt"/>
+                <a:ea typeface="+mn-ea"/>
+                <a:cs typeface="+mn-cs"/>
+              </a:defRPr>
+            </a:lvl9pPr>
+          </a:lstStyle>
+          <a:p>
+            <a:r>
+              <a:rPr lang="ko-KR" altLang="en-US" sz="1050" dirty="0">
+                <a:solidFill>
+                  <a:srgbClr val="5F5F5F"/>
+                </a:solidFill>
+                <a:latin typeface="Segoe UI" panose="020B0502040204020203" pitchFamily="34" charset="0"/>
+                <a:cs typeface="Segoe UI" panose="020B0502040204020203" pitchFamily="34" charset="0"/>
+              </a:rPr>
+              <a:t> ▼</a:t>
+            </a:r>
+            <a:endParaRPr lang="en-US" sz="1050" dirty="0">
+              <a:solidFill>
+                <a:srgbClr val="5F5F5F"/>
+              </a:solidFill>
+              <a:latin typeface="Segoe UI" panose="020B0502040204020203" pitchFamily="34" charset="0"/>
+              <a:cs typeface="Segoe UI" panose="020B0502040204020203" pitchFamily="34" charset="0"/>
+            </a:endParaRPr>
+          </a:p>
+        </p:txBody>
+      </p:sp>
+      <p:sp>
+        <p:nvSpPr>
+          <p:cNvPr id="232" name="Panel" descr="&lt;SmartSettings&gt;&lt;SmartResize anchorLeft=&quot;Relative&quot; anchorTop=&quot;Absolute&quot; anchorRight=&quot;Relative&quot; anchorBottom=&quot;Relative&quot; /&gt;&lt;/SmartSettings&gt;">
+            <a:extLst>
+              <a:ext uri="{FF2B5EF4-FFF2-40B4-BE49-F238E27FC236}">
+                <a16:creationId xmlns:a16="http://schemas.microsoft.com/office/drawing/2014/main" id="{4CD7A0B1-F1EA-4BF7-8790-4F273653843F}"/>
+              </a:ext>
+            </a:extLst>
+          </p:cNvPr>
+          <p:cNvSpPr/>
+          <p:nvPr>
+            <p:custDataLst>
+              <p:tags r:id="rId3"/>
+            </p:custDataLst>
+          </p:nvPr>
+        </p:nvSpPr>
+        <p:spPr>
+          <a:xfrm>
+            <a:off x="3333491" y="1789351"/>
+            <a:ext cx="5806372" cy="1388649"/>
+          </a:xfrm>
+          <a:prstGeom prst="rect">
+            <a:avLst/>
+          </a:prstGeom>
+          <a:solidFill>
+            <a:srgbClr val="FFFFFF"/>
+          </a:solidFill>
+          <a:ln w="6350">
+            <a:solidFill>
+              <a:srgbClr val="808080"/>
+            </a:solidFill>
+          </a:ln>
+        </p:spPr>
+        <p:style>
+          <a:lnRef idx="2">
+            <a:schemeClr val="accent1">
+              <a:shade val="50000"/>
+            </a:schemeClr>
+          </a:lnRef>
+          <a:fillRef idx="1">
+            <a:schemeClr val="accent1"/>
+          </a:fillRef>
+          <a:effectRef idx="0">
+            <a:schemeClr val="accent1"/>
+          </a:effectRef>
+          <a:fontRef idx="minor">
+            <a:schemeClr val="lt1"/>
+          </a:fontRef>
+        </p:style>
+        <p:txBody>
+          <a:bodyPr rot="0" spcFirstLastPara="0" vert="horz" wrap="square" lIns="91440" tIns="45720" rIns="91440" bIns="45720" numCol="1" spcCol="0" rtlCol="0" fromWordArt="0" anchor="ctr" anchorCtr="0" forceAA="0" compatLnSpc="1">
+            <a:prstTxWarp prst="textNoShape">
+              <a:avLst/>
+            </a:prstTxWarp>
+            <a:noAutofit/>
+          </a:bodyPr>
+          <a:lstStyle>
+            <a:defPPr>
+              <a:defRPr lang="en-US"/>
+            </a:defPPr>
+            <a:lvl1pPr marL="0" algn="l" defTabSz="914400" rtl="0" eaLnBrk="1" latinLnBrk="0" hangingPunct="1">
+              <a:defRPr sz="1800" kern="1200">
+                <a:solidFill>
+                  <a:schemeClr val="lt1"/>
+                </a:solidFill>
+                <a:latin typeface="+mn-lt"/>
+                <a:ea typeface="+mn-ea"/>
+                <a:cs typeface="+mn-cs"/>
+              </a:defRPr>
+            </a:lvl1pPr>
+            <a:lvl2pPr marL="457200" algn="l" defTabSz="914400" rtl="0" eaLnBrk="1" latinLnBrk="0" hangingPunct="1">
+              <a:defRPr sz="1800" kern="1200">
+                <a:solidFill>
+                  <a:schemeClr val="lt1"/>
+                </a:solidFill>
+                <a:latin typeface="+mn-lt"/>
+                <a:ea typeface="+mn-ea"/>
+                <a:cs typeface="+mn-cs"/>
+              </a:defRPr>
+            </a:lvl2pPr>
+            <a:lvl3pPr marL="914400" algn="l" defTabSz="914400" rtl="0" eaLnBrk="1" latinLnBrk="0" hangingPunct="1">
+              <a:defRPr sz="1800" kern="1200">
+                <a:solidFill>
+                  <a:schemeClr val="lt1"/>
+                </a:solidFill>
+                <a:latin typeface="+mn-lt"/>
+                <a:ea typeface="+mn-ea"/>
+                <a:cs typeface="+mn-cs"/>
+              </a:defRPr>
+            </a:lvl3pPr>
+            <a:lvl4pPr marL="1371600" algn="l" defTabSz="914400" rtl="0" eaLnBrk="1" latinLnBrk="0" hangingPunct="1">
+              <a:defRPr sz="1800" kern="1200">
+                <a:solidFill>
+                  <a:schemeClr val="lt1"/>
+                </a:solidFill>
+                <a:latin typeface="+mn-lt"/>
+                <a:ea typeface="+mn-ea"/>
+                <a:cs typeface="+mn-cs"/>
+              </a:defRPr>
+            </a:lvl4pPr>
+            <a:lvl5pPr marL="1828800" algn="l" defTabSz="914400" rtl="0" eaLnBrk="1" latinLnBrk="0" hangingPunct="1">
+              <a:defRPr sz="1800" kern="1200">
+                <a:solidFill>
+                  <a:schemeClr val="lt1"/>
+                </a:solidFill>
+                <a:latin typeface="+mn-lt"/>
+                <a:ea typeface="+mn-ea"/>
+                <a:cs typeface="+mn-cs"/>
+              </a:defRPr>
+            </a:lvl5pPr>
+            <a:lvl6pPr marL="2286000" algn="l" defTabSz="914400" rtl="0" eaLnBrk="1" latinLnBrk="0" hangingPunct="1">
+              <a:defRPr sz="1800" kern="1200">
+                <a:solidFill>
+                  <a:schemeClr val="lt1"/>
+                </a:solidFill>
+                <a:latin typeface="+mn-lt"/>
+                <a:ea typeface="+mn-ea"/>
+                <a:cs typeface="+mn-cs"/>
+              </a:defRPr>
+            </a:lvl6pPr>
+            <a:lvl7pPr marL="2743200" algn="l" defTabSz="914400" rtl="0" eaLnBrk="1" latinLnBrk="0" hangingPunct="1">
+              <a:defRPr sz="1800" kern="1200">
+                <a:solidFill>
+                  <a:schemeClr val="lt1"/>
+                </a:solidFill>
+                <a:latin typeface="+mn-lt"/>
+                <a:ea typeface="+mn-ea"/>
+                <a:cs typeface="+mn-cs"/>
+              </a:defRPr>
+            </a:lvl7pPr>
+            <a:lvl8pPr marL="3200400" algn="l" defTabSz="914400" rtl="0" eaLnBrk="1" latinLnBrk="0" hangingPunct="1">
+              <a:defRPr sz="1800" kern="1200">
+                <a:solidFill>
+                  <a:schemeClr val="lt1"/>
+                </a:solidFill>
+                <a:latin typeface="+mn-lt"/>
+                <a:ea typeface="+mn-ea"/>
+                <a:cs typeface="+mn-cs"/>
+              </a:defRPr>
+            </a:lvl8pPr>
+            <a:lvl9pPr marL="3657600" algn="l" defTabSz="914400" rtl="0" eaLnBrk="1" latinLnBrk="0" hangingPunct="1">
+              <a:defRPr sz="1800" kern="1200">
+                <a:solidFill>
+                  <a:schemeClr val="lt1"/>
+                </a:solidFill>
+                <a:latin typeface="+mn-lt"/>
+                <a:ea typeface="+mn-ea"/>
+                <a:cs typeface="+mn-cs"/>
+              </a:defRPr>
+            </a:lvl9pPr>
+          </a:lstStyle>
+          <a:p>
+            <a:r>
+              <a:rPr lang="ko-KR" altLang="en-US" sz="1000" b="1" dirty="0">
+                <a:solidFill>
+                  <a:srgbClr val="5F5F5F"/>
+                </a:solidFill>
+                <a:latin typeface="Segoe UI" panose="020B0502040204020203" pitchFamily="34" charset="0"/>
+                <a:cs typeface="Segoe UI" panose="020B0502040204020203" pitchFamily="34" charset="0"/>
+              </a:rPr>
+              <a:t>  프로필</a:t>
+            </a:r>
+            <a:endParaRPr lang="en-US" altLang="ko-KR" sz="1000" b="1" dirty="0">
+              <a:solidFill>
+                <a:srgbClr val="5F5F5F"/>
+              </a:solidFill>
+              <a:latin typeface="Segoe UI" panose="020B0502040204020203" pitchFamily="34" charset="0"/>
+              <a:cs typeface="Segoe UI" panose="020B0502040204020203" pitchFamily="34" charset="0"/>
+            </a:endParaRPr>
+          </a:p>
+          <a:p>
+            <a:endParaRPr lang="en-US" altLang="ko-KR" sz="1000" dirty="0">
+              <a:solidFill>
+                <a:srgbClr val="5F5F5F"/>
+              </a:solidFill>
+              <a:latin typeface="Segoe UI" panose="020B0502040204020203" pitchFamily="34" charset="0"/>
+              <a:cs typeface="Segoe UI" panose="020B0502040204020203" pitchFamily="34" charset="0"/>
+            </a:endParaRPr>
+          </a:p>
+          <a:p>
+            <a:r>
+              <a:rPr lang="en-US" altLang="ko-KR" sz="1000" dirty="0">
+                <a:solidFill>
+                  <a:srgbClr val="5F5F5F"/>
+                </a:solidFill>
+                <a:latin typeface="Segoe UI" panose="020B0502040204020203" pitchFamily="34" charset="0"/>
+                <a:cs typeface="Segoe UI" panose="020B0502040204020203" pitchFamily="34" charset="0"/>
+              </a:rPr>
+              <a:t>  &lt; ID &gt;</a:t>
+            </a:r>
+          </a:p>
+          <a:p>
+            <a:r>
+              <a:rPr lang="ko-KR" altLang="en-US" sz="1000" dirty="0">
+                <a:solidFill>
+                  <a:srgbClr val="5F5F5F"/>
+                </a:solidFill>
+                <a:latin typeface="Segoe UI" panose="020B0502040204020203" pitchFamily="34" charset="0"/>
+                <a:cs typeface="Segoe UI" panose="020B0502040204020203" pitchFamily="34" charset="0"/>
+              </a:rPr>
+              <a:t>  닉네임</a:t>
+            </a:r>
+            <a:endParaRPr lang="en-US" altLang="ko-KR" sz="1000" dirty="0">
+              <a:solidFill>
+                <a:srgbClr val="5F5F5F"/>
+              </a:solidFill>
+              <a:latin typeface="Segoe UI" panose="020B0502040204020203" pitchFamily="34" charset="0"/>
+              <a:cs typeface="Segoe UI" panose="020B0502040204020203" pitchFamily="34" charset="0"/>
+            </a:endParaRPr>
+          </a:p>
+          <a:p>
+            <a:r>
+              <a:rPr lang="ko-KR" altLang="en-US" sz="1000" dirty="0">
+                <a:solidFill>
+                  <a:srgbClr val="5F5F5F"/>
+                </a:solidFill>
+                <a:latin typeface="Segoe UI" panose="020B0502040204020203" pitchFamily="34" charset="0"/>
+                <a:cs typeface="Segoe UI" panose="020B0502040204020203" pitchFamily="34" charset="0"/>
+              </a:rPr>
+              <a:t>  휴대폰번호</a:t>
+            </a:r>
+            <a:endParaRPr lang="en-US" altLang="ko-KR" sz="1000" dirty="0">
+              <a:solidFill>
+                <a:srgbClr val="5F5F5F"/>
+              </a:solidFill>
+              <a:latin typeface="Segoe UI" panose="020B0502040204020203" pitchFamily="34" charset="0"/>
+              <a:cs typeface="Segoe UI" panose="020B0502040204020203" pitchFamily="34" charset="0"/>
+            </a:endParaRPr>
+          </a:p>
+          <a:p>
+            <a:r>
+              <a:rPr lang="ko-KR" altLang="en-US" sz="1000" dirty="0">
+                <a:solidFill>
+                  <a:srgbClr val="5F5F5F"/>
+                </a:solidFill>
+                <a:latin typeface="Segoe UI" panose="020B0502040204020203" pitchFamily="34" charset="0"/>
+                <a:cs typeface="Segoe UI" panose="020B0502040204020203" pitchFamily="34" charset="0"/>
+              </a:rPr>
+              <a:t>  이메일</a:t>
+            </a:r>
+            <a:endParaRPr lang="en-US" altLang="ko-KR" sz="1000" dirty="0">
+              <a:solidFill>
+                <a:srgbClr val="5F5F5F"/>
+              </a:solidFill>
+              <a:latin typeface="Segoe UI" panose="020B0502040204020203" pitchFamily="34" charset="0"/>
+              <a:cs typeface="Segoe UI" panose="020B0502040204020203" pitchFamily="34" charset="0"/>
+            </a:endParaRPr>
+          </a:p>
+          <a:p>
+            <a:endParaRPr lang="en-US" altLang="ko-KR" sz="1000" dirty="0">
+              <a:solidFill>
+                <a:srgbClr val="5F5F5F"/>
+              </a:solidFill>
+              <a:latin typeface="Segoe UI" panose="020B0502040204020203" pitchFamily="34" charset="0"/>
+              <a:cs typeface="Segoe UI" panose="020B0502040204020203" pitchFamily="34" charset="0"/>
+            </a:endParaRPr>
+          </a:p>
+        </p:txBody>
+      </p:sp>
+      <p:sp>
+        <p:nvSpPr>
+          <p:cNvPr id="233" name="Button">
+            <a:extLst>
+              <a:ext uri="{FF2B5EF4-FFF2-40B4-BE49-F238E27FC236}">
+                <a16:creationId xmlns:a16="http://schemas.microsoft.com/office/drawing/2014/main" id="{F6A503B0-A245-4E73-B1B7-6ACBF2E16701}"/>
+              </a:ext>
+            </a:extLst>
+          </p:cNvPr>
+          <p:cNvSpPr/>
+          <p:nvPr/>
+        </p:nvSpPr>
+        <p:spPr>
+          <a:xfrm>
+            <a:off x="7995780" y="2764792"/>
+            <a:ext cx="1049361" cy="310539"/>
+          </a:xfrm>
+          <a:prstGeom prst="roundRect">
+            <a:avLst>
+              <a:gd name="adj" fmla="val 11182"/>
+            </a:avLst>
+          </a:prstGeom>
+          <a:solidFill>
+            <a:srgbClr val="FFFFFF"/>
+          </a:solidFill>
+          <a:ln w="6350">
+            <a:solidFill>
+              <a:srgbClr val="808080"/>
+            </a:solidFill>
+          </a:ln>
+        </p:spPr>
+        <p:style>
+          <a:lnRef idx="2">
+            <a:schemeClr val="accent1">
+              <a:shade val="50000"/>
+            </a:schemeClr>
+          </a:lnRef>
+          <a:fillRef idx="1">
+            <a:schemeClr val="accent1"/>
+          </a:fillRef>
+          <a:effectRef idx="0">
+            <a:schemeClr val="accent1"/>
+          </a:effectRef>
+          <a:fontRef idx="minor">
+            <a:schemeClr val="lt1"/>
+          </a:fontRef>
+        </p:style>
+        <p:txBody>
+          <a:bodyPr rot="0" spcFirstLastPara="0" vert="horz" wrap="none" lIns="91440" tIns="64008" rIns="91440" bIns="64008" numCol="1" spcCol="0" rtlCol="0" fromWordArt="0" anchor="ctr" anchorCtr="0" forceAA="0" compatLnSpc="1">
+            <a:prstTxWarp prst="textNoShape">
+              <a:avLst/>
+            </a:prstTxWarp>
+            <a:spAutoFit/>
+          </a:bodyPr>
+          <a:lstStyle>
+            <a:defPPr>
+              <a:defRPr lang="en-US"/>
+            </a:defPPr>
+            <a:lvl1pPr marL="0" algn="l" defTabSz="914400" rtl="0" eaLnBrk="1" latinLnBrk="0" hangingPunct="1">
+              <a:defRPr sz="1800" kern="1200">
+                <a:solidFill>
+                  <a:schemeClr val="lt1"/>
+                </a:solidFill>
+                <a:latin typeface="+mn-lt"/>
+                <a:ea typeface="+mn-ea"/>
+                <a:cs typeface="+mn-cs"/>
+              </a:defRPr>
+            </a:lvl1pPr>
+            <a:lvl2pPr marL="457200" algn="l" defTabSz="914400" rtl="0" eaLnBrk="1" latinLnBrk="0" hangingPunct="1">
+              <a:defRPr sz="1800" kern="1200">
+                <a:solidFill>
+                  <a:schemeClr val="lt1"/>
+                </a:solidFill>
+                <a:latin typeface="+mn-lt"/>
+                <a:ea typeface="+mn-ea"/>
+                <a:cs typeface="+mn-cs"/>
+              </a:defRPr>
+            </a:lvl2pPr>
+            <a:lvl3pPr marL="914400" algn="l" defTabSz="914400" rtl="0" eaLnBrk="1" latinLnBrk="0" hangingPunct="1">
+              <a:defRPr sz="1800" kern="1200">
+                <a:solidFill>
+                  <a:schemeClr val="lt1"/>
+                </a:solidFill>
+                <a:latin typeface="+mn-lt"/>
+                <a:ea typeface="+mn-ea"/>
+                <a:cs typeface="+mn-cs"/>
+              </a:defRPr>
+            </a:lvl3pPr>
+            <a:lvl4pPr marL="1371600" algn="l" defTabSz="914400" rtl="0" eaLnBrk="1" latinLnBrk="0" hangingPunct="1">
+              <a:defRPr sz="1800" kern="1200">
+                <a:solidFill>
+                  <a:schemeClr val="lt1"/>
+                </a:solidFill>
+                <a:latin typeface="+mn-lt"/>
+                <a:ea typeface="+mn-ea"/>
+                <a:cs typeface="+mn-cs"/>
+              </a:defRPr>
+            </a:lvl4pPr>
+            <a:lvl5pPr marL="1828800" algn="l" defTabSz="914400" rtl="0" eaLnBrk="1" latinLnBrk="0" hangingPunct="1">
+              <a:defRPr sz="1800" kern="1200">
+                <a:solidFill>
+                  <a:schemeClr val="lt1"/>
+                </a:solidFill>
+                <a:latin typeface="+mn-lt"/>
+                <a:ea typeface="+mn-ea"/>
+                <a:cs typeface="+mn-cs"/>
+              </a:defRPr>
+            </a:lvl5pPr>
+            <a:lvl6pPr marL="2286000" algn="l" defTabSz="914400" rtl="0" eaLnBrk="1" latinLnBrk="0" hangingPunct="1">
+              <a:defRPr sz="1800" kern="1200">
+                <a:solidFill>
+                  <a:schemeClr val="lt1"/>
+                </a:solidFill>
+                <a:latin typeface="+mn-lt"/>
+                <a:ea typeface="+mn-ea"/>
+                <a:cs typeface="+mn-cs"/>
+              </a:defRPr>
+            </a:lvl6pPr>
+            <a:lvl7pPr marL="2743200" algn="l" defTabSz="914400" rtl="0" eaLnBrk="1" latinLnBrk="0" hangingPunct="1">
+              <a:defRPr sz="1800" kern="1200">
+                <a:solidFill>
+                  <a:schemeClr val="lt1"/>
+                </a:solidFill>
+                <a:latin typeface="+mn-lt"/>
+                <a:ea typeface="+mn-ea"/>
+                <a:cs typeface="+mn-cs"/>
+              </a:defRPr>
+            </a:lvl7pPr>
+            <a:lvl8pPr marL="3200400" algn="l" defTabSz="914400" rtl="0" eaLnBrk="1" latinLnBrk="0" hangingPunct="1">
+              <a:defRPr sz="1800" kern="1200">
+                <a:solidFill>
+                  <a:schemeClr val="lt1"/>
+                </a:solidFill>
+                <a:latin typeface="+mn-lt"/>
+                <a:ea typeface="+mn-ea"/>
+                <a:cs typeface="+mn-cs"/>
+              </a:defRPr>
+            </a:lvl8pPr>
+            <a:lvl9pPr marL="3657600" algn="l" defTabSz="914400" rtl="0" eaLnBrk="1" latinLnBrk="0" hangingPunct="1">
+              <a:defRPr sz="1800" kern="1200">
+                <a:solidFill>
+                  <a:schemeClr val="lt1"/>
+                </a:solidFill>
+                <a:latin typeface="+mn-lt"/>
+                <a:ea typeface="+mn-ea"/>
+                <a:cs typeface="+mn-cs"/>
+              </a:defRPr>
+            </a:lvl9pPr>
+          </a:lstStyle>
+          <a:p>
+            <a:r>
+              <a:rPr lang="ko-KR" altLang="en-US" sz="1050" dirty="0">
+                <a:solidFill>
+                  <a:srgbClr val="5F5F5F"/>
+                </a:solidFill>
+                <a:latin typeface="Segoe UI" panose="020B0502040204020203" pitchFamily="34" charset="0"/>
+                <a:cs typeface="Segoe UI" panose="020B0502040204020203" pitchFamily="34" charset="0"/>
+              </a:rPr>
+              <a:t>회원정보 수정</a:t>
+            </a:r>
+            <a:endParaRPr lang="en-US" sz="1050" dirty="0">
+              <a:solidFill>
+                <a:srgbClr val="5F5F5F"/>
+              </a:solidFill>
+              <a:latin typeface="Segoe UI" panose="020B0502040204020203" pitchFamily="34" charset="0"/>
+              <a:cs typeface="Segoe UI" panose="020B0502040204020203" pitchFamily="34" charset="0"/>
+            </a:endParaRPr>
+          </a:p>
+        </p:txBody>
+      </p:sp>
+      <p:grpSp>
+        <p:nvGrpSpPr>
+          <p:cNvPr id="23" name="그룹 22">
+            <a:extLst>
+              <a:ext uri="{FF2B5EF4-FFF2-40B4-BE49-F238E27FC236}">
+                <a16:creationId xmlns:a16="http://schemas.microsoft.com/office/drawing/2014/main" id="{3BC51280-4C03-4E3A-8D41-E16F677CD422}"/>
+              </a:ext>
+            </a:extLst>
+          </p:cNvPr>
+          <p:cNvGrpSpPr/>
+          <p:nvPr/>
+        </p:nvGrpSpPr>
+        <p:grpSpPr>
+          <a:xfrm>
+            <a:off x="3440280" y="3577155"/>
+            <a:ext cx="5592794" cy="1077685"/>
+            <a:chOff x="3333492" y="3429000"/>
+            <a:chExt cx="5592794" cy="1077685"/>
+          </a:xfrm>
+        </p:grpSpPr>
+        <p:grpSp>
+          <p:nvGrpSpPr>
+            <p:cNvPr id="234" name="Group Box" descr="&lt;SmartSettings&gt;&lt;SmartResize enabled=&quot;True&quot; minWidth=&quot;60&quot; minHeight=&quot;22&quot; /&gt;&lt;/SmartSettings&gt;">
+              <a:extLst>
+                <a:ext uri="{FF2B5EF4-FFF2-40B4-BE49-F238E27FC236}">
+                  <a16:creationId xmlns:a16="http://schemas.microsoft.com/office/drawing/2014/main" id="{DBB186DD-D1DA-47CC-974F-7A8B5E3763CF}"/>
+                </a:ext>
+              </a:extLst>
+            </p:cNvPr>
+            <p:cNvGrpSpPr/>
+            <p:nvPr>
+              <p:custDataLst>
+                <p:tags r:id="rId11"/>
+              </p:custDataLst>
+            </p:nvPr>
+          </p:nvGrpSpPr>
+          <p:grpSpPr>
+            <a:xfrm>
+              <a:off x="3333492" y="3429000"/>
+              <a:ext cx="5592794" cy="1077685"/>
+              <a:chOff x="603401" y="1184134"/>
+              <a:chExt cx="1761531" cy="1817981"/>
+            </a:xfrm>
+          </p:grpSpPr>
+          <p:sp>
+            <p:nvSpPr>
+              <p:cNvPr id="235" name="Panel" descr="&lt;SmartSettings&gt;&lt;SmartResize anchorLeft=&quot;Relative&quot; anchorTop=&quot;Absolute&quot; anchorRight=&quot;Relative&quot; anchorBottom=&quot;Relative&quot; /&gt;&lt;/SmartSettings&gt;">
+                <a:extLst>
+                  <a:ext uri="{FF2B5EF4-FFF2-40B4-BE49-F238E27FC236}">
+                    <a16:creationId xmlns:a16="http://schemas.microsoft.com/office/drawing/2014/main" id="{DA6C66C1-B8DE-4F96-8FE9-AA14D4EE30B6}"/>
+                  </a:ext>
+                </a:extLst>
+              </p:cNvPr>
+              <p:cNvSpPr/>
+              <p:nvPr>
+                <p:custDataLst>
+                  <p:tags r:id="rId12"/>
+                </p:custDataLst>
+              </p:nvPr>
+            </p:nvSpPr>
+            <p:spPr>
+              <a:xfrm>
+                <a:off x="603401" y="1316528"/>
+                <a:ext cx="1761531" cy="1685587"/>
+              </a:xfrm>
+              <a:prstGeom prst="rect">
+                <a:avLst/>
+              </a:prstGeom>
+              <a:solidFill>
+                <a:srgbClr val="FFFFFF"/>
+              </a:solidFill>
+              <a:ln w="6350">
+                <a:solidFill>
+                  <a:srgbClr val="808080"/>
+                </a:solidFill>
+              </a:ln>
+            </p:spPr>
+            <p:style>
+              <a:lnRef idx="2">
+                <a:schemeClr val="accent1">
+                  <a:shade val="50000"/>
+                </a:schemeClr>
+              </a:lnRef>
+              <a:fillRef idx="1">
+                <a:schemeClr val="accent1"/>
+              </a:fillRef>
+              <a:effectRef idx="0">
+                <a:schemeClr val="accent1"/>
+              </a:effectRef>
+              <a:fontRef idx="minor">
+                <a:schemeClr val="lt1"/>
+              </a:fontRef>
+            </p:style>
+            <p:txBody>
+              <a:bodyPr rot="0" spcFirstLastPara="0" vert="horz" wrap="square" lIns="91440" tIns="45720" rIns="91440" bIns="45720" numCol="1" spcCol="0" rtlCol="0" fromWordArt="0" anchor="ctr" anchorCtr="0" forceAA="0" compatLnSpc="1">
+                <a:prstTxWarp prst="textNoShape">
+                  <a:avLst/>
+                </a:prstTxWarp>
+                <a:noAutofit/>
+              </a:bodyPr>
+              <a:lstStyle>
+                <a:defPPr>
+                  <a:defRPr lang="en-US"/>
+                </a:defPPr>
+                <a:lvl1pPr marL="0" algn="l" defTabSz="914400" rtl="0" eaLnBrk="1" latinLnBrk="0" hangingPunct="1">
+                  <a:defRPr sz="1800" kern="1200">
+                    <a:solidFill>
+                      <a:schemeClr val="lt1"/>
+                    </a:solidFill>
+                    <a:latin typeface="+mn-lt"/>
+                    <a:ea typeface="+mn-ea"/>
+                    <a:cs typeface="+mn-cs"/>
+                  </a:defRPr>
+                </a:lvl1pPr>
+                <a:lvl2pPr marL="457200" algn="l" defTabSz="914400" rtl="0" eaLnBrk="1" latinLnBrk="0" hangingPunct="1">
+                  <a:defRPr sz="1800" kern="1200">
+                    <a:solidFill>
+                      <a:schemeClr val="lt1"/>
+                    </a:solidFill>
+                    <a:latin typeface="+mn-lt"/>
+                    <a:ea typeface="+mn-ea"/>
+                    <a:cs typeface="+mn-cs"/>
+                  </a:defRPr>
+                </a:lvl2pPr>
+                <a:lvl3pPr marL="914400" algn="l" defTabSz="914400" rtl="0" eaLnBrk="1" latinLnBrk="0" hangingPunct="1">
+                  <a:defRPr sz="1800" kern="1200">
+                    <a:solidFill>
+                      <a:schemeClr val="lt1"/>
+                    </a:solidFill>
+                    <a:latin typeface="+mn-lt"/>
+                    <a:ea typeface="+mn-ea"/>
+                    <a:cs typeface="+mn-cs"/>
+                  </a:defRPr>
+                </a:lvl3pPr>
+                <a:lvl4pPr marL="1371600" algn="l" defTabSz="914400" rtl="0" eaLnBrk="1" latinLnBrk="0" hangingPunct="1">
+                  <a:defRPr sz="1800" kern="1200">
+                    <a:solidFill>
+                      <a:schemeClr val="lt1"/>
+                    </a:solidFill>
+                    <a:latin typeface="+mn-lt"/>
+                    <a:ea typeface="+mn-ea"/>
+                    <a:cs typeface="+mn-cs"/>
+                  </a:defRPr>
+                </a:lvl4pPr>
+                <a:lvl5pPr marL="1828800" algn="l" defTabSz="914400" rtl="0" eaLnBrk="1" latinLnBrk="0" hangingPunct="1">
+                  <a:defRPr sz="1800" kern="1200">
+                    <a:solidFill>
+                      <a:schemeClr val="lt1"/>
+                    </a:solidFill>
+                    <a:latin typeface="+mn-lt"/>
+                    <a:ea typeface="+mn-ea"/>
+                    <a:cs typeface="+mn-cs"/>
+                  </a:defRPr>
+                </a:lvl5pPr>
+                <a:lvl6pPr marL="2286000" algn="l" defTabSz="914400" rtl="0" eaLnBrk="1" latinLnBrk="0" hangingPunct="1">
+                  <a:defRPr sz="1800" kern="1200">
+                    <a:solidFill>
+                      <a:schemeClr val="lt1"/>
+                    </a:solidFill>
+                    <a:latin typeface="+mn-lt"/>
+                    <a:ea typeface="+mn-ea"/>
+                    <a:cs typeface="+mn-cs"/>
+                  </a:defRPr>
+                </a:lvl6pPr>
+                <a:lvl7pPr marL="2743200" algn="l" defTabSz="914400" rtl="0" eaLnBrk="1" latinLnBrk="0" hangingPunct="1">
+                  <a:defRPr sz="1800" kern="1200">
+                    <a:solidFill>
+                      <a:schemeClr val="lt1"/>
+                    </a:solidFill>
+                    <a:latin typeface="+mn-lt"/>
+                    <a:ea typeface="+mn-ea"/>
+                    <a:cs typeface="+mn-cs"/>
+                  </a:defRPr>
+                </a:lvl7pPr>
+                <a:lvl8pPr marL="3200400" algn="l" defTabSz="914400" rtl="0" eaLnBrk="1" latinLnBrk="0" hangingPunct="1">
+                  <a:defRPr sz="1800" kern="1200">
+                    <a:solidFill>
+                      <a:schemeClr val="lt1"/>
+                    </a:solidFill>
+                    <a:latin typeface="+mn-lt"/>
+                    <a:ea typeface="+mn-ea"/>
+                    <a:cs typeface="+mn-cs"/>
+                  </a:defRPr>
+                </a:lvl8pPr>
+                <a:lvl9pPr marL="3657600" algn="l" defTabSz="914400" rtl="0" eaLnBrk="1" latinLnBrk="0" hangingPunct="1">
+                  <a:defRPr sz="1800" kern="1200">
+                    <a:solidFill>
+                      <a:schemeClr val="lt1"/>
+                    </a:solidFill>
+                    <a:latin typeface="+mn-lt"/>
+                    <a:ea typeface="+mn-ea"/>
+                    <a:cs typeface="+mn-cs"/>
+                  </a:defRPr>
+                </a:lvl9pPr>
+              </a:lstStyle>
+              <a:p>
+                <a:endParaRPr lang="en-US" altLang="ko-KR" sz="900" b="1" u="sng" dirty="0">
+                  <a:solidFill>
+                    <a:srgbClr val="5F5F5F"/>
+                  </a:solidFill>
+                  <a:latin typeface="Segoe UI" panose="020B0502040204020203" pitchFamily="34" charset="0"/>
+                  <a:cs typeface="Segoe UI" panose="020B0502040204020203" pitchFamily="34" charset="0"/>
+                </a:endParaRPr>
+              </a:p>
+              <a:p>
+                <a:endParaRPr lang="en-US" altLang="ko-KR" sz="900" b="1" u="sng" dirty="0">
+                  <a:solidFill>
+                    <a:srgbClr val="5F5F5F"/>
+                  </a:solidFill>
+                  <a:latin typeface="Segoe UI" panose="020B0502040204020203" pitchFamily="34" charset="0"/>
+                  <a:cs typeface="Segoe UI" panose="020B0502040204020203" pitchFamily="34" charset="0"/>
+                </a:endParaRPr>
+              </a:p>
+              <a:p>
+                <a:r>
+                  <a:rPr lang="ko-KR" altLang="en-US" sz="900" b="1" u="sng" dirty="0">
+                    <a:solidFill>
+                      <a:srgbClr val="5F5F5F"/>
+                    </a:solidFill>
+                    <a:latin typeface="Segoe UI" panose="020B0502040204020203" pitchFamily="34" charset="0"/>
+                    <a:cs typeface="Segoe UI" panose="020B0502040204020203" pitchFamily="34" charset="0"/>
+                  </a:rPr>
+                  <a:t>가게 명</a:t>
+                </a:r>
+                <a:r>
+                  <a:rPr lang="en-US" altLang="ko-KR" sz="900" b="1" u="sng" dirty="0">
+                    <a:solidFill>
+                      <a:srgbClr val="5F5F5F"/>
+                    </a:solidFill>
+                    <a:latin typeface="Segoe UI" panose="020B0502040204020203" pitchFamily="34" charset="0"/>
+                    <a:cs typeface="Segoe UI" panose="020B0502040204020203" pitchFamily="34" charset="0"/>
+                  </a:rPr>
+                  <a:t>(CLICK </a:t>
+                </a:r>
+                <a:r>
+                  <a:rPr lang="en-US" altLang="ko-KR" sz="900" b="1" u="sng" dirty="0">
+                    <a:solidFill>
+                      <a:srgbClr val="5F5F5F"/>
+                    </a:solidFill>
+                    <a:latin typeface="Segoe UI" panose="020B0502040204020203" pitchFamily="34" charset="0"/>
+                    <a:cs typeface="Segoe UI" panose="020B0502040204020203" pitchFamily="34" charset="0"/>
+                    <a:sym typeface="Wingdings" panose="05000000000000000000" pitchFamily="2" charset="2"/>
+                  </a:rPr>
+                  <a:t> </a:t>
+                </a:r>
+                <a:r>
+                  <a:rPr lang="ko-KR" altLang="en-US" sz="900" b="1" u="sng" dirty="0">
+                    <a:solidFill>
+                      <a:srgbClr val="5F5F5F"/>
+                    </a:solidFill>
+                    <a:latin typeface="Segoe UI" panose="020B0502040204020203" pitchFamily="34" charset="0"/>
+                    <a:cs typeface="Segoe UI" panose="020B0502040204020203" pitchFamily="34" charset="0"/>
+                    <a:sym typeface="Wingdings" panose="05000000000000000000" pitchFamily="2" charset="2"/>
+                  </a:rPr>
+                  <a:t>가게 상세 페이지로 이동</a:t>
+                </a:r>
+                <a:r>
+                  <a:rPr lang="en-US" altLang="ko-KR" sz="900" b="1" u="sng" dirty="0">
+                    <a:solidFill>
+                      <a:srgbClr val="5F5F5F"/>
+                    </a:solidFill>
+                    <a:latin typeface="Segoe UI" panose="020B0502040204020203" pitchFamily="34" charset="0"/>
+                    <a:cs typeface="Segoe UI" panose="020B0502040204020203" pitchFamily="34" charset="0"/>
+                  </a:rPr>
+                  <a:t>)</a:t>
+                </a:r>
+                <a:r>
+                  <a:rPr lang="en-US" altLang="ko-KR" sz="900" dirty="0">
+                    <a:solidFill>
+                      <a:srgbClr val="5F5F5F"/>
+                    </a:solidFill>
+                    <a:latin typeface="Segoe UI" panose="020B0502040204020203" pitchFamily="34" charset="0"/>
+                    <a:cs typeface="Segoe UI" panose="020B0502040204020203" pitchFamily="34" charset="0"/>
+                  </a:rPr>
+                  <a:t>  –  </a:t>
+                </a:r>
+                <a:r>
+                  <a:rPr lang="ko-KR" altLang="en-US" sz="900" dirty="0">
+                    <a:solidFill>
+                      <a:srgbClr val="5F5F5F"/>
+                    </a:solidFill>
+                    <a:latin typeface="Segoe UI" panose="020B0502040204020203" pitchFamily="34" charset="0"/>
+                    <a:cs typeface="Segoe UI" panose="020B0502040204020203" pitchFamily="34" charset="0"/>
+                  </a:rPr>
+                  <a:t>부여 </a:t>
+                </a:r>
+                <a:r>
+                  <a:rPr lang="ko-KR" altLang="en-US" sz="900" dirty="0" err="1">
+                    <a:solidFill>
+                      <a:srgbClr val="5F5F5F"/>
+                    </a:solidFill>
+                    <a:latin typeface="Segoe UI" panose="020B0502040204020203" pitchFamily="34" charset="0"/>
+                    <a:cs typeface="Segoe UI" panose="020B0502040204020203" pitchFamily="34" charset="0"/>
+                  </a:rPr>
+                  <a:t>별점</a:t>
+                </a:r>
+                <a:r>
+                  <a:rPr lang="ko-KR" altLang="en-US" sz="900" dirty="0">
+                    <a:solidFill>
+                      <a:srgbClr val="5F5F5F"/>
+                    </a:solidFill>
+                    <a:latin typeface="Segoe UI" panose="020B0502040204020203" pitchFamily="34" charset="0"/>
+                    <a:cs typeface="Segoe UI" panose="020B0502040204020203" pitchFamily="34" charset="0"/>
+                  </a:rPr>
+                  <a:t> </a:t>
+                </a:r>
+                <a:endParaRPr lang="en-US" altLang="ko-KR" sz="900" dirty="0">
+                  <a:solidFill>
+                    <a:srgbClr val="5F5F5F"/>
+                  </a:solidFill>
+                  <a:latin typeface="Segoe UI" panose="020B0502040204020203" pitchFamily="34" charset="0"/>
+                  <a:cs typeface="Segoe UI" panose="020B0502040204020203" pitchFamily="34" charset="0"/>
+                </a:endParaRPr>
+              </a:p>
+              <a:p>
+                <a:r>
+                  <a:rPr lang="ko-KR" altLang="en-US" sz="900" dirty="0">
+                    <a:solidFill>
+                      <a:srgbClr val="5F5F5F"/>
+                    </a:solidFill>
+                    <a:latin typeface="Segoe UI" panose="020B0502040204020203" pitchFamily="34" charset="0"/>
+                    <a:cs typeface="Segoe UI" panose="020B0502040204020203" pitchFamily="34" charset="0"/>
+                  </a:rPr>
+                  <a:t>작성 날짜</a:t>
+                </a:r>
+                <a:endParaRPr lang="en-US" altLang="ko-KR" sz="900" dirty="0">
+                  <a:solidFill>
+                    <a:srgbClr val="5F5F5F"/>
+                  </a:solidFill>
+                  <a:latin typeface="Segoe UI" panose="020B0502040204020203" pitchFamily="34" charset="0"/>
+                  <a:cs typeface="Segoe UI" panose="020B0502040204020203" pitchFamily="34" charset="0"/>
+                </a:endParaRPr>
+              </a:p>
+              <a:p>
+                <a:endParaRPr lang="en-US" altLang="ko-KR" sz="900" dirty="0">
+                  <a:solidFill>
+                    <a:srgbClr val="5F5F5F"/>
+                  </a:solidFill>
+                  <a:latin typeface="Segoe UI" panose="020B0502040204020203" pitchFamily="34" charset="0"/>
+                  <a:cs typeface="Segoe UI" panose="020B0502040204020203" pitchFamily="34" charset="0"/>
+                </a:endParaRPr>
+              </a:p>
+              <a:p>
+                <a:r>
+                  <a:rPr lang="ko-KR" altLang="en-US" sz="900" dirty="0">
+                    <a:solidFill>
+                      <a:srgbClr val="5F5F5F"/>
+                    </a:solidFill>
+                    <a:latin typeface="Segoe UI" panose="020B0502040204020203" pitchFamily="34" charset="0"/>
+                    <a:cs typeface="Segoe UI" panose="020B0502040204020203" pitchFamily="34" charset="0"/>
+                  </a:rPr>
+                  <a:t>댓글 내용</a:t>
+                </a:r>
+                <a:endParaRPr lang="en-US" altLang="ko-KR" sz="900" dirty="0">
+                  <a:solidFill>
+                    <a:srgbClr val="5F5F5F"/>
+                  </a:solidFill>
+                  <a:latin typeface="Segoe UI" panose="020B0502040204020203" pitchFamily="34" charset="0"/>
+                  <a:cs typeface="Segoe UI" panose="020B0502040204020203" pitchFamily="34" charset="0"/>
+                </a:endParaRPr>
+              </a:p>
+              <a:p>
+                <a:endParaRPr lang="en-US" altLang="ko-KR" sz="900" dirty="0">
+                  <a:solidFill>
+                    <a:srgbClr val="5F5F5F"/>
+                  </a:solidFill>
+                  <a:latin typeface="Segoe UI" panose="020B0502040204020203" pitchFamily="34" charset="0"/>
+                  <a:cs typeface="Segoe UI" panose="020B0502040204020203" pitchFamily="34" charset="0"/>
+                </a:endParaRPr>
+              </a:p>
+              <a:p>
+                <a:endParaRPr lang="en-US" altLang="ko-KR" sz="900" dirty="0">
+                  <a:solidFill>
+                    <a:srgbClr val="5F5F5F"/>
+                  </a:solidFill>
+                  <a:latin typeface="Segoe UI" panose="020B0502040204020203" pitchFamily="34" charset="0"/>
+                  <a:cs typeface="Segoe UI" panose="020B0502040204020203" pitchFamily="34" charset="0"/>
+                </a:endParaRPr>
+              </a:p>
+            </p:txBody>
+          </p:sp>
+          <p:sp>
+            <p:nvSpPr>
+              <p:cNvPr id="236" name="Label" descr="&lt;SmartSettings&gt;&lt;SmartResize anchorLeft=&quot;Absolute&quot; anchorTop=&quot;Absolute&quot; anchorRight=&quot;None&quot; anchorBottom=&quot;None&quot; /&gt;&lt;/SmartSettings&gt;">
+                <a:extLst>
+                  <a:ext uri="{FF2B5EF4-FFF2-40B4-BE49-F238E27FC236}">
+                    <a16:creationId xmlns:a16="http://schemas.microsoft.com/office/drawing/2014/main" id="{DB1275B6-52FD-482E-9299-FF8B9C34A1A3}"/>
+                  </a:ext>
+                </a:extLst>
+              </p:cNvPr>
+              <p:cNvSpPr txBox="1"/>
+              <p:nvPr>
+                <p:custDataLst>
+                  <p:tags r:id="rId13"/>
+                </p:custDataLst>
+              </p:nvPr>
+            </p:nvSpPr>
+            <p:spPr>
+              <a:xfrm>
+                <a:off x="629566" y="1184134"/>
+                <a:ext cx="95969" cy="264791"/>
+              </a:xfrm>
+              <a:prstGeom prst="rect">
+                <a:avLst/>
+              </a:prstGeom>
+              <a:solidFill>
+                <a:srgbClr val="FFFFFF"/>
+              </a:solidFill>
+            </p:spPr>
+            <p:txBody>
+              <a:bodyPr wrap="none" lIns="36576" tIns="9144" rIns="36576" bIns="9144" rtlCol="0">
+                <a:spAutoFit/>
+              </a:bodyPr>
+              <a:lstStyle>
+                <a:defPPr>
+                  <a:defRPr lang="en-US"/>
+                </a:defPPr>
+                <a:lvl1pPr marL="0" algn="l" defTabSz="914400" rtl="0" eaLnBrk="1" latinLnBrk="0" hangingPunct="1">
+                  <a:defRPr sz="1800" kern="1200">
+                    <a:solidFill>
+                      <a:schemeClr val="tx1"/>
+                    </a:solidFill>
+                    <a:latin typeface="+mn-lt"/>
+                    <a:ea typeface="+mn-ea"/>
+                    <a:cs typeface="+mn-cs"/>
+                  </a:defRPr>
+                </a:lvl1pPr>
+                <a:lvl2pPr marL="457200" algn="l" defTabSz="914400" rtl="0" eaLnBrk="1" latinLnBrk="0" hangingPunct="1">
+                  <a:defRPr sz="1800" kern="1200">
+                    <a:solidFill>
+                      <a:schemeClr val="tx1"/>
+                    </a:solidFill>
+                    <a:latin typeface="+mn-lt"/>
+                    <a:ea typeface="+mn-ea"/>
+                    <a:cs typeface="+mn-cs"/>
+                  </a:defRPr>
+                </a:lvl2pPr>
+                <a:lvl3pPr marL="914400" algn="l" defTabSz="914400" rtl="0" eaLnBrk="1" latinLnBrk="0" hangingPunct="1">
+                  <a:defRPr sz="1800" kern="1200">
+                    <a:solidFill>
+                      <a:schemeClr val="tx1"/>
+                    </a:solidFill>
+                    <a:latin typeface="+mn-lt"/>
+                    <a:ea typeface="+mn-ea"/>
+                    <a:cs typeface="+mn-cs"/>
+                  </a:defRPr>
+                </a:lvl3pPr>
+                <a:lvl4pPr marL="1371600" algn="l" defTabSz="914400" rtl="0" eaLnBrk="1" latinLnBrk="0" hangingPunct="1">
+                  <a:defRPr sz="1800" kern="1200">
+                    <a:solidFill>
+                      <a:schemeClr val="tx1"/>
+                    </a:solidFill>
+                    <a:latin typeface="+mn-lt"/>
+                    <a:ea typeface="+mn-ea"/>
+                    <a:cs typeface="+mn-cs"/>
+                  </a:defRPr>
+                </a:lvl4pPr>
+                <a:lvl5pPr marL="1828800" algn="l" defTabSz="914400" rtl="0" eaLnBrk="1" latinLnBrk="0" hangingPunct="1">
+                  <a:defRPr sz="1800" kern="1200">
+                    <a:solidFill>
+                      <a:schemeClr val="tx1"/>
+                    </a:solidFill>
+                    <a:latin typeface="+mn-lt"/>
+                    <a:ea typeface="+mn-ea"/>
+                    <a:cs typeface="+mn-cs"/>
+                  </a:defRPr>
+                </a:lvl5pPr>
+                <a:lvl6pPr marL="2286000" algn="l" defTabSz="914400" rtl="0" eaLnBrk="1" latinLnBrk="0" hangingPunct="1">
+                  <a:defRPr sz="1800" kern="1200">
+                    <a:solidFill>
+                      <a:schemeClr val="tx1"/>
+                    </a:solidFill>
+                    <a:latin typeface="+mn-lt"/>
+                    <a:ea typeface="+mn-ea"/>
+                    <a:cs typeface="+mn-cs"/>
+                  </a:defRPr>
+                </a:lvl6pPr>
+                <a:lvl7pPr marL="2743200" algn="l" defTabSz="914400" rtl="0" eaLnBrk="1" latinLnBrk="0" hangingPunct="1">
+                  <a:defRPr sz="1800" kern="1200">
+                    <a:solidFill>
+                      <a:schemeClr val="tx1"/>
+                    </a:solidFill>
+                    <a:latin typeface="+mn-lt"/>
+                    <a:ea typeface="+mn-ea"/>
+                    <a:cs typeface="+mn-cs"/>
+                  </a:defRPr>
+                </a:lvl7pPr>
+                <a:lvl8pPr marL="3200400" algn="l" defTabSz="914400" rtl="0" eaLnBrk="1" latinLnBrk="0" hangingPunct="1">
+                  <a:defRPr sz="1800" kern="1200">
+                    <a:solidFill>
+                      <a:schemeClr val="tx1"/>
+                    </a:solidFill>
+                    <a:latin typeface="+mn-lt"/>
+                    <a:ea typeface="+mn-ea"/>
+                    <a:cs typeface="+mn-cs"/>
+                  </a:defRPr>
+                </a:lvl8pPr>
+                <a:lvl9pPr marL="3657600" algn="l" defTabSz="914400" rtl="0" eaLnBrk="1" latinLnBrk="0" hangingPunct="1">
+                  <a:defRPr sz="1800" kern="1200">
+                    <a:solidFill>
+                      <a:schemeClr val="tx1"/>
+                    </a:solidFill>
+                    <a:latin typeface="+mn-lt"/>
+                    <a:ea typeface="+mn-ea"/>
+                    <a:cs typeface="+mn-cs"/>
+                  </a:defRPr>
+                </a:lvl9pPr>
+              </a:lstStyle>
+              <a:p>
+                <a:r>
+                  <a:rPr lang="ko-KR" altLang="en-US" sz="900" dirty="0">
+                    <a:solidFill>
+                      <a:srgbClr val="5F5F5F"/>
+                    </a:solidFill>
+                    <a:latin typeface="Segoe UI" panose="020B0502040204020203" pitchFamily="34" charset="0"/>
+                    <a:cs typeface="Segoe UI" panose="020B0502040204020203" pitchFamily="34" charset="0"/>
+                  </a:rPr>
+                  <a:t>댓글</a:t>
+                </a:r>
+                <a:endParaRPr lang="en-US" sz="900" dirty="0">
+                  <a:solidFill>
+                    <a:srgbClr val="5F5F5F"/>
+                  </a:solidFill>
+                  <a:latin typeface="Segoe UI" panose="020B0502040204020203" pitchFamily="34" charset="0"/>
+                  <a:cs typeface="Segoe UI" panose="020B0502040204020203" pitchFamily="34" charset="0"/>
+                </a:endParaRPr>
+              </a:p>
+            </p:txBody>
+          </p:sp>
+        </p:grpSp>
+        <p:grpSp>
+          <p:nvGrpSpPr>
+            <p:cNvPr id="22" name="그룹 21">
+              <a:extLst>
+                <a:ext uri="{FF2B5EF4-FFF2-40B4-BE49-F238E27FC236}">
+                  <a16:creationId xmlns:a16="http://schemas.microsoft.com/office/drawing/2014/main" id="{2A0D6368-30E2-4F3F-9582-A1C9BDC97FE8}"/>
+                </a:ext>
+              </a:extLst>
+            </p:cNvPr>
+            <p:cNvGrpSpPr/>
+            <p:nvPr/>
+          </p:nvGrpSpPr>
+          <p:grpSpPr>
+            <a:xfrm>
+              <a:off x="7860153" y="4088982"/>
+              <a:ext cx="978160" cy="310539"/>
+              <a:chOff x="8066981" y="4056193"/>
+              <a:chExt cx="978160" cy="310539"/>
+            </a:xfrm>
+          </p:grpSpPr>
+          <p:sp>
+            <p:nvSpPr>
+              <p:cNvPr id="237" name="Button">
+                <a:extLst>
+                  <a:ext uri="{FF2B5EF4-FFF2-40B4-BE49-F238E27FC236}">
+                    <a16:creationId xmlns:a16="http://schemas.microsoft.com/office/drawing/2014/main" id="{0E1167DD-F324-4A46-B5C6-3885D817BFE9}"/>
+                  </a:ext>
+                </a:extLst>
+              </p:cNvPr>
+              <p:cNvSpPr/>
+              <p:nvPr/>
+            </p:nvSpPr>
+            <p:spPr>
+              <a:xfrm>
+                <a:off x="8066981" y="4056193"/>
+                <a:ext cx="471532" cy="310539"/>
+              </a:xfrm>
+              <a:prstGeom prst="roundRect">
+                <a:avLst>
+                  <a:gd name="adj" fmla="val 11182"/>
+                </a:avLst>
+              </a:prstGeom>
+              <a:solidFill>
+                <a:srgbClr val="FFFFFF"/>
+              </a:solidFill>
+              <a:ln w="6350">
+                <a:solidFill>
+                  <a:srgbClr val="808080"/>
+                </a:solidFill>
+              </a:ln>
+            </p:spPr>
+            <p:style>
+              <a:lnRef idx="2">
+                <a:schemeClr val="accent1">
+                  <a:shade val="50000"/>
+                </a:schemeClr>
+              </a:lnRef>
+              <a:fillRef idx="1">
+                <a:schemeClr val="accent1"/>
+              </a:fillRef>
+              <a:effectRef idx="0">
+                <a:schemeClr val="accent1"/>
+              </a:effectRef>
+              <a:fontRef idx="minor">
+                <a:schemeClr val="lt1"/>
+              </a:fontRef>
+            </p:style>
+            <p:txBody>
+              <a:bodyPr rot="0" spcFirstLastPara="0" vert="horz" wrap="none" lIns="91440" tIns="64008" rIns="91440" bIns="64008" numCol="1" spcCol="0" rtlCol="0" fromWordArt="0" anchor="ctr" anchorCtr="0" forceAA="0" compatLnSpc="1">
+                <a:prstTxWarp prst="textNoShape">
+                  <a:avLst/>
+                </a:prstTxWarp>
+                <a:spAutoFit/>
+              </a:bodyPr>
+              <a:lstStyle>
+                <a:defPPr>
+                  <a:defRPr lang="en-US"/>
+                </a:defPPr>
+                <a:lvl1pPr marL="0" algn="l" defTabSz="914400" rtl="0" eaLnBrk="1" latinLnBrk="0" hangingPunct="1">
+                  <a:defRPr sz="1800" kern="1200">
+                    <a:solidFill>
+                      <a:schemeClr val="lt1"/>
+                    </a:solidFill>
+                    <a:latin typeface="+mn-lt"/>
+                    <a:ea typeface="+mn-ea"/>
+                    <a:cs typeface="+mn-cs"/>
+                  </a:defRPr>
+                </a:lvl1pPr>
+                <a:lvl2pPr marL="457200" algn="l" defTabSz="914400" rtl="0" eaLnBrk="1" latinLnBrk="0" hangingPunct="1">
+                  <a:defRPr sz="1800" kern="1200">
+                    <a:solidFill>
+                      <a:schemeClr val="lt1"/>
+                    </a:solidFill>
+                    <a:latin typeface="+mn-lt"/>
+                    <a:ea typeface="+mn-ea"/>
+                    <a:cs typeface="+mn-cs"/>
+                  </a:defRPr>
+                </a:lvl2pPr>
+                <a:lvl3pPr marL="914400" algn="l" defTabSz="914400" rtl="0" eaLnBrk="1" latinLnBrk="0" hangingPunct="1">
+                  <a:defRPr sz="1800" kern="1200">
+                    <a:solidFill>
+                      <a:schemeClr val="lt1"/>
+                    </a:solidFill>
+                    <a:latin typeface="+mn-lt"/>
+                    <a:ea typeface="+mn-ea"/>
+                    <a:cs typeface="+mn-cs"/>
+                  </a:defRPr>
+                </a:lvl3pPr>
+                <a:lvl4pPr marL="1371600" algn="l" defTabSz="914400" rtl="0" eaLnBrk="1" latinLnBrk="0" hangingPunct="1">
+                  <a:defRPr sz="1800" kern="1200">
+                    <a:solidFill>
+                      <a:schemeClr val="lt1"/>
+                    </a:solidFill>
+                    <a:latin typeface="+mn-lt"/>
+                    <a:ea typeface="+mn-ea"/>
+                    <a:cs typeface="+mn-cs"/>
+                  </a:defRPr>
+                </a:lvl4pPr>
+                <a:lvl5pPr marL="1828800" algn="l" defTabSz="914400" rtl="0" eaLnBrk="1" latinLnBrk="0" hangingPunct="1">
+                  <a:defRPr sz="1800" kern="1200">
+                    <a:solidFill>
+                      <a:schemeClr val="lt1"/>
+                    </a:solidFill>
+                    <a:latin typeface="+mn-lt"/>
+                    <a:ea typeface="+mn-ea"/>
+                    <a:cs typeface="+mn-cs"/>
+                  </a:defRPr>
+                </a:lvl5pPr>
+                <a:lvl6pPr marL="2286000" algn="l" defTabSz="914400" rtl="0" eaLnBrk="1" latinLnBrk="0" hangingPunct="1">
+                  <a:defRPr sz="1800" kern="1200">
+                    <a:solidFill>
+                      <a:schemeClr val="lt1"/>
+                    </a:solidFill>
+                    <a:latin typeface="+mn-lt"/>
+                    <a:ea typeface="+mn-ea"/>
+                    <a:cs typeface="+mn-cs"/>
+                  </a:defRPr>
+                </a:lvl6pPr>
+                <a:lvl7pPr marL="2743200" algn="l" defTabSz="914400" rtl="0" eaLnBrk="1" latinLnBrk="0" hangingPunct="1">
+                  <a:defRPr sz="1800" kern="1200">
+                    <a:solidFill>
+                      <a:schemeClr val="lt1"/>
+                    </a:solidFill>
+                    <a:latin typeface="+mn-lt"/>
+                    <a:ea typeface="+mn-ea"/>
+                    <a:cs typeface="+mn-cs"/>
+                  </a:defRPr>
+                </a:lvl7pPr>
+                <a:lvl8pPr marL="3200400" algn="l" defTabSz="914400" rtl="0" eaLnBrk="1" latinLnBrk="0" hangingPunct="1">
+                  <a:defRPr sz="1800" kern="1200">
+                    <a:solidFill>
+                      <a:schemeClr val="lt1"/>
+                    </a:solidFill>
+                    <a:latin typeface="+mn-lt"/>
+                    <a:ea typeface="+mn-ea"/>
+                    <a:cs typeface="+mn-cs"/>
+                  </a:defRPr>
+                </a:lvl8pPr>
+                <a:lvl9pPr marL="3657600" algn="l" defTabSz="914400" rtl="0" eaLnBrk="1" latinLnBrk="0" hangingPunct="1">
+                  <a:defRPr sz="1800" kern="1200">
+                    <a:solidFill>
+                      <a:schemeClr val="lt1"/>
+                    </a:solidFill>
+                    <a:latin typeface="+mn-lt"/>
+                    <a:ea typeface="+mn-ea"/>
+                    <a:cs typeface="+mn-cs"/>
+                  </a:defRPr>
+                </a:lvl9pPr>
+              </a:lstStyle>
+              <a:p>
+                <a:r>
+                  <a:rPr lang="ko-KR" altLang="en-US" sz="1050" dirty="0">
+                    <a:solidFill>
+                      <a:srgbClr val="5F5F5F"/>
+                    </a:solidFill>
+                    <a:latin typeface="Segoe UI" panose="020B0502040204020203" pitchFamily="34" charset="0"/>
+                    <a:cs typeface="Segoe UI" panose="020B0502040204020203" pitchFamily="34" charset="0"/>
+                  </a:rPr>
+                  <a:t>수정</a:t>
+                </a:r>
+                <a:endParaRPr lang="en-US" sz="1050" dirty="0">
+                  <a:solidFill>
+                    <a:srgbClr val="5F5F5F"/>
+                  </a:solidFill>
+                  <a:latin typeface="Segoe UI" panose="020B0502040204020203" pitchFamily="34" charset="0"/>
+                  <a:cs typeface="Segoe UI" panose="020B0502040204020203" pitchFamily="34" charset="0"/>
+                </a:endParaRPr>
+              </a:p>
+            </p:txBody>
+          </p:sp>
+          <p:sp>
+            <p:nvSpPr>
+              <p:cNvPr id="238" name="Button">
+                <a:extLst>
+                  <a:ext uri="{FF2B5EF4-FFF2-40B4-BE49-F238E27FC236}">
+                    <a16:creationId xmlns:a16="http://schemas.microsoft.com/office/drawing/2014/main" id="{9BB90041-AFCF-4EEB-B465-0B2C8E3EEF01}"/>
+                  </a:ext>
+                </a:extLst>
+              </p:cNvPr>
+              <p:cNvSpPr/>
+              <p:nvPr/>
+            </p:nvSpPr>
+            <p:spPr>
+              <a:xfrm>
+                <a:off x="8573609" y="4056193"/>
+                <a:ext cx="471532" cy="310539"/>
+              </a:xfrm>
+              <a:prstGeom prst="roundRect">
+                <a:avLst>
+                  <a:gd name="adj" fmla="val 11182"/>
+                </a:avLst>
+              </a:prstGeom>
+              <a:solidFill>
+                <a:srgbClr val="FFFFFF"/>
+              </a:solidFill>
+              <a:ln w="6350">
+                <a:solidFill>
+                  <a:srgbClr val="808080"/>
+                </a:solidFill>
+              </a:ln>
+            </p:spPr>
+            <p:style>
+              <a:lnRef idx="2">
+                <a:schemeClr val="accent1">
+                  <a:shade val="50000"/>
+                </a:schemeClr>
+              </a:lnRef>
+              <a:fillRef idx="1">
+                <a:schemeClr val="accent1"/>
+              </a:fillRef>
+              <a:effectRef idx="0">
+                <a:schemeClr val="accent1"/>
+              </a:effectRef>
+              <a:fontRef idx="minor">
+                <a:schemeClr val="lt1"/>
+              </a:fontRef>
+            </p:style>
+            <p:txBody>
+              <a:bodyPr rot="0" spcFirstLastPara="0" vert="horz" wrap="none" lIns="91440" tIns="64008" rIns="91440" bIns="64008" numCol="1" spcCol="0" rtlCol="0" fromWordArt="0" anchor="ctr" anchorCtr="0" forceAA="0" compatLnSpc="1">
+                <a:prstTxWarp prst="textNoShape">
+                  <a:avLst/>
+                </a:prstTxWarp>
+                <a:spAutoFit/>
+              </a:bodyPr>
+              <a:lstStyle>
+                <a:defPPr>
+                  <a:defRPr lang="en-US"/>
+                </a:defPPr>
+                <a:lvl1pPr marL="0" algn="l" defTabSz="914400" rtl="0" eaLnBrk="1" latinLnBrk="0" hangingPunct="1">
+                  <a:defRPr sz="1800" kern="1200">
+                    <a:solidFill>
+                      <a:schemeClr val="lt1"/>
+                    </a:solidFill>
+                    <a:latin typeface="+mn-lt"/>
+                    <a:ea typeface="+mn-ea"/>
+                    <a:cs typeface="+mn-cs"/>
+                  </a:defRPr>
+                </a:lvl1pPr>
+                <a:lvl2pPr marL="457200" algn="l" defTabSz="914400" rtl="0" eaLnBrk="1" latinLnBrk="0" hangingPunct="1">
+                  <a:defRPr sz="1800" kern="1200">
+                    <a:solidFill>
+                      <a:schemeClr val="lt1"/>
+                    </a:solidFill>
+                    <a:latin typeface="+mn-lt"/>
+                    <a:ea typeface="+mn-ea"/>
+                    <a:cs typeface="+mn-cs"/>
+                  </a:defRPr>
+                </a:lvl2pPr>
+                <a:lvl3pPr marL="914400" algn="l" defTabSz="914400" rtl="0" eaLnBrk="1" latinLnBrk="0" hangingPunct="1">
+                  <a:defRPr sz="1800" kern="1200">
+                    <a:solidFill>
+                      <a:schemeClr val="lt1"/>
+                    </a:solidFill>
+                    <a:latin typeface="+mn-lt"/>
+                    <a:ea typeface="+mn-ea"/>
+                    <a:cs typeface="+mn-cs"/>
+                  </a:defRPr>
+                </a:lvl3pPr>
+                <a:lvl4pPr marL="1371600" algn="l" defTabSz="914400" rtl="0" eaLnBrk="1" latinLnBrk="0" hangingPunct="1">
+                  <a:defRPr sz="1800" kern="1200">
+                    <a:solidFill>
+                      <a:schemeClr val="lt1"/>
+                    </a:solidFill>
+                    <a:latin typeface="+mn-lt"/>
+                    <a:ea typeface="+mn-ea"/>
+                    <a:cs typeface="+mn-cs"/>
+                  </a:defRPr>
+                </a:lvl4pPr>
+                <a:lvl5pPr marL="1828800" algn="l" defTabSz="914400" rtl="0" eaLnBrk="1" latinLnBrk="0" hangingPunct="1">
+                  <a:defRPr sz="1800" kern="1200">
+                    <a:solidFill>
+                      <a:schemeClr val="lt1"/>
+                    </a:solidFill>
+                    <a:latin typeface="+mn-lt"/>
+                    <a:ea typeface="+mn-ea"/>
+                    <a:cs typeface="+mn-cs"/>
+                  </a:defRPr>
+                </a:lvl5pPr>
+                <a:lvl6pPr marL="2286000" algn="l" defTabSz="914400" rtl="0" eaLnBrk="1" latinLnBrk="0" hangingPunct="1">
+                  <a:defRPr sz="1800" kern="1200">
+                    <a:solidFill>
+                      <a:schemeClr val="lt1"/>
+                    </a:solidFill>
+                    <a:latin typeface="+mn-lt"/>
+                    <a:ea typeface="+mn-ea"/>
+                    <a:cs typeface="+mn-cs"/>
+                  </a:defRPr>
+                </a:lvl6pPr>
+                <a:lvl7pPr marL="2743200" algn="l" defTabSz="914400" rtl="0" eaLnBrk="1" latinLnBrk="0" hangingPunct="1">
+                  <a:defRPr sz="1800" kern="1200">
+                    <a:solidFill>
+                      <a:schemeClr val="lt1"/>
+                    </a:solidFill>
+                    <a:latin typeface="+mn-lt"/>
+                    <a:ea typeface="+mn-ea"/>
+                    <a:cs typeface="+mn-cs"/>
+                  </a:defRPr>
+                </a:lvl7pPr>
+                <a:lvl8pPr marL="3200400" algn="l" defTabSz="914400" rtl="0" eaLnBrk="1" latinLnBrk="0" hangingPunct="1">
+                  <a:defRPr sz="1800" kern="1200">
+                    <a:solidFill>
+                      <a:schemeClr val="lt1"/>
+                    </a:solidFill>
+                    <a:latin typeface="+mn-lt"/>
+                    <a:ea typeface="+mn-ea"/>
+                    <a:cs typeface="+mn-cs"/>
+                  </a:defRPr>
+                </a:lvl8pPr>
+                <a:lvl9pPr marL="3657600" algn="l" defTabSz="914400" rtl="0" eaLnBrk="1" latinLnBrk="0" hangingPunct="1">
+                  <a:defRPr sz="1800" kern="1200">
+                    <a:solidFill>
+                      <a:schemeClr val="lt1"/>
+                    </a:solidFill>
+                    <a:latin typeface="+mn-lt"/>
+                    <a:ea typeface="+mn-ea"/>
+                    <a:cs typeface="+mn-cs"/>
+                  </a:defRPr>
+                </a:lvl9pPr>
+              </a:lstStyle>
+              <a:p>
+                <a:r>
+                  <a:rPr lang="ko-KR" altLang="en-US" sz="1050" dirty="0">
+                    <a:solidFill>
+                      <a:srgbClr val="5F5F5F"/>
+                    </a:solidFill>
+                    <a:latin typeface="Segoe UI" panose="020B0502040204020203" pitchFamily="34" charset="0"/>
+                    <a:cs typeface="Segoe UI" panose="020B0502040204020203" pitchFamily="34" charset="0"/>
+                  </a:rPr>
+                  <a:t>삭제</a:t>
+                </a:r>
+                <a:endParaRPr lang="en-US" sz="1050" dirty="0">
+                  <a:solidFill>
+                    <a:srgbClr val="5F5F5F"/>
+                  </a:solidFill>
+                  <a:latin typeface="Segoe UI" panose="020B0502040204020203" pitchFamily="34" charset="0"/>
+                  <a:cs typeface="Segoe UI" panose="020B0502040204020203" pitchFamily="34" charset="0"/>
+                </a:endParaRPr>
+              </a:p>
+            </p:txBody>
+          </p:sp>
+        </p:grpSp>
+      </p:grpSp>
+      <p:grpSp>
+        <p:nvGrpSpPr>
+          <p:cNvPr id="239" name="그룹 238">
+            <a:extLst>
+              <a:ext uri="{FF2B5EF4-FFF2-40B4-BE49-F238E27FC236}">
+                <a16:creationId xmlns:a16="http://schemas.microsoft.com/office/drawing/2014/main" id="{E43D5D26-7A36-40DB-A76D-F6A0A80FF38D}"/>
+              </a:ext>
+            </a:extLst>
+          </p:cNvPr>
+          <p:cNvGrpSpPr/>
+          <p:nvPr/>
+        </p:nvGrpSpPr>
+        <p:grpSpPr>
+          <a:xfrm>
+            <a:off x="3440280" y="4766868"/>
+            <a:ext cx="5592794" cy="1077685"/>
+            <a:chOff x="3333492" y="3429000"/>
+            <a:chExt cx="5592794" cy="1077685"/>
+          </a:xfrm>
+        </p:grpSpPr>
+        <p:grpSp>
+          <p:nvGrpSpPr>
+            <p:cNvPr id="240" name="Group Box" descr="&lt;SmartSettings&gt;&lt;SmartResize enabled=&quot;True&quot; minWidth=&quot;60&quot; minHeight=&quot;22&quot; /&gt;&lt;/SmartSettings&gt;">
+              <a:extLst>
+                <a:ext uri="{FF2B5EF4-FFF2-40B4-BE49-F238E27FC236}">
+                  <a16:creationId xmlns:a16="http://schemas.microsoft.com/office/drawing/2014/main" id="{DB10E181-14FB-45B1-A619-74C93AE48CAF}"/>
+                </a:ext>
+              </a:extLst>
+            </p:cNvPr>
+            <p:cNvGrpSpPr/>
+            <p:nvPr>
+              <p:custDataLst>
+                <p:tags r:id="rId8"/>
+              </p:custDataLst>
+            </p:nvPr>
+          </p:nvGrpSpPr>
+          <p:grpSpPr>
+            <a:xfrm>
+              <a:off x="3333492" y="3429000"/>
+              <a:ext cx="5592794" cy="1077685"/>
+              <a:chOff x="603401" y="1184134"/>
+              <a:chExt cx="1761531" cy="1817981"/>
+            </a:xfrm>
+          </p:grpSpPr>
+          <p:sp>
+            <p:nvSpPr>
+              <p:cNvPr id="244" name="Panel" descr="&lt;SmartSettings&gt;&lt;SmartResize anchorLeft=&quot;Relative&quot; anchorTop=&quot;Absolute&quot; anchorRight=&quot;Relative&quot; anchorBottom=&quot;Relative&quot; /&gt;&lt;/SmartSettings&gt;">
+                <a:extLst>
+                  <a:ext uri="{FF2B5EF4-FFF2-40B4-BE49-F238E27FC236}">
+                    <a16:creationId xmlns:a16="http://schemas.microsoft.com/office/drawing/2014/main" id="{8D8D8BF8-F6B2-454C-B2E0-25E8666399D0}"/>
+                  </a:ext>
+                </a:extLst>
+              </p:cNvPr>
+              <p:cNvSpPr/>
+              <p:nvPr>
+                <p:custDataLst>
+                  <p:tags r:id="rId9"/>
+                </p:custDataLst>
+              </p:nvPr>
+            </p:nvSpPr>
+            <p:spPr>
+              <a:xfrm>
+                <a:off x="603401" y="1316528"/>
+                <a:ext cx="1761531" cy="1685587"/>
+              </a:xfrm>
+              <a:prstGeom prst="rect">
+                <a:avLst/>
+              </a:prstGeom>
+              <a:solidFill>
+                <a:srgbClr val="FFFFFF"/>
+              </a:solidFill>
+              <a:ln w="6350">
+                <a:solidFill>
+                  <a:srgbClr val="808080"/>
+                </a:solidFill>
+              </a:ln>
+            </p:spPr>
+            <p:style>
+              <a:lnRef idx="2">
+                <a:schemeClr val="accent1">
+                  <a:shade val="50000"/>
+                </a:schemeClr>
+              </a:lnRef>
+              <a:fillRef idx="1">
+                <a:schemeClr val="accent1"/>
+              </a:fillRef>
+              <a:effectRef idx="0">
+                <a:schemeClr val="accent1"/>
+              </a:effectRef>
+              <a:fontRef idx="minor">
+                <a:schemeClr val="lt1"/>
+              </a:fontRef>
+            </p:style>
+            <p:txBody>
+              <a:bodyPr rot="0" spcFirstLastPara="0" vert="horz" wrap="square" lIns="91440" tIns="45720" rIns="91440" bIns="45720" numCol="1" spcCol="0" rtlCol="0" fromWordArt="0" anchor="ctr" anchorCtr="0" forceAA="0" compatLnSpc="1">
+                <a:prstTxWarp prst="textNoShape">
+                  <a:avLst/>
+                </a:prstTxWarp>
+                <a:noAutofit/>
+              </a:bodyPr>
+              <a:lstStyle>
+                <a:defPPr>
+                  <a:defRPr lang="en-US"/>
+                </a:defPPr>
+                <a:lvl1pPr marL="0" algn="l" defTabSz="914400" rtl="0" eaLnBrk="1" latinLnBrk="0" hangingPunct="1">
+                  <a:defRPr sz="1800" kern="1200">
+                    <a:solidFill>
+                      <a:schemeClr val="lt1"/>
+                    </a:solidFill>
+                    <a:latin typeface="+mn-lt"/>
+                    <a:ea typeface="+mn-ea"/>
+                    <a:cs typeface="+mn-cs"/>
+                  </a:defRPr>
+                </a:lvl1pPr>
+                <a:lvl2pPr marL="457200" algn="l" defTabSz="914400" rtl="0" eaLnBrk="1" latinLnBrk="0" hangingPunct="1">
+                  <a:defRPr sz="1800" kern="1200">
+                    <a:solidFill>
+                      <a:schemeClr val="lt1"/>
+                    </a:solidFill>
+                    <a:latin typeface="+mn-lt"/>
+                    <a:ea typeface="+mn-ea"/>
+                    <a:cs typeface="+mn-cs"/>
+                  </a:defRPr>
+                </a:lvl2pPr>
+                <a:lvl3pPr marL="914400" algn="l" defTabSz="914400" rtl="0" eaLnBrk="1" latinLnBrk="0" hangingPunct="1">
+                  <a:defRPr sz="1800" kern="1200">
+                    <a:solidFill>
+                      <a:schemeClr val="lt1"/>
+                    </a:solidFill>
+                    <a:latin typeface="+mn-lt"/>
+                    <a:ea typeface="+mn-ea"/>
+                    <a:cs typeface="+mn-cs"/>
+                  </a:defRPr>
+                </a:lvl3pPr>
+                <a:lvl4pPr marL="1371600" algn="l" defTabSz="914400" rtl="0" eaLnBrk="1" latinLnBrk="0" hangingPunct="1">
+                  <a:defRPr sz="1800" kern="1200">
+                    <a:solidFill>
+                      <a:schemeClr val="lt1"/>
+                    </a:solidFill>
+                    <a:latin typeface="+mn-lt"/>
+                    <a:ea typeface="+mn-ea"/>
+                    <a:cs typeface="+mn-cs"/>
+                  </a:defRPr>
+                </a:lvl4pPr>
+                <a:lvl5pPr marL="1828800" algn="l" defTabSz="914400" rtl="0" eaLnBrk="1" latinLnBrk="0" hangingPunct="1">
+                  <a:defRPr sz="1800" kern="1200">
+                    <a:solidFill>
+                      <a:schemeClr val="lt1"/>
+                    </a:solidFill>
+                    <a:latin typeface="+mn-lt"/>
+                    <a:ea typeface="+mn-ea"/>
+                    <a:cs typeface="+mn-cs"/>
+                  </a:defRPr>
+                </a:lvl5pPr>
+                <a:lvl6pPr marL="2286000" algn="l" defTabSz="914400" rtl="0" eaLnBrk="1" latinLnBrk="0" hangingPunct="1">
+                  <a:defRPr sz="1800" kern="1200">
+                    <a:solidFill>
+                      <a:schemeClr val="lt1"/>
+                    </a:solidFill>
+                    <a:latin typeface="+mn-lt"/>
+                    <a:ea typeface="+mn-ea"/>
+                    <a:cs typeface="+mn-cs"/>
+                  </a:defRPr>
+                </a:lvl6pPr>
+                <a:lvl7pPr marL="2743200" algn="l" defTabSz="914400" rtl="0" eaLnBrk="1" latinLnBrk="0" hangingPunct="1">
+                  <a:defRPr sz="1800" kern="1200">
+                    <a:solidFill>
+                      <a:schemeClr val="lt1"/>
+                    </a:solidFill>
+                    <a:latin typeface="+mn-lt"/>
+                    <a:ea typeface="+mn-ea"/>
+                    <a:cs typeface="+mn-cs"/>
+                  </a:defRPr>
+                </a:lvl7pPr>
+                <a:lvl8pPr marL="3200400" algn="l" defTabSz="914400" rtl="0" eaLnBrk="1" latinLnBrk="0" hangingPunct="1">
+                  <a:defRPr sz="1800" kern="1200">
+                    <a:solidFill>
+                      <a:schemeClr val="lt1"/>
+                    </a:solidFill>
+                    <a:latin typeface="+mn-lt"/>
+                    <a:ea typeface="+mn-ea"/>
+                    <a:cs typeface="+mn-cs"/>
+                  </a:defRPr>
+                </a:lvl8pPr>
+                <a:lvl9pPr marL="3657600" algn="l" defTabSz="914400" rtl="0" eaLnBrk="1" latinLnBrk="0" hangingPunct="1">
+                  <a:defRPr sz="1800" kern="1200">
+                    <a:solidFill>
+                      <a:schemeClr val="lt1"/>
+                    </a:solidFill>
+                    <a:latin typeface="+mn-lt"/>
+                    <a:ea typeface="+mn-ea"/>
+                    <a:cs typeface="+mn-cs"/>
+                  </a:defRPr>
+                </a:lvl9pPr>
+              </a:lstStyle>
+              <a:p>
+                <a:endParaRPr lang="en-US" altLang="ko-KR" sz="900" b="1" u="sng" dirty="0">
+                  <a:solidFill>
+                    <a:srgbClr val="5F5F5F"/>
+                  </a:solidFill>
+                  <a:latin typeface="Segoe UI" panose="020B0502040204020203" pitchFamily="34" charset="0"/>
+                  <a:cs typeface="Segoe UI" panose="020B0502040204020203" pitchFamily="34" charset="0"/>
+                </a:endParaRPr>
+              </a:p>
+              <a:p>
+                <a:endParaRPr lang="en-US" altLang="ko-KR" sz="900" b="1" u="sng" dirty="0">
+                  <a:solidFill>
+                    <a:srgbClr val="5F5F5F"/>
+                  </a:solidFill>
+                  <a:latin typeface="Segoe UI" panose="020B0502040204020203" pitchFamily="34" charset="0"/>
+                  <a:cs typeface="Segoe UI" panose="020B0502040204020203" pitchFamily="34" charset="0"/>
+                </a:endParaRPr>
+              </a:p>
+              <a:p>
+                <a:r>
+                  <a:rPr lang="ko-KR" altLang="en-US" sz="900" b="1" u="sng" dirty="0">
+                    <a:solidFill>
+                      <a:srgbClr val="5F5F5F"/>
+                    </a:solidFill>
+                    <a:latin typeface="Segoe UI" panose="020B0502040204020203" pitchFamily="34" charset="0"/>
+                    <a:cs typeface="Segoe UI" panose="020B0502040204020203" pitchFamily="34" charset="0"/>
+                  </a:rPr>
+                  <a:t>가게 명</a:t>
+                </a:r>
+                <a:r>
+                  <a:rPr lang="en-US" altLang="ko-KR" sz="900" b="1" u="sng" dirty="0">
+                    <a:solidFill>
+                      <a:srgbClr val="5F5F5F"/>
+                    </a:solidFill>
+                    <a:latin typeface="Segoe UI" panose="020B0502040204020203" pitchFamily="34" charset="0"/>
+                    <a:cs typeface="Segoe UI" panose="020B0502040204020203" pitchFamily="34" charset="0"/>
+                  </a:rPr>
+                  <a:t>(CLICK </a:t>
+                </a:r>
+                <a:r>
+                  <a:rPr lang="en-US" altLang="ko-KR" sz="900" b="1" u="sng" dirty="0">
+                    <a:solidFill>
+                      <a:srgbClr val="5F5F5F"/>
+                    </a:solidFill>
+                    <a:latin typeface="Segoe UI" panose="020B0502040204020203" pitchFamily="34" charset="0"/>
+                    <a:cs typeface="Segoe UI" panose="020B0502040204020203" pitchFamily="34" charset="0"/>
+                    <a:sym typeface="Wingdings" panose="05000000000000000000" pitchFamily="2" charset="2"/>
+                  </a:rPr>
+                  <a:t> </a:t>
+                </a:r>
+                <a:r>
+                  <a:rPr lang="ko-KR" altLang="en-US" sz="900" b="1" u="sng" dirty="0">
+                    <a:solidFill>
+                      <a:srgbClr val="5F5F5F"/>
+                    </a:solidFill>
+                    <a:latin typeface="Segoe UI" panose="020B0502040204020203" pitchFamily="34" charset="0"/>
+                    <a:cs typeface="Segoe UI" panose="020B0502040204020203" pitchFamily="34" charset="0"/>
+                    <a:sym typeface="Wingdings" panose="05000000000000000000" pitchFamily="2" charset="2"/>
+                  </a:rPr>
+                  <a:t>가게 상세 페이지로 이동</a:t>
+                </a:r>
+                <a:r>
+                  <a:rPr lang="en-US" altLang="ko-KR" sz="900" b="1" u="sng" dirty="0">
+                    <a:solidFill>
+                      <a:srgbClr val="5F5F5F"/>
+                    </a:solidFill>
+                    <a:latin typeface="Segoe UI" panose="020B0502040204020203" pitchFamily="34" charset="0"/>
+                    <a:cs typeface="Segoe UI" panose="020B0502040204020203" pitchFamily="34" charset="0"/>
+                  </a:rPr>
+                  <a:t>)</a:t>
+                </a:r>
+                <a:r>
+                  <a:rPr lang="en-US" altLang="ko-KR" sz="900" dirty="0">
+                    <a:solidFill>
+                      <a:srgbClr val="5F5F5F"/>
+                    </a:solidFill>
+                    <a:latin typeface="Segoe UI" panose="020B0502040204020203" pitchFamily="34" charset="0"/>
+                    <a:cs typeface="Segoe UI" panose="020B0502040204020203" pitchFamily="34" charset="0"/>
+                  </a:rPr>
+                  <a:t>  –  </a:t>
+                </a:r>
+                <a:r>
+                  <a:rPr lang="ko-KR" altLang="en-US" sz="900" dirty="0">
+                    <a:solidFill>
+                      <a:srgbClr val="5F5F5F"/>
+                    </a:solidFill>
+                    <a:latin typeface="Segoe UI" panose="020B0502040204020203" pitchFamily="34" charset="0"/>
+                    <a:cs typeface="Segoe UI" panose="020B0502040204020203" pitchFamily="34" charset="0"/>
+                  </a:rPr>
+                  <a:t>부여 </a:t>
+                </a:r>
+                <a:r>
+                  <a:rPr lang="ko-KR" altLang="en-US" sz="900" dirty="0" err="1">
+                    <a:solidFill>
+                      <a:srgbClr val="5F5F5F"/>
+                    </a:solidFill>
+                    <a:latin typeface="Segoe UI" panose="020B0502040204020203" pitchFamily="34" charset="0"/>
+                    <a:cs typeface="Segoe UI" panose="020B0502040204020203" pitchFamily="34" charset="0"/>
+                  </a:rPr>
+                  <a:t>별점</a:t>
+                </a:r>
+                <a:r>
+                  <a:rPr lang="ko-KR" altLang="en-US" sz="900" dirty="0">
+                    <a:solidFill>
+                      <a:srgbClr val="5F5F5F"/>
+                    </a:solidFill>
+                    <a:latin typeface="Segoe UI" panose="020B0502040204020203" pitchFamily="34" charset="0"/>
+                    <a:cs typeface="Segoe UI" panose="020B0502040204020203" pitchFamily="34" charset="0"/>
+                  </a:rPr>
+                  <a:t> </a:t>
+                </a:r>
+                <a:endParaRPr lang="en-US" altLang="ko-KR" sz="900" dirty="0">
+                  <a:solidFill>
+                    <a:srgbClr val="5F5F5F"/>
+                  </a:solidFill>
+                  <a:latin typeface="Segoe UI" panose="020B0502040204020203" pitchFamily="34" charset="0"/>
+                  <a:cs typeface="Segoe UI" panose="020B0502040204020203" pitchFamily="34" charset="0"/>
+                </a:endParaRPr>
+              </a:p>
+              <a:p>
+                <a:r>
+                  <a:rPr lang="ko-KR" altLang="en-US" sz="900" dirty="0">
+                    <a:solidFill>
+                      <a:srgbClr val="5F5F5F"/>
+                    </a:solidFill>
+                    <a:latin typeface="Segoe UI" panose="020B0502040204020203" pitchFamily="34" charset="0"/>
+                    <a:cs typeface="Segoe UI" panose="020B0502040204020203" pitchFamily="34" charset="0"/>
+                  </a:rPr>
+                  <a:t>작성 날짜</a:t>
+                </a:r>
+                <a:endParaRPr lang="en-US" altLang="ko-KR" sz="900" dirty="0">
+                  <a:solidFill>
+                    <a:srgbClr val="5F5F5F"/>
+                  </a:solidFill>
+                  <a:latin typeface="Segoe UI" panose="020B0502040204020203" pitchFamily="34" charset="0"/>
+                  <a:cs typeface="Segoe UI" panose="020B0502040204020203" pitchFamily="34" charset="0"/>
+                </a:endParaRPr>
+              </a:p>
+              <a:p>
+                <a:endParaRPr lang="en-US" altLang="ko-KR" sz="900" dirty="0">
+                  <a:solidFill>
+                    <a:srgbClr val="5F5F5F"/>
+                  </a:solidFill>
+                  <a:latin typeface="Segoe UI" panose="020B0502040204020203" pitchFamily="34" charset="0"/>
+                  <a:cs typeface="Segoe UI" panose="020B0502040204020203" pitchFamily="34" charset="0"/>
+                </a:endParaRPr>
+              </a:p>
+              <a:p>
+                <a:r>
+                  <a:rPr lang="ko-KR" altLang="en-US" sz="900" dirty="0">
+                    <a:solidFill>
+                      <a:srgbClr val="5F5F5F"/>
+                    </a:solidFill>
+                    <a:latin typeface="Segoe UI" panose="020B0502040204020203" pitchFamily="34" charset="0"/>
+                    <a:cs typeface="Segoe UI" panose="020B0502040204020203" pitchFamily="34" charset="0"/>
+                  </a:rPr>
+                  <a:t>댓글 내용</a:t>
+                </a:r>
+                <a:endParaRPr lang="en-US" altLang="ko-KR" sz="900" dirty="0">
+                  <a:solidFill>
+                    <a:srgbClr val="5F5F5F"/>
+                  </a:solidFill>
+                  <a:latin typeface="Segoe UI" panose="020B0502040204020203" pitchFamily="34" charset="0"/>
+                  <a:cs typeface="Segoe UI" panose="020B0502040204020203" pitchFamily="34" charset="0"/>
+                </a:endParaRPr>
+              </a:p>
+              <a:p>
+                <a:endParaRPr lang="en-US" altLang="ko-KR" sz="900" dirty="0">
+                  <a:solidFill>
+                    <a:srgbClr val="5F5F5F"/>
+                  </a:solidFill>
+                  <a:latin typeface="Segoe UI" panose="020B0502040204020203" pitchFamily="34" charset="0"/>
+                  <a:cs typeface="Segoe UI" panose="020B0502040204020203" pitchFamily="34" charset="0"/>
+                </a:endParaRPr>
+              </a:p>
+              <a:p>
+                <a:endParaRPr lang="en-US" altLang="ko-KR" sz="900" dirty="0">
+                  <a:solidFill>
+                    <a:srgbClr val="5F5F5F"/>
+                  </a:solidFill>
+                  <a:latin typeface="Segoe UI" panose="020B0502040204020203" pitchFamily="34" charset="0"/>
+                  <a:cs typeface="Segoe UI" panose="020B0502040204020203" pitchFamily="34" charset="0"/>
+                </a:endParaRPr>
+              </a:p>
+            </p:txBody>
+          </p:sp>
+          <p:sp>
+            <p:nvSpPr>
+              <p:cNvPr id="245" name="Label" descr="&lt;SmartSettings&gt;&lt;SmartResize anchorLeft=&quot;Absolute&quot; anchorTop=&quot;Absolute&quot; anchorRight=&quot;None&quot; anchorBottom=&quot;None&quot; /&gt;&lt;/SmartSettings&gt;">
+                <a:extLst>
+                  <a:ext uri="{FF2B5EF4-FFF2-40B4-BE49-F238E27FC236}">
+                    <a16:creationId xmlns:a16="http://schemas.microsoft.com/office/drawing/2014/main" id="{00B27603-B123-492F-99A8-86BC2575EB8C}"/>
+                  </a:ext>
+                </a:extLst>
+              </p:cNvPr>
+              <p:cNvSpPr txBox="1"/>
+              <p:nvPr>
+                <p:custDataLst>
+                  <p:tags r:id="rId10"/>
+                </p:custDataLst>
+              </p:nvPr>
+            </p:nvSpPr>
+            <p:spPr>
+              <a:xfrm>
+                <a:off x="629566" y="1184134"/>
+                <a:ext cx="95969" cy="264791"/>
+              </a:xfrm>
+              <a:prstGeom prst="rect">
+                <a:avLst/>
+              </a:prstGeom>
+              <a:solidFill>
+                <a:srgbClr val="FFFFFF"/>
+              </a:solidFill>
+            </p:spPr>
+            <p:txBody>
+              <a:bodyPr wrap="none" lIns="36576" tIns="9144" rIns="36576" bIns="9144" rtlCol="0">
+                <a:spAutoFit/>
+              </a:bodyPr>
+              <a:lstStyle>
+                <a:defPPr>
+                  <a:defRPr lang="en-US"/>
+                </a:defPPr>
+                <a:lvl1pPr marL="0" algn="l" defTabSz="914400" rtl="0" eaLnBrk="1" latinLnBrk="0" hangingPunct="1">
+                  <a:defRPr sz="1800" kern="1200">
+                    <a:solidFill>
+                      <a:schemeClr val="tx1"/>
+                    </a:solidFill>
+                    <a:latin typeface="+mn-lt"/>
+                    <a:ea typeface="+mn-ea"/>
+                    <a:cs typeface="+mn-cs"/>
+                  </a:defRPr>
+                </a:lvl1pPr>
+                <a:lvl2pPr marL="457200" algn="l" defTabSz="914400" rtl="0" eaLnBrk="1" latinLnBrk="0" hangingPunct="1">
+                  <a:defRPr sz="1800" kern="1200">
+                    <a:solidFill>
+                      <a:schemeClr val="tx1"/>
+                    </a:solidFill>
+                    <a:latin typeface="+mn-lt"/>
+                    <a:ea typeface="+mn-ea"/>
+                    <a:cs typeface="+mn-cs"/>
+                  </a:defRPr>
+                </a:lvl2pPr>
+                <a:lvl3pPr marL="914400" algn="l" defTabSz="914400" rtl="0" eaLnBrk="1" latinLnBrk="0" hangingPunct="1">
+                  <a:defRPr sz="1800" kern="1200">
+                    <a:solidFill>
+                      <a:schemeClr val="tx1"/>
+                    </a:solidFill>
+                    <a:latin typeface="+mn-lt"/>
+                    <a:ea typeface="+mn-ea"/>
+                    <a:cs typeface="+mn-cs"/>
+                  </a:defRPr>
+                </a:lvl3pPr>
+                <a:lvl4pPr marL="1371600" algn="l" defTabSz="914400" rtl="0" eaLnBrk="1" latinLnBrk="0" hangingPunct="1">
+                  <a:defRPr sz="1800" kern="1200">
+                    <a:solidFill>
+                      <a:schemeClr val="tx1"/>
+                    </a:solidFill>
+                    <a:latin typeface="+mn-lt"/>
+                    <a:ea typeface="+mn-ea"/>
+                    <a:cs typeface="+mn-cs"/>
+                  </a:defRPr>
+                </a:lvl4pPr>
+                <a:lvl5pPr marL="1828800" algn="l" defTabSz="914400" rtl="0" eaLnBrk="1" latinLnBrk="0" hangingPunct="1">
+                  <a:defRPr sz="1800" kern="1200">
+                    <a:solidFill>
+                      <a:schemeClr val="tx1"/>
+                    </a:solidFill>
+                    <a:latin typeface="+mn-lt"/>
+                    <a:ea typeface="+mn-ea"/>
+                    <a:cs typeface="+mn-cs"/>
+                  </a:defRPr>
+                </a:lvl5pPr>
+                <a:lvl6pPr marL="2286000" algn="l" defTabSz="914400" rtl="0" eaLnBrk="1" latinLnBrk="0" hangingPunct="1">
+                  <a:defRPr sz="1800" kern="1200">
+                    <a:solidFill>
+                      <a:schemeClr val="tx1"/>
+                    </a:solidFill>
+                    <a:latin typeface="+mn-lt"/>
+                    <a:ea typeface="+mn-ea"/>
+                    <a:cs typeface="+mn-cs"/>
+                  </a:defRPr>
+                </a:lvl6pPr>
+                <a:lvl7pPr marL="2743200" algn="l" defTabSz="914400" rtl="0" eaLnBrk="1" latinLnBrk="0" hangingPunct="1">
+                  <a:defRPr sz="1800" kern="1200">
+                    <a:solidFill>
+                      <a:schemeClr val="tx1"/>
+                    </a:solidFill>
+                    <a:latin typeface="+mn-lt"/>
+                    <a:ea typeface="+mn-ea"/>
+                    <a:cs typeface="+mn-cs"/>
+                  </a:defRPr>
+                </a:lvl7pPr>
+                <a:lvl8pPr marL="3200400" algn="l" defTabSz="914400" rtl="0" eaLnBrk="1" latinLnBrk="0" hangingPunct="1">
+                  <a:defRPr sz="1800" kern="1200">
+                    <a:solidFill>
+                      <a:schemeClr val="tx1"/>
+                    </a:solidFill>
+                    <a:latin typeface="+mn-lt"/>
+                    <a:ea typeface="+mn-ea"/>
+                    <a:cs typeface="+mn-cs"/>
+                  </a:defRPr>
+                </a:lvl8pPr>
+                <a:lvl9pPr marL="3657600" algn="l" defTabSz="914400" rtl="0" eaLnBrk="1" latinLnBrk="0" hangingPunct="1">
+                  <a:defRPr sz="1800" kern="1200">
+                    <a:solidFill>
+                      <a:schemeClr val="tx1"/>
+                    </a:solidFill>
+                    <a:latin typeface="+mn-lt"/>
+                    <a:ea typeface="+mn-ea"/>
+                    <a:cs typeface="+mn-cs"/>
+                  </a:defRPr>
+                </a:lvl9pPr>
+              </a:lstStyle>
+              <a:p>
+                <a:r>
+                  <a:rPr lang="ko-KR" altLang="en-US" sz="900" dirty="0">
+                    <a:solidFill>
+                      <a:srgbClr val="5F5F5F"/>
+                    </a:solidFill>
+                    <a:latin typeface="Segoe UI" panose="020B0502040204020203" pitchFamily="34" charset="0"/>
+                    <a:cs typeface="Segoe UI" panose="020B0502040204020203" pitchFamily="34" charset="0"/>
+                  </a:rPr>
+                  <a:t>댓글</a:t>
+                </a:r>
+                <a:endParaRPr lang="en-US" sz="900" dirty="0">
+                  <a:solidFill>
+                    <a:srgbClr val="5F5F5F"/>
+                  </a:solidFill>
+                  <a:latin typeface="Segoe UI" panose="020B0502040204020203" pitchFamily="34" charset="0"/>
+                  <a:cs typeface="Segoe UI" panose="020B0502040204020203" pitchFamily="34" charset="0"/>
+                </a:endParaRPr>
+              </a:p>
+            </p:txBody>
+          </p:sp>
+        </p:grpSp>
+        <p:grpSp>
+          <p:nvGrpSpPr>
+            <p:cNvPr id="241" name="그룹 240">
+              <a:extLst>
+                <a:ext uri="{FF2B5EF4-FFF2-40B4-BE49-F238E27FC236}">
+                  <a16:creationId xmlns:a16="http://schemas.microsoft.com/office/drawing/2014/main" id="{DF5D57D4-9261-4C31-906A-3300CA7707A5}"/>
+                </a:ext>
+              </a:extLst>
+            </p:cNvPr>
+            <p:cNvGrpSpPr/>
+            <p:nvPr/>
+          </p:nvGrpSpPr>
+          <p:grpSpPr>
+            <a:xfrm>
+              <a:off x="7860153" y="4088982"/>
+              <a:ext cx="978160" cy="310539"/>
+              <a:chOff x="8066981" y="4056193"/>
+              <a:chExt cx="978160" cy="310539"/>
+            </a:xfrm>
+          </p:grpSpPr>
+          <p:sp>
+            <p:nvSpPr>
+              <p:cNvPr id="242" name="Button">
+                <a:extLst>
+                  <a:ext uri="{FF2B5EF4-FFF2-40B4-BE49-F238E27FC236}">
+                    <a16:creationId xmlns:a16="http://schemas.microsoft.com/office/drawing/2014/main" id="{7FD82F16-E731-4F18-AF55-75ED73AF4FD7}"/>
+                  </a:ext>
+                </a:extLst>
+              </p:cNvPr>
+              <p:cNvSpPr/>
+              <p:nvPr/>
+            </p:nvSpPr>
+            <p:spPr>
+              <a:xfrm>
+                <a:off x="8066981" y="4056193"/>
+                <a:ext cx="471532" cy="310539"/>
+              </a:xfrm>
+              <a:prstGeom prst="roundRect">
+                <a:avLst>
+                  <a:gd name="adj" fmla="val 11182"/>
+                </a:avLst>
+              </a:prstGeom>
+              <a:solidFill>
+                <a:srgbClr val="FFFFFF"/>
+              </a:solidFill>
+              <a:ln w="6350">
+                <a:solidFill>
+                  <a:srgbClr val="808080"/>
+                </a:solidFill>
+              </a:ln>
+            </p:spPr>
+            <p:style>
+              <a:lnRef idx="2">
+                <a:schemeClr val="accent1">
+                  <a:shade val="50000"/>
+                </a:schemeClr>
+              </a:lnRef>
+              <a:fillRef idx="1">
+                <a:schemeClr val="accent1"/>
+              </a:fillRef>
+              <a:effectRef idx="0">
+                <a:schemeClr val="accent1"/>
+              </a:effectRef>
+              <a:fontRef idx="minor">
+                <a:schemeClr val="lt1"/>
+              </a:fontRef>
+            </p:style>
+            <p:txBody>
+              <a:bodyPr rot="0" spcFirstLastPara="0" vert="horz" wrap="none" lIns="91440" tIns="64008" rIns="91440" bIns="64008" numCol="1" spcCol="0" rtlCol="0" fromWordArt="0" anchor="ctr" anchorCtr="0" forceAA="0" compatLnSpc="1">
+                <a:prstTxWarp prst="textNoShape">
+                  <a:avLst/>
+                </a:prstTxWarp>
+                <a:spAutoFit/>
+              </a:bodyPr>
+              <a:lstStyle>
+                <a:defPPr>
+                  <a:defRPr lang="en-US"/>
+                </a:defPPr>
+                <a:lvl1pPr marL="0" algn="l" defTabSz="914400" rtl="0" eaLnBrk="1" latinLnBrk="0" hangingPunct="1">
+                  <a:defRPr sz="1800" kern="1200">
+                    <a:solidFill>
+                      <a:schemeClr val="lt1"/>
+                    </a:solidFill>
+                    <a:latin typeface="+mn-lt"/>
+                    <a:ea typeface="+mn-ea"/>
+                    <a:cs typeface="+mn-cs"/>
+                  </a:defRPr>
+                </a:lvl1pPr>
+                <a:lvl2pPr marL="457200" algn="l" defTabSz="914400" rtl="0" eaLnBrk="1" latinLnBrk="0" hangingPunct="1">
+                  <a:defRPr sz="1800" kern="1200">
+                    <a:solidFill>
+                      <a:schemeClr val="lt1"/>
+                    </a:solidFill>
+                    <a:latin typeface="+mn-lt"/>
+                    <a:ea typeface="+mn-ea"/>
+                    <a:cs typeface="+mn-cs"/>
+                  </a:defRPr>
+                </a:lvl2pPr>
+                <a:lvl3pPr marL="914400" algn="l" defTabSz="914400" rtl="0" eaLnBrk="1" latinLnBrk="0" hangingPunct="1">
+                  <a:defRPr sz="1800" kern="1200">
+                    <a:solidFill>
+                      <a:schemeClr val="lt1"/>
+                    </a:solidFill>
+                    <a:latin typeface="+mn-lt"/>
+                    <a:ea typeface="+mn-ea"/>
+                    <a:cs typeface="+mn-cs"/>
+                  </a:defRPr>
+                </a:lvl3pPr>
+                <a:lvl4pPr marL="1371600" algn="l" defTabSz="914400" rtl="0" eaLnBrk="1" latinLnBrk="0" hangingPunct="1">
+                  <a:defRPr sz="1800" kern="1200">
+                    <a:solidFill>
+                      <a:schemeClr val="lt1"/>
+                    </a:solidFill>
+                    <a:latin typeface="+mn-lt"/>
+                    <a:ea typeface="+mn-ea"/>
+                    <a:cs typeface="+mn-cs"/>
+                  </a:defRPr>
+                </a:lvl4pPr>
+                <a:lvl5pPr marL="1828800" algn="l" defTabSz="914400" rtl="0" eaLnBrk="1" latinLnBrk="0" hangingPunct="1">
+                  <a:defRPr sz="1800" kern="1200">
+                    <a:solidFill>
+                      <a:schemeClr val="lt1"/>
+                    </a:solidFill>
+                    <a:latin typeface="+mn-lt"/>
+                    <a:ea typeface="+mn-ea"/>
+                    <a:cs typeface="+mn-cs"/>
+                  </a:defRPr>
+                </a:lvl5pPr>
+                <a:lvl6pPr marL="2286000" algn="l" defTabSz="914400" rtl="0" eaLnBrk="1" latinLnBrk="0" hangingPunct="1">
+                  <a:defRPr sz="1800" kern="1200">
+                    <a:solidFill>
+                      <a:schemeClr val="lt1"/>
+                    </a:solidFill>
+                    <a:latin typeface="+mn-lt"/>
+                    <a:ea typeface="+mn-ea"/>
+                    <a:cs typeface="+mn-cs"/>
+                  </a:defRPr>
+                </a:lvl6pPr>
+                <a:lvl7pPr marL="2743200" algn="l" defTabSz="914400" rtl="0" eaLnBrk="1" latinLnBrk="0" hangingPunct="1">
+                  <a:defRPr sz="1800" kern="1200">
+                    <a:solidFill>
+                      <a:schemeClr val="lt1"/>
+                    </a:solidFill>
+                    <a:latin typeface="+mn-lt"/>
+                    <a:ea typeface="+mn-ea"/>
+                    <a:cs typeface="+mn-cs"/>
+                  </a:defRPr>
+                </a:lvl7pPr>
+                <a:lvl8pPr marL="3200400" algn="l" defTabSz="914400" rtl="0" eaLnBrk="1" latinLnBrk="0" hangingPunct="1">
+                  <a:defRPr sz="1800" kern="1200">
+                    <a:solidFill>
+                      <a:schemeClr val="lt1"/>
+                    </a:solidFill>
+                    <a:latin typeface="+mn-lt"/>
+                    <a:ea typeface="+mn-ea"/>
+                    <a:cs typeface="+mn-cs"/>
+                  </a:defRPr>
+                </a:lvl8pPr>
+                <a:lvl9pPr marL="3657600" algn="l" defTabSz="914400" rtl="0" eaLnBrk="1" latinLnBrk="0" hangingPunct="1">
+                  <a:defRPr sz="1800" kern="1200">
+                    <a:solidFill>
+                      <a:schemeClr val="lt1"/>
+                    </a:solidFill>
+                    <a:latin typeface="+mn-lt"/>
+                    <a:ea typeface="+mn-ea"/>
+                    <a:cs typeface="+mn-cs"/>
+                  </a:defRPr>
+                </a:lvl9pPr>
+              </a:lstStyle>
+              <a:p>
+                <a:r>
+                  <a:rPr lang="ko-KR" altLang="en-US" sz="1050" dirty="0">
+                    <a:solidFill>
+                      <a:srgbClr val="5F5F5F"/>
+                    </a:solidFill>
+                    <a:latin typeface="Segoe UI" panose="020B0502040204020203" pitchFamily="34" charset="0"/>
+                    <a:cs typeface="Segoe UI" panose="020B0502040204020203" pitchFamily="34" charset="0"/>
+                  </a:rPr>
+                  <a:t>수정</a:t>
+                </a:r>
+                <a:endParaRPr lang="en-US" sz="1050" dirty="0">
+                  <a:solidFill>
+                    <a:srgbClr val="5F5F5F"/>
+                  </a:solidFill>
+                  <a:latin typeface="Segoe UI" panose="020B0502040204020203" pitchFamily="34" charset="0"/>
+                  <a:cs typeface="Segoe UI" panose="020B0502040204020203" pitchFamily="34" charset="0"/>
+                </a:endParaRPr>
+              </a:p>
+            </p:txBody>
+          </p:sp>
+          <p:sp>
+            <p:nvSpPr>
+              <p:cNvPr id="243" name="Button">
+                <a:extLst>
+                  <a:ext uri="{FF2B5EF4-FFF2-40B4-BE49-F238E27FC236}">
+                    <a16:creationId xmlns:a16="http://schemas.microsoft.com/office/drawing/2014/main" id="{F8E50943-B7B4-4E9F-900A-4BE47A455309}"/>
+                  </a:ext>
+                </a:extLst>
+              </p:cNvPr>
+              <p:cNvSpPr/>
+              <p:nvPr/>
+            </p:nvSpPr>
+            <p:spPr>
+              <a:xfrm>
+                <a:off x="8573609" y="4056193"/>
+                <a:ext cx="471532" cy="310539"/>
+              </a:xfrm>
+              <a:prstGeom prst="roundRect">
+                <a:avLst>
+                  <a:gd name="adj" fmla="val 11182"/>
+                </a:avLst>
+              </a:prstGeom>
+              <a:solidFill>
+                <a:srgbClr val="FFFFFF"/>
+              </a:solidFill>
+              <a:ln w="6350">
+                <a:solidFill>
+                  <a:srgbClr val="808080"/>
+                </a:solidFill>
+              </a:ln>
+            </p:spPr>
+            <p:style>
+              <a:lnRef idx="2">
+                <a:schemeClr val="accent1">
+                  <a:shade val="50000"/>
+                </a:schemeClr>
+              </a:lnRef>
+              <a:fillRef idx="1">
+                <a:schemeClr val="accent1"/>
+              </a:fillRef>
+              <a:effectRef idx="0">
+                <a:schemeClr val="accent1"/>
+              </a:effectRef>
+              <a:fontRef idx="minor">
+                <a:schemeClr val="lt1"/>
+              </a:fontRef>
+            </p:style>
+            <p:txBody>
+              <a:bodyPr rot="0" spcFirstLastPara="0" vert="horz" wrap="none" lIns="91440" tIns="64008" rIns="91440" bIns="64008" numCol="1" spcCol="0" rtlCol="0" fromWordArt="0" anchor="ctr" anchorCtr="0" forceAA="0" compatLnSpc="1">
+                <a:prstTxWarp prst="textNoShape">
+                  <a:avLst/>
+                </a:prstTxWarp>
+                <a:spAutoFit/>
+              </a:bodyPr>
+              <a:lstStyle>
+                <a:defPPr>
+                  <a:defRPr lang="en-US"/>
+                </a:defPPr>
+                <a:lvl1pPr marL="0" algn="l" defTabSz="914400" rtl="0" eaLnBrk="1" latinLnBrk="0" hangingPunct="1">
+                  <a:defRPr sz="1800" kern="1200">
+                    <a:solidFill>
+                      <a:schemeClr val="lt1"/>
+                    </a:solidFill>
+                    <a:latin typeface="+mn-lt"/>
+                    <a:ea typeface="+mn-ea"/>
+                    <a:cs typeface="+mn-cs"/>
+                  </a:defRPr>
+                </a:lvl1pPr>
+                <a:lvl2pPr marL="457200" algn="l" defTabSz="914400" rtl="0" eaLnBrk="1" latinLnBrk="0" hangingPunct="1">
+                  <a:defRPr sz="1800" kern="1200">
+                    <a:solidFill>
+                      <a:schemeClr val="lt1"/>
+                    </a:solidFill>
+                    <a:latin typeface="+mn-lt"/>
+                    <a:ea typeface="+mn-ea"/>
+                    <a:cs typeface="+mn-cs"/>
+                  </a:defRPr>
+                </a:lvl2pPr>
+                <a:lvl3pPr marL="914400" algn="l" defTabSz="914400" rtl="0" eaLnBrk="1" latinLnBrk="0" hangingPunct="1">
+                  <a:defRPr sz="1800" kern="1200">
+                    <a:solidFill>
+                      <a:schemeClr val="lt1"/>
+                    </a:solidFill>
+                    <a:latin typeface="+mn-lt"/>
+                    <a:ea typeface="+mn-ea"/>
+                    <a:cs typeface="+mn-cs"/>
+                  </a:defRPr>
+                </a:lvl3pPr>
+                <a:lvl4pPr marL="1371600" algn="l" defTabSz="914400" rtl="0" eaLnBrk="1" latinLnBrk="0" hangingPunct="1">
+                  <a:defRPr sz="1800" kern="1200">
+                    <a:solidFill>
+                      <a:schemeClr val="lt1"/>
+                    </a:solidFill>
+                    <a:latin typeface="+mn-lt"/>
+                    <a:ea typeface="+mn-ea"/>
+                    <a:cs typeface="+mn-cs"/>
+                  </a:defRPr>
+                </a:lvl4pPr>
+                <a:lvl5pPr marL="1828800" algn="l" defTabSz="914400" rtl="0" eaLnBrk="1" latinLnBrk="0" hangingPunct="1">
+                  <a:defRPr sz="1800" kern="1200">
+                    <a:solidFill>
+                      <a:schemeClr val="lt1"/>
+                    </a:solidFill>
+                    <a:latin typeface="+mn-lt"/>
+                    <a:ea typeface="+mn-ea"/>
+                    <a:cs typeface="+mn-cs"/>
+                  </a:defRPr>
+                </a:lvl5pPr>
+                <a:lvl6pPr marL="2286000" algn="l" defTabSz="914400" rtl="0" eaLnBrk="1" latinLnBrk="0" hangingPunct="1">
+                  <a:defRPr sz="1800" kern="1200">
+                    <a:solidFill>
+                      <a:schemeClr val="lt1"/>
+                    </a:solidFill>
+                    <a:latin typeface="+mn-lt"/>
+                    <a:ea typeface="+mn-ea"/>
+                    <a:cs typeface="+mn-cs"/>
+                  </a:defRPr>
+                </a:lvl6pPr>
+                <a:lvl7pPr marL="2743200" algn="l" defTabSz="914400" rtl="0" eaLnBrk="1" latinLnBrk="0" hangingPunct="1">
+                  <a:defRPr sz="1800" kern="1200">
+                    <a:solidFill>
+                      <a:schemeClr val="lt1"/>
+                    </a:solidFill>
+                    <a:latin typeface="+mn-lt"/>
+                    <a:ea typeface="+mn-ea"/>
+                    <a:cs typeface="+mn-cs"/>
+                  </a:defRPr>
+                </a:lvl7pPr>
+                <a:lvl8pPr marL="3200400" algn="l" defTabSz="914400" rtl="0" eaLnBrk="1" latinLnBrk="0" hangingPunct="1">
+                  <a:defRPr sz="1800" kern="1200">
+                    <a:solidFill>
+                      <a:schemeClr val="lt1"/>
+                    </a:solidFill>
+                    <a:latin typeface="+mn-lt"/>
+                    <a:ea typeface="+mn-ea"/>
+                    <a:cs typeface="+mn-cs"/>
+                  </a:defRPr>
+                </a:lvl8pPr>
+                <a:lvl9pPr marL="3657600" algn="l" defTabSz="914400" rtl="0" eaLnBrk="1" latinLnBrk="0" hangingPunct="1">
+                  <a:defRPr sz="1800" kern="1200">
+                    <a:solidFill>
+                      <a:schemeClr val="lt1"/>
+                    </a:solidFill>
+                    <a:latin typeface="+mn-lt"/>
+                    <a:ea typeface="+mn-ea"/>
+                    <a:cs typeface="+mn-cs"/>
+                  </a:defRPr>
+                </a:lvl9pPr>
+              </a:lstStyle>
+              <a:p>
+                <a:r>
+                  <a:rPr lang="ko-KR" altLang="en-US" sz="1050" dirty="0">
+                    <a:solidFill>
+                      <a:srgbClr val="5F5F5F"/>
+                    </a:solidFill>
+                    <a:latin typeface="Segoe UI" panose="020B0502040204020203" pitchFamily="34" charset="0"/>
+                    <a:cs typeface="Segoe UI" panose="020B0502040204020203" pitchFamily="34" charset="0"/>
+                  </a:rPr>
+                  <a:t>삭제</a:t>
+                </a:r>
+                <a:endParaRPr lang="en-US" sz="1050" dirty="0">
+                  <a:solidFill>
+                    <a:srgbClr val="5F5F5F"/>
+                  </a:solidFill>
+                  <a:latin typeface="Segoe UI" panose="020B0502040204020203" pitchFamily="34" charset="0"/>
+                  <a:cs typeface="Segoe UI" panose="020B0502040204020203" pitchFamily="34" charset="0"/>
+                </a:endParaRPr>
+              </a:p>
+            </p:txBody>
+          </p:sp>
+        </p:grpSp>
+      </p:grpSp>
+      <p:sp>
+        <p:nvSpPr>
+          <p:cNvPr id="247" name="Label" descr="&lt;SmartSettings&gt;&lt;SmartResize anchorLeft=&quot;Absolute&quot; anchorTop=&quot;Absolute&quot; anchorRight=&quot;None&quot; anchorBottom=&quot;None&quot; /&gt;&lt;/SmartSettings&gt;">
+            <a:extLst>
+              <a:ext uri="{FF2B5EF4-FFF2-40B4-BE49-F238E27FC236}">
+                <a16:creationId xmlns:a16="http://schemas.microsoft.com/office/drawing/2014/main" id="{29C502CA-569E-499C-B952-8623EED4EE54}"/>
+              </a:ext>
+            </a:extLst>
+          </p:cNvPr>
+          <p:cNvSpPr txBox="1"/>
+          <p:nvPr>
+            <p:custDataLst>
+              <p:tags r:id="rId4"/>
+            </p:custDataLst>
+          </p:nvPr>
+        </p:nvSpPr>
+        <p:spPr>
+          <a:xfrm>
+            <a:off x="3440280" y="3256482"/>
+            <a:ext cx="945900" cy="156966"/>
+          </a:xfrm>
+          <a:prstGeom prst="rect">
+            <a:avLst/>
+          </a:prstGeom>
+          <a:solidFill>
+            <a:srgbClr val="FFFFFF"/>
+          </a:solidFill>
+        </p:spPr>
+        <p:txBody>
+          <a:bodyPr wrap="none" lIns="36576" tIns="9144" rIns="36576" bIns="9144" rtlCol="0">
+            <a:spAutoFit/>
+          </a:bodyPr>
+          <a:lstStyle>
+            <a:defPPr>
+              <a:defRPr lang="en-US"/>
+            </a:defPPr>
+            <a:lvl1pPr marL="0" algn="l" defTabSz="914400" rtl="0" eaLnBrk="1" latinLnBrk="0" hangingPunct="1">
+              <a:defRPr sz="1800" kern="1200">
+                <a:solidFill>
+                  <a:schemeClr val="tx1"/>
+                </a:solidFill>
+                <a:latin typeface="+mn-lt"/>
+                <a:ea typeface="+mn-ea"/>
+                <a:cs typeface="+mn-cs"/>
+              </a:defRPr>
+            </a:lvl1pPr>
+            <a:lvl2pPr marL="457200" algn="l" defTabSz="914400" rtl="0" eaLnBrk="1" latinLnBrk="0" hangingPunct="1">
+              <a:defRPr sz="1800" kern="1200">
+                <a:solidFill>
+                  <a:schemeClr val="tx1"/>
+                </a:solidFill>
+                <a:latin typeface="+mn-lt"/>
+                <a:ea typeface="+mn-ea"/>
+                <a:cs typeface="+mn-cs"/>
+              </a:defRPr>
+            </a:lvl2pPr>
+            <a:lvl3pPr marL="914400" algn="l" defTabSz="914400" rtl="0" eaLnBrk="1" latinLnBrk="0" hangingPunct="1">
+              <a:defRPr sz="1800" kern="1200">
+                <a:solidFill>
+                  <a:schemeClr val="tx1"/>
+                </a:solidFill>
+                <a:latin typeface="+mn-lt"/>
+                <a:ea typeface="+mn-ea"/>
+                <a:cs typeface="+mn-cs"/>
+              </a:defRPr>
+            </a:lvl3pPr>
+            <a:lvl4pPr marL="1371600" algn="l" defTabSz="914400" rtl="0" eaLnBrk="1" latinLnBrk="0" hangingPunct="1">
+              <a:defRPr sz="1800" kern="1200">
+                <a:solidFill>
+                  <a:schemeClr val="tx1"/>
+                </a:solidFill>
+                <a:latin typeface="+mn-lt"/>
+                <a:ea typeface="+mn-ea"/>
+                <a:cs typeface="+mn-cs"/>
+              </a:defRPr>
+            </a:lvl4pPr>
+            <a:lvl5pPr marL="1828800" algn="l" defTabSz="914400" rtl="0" eaLnBrk="1" latinLnBrk="0" hangingPunct="1">
+              <a:defRPr sz="1800" kern="1200">
+                <a:solidFill>
+                  <a:schemeClr val="tx1"/>
+                </a:solidFill>
+                <a:latin typeface="+mn-lt"/>
+                <a:ea typeface="+mn-ea"/>
+                <a:cs typeface="+mn-cs"/>
+              </a:defRPr>
+            </a:lvl5pPr>
+            <a:lvl6pPr marL="2286000" algn="l" defTabSz="914400" rtl="0" eaLnBrk="1" latinLnBrk="0" hangingPunct="1">
+              <a:defRPr sz="1800" kern="1200">
+                <a:solidFill>
+                  <a:schemeClr val="tx1"/>
+                </a:solidFill>
+                <a:latin typeface="+mn-lt"/>
+                <a:ea typeface="+mn-ea"/>
+                <a:cs typeface="+mn-cs"/>
+              </a:defRPr>
+            </a:lvl6pPr>
+            <a:lvl7pPr marL="2743200" algn="l" defTabSz="914400" rtl="0" eaLnBrk="1" latinLnBrk="0" hangingPunct="1">
+              <a:defRPr sz="1800" kern="1200">
+                <a:solidFill>
+                  <a:schemeClr val="tx1"/>
+                </a:solidFill>
+                <a:latin typeface="+mn-lt"/>
+                <a:ea typeface="+mn-ea"/>
+                <a:cs typeface="+mn-cs"/>
+              </a:defRPr>
+            </a:lvl7pPr>
+            <a:lvl8pPr marL="3200400" algn="l" defTabSz="914400" rtl="0" eaLnBrk="1" latinLnBrk="0" hangingPunct="1">
+              <a:defRPr sz="1800" kern="1200">
+                <a:solidFill>
+                  <a:schemeClr val="tx1"/>
+                </a:solidFill>
+                <a:latin typeface="+mn-lt"/>
+                <a:ea typeface="+mn-ea"/>
+                <a:cs typeface="+mn-cs"/>
+              </a:defRPr>
+            </a:lvl8pPr>
+            <a:lvl9pPr marL="3657600" algn="l" defTabSz="914400" rtl="0" eaLnBrk="1" latinLnBrk="0" hangingPunct="1">
+              <a:defRPr sz="1800" kern="1200">
+                <a:solidFill>
+                  <a:schemeClr val="tx1"/>
+                </a:solidFill>
+                <a:latin typeface="+mn-lt"/>
+                <a:ea typeface="+mn-ea"/>
+                <a:cs typeface="+mn-cs"/>
+              </a:defRPr>
+            </a:lvl9pPr>
+          </a:lstStyle>
+          <a:p>
+            <a:r>
+              <a:rPr lang="ko-KR" altLang="en-US" sz="900" dirty="0">
+                <a:solidFill>
+                  <a:srgbClr val="5F5F5F"/>
+                </a:solidFill>
+                <a:latin typeface="Segoe UI" panose="020B0502040204020203" pitchFamily="34" charset="0"/>
+                <a:cs typeface="Segoe UI" panose="020B0502040204020203" pitchFamily="34" charset="0"/>
+              </a:rPr>
+              <a:t>나의 댓글 리스트</a:t>
+            </a:r>
+            <a:endParaRPr lang="en-US" sz="900" dirty="0">
+              <a:solidFill>
+                <a:srgbClr val="5F5F5F"/>
+              </a:solidFill>
+              <a:latin typeface="Segoe UI" panose="020B0502040204020203" pitchFamily="34" charset="0"/>
+              <a:cs typeface="Segoe UI" panose="020B0502040204020203" pitchFamily="34" charset="0"/>
+            </a:endParaRPr>
+          </a:p>
+        </p:txBody>
+      </p:sp>
+      <p:grpSp>
+        <p:nvGrpSpPr>
+          <p:cNvPr id="262" name="그룹 261">
+            <a:extLst>
+              <a:ext uri="{FF2B5EF4-FFF2-40B4-BE49-F238E27FC236}">
+                <a16:creationId xmlns:a16="http://schemas.microsoft.com/office/drawing/2014/main" id="{53292EDE-6D45-4611-B67D-56DB57828C36}"/>
+              </a:ext>
+            </a:extLst>
+          </p:cNvPr>
+          <p:cNvGrpSpPr/>
+          <p:nvPr/>
+        </p:nvGrpSpPr>
+        <p:grpSpPr>
+          <a:xfrm>
+            <a:off x="3440280" y="5887210"/>
+            <a:ext cx="5592794" cy="1077685"/>
+            <a:chOff x="3333492" y="3429000"/>
+            <a:chExt cx="5592794" cy="1077685"/>
+          </a:xfrm>
+        </p:grpSpPr>
+        <p:grpSp>
+          <p:nvGrpSpPr>
+            <p:cNvPr id="263" name="Group Box" descr="&lt;SmartSettings&gt;&lt;SmartResize enabled=&quot;True&quot; minWidth=&quot;60&quot; minHeight=&quot;22&quot; /&gt;&lt;/SmartSettings&gt;">
+              <a:extLst>
+                <a:ext uri="{FF2B5EF4-FFF2-40B4-BE49-F238E27FC236}">
+                  <a16:creationId xmlns:a16="http://schemas.microsoft.com/office/drawing/2014/main" id="{2F904811-C897-4320-BBA2-D5A25FEBE578}"/>
+                </a:ext>
+              </a:extLst>
+            </p:cNvPr>
+            <p:cNvGrpSpPr/>
+            <p:nvPr>
+              <p:custDataLst>
+                <p:tags r:id="rId5"/>
+              </p:custDataLst>
+            </p:nvPr>
+          </p:nvGrpSpPr>
+          <p:grpSpPr>
+            <a:xfrm>
+              <a:off x="3333492" y="3429000"/>
+              <a:ext cx="5592794" cy="1077685"/>
+              <a:chOff x="603401" y="1184134"/>
+              <a:chExt cx="1761531" cy="1817981"/>
+            </a:xfrm>
+          </p:grpSpPr>
+          <p:sp>
+            <p:nvSpPr>
+              <p:cNvPr id="267" name="Panel" descr="&lt;SmartSettings&gt;&lt;SmartResize anchorLeft=&quot;Relative&quot; anchorTop=&quot;Absolute&quot; anchorRight=&quot;Relative&quot; anchorBottom=&quot;Relative&quot; /&gt;&lt;/SmartSettings&gt;">
+                <a:extLst>
+                  <a:ext uri="{FF2B5EF4-FFF2-40B4-BE49-F238E27FC236}">
+                    <a16:creationId xmlns:a16="http://schemas.microsoft.com/office/drawing/2014/main" id="{8C254738-0CAB-41A8-80FF-414DEAB227A5}"/>
+                  </a:ext>
+                </a:extLst>
+              </p:cNvPr>
+              <p:cNvSpPr/>
+              <p:nvPr>
+                <p:custDataLst>
+                  <p:tags r:id="rId6"/>
+                </p:custDataLst>
+              </p:nvPr>
+            </p:nvSpPr>
+            <p:spPr>
+              <a:xfrm>
+                <a:off x="603401" y="1316528"/>
+                <a:ext cx="1761531" cy="1685587"/>
+              </a:xfrm>
+              <a:prstGeom prst="rect">
+                <a:avLst/>
+              </a:prstGeom>
+              <a:solidFill>
+                <a:srgbClr val="FFFFFF"/>
+              </a:solidFill>
+              <a:ln w="6350">
+                <a:solidFill>
+                  <a:srgbClr val="808080"/>
+                </a:solidFill>
+              </a:ln>
+            </p:spPr>
+            <p:style>
+              <a:lnRef idx="2">
+                <a:schemeClr val="accent1">
+                  <a:shade val="50000"/>
+                </a:schemeClr>
+              </a:lnRef>
+              <a:fillRef idx="1">
+                <a:schemeClr val="accent1"/>
+              </a:fillRef>
+              <a:effectRef idx="0">
+                <a:schemeClr val="accent1"/>
+              </a:effectRef>
+              <a:fontRef idx="minor">
+                <a:schemeClr val="lt1"/>
+              </a:fontRef>
+            </p:style>
+            <p:txBody>
+              <a:bodyPr rot="0" spcFirstLastPara="0" vert="horz" wrap="square" lIns="91440" tIns="45720" rIns="91440" bIns="45720" numCol="1" spcCol="0" rtlCol="0" fromWordArt="0" anchor="ctr" anchorCtr="0" forceAA="0" compatLnSpc="1">
+                <a:prstTxWarp prst="textNoShape">
+                  <a:avLst/>
+                </a:prstTxWarp>
+                <a:noAutofit/>
+              </a:bodyPr>
+              <a:lstStyle>
+                <a:defPPr>
+                  <a:defRPr lang="en-US"/>
+                </a:defPPr>
+                <a:lvl1pPr marL="0" algn="l" defTabSz="914400" rtl="0" eaLnBrk="1" latinLnBrk="0" hangingPunct="1">
+                  <a:defRPr sz="1800" kern="1200">
+                    <a:solidFill>
+                      <a:schemeClr val="lt1"/>
+                    </a:solidFill>
+                    <a:latin typeface="+mn-lt"/>
+                    <a:ea typeface="+mn-ea"/>
+                    <a:cs typeface="+mn-cs"/>
+                  </a:defRPr>
+                </a:lvl1pPr>
+                <a:lvl2pPr marL="457200" algn="l" defTabSz="914400" rtl="0" eaLnBrk="1" latinLnBrk="0" hangingPunct="1">
+                  <a:defRPr sz="1800" kern="1200">
+                    <a:solidFill>
+                      <a:schemeClr val="lt1"/>
+                    </a:solidFill>
+                    <a:latin typeface="+mn-lt"/>
+                    <a:ea typeface="+mn-ea"/>
+                    <a:cs typeface="+mn-cs"/>
+                  </a:defRPr>
+                </a:lvl2pPr>
+                <a:lvl3pPr marL="914400" algn="l" defTabSz="914400" rtl="0" eaLnBrk="1" latinLnBrk="0" hangingPunct="1">
+                  <a:defRPr sz="1800" kern="1200">
+                    <a:solidFill>
+                      <a:schemeClr val="lt1"/>
+                    </a:solidFill>
+                    <a:latin typeface="+mn-lt"/>
+                    <a:ea typeface="+mn-ea"/>
+                    <a:cs typeface="+mn-cs"/>
+                  </a:defRPr>
+                </a:lvl3pPr>
+                <a:lvl4pPr marL="1371600" algn="l" defTabSz="914400" rtl="0" eaLnBrk="1" latinLnBrk="0" hangingPunct="1">
+                  <a:defRPr sz="1800" kern="1200">
+                    <a:solidFill>
+                      <a:schemeClr val="lt1"/>
+                    </a:solidFill>
+                    <a:latin typeface="+mn-lt"/>
+                    <a:ea typeface="+mn-ea"/>
+                    <a:cs typeface="+mn-cs"/>
+                  </a:defRPr>
+                </a:lvl4pPr>
+                <a:lvl5pPr marL="1828800" algn="l" defTabSz="914400" rtl="0" eaLnBrk="1" latinLnBrk="0" hangingPunct="1">
+                  <a:defRPr sz="1800" kern="1200">
+                    <a:solidFill>
+                      <a:schemeClr val="lt1"/>
+                    </a:solidFill>
+                    <a:latin typeface="+mn-lt"/>
+                    <a:ea typeface="+mn-ea"/>
+                    <a:cs typeface="+mn-cs"/>
+                  </a:defRPr>
+                </a:lvl5pPr>
+                <a:lvl6pPr marL="2286000" algn="l" defTabSz="914400" rtl="0" eaLnBrk="1" latinLnBrk="0" hangingPunct="1">
+                  <a:defRPr sz="1800" kern="1200">
+                    <a:solidFill>
+                      <a:schemeClr val="lt1"/>
+                    </a:solidFill>
+                    <a:latin typeface="+mn-lt"/>
+                    <a:ea typeface="+mn-ea"/>
+                    <a:cs typeface="+mn-cs"/>
+                  </a:defRPr>
+                </a:lvl6pPr>
+                <a:lvl7pPr marL="2743200" algn="l" defTabSz="914400" rtl="0" eaLnBrk="1" latinLnBrk="0" hangingPunct="1">
+                  <a:defRPr sz="1800" kern="1200">
+                    <a:solidFill>
+                      <a:schemeClr val="lt1"/>
+                    </a:solidFill>
+                    <a:latin typeface="+mn-lt"/>
+                    <a:ea typeface="+mn-ea"/>
+                    <a:cs typeface="+mn-cs"/>
+                  </a:defRPr>
+                </a:lvl7pPr>
+                <a:lvl8pPr marL="3200400" algn="l" defTabSz="914400" rtl="0" eaLnBrk="1" latinLnBrk="0" hangingPunct="1">
+                  <a:defRPr sz="1800" kern="1200">
+                    <a:solidFill>
+                      <a:schemeClr val="lt1"/>
+                    </a:solidFill>
+                    <a:latin typeface="+mn-lt"/>
+                    <a:ea typeface="+mn-ea"/>
+                    <a:cs typeface="+mn-cs"/>
+                  </a:defRPr>
+                </a:lvl8pPr>
+                <a:lvl9pPr marL="3657600" algn="l" defTabSz="914400" rtl="0" eaLnBrk="1" latinLnBrk="0" hangingPunct="1">
+                  <a:defRPr sz="1800" kern="1200">
+                    <a:solidFill>
+                      <a:schemeClr val="lt1"/>
+                    </a:solidFill>
+                    <a:latin typeface="+mn-lt"/>
+                    <a:ea typeface="+mn-ea"/>
+                    <a:cs typeface="+mn-cs"/>
+                  </a:defRPr>
+                </a:lvl9pPr>
+              </a:lstStyle>
+              <a:p>
+                <a:endParaRPr lang="en-US" altLang="ko-KR" sz="900" b="1" u="sng" dirty="0">
+                  <a:solidFill>
+                    <a:srgbClr val="5F5F5F"/>
+                  </a:solidFill>
+                  <a:latin typeface="Segoe UI" panose="020B0502040204020203" pitchFamily="34" charset="0"/>
+                  <a:cs typeface="Segoe UI" panose="020B0502040204020203" pitchFamily="34" charset="0"/>
+                </a:endParaRPr>
+              </a:p>
+              <a:p>
+                <a:endParaRPr lang="en-US" altLang="ko-KR" sz="900" b="1" u="sng" dirty="0">
+                  <a:solidFill>
+                    <a:srgbClr val="5F5F5F"/>
+                  </a:solidFill>
+                  <a:latin typeface="Segoe UI" panose="020B0502040204020203" pitchFamily="34" charset="0"/>
+                  <a:cs typeface="Segoe UI" panose="020B0502040204020203" pitchFamily="34" charset="0"/>
+                </a:endParaRPr>
+              </a:p>
+              <a:p>
+                <a:r>
+                  <a:rPr lang="ko-KR" altLang="en-US" sz="900" b="1" u="sng" dirty="0">
+                    <a:solidFill>
+                      <a:srgbClr val="5F5F5F"/>
+                    </a:solidFill>
+                    <a:latin typeface="Segoe UI" panose="020B0502040204020203" pitchFamily="34" charset="0"/>
+                    <a:cs typeface="Segoe UI" panose="020B0502040204020203" pitchFamily="34" charset="0"/>
+                  </a:rPr>
+                  <a:t>가게 명</a:t>
+                </a:r>
+                <a:r>
+                  <a:rPr lang="en-US" altLang="ko-KR" sz="900" b="1" u="sng" dirty="0">
+                    <a:solidFill>
+                      <a:srgbClr val="5F5F5F"/>
+                    </a:solidFill>
+                    <a:latin typeface="Segoe UI" panose="020B0502040204020203" pitchFamily="34" charset="0"/>
+                    <a:cs typeface="Segoe UI" panose="020B0502040204020203" pitchFamily="34" charset="0"/>
+                  </a:rPr>
+                  <a:t>(CLICK </a:t>
+                </a:r>
+                <a:r>
+                  <a:rPr lang="en-US" altLang="ko-KR" sz="900" b="1" u="sng" dirty="0">
+                    <a:solidFill>
+                      <a:srgbClr val="5F5F5F"/>
+                    </a:solidFill>
+                    <a:latin typeface="Segoe UI" panose="020B0502040204020203" pitchFamily="34" charset="0"/>
+                    <a:cs typeface="Segoe UI" panose="020B0502040204020203" pitchFamily="34" charset="0"/>
+                    <a:sym typeface="Wingdings" panose="05000000000000000000" pitchFamily="2" charset="2"/>
+                  </a:rPr>
+                  <a:t> </a:t>
+                </a:r>
+                <a:r>
+                  <a:rPr lang="ko-KR" altLang="en-US" sz="900" b="1" u="sng" dirty="0">
+                    <a:solidFill>
+                      <a:srgbClr val="5F5F5F"/>
+                    </a:solidFill>
+                    <a:latin typeface="Segoe UI" panose="020B0502040204020203" pitchFamily="34" charset="0"/>
+                    <a:cs typeface="Segoe UI" panose="020B0502040204020203" pitchFamily="34" charset="0"/>
+                    <a:sym typeface="Wingdings" panose="05000000000000000000" pitchFamily="2" charset="2"/>
+                  </a:rPr>
+                  <a:t>가게 상세 페이지로 이동</a:t>
+                </a:r>
+                <a:r>
+                  <a:rPr lang="en-US" altLang="ko-KR" sz="900" b="1" u="sng" dirty="0">
+                    <a:solidFill>
+                      <a:srgbClr val="5F5F5F"/>
+                    </a:solidFill>
+                    <a:latin typeface="Segoe UI" panose="020B0502040204020203" pitchFamily="34" charset="0"/>
+                    <a:cs typeface="Segoe UI" panose="020B0502040204020203" pitchFamily="34" charset="0"/>
+                  </a:rPr>
+                  <a:t>)</a:t>
+                </a:r>
+                <a:r>
+                  <a:rPr lang="en-US" altLang="ko-KR" sz="900" dirty="0">
+                    <a:solidFill>
+                      <a:srgbClr val="5F5F5F"/>
+                    </a:solidFill>
+                    <a:latin typeface="Segoe UI" panose="020B0502040204020203" pitchFamily="34" charset="0"/>
+                    <a:cs typeface="Segoe UI" panose="020B0502040204020203" pitchFamily="34" charset="0"/>
+                  </a:rPr>
+                  <a:t>  –  </a:t>
+                </a:r>
+                <a:r>
+                  <a:rPr lang="ko-KR" altLang="en-US" sz="900" dirty="0">
+                    <a:solidFill>
+                      <a:srgbClr val="5F5F5F"/>
+                    </a:solidFill>
+                    <a:latin typeface="Segoe UI" panose="020B0502040204020203" pitchFamily="34" charset="0"/>
+                    <a:cs typeface="Segoe UI" panose="020B0502040204020203" pitchFamily="34" charset="0"/>
+                  </a:rPr>
+                  <a:t>부여 </a:t>
+                </a:r>
+                <a:r>
+                  <a:rPr lang="ko-KR" altLang="en-US" sz="900" dirty="0" err="1">
+                    <a:solidFill>
+                      <a:srgbClr val="5F5F5F"/>
+                    </a:solidFill>
+                    <a:latin typeface="Segoe UI" panose="020B0502040204020203" pitchFamily="34" charset="0"/>
+                    <a:cs typeface="Segoe UI" panose="020B0502040204020203" pitchFamily="34" charset="0"/>
+                  </a:rPr>
+                  <a:t>별점</a:t>
+                </a:r>
+                <a:r>
+                  <a:rPr lang="ko-KR" altLang="en-US" sz="900" dirty="0">
+                    <a:solidFill>
+                      <a:srgbClr val="5F5F5F"/>
+                    </a:solidFill>
+                    <a:latin typeface="Segoe UI" panose="020B0502040204020203" pitchFamily="34" charset="0"/>
+                    <a:cs typeface="Segoe UI" panose="020B0502040204020203" pitchFamily="34" charset="0"/>
+                  </a:rPr>
+                  <a:t> </a:t>
+                </a:r>
+                <a:endParaRPr lang="en-US" altLang="ko-KR" sz="900" dirty="0">
+                  <a:solidFill>
+                    <a:srgbClr val="5F5F5F"/>
+                  </a:solidFill>
+                  <a:latin typeface="Segoe UI" panose="020B0502040204020203" pitchFamily="34" charset="0"/>
+                  <a:cs typeface="Segoe UI" panose="020B0502040204020203" pitchFamily="34" charset="0"/>
+                </a:endParaRPr>
+              </a:p>
+              <a:p>
+                <a:r>
+                  <a:rPr lang="ko-KR" altLang="en-US" sz="900" dirty="0">
+                    <a:solidFill>
+                      <a:srgbClr val="5F5F5F"/>
+                    </a:solidFill>
+                    <a:latin typeface="Segoe UI" panose="020B0502040204020203" pitchFamily="34" charset="0"/>
+                    <a:cs typeface="Segoe UI" panose="020B0502040204020203" pitchFamily="34" charset="0"/>
+                  </a:rPr>
+                  <a:t>작성 날짜</a:t>
+                </a:r>
+                <a:endParaRPr lang="en-US" altLang="ko-KR" sz="900" dirty="0">
+                  <a:solidFill>
+                    <a:srgbClr val="5F5F5F"/>
+                  </a:solidFill>
+                  <a:latin typeface="Segoe UI" panose="020B0502040204020203" pitchFamily="34" charset="0"/>
+                  <a:cs typeface="Segoe UI" panose="020B0502040204020203" pitchFamily="34" charset="0"/>
+                </a:endParaRPr>
+              </a:p>
+              <a:p>
+                <a:endParaRPr lang="en-US" altLang="ko-KR" sz="900" dirty="0">
+                  <a:solidFill>
+                    <a:srgbClr val="5F5F5F"/>
+                  </a:solidFill>
+                  <a:latin typeface="Segoe UI" panose="020B0502040204020203" pitchFamily="34" charset="0"/>
+                  <a:cs typeface="Segoe UI" panose="020B0502040204020203" pitchFamily="34" charset="0"/>
+                </a:endParaRPr>
+              </a:p>
+              <a:p>
+                <a:r>
+                  <a:rPr lang="ko-KR" altLang="en-US" sz="900" dirty="0">
+                    <a:solidFill>
+                      <a:srgbClr val="5F5F5F"/>
+                    </a:solidFill>
+                    <a:latin typeface="Segoe UI" panose="020B0502040204020203" pitchFamily="34" charset="0"/>
+                    <a:cs typeface="Segoe UI" panose="020B0502040204020203" pitchFamily="34" charset="0"/>
+                  </a:rPr>
+                  <a:t>댓글 내용</a:t>
+                </a:r>
+                <a:endParaRPr lang="en-US" altLang="ko-KR" sz="900" dirty="0">
+                  <a:solidFill>
+                    <a:srgbClr val="5F5F5F"/>
+                  </a:solidFill>
+                  <a:latin typeface="Segoe UI" panose="020B0502040204020203" pitchFamily="34" charset="0"/>
+                  <a:cs typeface="Segoe UI" panose="020B0502040204020203" pitchFamily="34" charset="0"/>
+                </a:endParaRPr>
+              </a:p>
+              <a:p>
+                <a:endParaRPr lang="en-US" altLang="ko-KR" sz="900" dirty="0">
+                  <a:solidFill>
+                    <a:srgbClr val="5F5F5F"/>
+                  </a:solidFill>
+                  <a:latin typeface="Segoe UI" panose="020B0502040204020203" pitchFamily="34" charset="0"/>
+                  <a:cs typeface="Segoe UI" panose="020B0502040204020203" pitchFamily="34" charset="0"/>
+                </a:endParaRPr>
+              </a:p>
+              <a:p>
+                <a:endParaRPr lang="en-US" altLang="ko-KR" sz="900" dirty="0">
+                  <a:solidFill>
+                    <a:srgbClr val="5F5F5F"/>
+                  </a:solidFill>
+                  <a:latin typeface="Segoe UI" panose="020B0502040204020203" pitchFamily="34" charset="0"/>
+                  <a:cs typeface="Segoe UI" panose="020B0502040204020203" pitchFamily="34" charset="0"/>
+                </a:endParaRPr>
+              </a:p>
+            </p:txBody>
+          </p:sp>
+          <p:sp>
+            <p:nvSpPr>
+              <p:cNvPr id="268" name="Label" descr="&lt;SmartSettings&gt;&lt;SmartResize anchorLeft=&quot;Absolute&quot; anchorTop=&quot;Absolute&quot; anchorRight=&quot;None&quot; anchorBottom=&quot;None&quot; /&gt;&lt;/SmartSettings&gt;">
+                <a:extLst>
+                  <a:ext uri="{FF2B5EF4-FFF2-40B4-BE49-F238E27FC236}">
+                    <a16:creationId xmlns:a16="http://schemas.microsoft.com/office/drawing/2014/main" id="{B8EECC3C-904E-4445-AC17-05C4C196880F}"/>
+                  </a:ext>
+                </a:extLst>
+              </p:cNvPr>
+              <p:cNvSpPr txBox="1"/>
+              <p:nvPr>
+                <p:custDataLst>
+                  <p:tags r:id="rId7"/>
+                </p:custDataLst>
+              </p:nvPr>
+            </p:nvSpPr>
+            <p:spPr>
+              <a:xfrm>
+                <a:off x="629566" y="1184134"/>
+                <a:ext cx="95969" cy="264791"/>
+              </a:xfrm>
+              <a:prstGeom prst="rect">
+                <a:avLst/>
+              </a:prstGeom>
+              <a:solidFill>
+                <a:srgbClr val="FFFFFF"/>
+              </a:solidFill>
+            </p:spPr>
+            <p:txBody>
+              <a:bodyPr wrap="none" lIns="36576" tIns="9144" rIns="36576" bIns="9144" rtlCol="0">
+                <a:spAutoFit/>
+              </a:bodyPr>
+              <a:lstStyle>
+                <a:defPPr>
+                  <a:defRPr lang="en-US"/>
+                </a:defPPr>
+                <a:lvl1pPr marL="0" algn="l" defTabSz="914400" rtl="0" eaLnBrk="1" latinLnBrk="0" hangingPunct="1">
+                  <a:defRPr sz="1800" kern="1200">
+                    <a:solidFill>
+                      <a:schemeClr val="tx1"/>
+                    </a:solidFill>
+                    <a:latin typeface="+mn-lt"/>
+                    <a:ea typeface="+mn-ea"/>
+                    <a:cs typeface="+mn-cs"/>
+                  </a:defRPr>
+                </a:lvl1pPr>
+                <a:lvl2pPr marL="457200" algn="l" defTabSz="914400" rtl="0" eaLnBrk="1" latinLnBrk="0" hangingPunct="1">
+                  <a:defRPr sz="1800" kern="1200">
+                    <a:solidFill>
+                      <a:schemeClr val="tx1"/>
+                    </a:solidFill>
+                    <a:latin typeface="+mn-lt"/>
+                    <a:ea typeface="+mn-ea"/>
+                    <a:cs typeface="+mn-cs"/>
+                  </a:defRPr>
+                </a:lvl2pPr>
+                <a:lvl3pPr marL="914400" algn="l" defTabSz="914400" rtl="0" eaLnBrk="1" latinLnBrk="0" hangingPunct="1">
+                  <a:defRPr sz="1800" kern="1200">
+                    <a:solidFill>
+                      <a:schemeClr val="tx1"/>
+                    </a:solidFill>
+                    <a:latin typeface="+mn-lt"/>
+                    <a:ea typeface="+mn-ea"/>
+                    <a:cs typeface="+mn-cs"/>
+                  </a:defRPr>
+                </a:lvl3pPr>
+                <a:lvl4pPr marL="1371600" algn="l" defTabSz="914400" rtl="0" eaLnBrk="1" latinLnBrk="0" hangingPunct="1">
+                  <a:defRPr sz="1800" kern="1200">
+                    <a:solidFill>
+                      <a:schemeClr val="tx1"/>
+                    </a:solidFill>
+                    <a:latin typeface="+mn-lt"/>
+                    <a:ea typeface="+mn-ea"/>
+                    <a:cs typeface="+mn-cs"/>
+                  </a:defRPr>
+                </a:lvl4pPr>
+                <a:lvl5pPr marL="1828800" algn="l" defTabSz="914400" rtl="0" eaLnBrk="1" latinLnBrk="0" hangingPunct="1">
+                  <a:defRPr sz="1800" kern="1200">
+                    <a:solidFill>
+                      <a:schemeClr val="tx1"/>
+                    </a:solidFill>
+                    <a:latin typeface="+mn-lt"/>
+                    <a:ea typeface="+mn-ea"/>
+                    <a:cs typeface="+mn-cs"/>
+                  </a:defRPr>
+                </a:lvl5pPr>
+                <a:lvl6pPr marL="2286000" algn="l" defTabSz="914400" rtl="0" eaLnBrk="1" latinLnBrk="0" hangingPunct="1">
+                  <a:defRPr sz="1800" kern="1200">
+                    <a:solidFill>
+                      <a:schemeClr val="tx1"/>
+                    </a:solidFill>
+                    <a:latin typeface="+mn-lt"/>
+                    <a:ea typeface="+mn-ea"/>
+                    <a:cs typeface="+mn-cs"/>
+                  </a:defRPr>
+                </a:lvl6pPr>
+                <a:lvl7pPr marL="2743200" algn="l" defTabSz="914400" rtl="0" eaLnBrk="1" latinLnBrk="0" hangingPunct="1">
+                  <a:defRPr sz="1800" kern="1200">
+                    <a:solidFill>
+                      <a:schemeClr val="tx1"/>
+                    </a:solidFill>
+                    <a:latin typeface="+mn-lt"/>
+                    <a:ea typeface="+mn-ea"/>
+                    <a:cs typeface="+mn-cs"/>
+                  </a:defRPr>
+                </a:lvl7pPr>
+                <a:lvl8pPr marL="3200400" algn="l" defTabSz="914400" rtl="0" eaLnBrk="1" latinLnBrk="0" hangingPunct="1">
+                  <a:defRPr sz="1800" kern="1200">
+                    <a:solidFill>
+                      <a:schemeClr val="tx1"/>
+                    </a:solidFill>
+                    <a:latin typeface="+mn-lt"/>
+                    <a:ea typeface="+mn-ea"/>
+                    <a:cs typeface="+mn-cs"/>
+                  </a:defRPr>
+                </a:lvl8pPr>
+                <a:lvl9pPr marL="3657600" algn="l" defTabSz="914400" rtl="0" eaLnBrk="1" latinLnBrk="0" hangingPunct="1">
+                  <a:defRPr sz="1800" kern="1200">
+                    <a:solidFill>
+                      <a:schemeClr val="tx1"/>
+                    </a:solidFill>
+                    <a:latin typeface="+mn-lt"/>
+                    <a:ea typeface="+mn-ea"/>
+                    <a:cs typeface="+mn-cs"/>
+                  </a:defRPr>
+                </a:lvl9pPr>
+              </a:lstStyle>
+              <a:p>
+                <a:r>
+                  <a:rPr lang="ko-KR" altLang="en-US" sz="900" dirty="0">
+                    <a:solidFill>
+                      <a:srgbClr val="5F5F5F"/>
+                    </a:solidFill>
+                    <a:latin typeface="Segoe UI" panose="020B0502040204020203" pitchFamily="34" charset="0"/>
+                    <a:cs typeface="Segoe UI" panose="020B0502040204020203" pitchFamily="34" charset="0"/>
+                  </a:rPr>
+                  <a:t>댓글</a:t>
+                </a:r>
+                <a:endParaRPr lang="en-US" sz="900" dirty="0">
+                  <a:solidFill>
+                    <a:srgbClr val="5F5F5F"/>
+                  </a:solidFill>
+                  <a:latin typeface="Segoe UI" panose="020B0502040204020203" pitchFamily="34" charset="0"/>
+                  <a:cs typeface="Segoe UI" panose="020B0502040204020203" pitchFamily="34" charset="0"/>
+                </a:endParaRPr>
+              </a:p>
+            </p:txBody>
+          </p:sp>
+        </p:grpSp>
+        <p:grpSp>
+          <p:nvGrpSpPr>
+            <p:cNvPr id="264" name="그룹 263">
+              <a:extLst>
+                <a:ext uri="{FF2B5EF4-FFF2-40B4-BE49-F238E27FC236}">
+                  <a16:creationId xmlns:a16="http://schemas.microsoft.com/office/drawing/2014/main" id="{242E5881-ACB5-42F2-A539-B9C3EC93473A}"/>
+                </a:ext>
+              </a:extLst>
+            </p:cNvPr>
+            <p:cNvGrpSpPr/>
+            <p:nvPr/>
+          </p:nvGrpSpPr>
+          <p:grpSpPr>
+            <a:xfrm>
+              <a:off x="7860153" y="4088982"/>
+              <a:ext cx="978160" cy="310539"/>
+              <a:chOff x="8066981" y="4056193"/>
+              <a:chExt cx="978160" cy="310539"/>
+            </a:xfrm>
+          </p:grpSpPr>
+          <p:sp>
+            <p:nvSpPr>
+              <p:cNvPr id="265" name="Button">
+                <a:extLst>
+                  <a:ext uri="{FF2B5EF4-FFF2-40B4-BE49-F238E27FC236}">
+                    <a16:creationId xmlns:a16="http://schemas.microsoft.com/office/drawing/2014/main" id="{4A81BF87-5C44-4C83-83D9-6570FB414A78}"/>
+                  </a:ext>
+                </a:extLst>
+              </p:cNvPr>
+              <p:cNvSpPr/>
+              <p:nvPr/>
+            </p:nvSpPr>
+            <p:spPr>
+              <a:xfrm>
+                <a:off x="8066981" y="4056193"/>
+                <a:ext cx="471532" cy="310539"/>
+              </a:xfrm>
+              <a:prstGeom prst="roundRect">
+                <a:avLst>
+                  <a:gd name="adj" fmla="val 11182"/>
+                </a:avLst>
+              </a:prstGeom>
+              <a:solidFill>
+                <a:srgbClr val="FFFFFF"/>
+              </a:solidFill>
+              <a:ln w="6350">
+                <a:solidFill>
+                  <a:srgbClr val="808080"/>
+                </a:solidFill>
+              </a:ln>
+            </p:spPr>
+            <p:style>
+              <a:lnRef idx="2">
+                <a:schemeClr val="accent1">
+                  <a:shade val="50000"/>
+                </a:schemeClr>
+              </a:lnRef>
+              <a:fillRef idx="1">
+                <a:schemeClr val="accent1"/>
+              </a:fillRef>
+              <a:effectRef idx="0">
+                <a:schemeClr val="accent1"/>
+              </a:effectRef>
+              <a:fontRef idx="minor">
+                <a:schemeClr val="lt1"/>
+              </a:fontRef>
+            </p:style>
+            <p:txBody>
+              <a:bodyPr rot="0" spcFirstLastPara="0" vert="horz" wrap="none" lIns="91440" tIns="64008" rIns="91440" bIns="64008" numCol="1" spcCol="0" rtlCol="0" fromWordArt="0" anchor="ctr" anchorCtr="0" forceAA="0" compatLnSpc="1">
+                <a:prstTxWarp prst="textNoShape">
+                  <a:avLst/>
+                </a:prstTxWarp>
+                <a:spAutoFit/>
+              </a:bodyPr>
+              <a:lstStyle>
+                <a:defPPr>
+                  <a:defRPr lang="en-US"/>
+                </a:defPPr>
+                <a:lvl1pPr marL="0" algn="l" defTabSz="914400" rtl="0" eaLnBrk="1" latinLnBrk="0" hangingPunct="1">
+                  <a:defRPr sz="1800" kern="1200">
+                    <a:solidFill>
+                      <a:schemeClr val="lt1"/>
+                    </a:solidFill>
+                    <a:latin typeface="+mn-lt"/>
+                    <a:ea typeface="+mn-ea"/>
+                    <a:cs typeface="+mn-cs"/>
+                  </a:defRPr>
+                </a:lvl1pPr>
+                <a:lvl2pPr marL="457200" algn="l" defTabSz="914400" rtl="0" eaLnBrk="1" latinLnBrk="0" hangingPunct="1">
+                  <a:defRPr sz="1800" kern="1200">
+                    <a:solidFill>
+                      <a:schemeClr val="lt1"/>
+                    </a:solidFill>
+                    <a:latin typeface="+mn-lt"/>
+                    <a:ea typeface="+mn-ea"/>
+                    <a:cs typeface="+mn-cs"/>
+                  </a:defRPr>
+                </a:lvl2pPr>
+                <a:lvl3pPr marL="914400" algn="l" defTabSz="914400" rtl="0" eaLnBrk="1" latinLnBrk="0" hangingPunct="1">
+                  <a:defRPr sz="1800" kern="1200">
+                    <a:solidFill>
+                      <a:schemeClr val="lt1"/>
+                    </a:solidFill>
+                    <a:latin typeface="+mn-lt"/>
+                    <a:ea typeface="+mn-ea"/>
+                    <a:cs typeface="+mn-cs"/>
+                  </a:defRPr>
+                </a:lvl3pPr>
+                <a:lvl4pPr marL="1371600" algn="l" defTabSz="914400" rtl="0" eaLnBrk="1" latinLnBrk="0" hangingPunct="1">
+                  <a:defRPr sz="1800" kern="1200">
+                    <a:solidFill>
+                      <a:schemeClr val="lt1"/>
+                    </a:solidFill>
+                    <a:latin typeface="+mn-lt"/>
+                    <a:ea typeface="+mn-ea"/>
+                    <a:cs typeface="+mn-cs"/>
+                  </a:defRPr>
+                </a:lvl4pPr>
+                <a:lvl5pPr marL="1828800" algn="l" defTabSz="914400" rtl="0" eaLnBrk="1" latinLnBrk="0" hangingPunct="1">
+                  <a:defRPr sz="1800" kern="1200">
+                    <a:solidFill>
+                      <a:schemeClr val="lt1"/>
+                    </a:solidFill>
+                    <a:latin typeface="+mn-lt"/>
+                    <a:ea typeface="+mn-ea"/>
+                    <a:cs typeface="+mn-cs"/>
+                  </a:defRPr>
+                </a:lvl5pPr>
+                <a:lvl6pPr marL="2286000" algn="l" defTabSz="914400" rtl="0" eaLnBrk="1" latinLnBrk="0" hangingPunct="1">
+                  <a:defRPr sz="1800" kern="1200">
+                    <a:solidFill>
+                      <a:schemeClr val="lt1"/>
+                    </a:solidFill>
+                    <a:latin typeface="+mn-lt"/>
+                    <a:ea typeface="+mn-ea"/>
+                    <a:cs typeface="+mn-cs"/>
+                  </a:defRPr>
+                </a:lvl6pPr>
+                <a:lvl7pPr marL="2743200" algn="l" defTabSz="914400" rtl="0" eaLnBrk="1" latinLnBrk="0" hangingPunct="1">
+                  <a:defRPr sz="1800" kern="1200">
+                    <a:solidFill>
+                      <a:schemeClr val="lt1"/>
+                    </a:solidFill>
+                    <a:latin typeface="+mn-lt"/>
+                    <a:ea typeface="+mn-ea"/>
+                    <a:cs typeface="+mn-cs"/>
+                  </a:defRPr>
+                </a:lvl7pPr>
+                <a:lvl8pPr marL="3200400" algn="l" defTabSz="914400" rtl="0" eaLnBrk="1" latinLnBrk="0" hangingPunct="1">
+                  <a:defRPr sz="1800" kern="1200">
+                    <a:solidFill>
+                      <a:schemeClr val="lt1"/>
+                    </a:solidFill>
+                    <a:latin typeface="+mn-lt"/>
+                    <a:ea typeface="+mn-ea"/>
+                    <a:cs typeface="+mn-cs"/>
+                  </a:defRPr>
+                </a:lvl8pPr>
+                <a:lvl9pPr marL="3657600" algn="l" defTabSz="914400" rtl="0" eaLnBrk="1" latinLnBrk="0" hangingPunct="1">
+                  <a:defRPr sz="1800" kern="1200">
+                    <a:solidFill>
+                      <a:schemeClr val="lt1"/>
+                    </a:solidFill>
+                    <a:latin typeface="+mn-lt"/>
+                    <a:ea typeface="+mn-ea"/>
+                    <a:cs typeface="+mn-cs"/>
+                  </a:defRPr>
+                </a:lvl9pPr>
+              </a:lstStyle>
+              <a:p>
+                <a:r>
+                  <a:rPr lang="ko-KR" altLang="en-US" sz="1050" dirty="0">
+                    <a:solidFill>
+                      <a:srgbClr val="5F5F5F"/>
+                    </a:solidFill>
+                    <a:latin typeface="Segoe UI" panose="020B0502040204020203" pitchFamily="34" charset="0"/>
+                    <a:cs typeface="Segoe UI" panose="020B0502040204020203" pitchFamily="34" charset="0"/>
+                  </a:rPr>
+                  <a:t>수정</a:t>
+                </a:r>
+                <a:endParaRPr lang="en-US" sz="1050" dirty="0">
+                  <a:solidFill>
+                    <a:srgbClr val="5F5F5F"/>
+                  </a:solidFill>
+                  <a:latin typeface="Segoe UI" panose="020B0502040204020203" pitchFamily="34" charset="0"/>
+                  <a:cs typeface="Segoe UI" panose="020B0502040204020203" pitchFamily="34" charset="0"/>
+                </a:endParaRPr>
+              </a:p>
+            </p:txBody>
+          </p:sp>
+          <p:sp>
+            <p:nvSpPr>
+              <p:cNvPr id="266" name="Button">
+                <a:extLst>
+                  <a:ext uri="{FF2B5EF4-FFF2-40B4-BE49-F238E27FC236}">
+                    <a16:creationId xmlns:a16="http://schemas.microsoft.com/office/drawing/2014/main" id="{D9BB750F-1045-4A52-B6EC-4979885DCE70}"/>
+                  </a:ext>
+                </a:extLst>
+              </p:cNvPr>
+              <p:cNvSpPr/>
+              <p:nvPr/>
+            </p:nvSpPr>
+            <p:spPr>
+              <a:xfrm>
+                <a:off x="8573609" y="4056193"/>
+                <a:ext cx="471532" cy="310539"/>
+              </a:xfrm>
+              <a:prstGeom prst="roundRect">
+                <a:avLst>
+                  <a:gd name="adj" fmla="val 11182"/>
+                </a:avLst>
+              </a:prstGeom>
+              <a:solidFill>
+                <a:srgbClr val="FFFFFF"/>
+              </a:solidFill>
+              <a:ln w="6350">
+                <a:solidFill>
+                  <a:srgbClr val="808080"/>
+                </a:solidFill>
+              </a:ln>
+            </p:spPr>
+            <p:style>
+              <a:lnRef idx="2">
+                <a:schemeClr val="accent1">
+                  <a:shade val="50000"/>
+                </a:schemeClr>
+              </a:lnRef>
+              <a:fillRef idx="1">
+                <a:schemeClr val="accent1"/>
+              </a:fillRef>
+              <a:effectRef idx="0">
+                <a:schemeClr val="accent1"/>
+              </a:effectRef>
+              <a:fontRef idx="minor">
+                <a:schemeClr val="lt1"/>
+              </a:fontRef>
+            </p:style>
+            <p:txBody>
+              <a:bodyPr rot="0" spcFirstLastPara="0" vert="horz" wrap="none" lIns="91440" tIns="64008" rIns="91440" bIns="64008" numCol="1" spcCol="0" rtlCol="0" fromWordArt="0" anchor="ctr" anchorCtr="0" forceAA="0" compatLnSpc="1">
+                <a:prstTxWarp prst="textNoShape">
+                  <a:avLst/>
+                </a:prstTxWarp>
+                <a:spAutoFit/>
+              </a:bodyPr>
+              <a:lstStyle>
+                <a:defPPr>
+                  <a:defRPr lang="en-US"/>
+                </a:defPPr>
+                <a:lvl1pPr marL="0" algn="l" defTabSz="914400" rtl="0" eaLnBrk="1" latinLnBrk="0" hangingPunct="1">
+                  <a:defRPr sz="1800" kern="1200">
+                    <a:solidFill>
+                      <a:schemeClr val="lt1"/>
+                    </a:solidFill>
+                    <a:latin typeface="+mn-lt"/>
+                    <a:ea typeface="+mn-ea"/>
+                    <a:cs typeface="+mn-cs"/>
+                  </a:defRPr>
+                </a:lvl1pPr>
+                <a:lvl2pPr marL="457200" algn="l" defTabSz="914400" rtl="0" eaLnBrk="1" latinLnBrk="0" hangingPunct="1">
+                  <a:defRPr sz="1800" kern="1200">
+                    <a:solidFill>
+                      <a:schemeClr val="lt1"/>
+                    </a:solidFill>
+                    <a:latin typeface="+mn-lt"/>
+                    <a:ea typeface="+mn-ea"/>
+                    <a:cs typeface="+mn-cs"/>
+                  </a:defRPr>
+                </a:lvl2pPr>
+                <a:lvl3pPr marL="914400" algn="l" defTabSz="914400" rtl="0" eaLnBrk="1" latinLnBrk="0" hangingPunct="1">
+                  <a:defRPr sz="1800" kern="1200">
+                    <a:solidFill>
+                      <a:schemeClr val="lt1"/>
+                    </a:solidFill>
+                    <a:latin typeface="+mn-lt"/>
+                    <a:ea typeface="+mn-ea"/>
+                    <a:cs typeface="+mn-cs"/>
+                  </a:defRPr>
+                </a:lvl3pPr>
+                <a:lvl4pPr marL="1371600" algn="l" defTabSz="914400" rtl="0" eaLnBrk="1" latinLnBrk="0" hangingPunct="1">
+                  <a:defRPr sz="1800" kern="1200">
+                    <a:solidFill>
+                      <a:schemeClr val="lt1"/>
+                    </a:solidFill>
+                    <a:latin typeface="+mn-lt"/>
+                    <a:ea typeface="+mn-ea"/>
+                    <a:cs typeface="+mn-cs"/>
+                  </a:defRPr>
+                </a:lvl4pPr>
+                <a:lvl5pPr marL="1828800" algn="l" defTabSz="914400" rtl="0" eaLnBrk="1" latinLnBrk="0" hangingPunct="1">
+                  <a:defRPr sz="1800" kern="1200">
+                    <a:solidFill>
+                      <a:schemeClr val="lt1"/>
+                    </a:solidFill>
+                    <a:latin typeface="+mn-lt"/>
+                    <a:ea typeface="+mn-ea"/>
+                    <a:cs typeface="+mn-cs"/>
+                  </a:defRPr>
+                </a:lvl5pPr>
+                <a:lvl6pPr marL="2286000" algn="l" defTabSz="914400" rtl="0" eaLnBrk="1" latinLnBrk="0" hangingPunct="1">
+                  <a:defRPr sz="1800" kern="1200">
+                    <a:solidFill>
+                      <a:schemeClr val="lt1"/>
+                    </a:solidFill>
+                    <a:latin typeface="+mn-lt"/>
+                    <a:ea typeface="+mn-ea"/>
+                    <a:cs typeface="+mn-cs"/>
+                  </a:defRPr>
+                </a:lvl6pPr>
+                <a:lvl7pPr marL="2743200" algn="l" defTabSz="914400" rtl="0" eaLnBrk="1" latinLnBrk="0" hangingPunct="1">
+                  <a:defRPr sz="1800" kern="1200">
+                    <a:solidFill>
+                      <a:schemeClr val="lt1"/>
+                    </a:solidFill>
+                    <a:latin typeface="+mn-lt"/>
+                    <a:ea typeface="+mn-ea"/>
+                    <a:cs typeface="+mn-cs"/>
+                  </a:defRPr>
+                </a:lvl7pPr>
+                <a:lvl8pPr marL="3200400" algn="l" defTabSz="914400" rtl="0" eaLnBrk="1" latinLnBrk="0" hangingPunct="1">
+                  <a:defRPr sz="1800" kern="1200">
+                    <a:solidFill>
+                      <a:schemeClr val="lt1"/>
+                    </a:solidFill>
+                    <a:latin typeface="+mn-lt"/>
+                    <a:ea typeface="+mn-ea"/>
+                    <a:cs typeface="+mn-cs"/>
+                  </a:defRPr>
+                </a:lvl8pPr>
+                <a:lvl9pPr marL="3657600" algn="l" defTabSz="914400" rtl="0" eaLnBrk="1" latinLnBrk="0" hangingPunct="1">
+                  <a:defRPr sz="1800" kern="1200">
+                    <a:solidFill>
+                      <a:schemeClr val="lt1"/>
+                    </a:solidFill>
+                    <a:latin typeface="+mn-lt"/>
+                    <a:ea typeface="+mn-ea"/>
+                    <a:cs typeface="+mn-cs"/>
+                  </a:defRPr>
+                </a:lvl9pPr>
+              </a:lstStyle>
+              <a:p>
+                <a:r>
+                  <a:rPr lang="ko-KR" altLang="en-US" sz="1050" dirty="0">
+                    <a:solidFill>
+                      <a:srgbClr val="5F5F5F"/>
+                    </a:solidFill>
+                    <a:latin typeface="Segoe UI" panose="020B0502040204020203" pitchFamily="34" charset="0"/>
+                    <a:cs typeface="Segoe UI" panose="020B0502040204020203" pitchFamily="34" charset="0"/>
+                  </a:rPr>
+                  <a:t>삭제</a:t>
+                </a:r>
+                <a:endParaRPr lang="en-US" sz="1050" dirty="0">
+                  <a:solidFill>
+                    <a:srgbClr val="5F5F5F"/>
+                  </a:solidFill>
+                  <a:latin typeface="Segoe UI" panose="020B0502040204020203" pitchFamily="34" charset="0"/>
+                  <a:cs typeface="Segoe UI" panose="020B0502040204020203" pitchFamily="34" charset="0"/>
+                </a:endParaRPr>
+              </a:p>
+            </p:txBody>
+          </p:sp>
+        </p:grpSp>
+      </p:grpSp>
+      <p:sp>
+        <p:nvSpPr>
+          <p:cNvPr id="24" name="직사각형 23">
+            <a:extLst>
+              <a:ext uri="{FF2B5EF4-FFF2-40B4-BE49-F238E27FC236}">
+                <a16:creationId xmlns:a16="http://schemas.microsoft.com/office/drawing/2014/main" id="{94BA7BD9-61ED-450E-90DC-921C929F2ADD}"/>
+              </a:ext>
+            </a:extLst>
+          </p:cNvPr>
+          <p:cNvSpPr/>
+          <p:nvPr/>
+        </p:nvSpPr>
+        <p:spPr>
+          <a:xfrm>
+            <a:off x="1950948" y="6652837"/>
+            <a:ext cx="8571458" cy="518459"/>
+          </a:xfrm>
+          <a:prstGeom prst="rect">
+            <a:avLst/>
+          </a:prstGeom>
+          <a:solidFill>
+            <a:schemeClr val="bg1"/>
+          </a:solidFill>
+          <a:ln>
+            <a:noFill/>
+          </a:ln>
+        </p:spPr>
+        <p:style>
+          <a:lnRef idx="2">
+            <a:schemeClr val="accent1">
+              <a:shade val="50000"/>
+            </a:schemeClr>
+          </a:lnRef>
+          <a:fillRef idx="1">
+            <a:schemeClr val="accent1"/>
+          </a:fillRef>
+          <a:effectRef idx="0">
+            <a:schemeClr val="accent1"/>
+          </a:effectRef>
+          <a:fontRef idx="minor">
+            <a:schemeClr val="lt1"/>
+          </a:fontRef>
+        </p:style>
+        <p:txBody>
+          <a:bodyPr rtlCol="0" anchor="ctr"/>
+          <a:lstStyle/>
+          <a:p>
+            <a:pPr algn="ctr"/>
+            <a:endParaRPr lang="ko-KR" altLang="en-US"/>
+          </a:p>
+        </p:txBody>
+      </p:sp>
+      <p:cxnSp>
+        <p:nvCxnSpPr>
+          <p:cNvPr id="26" name="직선 연결선 25">
+            <a:extLst>
+              <a:ext uri="{FF2B5EF4-FFF2-40B4-BE49-F238E27FC236}">
+                <a16:creationId xmlns:a16="http://schemas.microsoft.com/office/drawing/2014/main" id="{12E67897-8AC0-4AB2-AE01-CB805D7B550B}"/>
+              </a:ext>
+            </a:extLst>
+          </p:cNvPr>
+          <p:cNvCxnSpPr/>
+          <p:nvPr/>
+        </p:nvCxnSpPr>
+        <p:spPr>
+          <a:xfrm>
+            <a:off x="3440280" y="6639189"/>
+            <a:ext cx="5699583" cy="0"/>
+          </a:xfrm>
+          <a:prstGeom prst="line">
+            <a:avLst/>
+          </a:prstGeom>
+          <a:ln>
+            <a:solidFill>
+              <a:srgbClr val="808080"/>
+            </a:solidFill>
+          </a:ln>
+        </p:spPr>
+        <p:style>
+          <a:lnRef idx="1">
+            <a:schemeClr val="accent1"/>
+          </a:lnRef>
+          <a:fillRef idx="0">
+            <a:schemeClr val="accent1"/>
+          </a:fillRef>
+          <a:effectRef idx="0">
+            <a:schemeClr val="accent1"/>
+          </a:effectRef>
+          <a:fontRef idx="minor">
+            <a:schemeClr val="tx1"/>
+          </a:fontRef>
+        </p:style>
+      </p:cxnSp>
+      <p:sp>
+        <p:nvSpPr>
+          <p:cNvPr id="27" name="TextBox 26">
+            <a:extLst>
+              <a:ext uri="{FF2B5EF4-FFF2-40B4-BE49-F238E27FC236}">
+                <a16:creationId xmlns:a16="http://schemas.microsoft.com/office/drawing/2014/main" id="{7ECB3A7A-63C7-454C-BF5D-CAAB432747DA}"/>
+              </a:ext>
+            </a:extLst>
+          </p:cNvPr>
+          <p:cNvSpPr txBox="1"/>
+          <p:nvPr/>
+        </p:nvSpPr>
+        <p:spPr>
+          <a:xfrm>
+            <a:off x="9136575" y="859810"/>
+            <a:ext cx="720926" cy="276999"/>
+          </a:xfrm>
+          <a:prstGeom prst="rect">
+            <a:avLst/>
+          </a:prstGeom>
+          <a:noFill/>
+        </p:spPr>
+        <p:txBody>
+          <a:bodyPr wrap="square" rtlCol="0">
+            <a:spAutoFit/>
+          </a:bodyPr>
+          <a:lstStyle/>
+          <a:p>
+            <a:r>
+              <a:rPr lang="ko-KR" altLang="en-US" sz="1200" b="1" u="sng" dirty="0">
+                <a:solidFill>
+                  <a:srgbClr val="808080"/>
+                </a:solidFill>
+              </a:rPr>
+              <a:t>닉네임</a:t>
+            </a:r>
+            <a:endParaRPr lang="ko-KR" altLang="en-US" b="1" u="sng" dirty="0">
+              <a:solidFill>
+                <a:srgbClr val="808080"/>
+              </a:solidFill>
+            </a:endParaRPr>
+          </a:p>
+        </p:txBody>
+      </p:sp>
+    </p:spTree>
+    <p:extLst>
+      <p:ext uri="{BB962C8B-B14F-4D97-AF65-F5344CB8AC3E}">
+        <p14:creationId xmlns:p14="http://schemas.microsoft.com/office/powerpoint/2010/main" val="429468066"/>
+      </p:ext>
+    </p:extLst>
+  </p:cSld>
+  <p:clrMapOvr>
+    <a:masterClrMapping/>
+  </p:clrMapOvr>
+</p:sld>
+</file>
+
 <file path=ppt/tags/tag1.xml><?xml version="1.0" encoding="utf-8"?>
 <p:tagLst xmlns:a="http://schemas.openxmlformats.org/drawingml/2006/main" xmlns:r="http://schemas.openxmlformats.org/officeDocument/2006/relationships" xmlns:p="http://schemas.openxmlformats.org/presentationml/2006/main">
   <p:tag name="SMARTSETTINGSHASH" val="PWOa7bLCMN/NfWse0OkDrDXWtXjrMvC+/KEnGxnzoq0="/>
@@ -34059,13 +40074,145 @@
 </p:tagLst>
 </file>
 
+<file path=ppt/tags/tag56.xml><?xml version="1.0" encoding="utf-8"?>
+<p:tagLst xmlns:a="http://schemas.openxmlformats.org/drawingml/2006/main" xmlns:r="http://schemas.openxmlformats.org/officeDocument/2006/relationships" xmlns:p="http://schemas.openxmlformats.org/presentationml/2006/main">
+  <p:tag name="SMARTSETTINGSHASH" val="PWOa7bLCMN/NfWse0OkDrDXWtXjrMvC+/KEnGxnzoq0="/>
+</p:tagLst>
+</file>
+
+<file path=ppt/tags/tag57.xml><?xml version="1.0" encoding="utf-8"?>
+<p:tagLst xmlns:a="http://schemas.openxmlformats.org/drawingml/2006/main" xmlns:r="http://schemas.openxmlformats.org/officeDocument/2006/relationships" xmlns:p="http://schemas.openxmlformats.org/presentationml/2006/main">
+  <p:tag name="SMARTSETTINGSHASH" val="lw1Lkg7svXXN48WtUrnV1gJLkLzszgILIZBTyELyfMw="/>
+</p:tagLst>
+</file>
+
+<file path=ppt/tags/tag58.xml><?xml version="1.0" encoding="utf-8"?>
+<p:tagLst xmlns:a="http://schemas.openxmlformats.org/drawingml/2006/main" xmlns:r="http://schemas.openxmlformats.org/officeDocument/2006/relationships" xmlns:p="http://schemas.openxmlformats.org/presentationml/2006/main">
+  <p:tag name="SMARTSETTINGSHASH" val="lw1Lkg7svXXN48WtUrnV1gJLkLzszgILIZBTyELyfMw="/>
+</p:tagLst>
+</file>
+
+<file path=ppt/tags/tag59.xml><?xml version="1.0" encoding="utf-8"?>
+<p:tagLst xmlns:a="http://schemas.openxmlformats.org/drawingml/2006/main" xmlns:r="http://schemas.openxmlformats.org/officeDocument/2006/relationships" xmlns:p="http://schemas.openxmlformats.org/presentationml/2006/main">
+  <p:tag name="SMARTSETTINGSHASH" val="IDSg7uxH1Z/iSOkBSMZyie/SGkHlLE2okQSpqFhp1Ac="/>
+</p:tagLst>
+</file>
+
 <file path=ppt/tags/tag6.xml><?xml version="1.0" encoding="utf-8"?>
 <p:tagLst xmlns:a="http://schemas.openxmlformats.org/drawingml/2006/main" xmlns:r="http://schemas.openxmlformats.org/officeDocument/2006/relationships" xmlns:p="http://schemas.openxmlformats.org/presentationml/2006/main">
   <p:tag name="SMARTSETTINGSHASH" val="SB3bqgv5ghGJknk/m+/9EdPMDkanH9eNosaoBtCx42Q="/>
 </p:tagLst>
 </file>
 
+<file path=ppt/tags/tag60.xml><?xml version="1.0" encoding="utf-8"?>
+<p:tagLst xmlns:a="http://schemas.openxmlformats.org/drawingml/2006/main" xmlns:r="http://schemas.openxmlformats.org/officeDocument/2006/relationships" xmlns:p="http://schemas.openxmlformats.org/presentationml/2006/main">
+  <p:tag name="SMARTSETTINGSHASH" val="e2LyG275MKfvTp6do0okUjzBxgRCPw1IXGPe3BDSnOI="/>
+</p:tagLst>
+</file>
+
+<file path=ppt/tags/tag61.xml><?xml version="1.0" encoding="utf-8"?>
+<p:tagLst xmlns:a="http://schemas.openxmlformats.org/drawingml/2006/main" xmlns:r="http://schemas.openxmlformats.org/officeDocument/2006/relationships" xmlns:p="http://schemas.openxmlformats.org/presentationml/2006/main">
+  <p:tag name="SMARTSETTINGSHASH" val="lw1Lkg7svXXN48WtUrnV1gJLkLzszgILIZBTyELyfMw="/>
+</p:tagLst>
+</file>
+
+<file path=ppt/tags/tag62.xml><?xml version="1.0" encoding="utf-8"?>
+<p:tagLst xmlns:a="http://schemas.openxmlformats.org/drawingml/2006/main" xmlns:r="http://schemas.openxmlformats.org/officeDocument/2006/relationships" xmlns:p="http://schemas.openxmlformats.org/presentationml/2006/main">
+  <p:tag name="SMARTSETTINGSHASH" val="IDSg7uxH1Z/iSOkBSMZyie/SGkHlLE2okQSpqFhp1Ac="/>
+</p:tagLst>
+</file>
+
+<file path=ppt/tags/tag63.xml><?xml version="1.0" encoding="utf-8"?>
+<p:tagLst xmlns:a="http://schemas.openxmlformats.org/drawingml/2006/main" xmlns:r="http://schemas.openxmlformats.org/officeDocument/2006/relationships" xmlns:p="http://schemas.openxmlformats.org/presentationml/2006/main">
+  <p:tag name="SMARTSETTINGSHASH" val="e2LyG275MKfvTp6do0okUjzBxgRCPw1IXGPe3BDSnOI="/>
+</p:tagLst>
+</file>
+
+<file path=ppt/tags/tag64.xml><?xml version="1.0" encoding="utf-8"?>
+<p:tagLst xmlns:a="http://schemas.openxmlformats.org/drawingml/2006/main" xmlns:r="http://schemas.openxmlformats.org/officeDocument/2006/relationships" xmlns:p="http://schemas.openxmlformats.org/presentationml/2006/main">
+  <p:tag name="SMARTSETTINGSHASH" val="lw1Lkg7svXXN48WtUrnV1gJLkLzszgILIZBTyELyfMw="/>
+</p:tagLst>
+</file>
+
+<file path=ppt/tags/tag65.xml><?xml version="1.0" encoding="utf-8"?>
+<p:tagLst xmlns:a="http://schemas.openxmlformats.org/drawingml/2006/main" xmlns:r="http://schemas.openxmlformats.org/officeDocument/2006/relationships" xmlns:p="http://schemas.openxmlformats.org/presentationml/2006/main">
+  <p:tag name="SMARTSETTINGSHASH" val="IDSg7uxH1Z/iSOkBSMZyie/SGkHlLE2okQSpqFhp1Ac="/>
+</p:tagLst>
+</file>
+
+<file path=ppt/tags/tag66.xml><?xml version="1.0" encoding="utf-8"?>
+<p:tagLst xmlns:a="http://schemas.openxmlformats.org/drawingml/2006/main" xmlns:r="http://schemas.openxmlformats.org/officeDocument/2006/relationships" xmlns:p="http://schemas.openxmlformats.org/presentationml/2006/main">
+  <p:tag name="SMARTSETTINGSHASH" val="e2LyG275MKfvTp6do0okUjzBxgRCPw1IXGPe3BDSnOI="/>
+</p:tagLst>
+</file>
+
+<file path=ppt/tags/tag67.xml><?xml version="1.0" encoding="utf-8"?>
+<p:tagLst xmlns:a="http://schemas.openxmlformats.org/drawingml/2006/main" xmlns:r="http://schemas.openxmlformats.org/officeDocument/2006/relationships" xmlns:p="http://schemas.openxmlformats.org/presentationml/2006/main">
+  <p:tag name="SMARTSETTINGSHASH" val="lw1Lkg7svXXN48WtUrnV1gJLkLzszgILIZBTyELyfMw="/>
+</p:tagLst>
+</file>
+
+<file path=ppt/tags/tag68.xml><?xml version="1.0" encoding="utf-8"?>
+<p:tagLst xmlns:a="http://schemas.openxmlformats.org/drawingml/2006/main" xmlns:r="http://schemas.openxmlformats.org/officeDocument/2006/relationships" xmlns:p="http://schemas.openxmlformats.org/presentationml/2006/main">
+  <p:tag name="SMARTSETTINGSHASH" val="IDSg7uxH1Z/iSOkBSMZyie/SGkHlLE2okQSpqFhp1Ac="/>
+</p:tagLst>
+</file>
+
+<file path=ppt/tags/tag69.xml><?xml version="1.0" encoding="utf-8"?>
+<p:tagLst xmlns:a="http://schemas.openxmlformats.org/drawingml/2006/main" xmlns:r="http://schemas.openxmlformats.org/officeDocument/2006/relationships" xmlns:p="http://schemas.openxmlformats.org/presentationml/2006/main">
+  <p:tag name="SMARTSETTINGSHASH" val="xZU/W0IqlvXPkJ37/hSWg5jSIFh0KZmI7sT1syyiYH8="/>
+</p:tagLst>
+</file>
+
 <file path=ppt/tags/tag7.xml><?xml version="1.0" encoding="utf-8"?>
+<p:tagLst xmlns:a="http://schemas.openxmlformats.org/drawingml/2006/main" xmlns:r="http://schemas.openxmlformats.org/officeDocument/2006/relationships" xmlns:p="http://schemas.openxmlformats.org/presentationml/2006/main">
+  <p:tag name="SMARTSETTINGSHASH" val="IDSg7uxH1Z/iSOkBSMZyie/SGkHlLE2okQSpqFhp1Ac="/>
+</p:tagLst>
+</file>
+
+<file path=ppt/tags/tag70.xml><?xml version="1.0" encoding="utf-8"?>
+<p:tagLst xmlns:a="http://schemas.openxmlformats.org/drawingml/2006/main" xmlns:r="http://schemas.openxmlformats.org/officeDocument/2006/relationships" xmlns:p="http://schemas.openxmlformats.org/presentationml/2006/main">
+  <p:tag name="SMARTSETTINGSHASH" val="SB3bqgv5ghGJknk/m+/9EdPMDkanH9eNosaoBtCx42Q="/>
+</p:tagLst>
+</file>
+
+<file path=ppt/tags/tag71.xml><?xml version="1.0" encoding="utf-8"?>
+<p:tagLst xmlns:a="http://schemas.openxmlformats.org/drawingml/2006/main" xmlns:r="http://schemas.openxmlformats.org/officeDocument/2006/relationships" xmlns:p="http://schemas.openxmlformats.org/presentationml/2006/main">
+  <p:tag name="SMARTSETTINGSHASH" val="xscEFkRiZvbxLfN1YzQGPp4nKBgtuPrjp3QiTCcMWwM="/>
+</p:tagLst>
+</file>
+
+<file path=ppt/tags/tag72.xml><?xml version="1.0" encoding="utf-8"?>
+<p:tagLst xmlns:a="http://schemas.openxmlformats.org/drawingml/2006/main" xmlns:r="http://schemas.openxmlformats.org/officeDocument/2006/relationships" xmlns:p="http://schemas.openxmlformats.org/presentationml/2006/main">
+  <p:tag name="SMARTSETTINGSHASH" val="xscEFkRiZvbxLfN1YzQGPp4nKBgtuPrjp3QiTCcMWwM="/>
+</p:tagLst>
+</file>
+
+<file path=ppt/tags/tag73.xml><?xml version="1.0" encoding="utf-8"?>
+<p:tagLst xmlns:a="http://schemas.openxmlformats.org/drawingml/2006/main" xmlns:r="http://schemas.openxmlformats.org/officeDocument/2006/relationships" xmlns:p="http://schemas.openxmlformats.org/presentationml/2006/main">
+  <p:tag name="SMARTSETTINGSHASH" val="SB3bqgv5ghGJknk/m+/9EdPMDkanH9eNosaoBtCx42Q="/>
+</p:tagLst>
+</file>
+
+<file path=ppt/tags/tag74.xml><?xml version="1.0" encoding="utf-8"?>
+<p:tagLst xmlns:a="http://schemas.openxmlformats.org/drawingml/2006/main" xmlns:r="http://schemas.openxmlformats.org/officeDocument/2006/relationships" xmlns:p="http://schemas.openxmlformats.org/presentationml/2006/main">
+  <p:tag name="SMARTSETTINGSHASH" val="IDSg7uxH1Z/iSOkBSMZyie/SGkHlLE2okQSpqFhp1Ac="/>
+</p:tagLst>
+</file>
+
+<file path=ppt/tags/tag75.xml><?xml version="1.0" encoding="utf-8"?>
+<p:tagLst xmlns:a="http://schemas.openxmlformats.org/drawingml/2006/main" xmlns:r="http://schemas.openxmlformats.org/officeDocument/2006/relationships" xmlns:p="http://schemas.openxmlformats.org/presentationml/2006/main">
+  <p:tag name="SMARTSETTINGSHASH" val="IDSg7uxH1Z/iSOkBSMZyie/SGkHlLE2okQSpqFhp1Ac="/>
+</p:tagLst>
+</file>
+
+<file path=ppt/tags/tag76.xml><?xml version="1.0" encoding="utf-8"?>
+<p:tagLst xmlns:a="http://schemas.openxmlformats.org/drawingml/2006/main" xmlns:r="http://schemas.openxmlformats.org/officeDocument/2006/relationships" xmlns:p="http://schemas.openxmlformats.org/presentationml/2006/main">
+  <p:tag name="SMARTSETTINGSHASH" val="IDSg7uxH1Z/iSOkBSMZyie/SGkHlLE2okQSpqFhp1Ac="/>
+</p:tagLst>
+</file>
+
+<file path=ppt/tags/tag77.xml><?xml version="1.0" encoding="utf-8"?>
 <p:tagLst xmlns:a="http://schemas.openxmlformats.org/drawingml/2006/main" xmlns:r="http://schemas.openxmlformats.org/officeDocument/2006/relationships" xmlns:p="http://schemas.openxmlformats.org/presentationml/2006/main">
   <p:tag name="SMARTSETTINGSHASH" val="IDSg7uxH1Z/iSOkBSMZyie/SGkHlLE2okQSpqFhp1Ac="/>
 </p:tagLst>
